--- a/Py B - unit 3p.pptx
+++ b/Py B - unit 3p.pptx
@@ -6,16 +6,38 @@
   </p:sldMasterIdLst>
   <p:sldIdLst>
     <p:sldId id="256" r:id="rId2"/>
-    <p:sldId id="266" r:id="rId3"/>
-    <p:sldId id="258" r:id="rId4"/>
-    <p:sldId id="262" r:id="rId5"/>
-    <p:sldId id="261" r:id="rId6"/>
-    <p:sldId id="276" r:id="rId7"/>
-    <p:sldId id="274" r:id="rId8"/>
-    <p:sldId id="275" r:id="rId9"/>
-    <p:sldId id="283" r:id="rId10"/>
-    <p:sldId id="272" r:id="rId11"/>
-    <p:sldId id="273" r:id="rId12"/>
+    <p:sldId id="276" r:id="rId3"/>
+    <p:sldId id="280" r:id="rId4"/>
+    <p:sldId id="300" r:id="rId5"/>
+    <p:sldId id="286" r:id="rId6"/>
+    <p:sldId id="287" r:id="rId7"/>
+    <p:sldId id="288" r:id="rId8"/>
+    <p:sldId id="289" r:id="rId9"/>
+    <p:sldId id="299" r:id="rId10"/>
+    <p:sldId id="290" r:id="rId11"/>
+    <p:sldId id="291" r:id="rId12"/>
+    <p:sldId id="293" r:id="rId13"/>
+    <p:sldId id="292" r:id="rId14"/>
+    <p:sldId id="294" r:id="rId15"/>
+    <p:sldId id="295" r:id="rId16"/>
+    <p:sldId id="296" r:id="rId17"/>
+    <p:sldId id="297" r:id="rId18"/>
+    <p:sldId id="303" r:id="rId19"/>
+    <p:sldId id="266" r:id="rId20"/>
+    <p:sldId id="261" r:id="rId21"/>
+    <p:sldId id="298" r:id="rId22"/>
+    <p:sldId id="285" r:id="rId23"/>
+    <p:sldId id="274" r:id="rId24"/>
+    <p:sldId id="275" r:id="rId25"/>
+    <p:sldId id="284" r:id="rId26"/>
+    <p:sldId id="304" r:id="rId27"/>
+    <p:sldId id="301" r:id="rId28"/>
+    <p:sldId id="302" r:id="rId29"/>
+    <p:sldId id="283" r:id="rId30"/>
+    <p:sldId id="272" r:id="rId31"/>
+    <p:sldId id="273" r:id="rId32"/>
+    <p:sldId id="258" r:id="rId33"/>
+    <p:sldId id="262" r:id="rId34"/>
   </p:sldIdLst>
   <p:sldSz cx="12192000" cy="6858000"/>
   <p:notesSz cx="6858000" cy="9144000"/>
@@ -122,8 +144,702 @@
 </p:presentation>
 </file>
 
+<file path=ppt/revisionInfo.xml><?xml version="1.0" encoding="utf-8"?>
+<p1510:revInfo xmlns:a="http://schemas.openxmlformats.org/drawingml/2006/main" xmlns:r="http://schemas.openxmlformats.org/officeDocument/2006/relationships" xmlns:p1510="http://schemas.microsoft.com/office/powerpoint/2015/10/main">
+  <p1510:revLst>
+    <p1510:client id="{5DDD6A57-FD4C-4DE0-8DF6-43BC1A908F0C}" v="37" dt="2021-12-26T07:07:38.089"/>
+  </p1510:revLst>
+</p1510:revInfo>
+</file>
+
 <file path=ppt/changesInfos/changesInfo1.xml><?xml version="1.0" encoding="utf-8"?>
 <pc:chgInfo xmlns:a="http://schemas.openxmlformats.org/drawingml/2006/main" xmlns:r="http://schemas.openxmlformats.org/officeDocument/2006/relationships" xmlns:ac="http://schemas.microsoft.com/office/drawing/2013/main/command" xmlns:pc="http://schemas.microsoft.com/office/powerpoint/2013/main/command">
+  <pc:docChgLst>
+    <pc:chgData name="Li Lixiang" userId="6104bbfcb56aea79" providerId="LiveId" clId="{5DDD6A57-FD4C-4DE0-8DF6-43BC1A908F0C}"/>
+    <pc:docChg chg="undo redo custSel addSld modSld sldOrd">
+      <pc:chgData name="Li Lixiang" userId="6104bbfcb56aea79" providerId="LiveId" clId="{5DDD6A57-FD4C-4DE0-8DF6-43BC1A908F0C}" dt="2021-12-26T07:08:32.559" v="9562" actId="1035"/>
+      <pc:docMkLst>
+        <pc:docMk/>
+      </pc:docMkLst>
+      <pc:sldChg chg="ord">
+        <pc:chgData name="Li Lixiang" userId="6104bbfcb56aea79" providerId="LiveId" clId="{5DDD6A57-FD4C-4DE0-8DF6-43BC1A908F0C}" dt="2021-12-12T02:54:50.186" v="7494"/>
+        <pc:sldMkLst>
+          <pc:docMk/>
+          <pc:sldMk cId="3903523967" sldId="258"/>
+        </pc:sldMkLst>
+      </pc:sldChg>
+      <pc:sldChg chg="ord">
+        <pc:chgData name="Li Lixiang" userId="6104bbfcb56aea79" providerId="LiveId" clId="{5DDD6A57-FD4C-4DE0-8DF6-43BC1A908F0C}" dt="2021-11-21T08:07:52.455" v="354"/>
+        <pc:sldMkLst>
+          <pc:docMk/>
+          <pc:sldMk cId="3409578767" sldId="261"/>
+        </pc:sldMkLst>
+      </pc:sldChg>
+      <pc:sldChg chg="ord">
+        <pc:chgData name="Li Lixiang" userId="6104bbfcb56aea79" providerId="LiveId" clId="{5DDD6A57-FD4C-4DE0-8DF6-43BC1A908F0C}" dt="2021-12-12T02:54:50.186" v="7494"/>
+        <pc:sldMkLst>
+          <pc:docMk/>
+          <pc:sldMk cId="43257341" sldId="262"/>
+        </pc:sldMkLst>
+      </pc:sldChg>
+      <pc:sldChg chg="modSp mod">
+        <pc:chgData name="Li Lixiang" userId="6104bbfcb56aea79" providerId="LiveId" clId="{5DDD6A57-FD4C-4DE0-8DF6-43BC1A908F0C}" dt="2021-11-18T11:52:04.765" v="187" actId="20577"/>
+        <pc:sldMkLst>
+          <pc:docMk/>
+          <pc:sldMk cId="2622198170" sldId="275"/>
+        </pc:sldMkLst>
+        <pc:spChg chg="mod">
+          <ac:chgData name="Li Lixiang" userId="6104bbfcb56aea79" providerId="LiveId" clId="{5DDD6A57-FD4C-4DE0-8DF6-43BC1A908F0C}" dt="2021-11-18T11:52:04.765" v="187" actId="20577"/>
+          <ac:spMkLst>
+            <pc:docMk/>
+            <pc:sldMk cId="2622198170" sldId="275"/>
+            <ac:spMk id="5" creationId="{614AC9D6-6BB4-4F70-B628-3A5C7883FE27}"/>
+          </ac:spMkLst>
+        </pc:spChg>
+      </pc:sldChg>
+      <pc:sldChg chg="modSp mod ord">
+        <pc:chgData name="Li Lixiang" userId="6104bbfcb56aea79" providerId="LiveId" clId="{5DDD6A57-FD4C-4DE0-8DF6-43BC1A908F0C}" dt="2021-12-18T10:40:34.572" v="8281" actId="403"/>
+        <pc:sldMkLst>
+          <pc:docMk/>
+          <pc:sldMk cId="646767933" sldId="276"/>
+        </pc:sldMkLst>
+        <pc:spChg chg="mod">
+          <ac:chgData name="Li Lixiang" userId="6104bbfcb56aea79" providerId="LiveId" clId="{5DDD6A57-FD4C-4DE0-8DF6-43BC1A908F0C}" dt="2021-12-18T10:40:34.572" v="8281" actId="403"/>
+          <ac:spMkLst>
+            <pc:docMk/>
+            <pc:sldMk cId="646767933" sldId="276"/>
+            <ac:spMk id="3" creationId="{7060439F-2729-478E-B95F-230482B50AA1}"/>
+          </ac:spMkLst>
+        </pc:spChg>
+      </pc:sldChg>
+      <pc:sldChg chg="addSp delSp modSp add mod">
+        <pc:chgData name="Li Lixiang" userId="6104bbfcb56aea79" providerId="LiveId" clId="{5DDD6A57-FD4C-4DE0-8DF6-43BC1A908F0C}" dt="2021-12-26T03:58:57.257" v="8286" actId="1076"/>
+        <pc:sldMkLst>
+          <pc:docMk/>
+          <pc:sldMk cId="3756693306" sldId="280"/>
+        </pc:sldMkLst>
+        <pc:spChg chg="del">
+          <ac:chgData name="Li Lixiang" userId="6104bbfcb56aea79" providerId="LiveId" clId="{5DDD6A57-FD4C-4DE0-8DF6-43BC1A908F0C}" dt="2021-12-26T03:58:42.945" v="8282" actId="478"/>
+          <ac:spMkLst>
+            <pc:docMk/>
+            <pc:sldMk cId="3756693306" sldId="280"/>
+            <ac:spMk id="2" creationId="{5D280E3F-E80C-41C4-83BA-7980618EAC5E}"/>
+          </ac:spMkLst>
+        </pc:spChg>
+        <pc:spChg chg="mod">
+          <ac:chgData name="Li Lixiang" userId="6104bbfcb56aea79" providerId="LiveId" clId="{5DDD6A57-FD4C-4DE0-8DF6-43BC1A908F0C}" dt="2021-12-26T03:58:57.257" v="8286" actId="1076"/>
+          <ac:spMkLst>
+            <pc:docMk/>
+            <pc:sldMk cId="3756693306" sldId="280"/>
+            <ac:spMk id="3" creationId="{9ACB66CF-AD72-47FB-9DEE-6949334A6EA7}"/>
+          </ac:spMkLst>
+        </pc:spChg>
+        <pc:spChg chg="add del mod">
+          <ac:chgData name="Li Lixiang" userId="6104bbfcb56aea79" providerId="LiveId" clId="{5DDD6A57-FD4C-4DE0-8DF6-43BC1A908F0C}" dt="2021-12-26T03:58:45.376" v="8283" actId="478"/>
+          <ac:spMkLst>
+            <pc:docMk/>
+            <pc:sldMk cId="3756693306" sldId="280"/>
+            <ac:spMk id="5" creationId="{9F6B5BFB-A22C-4118-A0D5-71C5F767CE17}"/>
+          </ac:spMkLst>
+        </pc:spChg>
+      </pc:sldChg>
+      <pc:sldChg chg="modSp new mod">
+        <pc:chgData name="Li Lixiang" userId="6104bbfcb56aea79" providerId="LiveId" clId="{5DDD6A57-FD4C-4DE0-8DF6-43BC1A908F0C}" dt="2021-10-13T03:58:52.085" v="185" actId="20577"/>
+        <pc:sldMkLst>
+          <pc:docMk/>
+          <pc:sldMk cId="901693000" sldId="284"/>
+        </pc:sldMkLst>
+        <pc:spChg chg="mod">
+          <ac:chgData name="Li Lixiang" userId="6104bbfcb56aea79" providerId="LiveId" clId="{5DDD6A57-FD4C-4DE0-8DF6-43BC1A908F0C}" dt="2021-10-13T03:56:32.351" v="7" actId="20577"/>
+          <ac:spMkLst>
+            <pc:docMk/>
+            <pc:sldMk cId="901693000" sldId="284"/>
+            <ac:spMk id="2" creationId="{1D96A6DA-85CC-438D-8FE1-8BDC8C1BE0D2}"/>
+          </ac:spMkLst>
+        </pc:spChg>
+        <pc:spChg chg="mod">
+          <ac:chgData name="Li Lixiang" userId="6104bbfcb56aea79" providerId="LiveId" clId="{5DDD6A57-FD4C-4DE0-8DF6-43BC1A908F0C}" dt="2021-10-13T03:58:52.085" v="185" actId="20577"/>
+          <ac:spMkLst>
+            <pc:docMk/>
+            <pc:sldMk cId="901693000" sldId="284"/>
+            <ac:spMk id="3" creationId="{74CF7FC6-65F6-4325-8DB2-4EB46244F474}"/>
+          </ac:spMkLst>
+        </pc:spChg>
+      </pc:sldChg>
+      <pc:sldChg chg="addSp delSp modSp add mod ord">
+        <pc:chgData name="Li Lixiang" userId="6104bbfcb56aea79" providerId="LiveId" clId="{5DDD6A57-FD4C-4DE0-8DF6-43BC1A908F0C}" dt="2021-11-23T06:40:16.847" v="6135"/>
+        <pc:sldMkLst>
+          <pc:docMk/>
+          <pc:sldMk cId="2917449728" sldId="285"/>
+        </pc:sldMkLst>
+        <pc:spChg chg="mod">
+          <ac:chgData name="Li Lixiang" userId="6104bbfcb56aea79" providerId="LiveId" clId="{5DDD6A57-FD4C-4DE0-8DF6-43BC1A908F0C}" dt="2021-11-18T11:53:14.342" v="211" actId="20577"/>
+          <ac:spMkLst>
+            <pc:docMk/>
+            <pc:sldMk cId="2917449728" sldId="285"/>
+            <ac:spMk id="2" creationId="{5EC01E2D-9CFE-4D5D-8863-3BA90731F07B}"/>
+          </ac:spMkLst>
+        </pc:spChg>
+        <pc:spChg chg="mod">
+          <ac:chgData name="Li Lixiang" userId="6104bbfcb56aea79" providerId="LiveId" clId="{5DDD6A57-FD4C-4DE0-8DF6-43BC1A908F0C}" dt="2021-11-18T11:55:37.999" v="348" actId="20577"/>
+          <ac:spMkLst>
+            <pc:docMk/>
+            <pc:sldMk cId="2917449728" sldId="285"/>
+            <ac:spMk id="3" creationId="{7060439F-2729-478E-B95F-230482B50AA1}"/>
+          </ac:spMkLst>
+        </pc:spChg>
+        <pc:spChg chg="add del mod">
+          <ac:chgData name="Li Lixiang" userId="6104bbfcb56aea79" providerId="LiveId" clId="{5DDD6A57-FD4C-4DE0-8DF6-43BC1A908F0C}" dt="2021-11-18T11:55:05.071" v="337" actId="478"/>
+          <ac:spMkLst>
+            <pc:docMk/>
+            <pc:sldMk cId="2917449728" sldId="285"/>
+            <ac:spMk id="4" creationId="{10CB842E-7476-4C4B-B240-2C5DA84038ED}"/>
+          </ac:spMkLst>
+        </pc:spChg>
+        <pc:picChg chg="del">
+          <ac:chgData name="Li Lixiang" userId="6104bbfcb56aea79" providerId="LiveId" clId="{5DDD6A57-FD4C-4DE0-8DF6-43BC1A908F0C}" dt="2021-11-18T11:53:04.554" v="189" actId="478"/>
+          <ac:picMkLst>
+            <pc:docMk/>
+            <pc:sldMk cId="2917449728" sldId="285"/>
+            <ac:picMk id="5" creationId="{7809F2A7-E7CE-4FD2-87F1-08FD4EC418C2}"/>
+          </ac:picMkLst>
+        </pc:picChg>
+      </pc:sldChg>
+      <pc:sldChg chg="addSp modSp add mod ord">
+        <pc:chgData name="Li Lixiang" userId="6104bbfcb56aea79" providerId="LiveId" clId="{5DDD6A57-FD4C-4DE0-8DF6-43BC1A908F0C}" dt="2021-11-21T09:05:30.387" v="3928" actId="20577"/>
+        <pc:sldMkLst>
+          <pc:docMk/>
+          <pc:sldMk cId="908925994" sldId="286"/>
+        </pc:sldMkLst>
+        <pc:spChg chg="mod">
+          <ac:chgData name="Li Lixiang" userId="6104bbfcb56aea79" providerId="LiveId" clId="{5DDD6A57-FD4C-4DE0-8DF6-43BC1A908F0C}" dt="2021-11-21T09:05:30.387" v="3928" actId="20577"/>
+          <ac:spMkLst>
+            <pc:docMk/>
+            <pc:sldMk cId="908925994" sldId="286"/>
+            <ac:spMk id="2" creationId="{5EC01E2D-9CFE-4D5D-8863-3BA90731F07B}"/>
+          </ac:spMkLst>
+        </pc:spChg>
+        <pc:spChg chg="mod">
+          <ac:chgData name="Li Lixiang" userId="6104bbfcb56aea79" providerId="LiveId" clId="{5DDD6A57-FD4C-4DE0-8DF6-43BC1A908F0C}" dt="2021-11-21T08:18:26.238" v="743" actId="14100"/>
+          <ac:spMkLst>
+            <pc:docMk/>
+            <pc:sldMk cId="908925994" sldId="286"/>
+            <ac:spMk id="3" creationId="{7060439F-2729-478E-B95F-230482B50AA1}"/>
+          </ac:spMkLst>
+        </pc:spChg>
+        <pc:spChg chg="add mod">
+          <ac:chgData name="Li Lixiang" userId="6104bbfcb56aea79" providerId="LiveId" clId="{5DDD6A57-FD4C-4DE0-8DF6-43BC1A908F0C}" dt="2021-11-21T08:31:57.438" v="1313" actId="6549"/>
+          <ac:spMkLst>
+            <pc:docMk/>
+            <pc:sldMk cId="908925994" sldId="286"/>
+            <ac:spMk id="4" creationId="{EC31A9B6-34C0-4D1A-832B-DE43F35D868D}"/>
+          </ac:spMkLst>
+        </pc:spChg>
+      </pc:sldChg>
+      <pc:sldChg chg="modSp add mod">
+        <pc:chgData name="Li Lixiang" userId="6104bbfcb56aea79" providerId="LiveId" clId="{5DDD6A57-FD4C-4DE0-8DF6-43BC1A908F0C}" dt="2021-11-21T09:05:34.508" v="3934" actId="5793"/>
+        <pc:sldMkLst>
+          <pc:docMk/>
+          <pc:sldMk cId="4089429991" sldId="287"/>
+        </pc:sldMkLst>
+        <pc:spChg chg="mod">
+          <ac:chgData name="Li Lixiang" userId="6104bbfcb56aea79" providerId="LiveId" clId="{5DDD6A57-FD4C-4DE0-8DF6-43BC1A908F0C}" dt="2021-11-21T09:05:34.508" v="3934" actId="5793"/>
+          <ac:spMkLst>
+            <pc:docMk/>
+            <pc:sldMk cId="4089429991" sldId="287"/>
+            <ac:spMk id="2" creationId="{5EC01E2D-9CFE-4D5D-8863-3BA90731F07B}"/>
+          </ac:spMkLst>
+        </pc:spChg>
+        <pc:spChg chg="mod">
+          <ac:chgData name="Li Lixiang" userId="6104bbfcb56aea79" providerId="LiveId" clId="{5DDD6A57-FD4C-4DE0-8DF6-43BC1A908F0C}" dt="2021-11-21T08:30:28.958" v="1310" actId="6549"/>
+          <ac:spMkLst>
+            <pc:docMk/>
+            <pc:sldMk cId="4089429991" sldId="287"/>
+            <ac:spMk id="3" creationId="{7060439F-2729-478E-B95F-230482B50AA1}"/>
+          </ac:spMkLst>
+        </pc:spChg>
+        <pc:spChg chg="mod">
+          <ac:chgData name="Li Lixiang" userId="6104bbfcb56aea79" providerId="LiveId" clId="{5DDD6A57-FD4C-4DE0-8DF6-43BC1A908F0C}" dt="2021-11-21T08:35:19.921" v="1724" actId="20577"/>
+          <ac:spMkLst>
+            <pc:docMk/>
+            <pc:sldMk cId="4089429991" sldId="287"/>
+            <ac:spMk id="4" creationId="{EC31A9B6-34C0-4D1A-832B-DE43F35D868D}"/>
+          </ac:spMkLst>
+        </pc:spChg>
+      </pc:sldChg>
+      <pc:sldChg chg="modSp add mod">
+        <pc:chgData name="Li Lixiang" userId="6104bbfcb56aea79" providerId="LiveId" clId="{5DDD6A57-FD4C-4DE0-8DF6-43BC1A908F0C}" dt="2021-11-23T06:59:18.912" v="6710" actId="20577"/>
+        <pc:sldMkLst>
+          <pc:docMk/>
+          <pc:sldMk cId="3837898654" sldId="288"/>
+        </pc:sldMkLst>
+        <pc:spChg chg="mod">
+          <ac:chgData name="Li Lixiang" userId="6104bbfcb56aea79" providerId="LiveId" clId="{5DDD6A57-FD4C-4DE0-8DF6-43BC1A908F0C}" dt="2021-11-21T09:05:38.962" v="3940" actId="5793"/>
+          <ac:spMkLst>
+            <pc:docMk/>
+            <pc:sldMk cId="3837898654" sldId="288"/>
+            <ac:spMk id="2" creationId="{5EC01E2D-9CFE-4D5D-8863-3BA90731F07B}"/>
+          </ac:spMkLst>
+        </pc:spChg>
+        <pc:spChg chg="mod">
+          <ac:chgData name="Li Lixiang" userId="6104bbfcb56aea79" providerId="LiveId" clId="{5DDD6A57-FD4C-4DE0-8DF6-43BC1A908F0C}" dt="2021-11-23T06:59:10.664" v="6700" actId="20577"/>
+          <ac:spMkLst>
+            <pc:docMk/>
+            <pc:sldMk cId="3837898654" sldId="288"/>
+            <ac:spMk id="3" creationId="{7060439F-2729-478E-B95F-230482B50AA1}"/>
+          </ac:spMkLst>
+        </pc:spChg>
+        <pc:spChg chg="mod">
+          <ac:chgData name="Li Lixiang" userId="6104bbfcb56aea79" providerId="LiveId" clId="{5DDD6A57-FD4C-4DE0-8DF6-43BC1A908F0C}" dt="2021-11-23T06:59:18.912" v="6710" actId="20577"/>
+          <ac:spMkLst>
+            <pc:docMk/>
+            <pc:sldMk cId="3837898654" sldId="288"/>
+            <ac:spMk id="4" creationId="{EC31A9B6-34C0-4D1A-832B-DE43F35D868D}"/>
+          </ac:spMkLst>
+        </pc:spChg>
+      </pc:sldChg>
+      <pc:sldChg chg="modSp add mod">
+        <pc:chgData name="Li Lixiang" userId="6104bbfcb56aea79" providerId="LiveId" clId="{5DDD6A57-FD4C-4DE0-8DF6-43BC1A908F0C}" dt="2021-11-21T09:05:43.518" v="3946" actId="5793"/>
+        <pc:sldMkLst>
+          <pc:docMk/>
+          <pc:sldMk cId="863993670" sldId="289"/>
+        </pc:sldMkLst>
+        <pc:spChg chg="mod">
+          <ac:chgData name="Li Lixiang" userId="6104bbfcb56aea79" providerId="LiveId" clId="{5DDD6A57-FD4C-4DE0-8DF6-43BC1A908F0C}" dt="2021-11-21T09:05:43.518" v="3946" actId="5793"/>
+          <ac:spMkLst>
+            <pc:docMk/>
+            <pc:sldMk cId="863993670" sldId="289"/>
+            <ac:spMk id="2" creationId="{5EC01E2D-9CFE-4D5D-8863-3BA90731F07B}"/>
+          </ac:spMkLst>
+        </pc:spChg>
+        <pc:spChg chg="mod">
+          <ac:chgData name="Li Lixiang" userId="6104bbfcb56aea79" providerId="LiveId" clId="{5DDD6A57-FD4C-4DE0-8DF6-43BC1A908F0C}" dt="2021-11-21T08:49:50.980" v="2851" actId="20577"/>
+          <ac:spMkLst>
+            <pc:docMk/>
+            <pc:sldMk cId="863993670" sldId="289"/>
+            <ac:spMk id="3" creationId="{7060439F-2729-478E-B95F-230482B50AA1}"/>
+          </ac:spMkLst>
+        </pc:spChg>
+        <pc:spChg chg="mod">
+          <ac:chgData name="Li Lixiang" userId="6104bbfcb56aea79" providerId="LiveId" clId="{5DDD6A57-FD4C-4DE0-8DF6-43BC1A908F0C}" dt="2021-11-21T08:50:21.016" v="2875" actId="20577"/>
+          <ac:spMkLst>
+            <pc:docMk/>
+            <pc:sldMk cId="863993670" sldId="289"/>
+            <ac:spMk id="4" creationId="{EC31A9B6-34C0-4D1A-832B-DE43F35D868D}"/>
+          </ac:spMkLst>
+        </pc:spChg>
+      </pc:sldChg>
+      <pc:sldChg chg="modSp add mod ord">
+        <pc:chgData name="Li Lixiang" userId="6104bbfcb56aea79" providerId="LiveId" clId="{5DDD6A57-FD4C-4DE0-8DF6-43BC1A908F0C}" dt="2021-11-21T08:55:37.389" v="3320" actId="20577"/>
+        <pc:sldMkLst>
+          <pc:docMk/>
+          <pc:sldMk cId="3250499413" sldId="290"/>
+        </pc:sldMkLst>
+        <pc:spChg chg="mod">
+          <ac:chgData name="Li Lixiang" userId="6104bbfcb56aea79" providerId="LiveId" clId="{5DDD6A57-FD4C-4DE0-8DF6-43BC1A908F0C}" dt="2021-11-21T08:51:40.100" v="2885" actId="5793"/>
+          <ac:spMkLst>
+            <pc:docMk/>
+            <pc:sldMk cId="3250499413" sldId="290"/>
+            <ac:spMk id="2" creationId="{5EC01E2D-9CFE-4D5D-8863-3BA90731F07B}"/>
+          </ac:spMkLst>
+        </pc:spChg>
+        <pc:spChg chg="mod">
+          <ac:chgData name="Li Lixiang" userId="6104bbfcb56aea79" providerId="LiveId" clId="{5DDD6A57-FD4C-4DE0-8DF6-43BC1A908F0C}" dt="2021-11-21T08:53:25.578" v="3090" actId="14100"/>
+          <ac:spMkLst>
+            <pc:docMk/>
+            <pc:sldMk cId="3250499413" sldId="290"/>
+            <ac:spMk id="3" creationId="{7060439F-2729-478E-B95F-230482B50AA1}"/>
+          </ac:spMkLst>
+        </pc:spChg>
+        <pc:spChg chg="mod">
+          <ac:chgData name="Li Lixiang" userId="6104bbfcb56aea79" providerId="LiveId" clId="{5DDD6A57-FD4C-4DE0-8DF6-43BC1A908F0C}" dt="2021-11-21T08:55:37.389" v="3320" actId="20577"/>
+          <ac:spMkLst>
+            <pc:docMk/>
+            <pc:sldMk cId="3250499413" sldId="290"/>
+            <ac:spMk id="4" creationId="{EC31A9B6-34C0-4D1A-832B-DE43F35D868D}"/>
+          </ac:spMkLst>
+        </pc:spChg>
+      </pc:sldChg>
+      <pc:sldChg chg="modSp add mod">
+        <pc:chgData name="Li Lixiang" userId="6104bbfcb56aea79" providerId="LiveId" clId="{5DDD6A57-FD4C-4DE0-8DF6-43BC1A908F0C}" dt="2021-11-21T08:58:41.087" v="3690" actId="20577"/>
+        <pc:sldMkLst>
+          <pc:docMk/>
+          <pc:sldMk cId="3038236592" sldId="291"/>
+        </pc:sldMkLst>
+        <pc:spChg chg="mod">
+          <ac:chgData name="Li Lixiang" userId="6104bbfcb56aea79" providerId="LiveId" clId="{5DDD6A57-FD4C-4DE0-8DF6-43BC1A908F0C}" dt="2021-11-21T08:56:50.558" v="3411" actId="20577"/>
+          <ac:spMkLst>
+            <pc:docMk/>
+            <pc:sldMk cId="3038236592" sldId="291"/>
+            <ac:spMk id="3" creationId="{7060439F-2729-478E-B95F-230482B50AA1}"/>
+          </ac:spMkLst>
+        </pc:spChg>
+        <pc:spChg chg="mod">
+          <ac:chgData name="Li Lixiang" userId="6104bbfcb56aea79" providerId="LiveId" clId="{5DDD6A57-FD4C-4DE0-8DF6-43BC1A908F0C}" dt="2021-11-21T08:58:41.087" v="3690" actId="20577"/>
+          <ac:spMkLst>
+            <pc:docMk/>
+            <pc:sldMk cId="3038236592" sldId="291"/>
+            <ac:spMk id="4" creationId="{EC31A9B6-34C0-4D1A-832B-DE43F35D868D}"/>
+          </ac:spMkLst>
+        </pc:spChg>
+      </pc:sldChg>
+      <pc:sldChg chg="addSp delSp modSp add mod">
+        <pc:chgData name="Li Lixiang" userId="6104bbfcb56aea79" providerId="LiveId" clId="{5DDD6A57-FD4C-4DE0-8DF6-43BC1A908F0C}" dt="2021-11-21T09:33:56.551" v="5528" actId="20577"/>
+        <pc:sldMkLst>
+          <pc:docMk/>
+          <pc:sldMk cId="1918009001" sldId="292"/>
+        </pc:sldMkLst>
+        <pc:spChg chg="mod">
+          <ac:chgData name="Li Lixiang" userId="6104bbfcb56aea79" providerId="LiveId" clId="{5DDD6A57-FD4C-4DE0-8DF6-43BC1A908F0C}" dt="2021-11-21T09:05:56.431" v="3951" actId="20577"/>
+          <ac:spMkLst>
+            <pc:docMk/>
+            <pc:sldMk cId="1918009001" sldId="292"/>
+            <ac:spMk id="2" creationId="{5EC01E2D-9CFE-4D5D-8863-3BA90731F07B}"/>
+          </ac:spMkLst>
+        </pc:spChg>
+        <pc:spChg chg="mod">
+          <ac:chgData name="Li Lixiang" userId="6104bbfcb56aea79" providerId="LiveId" clId="{5DDD6A57-FD4C-4DE0-8DF6-43BC1A908F0C}" dt="2021-11-21T09:33:53.678" v="5526" actId="20577"/>
+          <ac:spMkLst>
+            <pc:docMk/>
+            <pc:sldMk cId="1918009001" sldId="292"/>
+            <ac:spMk id="3" creationId="{7060439F-2729-478E-B95F-230482B50AA1}"/>
+          </ac:spMkLst>
+        </pc:spChg>
+        <pc:spChg chg="del">
+          <ac:chgData name="Li Lixiang" userId="6104bbfcb56aea79" providerId="LiveId" clId="{5DDD6A57-FD4C-4DE0-8DF6-43BC1A908F0C}" dt="2021-11-21T09:04:37.540" v="3923" actId="478"/>
+          <ac:spMkLst>
+            <pc:docMk/>
+            <pc:sldMk cId="1918009001" sldId="292"/>
+            <ac:spMk id="4" creationId="{EC31A9B6-34C0-4D1A-832B-DE43F35D868D}"/>
+          </ac:spMkLst>
+        </pc:spChg>
+        <pc:spChg chg="add mod">
+          <ac:chgData name="Li Lixiang" userId="6104bbfcb56aea79" providerId="LiveId" clId="{5DDD6A57-FD4C-4DE0-8DF6-43BC1A908F0C}" dt="2021-11-21T09:33:56.551" v="5528" actId="20577"/>
+          <ac:spMkLst>
+            <pc:docMk/>
+            <pc:sldMk cId="1918009001" sldId="292"/>
+            <ac:spMk id="5" creationId="{4333B513-5382-47C3-B2EA-6D201631ACE2}"/>
+          </ac:spMkLst>
+        </pc:spChg>
+      </pc:sldChg>
+      <pc:sldChg chg="add ord">
+        <pc:chgData name="Li Lixiang" userId="6104bbfcb56aea79" providerId="LiveId" clId="{5DDD6A57-FD4C-4DE0-8DF6-43BC1A908F0C}" dt="2021-11-23T06:39:31.630" v="6133"/>
+        <pc:sldMkLst>
+          <pc:docMk/>
+          <pc:sldMk cId="3216123521" sldId="293"/>
+        </pc:sldMkLst>
+      </pc:sldChg>
+      <pc:sldChg chg="modSp add mod">
+        <pc:chgData name="Li Lixiang" userId="6104bbfcb56aea79" providerId="LiveId" clId="{5DDD6A57-FD4C-4DE0-8DF6-43BC1A908F0C}" dt="2021-11-21T09:16:13.108" v="4737" actId="6549"/>
+        <pc:sldMkLst>
+          <pc:docMk/>
+          <pc:sldMk cId="1385666615" sldId="294"/>
+        </pc:sldMkLst>
+        <pc:spChg chg="mod">
+          <ac:chgData name="Li Lixiang" userId="6104bbfcb56aea79" providerId="LiveId" clId="{5DDD6A57-FD4C-4DE0-8DF6-43BC1A908F0C}" dt="2021-11-21T09:15:24.156" v="4697" actId="20577"/>
+          <ac:spMkLst>
+            <pc:docMk/>
+            <pc:sldMk cId="1385666615" sldId="294"/>
+            <ac:spMk id="3" creationId="{7060439F-2729-478E-B95F-230482B50AA1}"/>
+          </ac:spMkLst>
+        </pc:spChg>
+        <pc:spChg chg="mod">
+          <ac:chgData name="Li Lixiang" userId="6104bbfcb56aea79" providerId="LiveId" clId="{5DDD6A57-FD4C-4DE0-8DF6-43BC1A908F0C}" dt="2021-11-21T09:16:13.108" v="4737" actId="6549"/>
+          <ac:spMkLst>
+            <pc:docMk/>
+            <pc:sldMk cId="1385666615" sldId="294"/>
+            <ac:spMk id="5" creationId="{4333B513-5382-47C3-B2EA-6D201631ACE2}"/>
+          </ac:spMkLst>
+        </pc:spChg>
+      </pc:sldChg>
+      <pc:sldChg chg="modSp add mod">
+        <pc:chgData name="Li Lixiang" userId="6104bbfcb56aea79" providerId="LiveId" clId="{5DDD6A57-FD4C-4DE0-8DF6-43BC1A908F0C}" dt="2021-11-21T09:33:47.735" v="5524" actId="20577"/>
+        <pc:sldMkLst>
+          <pc:docMk/>
+          <pc:sldMk cId="2349023928" sldId="295"/>
+        </pc:sldMkLst>
+        <pc:spChg chg="mod">
+          <ac:chgData name="Li Lixiang" userId="6104bbfcb56aea79" providerId="LiveId" clId="{5DDD6A57-FD4C-4DE0-8DF6-43BC1A908F0C}" dt="2021-11-21T09:33:47.735" v="5524" actId="20577"/>
+          <ac:spMkLst>
+            <pc:docMk/>
+            <pc:sldMk cId="2349023928" sldId="295"/>
+            <ac:spMk id="3" creationId="{7060439F-2729-478E-B95F-230482B50AA1}"/>
+          </ac:spMkLst>
+        </pc:spChg>
+        <pc:spChg chg="mod">
+          <ac:chgData name="Li Lixiang" userId="6104bbfcb56aea79" providerId="LiveId" clId="{5DDD6A57-FD4C-4DE0-8DF6-43BC1A908F0C}" dt="2021-11-21T09:23:07.858" v="5132" actId="313"/>
+          <ac:spMkLst>
+            <pc:docMk/>
+            <pc:sldMk cId="2349023928" sldId="295"/>
+            <ac:spMk id="5" creationId="{4333B513-5382-47C3-B2EA-6D201631ACE2}"/>
+          </ac:spMkLst>
+        </pc:spChg>
+      </pc:sldChg>
+      <pc:sldChg chg="modSp add mod">
+        <pc:chgData name="Li Lixiang" userId="6104bbfcb56aea79" providerId="LiveId" clId="{5DDD6A57-FD4C-4DE0-8DF6-43BC1A908F0C}" dt="2021-11-21T09:34:18.601" v="5558" actId="20577"/>
+        <pc:sldMkLst>
+          <pc:docMk/>
+          <pc:sldMk cId="2918360428" sldId="296"/>
+        </pc:sldMkLst>
+        <pc:spChg chg="mod">
+          <ac:chgData name="Li Lixiang" userId="6104bbfcb56aea79" providerId="LiveId" clId="{5DDD6A57-FD4C-4DE0-8DF6-43BC1A908F0C}" dt="2021-11-21T09:33:43.914" v="5522" actId="20577"/>
+          <ac:spMkLst>
+            <pc:docMk/>
+            <pc:sldMk cId="2918360428" sldId="296"/>
+            <ac:spMk id="3" creationId="{7060439F-2729-478E-B95F-230482B50AA1}"/>
+          </ac:spMkLst>
+        </pc:spChg>
+        <pc:spChg chg="mod">
+          <ac:chgData name="Li Lixiang" userId="6104bbfcb56aea79" providerId="LiveId" clId="{5DDD6A57-FD4C-4DE0-8DF6-43BC1A908F0C}" dt="2021-11-21T09:34:18.601" v="5558" actId="20577"/>
+          <ac:spMkLst>
+            <pc:docMk/>
+            <pc:sldMk cId="2918360428" sldId="296"/>
+            <ac:spMk id="5" creationId="{4333B513-5382-47C3-B2EA-6D201631ACE2}"/>
+          </ac:spMkLst>
+        </pc:spChg>
+      </pc:sldChg>
+      <pc:sldChg chg="modSp add mod">
+        <pc:chgData name="Li Lixiang" userId="6104bbfcb56aea79" providerId="LiveId" clId="{5DDD6A57-FD4C-4DE0-8DF6-43BC1A908F0C}" dt="2021-11-21T09:37:33.155" v="6131" actId="27636"/>
+        <pc:sldMkLst>
+          <pc:docMk/>
+          <pc:sldMk cId="2873050645" sldId="297"/>
+        </pc:sldMkLst>
+        <pc:spChg chg="mod">
+          <ac:chgData name="Li Lixiang" userId="6104bbfcb56aea79" providerId="LiveId" clId="{5DDD6A57-FD4C-4DE0-8DF6-43BC1A908F0C}" dt="2021-11-21T09:36:30.154" v="5879" actId="20577"/>
+          <ac:spMkLst>
+            <pc:docMk/>
+            <pc:sldMk cId="2873050645" sldId="297"/>
+            <ac:spMk id="3" creationId="{7060439F-2729-478E-B95F-230482B50AA1}"/>
+          </ac:spMkLst>
+        </pc:spChg>
+        <pc:spChg chg="mod">
+          <ac:chgData name="Li Lixiang" userId="6104bbfcb56aea79" providerId="LiveId" clId="{5DDD6A57-FD4C-4DE0-8DF6-43BC1A908F0C}" dt="2021-11-21T09:37:33.155" v="6131" actId="27636"/>
+          <ac:spMkLst>
+            <pc:docMk/>
+            <pc:sldMk cId="2873050645" sldId="297"/>
+            <ac:spMk id="5" creationId="{4333B513-5382-47C3-B2EA-6D201631ACE2}"/>
+          </ac:spMkLst>
+        </pc:spChg>
+      </pc:sldChg>
+      <pc:sldChg chg="modSp add mod">
+        <pc:chgData name="Li Lixiang" userId="6104bbfcb56aea79" providerId="LiveId" clId="{5DDD6A57-FD4C-4DE0-8DF6-43BC1A908F0C}" dt="2021-11-23T06:43:01.552" v="6653" actId="20577"/>
+        <pc:sldMkLst>
+          <pc:docMk/>
+          <pc:sldMk cId="3887230651" sldId="298"/>
+        </pc:sldMkLst>
+        <pc:spChg chg="mod">
+          <ac:chgData name="Li Lixiang" userId="6104bbfcb56aea79" providerId="LiveId" clId="{5DDD6A57-FD4C-4DE0-8DF6-43BC1A908F0C}" dt="2021-11-23T06:40:32.744" v="6151" actId="20577"/>
+          <ac:spMkLst>
+            <pc:docMk/>
+            <pc:sldMk cId="3887230651" sldId="298"/>
+            <ac:spMk id="2" creationId="{5EC01E2D-9CFE-4D5D-8863-3BA90731F07B}"/>
+          </ac:spMkLst>
+        </pc:spChg>
+        <pc:spChg chg="mod">
+          <ac:chgData name="Li Lixiang" userId="6104bbfcb56aea79" providerId="LiveId" clId="{5DDD6A57-FD4C-4DE0-8DF6-43BC1A908F0C}" dt="2021-11-23T06:43:01.552" v="6653" actId="20577"/>
+          <ac:spMkLst>
+            <pc:docMk/>
+            <pc:sldMk cId="3887230651" sldId="298"/>
+            <ac:spMk id="3" creationId="{7060439F-2729-478E-B95F-230482B50AA1}"/>
+          </ac:spMkLst>
+        </pc:spChg>
+      </pc:sldChg>
+      <pc:sldChg chg="addSp delSp modSp add mod">
+        <pc:chgData name="Li Lixiang" userId="6104bbfcb56aea79" providerId="LiveId" clId="{5DDD6A57-FD4C-4DE0-8DF6-43BC1A908F0C}" dt="2021-11-23T07:05:05.668" v="7225" actId="1035"/>
+        <pc:sldMkLst>
+          <pc:docMk/>
+          <pc:sldMk cId="2705027" sldId="299"/>
+        </pc:sldMkLst>
+        <pc:spChg chg="mod">
+          <ac:chgData name="Li Lixiang" userId="6104bbfcb56aea79" providerId="LiveId" clId="{5DDD6A57-FD4C-4DE0-8DF6-43BC1A908F0C}" dt="2021-11-23T07:02:39.065" v="6842" actId="14100"/>
+          <ac:spMkLst>
+            <pc:docMk/>
+            <pc:sldMk cId="2705027" sldId="299"/>
+            <ac:spMk id="3" creationId="{7060439F-2729-478E-B95F-230482B50AA1}"/>
+          </ac:spMkLst>
+        </pc:spChg>
+        <pc:spChg chg="del">
+          <ac:chgData name="Li Lixiang" userId="6104bbfcb56aea79" providerId="LiveId" clId="{5DDD6A57-FD4C-4DE0-8DF6-43BC1A908F0C}" dt="2021-11-23T07:01:46.833" v="6712" actId="478"/>
+          <ac:spMkLst>
+            <pc:docMk/>
+            <pc:sldMk cId="2705027" sldId="299"/>
+            <ac:spMk id="4" creationId="{EC31A9B6-34C0-4D1A-832B-DE43F35D868D}"/>
+          </ac:spMkLst>
+        </pc:spChg>
+        <pc:spChg chg="add mod">
+          <ac:chgData name="Li Lixiang" userId="6104bbfcb56aea79" providerId="LiveId" clId="{5DDD6A57-FD4C-4DE0-8DF6-43BC1A908F0C}" dt="2021-11-23T07:05:05.668" v="7225" actId="1035"/>
+          <ac:spMkLst>
+            <pc:docMk/>
+            <pc:sldMk cId="2705027" sldId="299"/>
+            <ac:spMk id="5" creationId="{3698BD40-FB3E-4BC6-B2A3-804E5B9E6F53}"/>
+          </ac:spMkLst>
+        </pc:spChg>
+      </pc:sldChg>
+      <pc:sldChg chg="addSp delSp modSp add mod ord">
+        <pc:chgData name="Li Lixiang" userId="6104bbfcb56aea79" providerId="LiveId" clId="{5DDD6A57-FD4C-4DE0-8DF6-43BC1A908F0C}" dt="2021-12-26T03:59:43.433" v="8295" actId="27636"/>
+        <pc:sldMkLst>
+          <pc:docMk/>
+          <pc:sldMk cId="1821804651" sldId="300"/>
+        </pc:sldMkLst>
+        <pc:spChg chg="del">
+          <ac:chgData name="Li Lixiang" userId="6104bbfcb56aea79" providerId="LiveId" clId="{5DDD6A57-FD4C-4DE0-8DF6-43BC1A908F0C}" dt="2021-12-26T03:59:28.713" v="8287" actId="478"/>
+          <ac:spMkLst>
+            <pc:docMk/>
+            <pc:sldMk cId="1821804651" sldId="300"/>
+            <ac:spMk id="2" creationId="{5EC01E2D-9CFE-4D5D-8863-3BA90731F07B}"/>
+          </ac:spMkLst>
+        </pc:spChg>
+        <pc:spChg chg="mod">
+          <ac:chgData name="Li Lixiang" userId="6104bbfcb56aea79" providerId="LiveId" clId="{5DDD6A57-FD4C-4DE0-8DF6-43BC1A908F0C}" dt="2021-12-26T03:59:43.433" v="8295" actId="27636"/>
+          <ac:spMkLst>
+            <pc:docMk/>
+            <pc:sldMk cId="1821804651" sldId="300"/>
+            <ac:spMk id="3" creationId="{7060439F-2729-478E-B95F-230482B50AA1}"/>
+          </ac:spMkLst>
+        </pc:spChg>
+        <pc:spChg chg="add del mod">
+          <ac:chgData name="Li Lixiang" userId="6104bbfcb56aea79" providerId="LiveId" clId="{5DDD6A57-FD4C-4DE0-8DF6-43BC1A908F0C}" dt="2021-12-26T03:59:30.806" v="8288" actId="478"/>
+          <ac:spMkLst>
+            <pc:docMk/>
+            <pc:sldMk cId="1821804651" sldId="300"/>
+            <ac:spMk id="5" creationId="{01475638-AAD7-4A62-8922-0C4EAB77AA84}"/>
+          </ac:spMkLst>
+        </pc:spChg>
+      </pc:sldChg>
+      <pc:sldChg chg="modSp add mod">
+        <pc:chgData name="Li Lixiang" userId="6104bbfcb56aea79" providerId="LiveId" clId="{5DDD6A57-FD4C-4DE0-8DF6-43BC1A908F0C}" dt="2021-12-12T03:00:22.823" v="8263" actId="20577"/>
+        <pc:sldMkLst>
+          <pc:docMk/>
+          <pc:sldMk cId="4225843026" sldId="301"/>
+        </pc:sldMkLst>
+        <pc:spChg chg="mod">
+          <ac:chgData name="Li Lixiang" userId="6104bbfcb56aea79" providerId="LiveId" clId="{5DDD6A57-FD4C-4DE0-8DF6-43BC1A908F0C}" dt="2021-12-12T03:00:22.823" v="8263" actId="20577"/>
+          <ac:spMkLst>
+            <pc:docMk/>
+            <pc:sldMk cId="4225843026" sldId="301"/>
+            <ac:spMk id="2" creationId="{1D96A6DA-85CC-438D-8FE1-8BDC8C1BE0D2}"/>
+          </ac:spMkLst>
+        </pc:spChg>
+        <pc:spChg chg="mod">
+          <ac:chgData name="Li Lixiang" userId="6104bbfcb56aea79" providerId="LiveId" clId="{5DDD6A57-FD4C-4DE0-8DF6-43BC1A908F0C}" dt="2021-12-12T03:00:04.890" v="8246" actId="20577"/>
+          <ac:spMkLst>
+            <pc:docMk/>
+            <pc:sldMk cId="4225843026" sldId="301"/>
+            <ac:spMk id="3" creationId="{74CF7FC6-65F6-4325-8DB2-4EB46244F474}"/>
+          </ac:spMkLst>
+        </pc:spChg>
+      </pc:sldChg>
+      <pc:sldChg chg="modSp add mod">
+        <pc:chgData name="Li Lixiang" userId="6104bbfcb56aea79" providerId="LiveId" clId="{5DDD6A57-FD4C-4DE0-8DF6-43BC1A908F0C}" dt="2021-12-26T06:59:29.514" v="8854" actId="20577"/>
+        <pc:sldMkLst>
+          <pc:docMk/>
+          <pc:sldMk cId="1741278169" sldId="302"/>
+        </pc:sldMkLst>
+        <pc:spChg chg="mod">
+          <ac:chgData name="Li Lixiang" userId="6104bbfcb56aea79" providerId="LiveId" clId="{5DDD6A57-FD4C-4DE0-8DF6-43BC1A908F0C}" dt="2021-12-12T03:00:36.847" v="8275" actId="20577"/>
+          <ac:spMkLst>
+            <pc:docMk/>
+            <pc:sldMk cId="1741278169" sldId="302"/>
+            <ac:spMk id="2" creationId="{1D96A6DA-85CC-438D-8FE1-8BDC8C1BE0D2}"/>
+          </ac:spMkLst>
+        </pc:spChg>
+        <pc:spChg chg="mod">
+          <ac:chgData name="Li Lixiang" userId="6104bbfcb56aea79" providerId="LiveId" clId="{5DDD6A57-FD4C-4DE0-8DF6-43BC1A908F0C}" dt="2021-12-26T06:59:29.514" v="8854" actId="20577"/>
+          <ac:spMkLst>
+            <pc:docMk/>
+            <pc:sldMk cId="1741278169" sldId="302"/>
+            <ac:spMk id="3" creationId="{74CF7FC6-65F6-4325-8DB2-4EB46244F474}"/>
+          </ac:spMkLst>
+        </pc:spChg>
+      </pc:sldChg>
+      <pc:sldChg chg="delSp modSp new mod">
+        <pc:chgData name="Li Lixiang" userId="6104bbfcb56aea79" providerId="LiveId" clId="{5DDD6A57-FD4C-4DE0-8DF6-43BC1A908F0C}" dt="2021-12-26T04:02:13.531" v="8608" actId="1035"/>
+        <pc:sldMkLst>
+          <pc:docMk/>
+          <pc:sldMk cId="2598763665" sldId="303"/>
+        </pc:sldMkLst>
+        <pc:spChg chg="del">
+          <ac:chgData name="Li Lixiang" userId="6104bbfcb56aea79" providerId="LiveId" clId="{5DDD6A57-FD4C-4DE0-8DF6-43BC1A908F0C}" dt="2021-12-26T04:00:30.280" v="8297" actId="478"/>
+          <ac:spMkLst>
+            <pc:docMk/>
+            <pc:sldMk cId="2598763665" sldId="303"/>
+            <ac:spMk id="2" creationId="{26B986B1-B18D-4DB3-B636-2FEB184CDFF1}"/>
+          </ac:spMkLst>
+        </pc:spChg>
+        <pc:spChg chg="mod">
+          <ac:chgData name="Li Lixiang" userId="6104bbfcb56aea79" providerId="LiveId" clId="{5DDD6A57-FD4C-4DE0-8DF6-43BC1A908F0C}" dt="2021-12-26T04:02:13.531" v="8608" actId="1035"/>
+          <ac:spMkLst>
+            <pc:docMk/>
+            <pc:sldMk cId="2598763665" sldId="303"/>
+            <ac:spMk id="3" creationId="{D1C4B389-9A63-4E84-BD3C-1CF933053056}"/>
+          </ac:spMkLst>
+        </pc:spChg>
+      </pc:sldChg>
+      <pc:sldChg chg="addSp modSp new mod">
+        <pc:chgData name="Li Lixiang" userId="6104bbfcb56aea79" providerId="LiveId" clId="{5DDD6A57-FD4C-4DE0-8DF6-43BC1A908F0C}" dt="2021-12-26T07:08:32.559" v="9562" actId="1035"/>
+        <pc:sldMkLst>
+          <pc:docMk/>
+          <pc:sldMk cId="1990203815" sldId="304"/>
+        </pc:sldMkLst>
+        <pc:spChg chg="mod">
+          <ac:chgData name="Li Lixiang" userId="6104bbfcb56aea79" providerId="LiveId" clId="{5DDD6A57-FD4C-4DE0-8DF6-43BC1A908F0C}" dt="2021-12-26T06:59:42.117" v="8874" actId="20577"/>
+          <ac:spMkLst>
+            <pc:docMk/>
+            <pc:sldMk cId="1990203815" sldId="304"/>
+            <ac:spMk id="2" creationId="{EC71ABA6-910F-483E-9A59-2AFDE95B810B}"/>
+          </ac:spMkLst>
+        </pc:spChg>
+        <pc:spChg chg="mod">
+          <ac:chgData name="Li Lixiang" userId="6104bbfcb56aea79" providerId="LiveId" clId="{5DDD6A57-FD4C-4DE0-8DF6-43BC1A908F0C}" dt="2021-12-26T07:08:32.559" v="9562" actId="1035"/>
+          <ac:spMkLst>
+            <pc:docMk/>
+            <pc:sldMk cId="1990203815" sldId="304"/>
+            <ac:spMk id="3" creationId="{8FD44926-CEEF-4AD2-83D6-68188F133F6D}"/>
+          </ac:spMkLst>
+        </pc:spChg>
+        <pc:spChg chg="add mod">
+          <ac:chgData name="Li Lixiang" userId="6104bbfcb56aea79" providerId="LiveId" clId="{5DDD6A57-FD4C-4DE0-8DF6-43BC1A908F0C}" dt="2021-12-26T07:08:32.559" v="9562" actId="1035"/>
+          <ac:spMkLst>
+            <pc:docMk/>
+            <pc:sldMk cId="1990203815" sldId="304"/>
+            <ac:spMk id="4" creationId="{A3B714FD-E640-4E6A-8077-A1DE4642A578}"/>
+          </ac:spMkLst>
+        </pc:spChg>
+        <pc:spChg chg="add mod">
+          <ac:chgData name="Li Lixiang" userId="6104bbfcb56aea79" providerId="LiveId" clId="{5DDD6A57-FD4C-4DE0-8DF6-43BC1A908F0C}" dt="2021-12-26T07:08:32.559" v="9562" actId="1035"/>
+          <ac:spMkLst>
+            <pc:docMk/>
+            <pc:sldMk cId="1990203815" sldId="304"/>
+            <ac:spMk id="5" creationId="{5AD5EF5E-350F-4D34-9856-640E3A01D18B}"/>
+          </ac:spMkLst>
+        </pc:spChg>
+        <pc:spChg chg="add mod">
+          <ac:chgData name="Li Lixiang" userId="6104bbfcb56aea79" providerId="LiveId" clId="{5DDD6A57-FD4C-4DE0-8DF6-43BC1A908F0C}" dt="2021-12-26T07:08:32.559" v="9562" actId="1035"/>
+          <ac:spMkLst>
+            <pc:docMk/>
+            <pc:sldMk cId="1990203815" sldId="304"/>
+            <ac:spMk id="6" creationId="{3596E7FF-EDF5-4508-A5D4-02A9AD81A616}"/>
+          </ac:spMkLst>
+        </pc:spChg>
+        <pc:spChg chg="add mod">
+          <ac:chgData name="Li Lixiang" userId="6104bbfcb56aea79" providerId="LiveId" clId="{5DDD6A57-FD4C-4DE0-8DF6-43BC1A908F0C}" dt="2021-12-26T07:08:32.559" v="9562" actId="1035"/>
+          <ac:spMkLst>
+            <pc:docMk/>
+            <pc:sldMk cId="1990203815" sldId="304"/>
+            <ac:spMk id="7" creationId="{6C147896-6B93-495E-8659-AE6A58AF2229}"/>
+          </ac:spMkLst>
+        </pc:spChg>
+        <pc:spChg chg="add mod">
+          <ac:chgData name="Li Lixiang" userId="6104bbfcb56aea79" providerId="LiveId" clId="{5DDD6A57-FD4C-4DE0-8DF6-43BC1A908F0C}" dt="2021-12-26T07:08:32.559" v="9562" actId="1035"/>
+          <ac:spMkLst>
+            <pc:docMk/>
+            <pc:sldMk cId="1990203815" sldId="304"/>
+            <ac:spMk id="8" creationId="{8A0E7843-D5D0-441B-8343-3A5F70A68186}"/>
+          </ac:spMkLst>
+        </pc:spChg>
+      </pc:sldChg>
+    </pc:docChg>
+  </pc:docChgLst>
   <pc:docChgLst>
     <pc:chgData name="Li Lixiang" userId="6104bbfcb56aea79" providerId="LiveId" clId="{D5A8DE86-FACE-4491-BD0C-E2958BB7DF87}"/>
     <pc:docChg chg="modSld">
@@ -3879,6 +4595,37 @@
 </inkml:ink>
 </file>
 
+<file path=ppt/ink/ink5.xml><?xml version="1.0" encoding="utf-8"?>
+<inkml:ink xmlns:inkml="http://www.w3.org/2003/InkML">
+  <inkml:definitions>
+    <inkml:context xml:id="ctx0">
+      <inkml:inkSource xml:id="inkSrc0">
+        <inkml:traceFormat>
+          <inkml:channel name="X" type="integer" min="-2.14748E9" max="2.14748E9" units="cm"/>
+          <inkml:channel name="Y" type="integer" min="-2.14748E9" max="2.14748E9" units="cm"/>
+          <inkml:channel name="F" type="integer" max="32767" units="dev"/>
+          <inkml:channel name="OA" type="integer" max="360" units="deg"/>
+          <inkml:channel name="OE" type="integer" max="90" units="deg"/>
+        </inkml:traceFormat>
+        <inkml:channelProperties>
+          <inkml:channelProperty channel="X" name="resolution" value="1000" units="1/cm"/>
+          <inkml:channelProperty channel="Y" name="resolution" value="1000" units="1/cm"/>
+          <inkml:channelProperty channel="F" name="resolution" value="0" units="1/dev"/>
+          <inkml:channelProperty channel="OA" name="resolution" value="1000" units="1/deg"/>
+          <inkml:channelProperty channel="OE" name="resolution" value="1000" units="1/deg"/>
+        </inkml:channelProperties>
+      </inkml:inkSource>
+      <inkml:timestamp xml:id="ts0" timeString="2021-04-20T10:04:07.625"/>
+    </inkml:context>
+    <inkml:brush xml:id="br0">
+      <inkml:brushProperty name="width" value="0.05" units="cm"/>
+      <inkml:brushProperty name="height" value="0.05" units="cm"/>
+    </inkml:brush>
+  </inkml:definitions>
+  <inkml:trace contextRef="#ctx0" brushRef="#br0">38 1 132 0 0,'-20'4'64'0'0,"3"-2"-148"0"0</inkml:trace>
+</inkml:ink>
+</file>
+
 <file path=ppt/slideLayouts/slideLayout1.xml><?xml version="1.0" encoding="utf-8"?>
 <p:sldLayout xmlns:a="http://schemas.openxmlformats.org/drawingml/2006/main" xmlns:r="http://schemas.openxmlformats.org/officeDocument/2006/relationships" xmlns:p="http://schemas.openxmlformats.org/presentationml/2006/main" type="title" preserve="1">
   <p:cSld name="标题幻灯片">
@@ -4109,7 +4856,7 @@
             <a:fld id="{B61BEF0D-F0BB-DE4B-95CE-6DB70DBA9567}" type="datetimeFigureOut">
               <a:rPr lang="en-US" dirty="0"/>
               <a:pPr/>
-              <a:t>8/28/2021</a:t>
+              <a:t>12/26/2021</a:t>
             </a:fld>
             <a:endParaRPr lang="en-US" dirty="0"/>
           </a:p>
@@ -4440,7 +5187,7 @@
             <a:fld id="{B61BEF0D-F0BB-DE4B-95CE-6DB70DBA9567}" type="datetimeFigureOut">
               <a:rPr lang="en-US" dirty="0"/>
               <a:pPr/>
-              <a:t>8/28/2021</a:t>
+              <a:t>12/26/2021</a:t>
             </a:fld>
             <a:endParaRPr lang="en-US" dirty="0"/>
           </a:p>
@@ -4715,7 +5462,7 @@
             <a:fld id="{B61BEF0D-F0BB-DE4B-95CE-6DB70DBA9567}" type="datetimeFigureOut">
               <a:rPr lang="en-US" dirty="0"/>
               <a:pPr/>
-              <a:t>8/28/2021</a:t>
+              <a:t>12/26/2021</a:t>
             </a:fld>
             <a:endParaRPr lang="en-US" dirty="0"/>
           </a:p>
@@ -5280,7 +6027,7 @@
             <a:fld id="{B61BEF0D-F0BB-DE4B-95CE-6DB70DBA9567}" type="datetimeFigureOut">
               <a:rPr lang="en-US" dirty="0"/>
               <a:pPr/>
-              <a:t>8/28/2021</a:t>
+              <a:t>12/26/2021</a:t>
             </a:fld>
             <a:endParaRPr lang="en-US" dirty="0"/>
           </a:p>
@@ -5555,7 +6302,7 @@
             <a:fld id="{B61BEF0D-F0BB-DE4B-95CE-6DB70DBA9567}" type="datetimeFigureOut">
               <a:rPr lang="en-US" dirty="0"/>
               <a:pPr/>
-              <a:t>8/28/2021</a:t>
+              <a:t>12/26/2021</a:t>
             </a:fld>
             <a:endParaRPr lang="en-US" dirty="0"/>
           </a:p>
@@ -6114,7 +6861,7 @@
             <a:fld id="{B61BEF0D-F0BB-DE4B-95CE-6DB70DBA9567}" type="datetimeFigureOut">
               <a:rPr lang="en-US" dirty="0"/>
               <a:pPr/>
-              <a:t>8/28/2021</a:t>
+              <a:t>12/26/2021</a:t>
             </a:fld>
             <a:endParaRPr lang="en-US" dirty="0"/>
           </a:p>
@@ -6438,7 +7185,7 @@
             <a:fld id="{B61BEF0D-F0BB-DE4B-95CE-6DB70DBA9567}" type="datetimeFigureOut">
               <a:rPr lang="en-US" dirty="0"/>
               <a:pPr/>
-              <a:t>8/28/2021</a:t>
+              <a:t>12/26/2021</a:t>
             </a:fld>
             <a:endParaRPr lang="en-US" dirty="0"/>
           </a:p>
@@ -6612,7 +7359,7 @@
             <a:fld id="{B61BEF0D-F0BB-DE4B-95CE-6DB70DBA9567}" type="datetimeFigureOut">
               <a:rPr lang="en-US" dirty="0"/>
               <a:pPr/>
-              <a:t>8/28/2021</a:t>
+              <a:t>12/26/2021</a:t>
             </a:fld>
             <a:endParaRPr lang="en-US" dirty="0"/>
           </a:p>
@@ -6847,7 +7594,7 @@
             <a:fld id="{B61BEF0D-F0BB-DE4B-95CE-6DB70DBA9567}" type="datetimeFigureOut">
               <a:rPr lang="en-US" dirty="0"/>
               <a:pPr/>
-              <a:t>8/28/2021</a:t>
+              <a:t>12/26/2021</a:t>
             </a:fld>
             <a:endParaRPr lang="en-US" dirty="0"/>
           </a:p>
@@ -7044,7 +7791,7 @@
             <a:fld id="{B61BEF0D-F0BB-DE4B-95CE-6DB70DBA9567}" type="datetimeFigureOut">
               <a:rPr lang="en-US" dirty="0"/>
               <a:pPr/>
-              <a:t>8/28/2021</a:t>
+              <a:t>12/26/2021</a:t>
             </a:fld>
             <a:endParaRPr lang="en-US" dirty="0"/>
           </a:p>
@@ -7317,7 +8064,7 @@
             <a:fld id="{B61BEF0D-F0BB-DE4B-95CE-6DB70DBA9567}" type="datetimeFigureOut">
               <a:rPr lang="en-US" dirty="0"/>
               <a:pPr/>
-              <a:t>8/28/2021</a:t>
+              <a:t>12/26/2021</a:t>
             </a:fld>
             <a:endParaRPr lang="en-US" dirty="0"/>
           </a:p>
@@ -7580,7 +8327,7 @@
             <a:fld id="{B61BEF0D-F0BB-DE4B-95CE-6DB70DBA9567}" type="datetimeFigureOut">
               <a:rPr lang="en-US" dirty="0"/>
               <a:pPr/>
-              <a:t>8/28/2021</a:t>
+              <a:t>12/26/2021</a:t>
             </a:fld>
             <a:endParaRPr lang="en-US" dirty="0"/>
           </a:p>
@@ -7951,7 +8698,7 @@
             <a:fld id="{B61BEF0D-F0BB-DE4B-95CE-6DB70DBA9567}" type="datetimeFigureOut">
               <a:rPr lang="en-US" dirty="0"/>
               <a:pPr/>
-              <a:t>8/28/2021</a:t>
+              <a:t>12/26/2021</a:t>
             </a:fld>
             <a:endParaRPr lang="en-US" dirty="0"/>
           </a:p>
@@ -8096,7 +8843,7 @@
             <a:fld id="{B61BEF0D-F0BB-DE4B-95CE-6DB70DBA9567}" type="datetimeFigureOut">
               <a:rPr lang="en-US" dirty="0"/>
               <a:pPr/>
-              <a:t>8/28/2021</a:t>
+              <a:t>12/26/2021</a:t>
             </a:fld>
             <a:endParaRPr lang="en-US" dirty="0"/>
           </a:p>
@@ -8218,7 +8965,7 @@
             <a:fld id="{B61BEF0D-F0BB-DE4B-95CE-6DB70DBA9567}" type="datetimeFigureOut">
               <a:rPr lang="en-US" dirty="0"/>
               <a:pPr/>
-              <a:t>8/28/2021</a:t>
+              <a:t>12/26/2021</a:t>
             </a:fld>
             <a:endParaRPr lang="en-US" dirty="0"/>
           </a:p>
@@ -8500,7 +9247,7 @@
             <a:fld id="{B61BEF0D-F0BB-DE4B-95CE-6DB70DBA9567}" type="datetimeFigureOut">
               <a:rPr lang="en-US" dirty="0"/>
               <a:pPr/>
-              <a:t>8/28/2021</a:t>
+              <a:t>12/26/2021</a:t>
             </a:fld>
             <a:endParaRPr lang="en-US" dirty="0"/>
           </a:p>
@@ -8821,7 +9568,7 @@
             <a:fld id="{B61BEF0D-F0BB-DE4B-95CE-6DB70DBA9567}" type="datetimeFigureOut">
               <a:rPr lang="en-US" dirty="0"/>
               <a:pPr/>
-              <a:t>8/28/2021</a:t>
+              <a:t>12/26/2021</a:t>
             </a:fld>
             <a:endParaRPr lang="en-US" dirty="0"/>
           </a:p>
@@ -9032,7 +9779,7 @@
             <a:fld id="{B61BEF0D-F0BB-DE4B-95CE-6DB70DBA9567}" type="datetimeFigureOut">
               <a:rPr lang="en-US" dirty="0"/>
               <a:pPr/>
-              <a:t>8/28/2021</a:t>
+              <a:t>12/26/2021</a:t>
             </a:fld>
             <a:endParaRPr lang="en-US" dirty="0"/>
           </a:p>
@@ -9644,14 +10391,21 @@
             <p:ph type="title"/>
           </p:nvPr>
         </p:nvSpPr>
-        <p:spPr/>
+        <p:spPr>
+          <a:xfrm>
+            <a:off x="923365" y="643463"/>
+            <a:ext cx="10649203" cy="1608124"/>
+          </a:xfrm>
+        </p:spPr>
         <p:txBody>
-          <a:bodyPr/>
+          <a:bodyPr>
+            <a:normAutofit/>
+          </a:bodyPr>
           <a:lstStyle/>
           <a:p>
             <a:r>
               <a:rPr lang="en-US" dirty="0"/>
-              <a:t>Queue simulation program</a:t>
+              <a:t>Tuple Programming practice</a:t>
             </a:r>
             <a:endParaRPr lang="en-MY" dirty="0"/>
           </a:p>
@@ -9675,8 +10429,8 @@
         </p:nvSpPr>
         <p:spPr>
           <a:xfrm>
-            <a:off x="685801" y="2142067"/>
-            <a:ext cx="6271590" cy="3788216"/>
+            <a:off x="923366" y="2251587"/>
+            <a:ext cx="10264588" cy="1352225"/>
           </a:xfrm>
         </p:spPr>
         <p:txBody>
@@ -9685,45 +10439,325 @@
           </a:bodyPr>
           <a:lstStyle/>
           <a:p>
-            <a:pPr marL="0" indent="0">
-              <a:buNone/>
-            </a:pPr>
             <a:r>
               <a:rPr lang="en-MY" dirty="0"/>
-              <a:t>Create a program of simulation.</a:t>
-            </a:r>
-          </a:p>
-          <a:p>
-            <a:r>
-              <a:rPr lang="en-MY" dirty="0"/>
-              <a:t>Every minute comes a random number person of (0~5), to queue and buy coffee.</a:t>
-            </a:r>
-          </a:p>
-          <a:p>
-            <a:r>
-              <a:rPr lang="en-MY" dirty="0"/>
-              <a:t>Every guest takes around 15 ~ 20 seconds to finish service.</a:t>
-            </a:r>
-          </a:p>
-          <a:p>
-            <a:r>
-              <a:rPr lang="en-MY" dirty="0"/>
-              <a:t>Observe how the queue depth changes with time.</a:t>
-            </a:r>
-          </a:p>
-          <a:p>
-            <a:r>
-              <a:rPr lang="en-MY"/>
-              <a:t>Record </a:t>
-            </a:r>
-            <a:r>
-              <a:rPr lang="en-MY" dirty="0"/>
-              <a:t>and study each person’s waiting time.</a:t>
-            </a:r>
+              <a:t>Take a tuple, and make a new tuple, which all items are reversed from the previous one.</a:t>
+            </a:r>
+          </a:p>
+          <a:p>
+            <a:pPr lvl="1"/>
+            <a:r>
+              <a:rPr lang="en-US" altLang="en-US" sz="1400" dirty="0">
+                <a:latin typeface="Arial Unicode MS"/>
+              </a:rPr>
+              <a:t>Example: (10, 30, 50, 70)</a:t>
+            </a:r>
+            <a:endParaRPr kumimoji="0" lang="en-US" altLang="en-US" sz="1400" i="0" u="none" strike="noStrike" cap="none" normalizeH="0" baseline="0" dirty="0">
+              <a:ln>
+                <a:noFill/>
+              </a:ln>
+              <a:effectLst/>
+              <a:latin typeface="Arial Unicode MS"/>
+            </a:endParaRPr>
+          </a:p>
+          <a:p>
+            <a:pPr lvl="1"/>
+            <a:r>
+              <a:rPr lang="en-US" altLang="en-US" sz="1400" dirty="0">
+                <a:latin typeface="Arial Unicode MS"/>
+              </a:rPr>
+              <a:t>Give: (70, 50, 30, 10)</a:t>
+            </a:r>
+            <a:endParaRPr kumimoji="0" lang="en-US" altLang="en-US" sz="1400" i="0" u="none" strike="noStrike" cap="none" normalizeH="0" baseline="0" dirty="0">
+              <a:ln>
+                <a:noFill/>
+              </a:ln>
+              <a:effectLst/>
+              <a:latin typeface="Arial Unicode MS"/>
+            </a:endParaRPr>
           </a:p>
           <a:p>
             <a:pPr lvl="1"/>
             <a:endParaRPr lang="en-MY" dirty="0"/>
+          </a:p>
+        </p:txBody>
+      </p:sp>
+      <p:sp>
+        <p:nvSpPr>
+          <p:cNvPr id="4" name="内容占位符 2">
+            <a:extLst>
+              <a:ext uri="{FF2B5EF4-FFF2-40B4-BE49-F238E27FC236}">
+                <a16:creationId xmlns:a16="http://schemas.microsoft.com/office/drawing/2014/main" id="{EC31A9B6-34C0-4D1A-832B-DE43F35D868D}"/>
+              </a:ext>
+            </a:extLst>
+          </p:cNvPr>
+          <p:cNvSpPr txBox="1">
+            <a:spLocks/>
+          </p:cNvSpPr>
+          <p:nvPr/>
+        </p:nvSpPr>
+        <p:spPr>
+          <a:xfrm>
+            <a:off x="923365" y="4313469"/>
+            <a:ext cx="10264588" cy="1782531"/>
+          </a:xfrm>
+          <a:prstGeom prst="rect">
+            <a:avLst/>
+          </a:prstGeom>
+        </p:spPr>
+        <p:txBody>
+          <a:bodyPr vert="horz" lIns="91440" tIns="45720" rIns="91440" bIns="45720" rtlCol="0" anchor="t">
+            <a:normAutofit/>
+          </a:bodyPr>
+          <a:lstStyle>
+            <a:lvl1pPr marL="285750" indent="-285750" algn="l" defTabSz="457200" rtl="0" eaLnBrk="1" latinLnBrk="0" hangingPunct="1">
+              <a:spcBef>
+                <a:spcPts val="0"/>
+              </a:spcBef>
+              <a:spcAft>
+                <a:spcPts val="1000"/>
+              </a:spcAft>
+              <a:buClr>
+                <a:schemeClr val="tx1"/>
+              </a:buClr>
+              <a:buSzPct val="100000"/>
+              <a:buFont typeface="Arial"/>
+              <a:buChar char="•"/>
+              <a:defRPr sz="1800" kern="1200" cap="none">
+                <a:solidFill>
+                  <a:schemeClr val="tx1"/>
+                </a:solidFill>
+                <a:effectLst/>
+                <a:latin typeface="+mn-lt"/>
+                <a:ea typeface="+mn-ea"/>
+                <a:cs typeface="+mn-cs"/>
+              </a:defRPr>
+            </a:lvl1pPr>
+            <a:lvl2pPr marL="742950" indent="-285750" algn="l" defTabSz="457200" rtl="0" eaLnBrk="1" latinLnBrk="0" hangingPunct="1">
+              <a:spcBef>
+                <a:spcPts val="0"/>
+              </a:spcBef>
+              <a:spcAft>
+                <a:spcPts val="1000"/>
+              </a:spcAft>
+              <a:buClr>
+                <a:schemeClr val="tx1"/>
+              </a:buClr>
+              <a:buSzPct val="100000"/>
+              <a:buFont typeface="Arial"/>
+              <a:buChar char="•"/>
+              <a:defRPr sz="1600" kern="1200" cap="none">
+                <a:solidFill>
+                  <a:schemeClr val="tx1"/>
+                </a:solidFill>
+                <a:effectLst/>
+                <a:latin typeface="+mn-lt"/>
+                <a:ea typeface="+mn-ea"/>
+                <a:cs typeface="+mn-cs"/>
+              </a:defRPr>
+            </a:lvl2pPr>
+            <a:lvl3pPr marL="1200150" indent="-285750" algn="l" defTabSz="457200" rtl="0" eaLnBrk="1" latinLnBrk="0" hangingPunct="1">
+              <a:spcBef>
+                <a:spcPts val="0"/>
+              </a:spcBef>
+              <a:spcAft>
+                <a:spcPts val="1000"/>
+              </a:spcAft>
+              <a:buClr>
+                <a:schemeClr val="tx1"/>
+              </a:buClr>
+              <a:buSzPct val="100000"/>
+              <a:buFont typeface="Arial"/>
+              <a:buChar char="•"/>
+              <a:defRPr sz="1400" kern="1200" cap="none">
+                <a:solidFill>
+                  <a:schemeClr val="tx1"/>
+                </a:solidFill>
+                <a:effectLst/>
+                <a:latin typeface="+mn-lt"/>
+                <a:ea typeface="+mn-ea"/>
+                <a:cs typeface="+mn-cs"/>
+              </a:defRPr>
+            </a:lvl3pPr>
+            <a:lvl4pPr marL="1543050" indent="-171450" algn="l" defTabSz="457200" rtl="0" eaLnBrk="1" latinLnBrk="0" hangingPunct="1">
+              <a:spcBef>
+                <a:spcPts val="0"/>
+              </a:spcBef>
+              <a:spcAft>
+                <a:spcPts val="1000"/>
+              </a:spcAft>
+              <a:buClr>
+                <a:schemeClr val="tx1"/>
+              </a:buClr>
+              <a:buSzPct val="100000"/>
+              <a:buFont typeface="Arial"/>
+              <a:buChar char="•"/>
+              <a:defRPr sz="1200" kern="1200" cap="none">
+                <a:solidFill>
+                  <a:schemeClr val="tx1"/>
+                </a:solidFill>
+                <a:effectLst/>
+                <a:latin typeface="+mn-lt"/>
+                <a:ea typeface="+mn-ea"/>
+                <a:cs typeface="+mn-cs"/>
+              </a:defRPr>
+            </a:lvl4pPr>
+            <a:lvl5pPr marL="2000250" indent="-171450" algn="l" defTabSz="457200" rtl="0" eaLnBrk="1" latinLnBrk="0" hangingPunct="1">
+              <a:spcBef>
+                <a:spcPts val="0"/>
+              </a:spcBef>
+              <a:spcAft>
+                <a:spcPts val="1000"/>
+              </a:spcAft>
+              <a:buClr>
+                <a:schemeClr val="tx1"/>
+              </a:buClr>
+              <a:buSzPct val="100000"/>
+              <a:buFont typeface="Arial"/>
+              <a:buChar char="•"/>
+              <a:defRPr sz="1200" kern="1200" cap="none">
+                <a:solidFill>
+                  <a:schemeClr val="tx1"/>
+                </a:solidFill>
+                <a:effectLst/>
+                <a:latin typeface="+mn-lt"/>
+                <a:ea typeface="+mn-ea"/>
+                <a:cs typeface="+mn-cs"/>
+              </a:defRPr>
+            </a:lvl5pPr>
+            <a:lvl6pPr marL="2514600" indent="-228600" algn="l" defTabSz="457200" rtl="0" eaLnBrk="1" latinLnBrk="0" hangingPunct="1">
+              <a:spcBef>
+                <a:spcPts val="0"/>
+              </a:spcBef>
+              <a:spcAft>
+                <a:spcPts val="1000"/>
+              </a:spcAft>
+              <a:buClr>
+                <a:schemeClr val="tx1"/>
+              </a:buClr>
+              <a:buSzPct val="100000"/>
+              <a:buFont typeface="Arial"/>
+              <a:buChar char="•"/>
+              <a:defRPr sz="1200" kern="1200" cap="none">
+                <a:solidFill>
+                  <a:schemeClr val="tx1"/>
+                </a:solidFill>
+                <a:effectLst/>
+                <a:latin typeface="+mn-lt"/>
+                <a:ea typeface="+mn-ea"/>
+                <a:cs typeface="+mn-cs"/>
+              </a:defRPr>
+            </a:lvl6pPr>
+            <a:lvl7pPr marL="2971800" indent="-228600" algn="l" defTabSz="457200" rtl="0" eaLnBrk="1" latinLnBrk="0" hangingPunct="1">
+              <a:spcBef>
+                <a:spcPts val="0"/>
+              </a:spcBef>
+              <a:spcAft>
+                <a:spcPts val="1000"/>
+              </a:spcAft>
+              <a:buClr>
+                <a:schemeClr val="tx1"/>
+              </a:buClr>
+              <a:buSzPct val="100000"/>
+              <a:buFont typeface="Arial"/>
+              <a:buChar char="•"/>
+              <a:defRPr sz="1200" kern="1200" cap="none">
+                <a:solidFill>
+                  <a:schemeClr val="tx1"/>
+                </a:solidFill>
+                <a:effectLst/>
+                <a:latin typeface="+mn-lt"/>
+                <a:ea typeface="+mn-ea"/>
+                <a:cs typeface="+mn-cs"/>
+              </a:defRPr>
+            </a:lvl7pPr>
+            <a:lvl8pPr marL="3429000" indent="-228600" algn="l" defTabSz="457200" rtl="0" eaLnBrk="1" latinLnBrk="0" hangingPunct="1">
+              <a:spcBef>
+                <a:spcPts val="0"/>
+              </a:spcBef>
+              <a:spcAft>
+                <a:spcPts val="1000"/>
+              </a:spcAft>
+              <a:buClr>
+                <a:schemeClr val="tx1"/>
+              </a:buClr>
+              <a:buSzPct val="100000"/>
+              <a:buFont typeface="Arial"/>
+              <a:buChar char="•"/>
+              <a:defRPr sz="1200" kern="1200" cap="none">
+                <a:solidFill>
+                  <a:schemeClr val="tx1"/>
+                </a:solidFill>
+                <a:effectLst/>
+                <a:latin typeface="+mn-lt"/>
+                <a:ea typeface="+mn-ea"/>
+                <a:cs typeface="+mn-cs"/>
+              </a:defRPr>
+            </a:lvl8pPr>
+            <a:lvl9pPr marL="3886200" indent="-228600" algn="l" defTabSz="457200" rtl="0" eaLnBrk="1" latinLnBrk="0" hangingPunct="1">
+              <a:spcBef>
+                <a:spcPts val="0"/>
+              </a:spcBef>
+              <a:spcAft>
+                <a:spcPts val="1000"/>
+              </a:spcAft>
+              <a:buClr>
+                <a:schemeClr val="tx1"/>
+              </a:buClr>
+              <a:buSzPct val="100000"/>
+              <a:buFont typeface="Arial"/>
+              <a:buChar char="•"/>
+              <a:defRPr sz="1200" kern="1200" cap="none">
+                <a:solidFill>
+                  <a:schemeClr val="tx1"/>
+                </a:solidFill>
+                <a:effectLst/>
+                <a:latin typeface="+mn-lt"/>
+                <a:ea typeface="+mn-ea"/>
+                <a:cs typeface="+mn-cs"/>
+              </a:defRPr>
+            </a:lvl9pPr>
+          </a:lstStyle>
+          <a:p>
+            <a:r>
+              <a:rPr lang="en-MY" dirty="0"/>
+              <a:t>Try to access the value 20 from the following tuple:</a:t>
+            </a:r>
+          </a:p>
+          <a:p>
+            <a:pPr lvl="1"/>
+            <a:r>
+              <a:rPr lang="en-US" altLang="en-US" sz="1400" dirty="0">
+                <a:latin typeface="Arial Unicode MS"/>
+              </a:rPr>
+              <a:t>(‘</a:t>
+            </a:r>
+            <a:r>
+              <a:rPr lang="en-US" altLang="en-US" sz="1400" dirty="0" err="1">
+                <a:latin typeface="Arial Unicode MS"/>
+              </a:rPr>
+              <a:t>abc</a:t>
+            </a:r>
+            <a:r>
+              <a:rPr lang="en-US" altLang="en-US" sz="1400" dirty="0">
+                <a:latin typeface="Arial Unicode MS"/>
+              </a:rPr>
+              <a:t>’, [10, 20, 30], (5, 55), 30) </a:t>
+            </a:r>
+          </a:p>
+          <a:p>
+            <a:pPr lvl="1"/>
+            <a:endParaRPr lang="en-US" altLang="en-US" sz="1400" dirty="0">
+              <a:latin typeface="Arial Unicode MS"/>
+            </a:endParaRPr>
+          </a:p>
+          <a:p>
+            <a:r>
+              <a:rPr lang="en-US" altLang="en-US" sz="1600" dirty="0">
+                <a:latin typeface="Arial Unicode MS"/>
+              </a:rPr>
+              <a:t>How to access value 55? How about value 30?</a:t>
+            </a:r>
           </a:p>
           <a:p>
             <a:pPr lvl="1"/>
@@ -9734,7 +10768,7 @@
     </p:spTree>
     <p:extLst>
       <p:ext uri="{BB962C8B-B14F-4D97-AF65-F5344CB8AC3E}">
-        <p14:creationId xmlns:p14="http://schemas.microsoft.com/office/powerpoint/2010/main" val="1235300252"/>
+        <p14:creationId xmlns:p14="http://schemas.microsoft.com/office/powerpoint/2010/main" val="3250499413"/>
       </p:ext>
     </p:extLst>
   </p:cSld>
@@ -9777,14 +10811,21 @@
             <p:ph type="title"/>
           </p:nvPr>
         </p:nvSpPr>
-        <p:spPr/>
+        <p:spPr>
+          <a:xfrm>
+            <a:off x="923365" y="643463"/>
+            <a:ext cx="10649203" cy="1608124"/>
+          </a:xfrm>
+        </p:spPr>
         <p:txBody>
-          <a:bodyPr/>
+          <a:bodyPr>
+            <a:normAutofit/>
+          </a:bodyPr>
           <a:lstStyle/>
           <a:p>
             <a:r>
               <a:rPr lang="en-US" dirty="0"/>
-              <a:t>stack simulation program</a:t>
+              <a:t>Tuple Programming practice</a:t>
             </a:r>
             <a:endParaRPr lang="en-MY" dirty="0"/>
           </a:p>
@@ -9808,8 +10849,8 @@
         </p:nvSpPr>
         <p:spPr>
           <a:xfrm>
-            <a:off x="685801" y="2142066"/>
-            <a:ext cx="6664910" cy="3557397"/>
+            <a:off x="923366" y="2251587"/>
+            <a:ext cx="10264588" cy="1352225"/>
           </a:xfrm>
         </p:spPr>
         <p:txBody>
@@ -9818,47 +10859,297 @@
           </a:bodyPr>
           <a:lstStyle/>
           <a:p>
-            <a:pPr marL="0" indent="0">
-              <a:buNone/>
-            </a:pPr>
             <a:r>
               <a:rPr lang="en-MY" dirty="0"/>
-              <a:t>Create a program of simulation.</a:t>
-            </a:r>
-          </a:p>
-          <a:p>
-            <a:r>
-              <a:rPr lang="en-MY" dirty="0"/>
-              <a:t>Every day comes a random number of files waiting to be signed (0~10), which was put on a table.</a:t>
-            </a:r>
-          </a:p>
-          <a:p>
-            <a:r>
-              <a:rPr lang="en-MY" dirty="0"/>
-              <a:t>Every day take 6 files from table, process and sign it.</a:t>
-            </a:r>
-          </a:p>
-          <a:p>
-            <a:r>
-              <a:rPr lang="en-MY" dirty="0"/>
-              <a:t>Observe how the stack depth changes with time.</a:t>
-            </a:r>
-          </a:p>
-          <a:p>
-            <a:r>
-              <a:rPr lang="en-MY" dirty="0"/>
-              <a:t>What if you feel not work and work efficiency reduce to only process 4 files one day?</a:t>
-            </a:r>
-          </a:p>
-          <a:p>
-            <a:r>
-              <a:rPr lang="en-MY" dirty="0"/>
-              <a:t>Record and study each file waiting time.</a:t>
-            </a:r>
+              <a:t>Create a tuple with one value 33</a:t>
+            </a:r>
+          </a:p>
+          <a:p>
+            <a:pPr lvl="1"/>
+            <a:endParaRPr kumimoji="0" lang="en-US" altLang="en-US" sz="1400" i="0" u="none" strike="noStrike" cap="none" normalizeH="0" baseline="0" dirty="0">
+              <a:ln>
+                <a:noFill/>
+              </a:ln>
+              <a:effectLst/>
+              <a:latin typeface="Arial Unicode MS"/>
+            </a:endParaRPr>
           </a:p>
           <a:p>
             <a:pPr lvl="1"/>
             <a:endParaRPr lang="en-MY" dirty="0"/>
+          </a:p>
+        </p:txBody>
+      </p:sp>
+      <p:sp>
+        <p:nvSpPr>
+          <p:cNvPr id="4" name="内容占位符 2">
+            <a:extLst>
+              <a:ext uri="{FF2B5EF4-FFF2-40B4-BE49-F238E27FC236}">
+                <a16:creationId xmlns:a16="http://schemas.microsoft.com/office/drawing/2014/main" id="{EC31A9B6-34C0-4D1A-832B-DE43F35D868D}"/>
+              </a:ext>
+            </a:extLst>
+          </p:cNvPr>
+          <p:cNvSpPr txBox="1">
+            <a:spLocks/>
+          </p:cNvSpPr>
+          <p:nvPr/>
+        </p:nvSpPr>
+        <p:spPr>
+          <a:xfrm>
+            <a:off x="923365" y="3751008"/>
+            <a:ext cx="10264588" cy="1782531"/>
+          </a:xfrm>
+          <a:prstGeom prst="rect">
+            <a:avLst/>
+          </a:prstGeom>
+        </p:spPr>
+        <p:txBody>
+          <a:bodyPr vert="horz" lIns="91440" tIns="45720" rIns="91440" bIns="45720" rtlCol="0" anchor="t">
+            <a:normAutofit/>
+          </a:bodyPr>
+          <a:lstStyle>
+            <a:lvl1pPr marL="285750" indent="-285750" algn="l" defTabSz="457200" rtl="0" eaLnBrk="1" latinLnBrk="0" hangingPunct="1">
+              <a:spcBef>
+                <a:spcPts val="0"/>
+              </a:spcBef>
+              <a:spcAft>
+                <a:spcPts val="1000"/>
+              </a:spcAft>
+              <a:buClr>
+                <a:schemeClr val="tx1"/>
+              </a:buClr>
+              <a:buSzPct val="100000"/>
+              <a:buFont typeface="Arial"/>
+              <a:buChar char="•"/>
+              <a:defRPr sz="1800" kern="1200" cap="none">
+                <a:solidFill>
+                  <a:schemeClr val="tx1"/>
+                </a:solidFill>
+                <a:effectLst/>
+                <a:latin typeface="+mn-lt"/>
+                <a:ea typeface="+mn-ea"/>
+                <a:cs typeface="+mn-cs"/>
+              </a:defRPr>
+            </a:lvl1pPr>
+            <a:lvl2pPr marL="742950" indent="-285750" algn="l" defTabSz="457200" rtl="0" eaLnBrk="1" latinLnBrk="0" hangingPunct="1">
+              <a:spcBef>
+                <a:spcPts val="0"/>
+              </a:spcBef>
+              <a:spcAft>
+                <a:spcPts val="1000"/>
+              </a:spcAft>
+              <a:buClr>
+                <a:schemeClr val="tx1"/>
+              </a:buClr>
+              <a:buSzPct val="100000"/>
+              <a:buFont typeface="Arial"/>
+              <a:buChar char="•"/>
+              <a:defRPr sz="1600" kern="1200" cap="none">
+                <a:solidFill>
+                  <a:schemeClr val="tx1"/>
+                </a:solidFill>
+                <a:effectLst/>
+                <a:latin typeface="+mn-lt"/>
+                <a:ea typeface="+mn-ea"/>
+                <a:cs typeface="+mn-cs"/>
+              </a:defRPr>
+            </a:lvl2pPr>
+            <a:lvl3pPr marL="1200150" indent="-285750" algn="l" defTabSz="457200" rtl="0" eaLnBrk="1" latinLnBrk="0" hangingPunct="1">
+              <a:spcBef>
+                <a:spcPts val="0"/>
+              </a:spcBef>
+              <a:spcAft>
+                <a:spcPts val="1000"/>
+              </a:spcAft>
+              <a:buClr>
+                <a:schemeClr val="tx1"/>
+              </a:buClr>
+              <a:buSzPct val="100000"/>
+              <a:buFont typeface="Arial"/>
+              <a:buChar char="•"/>
+              <a:defRPr sz="1400" kern="1200" cap="none">
+                <a:solidFill>
+                  <a:schemeClr val="tx1"/>
+                </a:solidFill>
+                <a:effectLst/>
+                <a:latin typeface="+mn-lt"/>
+                <a:ea typeface="+mn-ea"/>
+                <a:cs typeface="+mn-cs"/>
+              </a:defRPr>
+            </a:lvl3pPr>
+            <a:lvl4pPr marL="1543050" indent="-171450" algn="l" defTabSz="457200" rtl="0" eaLnBrk="1" latinLnBrk="0" hangingPunct="1">
+              <a:spcBef>
+                <a:spcPts val="0"/>
+              </a:spcBef>
+              <a:spcAft>
+                <a:spcPts val="1000"/>
+              </a:spcAft>
+              <a:buClr>
+                <a:schemeClr val="tx1"/>
+              </a:buClr>
+              <a:buSzPct val="100000"/>
+              <a:buFont typeface="Arial"/>
+              <a:buChar char="•"/>
+              <a:defRPr sz="1200" kern="1200" cap="none">
+                <a:solidFill>
+                  <a:schemeClr val="tx1"/>
+                </a:solidFill>
+                <a:effectLst/>
+                <a:latin typeface="+mn-lt"/>
+                <a:ea typeface="+mn-ea"/>
+                <a:cs typeface="+mn-cs"/>
+              </a:defRPr>
+            </a:lvl4pPr>
+            <a:lvl5pPr marL="2000250" indent="-171450" algn="l" defTabSz="457200" rtl="0" eaLnBrk="1" latinLnBrk="0" hangingPunct="1">
+              <a:spcBef>
+                <a:spcPts val="0"/>
+              </a:spcBef>
+              <a:spcAft>
+                <a:spcPts val="1000"/>
+              </a:spcAft>
+              <a:buClr>
+                <a:schemeClr val="tx1"/>
+              </a:buClr>
+              <a:buSzPct val="100000"/>
+              <a:buFont typeface="Arial"/>
+              <a:buChar char="•"/>
+              <a:defRPr sz="1200" kern="1200" cap="none">
+                <a:solidFill>
+                  <a:schemeClr val="tx1"/>
+                </a:solidFill>
+                <a:effectLst/>
+                <a:latin typeface="+mn-lt"/>
+                <a:ea typeface="+mn-ea"/>
+                <a:cs typeface="+mn-cs"/>
+              </a:defRPr>
+            </a:lvl5pPr>
+            <a:lvl6pPr marL="2514600" indent="-228600" algn="l" defTabSz="457200" rtl="0" eaLnBrk="1" latinLnBrk="0" hangingPunct="1">
+              <a:spcBef>
+                <a:spcPts val="0"/>
+              </a:spcBef>
+              <a:spcAft>
+                <a:spcPts val="1000"/>
+              </a:spcAft>
+              <a:buClr>
+                <a:schemeClr val="tx1"/>
+              </a:buClr>
+              <a:buSzPct val="100000"/>
+              <a:buFont typeface="Arial"/>
+              <a:buChar char="•"/>
+              <a:defRPr sz="1200" kern="1200" cap="none">
+                <a:solidFill>
+                  <a:schemeClr val="tx1"/>
+                </a:solidFill>
+                <a:effectLst/>
+                <a:latin typeface="+mn-lt"/>
+                <a:ea typeface="+mn-ea"/>
+                <a:cs typeface="+mn-cs"/>
+              </a:defRPr>
+            </a:lvl6pPr>
+            <a:lvl7pPr marL="2971800" indent="-228600" algn="l" defTabSz="457200" rtl="0" eaLnBrk="1" latinLnBrk="0" hangingPunct="1">
+              <a:spcBef>
+                <a:spcPts val="0"/>
+              </a:spcBef>
+              <a:spcAft>
+                <a:spcPts val="1000"/>
+              </a:spcAft>
+              <a:buClr>
+                <a:schemeClr val="tx1"/>
+              </a:buClr>
+              <a:buSzPct val="100000"/>
+              <a:buFont typeface="Arial"/>
+              <a:buChar char="•"/>
+              <a:defRPr sz="1200" kern="1200" cap="none">
+                <a:solidFill>
+                  <a:schemeClr val="tx1"/>
+                </a:solidFill>
+                <a:effectLst/>
+                <a:latin typeface="+mn-lt"/>
+                <a:ea typeface="+mn-ea"/>
+                <a:cs typeface="+mn-cs"/>
+              </a:defRPr>
+            </a:lvl7pPr>
+            <a:lvl8pPr marL="3429000" indent="-228600" algn="l" defTabSz="457200" rtl="0" eaLnBrk="1" latinLnBrk="0" hangingPunct="1">
+              <a:spcBef>
+                <a:spcPts val="0"/>
+              </a:spcBef>
+              <a:spcAft>
+                <a:spcPts val="1000"/>
+              </a:spcAft>
+              <a:buClr>
+                <a:schemeClr val="tx1"/>
+              </a:buClr>
+              <a:buSzPct val="100000"/>
+              <a:buFont typeface="Arial"/>
+              <a:buChar char="•"/>
+              <a:defRPr sz="1200" kern="1200" cap="none">
+                <a:solidFill>
+                  <a:schemeClr val="tx1"/>
+                </a:solidFill>
+                <a:effectLst/>
+                <a:latin typeface="+mn-lt"/>
+                <a:ea typeface="+mn-ea"/>
+                <a:cs typeface="+mn-cs"/>
+              </a:defRPr>
+            </a:lvl8pPr>
+            <a:lvl9pPr marL="3886200" indent="-228600" algn="l" defTabSz="457200" rtl="0" eaLnBrk="1" latinLnBrk="0" hangingPunct="1">
+              <a:spcBef>
+                <a:spcPts val="0"/>
+              </a:spcBef>
+              <a:spcAft>
+                <a:spcPts val="1000"/>
+              </a:spcAft>
+              <a:buClr>
+                <a:schemeClr val="tx1"/>
+              </a:buClr>
+              <a:buSzPct val="100000"/>
+              <a:buFont typeface="Arial"/>
+              <a:buChar char="•"/>
+              <a:defRPr sz="1200" kern="1200" cap="none">
+                <a:solidFill>
+                  <a:schemeClr val="tx1"/>
+                </a:solidFill>
+                <a:effectLst/>
+                <a:latin typeface="+mn-lt"/>
+                <a:ea typeface="+mn-ea"/>
+                <a:cs typeface="+mn-cs"/>
+              </a:defRPr>
+            </a:lvl9pPr>
+          </a:lstStyle>
+          <a:p>
+            <a:r>
+              <a:rPr lang="en-MY" dirty="0"/>
+              <a:t>Unpack a tuple with 4 items, and give those value to 4 variables</a:t>
+            </a:r>
+          </a:p>
+          <a:p>
+            <a:pPr lvl="1"/>
+            <a:r>
+              <a:rPr lang="en-US" altLang="en-US" sz="1400" dirty="0">
+                <a:latin typeface="Arial Unicode MS"/>
+              </a:rPr>
+              <a:t>Example: (‘a’, ‘b’, ‘c’, 40)</a:t>
+            </a:r>
+          </a:p>
+          <a:p>
+            <a:pPr lvl="1"/>
+            <a:r>
+              <a:rPr lang="en-US" altLang="en-US" sz="1400" dirty="0">
+                <a:latin typeface="Arial Unicode MS"/>
+              </a:rPr>
+              <a:t>User var_1, var_2, var_3, var_4 as name for 4 variables.</a:t>
+            </a:r>
+          </a:p>
+          <a:p>
+            <a:pPr lvl="1"/>
+            <a:endParaRPr lang="en-US" altLang="en-US" sz="1400" dirty="0">
+              <a:latin typeface="Arial Unicode MS"/>
+            </a:endParaRPr>
+          </a:p>
+          <a:p>
+            <a:endParaRPr lang="en-US" altLang="en-US" sz="1600" dirty="0">
+              <a:latin typeface="Arial Unicode MS"/>
+            </a:endParaRPr>
           </a:p>
           <a:p>
             <a:pPr lvl="1"/>
@@ -9869,7 +11160,7 @@
     </p:spTree>
     <p:extLst>
       <p:ext uri="{BB962C8B-B14F-4D97-AF65-F5344CB8AC3E}">
-        <p14:creationId xmlns:p14="http://schemas.microsoft.com/office/powerpoint/2010/main" val="223724709"/>
+        <p14:creationId xmlns:p14="http://schemas.microsoft.com/office/powerpoint/2010/main" val="3038236592"/>
       </p:ext>
     </p:extLst>
   </p:cSld>
@@ -9879,7 +11170,2264 @@
 </p:sld>
 </file>
 
-<file path=ppt/slides/slide2.xml><?xml version="1.0" encoding="utf-8"?>
+<file path=ppt/slides/slide12.xml><?xml version="1.0" encoding="utf-8"?>
+<p:sld xmlns:a="http://schemas.openxmlformats.org/drawingml/2006/main" xmlns:r="http://schemas.openxmlformats.org/officeDocument/2006/relationships" xmlns:p="http://schemas.openxmlformats.org/presentationml/2006/main">
+  <p:cSld>
+    <p:spTree>
+      <p:nvGrpSpPr>
+        <p:cNvPr id="1" name=""/>
+        <p:cNvGrpSpPr/>
+        <p:nvPr/>
+      </p:nvGrpSpPr>
+      <p:grpSpPr>
+        <a:xfrm>
+          <a:off x="0" y="0"/>
+          <a:ext cx="0" cy="0"/>
+          <a:chOff x="0" y="0"/>
+          <a:chExt cx="0" cy="0"/>
+        </a:xfrm>
+      </p:grpSpPr>
+      <p:sp>
+        <p:nvSpPr>
+          <p:cNvPr id="2" name="标题 1">
+            <a:extLst>
+              <a:ext uri="{FF2B5EF4-FFF2-40B4-BE49-F238E27FC236}">
+                <a16:creationId xmlns:a16="http://schemas.microsoft.com/office/drawing/2014/main" id="{5EC01E2D-9CFE-4D5D-8863-3BA90731F07B}"/>
+              </a:ext>
+            </a:extLst>
+          </p:cNvPr>
+          <p:cNvSpPr>
+            <a:spLocks noGrp="1"/>
+          </p:cNvSpPr>
+          <p:nvPr>
+            <p:ph type="title"/>
+          </p:nvPr>
+        </p:nvSpPr>
+        <p:spPr>
+          <a:xfrm>
+            <a:off x="923365" y="643463"/>
+            <a:ext cx="10649203" cy="1608124"/>
+          </a:xfrm>
+        </p:spPr>
+        <p:txBody>
+          <a:bodyPr>
+            <a:normAutofit/>
+          </a:bodyPr>
+          <a:lstStyle/>
+          <a:p>
+            <a:r>
+              <a:rPr lang="en-US" dirty="0"/>
+              <a:t>Tuple Programming practice</a:t>
+            </a:r>
+            <a:endParaRPr lang="en-MY" dirty="0"/>
+          </a:p>
+        </p:txBody>
+      </p:sp>
+      <p:sp>
+        <p:nvSpPr>
+          <p:cNvPr id="3" name="内容占位符 2">
+            <a:extLst>
+              <a:ext uri="{FF2B5EF4-FFF2-40B4-BE49-F238E27FC236}">
+                <a16:creationId xmlns:a16="http://schemas.microsoft.com/office/drawing/2014/main" id="{7060439F-2729-478E-B95F-230482B50AA1}"/>
+              </a:ext>
+            </a:extLst>
+          </p:cNvPr>
+          <p:cNvSpPr>
+            <a:spLocks noGrp="1"/>
+          </p:cNvSpPr>
+          <p:nvPr>
+            <p:ph idx="1"/>
+          </p:nvPr>
+        </p:nvSpPr>
+        <p:spPr>
+          <a:xfrm>
+            <a:off x="923366" y="2251587"/>
+            <a:ext cx="10264588" cy="1352225"/>
+          </a:xfrm>
+        </p:spPr>
+        <p:txBody>
+          <a:bodyPr anchor="t">
+            <a:normAutofit/>
+          </a:bodyPr>
+          <a:lstStyle/>
+          <a:p>
+            <a:r>
+              <a:rPr lang="en-MY" dirty="0"/>
+              <a:t>Sort tuples according to the value of second item:</a:t>
+            </a:r>
+          </a:p>
+          <a:p>
+            <a:pPr lvl="1"/>
+            <a:r>
+              <a:rPr kumimoji="0" lang="en-US" altLang="en-US" sz="1400" i="0" u="none" strike="noStrike" cap="none" normalizeH="0" baseline="0" dirty="0">
+                <a:ln>
+                  <a:noFill/>
+                </a:ln>
+                <a:effectLst/>
+                <a:latin typeface="Arial Unicode MS"/>
+              </a:rPr>
+              <a:t>Example : ((‘dog’, 20), (‘cat’, 10), (‘monkey’, 40), (‘mouse’, 5))</a:t>
+            </a:r>
+          </a:p>
+          <a:p>
+            <a:pPr lvl="1"/>
+            <a:r>
+              <a:rPr lang="en-MY" dirty="0"/>
+              <a:t>After sorted: ((‘mouse’, 5), (‘cat’, 10), (‘dog’, 20), (‘monkey’ 40))</a:t>
+            </a:r>
+          </a:p>
+        </p:txBody>
+      </p:sp>
+    </p:spTree>
+    <p:extLst>
+      <p:ext uri="{BB962C8B-B14F-4D97-AF65-F5344CB8AC3E}">
+        <p14:creationId xmlns:p14="http://schemas.microsoft.com/office/powerpoint/2010/main" val="3216123521"/>
+      </p:ext>
+    </p:extLst>
+  </p:cSld>
+  <p:clrMapOvr>
+    <a:masterClrMapping/>
+  </p:clrMapOvr>
+</p:sld>
+</file>
+
+<file path=ppt/slides/slide13.xml><?xml version="1.0" encoding="utf-8"?>
+<p:sld xmlns:a="http://schemas.openxmlformats.org/drawingml/2006/main" xmlns:r="http://schemas.openxmlformats.org/officeDocument/2006/relationships" xmlns:p="http://schemas.openxmlformats.org/presentationml/2006/main">
+  <p:cSld>
+    <p:spTree>
+      <p:nvGrpSpPr>
+        <p:cNvPr id="1" name=""/>
+        <p:cNvGrpSpPr/>
+        <p:nvPr/>
+      </p:nvGrpSpPr>
+      <p:grpSpPr>
+        <a:xfrm>
+          <a:off x="0" y="0"/>
+          <a:ext cx="0" cy="0"/>
+          <a:chOff x="0" y="0"/>
+          <a:chExt cx="0" cy="0"/>
+        </a:xfrm>
+      </p:grpSpPr>
+      <p:sp>
+        <p:nvSpPr>
+          <p:cNvPr id="2" name="标题 1">
+            <a:extLst>
+              <a:ext uri="{FF2B5EF4-FFF2-40B4-BE49-F238E27FC236}">
+                <a16:creationId xmlns:a16="http://schemas.microsoft.com/office/drawing/2014/main" id="{5EC01E2D-9CFE-4D5D-8863-3BA90731F07B}"/>
+              </a:ext>
+            </a:extLst>
+          </p:cNvPr>
+          <p:cNvSpPr>
+            <a:spLocks noGrp="1"/>
+          </p:cNvSpPr>
+          <p:nvPr>
+            <p:ph type="title"/>
+          </p:nvPr>
+        </p:nvSpPr>
+        <p:spPr>
+          <a:xfrm>
+            <a:off x="923365" y="643463"/>
+            <a:ext cx="10649203" cy="1608124"/>
+          </a:xfrm>
+        </p:spPr>
+        <p:txBody>
+          <a:bodyPr>
+            <a:normAutofit/>
+          </a:bodyPr>
+          <a:lstStyle/>
+          <a:p>
+            <a:r>
+              <a:rPr lang="en-US" dirty="0" err="1"/>
+              <a:t>dict</a:t>
+            </a:r>
+            <a:r>
+              <a:rPr lang="en-US" dirty="0"/>
+              <a:t> Programming practice</a:t>
+            </a:r>
+            <a:endParaRPr lang="en-MY" dirty="0"/>
+          </a:p>
+        </p:txBody>
+      </p:sp>
+      <p:sp>
+        <p:nvSpPr>
+          <p:cNvPr id="3" name="内容占位符 2">
+            <a:extLst>
+              <a:ext uri="{FF2B5EF4-FFF2-40B4-BE49-F238E27FC236}">
+                <a16:creationId xmlns:a16="http://schemas.microsoft.com/office/drawing/2014/main" id="{7060439F-2729-478E-B95F-230482B50AA1}"/>
+              </a:ext>
+            </a:extLst>
+          </p:cNvPr>
+          <p:cNvSpPr>
+            <a:spLocks noGrp="1"/>
+          </p:cNvSpPr>
+          <p:nvPr>
+            <p:ph idx="1"/>
+          </p:nvPr>
+        </p:nvSpPr>
+        <p:spPr>
+          <a:xfrm>
+            <a:off x="923366" y="2251587"/>
+            <a:ext cx="10264588" cy="1352225"/>
+          </a:xfrm>
+        </p:spPr>
+        <p:txBody>
+          <a:bodyPr anchor="t">
+            <a:normAutofit/>
+          </a:bodyPr>
+          <a:lstStyle/>
+          <a:p>
+            <a:r>
+              <a:rPr lang="en-MY" dirty="0"/>
+              <a:t>Make </a:t>
+            </a:r>
+            <a:r>
+              <a:rPr lang="en-MY" dirty="0" err="1"/>
+              <a:t>dict</a:t>
+            </a:r>
+            <a:r>
+              <a:rPr lang="en-MY" dirty="0"/>
+              <a:t> from a list of keys and a list of values:</a:t>
+            </a:r>
+          </a:p>
+          <a:p>
+            <a:pPr lvl="1"/>
+            <a:r>
+              <a:rPr kumimoji="0" lang="en-US" altLang="en-US" sz="1400" i="0" u="none" strike="noStrike" cap="none" normalizeH="0" baseline="0" dirty="0">
+                <a:ln>
+                  <a:noFill/>
+                </a:ln>
+                <a:effectLst/>
+                <a:latin typeface="Arial Unicode MS"/>
+              </a:rPr>
+              <a:t>Example : keys = [‘one’, ‘two’, ‘three’, ‘four’], values = [100, 200, 300, 400]</a:t>
+            </a:r>
+          </a:p>
+          <a:p>
+            <a:pPr lvl="1"/>
+            <a:r>
+              <a:rPr lang="en-MY" dirty="0"/>
+              <a:t>Produce target </a:t>
+            </a:r>
+            <a:r>
+              <a:rPr lang="en-MY" dirty="0" err="1"/>
+              <a:t>dict</a:t>
+            </a:r>
+            <a:r>
+              <a:rPr lang="en-MY" dirty="0"/>
+              <a:t>: {‘one’: 100, ‘two’: 200, ‘three’: 300, ‘four’: 400}</a:t>
+            </a:r>
+          </a:p>
+        </p:txBody>
+      </p:sp>
+      <p:sp>
+        <p:nvSpPr>
+          <p:cNvPr id="5" name="内容占位符 2">
+            <a:extLst>
+              <a:ext uri="{FF2B5EF4-FFF2-40B4-BE49-F238E27FC236}">
+                <a16:creationId xmlns:a16="http://schemas.microsoft.com/office/drawing/2014/main" id="{4333B513-5382-47C3-B2EA-6D201631ACE2}"/>
+              </a:ext>
+            </a:extLst>
+          </p:cNvPr>
+          <p:cNvSpPr txBox="1">
+            <a:spLocks/>
+          </p:cNvSpPr>
+          <p:nvPr/>
+        </p:nvSpPr>
+        <p:spPr>
+          <a:xfrm>
+            <a:off x="923366" y="4421046"/>
+            <a:ext cx="10264588" cy="1352225"/>
+          </a:xfrm>
+          <a:prstGeom prst="rect">
+            <a:avLst/>
+          </a:prstGeom>
+        </p:spPr>
+        <p:txBody>
+          <a:bodyPr vert="horz" lIns="91440" tIns="45720" rIns="91440" bIns="45720" rtlCol="0" anchor="t">
+            <a:normAutofit/>
+          </a:bodyPr>
+          <a:lstStyle>
+            <a:lvl1pPr marL="285750" indent="-285750" algn="l" defTabSz="457200" rtl="0" eaLnBrk="1" latinLnBrk="0" hangingPunct="1">
+              <a:spcBef>
+                <a:spcPts val="0"/>
+              </a:spcBef>
+              <a:spcAft>
+                <a:spcPts val="1000"/>
+              </a:spcAft>
+              <a:buClr>
+                <a:schemeClr val="tx1"/>
+              </a:buClr>
+              <a:buSzPct val="100000"/>
+              <a:buFont typeface="Arial"/>
+              <a:buChar char="•"/>
+              <a:defRPr sz="1800" kern="1200" cap="none">
+                <a:solidFill>
+                  <a:schemeClr val="tx1"/>
+                </a:solidFill>
+                <a:effectLst/>
+                <a:latin typeface="+mn-lt"/>
+                <a:ea typeface="+mn-ea"/>
+                <a:cs typeface="+mn-cs"/>
+              </a:defRPr>
+            </a:lvl1pPr>
+            <a:lvl2pPr marL="742950" indent="-285750" algn="l" defTabSz="457200" rtl="0" eaLnBrk="1" latinLnBrk="0" hangingPunct="1">
+              <a:spcBef>
+                <a:spcPts val="0"/>
+              </a:spcBef>
+              <a:spcAft>
+                <a:spcPts val="1000"/>
+              </a:spcAft>
+              <a:buClr>
+                <a:schemeClr val="tx1"/>
+              </a:buClr>
+              <a:buSzPct val="100000"/>
+              <a:buFont typeface="Arial"/>
+              <a:buChar char="•"/>
+              <a:defRPr sz="1600" kern="1200" cap="none">
+                <a:solidFill>
+                  <a:schemeClr val="tx1"/>
+                </a:solidFill>
+                <a:effectLst/>
+                <a:latin typeface="+mn-lt"/>
+                <a:ea typeface="+mn-ea"/>
+                <a:cs typeface="+mn-cs"/>
+              </a:defRPr>
+            </a:lvl2pPr>
+            <a:lvl3pPr marL="1200150" indent="-285750" algn="l" defTabSz="457200" rtl="0" eaLnBrk="1" latinLnBrk="0" hangingPunct="1">
+              <a:spcBef>
+                <a:spcPts val="0"/>
+              </a:spcBef>
+              <a:spcAft>
+                <a:spcPts val="1000"/>
+              </a:spcAft>
+              <a:buClr>
+                <a:schemeClr val="tx1"/>
+              </a:buClr>
+              <a:buSzPct val="100000"/>
+              <a:buFont typeface="Arial"/>
+              <a:buChar char="•"/>
+              <a:defRPr sz="1400" kern="1200" cap="none">
+                <a:solidFill>
+                  <a:schemeClr val="tx1"/>
+                </a:solidFill>
+                <a:effectLst/>
+                <a:latin typeface="+mn-lt"/>
+                <a:ea typeface="+mn-ea"/>
+                <a:cs typeface="+mn-cs"/>
+              </a:defRPr>
+            </a:lvl3pPr>
+            <a:lvl4pPr marL="1543050" indent="-171450" algn="l" defTabSz="457200" rtl="0" eaLnBrk="1" latinLnBrk="0" hangingPunct="1">
+              <a:spcBef>
+                <a:spcPts val="0"/>
+              </a:spcBef>
+              <a:spcAft>
+                <a:spcPts val="1000"/>
+              </a:spcAft>
+              <a:buClr>
+                <a:schemeClr val="tx1"/>
+              </a:buClr>
+              <a:buSzPct val="100000"/>
+              <a:buFont typeface="Arial"/>
+              <a:buChar char="•"/>
+              <a:defRPr sz="1200" kern="1200" cap="none">
+                <a:solidFill>
+                  <a:schemeClr val="tx1"/>
+                </a:solidFill>
+                <a:effectLst/>
+                <a:latin typeface="+mn-lt"/>
+                <a:ea typeface="+mn-ea"/>
+                <a:cs typeface="+mn-cs"/>
+              </a:defRPr>
+            </a:lvl4pPr>
+            <a:lvl5pPr marL="2000250" indent="-171450" algn="l" defTabSz="457200" rtl="0" eaLnBrk="1" latinLnBrk="0" hangingPunct="1">
+              <a:spcBef>
+                <a:spcPts val="0"/>
+              </a:spcBef>
+              <a:spcAft>
+                <a:spcPts val="1000"/>
+              </a:spcAft>
+              <a:buClr>
+                <a:schemeClr val="tx1"/>
+              </a:buClr>
+              <a:buSzPct val="100000"/>
+              <a:buFont typeface="Arial"/>
+              <a:buChar char="•"/>
+              <a:defRPr sz="1200" kern="1200" cap="none">
+                <a:solidFill>
+                  <a:schemeClr val="tx1"/>
+                </a:solidFill>
+                <a:effectLst/>
+                <a:latin typeface="+mn-lt"/>
+                <a:ea typeface="+mn-ea"/>
+                <a:cs typeface="+mn-cs"/>
+              </a:defRPr>
+            </a:lvl5pPr>
+            <a:lvl6pPr marL="2514600" indent="-228600" algn="l" defTabSz="457200" rtl="0" eaLnBrk="1" latinLnBrk="0" hangingPunct="1">
+              <a:spcBef>
+                <a:spcPts val="0"/>
+              </a:spcBef>
+              <a:spcAft>
+                <a:spcPts val="1000"/>
+              </a:spcAft>
+              <a:buClr>
+                <a:schemeClr val="tx1"/>
+              </a:buClr>
+              <a:buSzPct val="100000"/>
+              <a:buFont typeface="Arial"/>
+              <a:buChar char="•"/>
+              <a:defRPr sz="1200" kern="1200" cap="none">
+                <a:solidFill>
+                  <a:schemeClr val="tx1"/>
+                </a:solidFill>
+                <a:effectLst/>
+                <a:latin typeface="+mn-lt"/>
+                <a:ea typeface="+mn-ea"/>
+                <a:cs typeface="+mn-cs"/>
+              </a:defRPr>
+            </a:lvl6pPr>
+            <a:lvl7pPr marL="2971800" indent="-228600" algn="l" defTabSz="457200" rtl="0" eaLnBrk="1" latinLnBrk="0" hangingPunct="1">
+              <a:spcBef>
+                <a:spcPts val="0"/>
+              </a:spcBef>
+              <a:spcAft>
+                <a:spcPts val="1000"/>
+              </a:spcAft>
+              <a:buClr>
+                <a:schemeClr val="tx1"/>
+              </a:buClr>
+              <a:buSzPct val="100000"/>
+              <a:buFont typeface="Arial"/>
+              <a:buChar char="•"/>
+              <a:defRPr sz="1200" kern="1200" cap="none">
+                <a:solidFill>
+                  <a:schemeClr val="tx1"/>
+                </a:solidFill>
+                <a:effectLst/>
+                <a:latin typeface="+mn-lt"/>
+                <a:ea typeface="+mn-ea"/>
+                <a:cs typeface="+mn-cs"/>
+              </a:defRPr>
+            </a:lvl7pPr>
+            <a:lvl8pPr marL="3429000" indent="-228600" algn="l" defTabSz="457200" rtl="0" eaLnBrk="1" latinLnBrk="0" hangingPunct="1">
+              <a:spcBef>
+                <a:spcPts val="0"/>
+              </a:spcBef>
+              <a:spcAft>
+                <a:spcPts val="1000"/>
+              </a:spcAft>
+              <a:buClr>
+                <a:schemeClr val="tx1"/>
+              </a:buClr>
+              <a:buSzPct val="100000"/>
+              <a:buFont typeface="Arial"/>
+              <a:buChar char="•"/>
+              <a:defRPr sz="1200" kern="1200" cap="none">
+                <a:solidFill>
+                  <a:schemeClr val="tx1"/>
+                </a:solidFill>
+                <a:effectLst/>
+                <a:latin typeface="+mn-lt"/>
+                <a:ea typeface="+mn-ea"/>
+                <a:cs typeface="+mn-cs"/>
+              </a:defRPr>
+            </a:lvl8pPr>
+            <a:lvl9pPr marL="3886200" indent="-228600" algn="l" defTabSz="457200" rtl="0" eaLnBrk="1" latinLnBrk="0" hangingPunct="1">
+              <a:spcBef>
+                <a:spcPts val="0"/>
+              </a:spcBef>
+              <a:spcAft>
+                <a:spcPts val="1000"/>
+              </a:spcAft>
+              <a:buClr>
+                <a:schemeClr val="tx1"/>
+              </a:buClr>
+              <a:buSzPct val="100000"/>
+              <a:buFont typeface="Arial"/>
+              <a:buChar char="•"/>
+              <a:defRPr sz="1200" kern="1200" cap="none">
+                <a:solidFill>
+                  <a:schemeClr val="tx1"/>
+                </a:solidFill>
+                <a:effectLst/>
+                <a:latin typeface="+mn-lt"/>
+                <a:ea typeface="+mn-ea"/>
+                <a:cs typeface="+mn-cs"/>
+              </a:defRPr>
+            </a:lvl9pPr>
+          </a:lstStyle>
+          <a:p>
+            <a:r>
+              <a:rPr lang="en-MY" dirty="0"/>
+              <a:t>Merge 2 </a:t>
+            </a:r>
+            <a:r>
+              <a:rPr lang="en-MY" dirty="0" err="1"/>
+              <a:t>dict</a:t>
+            </a:r>
+            <a:r>
+              <a:rPr lang="en-MY" dirty="0"/>
+              <a:t>:</a:t>
+            </a:r>
+          </a:p>
+          <a:p>
+            <a:pPr lvl="1"/>
+            <a:r>
+              <a:rPr lang="en-US" altLang="en-US" sz="1400" dirty="0">
+                <a:latin typeface="Arial Unicode MS"/>
+              </a:rPr>
+              <a:t>Example : dict1 = {‘one’: 100, ‘two’: 200}, dict2 = {‘three’:300, ‘four’:400}</a:t>
+            </a:r>
+          </a:p>
+          <a:p>
+            <a:pPr lvl="1"/>
+            <a:r>
+              <a:rPr lang="en-MY" dirty="0"/>
+              <a:t>Produce target </a:t>
+            </a:r>
+            <a:r>
+              <a:rPr lang="en-MY" dirty="0" err="1"/>
+              <a:t>dict</a:t>
+            </a:r>
+            <a:r>
+              <a:rPr lang="en-MY" dirty="0"/>
+              <a:t>: {‘one’: 100, ‘two’: 200, ‘three’: 300, ‘four’: 400}</a:t>
+            </a:r>
+          </a:p>
+        </p:txBody>
+      </p:sp>
+    </p:spTree>
+    <p:extLst>
+      <p:ext uri="{BB962C8B-B14F-4D97-AF65-F5344CB8AC3E}">
+        <p14:creationId xmlns:p14="http://schemas.microsoft.com/office/powerpoint/2010/main" val="1918009001"/>
+      </p:ext>
+    </p:extLst>
+  </p:cSld>
+  <p:clrMapOvr>
+    <a:masterClrMapping/>
+  </p:clrMapOvr>
+</p:sld>
+</file>
+
+<file path=ppt/slides/slide14.xml><?xml version="1.0" encoding="utf-8"?>
+<p:sld xmlns:a="http://schemas.openxmlformats.org/drawingml/2006/main" xmlns:r="http://schemas.openxmlformats.org/officeDocument/2006/relationships" xmlns:p="http://schemas.openxmlformats.org/presentationml/2006/main">
+  <p:cSld>
+    <p:spTree>
+      <p:nvGrpSpPr>
+        <p:cNvPr id="1" name=""/>
+        <p:cNvGrpSpPr/>
+        <p:nvPr/>
+      </p:nvGrpSpPr>
+      <p:grpSpPr>
+        <a:xfrm>
+          <a:off x="0" y="0"/>
+          <a:ext cx="0" cy="0"/>
+          <a:chOff x="0" y="0"/>
+          <a:chExt cx="0" cy="0"/>
+        </a:xfrm>
+      </p:grpSpPr>
+      <p:sp>
+        <p:nvSpPr>
+          <p:cNvPr id="2" name="标题 1">
+            <a:extLst>
+              <a:ext uri="{FF2B5EF4-FFF2-40B4-BE49-F238E27FC236}">
+                <a16:creationId xmlns:a16="http://schemas.microsoft.com/office/drawing/2014/main" id="{5EC01E2D-9CFE-4D5D-8863-3BA90731F07B}"/>
+              </a:ext>
+            </a:extLst>
+          </p:cNvPr>
+          <p:cNvSpPr>
+            <a:spLocks noGrp="1"/>
+          </p:cNvSpPr>
+          <p:nvPr>
+            <p:ph type="title"/>
+          </p:nvPr>
+        </p:nvSpPr>
+        <p:spPr>
+          <a:xfrm>
+            <a:off x="923365" y="643463"/>
+            <a:ext cx="10649203" cy="1608124"/>
+          </a:xfrm>
+        </p:spPr>
+        <p:txBody>
+          <a:bodyPr>
+            <a:normAutofit/>
+          </a:bodyPr>
+          <a:lstStyle/>
+          <a:p>
+            <a:r>
+              <a:rPr lang="en-US" dirty="0" err="1"/>
+              <a:t>dict</a:t>
+            </a:r>
+            <a:r>
+              <a:rPr lang="en-US" dirty="0"/>
+              <a:t> Programming practice</a:t>
+            </a:r>
+            <a:endParaRPr lang="en-MY" dirty="0"/>
+          </a:p>
+        </p:txBody>
+      </p:sp>
+      <p:sp>
+        <p:nvSpPr>
+          <p:cNvPr id="3" name="内容占位符 2">
+            <a:extLst>
+              <a:ext uri="{FF2B5EF4-FFF2-40B4-BE49-F238E27FC236}">
+                <a16:creationId xmlns:a16="http://schemas.microsoft.com/office/drawing/2014/main" id="{7060439F-2729-478E-B95F-230482B50AA1}"/>
+              </a:ext>
+            </a:extLst>
+          </p:cNvPr>
+          <p:cNvSpPr>
+            <a:spLocks noGrp="1"/>
+          </p:cNvSpPr>
+          <p:nvPr>
+            <p:ph idx="1"/>
+          </p:nvPr>
+        </p:nvSpPr>
+        <p:spPr>
+          <a:xfrm>
+            <a:off x="923366" y="2251587"/>
+            <a:ext cx="10264588" cy="1352225"/>
+          </a:xfrm>
+        </p:spPr>
+        <p:txBody>
+          <a:bodyPr anchor="t">
+            <a:normAutofit/>
+          </a:bodyPr>
+          <a:lstStyle/>
+          <a:p>
+            <a:r>
+              <a:rPr lang="en-MY" dirty="0"/>
+              <a:t>Find Tom’s math mark from following </a:t>
+            </a:r>
+            <a:r>
+              <a:rPr lang="en-MY" dirty="0" err="1"/>
+              <a:t>dict</a:t>
+            </a:r>
+            <a:r>
+              <a:rPr lang="en-MY" dirty="0"/>
+              <a:t>:</a:t>
+            </a:r>
+          </a:p>
+          <a:p>
+            <a:r>
+              <a:rPr lang="en-MY" dirty="0" err="1"/>
+              <a:t>sample_dict</a:t>
+            </a:r>
+            <a:r>
+              <a:rPr lang="en-MY" dirty="0"/>
+              <a:t> = {‘class’: {‘students’: [{‘name’: ‘Tom’, ‘marks’: {‘math’:89, ‘English’: 75} }, {‘name’: ‘Jerry’, ‘marks’: {‘math’:60, ‘English’: 90} ] } }</a:t>
+            </a:r>
+          </a:p>
+        </p:txBody>
+      </p:sp>
+      <p:sp>
+        <p:nvSpPr>
+          <p:cNvPr id="5" name="内容占位符 2">
+            <a:extLst>
+              <a:ext uri="{FF2B5EF4-FFF2-40B4-BE49-F238E27FC236}">
+                <a16:creationId xmlns:a16="http://schemas.microsoft.com/office/drawing/2014/main" id="{4333B513-5382-47C3-B2EA-6D201631ACE2}"/>
+              </a:ext>
+            </a:extLst>
+          </p:cNvPr>
+          <p:cNvSpPr txBox="1">
+            <a:spLocks/>
+          </p:cNvSpPr>
+          <p:nvPr/>
+        </p:nvSpPr>
+        <p:spPr>
+          <a:xfrm>
+            <a:off x="923366" y="4421046"/>
+            <a:ext cx="10264588" cy="1352225"/>
+          </a:xfrm>
+          <a:prstGeom prst="rect">
+            <a:avLst/>
+          </a:prstGeom>
+        </p:spPr>
+        <p:txBody>
+          <a:bodyPr vert="horz" lIns="91440" tIns="45720" rIns="91440" bIns="45720" rtlCol="0" anchor="t">
+            <a:normAutofit/>
+          </a:bodyPr>
+          <a:lstStyle>
+            <a:lvl1pPr marL="285750" indent="-285750" algn="l" defTabSz="457200" rtl="0" eaLnBrk="1" latinLnBrk="0" hangingPunct="1">
+              <a:spcBef>
+                <a:spcPts val="0"/>
+              </a:spcBef>
+              <a:spcAft>
+                <a:spcPts val="1000"/>
+              </a:spcAft>
+              <a:buClr>
+                <a:schemeClr val="tx1"/>
+              </a:buClr>
+              <a:buSzPct val="100000"/>
+              <a:buFont typeface="Arial"/>
+              <a:buChar char="•"/>
+              <a:defRPr sz="1800" kern="1200" cap="none">
+                <a:solidFill>
+                  <a:schemeClr val="tx1"/>
+                </a:solidFill>
+                <a:effectLst/>
+                <a:latin typeface="+mn-lt"/>
+                <a:ea typeface="+mn-ea"/>
+                <a:cs typeface="+mn-cs"/>
+              </a:defRPr>
+            </a:lvl1pPr>
+            <a:lvl2pPr marL="742950" indent="-285750" algn="l" defTabSz="457200" rtl="0" eaLnBrk="1" latinLnBrk="0" hangingPunct="1">
+              <a:spcBef>
+                <a:spcPts val="0"/>
+              </a:spcBef>
+              <a:spcAft>
+                <a:spcPts val="1000"/>
+              </a:spcAft>
+              <a:buClr>
+                <a:schemeClr val="tx1"/>
+              </a:buClr>
+              <a:buSzPct val="100000"/>
+              <a:buFont typeface="Arial"/>
+              <a:buChar char="•"/>
+              <a:defRPr sz="1600" kern="1200" cap="none">
+                <a:solidFill>
+                  <a:schemeClr val="tx1"/>
+                </a:solidFill>
+                <a:effectLst/>
+                <a:latin typeface="+mn-lt"/>
+                <a:ea typeface="+mn-ea"/>
+                <a:cs typeface="+mn-cs"/>
+              </a:defRPr>
+            </a:lvl2pPr>
+            <a:lvl3pPr marL="1200150" indent="-285750" algn="l" defTabSz="457200" rtl="0" eaLnBrk="1" latinLnBrk="0" hangingPunct="1">
+              <a:spcBef>
+                <a:spcPts val="0"/>
+              </a:spcBef>
+              <a:spcAft>
+                <a:spcPts val="1000"/>
+              </a:spcAft>
+              <a:buClr>
+                <a:schemeClr val="tx1"/>
+              </a:buClr>
+              <a:buSzPct val="100000"/>
+              <a:buFont typeface="Arial"/>
+              <a:buChar char="•"/>
+              <a:defRPr sz="1400" kern="1200" cap="none">
+                <a:solidFill>
+                  <a:schemeClr val="tx1"/>
+                </a:solidFill>
+                <a:effectLst/>
+                <a:latin typeface="+mn-lt"/>
+                <a:ea typeface="+mn-ea"/>
+                <a:cs typeface="+mn-cs"/>
+              </a:defRPr>
+            </a:lvl3pPr>
+            <a:lvl4pPr marL="1543050" indent="-171450" algn="l" defTabSz="457200" rtl="0" eaLnBrk="1" latinLnBrk="0" hangingPunct="1">
+              <a:spcBef>
+                <a:spcPts val="0"/>
+              </a:spcBef>
+              <a:spcAft>
+                <a:spcPts val="1000"/>
+              </a:spcAft>
+              <a:buClr>
+                <a:schemeClr val="tx1"/>
+              </a:buClr>
+              <a:buSzPct val="100000"/>
+              <a:buFont typeface="Arial"/>
+              <a:buChar char="•"/>
+              <a:defRPr sz="1200" kern="1200" cap="none">
+                <a:solidFill>
+                  <a:schemeClr val="tx1"/>
+                </a:solidFill>
+                <a:effectLst/>
+                <a:latin typeface="+mn-lt"/>
+                <a:ea typeface="+mn-ea"/>
+                <a:cs typeface="+mn-cs"/>
+              </a:defRPr>
+            </a:lvl4pPr>
+            <a:lvl5pPr marL="2000250" indent="-171450" algn="l" defTabSz="457200" rtl="0" eaLnBrk="1" latinLnBrk="0" hangingPunct="1">
+              <a:spcBef>
+                <a:spcPts val="0"/>
+              </a:spcBef>
+              <a:spcAft>
+                <a:spcPts val="1000"/>
+              </a:spcAft>
+              <a:buClr>
+                <a:schemeClr val="tx1"/>
+              </a:buClr>
+              <a:buSzPct val="100000"/>
+              <a:buFont typeface="Arial"/>
+              <a:buChar char="•"/>
+              <a:defRPr sz="1200" kern="1200" cap="none">
+                <a:solidFill>
+                  <a:schemeClr val="tx1"/>
+                </a:solidFill>
+                <a:effectLst/>
+                <a:latin typeface="+mn-lt"/>
+                <a:ea typeface="+mn-ea"/>
+                <a:cs typeface="+mn-cs"/>
+              </a:defRPr>
+            </a:lvl5pPr>
+            <a:lvl6pPr marL="2514600" indent="-228600" algn="l" defTabSz="457200" rtl="0" eaLnBrk="1" latinLnBrk="0" hangingPunct="1">
+              <a:spcBef>
+                <a:spcPts val="0"/>
+              </a:spcBef>
+              <a:spcAft>
+                <a:spcPts val="1000"/>
+              </a:spcAft>
+              <a:buClr>
+                <a:schemeClr val="tx1"/>
+              </a:buClr>
+              <a:buSzPct val="100000"/>
+              <a:buFont typeface="Arial"/>
+              <a:buChar char="•"/>
+              <a:defRPr sz="1200" kern="1200" cap="none">
+                <a:solidFill>
+                  <a:schemeClr val="tx1"/>
+                </a:solidFill>
+                <a:effectLst/>
+                <a:latin typeface="+mn-lt"/>
+                <a:ea typeface="+mn-ea"/>
+                <a:cs typeface="+mn-cs"/>
+              </a:defRPr>
+            </a:lvl6pPr>
+            <a:lvl7pPr marL="2971800" indent="-228600" algn="l" defTabSz="457200" rtl="0" eaLnBrk="1" latinLnBrk="0" hangingPunct="1">
+              <a:spcBef>
+                <a:spcPts val="0"/>
+              </a:spcBef>
+              <a:spcAft>
+                <a:spcPts val="1000"/>
+              </a:spcAft>
+              <a:buClr>
+                <a:schemeClr val="tx1"/>
+              </a:buClr>
+              <a:buSzPct val="100000"/>
+              <a:buFont typeface="Arial"/>
+              <a:buChar char="•"/>
+              <a:defRPr sz="1200" kern="1200" cap="none">
+                <a:solidFill>
+                  <a:schemeClr val="tx1"/>
+                </a:solidFill>
+                <a:effectLst/>
+                <a:latin typeface="+mn-lt"/>
+                <a:ea typeface="+mn-ea"/>
+                <a:cs typeface="+mn-cs"/>
+              </a:defRPr>
+            </a:lvl7pPr>
+            <a:lvl8pPr marL="3429000" indent="-228600" algn="l" defTabSz="457200" rtl="0" eaLnBrk="1" latinLnBrk="0" hangingPunct="1">
+              <a:spcBef>
+                <a:spcPts val="0"/>
+              </a:spcBef>
+              <a:spcAft>
+                <a:spcPts val="1000"/>
+              </a:spcAft>
+              <a:buClr>
+                <a:schemeClr val="tx1"/>
+              </a:buClr>
+              <a:buSzPct val="100000"/>
+              <a:buFont typeface="Arial"/>
+              <a:buChar char="•"/>
+              <a:defRPr sz="1200" kern="1200" cap="none">
+                <a:solidFill>
+                  <a:schemeClr val="tx1"/>
+                </a:solidFill>
+                <a:effectLst/>
+                <a:latin typeface="+mn-lt"/>
+                <a:ea typeface="+mn-ea"/>
+                <a:cs typeface="+mn-cs"/>
+              </a:defRPr>
+            </a:lvl8pPr>
+            <a:lvl9pPr marL="3886200" indent="-228600" algn="l" defTabSz="457200" rtl="0" eaLnBrk="1" latinLnBrk="0" hangingPunct="1">
+              <a:spcBef>
+                <a:spcPts val="0"/>
+              </a:spcBef>
+              <a:spcAft>
+                <a:spcPts val="1000"/>
+              </a:spcAft>
+              <a:buClr>
+                <a:schemeClr val="tx1"/>
+              </a:buClr>
+              <a:buSzPct val="100000"/>
+              <a:buFont typeface="Arial"/>
+              <a:buChar char="•"/>
+              <a:defRPr sz="1200" kern="1200" cap="none">
+                <a:solidFill>
+                  <a:schemeClr val="tx1"/>
+                </a:solidFill>
+                <a:effectLst/>
+                <a:latin typeface="+mn-lt"/>
+                <a:ea typeface="+mn-ea"/>
+                <a:cs typeface="+mn-cs"/>
+              </a:defRPr>
+            </a:lvl9pPr>
+          </a:lstStyle>
+          <a:p>
+            <a:r>
+              <a:rPr lang="en-MY" dirty="0"/>
+              <a:t>How about find Jerry’s English mark?</a:t>
+            </a:r>
+          </a:p>
+          <a:p>
+            <a:pPr lvl="1"/>
+            <a:endParaRPr lang="en-MY" dirty="0"/>
+          </a:p>
+        </p:txBody>
+      </p:sp>
+    </p:spTree>
+    <p:extLst>
+      <p:ext uri="{BB962C8B-B14F-4D97-AF65-F5344CB8AC3E}">
+        <p14:creationId xmlns:p14="http://schemas.microsoft.com/office/powerpoint/2010/main" val="1385666615"/>
+      </p:ext>
+    </p:extLst>
+  </p:cSld>
+  <p:clrMapOvr>
+    <a:masterClrMapping/>
+  </p:clrMapOvr>
+</p:sld>
+</file>
+
+<file path=ppt/slides/slide15.xml><?xml version="1.0" encoding="utf-8"?>
+<p:sld xmlns:a="http://schemas.openxmlformats.org/drawingml/2006/main" xmlns:r="http://schemas.openxmlformats.org/officeDocument/2006/relationships" xmlns:p="http://schemas.openxmlformats.org/presentationml/2006/main">
+  <p:cSld>
+    <p:spTree>
+      <p:nvGrpSpPr>
+        <p:cNvPr id="1" name=""/>
+        <p:cNvGrpSpPr/>
+        <p:nvPr/>
+      </p:nvGrpSpPr>
+      <p:grpSpPr>
+        <a:xfrm>
+          <a:off x="0" y="0"/>
+          <a:ext cx="0" cy="0"/>
+          <a:chOff x="0" y="0"/>
+          <a:chExt cx="0" cy="0"/>
+        </a:xfrm>
+      </p:grpSpPr>
+      <p:sp>
+        <p:nvSpPr>
+          <p:cNvPr id="2" name="标题 1">
+            <a:extLst>
+              <a:ext uri="{FF2B5EF4-FFF2-40B4-BE49-F238E27FC236}">
+                <a16:creationId xmlns:a16="http://schemas.microsoft.com/office/drawing/2014/main" id="{5EC01E2D-9CFE-4D5D-8863-3BA90731F07B}"/>
+              </a:ext>
+            </a:extLst>
+          </p:cNvPr>
+          <p:cNvSpPr>
+            <a:spLocks noGrp="1"/>
+          </p:cNvSpPr>
+          <p:nvPr>
+            <p:ph type="title"/>
+          </p:nvPr>
+        </p:nvSpPr>
+        <p:spPr>
+          <a:xfrm>
+            <a:off x="923365" y="643463"/>
+            <a:ext cx="10649203" cy="1608124"/>
+          </a:xfrm>
+        </p:spPr>
+        <p:txBody>
+          <a:bodyPr>
+            <a:normAutofit/>
+          </a:bodyPr>
+          <a:lstStyle/>
+          <a:p>
+            <a:r>
+              <a:rPr lang="en-US" dirty="0" err="1"/>
+              <a:t>dict</a:t>
+            </a:r>
+            <a:r>
+              <a:rPr lang="en-US" dirty="0"/>
+              <a:t> Programming practice</a:t>
+            </a:r>
+            <a:endParaRPr lang="en-MY" dirty="0"/>
+          </a:p>
+        </p:txBody>
+      </p:sp>
+      <p:sp>
+        <p:nvSpPr>
+          <p:cNvPr id="3" name="内容占位符 2">
+            <a:extLst>
+              <a:ext uri="{FF2B5EF4-FFF2-40B4-BE49-F238E27FC236}">
+                <a16:creationId xmlns:a16="http://schemas.microsoft.com/office/drawing/2014/main" id="{7060439F-2729-478E-B95F-230482B50AA1}"/>
+              </a:ext>
+            </a:extLst>
+          </p:cNvPr>
+          <p:cNvSpPr>
+            <a:spLocks noGrp="1"/>
+          </p:cNvSpPr>
+          <p:nvPr>
+            <p:ph idx="1"/>
+          </p:nvPr>
+        </p:nvSpPr>
+        <p:spPr>
+          <a:xfrm>
+            <a:off x="923366" y="2251587"/>
+            <a:ext cx="10264588" cy="1352225"/>
+          </a:xfrm>
+        </p:spPr>
+        <p:txBody>
+          <a:bodyPr anchor="t">
+            <a:normAutofit/>
+          </a:bodyPr>
+          <a:lstStyle/>
+          <a:p>
+            <a:r>
+              <a:rPr lang="en-MY" dirty="0"/>
+              <a:t>Create a </a:t>
+            </a:r>
+            <a:r>
+              <a:rPr lang="en-MY" dirty="0" err="1"/>
+              <a:t>dict</a:t>
+            </a:r>
+            <a:r>
+              <a:rPr lang="en-MY" dirty="0"/>
+              <a:t>, using a list of keys, and one default value for all keys</a:t>
+            </a:r>
+          </a:p>
+          <a:p>
+            <a:pPr lvl="1"/>
+            <a:r>
+              <a:rPr lang="en-MY" dirty="0"/>
+              <a:t>Example: keys = [‘Alice’, ‘Emma’], </a:t>
+            </a:r>
+            <a:r>
+              <a:rPr lang="en-MY" dirty="0" err="1"/>
+              <a:t>default_value</a:t>
+            </a:r>
+            <a:r>
+              <a:rPr lang="en-MY" dirty="0"/>
+              <a:t> = {‘age’: None, ‘address’: None}</a:t>
+            </a:r>
+          </a:p>
+          <a:p>
+            <a:pPr lvl="1"/>
+            <a:r>
+              <a:rPr lang="en-MY" dirty="0"/>
+              <a:t>Produce a </a:t>
+            </a:r>
+            <a:r>
+              <a:rPr lang="en-MY" dirty="0" err="1"/>
+              <a:t>dict</a:t>
+            </a:r>
+            <a:r>
+              <a:rPr lang="en-MY" dirty="0"/>
+              <a:t>: {‘Alice’: {‘age’: None, ‘address’: None}, ‘Emma’: {‘age’: None, ‘address’: None} }</a:t>
+            </a:r>
+          </a:p>
+        </p:txBody>
+      </p:sp>
+      <p:sp>
+        <p:nvSpPr>
+          <p:cNvPr id="5" name="内容占位符 2">
+            <a:extLst>
+              <a:ext uri="{FF2B5EF4-FFF2-40B4-BE49-F238E27FC236}">
+                <a16:creationId xmlns:a16="http://schemas.microsoft.com/office/drawing/2014/main" id="{4333B513-5382-47C3-B2EA-6D201631ACE2}"/>
+              </a:ext>
+            </a:extLst>
+          </p:cNvPr>
+          <p:cNvSpPr txBox="1">
+            <a:spLocks/>
+          </p:cNvSpPr>
+          <p:nvPr/>
+        </p:nvSpPr>
+        <p:spPr>
+          <a:xfrm>
+            <a:off x="923366" y="4421046"/>
+            <a:ext cx="10264588" cy="1352225"/>
+          </a:xfrm>
+          <a:prstGeom prst="rect">
+            <a:avLst/>
+          </a:prstGeom>
+        </p:spPr>
+        <p:txBody>
+          <a:bodyPr vert="horz" lIns="91440" tIns="45720" rIns="91440" bIns="45720" rtlCol="0" anchor="t">
+            <a:normAutofit/>
+          </a:bodyPr>
+          <a:lstStyle>
+            <a:lvl1pPr marL="285750" indent="-285750" algn="l" defTabSz="457200" rtl="0" eaLnBrk="1" latinLnBrk="0" hangingPunct="1">
+              <a:spcBef>
+                <a:spcPts val="0"/>
+              </a:spcBef>
+              <a:spcAft>
+                <a:spcPts val="1000"/>
+              </a:spcAft>
+              <a:buClr>
+                <a:schemeClr val="tx1"/>
+              </a:buClr>
+              <a:buSzPct val="100000"/>
+              <a:buFont typeface="Arial"/>
+              <a:buChar char="•"/>
+              <a:defRPr sz="1800" kern="1200" cap="none">
+                <a:solidFill>
+                  <a:schemeClr val="tx1"/>
+                </a:solidFill>
+                <a:effectLst/>
+                <a:latin typeface="+mn-lt"/>
+                <a:ea typeface="+mn-ea"/>
+                <a:cs typeface="+mn-cs"/>
+              </a:defRPr>
+            </a:lvl1pPr>
+            <a:lvl2pPr marL="742950" indent="-285750" algn="l" defTabSz="457200" rtl="0" eaLnBrk="1" latinLnBrk="0" hangingPunct="1">
+              <a:spcBef>
+                <a:spcPts val="0"/>
+              </a:spcBef>
+              <a:spcAft>
+                <a:spcPts val="1000"/>
+              </a:spcAft>
+              <a:buClr>
+                <a:schemeClr val="tx1"/>
+              </a:buClr>
+              <a:buSzPct val="100000"/>
+              <a:buFont typeface="Arial"/>
+              <a:buChar char="•"/>
+              <a:defRPr sz="1600" kern="1200" cap="none">
+                <a:solidFill>
+                  <a:schemeClr val="tx1"/>
+                </a:solidFill>
+                <a:effectLst/>
+                <a:latin typeface="+mn-lt"/>
+                <a:ea typeface="+mn-ea"/>
+                <a:cs typeface="+mn-cs"/>
+              </a:defRPr>
+            </a:lvl2pPr>
+            <a:lvl3pPr marL="1200150" indent="-285750" algn="l" defTabSz="457200" rtl="0" eaLnBrk="1" latinLnBrk="0" hangingPunct="1">
+              <a:spcBef>
+                <a:spcPts val="0"/>
+              </a:spcBef>
+              <a:spcAft>
+                <a:spcPts val="1000"/>
+              </a:spcAft>
+              <a:buClr>
+                <a:schemeClr val="tx1"/>
+              </a:buClr>
+              <a:buSzPct val="100000"/>
+              <a:buFont typeface="Arial"/>
+              <a:buChar char="•"/>
+              <a:defRPr sz="1400" kern="1200" cap="none">
+                <a:solidFill>
+                  <a:schemeClr val="tx1"/>
+                </a:solidFill>
+                <a:effectLst/>
+                <a:latin typeface="+mn-lt"/>
+                <a:ea typeface="+mn-ea"/>
+                <a:cs typeface="+mn-cs"/>
+              </a:defRPr>
+            </a:lvl3pPr>
+            <a:lvl4pPr marL="1543050" indent="-171450" algn="l" defTabSz="457200" rtl="0" eaLnBrk="1" latinLnBrk="0" hangingPunct="1">
+              <a:spcBef>
+                <a:spcPts val="0"/>
+              </a:spcBef>
+              <a:spcAft>
+                <a:spcPts val="1000"/>
+              </a:spcAft>
+              <a:buClr>
+                <a:schemeClr val="tx1"/>
+              </a:buClr>
+              <a:buSzPct val="100000"/>
+              <a:buFont typeface="Arial"/>
+              <a:buChar char="•"/>
+              <a:defRPr sz="1200" kern="1200" cap="none">
+                <a:solidFill>
+                  <a:schemeClr val="tx1"/>
+                </a:solidFill>
+                <a:effectLst/>
+                <a:latin typeface="+mn-lt"/>
+                <a:ea typeface="+mn-ea"/>
+                <a:cs typeface="+mn-cs"/>
+              </a:defRPr>
+            </a:lvl4pPr>
+            <a:lvl5pPr marL="2000250" indent="-171450" algn="l" defTabSz="457200" rtl="0" eaLnBrk="1" latinLnBrk="0" hangingPunct="1">
+              <a:spcBef>
+                <a:spcPts val="0"/>
+              </a:spcBef>
+              <a:spcAft>
+                <a:spcPts val="1000"/>
+              </a:spcAft>
+              <a:buClr>
+                <a:schemeClr val="tx1"/>
+              </a:buClr>
+              <a:buSzPct val="100000"/>
+              <a:buFont typeface="Arial"/>
+              <a:buChar char="•"/>
+              <a:defRPr sz="1200" kern="1200" cap="none">
+                <a:solidFill>
+                  <a:schemeClr val="tx1"/>
+                </a:solidFill>
+                <a:effectLst/>
+                <a:latin typeface="+mn-lt"/>
+                <a:ea typeface="+mn-ea"/>
+                <a:cs typeface="+mn-cs"/>
+              </a:defRPr>
+            </a:lvl5pPr>
+            <a:lvl6pPr marL="2514600" indent="-228600" algn="l" defTabSz="457200" rtl="0" eaLnBrk="1" latinLnBrk="0" hangingPunct="1">
+              <a:spcBef>
+                <a:spcPts val="0"/>
+              </a:spcBef>
+              <a:spcAft>
+                <a:spcPts val="1000"/>
+              </a:spcAft>
+              <a:buClr>
+                <a:schemeClr val="tx1"/>
+              </a:buClr>
+              <a:buSzPct val="100000"/>
+              <a:buFont typeface="Arial"/>
+              <a:buChar char="•"/>
+              <a:defRPr sz="1200" kern="1200" cap="none">
+                <a:solidFill>
+                  <a:schemeClr val="tx1"/>
+                </a:solidFill>
+                <a:effectLst/>
+                <a:latin typeface="+mn-lt"/>
+                <a:ea typeface="+mn-ea"/>
+                <a:cs typeface="+mn-cs"/>
+              </a:defRPr>
+            </a:lvl6pPr>
+            <a:lvl7pPr marL="2971800" indent="-228600" algn="l" defTabSz="457200" rtl="0" eaLnBrk="1" latinLnBrk="0" hangingPunct="1">
+              <a:spcBef>
+                <a:spcPts val="0"/>
+              </a:spcBef>
+              <a:spcAft>
+                <a:spcPts val="1000"/>
+              </a:spcAft>
+              <a:buClr>
+                <a:schemeClr val="tx1"/>
+              </a:buClr>
+              <a:buSzPct val="100000"/>
+              <a:buFont typeface="Arial"/>
+              <a:buChar char="•"/>
+              <a:defRPr sz="1200" kern="1200" cap="none">
+                <a:solidFill>
+                  <a:schemeClr val="tx1"/>
+                </a:solidFill>
+                <a:effectLst/>
+                <a:latin typeface="+mn-lt"/>
+                <a:ea typeface="+mn-ea"/>
+                <a:cs typeface="+mn-cs"/>
+              </a:defRPr>
+            </a:lvl7pPr>
+            <a:lvl8pPr marL="3429000" indent="-228600" algn="l" defTabSz="457200" rtl="0" eaLnBrk="1" latinLnBrk="0" hangingPunct="1">
+              <a:spcBef>
+                <a:spcPts val="0"/>
+              </a:spcBef>
+              <a:spcAft>
+                <a:spcPts val="1000"/>
+              </a:spcAft>
+              <a:buClr>
+                <a:schemeClr val="tx1"/>
+              </a:buClr>
+              <a:buSzPct val="100000"/>
+              <a:buFont typeface="Arial"/>
+              <a:buChar char="•"/>
+              <a:defRPr sz="1200" kern="1200" cap="none">
+                <a:solidFill>
+                  <a:schemeClr val="tx1"/>
+                </a:solidFill>
+                <a:effectLst/>
+                <a:latin typeface="+mn-lt"/>
+                <a:ea typeface="+mn-ea"/>
+                <a:cs typeface="+mn-cs"/>
+              </a:defRPr>
+            </a:lvl8pPr>
+            <a:lvl9pPr marL="3886200" indent="-228600" algn="l" defTabSz="457200" rtl="0" eaLnBrk="1" latinLnBrk="0" hangingPunct="1">
+              <a:spcBef>
+                <a:spcPts val="0"/>
+              </a:spcBef>
+              <a:spcAft>
+                <a:spcPts val="1000"/>
+              </a:spcAft>
+              <a:buClr>
+                <a:schemeClr val="tx1"/>
+              </a:buClr>
+              <a:buSzPct val="100000"/>
+              <a:buFont typeface="Arial"/>
+              <a:buChar char="•"/>
+              <a:defRPr sz="1200" kern="1200" cap="none">
+                <a:solidFill>
+                  <a:schemeClr val="tx1"/>
+                </a:solidFill>
+                <a:effectLst/>
+                <a:latin typeface="+mn-lt"/>
+                <a:ea typeface="+mn-ea"/>
+                <a:cs typeface="+mn-cs"/>
+              </a:defRPr>
+            </a:lvl9pPr>
+          </a:lstStyle>
+          <a:p>
+            <a:r>
+              <a:rPr lang="en-MY" dirty="0"/>
+              <a:t>Check if one specified value is in </a:t>
+            </a:r>
+            <a:r>
+              <a:rPr lang="en-MY" dirty="0" err="1"/>
+              <a:t>dict</a:t>
+            </a:r>
+            <a:endParaRPr lang="en-MY" dirty="0"/>
+          </a:p>
+          <a:p>
+            <a:pPr lvl="1"/>
+            <a:r>
+              <a:rPr lang="en-MY" dirty="0"/>
+              <a:t>Example: {‘a’: 100, ‘b’: 200, ‘c’: 300}</a:t>
+            </a:r>
+          </a:p>
+          <a:p>
+            <a:pPr lvl="1"/>
+            <a:r>
+              <a:rPr lang="en-MY" dirty="0"/>
+              <a:t>Check value 200, it should give “True, 200 is in </a:t>
+            </a:r>
+            <a:r>
+              <a:rPr lang="en-MY" dirty="0" err="1"/>
+              <a:t>dict</a:t>
+            </a:r>
+            <a:r>
+              <a:rPr lang="en-MY" dirty="0"/>
+              <a:t>”</a:t>
+            </a:r>
+          </a:p>
+        </p:txBody>
+      </p:sp>
+    </p:spTree>
+    <p:extLst>
+      <p:ext uri="{BB962C8B-B14F-4D97-AF65-F5344CB8AC3E}">
+        <p14:creationId xmlns:p14="http://schemas.microsoft.com/office/powerpoint/2010/main" val="2349023928"/>
+      </p:ext>
+    </p:extLst>
+  </p:cSld>
+  <p:clrMapOvr>
+    <a:masterClrMapping/>
+  </p:clrMapOvr>
+</p:sld>
+</file>
+
+<file path=ppt/slides/slide16.xml><?xml version="1.0" encoding="utf-8"?>
+<p:sld xmlns:a="http://schemas.openxmlformats.org/drawingml/2006/main" xmlns:r="http://schemas.openxmlformats.org/officeDocument/2006/relationships" xmlns:p="http://schemas.openxmlformats.org/presentationml/2006/main">
+  <p:cSld>
+    <p:spTree>
+      <p:nvGrpSpPr>
+        <p:cNvPr id="1" name=""/>
+        <p:cNvGrpSpPr/>
+        <p:nvPr/>
+      </p:nvGrpSpPr>
+      <p:grpSpPr>
+        <a:xfrm>
+          <a:off x="0" y="0"/>
+          <a:ext cx="0" cy="0"/>
+          <a:chOff x="0" y="0"/>
+          <a:chExt cx="0" cy="0"/>
+        </a:xfrm>
+      </p:grpSpPr>
+      <p:sp>
+        <p:nvSpPr>
+          <p:cNvPr id="2" name="标题 1">
+            <a:extLst>
+              <a:ext uri="{FF2B5EF4-FFF2-40B4-BE49-F238E27FC236}">
+                <a16:creationId xmlns:a16="http://schemas.microsoft.com/office/drawing/2014/main" id="{5EC01E2D-9CFE-4D5D-8863-3BA90731F07B}"/>
+              </a:ext>
+            </a:extLst>
+          </p:cNvPr>
+          <p:cNvSpPr>
+            <a:spLocks noGrp="1"/>
+          </p:cNvSpPr>
+          <p:nvPr>
+            <p:ph type="title"/>
+          </p:nvPr>
+        </p:nvSpPr>
+        <p:spPr>
+          <a:xfrm>
+            <a:off x="923365" y="643463"/>
+            <a:ext cx="10649203" cy="1608124"/>
+          </a:xfrm>
+        </p:spPr>
+        <p:txBody>
+          <a:bodyPr>
+            <a:normAutofit/>
+          </a:bodyPr>
+          <a:lstStyle/>
+          <a:p>
+            <a:r>
+              <a:rPr lang="en-US" dirty="0" err="1"/>
+              <a:t>dict</a:t>
+            </a:r>
+            <a:r>
+              <a:rPr lang="en-US" dirty="0"/>
+              <a:t> Programming practice</a:t>
+            </a:r>
+            <a:endParaRPr lang="en-MY" dirty="0"/>
+          </a:p>
+        </p:txBody>
+      </p:sp>
+      <p:sp>
+        <p:nvSpPr>
+          <p:cNvPr id="3" name="内容占位符 2">
+            <a:extLst>
+              <a:ext uri="{FF2B5EF4-FFF2-40B4-BE49-F238E27FC236}">
+                <a16:creationId xmlns:a16="http://schemas.microsoft.com/office/drawing/2014/main" id="{7060439F-2729-478E-B95F-230482B50AA1}"/>
+              </a:ext>
+            </a:extLst>
+          </p:cNvPr>
+          <p:cNvSpPr>
+            <a:spLocks noGrp="1"/>
+          </p:cNvSpPr>
+          <p:nvPr>
+            <p:ph idx="1"/>
+          </p:nvPr>
+        </p:nvSpPr>
+        <p:spPr>
+          <a:xfrm>
+            <a:off x="923366" y="2251587"/>
+            <a:ext cx="10264588" cy="1352225"/>
+          </a:xfrm>
+        </p:spPr>
+        <p:txBody>
+          <a:bodyPr anchor="t">
+            <a:normAutofit/>
+          </a:bodyPr>
+          <a:lstStyle/>
+          <a:p>
+            <a:r>
+              <a:rPr lang="en-MY" dirty="0"/>
+              <a:t>Create a new </a:t>
+            </a:r>
+            <a:r>
+              <a:rPr lang="en-MY" dirty="0" err="1"/>
+              <a:t>dict</a:t>
+            </a:r>
+            <a:r>
+              <a:rPr lang="en-MY" dirty="0"/>
+              <a:t> from existing </a:t>
+            </a:r>
+            <a:r>
+              <a:rPr lang="en-MY" dirty="0" err="1"/>
+              <a:t>dict</a:t>
+            </a:r>
+            <a:r>
+              <a:rPr lang="en-MY" dirty="0"/>
+              <a:t>, which take part of keys</a:t>
+            </a:r>
+          </a:p>
+          <a:p>
+            <a:pPr lvl="1"/>
+            <a:r>
+              <a:rPr lang="en-MY" dirty="0"/>
+              <a:t>Example: keys = [‘Alice’, ‘Emma’], dict1 = {‘Alice’:14, ‘Tom’: 12, ‘Jerry’: 10, ‘Emma’: 16}</a:t>
+            </a:r>
+          </a:p>
+          <a:p>
+            <a:pPr lvl="1"/>
+            <a:r>
+              <a:rPr lang="en-MY" dirty="0"/>
+              <a:t>Produce a </a:t>
+            </a:r>
+            <a:r>
+              <a:rPr lang="en-MY" dirty="0" err="1"/>
+              <a:t>dict</a:t>
+            </a:r>
+            <a:r>
+              <a:rPr lang="en-MY" dirty="0"/>
+              <a:t>: {‘Alice’: 14, ‘Emma’: 16 }</a:t>
+            </a:r>
+          </a:p>
+        </p:txBody>
+      </p:sp>
+      <p:sp>
+        <p:nvSpPr>
+          <p:cNvPr id="5" name="内容占位符 2">
+            <a:extLst>
+              <a:ext uri="{FF2B5EF4-FFF2-40B4-BE49-F238E27FC236}">
+                <a16:creationId xmlns:a16="http://schemas.microsoft.com/office/drawing/2014/main" id="{4333B513-5382-47C3-B2EA-6D201631ACE2}"/>
+              </a:ext>
+            </a:extLst>
+          </p:cNvPr>
+          <p:cNvSpPr txBox="1">
+            <a:spLocks/>
+          </p:cNvSpPr>
+          <p:nvPr/>
+        </p:nvSpPr>
+        <p:spPr>
+          <a:xfrm>
+            <a:off x="923366" y="4421046"/>
+            <a:ext cx="10264588" cy="1352225"/>
+          </a:xfrm>
+          <a:prstGeom prst="rect">
+            <a:avLst/>
+          </a:prstGeom>
+        </p:spPr>
+        <p:txBody>
+          <a:bodyPr vert="horz" lIns="91440" tIns="45720" rIns="91440" bIns="45720" rtlCol="0" anchor="t">
+            <a:normAutofit/>
+          </a:bodyPr>
+          <a:lstStyle>
+            <a:lvl1pPr marL="285750" indent="-285750" algn="l" defTabSz="457200" rtl="0" eaLnBrk="1" latinLnBrk="0" hangingPunct="1">
+              <a:spcBef>
+                <a:spcPts val="0"/>
+              </a:spcBef>
+              <a:spcAft>
+                <a:spcPts val="1000"/>
+              </a:spcAft>
+              <a:buClr>
+                <a:schemeClr val="tx1"/>
+              </a:buClr>
+              <a:buSzPct val="100000"/>
+              <a:buFont typeface="Arial"/>
+              <a:buChar char="•"/>
+              <a:defRPr sz="1800" kern="1200" cap="none">
+                <a:solidFill>
+                  <a:schemeClr val="tx1"/>
+                </a:solidFill>
+                <a:effectLst/>
+                <a:latin typeface="+mn-lt"/>
+                <a:ea typeface="+mn-ea"/>
+                <a:cs typeface="+mn-cs"/>
+              </a:defRPr>
+            </a:lvl1pPr>
+            <a:lvl2pPr marL="742950" indent="-285750" algn="l" defTabSz="457200" rtl="0" eaLnBrk="1" latinLnBrk="0" hangingPunct="1">
+              <a:spcBef>
+                <a:spcPts val="0"/>
+              </a:spcBef>
+              <a:spcAft>
+                <a:spcPts val="1000"/>
+              </a:spcAft>
+              <a:buClr>
+                <a:schemeClr val="tx1"/>
+              </a:buClr>
+              <a:buSzPct val="100000"/>
+              <a:buFont typeface="Arial"/>
+              <a:buChar char="•"/>
+              <a:defRPr sz="1600" kern="1200" cap="none">
+                <a:solidFill>
+                  <a:schemeClr val="tx1"/>
+                </a:solidFill>
+                <a:effectLst/>
+                <a:latin typeface="+mn-lt"/>
+                <a:ea typeface="+mn-ea"/>
+                <a:cs typeface="+mn-cs"/>
+              </a:defRPr>
+            </a:lvl2pPr>
+            <a:lvl3pPr marL="1200150" indent="-285750" algn="l" defTabSz="457200" rtl="0" eaLnBrk="1" latinLnBrk="0" hangingPunct="1">
+              <a:spcBef>
+                <a:spcPts val="0"/>
+              </a:spcBef>
+              <a:spcAft>
+                <a:spcPts val="1000"/>
+              </a:spcAft>
+              <a:buClr>
+                <a:schemeClr val="tx1"/>
+              </a:buClr>
+              <a:buSzPct val="100000"/>
+              <a:buFont typeface="Arial"/>
+              <a:buChar char="•"/>
+              <a:defRPr sz="1400" kern="1200" cap="none">
+                <a:solidFill>
+                  <a:schemeClr val="tx1"/>
+                </a:solidFill>
+                <a:effectLst/>
+                <a:latin typeface="+mn-lt"/>
+                <a:ea typeface="+mn-ea"/>
+                <a:cs typeface="+mn-cs"/>
+              </a:defRPr>
+            </a:lvl3pPr>
+            <a:lvl4pPr marL="1543050" indent="-171450" algn="l" defTabSz="457200" rtl="0" eaLnBrk="1" latinLnBrk="0" hangingPunct="1">
+              <a:spcBef>
+                <a:spcPts val="0"/>
+              </a:spcBef>
+              <a:spcAft>
+                <a:spcPts val="1000"/>
+              </a:spcAft>
+              <a:buClr>
+                <a:schemeClr val="tx1"/>
+              </a:buClr>
+              <a:buSzPct val="100000"/>
+              <a:buFont typeface="Arial"/>
+              <a:buChar char="•"/>
+              <a:defRPr sz="1200" kern="1200" cap="none">
+                <a:solidFill>
+                  <a:schemeClr val="tx1"/>
+                </a:solidFill>
+                <a:effectLst/>
+                <a:latin typeface="+mn-lt"/>
+                <a:ea typeface="+mn-ea"/>
+                <a:cs typeface="+mn-cs"/>
+              </a:defRPr>
+            </a:lvl4pPr>
+            <a:lvl5pPr marL="2000250" indent="-171450" algn="l" defTabSz="457200" rtl="0" eaLnBrk="1" latinLnBrk="0" hangingPunct="1">
+              <a:spcBef>
+                <a:spcPts val="0"/>
+              </a:spcBef>
+              <a:spcAft>
+                <a:spcPts val="1000"/>
+              </a:spcAft>
+              <a:buClr>
+                <a:schemeClr val="tx1"/>
+              </a:buClr>
+              <a:buSzPct val="100000"/>
+              <a:buFont typeface="Arial"/>
+              <a:buChar char="•"/>
+              <a:defRPr sz="1200" kern="1200" cap="none">
+                <a:solidFill>
+                  <a:schemeClr val="tx1"/>
+                </a:solidFill>
+                <a:effectLst/>
+                <a:latin typeface="+mn-lt"/>
+                <a:ea typeface="+mn-ea"/>
+                <a:cs typeface="+mn-cs"/>
+              </a:defRPr>
+            </a:lvl5pPr>
+            <a:lvl6pPr marL="2514600" indent="-228600" algn="l" defTabSz="457200" rtl="0" eaLnBrk="1" latinLnBrk="0" hangingPunct="1">
+              <a:spcBef>
+                <a:spcPts val="0"/>
+              </a:spcBef>
+              <a:spcAft>
+                <a:spcPts val="1000"/>
+              </a:spcAft>
+              <a:buClr>
+                <a:schemeClr val="tx1"/>
+              </a:buClr>
+              <a:buSzPct val="100000"/>
+              <a:buFont typeface="Arial"/>
+              <a:buChar char="•"/>
+              <a:defRPr sz="1200" kern="1200" cap="none">
+                <a:solidFill>
+                  <a:schemeClr val="tx1"/>
+                </a:solidFill>
+                <a:effectLst/>
+                <a:latin typeface="+mn-lt"/>
+                <a:ea typeface="+mn-ea"/>
+                <a:cs typeface="+mn-cs"/>
+              </a:defRPr>
+            </a:lvl6pPr>
+            <a:lvl7pPr marL="2971800" indent="-228600" algn="l" defTabSz="457200" rtl="0" eaLnBrk="1" latinLnBrk="0" hangingPunct="1">
+              <a:spcBef>
+                <a:spcPts val="0"/>
+              </a:spcBef>
+              <a:spcAft>
+                <a:spcPts val="1000"/>
+              </a:spcAft>
+              <a:buClr>
+                <a:schemeClr val="tx1"/>
+              </a:buClr>
+              <a:buSzPct val="100000"/>
+              <a:buFont typeface="Arial"/>
+              <a:buChar char="•"/>
+              <a:defRPr sz="1200" kern="1200" cap="none">
+                <a:solidFill>
+                  <a:schemeClr val="tx1"/>
+                </a:solidFill>
+                <a:effectLst/>
+                <a:latin typeface="+mn-lt"/>
+                <a:ea typeface="+mn-ea"/>
+                <a:cs typeface="+mn-cs"/>
+              </a:defRPr>
+            </a:lvl7pPr>
+            <a:lvl8pPr marL="3429000" indent="-228600" algn="l" defTabSz="457200" rtl="0" eaLnBrk="1" latinLnBrk="0" hangingPunct="1">
+              <a:spcBef>
+                <a:spcPts val="0"/>
+              </a:spcBef>
+              <a:spcAft>
+                <a:spcPts val="1000"/>
+              </a:spcAft>
+              <a:buClr>
+                <a:schemeClr val="tx1"/>
+              </a:buClr>
+              <a:buSzPct val="100000"/>
+              <a:buFont typeface="Arial"/>
+              <a:buChar char="•"/>
+              <a:defRPr sz="1200" kern="1200" cap="none">
+                <a:solidFill>
+                  <a:schemeClr val="tx1"/>
+                </a:solidFill>
+                <a:effectLst/>
+                <a:latin typeface="+mn-lt"/>
+                <a:ea typeface="+mn-ea"/>
+                <a:cs typeface="+mn-cs"/>
+              </a:defRPr>
+            </a:lvl8pPr>
+            <a:lvl9pPr marL="3886200" indent="-228600" algn="l" defTabSz="457200" rtl="0" eaLnBrk="1" latinLnBrk="0" hangingPunct="1">
+              <a:spcBef>
+                <a:spcPts val="0"/>
+              </a:spcBef>
+              <a:spcAft>
+                <a:spcPts val="1000"/>
+              </a:spcAft>
+              <a:buClr>
+                <a:schemeClr val="tx1"/>
+              </a:buClr>
+              <a:buSzPct val="100000"/>
+              <a:buFont typeface="Arial"/>
+              <a:buChar char="•"/>
+              <a:defRPr sz="1200" kern="1200" cap="none">
+                <a:solidFill>
+                  <a:schemeClr val="tx1"/>
+                </a:solidFill>
+                <a:effectLst/>
+                <a:latin typeface="+mn-lt"/>
+                <a:ea typeface="+mn-ea"/>
+                <a:cs typeface="+mn-cs"/>
+              </a:defRPr>
+            </a:lvl9pPr>
+          </a:lstStyle>
+          <a:p>
+            <a:r>
+              <a:rPr lang="en-MY" dirty="0"/>
+              <a:t>Update a </a:t>
+            </a:r>
+            <a:r>
+              <a:rPr lang="en-MY" dirty="0" err="1"/>
+              <a:t>dict</a:t>
+            </a:r>
+            <a:r>
+              <a:rPr lang="en-MY" dirty="0"/>
+              <a:t>, remove some of the keys:</a:t>
+            </a:r>
+          </a:p>
+          <a:p>
+            <a:pPr lvl="1"/>
+            <a:r>
+              <a:rPr lang="en-MY" dirty="0"/>
+              <a:t>Example: keys = [‘Alice’, ‘Emma’], dict1 = {‘Alice’:14, ‘Tom’: 12, ‘Jerry’: 10, ‘Emma’: 16}</a:t>
+            </a:r>
+          </a:p>
+          <a:p>
+            <a:pPr lvl="1"/>
+            <a:r>
+              <a:rPr lang="en-MY" dirty="0"/>
+              <a:t>Produce a </a:t>
+            </a:r>
+            <a:r>
+              <a:rPr lang="en-MY" dirty="0" err="1"/>
+              <a:t>dict</a:t>
+            </a:r>
+            <a:r>
+              <a:rPr lang="en-MY" dirty="0"/>
+              <a:t>: {‘Tom’: 12, ‘Jerry’: 10}</a:t>
+            </a:r>
+          </a:p>
+        </p:txBody>
+      </p:sp>
+    </p:spTree>
+    <p:extLst>
+      <p:ext uri="{BB962C8B-B14F-4D97-AF65-F5344CB8AC3E}">
+        <p14:creationId xmlns:p14="http://schemas.microsoft.com/office/powerpoint/2010/main" val="2918360428"/>
+      </p:ext>
+    </p:extLst>
+  </p:cSld>
+  <p:clrMapOvr>
+    <a:masterClrMapping/>
+  </p:clrMapOvr>
+</p:sld>
+</file>
+
+<file path=ppt/slides/slide17.xml><?xml version="1.0" encoding="utf-8"?>
+<p:sld xmlns:a="http://schemas.openxmlformats.org/drawingml/2006/main" xmlns:r="http://schemas.openxmlformats.org/officeDocument/2006/relationships" xmlns:p="http://schemas.openxmlformats.org/presentationml/2006/main">
+  <p:cSld>
+    <p:spTree>
+      <p:nvGrpSpPr>
+        <p:cNvPr id="1" name=""/>
+        <p:cNvGrpSpPr/>
+        <p:nvPr/>
+      </p:nvGrpSpPr>
+      <p:grpSpPr>
+        <a:xfrm>
+          <a:off x="0" y="0"/>
+          <a:ext cx="0" cy="0"/>
+          <a:chOff x="0" y="0"/>
+          <a:chExt cx="0" cy="0"/>
+        </a:xfrm>
+      </p:grpSpPr>
+      <p:sp>
+        <p:nvSpPr>
+          <p:cNvPr id="2" name="标题 1">
+            <a:extLst>
+              <a:ext uri="{FF2B5EF4-FFF2-40B4-BE49-F238E27FC236}">
+                <a16:creationId xmlns:a16="http://schemas.microsoft.com/office/drawing/2014/main" id="{5EC01E2D-9CFE-4D5D-8863-3BA90731F07B}"/>
+              </a:ext>
+            </a:extLst>
+          </p:cNvPr>
+          <p:cNvSpPr>
+            <a:spLocks noGrp="1"/>
+          </p:cNvSpPr>
+          <p:nvPr>
+            <p:ph type="title"/>
+          </p:nvPr>
+        </p:nvSpPr>
+        <p:spPr>
+          <a:xfrm>
+            <a:off x="923365" y="643463"/>
+            <a:ext cx="10649203" cy="1608124"/>
+          </a:xfrm>
+        </p:spPr>
+        <p:txBody>
+          <a:bodyPr>
+            <a:normAutofit/>
+          </a:bodyPr>
+          <a:lstStyle/>
+          <a:p>
+            <a:r>
+              <a:rPr lang="en-US" dirty="0" err="1"/>
+              <a:t>dict</a:t>
+            </a:r>
+            <a:r>
+              <a:rPr lang="en-US" dirty="0"/>
+              <a:t> Programming practice</a:t>
+            </a:r>
+            <a:endParaRPr lang="en-MY" dirty="0"/>
+          </a:p>
+        </p:txBody>
+      </p:sp>
+      <p:sp>
+        <p:nvSpPr>
+          <p:cNvPr id="3" name="内容占位符 2">
+            <a:extLst>
+              <a:ext uri="{FF2B5EF4-FFF2-40B4-BE49-F238E27FC236}">
+                <a16:creationId xmlns:a16="http://schemas.microsoft.com/office/drawing/2014/main" id="{7060439F-2729-478E-B95F-230482B50AA1}"/>
+              </a:ext>
+            </a:extLst>
+          </p:cNvPr>
+          <p:cNvSpPr>
+            <a:spLocks noGrp="1"/>
+          </p:cNvSpPr>
+          <p:nvPr>
+            <p:ph idx="1"/>
+          </p:nvPr>
+        </p:nvSpPr>
+        <p:spPr>
+          <a:xfrm>
+            <a:off x="923366" y="2251587"/>
+            <a:ext cx="10264588" cy="1352225"/>
+          </a:xfrm>
+        </p:spPr>
+        <p:txBody>
+          <a:bodyPr anchor="t">
+            <a:normAutofit fontScale="92500" lnSpcReduction="10000"/>
+          </a:bodyPr>
+          <a:lstStyle/>
+          <a:p>
+            <a:r>
+              <a:rPr lang="en-MY" dirty="0"/>
+              <a:t>Compare a </a:t>
+            </a:r>
+            <a:r>
+              <a:rPr lang="en-MY" dirty="0" err="1"/>
+              <a:t>dict</a:t>
+            </a:r>
+            <a:r>
+              <a:rPr lang="en-MY" dirty="0"/>
+              <a:t> items and find smallest one</a:t>
+            </a:r>
+          </a:p>
+          <a:p>
+            <a:pPr lvl="1"/>
+            <a:r>
+              <a:rPr lang="en-MY" dirty="0"/>
+              <a:t>By default </a:t>
+            </a:r>
+            <a:r>
+              <a:rPr lang="en-MY" dirty="0" err="1"/>
+              <a:t>dict</a:t>
+            </a:r>
+            <a:r>
+              <a:rPr lang="en-MY" dirty="0"/>
+              <a:t> will compare items using key</a:t>
+            </a:r>
+          </a:p>
+          <a:p>
+            <a:pPr lvl="1"/>
+            <a:r>
+              <a:rPr lang="en-MY" dirty="0"/>
+              <a:t>a </a:t>
+            </a:r>
+            <a:r>
+              <a:rPr lang="en-MY" dirty="0" err="1"/>
+              <a:t>dict</a:t>
+            </a:r>
+            <a:r>
+              <a:rPr lang="en-MY" dirty="0"/>
+              <a:t>: {‘Alice’:14, ‘Tom’: 12, ‘Jerry’: 10, ‘Emma’: 16}</a:t>
+            </a:r>
+          </a:p>
+          <a:p>
+            <a:pPr lvl="1"/>
+            <a:r>
+              <a:rPr lang="en-MY" dirty="0"/>
+              <a:t>Find the smallest (min()) will give: ‘Alice’</a:t>
+            </a:r>
+          </a:p>
+        </p:txBody>
+      </p:sp>
+      <p:sp>
+        <p:nvSpPr>
+          <p:cNvPr id="5" name="内容占位符 2">
+            <a:extLst>
+              <a:ext uri="{FF2B5EF4-FFF2-40B4-BE49-F238E27FC236}">
+                <a16:creationId xmlns:a16="http://schemas.microsoft.com/office/drawing/2014/main" id="{4333B513-5382-47C3-B2EA-6D201631ACE2}"/>
+              </a:ext>
+            </a:extLst>
+          </p:cNvPr>
+          <p:cNvSpPr txBox="1">
+            <a:spLocks/>
+          </p:cNvSpPr>
+          <p:nvPr/>
+        </p:nvSpPr>
+        <p:spPr>
+          <a:xfrm>
+            <a:off x="923366" y="4421046"/>
+            <a:ext cx="10264588" cy="975707"/>
+          </a:xfrm>
+          <a:prstGeom prst="rect">
+            <a:avLst/>
+          </a:prstGeom>
+        </p:spPr>
+        <p:txBody>
+          <a:bodyPr vert="horz" lIns="91440" tIns="45720" rIns="91440" bIns="45720" rtlCol="0" anchor="t">
+            <a:normAutofit fontScale="92500" lnSpcReduction="20000"/>
+          </a:bodyPr>
+          <a:lstStyle>
+            <a:lvl1pPr marL="285750" indent="-285750" algn="l" defTabSz="457200" rtl="0" eaLnBrk="1" latinLnBrk="0" hangingPunct="1">
+              <a:spcBef>
+                <a:spcPts val="0"/>
+              </a:spcBef>
+              <a:spcAft>
+                <a:spcPts val="1000"/>
+              </a:spcAft>
+              <a:buClr>
+                <a:schemeClr val="tx1"/>
+              </a:buClr>
+              <a:buSzPct val="100000"/>
+              <a:buFont typeface="Arial"/>
+              <a:buChar char="•"/>
+              <a:defRPr sz="1800" kern="1200" cap="none">
+                <a:solidFill>
+                  <a:schemeClr val="tx1"/>
+                </a:solidFill>
+                <a:effectLst/>
+                <a:latin typeface="+mn-lt"/>
+                <a:ea typeface="+mn-ea"/>
+                <a:cs typeface="+mn-cs"/>
+              </a:defRPr>
+            </a:lvl1pPr>
+            <a:lvl2pPr marL="742950" indent="-285750" algn="l" defTabSz="457200" rtl="0" eaLnBrk="1" latinLnBrk="0" hangingPunct="1">
+              <a:spcBef>
+                <a:spcPts val="0"/>
+              </a:spcBef>
+              <a:spcAft>
+                <a:spcPts val="1000"/>
+              </a:spcAft>
+              <a:buClr>
+                <a:schemeClr val="tx1"/>
+              </a:buClr>
+              <a:buSzPct val="100000"/>
+              <a:buFont typeface="Arial"/>
+              <a:buChar char="•"/>
+              <a:defRPr sz="1600" kern="1200" cap="none">
+                <a:solidFill>
+                  <a:schemeClr val="tx1"/>
+                </a:solidFill>
+                <a:effectLst/>
+                <a:latin typeface="+mn-lt"/>
+                <a:ea typeface="+mn-ea"/>
+                <a:cs typeface="+mn-cs"/>
+              </a:defRPr>
+            </a:lvl2pPr>
+            <a:lvl3pPr marL="1200150" indent="-285750" algn="l" defTabSz="457200" rtl="0" eaLnBrk="1" latinLnBrk="0" hangingPunct="1">
+              <a:spcBef>
+                <a:spcPts val="0"/>
+              </a:spcBef>
+              <a:spcAft>
+                <a:spcPts val="1000"/>
+              </a:spcAft>
+              <a:buClr>
+                <a:schemeClr val="tx1"/>
+              </a:buClr>
+              <a:buSzPct val="100000"/>
+              <a:buFont typeface="Arial"/>
+              <a:buChar char="•"/>
+              <a:defRPr sz="1400" kern="1200" cap="none">
+                <a:solidFill>
+                  <a:schemeClr val="tx1"/>
+                </a:solidFill>
+                <a:effectLst/>
+                <a:latin typeface="+mn-lt"/>
+                <a:ea typeface="+mn-ea"/>
+                <a:cs typeface="+mn-cs"/>
+              </a:defRPr>
+            </a:lvl3pPr>
+            <a:lvl4pPr marL="1543050" indent="-171450" algn="l" defTabSz="457200" rtl="0" eaLnBrk="1" latinLnBrk="0" hangingPunct="1">
+              <a:spcBef>
+                <a:spcPts val="0"/>
+              </a:spcBef>
+              <a:spcAft>
+                <a:spcPts val="1000"/>
+              </a:spcAft>
+              <a:buClr>
+                <a:schemeClr val="tx1"/>
+              </a:buClr>
+              <a:buSzPct val="100000"/>
+              <a:buFont typeface="Arial"/>
+              <a:buChar char="•"/>
+              <a:defRPr sz="1200" kern="1200" cap="none">
+                <a:solidFill>
+                  <a:schemeClr val="tx1"/>
+                </a:solidFill>
+                <a:effectLst/>
+                <a:latin typeface="+mn-lt"/>
+                <a:ea typeface="+mn-ea"/>
+                <a:cs typeface="+mn-cs"/>
+              </a:defRPr>
+            </a:lvl4pPr>
+            <a:lvl5pPr marL="2000250" indent="-171450" algn="l" defTabSz="457200" rtl="0" eaLnBrk="1" latinLnBrk="0" hangingPunct="1">
+              <a:spcBef>
+                <a:spcPts val="0"/>
+              </a:spcBef>
+              <a:spcAft>
+                <a:spcPts val="1000"/>
+              </a:spcAft>
+              <a:buClr>
+                <a:schemeClr val="tx1"/>
+              </a:buClr>
+              <a:buSzPct val="100000"/>
+              <a:buFont typeface="Arial"/>
+              <a:buChar char="•"/>
+              <a:defRPr sz="1200" kern="1200" cap="none">
+                <a:solidFill>
+                  <a:schemeClr val="tx1"/>
+                </a:solidFill>
+                <a:effectLst/>
+                <a:latin typeface="+mn-lt"/>
+                <a:ea typeface="+mn-ea"/>
+                <a:cs typeface="+mn-cs"/>
+              </a:defRPr>
+            </a:lvl5pPr>
+            <a:lvl6pPr marL="2514600" indent="-228600" algn="l" defTabSz="457200" rtl="0" eaLnBrk="1" latinLnBrk="0" hangingPunct="1">
+              <a:spcBef>
+                <a:spcPts val="0"/>
+              </a:spcBef>
+              <a:spcAft>
+                <a:spcPts val="1000"/>
+              </a:spcAft>
+              <a:buClr>
+                <a:schemeClr val="tx1"/>
+              </a:buClr>
+              <a:buSzPct val="100000"/>
+              <a:buFont typeface="Arial"/>
+              <a:buChar char="•"/>
+              <a:defRPr sz="1200" kern="1200" cap="none">
+                <a:solidFill>
+                  <a:schemeClr val="tx1"/>
+                </a:solidFill>
+                <a:effectLst/>
+                <a:latin typeface="+mn-lt"/>
+                <a:ea typeface="+mn-ea"/>
+                <a:cs typeface="+mn-cs"/>
+              </a:defRPr>
+            </a:lvl6pPr>
+            <a:lvl7pPr marL="2971800" indent="-228600" algn="l" defTabSz="457200" rtl="0" eaLnBrk="1" latinLnBrk="0" hangingPunct="1">
+              <a:spcBef>
+                <a:spcPts val="0"/>
+              </a:spcBef>
+              <a:spcAft>
+                <a:spcPts val="1000"/>
+              </a:spcAft>
+              <a:buClr>
+                <a:schemeClr val="tx1"/>
+              </a:buClr>
+              <a:buSzPct val="100000"/>
+              <a:buFont typeface="Arial"/>
+              <a:buChar char="•"/>
+              <a:defRPr sz="1200" kern="1200" cap="none">
+                <a:solidFill>
+                  <a:schemeClr val="tx1"/>
+                </a:solidFill>
+                <a:effectLst/>
+                <a:latin typeface="+mn-lt"/>
+                <a:ea typeface="+mn-ea"/>
+                <a:cs typeface="+mn-cs"/>
+              </a:defRPr>
+            </a:lvl7pPr>
+            <a:lvl8pPr marL="3429000" indent="-228600" algn="l" defTabSz="457200" rtl="0" eaLnBrk="1" latinLnBrk="0" hangingPunct="1">
+              <a:spcBef>
+                <a:spcPts val="0"/>
+              </a:spcBef>
+              <a:spcAft>
+                <a:spcPts val="1000"/>
+              </a:spcAft>
+              <a:buClr>
+                <a:schemeClr val="tx1"/>
+              </a:buClr>
+              <a:buSzPct val="100000"/>
+              <a:buFont typeface="Arial"/>
+              <a:buChar char="•"/>
+              <a:defRPr sz="1200" kern="1200" cap="none">
+                <a:solidFill>
+                  <a:schemeClr val="tx1"/>
+                </a:solidFill>
+                <a:effectLst/>
+                <a:latin typeface="+mn-lt"/>
+                <a:ea typeface="+mn-ea"/>
+                <a:cs typeface="+mn-cs"/>
+              </a:defRPr>
+            </a:lvl8pPr>
+            <a:lvl9pPr marL="3886200" indent="-228600" algn="l" defTabSz="457200" rtl="0" eaLnBrk="1" latinLnBrk="0" hangingPunct="1">
+              <a:spcBef>
+                <a:spcPts val="0"/>
+              </a:spcBef>
+              <a:spcAft>
+                <a:spcPts val="1000"/>
+              </a:spcAft>
+              <a:buClr>
+                <a:schemeClr val="tx1"/>
+              </a:buClr>
+              <a:buSzPct val="100000"/>
+              <a:buFont typeface="Arial"/>
+              <a:buChar char="•"/>
+              <a:defRPr sz="1200" kern="1200" cap="none">
+                <a:solidFill>
+                  <a:schemeClr val="tx1"/>
+                </a:solidFill>
+                <a:effectLst/>
+                <a:latin typeface="+mn-lt"/>
+                <a:ea typeface="+mn-ea"/>
+                <a:cs typeface="+mn-cs"/>
+              </a:defRPr>
+            </a:lvl9pPr>
+          </a:lstStyle>
+          <a:p>
+            <a:r>
+              <a:rPr lang="en-MY" dirty="0"/>
+              <a:t>Change </a:t>
+            </a:r>
+            <a:r>
+              <a:rPr lang="en-MY" dirty="0" err="1"/>
+              <a:t>dict</a:t>
+            </a:r>
+            <a:r>
+              <a:rPr lang="en-MY" dirty="0"/>
+              <a:t> compare using value:</a:t>
+            </a:r>
+          </a:p>
+          <a:p>
+            <a:pPr lvl="1"/>
+            <a:r>
+              <a:rPr lang="en-MY" dirty="0"/>
+              <a:t>Give min() function one additional parameter: key=</a:t>
+            </a:r>
+            <a:r>
+              <a:rPr lang="en-MY" dirty="0" err="1"/>
+              <a:t>compare_func</a:t>
+            </a:r>
+            <a:endParaRPr lang="en-MY" dirty="0"/>
+          </a:p>
+          <a:p>
+            <a:pPr lvl="1"/>
+            <a:r>
+              <a:rPr lang="en-MY" dirty="0"/>
+              <a:t>Find the </a:t>
+            </a:r>
+            <a:r>
+              <a:rPr lang="en-MY" dirty="0" err="1"/>
+              <a:t>smalles</a:t>
+            </a:r>
+            <a:r>
+              <a:rPr lang="en-MY" dirty="0"/>
+              <a:t> will give: ‘Jerry’</a:t>
+            </a:r>
+          </a:p>
+        </p:txBody>
+      </p:sp>
+    </p:spTree>
+    <p:extLst>
+      <p:ext uri="{BB962C8B-B14F-4D97-AF65-F5344CB8AC3E}">
+        <p14:creationId xmlns:p14="http://schemas.microsoft.com/office/powerpoint/2010/main" val="2873050645"/>
+      </p:ext>
+    </p:extLst>
+  </p:cSld>
+  <p:clrMapOvr>
+    <a:masterClrMapping/>
+  </p:clrMapOvr>
+</p:sld>
+</file>
+
+<file path=ppt/slides/slide18.xml><?xml version="1.0" encoding="utf-8"?>
+<p:sld xmlns:a="http://schemas.openxmlformats.org/drawingml/2006/main" xmlns:r="http://schemas.openxmlformats.org/officeDocument/2006/relationships" xmlns:p="http://schemas.openxmlformats.org/presentationml/2006/main">
+  <p:cSld>
+    <p:spTree>
+      <p:nvGrpSpPr>
+        <p:cNvPr id="1" name=""/>
+        <p:cNvGrpSpPr/>
+        <p:nvPr/>
+      </p:nvGrpSpPr>
+      <p:grpSpPr>
+        <a:xfrm>
+          <a:off x="0" y="0"/>
+          <a:ext cx="0" cy="0"/>
+          <a:chOff x="0" y="0"/>
+          <a:chExt cx="0" cy="0"/>
+        </a:xfrm>
+      </p:grpSpPr>
+      <p:sp>
+        <p:nvSpPr>
+          <p:cNvPr id="3" name="Content Placeholder 2">
+            <a:extLst>
+              <a:ext uri="{FF2B5EF4-FFF2-40B4-BE49-F238E27FC236}">
+                <a16:creationId xmlns:a16="http://schemas.microsoft.com/office/drawing/2014/main" id="{D1C4B389-9A63-4E84-BD3C-1CF933053056}"/>
+              </a:ext>
+            </a:extLst>
+          </p:cNvPr>
+          <p:cNvSpPr>
+            <a:spLocks noGrp="1"/>
+          </p:cNvSpPr>
+          <p:nvPr>
+            <p:ph idx="1"/>
+          </p:nvPr>
+        </p:nvSpPr>
+        <p:spPr>
+          <a:xfrm>
+            <a:off x="685801" y="1308348"/>
+            <a:ext cx="10131425" cy="3649133"/>
+          </a:xfrm>
+        </p:spPr>
+        <p:txBody>
+          <a:bodyPr anchor="t"/>
+          <a:lstStyle/>
+          <a:p>
+            <a:r>
+              <a:rPr lang="en-US" dirty="0"/>
+              <a:t>Make a program, which accept a long sentence from user.</a:t>
+            </a:r>
+          </a:p>
+          <a:p>
+            <a:r>
+              <a:rPr lang="en-US" dirty="0"/>
+              <a:t>Then program output the same information got from use.</a:t>
+            </a:r>
+          </a:p>
+          <a:p>
+            <a:endParaRPr lang="en-US" dirty="0"/>
+          </a:p>
+          <a:p>
+            <a:r>
+              <a:rPr lang="en-US" dirty="0"/>
+              <a:t>Then program output how many different characters inside this sentence.</a:t>
+            </a:r>
+          </a:p>
+          <a:p>
+            <a:endParaRPr lang="en-US" dirty="0"/>
+          </a:p>
+          <a:p>
+            <a:r>
+              <a:rPr lang="en-US" dirty="0"/>
+              <a:t>Then the program output the sentence but remove all whitespace (space ‘ ’, tabs ‘\t’)</a:t>
+            </a:r>
+            <a:endParaRPr lang="en-MY" dirty="0"/>
+          </a:p>
+        </p:txBody>
+      </p:sp>
+    </p:spTree>
+    <p:extLst>
+      <p:ext uri="{BB962C8B-B14F-4D97-AF65-F5344CB8AC3E}">
+        <p14:creationId xmlns:p14="http://schemas.microsoft.com/office/powerpoint/2010/main" val="2598763665"/>
+      </p:ext>
+    </p:extLst>
+  </p:cSld>
+  <p:clrMapOvr>
+    <a:masterClrMapping/>
+  </p:clrMapOvr>
+</p:sld>
+</file>
+
+<file path=ppt/slides/slide19.xml><?xml version="1.0" encoding="utf-8"?>
 <p:sld xmlns:a="http://schemas.openxmlformats.org/drawingml/2006/main" xmlns:r="http://schemas.openxmlformats.org/officeDocument/2006/relationships" xmlns:p="http://schemas.openxmlformats.org/presentationml/2006/main">
   <p:cSld>
     <p:spTree>
@@ -10050,7 +13598,7 @@
 </p:sld>
 </file>
 
-<file path=ppt/slides/slide3.xml><?xml version="1.0" encoding="utf-8"?>
+<file path=ppt/slides/slide2.xml><?xml version="1.0" encoding="utf-8"?>
 <p:sld xmlns:a="http://schemas.openxmlformats.org/drawingml/2006/main" xmlns:r="http://schemas.openxmlformats.org/officeDocument/2006/relationships" xmlns:p="http://schemas.openxmlformats.org/presentationml/2006/main">
   <p:cSld>
     <p:spTree>
@@ -10090,6 +13638,2998 @@
           <a:p>
             <a:r>
               <a:rPr lang="en-US" dirty="0"/>
+              <a:t>Reverse of list</a:t>
+            </a:r>
+            <a:endParaRPr lang="en-MY" dirty="0"/>
+          </a:p>
+        </p:txBody>
+      </p:sp>
+      <p:sp>
+        <p:nvSpPr>
+          <p:cNvPr id="3" name="内容占位符 2">
+            <a:extLst>
+              <a:ext uri="{FF2B5EF4-FFF2-40B4-BE49-F238E27FC236}">
+                <a16:creationId xmlns:a16="http://schemas.microsoft.com/office/drawing/2014/main" id="{7060439F-2729-478E-B95F-230482B50AA1}"/>
+              </a:ext>
+            </a:extLst>
+          </p:cNvPr>
+          <p:cNvSpPr>
+            <a:spLocks noGrp="1"/>
+          </p:cNvSpPr>
+          <p:nvPr>
+            <p:ph idx="1"/>
+          </p:nvPr>
+        </p:nvSpPr>
+        <p:spPr>
+          <a:xfrm>
+            <a:off x="685800" y="2142066"/>
+            <a:ext cx="10251141" cy="3855321"/>
+          </a:xfrm>
+        </p:spPr>
+        <p:txBody>
+          <a:bodyPr anchor="t">
+            <a:normAutofit/>
+          </a:bodyPr>
+          <a:lstStyle/>
+          <a:p>
+            <a:r>
+              <a:rPr lang="en-MY" sz="2000" dirty="0"/>
+              <a:t>Make a function, call it </a:t>
+            </a:r>
+            <a:r>
+              <a:rPr lang="en-MY" sz="2000" dirty="0" err="1"/>
+              <a:t>reverseList</a:t>
+            </a:r>
+            <a:r>
+              <a:rPr lang="en-MY" sz="2000" dirty="0"/>
+              <a:t>(). Take an argument of list type, and return a new list with all item in reversed order. </a:t>
+            </a:r>
+            <a:r>
+              <a:rPr lang="en-MY" sz="2000" i="1" dirty="0"/>
+              <a:t>--- (don’t call the </a:t>
+            </a:r>
+            <a:r>
+              <a:rPr lang="en-MY" sz="2000" i="1" dirty="0" err="1"/>
+              <a:t>list.reverse</a:t>
+            </a:r>
+            <a:r>
+              <a:rPr lang="en-MY" sz="2000" i="1" dirty="0"/>
+              <a:t>() method. Build your own version)</a:t>
+            </a:r>
+          </a:p>
+          <a:p>
+            <a:endParaRPr lang="en-MY" sz="2000" i="1" dirty="0"/>
+          </a:p>
+          <a:p>
+            <a:endParaRPr lang="en-MY" sz="2000" i="1" dirty="0"/>
+          </a:p>
+          <a:p>
+            <a:r>
+              <a:rPr lang="en-MY" sz="2000" dirty="0"/>
+              <a:t>Make a function, call it </a:t>
+            </a:r>
+            <a:r>
+              <a:rPr lang="en-MY" sz="2000" dirty="0" err="1"/>
+              <a:t>reverseListInPlace</a:t>
+            </a:r>
+            <a:r>
+              <a:rPr lang="en-MY" sz="2000" dirty="0"/>
+              <a:t>(). Take an argument of list type, change the list items order in reverse and then return. (no need return value) </a:t>
+            </a:r>
+            <a:r>
+              <a:rPr lang="en-MY" sz="2000" i="1" dirty="0"/>
+              <a:t>--- (don’t call the </a:t>
+            </a:r>
+            <a:r>
+              <a:rPr lang="en-MY" sz="2000" i="1" dirty="0" err="1"/>
+              <a:t>list.reverse</a:t>
+            </a:r>
+            <a:r>
+              <a:rPr lang="en-MY" sz="2000" i="1" dirty="0"/>
+              <a:t>() method. Build your own version)</a:t>
+            </a:r>
+          </a:p>
+          <a:p>
+            <a:pPr lvl="1"/>
+            <a:endParaRPr lang="en-MY" sz="1800" dirty="0"/>
+          </a:p>
+          <a:p>
+            <a:pPr lvl="1"/>
+            <a:endParaRPr lang="en-MY" sz="1800" dirty="0"/>
+          </a:p>
+        </p:txBody>
+      </p:sp>
+      <mc:AlternateContent xmlns:mc="http://schemas.openxmlformats.org/markup-compatibility/2006" xmlns:p14="http://schemas.microsoft.com/office/powerpoint/2010/main">
+        <mc:Choice Requires="p14">
+          <p:contentPart p14:bwMode="auto" r:id="rId2">
+            <p14:nvContentPartPr>
+              <p14:cNvPr id="4" name="Ink 3">
+                <a:extLst>
+                  <a:ext uri="{FF2B5EF4-FFF2-40B4-BE49-F238E27FC236}">
+                    <a16:creationId xmlns:a16="http://schemas.microsoft.com/office/drawing/2014/main" id="{CCA4BA79-7207-46F9-81D1-051637F90D5A}"/>
+                  </a:ext>
+                </a:extLst>
+              </p14:cNvPr>
+              <p14:cNvContentPartPr/>
+              <p14:nvPr/>
+            </p14:nvContentPartPr>
+            <p14:xfrm>
+              <a:off x="1715245" y="1921987"/>
+              <a:ext cx="13680" cy="2520"/>
+            </p14:xfrm>
+          </p:contentPart>
+        </mc:Choice>
+        <mc:Fallback xmlns="">
+          <p:pic>
+            <p:nvPicPr>
+              <p:cNvPr id="4" name="Ink 3">
+                <a:extLst>
+                  <a:ext uri="{FF2B5EF4-FFF2-40B4-BE49-F238E27FC236}">
+                    <a16:creationId xmlns:a16="http://schemas.microsoft.com/office/drawing/2014/main" id="{CCA4BA79-7207-46F9-81D1-051637F90D5A}"/>
+                  </a:ext>
+                </a:extLst>
+              </p:cNvPr>
+              <p:cNvPicPr/>
+              <p:nvPr/>
+            </p:nvPicPr>
+            <p:blipFill>
+              <a:blip r:embed="rId3"/>
+              <a:stretch>
+                <a:fillRect/>
+              </a:stretch>
+            </p:blipFill>
+            <p:spPr>
+              <a:xfrm>
+                <a:off x="1706605" y="1913347"/>
+                <a:ext cx="31320" cy="20160"/>
+              </a:xfrm>
+              <a:prstGeom prst="rect">
+                <a:avLst/>
+              </a:prstGeom>
+            </p:spPr>
+          </p:pic>
+        </mc:Fallback>
+      </mc:AlternateContent>
+    </p:spTree>
+    <p:extLst>
+      <p:ext uri="{BB962C8B-B14F-4D97-AF65-F5344CB8AC3E}">
+        <p14:creationId xmlns:p14="http://schemas.microsoft.com/office/powerpoint/2010/main" val="646767933"/>
+      </p:ext>
+    </p:extLst>
+  </p:cSld>
+  <p:clrMapOvr>
+    <a:masterClrMapping/>
+  </p:clrMapOvr>
+</p:sld>
+</file>
+
+<file path=ppt/slides/slide20.xml><?xml version="1.0" encoding="utf-8"?>
+<p:sld xmlns:a="http://schemas.openxmlformats.org/drawingml/2006/main" xmlns:r="http://schemas.openxmlformats.org/officeDocument/2006/relationships" xmlns:p="http://schemas.openxmlformats.org/presentationml/2006/main">
+  <p:cSld>
+    <p:spTree>
+      <p:nvGrpSpPr>
+        <p:cNvPr id="1" name=""/>
+        <p:cNvGrpSpPr/>
+        <p:nvPr/>
+      </p:nvGrpSpPr>
+      <p:grpSpPr>
+        <a:xfrm>
+          <a:off x="0" y="0"/>
+          <a:ext cx="0" cy="0"/>
+          <a:chOff x="0" y="0"/>
+          <a:chExt cx="0" cy="0"/>
+        </a:xfrm>
+      </p:grpSpPr>
+      <p:sp>
+        <p:nvSpPr>
+          <p:cNvPr id="2" name="标题 1">
+            <a:extLst>
+              <a:ext uri="{FF2B5EF4-FFF2-40B4-BE49-F238E27FC236}">
+                <a16:creationId xmlns:a16="http://schemas.microsoft.com/office/drawing/2014/main" id="{5EC01E2D-9CFE-4D5D-8863-3BA90731F07B}"/>
+              </a:ext>
+            </a:extLst>
+          </p:cNvPr>
+          <p:cNvSpPr>
+            <a:spLocks noGrp="1"/>
+          </p:cNvSpPr>
+          <p:nvPr>
+            <p:ph type="title"/>
+          </p:nvPr>
+        </p:nvSpPr>
+        <p:spPr/>
+        <p:txBody>
+          <a:bodyPr/>
+          <a:lstStyle/>
+          <a:p>
+            <a:r>
+              <a:rPr lang="en-US"/>
+              <a:t>Word counting </a:t>
+            </a:r>
+            <a:r>
+              <a:rPr lang="en-US" dirty="0"/>
+              <a:t>program</a:t>
+            </a:r>
+            <a:endParaRPr lang="en-MY" dirty="0"/>
+          </a:p>
+        </p:txBody>
+      </p:sp>
+      <p:sp>
+        <p:nvSpPr>
+          <p:cNvPr id="3" name="内容占位符 2">
+            <a:extLst>
+              <a:ext uri="{FF2B5EF4-FFF2-40B4-BE49-F238E27FC236}">
+                <a16:creationId xmlns:a16="http://schemas.microsoft.com/office/drawing/2014/main" id="{7060439F-2729-478E-B95F-230482B50AA1}"/>
+              </a:ext>
+            </a:extLst>
+          </p:cNvPr>
+          <p:cNvSpPr>
+            <a:spLocks noGrp="1"/>
+          </p:cNvSpPr>
+          <p:nvPr>
+            <p:ph idx="1"/>
+          </p:nvPr>
+        </p:nvSpPr>
+        <p:spPr>
+          <a:xfrm>
+            <a:off x="685801" y="2142067"/>
+            <a:ext cx="6271590" cy="2840750"/>
+          </a:xfrm>
+        </p:spPr>
+        <p:txBody>
+          <a:bodyPr anchor="t">
+            <a:normAutofit/>
+          </a:bodyPr>
+          <a:lstStyle/>
+          <a:p>
+            <a:r>
+              <a:rPr lang="en-MY" dirty="0"/>
+              <a:t>Read one article (one file) from stdin or as file.</a:t>
+            </a:r>
+          </a:p>
+          <a:p>
+            <a:r>
+              <a:rPr lang="en-MY" dirty="0"/>
+              <a:t>Analyse the words in the article: count how many times appeared for each word</a:t>
+            </a:r>
+          </a:p>
+          <a:p>
+            <a:pPr lvl="1"/>
+            <a:endParaRPr lang="en-MY" dirty="0"/>
+          </a:p>
+          <a:p>
+            <a:pPr lvl="1"/>
+            <a:endParaRPr lang="en-MY" dirty="0"/>
+          </a:p>
+        </p:txBody>
+      </p:sp>
+      <mc:AlternateContent xmlns:mc="http://schemas.openxmlformats.org/markup-compatibility/2006" xmlns:p14="http://schemas.microsoft.com/office/powerpoint/2010/main">
+        <mc:Choice Requires="p14">
+          <p:contentPart p14:bwMode="auto" r:id="rId2">
+            <p14:nvContentPartPr>
+              <p14:cNvPr id="4" name="Ink 3">
+                <a:extLst>
+                  <a:ext uri="{FF2B5EF4-FFF2-40B4-BE49-F238E27FC236}">
+                    <a16:creationId xmlns:a16="http://schemas.microsoft.com/office/drawing/2014/main" id="{CCA4BA79-7207-46F9-81D1-051637F90D5A}"/>
+                  </a:ext>
+                </a:extLst>
+              </p14:cNvPr>
+              <p14:cNvContentPartPr/>
+              <p14:nvPr/>
+            </p14:nvContentPartPr>
+            <p14:xfrm>
+              <a:off x="1715245" y="1921987"/>
+              <a:ext cx="13680" cy="2520"/>
+            </p14:xfrm>
+          </p:contentPart>
+        </mc:Choice>
+        <mc:Fallback xmlns="">
+          <p:pic>
+            <p:nvPicPr>
+              <p:cNvPr id="4" name="Ink 3">
+                <a:extLst>
+                  <a:ext uri="{FF2B5EF4-FFF2-40B4-BE49-F238E27FC236}">
+                    <a16:creationId xmlns:a16="http://schemas.microsoft.com/office/drawing/2014/main" id="{CCA4BA79-7207-46F9-81D1-051637F90D5A}"/>
+                  </a:ext>
+                </a:extLst>
+              </p:cNvPr>
+              <p:cNvPicPr/>
+              <p:nvPr/>
+            </p:nvPicPr>
+            <p:blipFill>
+              <a:blip r:embed="rId3"/>
+              <a:stretch>
+                <a:fillRect/>
+              </a:stretch>
+            </p:blipFill>
+            <p:spPr>
+              <a:xfrm>
+                <a:off x="1706605" y="1913347"/>
+                <a:ext cx="31320" cy="20160"/>
+              </a:xfrm>
+              <a:prstGeom prst="rect">
+                <a:avLst/>
+              </a:prstGeom>
+            </p:spPr>
+          </p:pic>
+        </mc:Fallback>
+      </mc:AlternateContent>
+    </p:spTree>
+    <p:extLst>
+      <p:ext uri="{BB962C8B-B14F-4D97-AF65-F5344CB8AC3E}">
+        <p14:creationId xmlns:p14="http://schemas.microsoft.com/office/powerpoint/2010/main" val="3409578767"/>
+      </p:ext>
+    </p:extLst>
+  </p:cSld>
+  <p:clrMapOvr>
+    <a:masterClrMapping/>
+  </p:clrMapOvr>
+</p:sld>
+</file>
+
+<file path=ppt/slides/slide21.xml><?xml version="1.0" encoding="utf-8"?>
+<p:sld xmlns:a="http://schemas.openxmlformats.org/drawingml/2006/main" xmlns:r="http://schemas.openxmlformats.org/officeDocument/2006/relationships" xmlns:p="http://schemas.openxmlformats.org/presentationml/2006/main">
+  <p:cSld>
+    <p:spTree>
+      <p:nvGrpSpPr>
+        <p:cNvPr id="1" name=""/>
+        <p:cNvGrpSpPr/>
+        <p:nvPr/>
+      </p:nvGrpSpPr>
+      <p:grpSpPr>
+        <a:xfrm>
+          <a:off x="0" y="0"/>
+          <a:ext cx="0" cy="0"/>
+          <a:chOff x="0" y="0"/>
+          <a:chExt cx="0" cy="0"/>
+        </a:xfrm>
+      </p:grpSpPr>
+      <p:sp>
+        <p:nvSpPr>
+          <p:cNvPr id="2" name="标题 1">
+            <a:extLst>
+              <a:ext uri="{FF2B5EF4-FFF2-40B4-BE49-F238E27FC236}">
+                <a16:creationId xmlns:a16="http://schemas.microsoft.com/office/drawing/2014/main" id="{5EC01E2D-9CFE-4D5D-8863-3BA90731F07B}"/>
+              </a:ext>
+            </a:extLst>
+          </p:cNvPr>
+          <p:cNvSpPr>
+            <a:spLocks noGrp="1"/>
+          </p:cNvSpPr>
+          <p:nvPr>
+            <p:ph type="title"/>
+          </p:nvPr>
+        </p:nvSpPr>
+        <p:spPr/>
+        <p:txBody>
+          <a:bodyPr/>
+          <a:lstStyle/>
+          <a:p>
+            <a:r>
+              <a:rPr lang="en-US" dirty="0"/>
+              <a:t>String pattern</a:t>
+            </a:r>
+            <a:endParaRPr lang="en-MY" dirty="0"/>
+          </a:p>
+        </p:txBody>
+      </p:sp>
+      <p:sp>
+        <p:nvSpPr>
+          <p:cNvPr id="3" name="内容占位符 2">
+            <a:extLst>
+              <a:ext uri="{FF2B5EF4-FFF2-40B4-BE49-F238E27FC236}">
+                <a16:creationId xmlns:a16="http://schemas.microsoft.com/office/drawing/2014/main" id="{7060439F-2729-478E-B95F-230482B50AA1}"/>
+              </a:ext>
+            </a:extLst>
+          </p:cNvPr>
+          <p:cNvSpPr>
+            <a:spLocks noGrp="1"/>
+          </p:cNvSpPr>
+          <p:nvPr>
+            <p:ph idx="1"/>
+          </p:nvPr>
+        </p:nvSpPr>
+        <p:spPr>
+          <a:xfrm>
+            <a:off x="685800" y="2142067"/>
+            <a:ext cx="9524999" cy="2840750"/>
+          </a:xfrm>
+        </p:spPr>
+        <p:txBody>
+          <a:bodyPr anchor="t">
+            <a:normAutofit/>
+          </a:bodyPr>
+          <a:lstStyle/>
+          <a:p>
+            <a:r>
+              <a:rPr lang="en-MY" dirty="0"/>
+              <a:t>Make a program which can format string with specified pattern. Example:</a:t>
+            </a:r>
+          </a:p>
+          <a:p>
+            <a:pPr lvl="1"/>
+            <a:r>
+              <a:rPr lang="en-MY" dirty="0"/>
+              <a:t>You have 2 string data, call them ‘a’ and ‘b’. For example a = ‘Welcome’, b=‘</a:t>
+            </a:r>
+            <a:r>
+              <a:rPr lang="en-MY" dirty="0" err="1"/>
+              <a:t>toMalaysia</a:t>
+            </a:r>
+            <a:r>
+              <a:rPr lang="en-MY" dirty="0"/>
+              <a:t>’</a:t>
+            </a:r>
+          </a:p>
+          <a:p>
+            <a:pPr lvl="1"/>
+            <a:r>
+              <a:rPr lang="en-MY" dirty="0"/>
+              <a:t>Give a pattern, for example ‘abba’.</a:t>
+            </a:r>
+          </a:p>
+          <a:p>
+            <a:pPr lvl="1"/>
+            <a:r>
+              <a:rPr lang="en-MY" dirty="0"/>
+              <a:t>The program will use the 2 string data and make new string according to the pattern, finally produce result: ‘</a:t>
+            </a:r>
+            <a:r>
+              <a:rPr lang="en-MY" dirty="0" err="1"/>
+              <a:t>WelcometoMalaysiatoMalaysiaWelcome</a:t>
+            </a:r>
+            <a:r>
+              <a:rPr lang="en-MY" dirty="0"/>
+              <a:t>’</a:t>
+            </a:r>
+          </a:p>
+          <a:p>
+            <a:pPr lvl="1"/>
+            <a:endParaRPr lang="en-MY" dirty="0"/>
+          </a:p>
+          <a:p>
+            <a:pPr lvl="1"/>
+            <a:endParaRPr lang="en-MY" dirty="0"/>
+          </a:p>
+        </p:txBody>
+      </p:sp>
+      <mc:AlternateContent xmlns:mc="http://schemas.openxmlformats.org/markup-compatibility/2006" xmlns:p14="http://schemas.microsoft.com/office/powerpoint/2010/main">
+        <mc:Choice Requires="p14">
+          <p:contentPart p14:bwMode="auto" r:id="rId2">
+            <p14:nvContentPartPr>
+              <p14:cNvPr id="4" name="Ink 3">
+                <a:extLst>
+                  <a:ext uri="{FF2B5EF4-FFF2-40B4-BE49-F238E27FC236}">
+                    <a16:creationId xmlns:a16="http://schemas.microsoft.com/office/drawing/2014/main" id="{CCA4BA79-7207-46F9-81D1-051637F90D5A}"/>
+                  </a:ext>
+                </a:extLst>
+              </p14:cNvPr>
+              <p14:cNvContentPartPr/>
+              <p14:nvPr/>
+            </p14:nvContentPartPr>
+            <p14:xfrm>
+              <a:off x="1715245" y="1921987"/>
+              <a:ext cx="13680" cy="2520"/>
+            </p14:xfrm>
+          </p:contentPart>
+        </mc:Choice>
+        <mc:Fallback xmlns="">
+          <p:pic>
+            <p:nvPicPr>
+              <p:cNvPr id="4" name="Ink 3">
+                <a:extLst>
+                  <a:ext uri="{FF2B5EF4-FFF2-40B4-BE49-F238E27FC236}">
+                    <a16:creationId xmlns:a16="http://schemas.microsoft.com/office/drawing/2014/main" id="{CCA4BA79-7207-46F9-81D1-051637F90D5A}"/>
+                  </a:ext>
+                </a:extLst>
+              </p:cNvPr>
+              <p:cNvPicPr/>
+              <p:nvPr/>
+            </p:nvPicPr>
+            <p:blipFill>
+              <a:blip r:embed="rId3"/>
+              <a:stretch>
+                <a:fillRect/>
+              </a:stretch>
+            </p:blipFill>
+            <p:spPr>
+              <a:xfrm>
+                <a:off x="1706605" y="1913347"/>
+                <a:ext cx="31320" cy="20160"/>
+              </a:xfrm>
+              <a:prstGeom prst="rect">
+                <a:avLst/>
+              </a:prstGeom>
+            </p:spPr>
+          </p:pic>
+        </mc:Fallback>
+      </mc:AlternateContent>
+    </p:spTree>
+    <p:extLst>
+      <p:ext uri="{BB962C8B-B14F-4D97-AF65-F5344CB8AC3E}">
+        <p14:creationId xmlns:p14="http://schemas.microsoft.com/office/powerpoint/2010/main" val="3887230651"/>
+      </p:ext>
+    </p:extLst>
+  </p:cSld>
+  <p:clrMapOvr>
+    <a:masterClrMapping/>
+  </p:clrMapOvr>
+</p:sld>
+</file>
+
+<file path=ppt/slides/slide22.xml><?xml version="1.0" encoding="utf-8"?>
+<p:sld xmlns:a="http://schemas.openxmlformats.org/drawingml/2006/main" xmlns:r="http://schemas.openxmlformats.org/officeDocument/2006/relationships" xmlns:p="http://schemas.openxmlformats.org/presentationml/2006/main">
+  <p:cSld>
+    <p:spTree>
+      <p:nvGrpSpPr>
+        <p:cNvPr id="1" name=""/>
+        <p:cNvGrpSpPr/>
+        <p:nvPr/>
+      </p:nvGrpSpPr>
+      <p:grpSpPr>
+        <a:xfrm>
+          <a:off x="0" y="0"/>
+          <a:ext cx="0" cy="0"/>
+          <a:chOff x="0" y="0"/>
+          <a:chExt cx="0" cy="0"/>
+        </a:xfrm>
+      </p:grpSpPr>
+      <p:sp>
+        <p:nvSpPr>
+          <p:cNvPr id="2" name="标题 1">
+            <a:extLst>
+              <a:ext uri="{FF2B5EF4-FFF2-40B4-BE49-F238E27FC236}">
+                <a16:creationId xmlns:a16="http://schemas.microsoft.com/office/drawing/2014/main" id="{5EC01E2D-9CFE-4D5D-8863-3BA90731F07B}"/>
+              </a:ext>
+            </a:extLst>
+          </p:cNvPr>
+          <p:cNvSpPr>
+            <a:spLocks noGrp="1"/>
+          </p:cNvSpPr>
+          <p:nvPr>
+            <p:ph type="title"/>
+          </p:nvPr>
+        </p:nvSpPr>
+        <p:spPr>
+          <a:xfrm>
+            <a:off x="923365" y="643463"/>
+            <a:ext cx="10649203" cy="1608124"/>
+          </a:xfrm>
+        </p:spPr>
+        <p:txBody>
+          <a:bodyPr>
+            <a:normAutofit/>
+          </a:bodyPr>
+          <a:lstStyle/>
+          <a:p>
+            <a:r>
+              <a:rPr lang="en-US" dirty="0"/>
+              <a:t>Programming practice</a:t>
+            </a:r>
+            <a:endParaRPr lang="en-MY" dirty="0"/>
+          </a:p>
+        </p:txBody>
+      </p:sp>
+      <p:sp>
+        <p:nvSpPr>
+          <p:cNvPr id="3" name="内容占位符 2">
+            <a:extLst>
+              <a:ext uri="{FF2B5EF4-FFF2-40B4-BE49-F238E27FC236}">
+                <a16:creationId xmlns:a16="http://schemas.microsoft.com/office/drawing/2014/main" id="{7060439F-2729-478E-B95F-230482B50AA1}"/>
+              </a:ext>
+            </a:extLst>
+          </p:cNvPr>
+          <p:cNvSpPr>
+            <a:spLocks noGrp="1"/>
+          </p:cNvSpPr>
+          <p:nvPr>
+            <p:ph idx="1"/>
+          </p:nvPr>
+        </p:nvSpPr>
+        <p:spPr>
+          <a:xfrm>
+            <a:off x="923366" y="2251587"/>
+            <a:ext cx="10264588" cy="3163095"/>
+          </a:xfrm>
+        </p:spPr>
+        <p:txBody>
+          <a:bodyPr anchor="t">
+            <a:normAutofit/>
+          </a:bodyPr>
+          <a:lstStyle/>
+          <a:p>
+            <a:r>
+              <a:rPr lang="en-MY" dirty="0"/>
+              <a:t>Make a program, which takes input from user about a day (year-month-day), then give the </a:t>
+            </a:r>
+            <a:r>
+              <a:rPr lang="en-MY"/>
+              <a:t>next date</a:t>
+            </a:r>
+            <a:r>
+              <a:rPr lang="en-MY" dirty="0"/>
+              <a:t>. Example:</a:t>
+            </a:r>
+          </a:p>
+          <a:p>
+            <a:pPr lvl="1"/>
+            <a:r>
+              <a:rPr kumimoji="0" lang="en-US" altLang="en-US" sz="1400" i="0" u="none" strike="noStrike" cap="none" normalizeH="0" baseline="0" dirty="0">
+                <a:ln>
+                  <a:noFill/>
+                </a:ln>
+                <a:effectLst/>
+                <a:latin typeface="Arial Unicode MS"/>
+              </a:rPr>
+              <a:t>Input a year: 2016 </a:t>
+            </a:r>
+          </a:p>
+          <a:p>
+            <a:pPr lvl="1"/>
+            <a:r>
+              <a:rPr kumimoji="0" lang="en-US" altLang="en-US" sz="1400" i="0" u="none" strike="noStrike" cap="none" normalizeH="0" baseline="0" dirty="0">
+                <a:ln>
+                  <a:noFill/>
+                </a:ln>
+                <a:effectLst/>
+                <a:latin typeface="Arial Unicode MS"/>
+              </a:rPr>
+              <a:t>Input a month [1-12]: 08 </a:t>
+            </a:r>
+          </a:p>
+          <a:p>
+            <a:pPr lvl="1"/>
+            <a:r>
+              <a:rPr kumimoji="0" lang="en-US" altLang="en-US" sz="1400" i="0" u="none" strike="noStrike" cap="none" normalizeH="0" baseline="0" dirty="0">
+                <a:ln>
+                  <a:noFill/>
+                </a:ln>
+                <a:effectLst/>
+                <a:latin typeface="Arial Unicode MS"/>
+              </a:rPr>
+              <a:t>Input a day [1-31]: 23 </a:t>
+            </a:r>
+          </a:p>
+          <a:p>
+            <a:pPr lvl="1"/>
+            <a:r>
+              <a:rPr kumimoji="0" lang="en-US" altLang="en-US" sz="1400" i="0" u="none" strike="noStrike" cap="none" normalizeH="0" baseline="0" dirty="0">
+                <a:ln>
+                  <a:noFill/>
+                </a:ln>
+                <a:effectLst/>
+                <a:latin typeface="Arial Unicode MS"/>
+              </a:rPr>
+              <a:t>The next date is [</a:t>
+            </a:r>
+            <a:r>
+              <a:rPr kumimoji="0" lang="en-US" altLang="en-US" sz="1400" i="0" u="none" strike="noStrike" cap="none" normalizeH="0" baseline="0" dirty="0" err="1">
+                <a:ln>
+                  <a:noFill/>
+                </a:ln>
+                <a:effectLst/>
+                <a:latin typeface="Arial Unicode MS"/>
+              </a:rPr>
+              <a:t>yyyy</a:t>
+            </a:r>
+            <a:r>
+              <a:rPr kumimoji="0" lang="en-US" altLang="en-US" sz="1400" i="0" u="none" strike="noStrike" cap="none" normalizeH="0" baseline="0" dirty="0">
+                <a:ln>
+                  <a:noFill/>
+                </a:ln>
+                <a:effectLst/>
+                <a:latin typeface="Arial Unicode MS"/>
+              </a:rPr>
+              <a:t>-mm-dd] 2016-8-24 </a:t>
+            </a:r>
+            <a:endParaRPr kumimoji="0" lang="en-US" altLang="en-US" sz="1400" i="0" u="none" strike="noStrike" cap="none" normalizeH="0" baseline="0" dirty="0">
+              <a:ln>
+                <a:noFill/>
+              </a:ln>
+              <a:effectLst/>
+              <a:latin typeface="Arial" panose="020B0604020202020204" pitchFamily="34" charset="0"/>
+            </a:endParaRPr>
+          </a:p>
+          <a:p>
+            <a:pPr lvl="1"/>
+            <a:endParaRPr lang="en-MY" dirty="0"/>
+          </a:p>
+        </p:txBody>
+      </p:sp>
+    </p:spTree>
+    <p:extLst>
+      <p:ext uri="{BB962C8B-B14F-4D97-AF65-F5344CB8AC3E}">
+        <p14:creationId xmlns:p14="http://schemas.microsoft.com/office/powerpoint/2010/main" val="2917449728"/>
+      </p:ext>
+    </p:extLst>
+  </p:cSld>
+  <p:clrMapOvr>
+    <a:masterClrMapping/>
+  </p:clrMapOvr>
+</p:sld>
+</file>
+
+<file path=ppt/slides/slide23.xml><?xml version="1.0" encoding="utf-8"?>
+<p:sld xmlns:a="http://schemas.openxmlformats.org/drawingml/2006/main" xmlns:r="http://schemas.openxmlformats.org/officeDocument/2006/relationships" xmlns:p="http://schemas.openxmlformats.org/presentationml/2006/main">
+  <p:cSld>
+    <p:spTree>
+      <p:nvGrpSpPr>
+        <p:cNvPr id="1" name=""/>
+        <p:cNvGrpSpPr/>
+        <p:nvPr/>
+      </p:nvGrpSpPr>
+      <p:grpSpPr>
+        <a:xfrm>
+          <a:off x="0" y="0"/>
+          <a:ext cx="0" cy="0"/>
+          <a:chOff x="0" y="0"/>
+          <a:chExt cx="0" cy="0"/>
+        </a:xfrm>
+      </p:grpSpPr>
+      <p:sp>
+        <p:nvSpPr>
+          <p:cNvPr id="2" name="标题 1">
+            <a:extLst>
+              <a:ext uri="{FF2B5EF4-FFF2-40B4-BE49-F238E27FC236}">
+                <a16:creationId xmlns:a16="http://schemas.microsoft.com/office/drawing/2014/main" id="{5EC01E2D-9CFE-4D5D-8863-3BA90731F07B}"/>
+              </a:ext>
+            </a:extLst>
+          </p:cNvPr>
+          <p:cNvSpPr>
+            <a:spLocks noGrp="1"/>
+          </p:cNvSpPr>
+          <p:nvPr>
+            <p:ph type="title"/>
+          </p:nvPr>
+        </p:nvSpPr>
+        <p:spPr/>
+        <p:txBody>
+          <a:bodyPr/>
+          <a:lstStyle/>
+          <a:p>
+            <a:r>
+              <a:rPr lang="en-US" dirty="0"/>
+              <a:t>Judge number is even or odd – use recursion</a:t>
+            </a:r>
+            <a:endParaRPr lang="en-MY" dirty="0"/>
+          </a:p>
+        </p:txBody>
+      </p:sp>
+      <p:sp>
+        <p:nvSpPr>
+          <p:cNvPr id="3" name="内容占位符 2">
+            <a:extLst>
+              <a:ext uri="{FF2B5EF4-FFF2-40B4-BE49-F238E27FC236}">
+                <a16:creationId xmlns:a16="http://schemas.microsoft.com/office/drawing/2014/main" id="{7060439F-2729-478E-B95F-230482B50AA1}"/>
+              </a:ext>
+            </a:extLst>
+          </p:cNvPr>
+          <p:cNvSpPr>
+            <a:spLocks noGrp="1"/>
+          </p:cNvSpPr>
+          <p:nvPr>
+            <p:ph idx="1"/>
+          </p:nvPr>
+        </p:nvSpPr>
+        <p:spPr>
+          <a:xfrm>
+            <a:off x="685801" y="2142067"/>
+            <a:ext cx="6271590" cy="2840750"/>
+          </a:xfrm>
+        </p:spPr>
+        <p:txBody>
+          <a:bodyPr anchor="t">
+            <a:normAutofit/>
+          </a:bodyPr>
+          <a:lstStyle/>
+          <a:p>
+            <a:r>
+              <a:rPr lang="en-MY" dirty="0"/>
+              <a:t>Number is 1, it is odd</a:t>
+            </a:r>
+          </a:p>
+          <a:p>
+            <a:r>
+              <a:rPr lang="en-MY" dirty="0"/>
+              <a:t>Number is 0, it is even</a:t>
+            </a:r>
+          </a:p>
+          <a:p>
+            <a:r>
+              <a:rPr lang="en-MY" dirty="0"/>
+              <a:t>For any number n, it is same even or odd as n-2</a:t>
+            </a:r>
+          </a:p>
+          <a:p>
+            <a:pPr lvl="1"/>
+            <a:endParaRPr lang="en-MY" dirty="0"/>
+          </a:p>
+          <a:p>
+            <a:pPr lvl="1"/>
+            <a:endParaRPr lang="en-MY" dirty="0"/>
+          </a:p>
+        </p:txBody>
+      </p:sp>
+      <mc:AlternateContent xmlns:mc="http://schemas.openxmlformats.org/markup-compatibility/2006" xmlns:p14="http://schemas.microsoft.com/office/powerpoint/2010/main">
+        <mc:Choice Requires="p14">
+          <p:contentPart p14:bwMode="auto" r:id="rId2">
+            <p14:nvContentPartPr>
+              <p14:cNvPr id="4" name="Ink 3">
+                <a:extLst>
+                  <a:ext uri="{FF2B5EF4-FFF2-40B4-BE49-F238E27FC236}">
+                    <a16:creationId xmlns:a16="http://schemas.microsoft.com/office/drawing/2014/main" id="{CCA4BA79-7207-46F9-81D1-051637F90D5A}"/>
+                  </a:ext>
+                </a:extLst>
+              </p14:cNvPr>
+              <p14:cNvContentPartPr/>
+              <p14:nvPr/>
+            </p14:nvContentPartPr>
+            <p14:xfrm>
+              <a:off x="1715245" y="1921987"/>
+              <a:ext cx="13680" cy="2520"/>
+            </p14:xfrm>
+          </p:contentPart>
+        </mc:Choice>
+        <mc:Fallback xmlns="">
+          <p:pic>
+            <p:nvPicPr>
+              <p:cNvPr id="4" name="Ink 3">
+                <a:extLst>
+                  <a:ext uri="{FF2B5EF4-FFF2-40B4-BE49-F238E27FC236}">
+                    <a16:creationId xmlns:a16="http://schemas.microsoft.com/office/drawing/2014/main" id="{CCA4BA79-7207-46F9-81D1-051637F90D5A}"/>
+                  </a:ext>
+                </a:extLst>
+              </p:cNvPr>
+              <p:cNvPicPr/>
+              <p:nvPr/>
+            </p:nvPicPr>
+            <p:blipFill>
+              <a:blip r:embed="rId3"/>
+              <a:stretch>
+                <a:fillRect/>
+              </a:stretch>
+            </p:blipFill>
+            <p:spPr>
+              <a:xfrm>
+                <a:off x="1706605" y="1913347"/>
+                <a:ext cx="31320" cy="20160"/>
+              </a:xfrm>
+              <a:prstGeom prst="rect">
+                <a:avLst/>
+              </a:prstGeom>
+            </p:spPr>
+          </p:pic>
+        </mc:Fallback>
+      </mc:AlternateContent>
+      <p:sp>
+        <p:nvSpPr>
+          <p:cNvPr id="5" name="内容占位符 2">
+            <a:extLst>
+              <a:ext uri="{FF2B5EF4-FFF2-40B4-BE49-F238E27FC236}">
+                <a16:creationId xmlns:a16="http://schemas.microsoft.com/office/drawing/2014/main" id="{614AC9D6-6BB4-4F70-B628-3A5C7883FE27}"/>
+              </a:ext>
+            </a:extLst>
+          </p:cNvPr>
+          <p:cNvSpPr txBox="1">
+            <a:spLocks/>
+          </p:cNvSpPr>
+          <p:nvPr/>
+        </p:nvSpPr>
+        <p:spPr>
+          <a:xfrm>
+            <a:off x="685801" y="3720596"/>
+            <a:ext cx="6271590" cy="1262221"/>
+          </a:xfrm>
+          <a:prstGeom prst="rect">
+            <a:avLst/>
+          </a:prstGeom>
+        </p:spPr>
+        <p:txBody>
+          <a:bodyPr vert="horz" lIns="91440" tIns="45720" rIns="91440" bIns="45720" rtlCol="0" anchor="t">
+            <a:normAutofit/>
+          </a:bodyPr>
+          <a:lstStyle>
+            <a:lvl1pPr marL="285750" indent="-285750" algn="l" defTabSz="457200" rtl="0" eaLnBrk="1" latinLnBrk="0" hangingPunct="1">
+              <a:spcBef>
+                <a:spcPts val="0"/>
+              </a:spcBef>
+              <a:spcAft>
+                <a:spcPts val="1000"/>
+              </a:spcAft>
+              <a:buClr>
+                <a:schemeClr val="tx1"/>
+              </a:buClr>
+              <a:buSzPct val="100000"/>
+              <a:buFont typeface="Arial"/>
+              <a:buChar char="•"/>
+              <a:defRPr sz="1800" kern="1200" cap="none">
+                <a:solidFill>
+                  <a:schemeClr val="tx1"/>
+                </a:solidFill>
+                <a:effectLst/>
+                <a:latin typeface="+mn-lt"/>
+                <a:ea typeface="+mn-ea"/>
+                <a:cs typeface="+mn-cs"/>
+              </a:defRPr>
+            </a:lvl1pPr>
+            <a:lvl2pPr marL="742950" indent="-285750" algn="l" defTabSz="457200" rtl="0" eaLnBrk="1" latinLnBrk="0" hangingPunct="1">
+              <a:spcBef>
+                <a:spcPts val="0"/>
+              </a:spcBef>
+              <a:spcAft>
+                <a:spcPts val="1000"/>
+              </a:spcAft>
+              <a:buClr>
+                <a:schemeClr val="tx1"/>
+              </a:buClr>
+              <a:buSzPct val="100000"/>
+              <a:buFont typeface="Arial"/>
+              <a:buChar char="•"/>
+              <a:defRPr sz="1600" kern="1200" cap="none">
+                <a:solidFill>
+                  <a:schemeClr val="tx1"/>
+                </a:solidFill>
+                <a:effectLst/>
+                <a:latin typeface="+mn-lt"/>
+                <a:ea typeface="+mn-ea"/>
+                <a:cs typeface="+mn-cs"/>
+              </a:defRPr>
+            </a:lvl2pPr>
+            <a:lvl3pPr marL="1200150" indent="-285750" algn="l" defTabSz="457200" rtl="0" eaLnBrk="1" latinLnBrk="0" hangingPunct="1">
+              <a:spcBef>
+                <a:spcPts val="0"/>
+              </a:spcBef>
+              <a:spcAft>
+                <a:spcPts val="1000"/>
+              </a:spcAft>
+              <a:buClr>
+                <a:schemeClr val="tx1"/>
+              </a:buClr>
+              <a:buSzPct val="100000"/>
+              <a:buFont typeface="Arial"/>
+              <a:buChar char="•"/>
+              <a:defRPr sz="1400" kern="1200" cap="none">
+                <a:solidFill>
+                  <a:schemeClr val="tx1"/>
+                </a:solidFill>
+                <a:effectLst/>
+                <a:latin typeface="+mn-lt"/>
+                <a:ea typeface="+mn-ea"/>
+                <a:cs typeface="+mn-cs"/>
+              </a:defRPr>
+            </a:lvl3pPr>
+            <a:lvl4pPr marL="1543050" indent="-171450" algn="l" defTabSz="457200" rtl="0" eaLnBrk="1" latinLnBrk="0" hangingPunct="1">
+              <a:spcBef>
+                <a:spcPts val="0"/>
+              </a:spcBef>
+              <a:spcAft>
+                <a:spcPts val="1000"/>
+              </a:spcAft>
+              <a:buClr>
+                <a:schemeClr val="tx1"/>
+              </a:buClr>
+              <a:buSzPct val="100000"/>
+              <a:buFont typeface="Arial"/>
+              <a:buChar char="•"/>
+              <a:defRPr sz="1200" kern="1200" cap="none">
+                <a:solidFill>
+                  <a:schemeClr val="tx1"/>
+                </a:solidFill>
+                <a:effectLst/>
+                <a:latin typeface="+mn-lt"/>
+                <a:ea typeface="+mn-ea"/>
+                <a:cs typeface="+mn-cs"/>
+              </a:defRPr>
+            </a:lvl4pPr>
+            <a:lvl5pPr marL="2000250" indent="-171450" algn="l" defTabSz="457200" rtl="0" eaLnBrk="1" latinLnBrk="0" hangingPunct="1">
+              <a:spcBef>
+                <a:spcPts val="0"/>
+              </a:spcBef>
+              <a:spcAft>
+                <a:spcPts val="1000"/>
+              </a:spcAft>
+              <a:buClr>
+                <a:schemeClr val="tx1"/>
+              </a:buClr>
+              <a:buSzPct val="100000"/>
+              <a:buFont typeface="Arial"/>
+              <a:buChar char="•"/>
+              <a:defRPr sz="1200" kern="1200" cap="none">
+                <a:solidFill>
+                  <a:schemeClr val="tx1"/>
+                </a:solidFill>
+                <a:effectLst/>
+                <a:latin typeface="+mn-lt"/>
+                <a:ea typeface="+mn-ea"/>
+                <a:cs typeface="+mn-cs"/>
+              </a:defRPr>
+            </a:lvl5pPr>
+            <a:lvl6pPr marL="2514600" indent="-228600" algn="l" defTabSz="457200" rtl="0" eaLnBrk="1" latinLnBrk="0" hangingPunct="1">
+              <a:spcBef>
+                <a:spcPts val="0"/>
+              </a:spcBef>
+              <a:spcAft>
+                <a:spcPts val="1000"/>
+              </a:spcAft>
+              <a:buClr>
+                <a:schemeClr val="tx1"/>
+              </a:buClr>
+              <a:buSzPct val="100000"/>
+              <a:buFont typeface="Arial"/>
+              <a:buChar char="•"/>
+              <a:defRPr sz="1200" kern="1200" cap="none">
+                <a:solidFill>
+                  <a:schemeClr val="tx1"/>
+                </a:solidFill>
+                <a:effectLst/>
+                <a:latin typeface="+mn-lt"/>
+                <a:ea typeface="+mn-ea"/>
+                <a:cs typeface="+mn-cs"/>
+              </a:defRPr>
+            </a:lvl6pPr>
+            <a:lvl7pPr marL="2971800" indent="-228600" algn="l" defTabSz="457200" rtl="0" eaLnBrk="1" latinLnBrk="0" hangingPunct="1">
+              <a:spcBef>
+                <a:spcPts val="0"/>
+              </a:spcBef>
+              <a:spcAft>
+                <a:spcPts val="1000"/>
+              </a:spcAft>
+              <a:buClr>
+                <a:schemeClr val="tx1"/>
+              </a:buClr>
+              <a:buSzPct val="100000"/>
+              <a:buFont typeface="Arial"/>
+              <a:buChar char="•"/>
+              <a:defRPr sz="1200" kern="1200" cap="none">
+                <a:solidFill>
+                  <a:schemeClr val="tx1"/>
+                </a:solidFill>
+                <a:effectLst/>
+                <a:latin typeface="+mn-lt"/>
+                <a:ea typeface="+mn-ea"/>
+                <a:cs typeface="+mn-cs"/>
+              </a:defRPr>
+            </a:lvl7pPr>
+            <a:lvl8pPr marL="3429000" indent="-228600" algn="l" defTabSz="457200" rtl="0" eaLnBrk="1" latinLnBrk="0" hangingPunct="1">
+              <a:spcBef>
+                <a:spcPts val="0"/>
+              </a:spcBef>
+              <a:spcAft>
+                <a:spcPts val="1000"/>
+              </a:spcAft>
+              <a:buClr>
+                <a:schemeClr val="tx1"/>
+              </a:buClr>
+              <a:buSzPct val="100000"/>
+              <a:buFont typeface="Arial"/>
+              <a:buChar char="•"/>
+              <a:defRPr sz="1200" kern="1200" cap="none">
+                <a:solidFill>
+                  <a:schemeClr val="tx1"/>
+                </a:solidFill>
+                <a:effectLst/>
+                <a:latin typeface="+mn-lt"/>
+                <a:ea typeface="+mn-ea"/>
+                <a:cs typeface="+mn-cs"/>
+              </a:defRPr>
+            </a:lvl8pPr>
+            <a:lvl9pPr marL="3886200" indent="-228600" algn="l" defTabSz="457200" rtl="0" eaLnBrk="1" latinLnBrk="0" hangingPunct="1">
+              <a:spcBef>
+                <a:spcPts val="0"/>
+              </a:spcBef>
+              <a:spcAft>
+                <a:spcPts val="1000"/>
+              </a:spcAft>
+              <a:buClr>
+                <a:schemeClr val="tx1"/>
+              </a:buClr>
+              <a:buSzPct val="100000"/>
+              <a:buFont typeface="Arial"/>
+              <a:buChar char="•"/>
+              <a:defRPr sz="1200" kern="1200" cap="none">
+                <a:solidFill>
+                  <a:schemeClr val="tx1"/>
+                </a:solidFill>
+                <a:effectLst/>
+                <a:latin typeface="+mn-lt"/>
+                <a:ea typeface="+mn-ea"/>
+                <a:cs typeface="+mn-cs"/>
+              </a:defRPr>
+            </a:lvl9pPr>
+          </a:lstStyle>
+          <a:p>
+            <a:pPr marL="0" indent="0">
+              <a:buNone/>
+            </a:pPr>
+            <a:r>
+              <a:rPr lang="en-MY" dirty="0"/>
+              <a:t>Use the above rule to define a function, which can recursive call and give a judgement one number is even or odd.</a:t>
+            </a:r>
+          </a:p>
+          <a:p>
+            <a:pPr marL="0" indent="0">
+              <a:buNone/>
+            </a:pPr>
+            <a:r>
+              <a:rPr lang="en-MY" dirty="0"/>
+              <a:t>Test your function.</a:t>
+            </a:r>
+          </a:p>
+        </p:txBody>
+      </p:sp>
+    </p:spTree>
+    <p:extLst>
+      <p:ext uri="{BB962C8B-B14F-4D97-AF65-F5344CB8AC3E}">
+        <p14:creationId xmlns:p14="http://schemas.microsoft.com/office/powerpoint/2010/main" val="3393176799"/>
+      </p:ext>
+    </p:extLst>
+  </p:cSld>
+  <p:clrMapOvr>
+    <a:masterClrMapping/>
+  </p:clrMapOvr>
+</p:sld>
+</file>
+
+<file path=ppt/slides/slide24.xml><?xml version="1.0" encoding="utf-8"?>
+<p:sld xmlns:a="http://schemas.openxmlformats.org/drawingml/2006/main" xmlns:r="http://schemas.openxmlformats.org/officeDocument/2006/relationships" xmlns:p="http://schemas.openxmlformats.org/presentationml/2006/main">
+  <p:cSld>
+    <p:spTree>
+      <p:nvGrpSpPr>
+        <p:cNvPr id="1" name=""/>
+        <p:cNvGrpSpPr/>
+        <p:nvPr/>
+      </p:nvGrpSpPr>
+      <p:grpSpPr>
+        <a:xfrm>
+          <a:off x="0" y="0"/>
+          <a:ext cx="0" cy="0"/>
+          <a:chOff x="0" y="0"/>
+          <a:chExt cx="0" cy="0"/>
+        </a:xfrm>
+      </p:grpSpPr>
+      <p:sp>
+        <p:nvSpPr>
+          <p:cNvPr id="2" name="标题 1">
+            <a:extLst>
+              <a:ext uri="{FF2B5EF4-FFF2-40B4-BE49-F238E27FC236}">
+                <a16:creationId xmlns:a16="http://schemas.microsoft.com/office/drawing/2014/main" id="{5EC01E2D-9CFE-4D5D-8863-3BA90731F07B}"/>
+              </a:ext>
+            </a:extLst>
+          </p:cNvPr>
+          <p:cNvSpPr>
+            <a:spLocks noGrp="1"/>
+          </p:cNvSpPr>
+          <p:nvPr>
+            <p:ph type="title"/>
+          </p:nvPr>
+        </p:nvSpPr>
+        <p:spPr/>
+        <p:txBody>
+          <a:bodyPr/>
+          <a:lstStyle/>
+          <a:p>
+            <a:r>
+              <a:rPr lang="en-US" dirty="0"/>
+              <a:t>Number puzzle</a:t>
+            </a:r>
+            <a:endParaRPr lang="en-MY" dirty="0"/>
+          </a:p>
+        </p:txBody>
+      </p:sp>
+      <p:sp>
+        <p:nvSpPr>
+          <p:cNvPr id="3" name="内容占位符 2">
+            <a:extLst>
+              <a:ext uri="{FF2B5EF4-FFF2-40B4-BE49-F238E27FC236}">
+                <a16:creationId xmlns:a16="http://schemas.microsoft.com/office/drawing/2014/main" id="{7060439F-2729-478E-B95F-230482B50AA1}"/>
+              </a:ext>
+            </a:extLst>
+          </p:cNvPr>
+          <p:cNvSpPr>
+            <a:spLocks noGrp="1"/>
+          </p:cNvSpPr>
+          <p:nvPr>
+            <p:ph idx="1"/>
+          </p:nvPr>
+        </p:nvSpPr>
+        <p:spPr>
+          <a:xfrm>
+            <a:off x="685800" y="2142067"/>
+            <a:ext cx="8986705" cy="2840750"/>
+          </a:xfrm>
+        </p:spPr>
+        <p:txBody>
+          <a:bodyPr anchor="t">
+            <a:normAutofit/>
+          </a:bodyPr>
+          <a:lstStyle/>
+          <a:p>
+            <a:pPr marL="0" indent="0">
+              <a:buNone/>
+            </a:pPr>
+            <a:r>
+              <a:rPr lang="en-MY" dirty="0"/>
+              <a:t>Number sequence.</a:t>
+            </a:r>
+          </a:p>
+          <a:p>
+            <a:r>
+              <a:rPr lang="en-MY" dirty="0"/>
+              <a:t>The first number is 1.</a:t>
+            </a:r>
+          </a:p>
+          <a:p>
+            <a:r>
+              <a:rPr lang="en-MY" dirty="0"/>
+              <a:t>The next number is calculated based on the previous number. You can either choose to multiply by 3, or choose to add by 5.</a:t>
+            </a:r>
+          </a:p>
+          <a:p>
+            <a:pPr lvl="1"/>
+            <a:endParaRPr lang="en-MY" dirty="0"/>
+          </a:p>
+          <a:p>
+            <a:pPr lvl="1"/>
+            <a:endParaRPr lang="en-MY" dirty="0"/>
+          </a:p>
+        </p:txBody>
+      </p:sp>
+      <mc:AlternateContent xmlns:mc="http://schemas.openxmlformats.org/markup-compatibility/2006" xmlns:p14="http://schemas.microsoft.com/office/powerpoint/2010/main">
+        <mc:Choice Requires="p14">
+          <p:contentPart p14:bwMode="auto" r:id="rId2">
+            <p14:nvContentPartPr>
+              <p14:cNvPr id="4" name="Ink 3">
+                <a:extLst>
+                  <a:ext uri="{FF2B5EF4-FFF2-40B4-BE49-F238E27FC236}">
+                    <a16:creationId xmlns:a16="http://schemas.microsoft.com/office/drawing/2014/main" id="{CCA4BA79-7207-46F9-81D1-051637F90D5A}"/>
+                  </a:ext>
+                </a:extLst>
+              </p14:cNvPr>
+              <p14:cNvContentPartPr/>
+              <p14:nvPr/>
+            </p14:nvContentPartPr>
+            <p14:xfrm>
+              <a:off x="1715245" y="1921987"/>
+              <a:ext cx="13680" cy="2520"/>
+            </p14:xfrm>
+          </p:contentPart>
+        </mc:Choice>
+        <mc:Fallback xmlns="">
+          <p:pic>
+            <p:nvPicPr>
+              <p:cNvPr id="4" name="Ink 3">
+                <a:extLst>
+                  <a:ext uri="{FF2B5EF4-FFF2-40B4-BE49-F238E27FC236}">
+                    <a16:creationId xmlns:a16="http://schemas.microsoft.com/office/drawing/2014/main" id="{CCA4BA79-7207-46F9-81D1-051637F90D5A}"/>
+                  </a:ext>
+                </a:extLst>
+              </p:cNvPr>
+              <p:cNvPicPr/>
+              <p:nvPr/>
+            </p:nvPicPr>
+            <p:blipFill>
+              <a:blip r:embed="rId3"/>
+              <a:stretch>
+                <a:fillRect/>
+              </a:stretch>
+            </p:blipFill>
+            <p:spPr>
+              <a:xfrm>
+                <a:off x="1706605" y="1913347"/>
+                <a:ext cx="31320" cy="20160"/>
+              </a:xfrm>
+              <a:prstGeom prst="rect">
+                <a:avLst/>
+              </a:prstGeom>
+            </p:spPr>
+          </p:pic>
+        </mc:Fallback>
+      </mc:AlternateContent>
+      <p:sp>
+        <p:nvSpPr>
+          <p:cNvPr id="5" name="内容占位符 2">
+            <a:extLst>
+              <a:ext uri="{FF2B5EF4-FFF2-40B4-BE49-F238E27FC236}">
+                <a16:creationId xmlns:a16="http://schemas.microsoft.com/office/drawing/2014/main" id="{614AC9D6-6BB4-4F70-B628-3A5C7883FE27}"/>
+              </a:ext>
+            </a:extLst>
+          </p:cNvPr>
+          <p:cNvSpPr txBox="1">
+            <a:spLocks/>
+          </p:cNvSpPr>
+          <p:nvPr/>
+        </p:nvSpPr>
+        <p:spPr>
+          <a:xfrm>
+            <a:off x="685799" y="4056156"/>
+            <a:ext cx="7568967" cy="1262221"/>
+          </a:xfrm>
+          <a:prstGeom prst="rect">
+            <a:avLst/>
+          </a:prstGeom>
+        </p:spPr>
+        <p:txBody>
+          <a:bodyPr vert="horz" lIns="91440" tIns="45720" rIns="91440" bIns="45720" rtlCol="0" anchor="t">
+            <a:normAutofit/>
+          </a:bodyPr>
+          <a:lstStyle>
+            <a:lvl1pPr marL="285750" indent="-285750" algn="l" defTabSz="457200" rtl="0" eaLnBrk="1" latinLnBrk="0" hangingPunct="1">
+              <a:spcBef>
+                <a:spcPts val="0"/>
+              </a:spcBef>
+              <a:spcAft>
+                <a:spcPts val="1000"/>
+              </a:spcAft>
+              <a:buClr>
+                <a:schemeClr val="tx1"/>
+              </a:buClr>
+              <a:buSzPct val="100000"/>
+              <a:buFont typeface="Arial"/>
+              <a:buChar char="•"/>
+              <a:defRPr sz="1800" kern="1200" cap="none">
+                <a:solidFill>
+                  <a:schemeClr val="tx1"/>
+                </a:solidFill>
+                <a:effectLst/>
+                <a:latin typeface="+mn-lt"/>
+                <a:ea typeface="+mn-ea"/>
+                <a:cs typeface="+mn-cs"/>
+              </a:defRPr>
+            </a:lvl1pPr>
+            <a:lvl2pPr marL="742950" indent="-285750" algn="l" defTabSz="457200" rtl="0" eaLnBrk="1" latinLnBrk="0" hangingPunct="1">
+              <a:spcBef>
+                <a:spcPts val="0"/>
+              </a:spcBef>
+              <a:spcAft>
+                <a:spcPts val="1000"/>
+              </a:spcAft>
+              <a:buClr>
+                <a:schemeClr val="tx1"/>
+              </a:buClr>
+              <a:buSzPct val="100000"/>
+              <a:buFont typeface="Arial"/>
+              <a:buChar char="•"/>
+              <a:defRPr sz="1600" kern="1200" cap="none">
+                <a:solidFill>
+                  <a:schemeClr val="tx1"/>
+                </a:solidFill>
+                <a:effectLst/>
+                <a:latin typeface="+mn-lt"/>
+                <a:ea typeface="+mn-ea"/>
+                <a:cs typeface="+mn-cs"/>
+              </a:defRPr>
+            </a:lvl2pPr>
+            <a:lvl3pPr marL="1200150" indent="-285750" algn="l" defTabSz="457200" rtl="0" eaLnBrk="1" latinLnBrk="0" hangingPunct="1">
+              <a:spcBef>
+                <a:spcPts val="0"/>
+              </a:spcBef>
+              <a:spcAft>
+                <a:spcPts val="1000"/>
+              </a:spcAft>
+              <a:buClr>
+                <a:schemeClr val="tx1"/>
+              </a:buClr>
+              <a:buSzPct val="100000"/>
+              <a:buFont typeface="Arial"/>
+              <a:buChar char="•"/>
+              <a:defRPr sz="1400" kern="1200" cap="none">
+                <a:solidFill>
+                  <a:schemeClr val="tx1"/>
+                </a:solidFill>
+                <a:effectLst/>
+                <a:latin typeface="+mn-lt"/>
+                <a:ea typeface="+mn-ea"/>
+                <a:cs typeface="+mn-cs"/>
+              </a:defRPr>
+            </a:lvl3pPr>
+            <a:lvl4pPr marL="1543050" indent="-171450" algn="l" defTabSz="457200" rtl="0" eaLnBrk="1" latinLnBrk="0" hangingPunct="1">
+              <a:spcBef>
+                <a:spcPts val="0"/>
+              </a:spcBef>
+              <a:spcAft>
+                <a:spcPts val="1000"/>
+              </a:spcAft>
+              <a:buClr>
+                <a:schemeClr val="tx1"/>
+              </a:buClr>
+              <a:buSzPct val="100000"/>
+              <a:buFont typeface="Arial"/>
+              <a:buChar char="•"/>
+              <a:defRPr sz="1200" kern="1200" cap="none">
+                <a:solidFill>
+                  <a:schemeClr val="tx1"/>
+                </a:solidFill>
+                <a:effectLst/>
+                <a:latin typeface="+mn-lt"/>
+                <a:ea typeface="+mn-ea"/>
+                <a:cs typeface="+mn-cs"/>
+              </a:defRPr>
+            </a:lvl4pPr>
+            <a:lvl5pPr marL="2000250" indent="-171450" algn="l" defTabSz="457200" rtl="0" eaLnBrk="1" latinLnBrk="0" hangingPunct="1">
+              <a:spcBef>
+                <a:spcPts val="0"/>
+              </a:spcBef>
+              <a:spcAft>
+                <a:spcPts val="1000"/>
+              </a:spcAft>
+              <a:buClr>
+                <a:schemeClr val="tx1"/>
+              </a:buClr>
+              <a:buSzPct val="100000"/>
+              <a:buFont typeface="Arial"/>
+              <a:buChar char="•"/>
+              <a:defRPr sz="1200" kern="1200" cap="none">
+                <a:solidFill>
+                  <a:schemeClr val="tx1"/>
+                </a:solidFill>
+                <a:effectLst/>
+                <a:latin typeface="+mn-lt"/>
+                <a:ea typeface="+mn-ea"/>
+                <a:cs typeface="+mn-cs"/>
+              </a:defRPr>
+            </a:lvl5pPr>
+            <a:lvl6pPr marL="2514600" indent="-228600" algn="l" defTabSz="457200" rtl="0" eaLnBrk="1" latinLnBrk="0" hangingPunct="1">
+              <a:spcBef>
+                <a:spcPts val="0"/>
+              </a:spcBef>
+              <a:spcAft>
+                <a:spcPts val="1000"/>
+              </a:spcAft>
+              <a:buClr>
+                <a:schemeClr val="tx1"/>
+              </a:buClr>
+              <a:buSzPct val="100000"/>
+              <a:buFont typeface="Arial"/>
+              <a:buChar char="•"/>
+              <a:defRPr sz="1200" kern="1200" cap="none">
+                <a:solidFill>
+                  <a:schemeClr val="tx1"/>
+                </a:solidFill>
+                <a:effectLst/>
+                <a:latin typeface="+mn-lt"/>
+                <a:ea typeface="+mn-ea"/>
+                <a:cs typeface="+mn-cs"/>
+              </a:defRPr>
+            </a:lvl6pPr>
+            <a:lvl7pPr marL="2971800" indent="-228600" algn="l" defTabSz="457200" rtl="0" eaLnBrk="1" latinLnBrk="0" hangingPunct="1">
+              <a:spcBef>
+                <a:spcPts val="0"/>
+              </a:spcBef>
+              <a:spcAft>
+                <a:spcPts val="1000"/>
+              </a:spcAft>
+              <a:buClr>
+                <a:schemeClr val="tx1"/>
+              </a:buClr>
+              <a:buSzPct val="100000"/>
+              <a:buFont typeface="Arial"/>
+              <a:buChar char="•"/>
+              <a:defRPr sz="1200" kern="1200" cap="none">
+                <a:solidFill>
+                  <a:schemeClr val="tx1"/>
+                </a:solidFill>
+                <a:effectLst/>
+                <a:latin typeface="+mn-lt"/>
+                <a:ea typeface="+mn-ea"/>
+                <a:cs typeface="+mn-cs"/>
+              </a:defRPr>
+            </a:lvl7pPr>
+            <a:lvl8pPr marL="3429000" indent="-228600" algn="l" defTabSz="457200" rtl="0" eaLnBrk="1" latinLnBrk="0" hangingPunct="1">
+              <a:spcBef>
+                <a:spcPts val="0"/>
+              </a:spcBef>
+              <a:spcAft>
+                <a:spcPts val="1000"/>
+              </a:spcAft>
+              <a:buClr>
+                <a:schemeClr val="tx1"/>
+              </a:buClr>
+              <a:buSzPct val="100000"/>
+              <a:buFont typeface="Arial"/>
+              <a:buChar char="•"/>
+              <a:defRPr sz="1200" kern="1200" cap="none">
+                <a:solidFill>
+                  <a:schemeClr val="tx1"/>
+                </a:solidFill>
+                <a:effectLst/>
+                <a:latin typeface="+mn-lt"/>
+                <a:ea typeface="+mn-ea"/>
+                <a:cs typeface="+mn-cs"/>
+              </a:defRPr>
+            </a:lvl8pPr>
+            <a:lvl9pPr marL="3886200" indent="-228600" algn="l" defTabSz="457200" rtl="0" eaLnBrk="1" latinLnBrk="0" hangingPunct="1">
+              <a:spcBef>
+                <a:spcPts val="0"/>
+              </a:spcBef>
+              <a:spcAft>
+                <a:spcPts val="1000"/>
+              </a:spcAft>
+              <a:buClr>
+                <a:schemeClr val="tx1"/>
+              </a:buClr>
+              <a:buSzPct val="100000"/>
+              <a:buFont typeface="Arial"/>
+              <a:buChar char="•"/>
+              <a:defRPr sz="1200" kern="1200" cap="none">
+                <a:solidFill>
+                  <a:schemeClr val="tx1"/>
+                </a:solidFill>
+                <a:effectLst/>
+                <a:latin typeface="+mn-lt"/>
+                <a:ea typeface="+mn-ea"/>
+                <a:cs typeface="+mn-cs"/>
+              </a:defRPr>
+            </a:lvl9pPr>
+          </a:lstStyle>
+          <a:p>
+            <a:pPr marL="0" indent="0">
+              <a:buNone/>
+            </a:pPr>
+            <a:r>
+              <a:rPr lang="en-MY" dirty="0"/>
+              <a:t>Now give a number, can you make a program to judge if this number is inside one of the above sequence? If it is can you find a sequence which can produce this number?</a:t>
+            </a:r>
+          </a:p>
+        </p:txBody>
+      </p:sp>
+    </p:spTree>
+    <p:extLst>
+      <p:ext uri="{BB962C8B-B14F-4D97-AF65-F5344CB8AC3E}">
+        <p14:creationId xmlns:p14="http://schemas.microsoft.com/office/powerpoint/2010/main" val="2622198170"/>
+      </p:ext>
+    </p:extLst>
+  </p:cSld>
+  <p:clrMapOvr>
+    <a:masterClrMapping/>
+  </p:clrMapOvr>
+</p:sld>
+</file>
+
+<file path=ppt/slides/slide25.xml><?xml version="1.0" encoding="utf-8"?>
+<p:sld xmlns:a="http://schemas.openxmlformats.org/drawingml/2006/main" xmlns:r="http://schemas.openxmlformats.org/officeDocument/2006/relationships" xmlns:p="http://schemas.openxmlformats.org/presentationml/2006/main">
+  <p:cSld>
+    <p:spTree>
+      <p:nvGrpSpPr>
+        <p:cNvPr id="1" name=""/>
+        <p:cNvGrpSpPr/>
+        <p:nvPr/>
+      </p:nvGrpSpPr>
+      <p:grpSpPr>
+        <a:xfrm>
+          <a:off x="0" y="0"/>
+          <a:ext cx="0" cy="0"/>
+          <a:chOff x="0" y="0"/>
+          <a:chExt cx="0" cy="0"/>
+        </a:xfrm>
+      </p:grpSpPr>
+      <p:sp>
+        <p:nvSpPr>
+          <p:cNvPr id="2" name="Title 1">
+            <a:extLst>
+              <a:ext uri="{FF2B5EF4-FFF2-40B4-BE49-F238E27FC236}">
+                <a16:creationId xmlns:a16="http://schemas.microsoft.com/office/drawing/2014/main" id="{1D96A6DA-85CC-438D-8FE1-8BDC8C1BE0D2}"/>
+              </a:ext>
+            </a:extLst>
+          </p:cNvPr>
+          <p:cNvSpPr>
+            <a:spLocks noGrp="1"/>
+          </p:cNvSpPr>
+          <p:nvPr>
+            <p:ph type="title"/>
+          </p:nvPr>
+        </p:nvSpPr>
+        <p:spPr/>
+        <p:txBody>
+          <a:bodyPr/>
+          <a:lstStyle/>
+          <a:p>
+            <a:r>
+              <a:rPr lang="en-US" dirty="0" err="1"/>
+              <a:t>nestsum</a:t>
+            </a:r>
+            <a:endParaRPr lang="en-MY" dirty="0"/>
+          </a:p>
+        </p:txBody>
+      </p:sp>
+      <p:sp>
+        <p:nvSpPr>
+          <p:cNvPr id="3" name="Content Placeholder 2">
+            <a:extLst>
+              <a:ext uri="{FF2B5EF4-FFF2-40B4-BE49-F238E27FC236}">
+                <a16:creationId xmlns:a16="http://schemas.microsoft.com/office/drawing/2014/main" id="{74CF7FC6-65F6-4325-8DB2-4EB46244F474}"/>
+              </a:ext>
+            </a:extLst>
+          </p:cNvPr>
+          <p:cNvSpPr>
+            <a:spLocks noGrp="1"/>
+          </p:cNvSpPr>
+          <p:nvPr>
+            <p:ph idx="1"/>
+          </p:nvPr>
+        </p:nvSpPr>
+        <p:spPr/>
+        <p:txBody>
+          <a:bodyPr anchor="t"/>
+          <a:lstStyle/>
+          <a:p>
+            <a:r>
+              <a:rPr lang="en-US" dirty="0"/>
+              <a:t>Create a function called </a:t>
+            </a:r>
+            <a:r>
+              <a:rPr lang="en-US" i="1" dirty="0" err="1"/>
+              <a:t>nestsum</a:t>
+            </a:r>
+            <a:r>
+              <a:rPr lang="en-US" i="1" dirty="0"/>
+              <a:t>.</a:t>
+            </a:r>
+          </a:p>
+          <a:p>
+            <a:r>
+              <a:rPr lang="en-US" dirty="0"/>
+              <a:t>The function takes a list and if the list has nested lists, will sum over all of them (nested lists) and calculate the sum of all items.</a:t>
+            </a:r>
+            <a:endParaRPr lang="en-MY" dirty="0"/>
+          </a:p>
+        </p:txBody>
+      </p:sp>
+    </p:spTree>
+    <p:extLst>
+      <p:ext uri="{BB962C8B-B14F-4D97-AF65-F5344CB8AC3E}">
+        <p14:creationId xmlns:p14="http://schemas.microsoft.com/office/powerpoint/2010/main" val="901693000"/>
+      </p:ext>
+    </p:extLst>
+  </p:cSld>
+  <p:clrMapOvr>
+    <a:masterClrMapping/>
+  </p:clrMapOvr>
+</p:sld>
+</file>
+
+<file path=ppt/slides/slide26.xml><?xml version="1.0" encoding="utf-8"?>
+<p:sld xmlns:a="http://schemas.openxmlformats.org/drawingml/2006/main" xmlns:r="http://schemas.openxmlformats.org/officeDocument/2006/relationships" xmlns:p="http://schemas.openxmlformats.org/presentationml/2006/main">
+  <p:cSld>
+    <p:spTree>
+      <p:nvGrpSpPr>
+        <p:cNvPr id="1" name=""/>
+        <p:cNvGrpSpPr/>
+        <p:nvPr/>
+      </p:nvGrpSpPr>
+      <p:grpSpPr>
+        <a:xfrm>
+          <a:off x="0" y="0"/>
+          <a:ext cx="0" cy="0"/>
+          <a:chOff x="0" y="0"/>
+          <a:chExt cx="0" cy="0"/>
+        </a:xfrm>
+      </p:grpSpPr>
+      <p:sp>
+        <p:nvSpPr>
+          <p:cNvPr id="2" name="Title 1">
+            <a:extLst>
+              <a:ext uri="{FF2B5EF4-FFF2-40B4-BE49-F238E27FC236}">
+                <a16:creationId xmlns:a16="http://schemas.microsoft.com/office/drawing/2014/main" id="{EC71ABA6-910F-483E-9A59-2AFDE95B810B}"/>
+              </a:ext>
+            </a:extLst>
+          </p:cNvPr>
+          <p:cNvSpPr>
+            <a:spLocks noGrp="1"/>
+          </p:cNvSpPr>
+          <p:nvPr>
+            <p:ph type="title"/>
+          </p:nvPr>
+        </p:nvSpPr>
+        <p:spPr/>
+        <p:txBody>
+          <a:bodyPr/>
+          <a:lstStyle/>
+          <a:p>
+            <a:r>
+              <a:rPr lang="en-US" dirty="0"/>
+              <a:t>File operation</a:t>
+            </a:r>
+            <a:endParaRPr lang="en-MY" dirty="0"/>
+          </a:p>
+        </p:txBody>
+      </p:sp>
+      <p:sp>
+        <p:nvSpPr>
+          <p:cNvPr id="3" name="Content Placeholder 2">
+            <a:extLst>
+              <a:ext uri="{FF2B5EF4-FFF2-40B4-BE49-F238E27FC236}">
+                <a16:creationId xmlns:a16="http://schemas.microsoft.com/office/drawing/2014/main" id="{8FD44926-CEEF-4AD2-83D6-68188F133F6D}"/>
+              </a:ext>
+            </a:extLst>
+          </p:cNvPr>
+          <p:cNvSpPr>
+            <a:spLocks noGrp="1"/>
+          </p:cNvSpPr>
+          <p:nvPr>
+            <p:ph idx="1"/>
+          </p:nvPr>
+        </p:nvSpPr>
+        <p:spPr>
+          <a:xfrm>
+            <a:off x="685801" y="1935872"/>
+            <a:ext cx="10131425" cy="4106333"/>
+          </a:xfrm>
+        </p:spPr>
+        <p:txBody>
+          <a:bodyPr anchor="t">
+            <a:normAutofit fontScale="92500" lnSpcReduction="10000"/>
+          </a:bodyPr>
+          <a:lstStyle/>
+          <a:p>
+            <a:r>
+              <a:rPr lang="en-US" dirty="0"/>
+              <a:t>You have many files, each file contains synonyms for one word. For example, for word ‘educate’, the file ‘educate.txt’ will have all synonyms for it, and is ordered in line, each line start with one letter.</a:t>
+            </a:r>
+          </a:p>
+          <a:p>
+            <a:pPr lvl="1"/>
+            <a:r>
+              <a:rPr lang="en-MY" dirty="0"/>
+              <a:t>Inside educate.txt:</a:t>
+            </a:r>
+          </a:p>
+          <a:p>
+            <a:pPr lvl="1"/>
+            <a:endParaRPr lang="en-MY" dirty="0"/>
+          </a:p>
+          <a:p>
+            <a:pPr lvl="1"/>
+            <a:endParaRPr lang="en-MY" dirty="0"/>
+          </a:p>
+          <a:p>
+            <a:pPr lvl="1"/>
+            <a:endParaRPr lang="en-MY" dirty="0"/>
+          </a:p>
+          <a:p>
+            <a:pPr lvl="1"/>
+            <a:endParaRPr lang="en-MY" dirty="0"/>
+          </a:p>
+          <a:p>
+            <a:pPr lvl="1"/>
+            <a:endParaRPr lang="en-MY" dirty="0"/>
+          </a:p>
+          <a:p>
+            <a:pPr lvl="1"/>
+            <a:endParaRPr lang="en-MY" dirty="0"/>
+          </a:p>
+          <a:p>
+            <a:r>
+              <a:rPr lang="en-MY" dirty="0"/>
+              <a:t>When input:</a:t>
+            </a:r>
+          </a:p>
+          <a:p>
+            <a:endParaRPr lang="en-MY" dirty="0"/>
+          </a:p>
+          <a:p>
+            <a:r>
+              <a:rPr lang="en-MY" dirty="0"/>
+              <a:t>Program will output:</a:t>
+            </a:r>
+          </a:p>
+        </p:txBody>
+      </p:sp>
+      <p:sp>
+        <p:nvSpPr>
+          <p:cNvPr id="4" name="TextBox 3">
+            <a:extLst>
+              <a:ext uri="{FF2B5EF4-FFF2-40B4-BE49-F238E27FC236}">
+                <a16:creationId xmlns:a16="http://schemas.microsoft.com/office/drawing/2014/main" id="{A3B714FD-E640-4E6A-8077-A1DE4642A578}"/>
+              </a:ext>
+            </a:extLst>
+          </p:cNvPr>
+          <p:cNvSpPr txBox="1"/>
+          <p:nvPr/>
+        </p:nvSpPr>
+        <p:spPr>
+          <a:xfrm>
+            <a:off x="2543652" y="2849721"/>
+            <a:ext cx="5040489" cy="1938992"/>
+          </a:xfrm>
+          <a:prstGeom prst="rect">
+            <a:avLst/>
+          </a:prstGeom>
+          <a:solidFill>
+            <a:schemeClr val="tx1">
+              <a:lumMod val="85000"/>
+            </a:schemeClr>
+          </a:solidFill>
+        </p:spPr>
+        <p:txBody>
+          <a:bodyPr wrap="square" rtlCol="0">
+            <a:spAutoFit/>
+          </a:bodyPr>
+          <a:lstStyle/>
+          <a:p>
+            <a:r>
+              <a:rPr lang="en-US" sz="1200" dirty="0">
+                <a:solidFill>
+                  <a:schemeClr val="bg1"/>
+                </a:solidFill>
+                <a:latin typeface="Cascadia Mono SemiBold" panose="020B0609020000020004" pitchFamily="49" charset="0"/>
+                <a:ea typeface="Cascadia Mono SemiBold" panose="020B0609020000020004" pitchFamily="49" charset="0"/>
+                <a:cs typeface="Cascadia Mono SemiBold" panose="020B0609020000020004" pitchFamily="49" charset="0"/>
+              </a:rPr>
+              <a:t>better </a:t>
+            </a:r>
+          </a:p>
+          <a:p>
+            <a:r>
+              <a:rPr lang="en-US" sz="1200" dirty="0">
+                <a:solidFill>
+                  <a:schemeClr val="bg1"/>
+                </a:solidFill>
+                <a:latin typeface="Cascadia Mono SemiBold" panose="020B0609020000020004" pitchFamily="49" charset="0"/>
+                <a:ea typeface="Cascadia Mono SemiBold" panose="020B0609020000020004" pitchFamily="49" charset="0"/>
+                <a:cs typeface="Cascadia Mono SemiBold" panose="020B0609020000020004" pitchFamily="49" charset="0"/>
+              </a:rPr>
+              <a:t>coach cultivate</a:t>
+            </a:r>
+          </a:p>
+          <a:p>
+            <a:r>
+              <a:rPr lang="en-US" sz="1200" dirty="0">
+                <a:solidFill>
+                  <a:schemeClr val="bg1"/>
+                </a:solidFill>
+                <a:latin typeface="Cascadia Mono SemiBold" panose="020B0609020000020004" pitchFamily="49" charset="0"/>
+                <a:ea typeface="Cascadia Mono SemiBold" panose="020B0609020000020004" pitchFamily="49" charset="0"/>
+                <a:cs typeface="Cascadia Mono SemiBold" panose="020B0609020000020004" pitchFamily="49" charset="0"/>
+              </a:rPr>
+              <a:t>drill develop</a:t>
+            </a:r>
+          </a:p>
+          <a:p>
+            <a:r>
+              <a:rPr lang="en-US" sz="1200" dirty="0">
+                <a:solidFill>
+                  <a:schemeClr val="bg1"/>
+                </a:solidFill>
+                <a:latin typeface="Cascadia Mono SemiBold" panose="020B0609020000020004" pitchFamily="49" charset="0"/>
+                <a:ea typeface="Cascadia Mono SemiBold" panose="020B0609020000020004" pitchFamily="49" charset="0"/>
+                <a:cs typeface="Cascadia Mono SemiBold" panose="020B0609020000020004" pitchFamily="49" charset="0"/>
+              </a:rPr>
+              <a:t>enlighten edify elevate</a:t>
+            </a:r>
+          </a:p>
+          <a:p>
+            <a:r>
+              <a:rPr lang="en-US" sz="1200" dirty="0">
+                <a:solidFill>
+                  <a:schemeClr val="bg1"/>
+                </a:solidFill>
+                <a:latin typeface="Cascadia Mono SemiBold" panose="020B0609020000020004" pitchFamily="49" charset="0"/>
+                <a:ea typeface="Cascadia Mono SemiBold" panose="020B0609020000020004" pitchFamily="49" charset="0"/>
+                <a:cs typeface="Cascadia Mono SemiBold" panose="020B0609020000020004" pitchFamily="49" charset="0"/>
+              </a:rPr>
+              <a:t>guide</a:t>
+            </a:r>
+          </a:p>
+          <a:p>
+            <a:r>
+              <a:rPr lang="en-US" sz="1200" dirty="0">
+                <a:solidFill>
+                  <a:schemeClr val="bg1"/>
+                </a:solidFill>
+                <a:latin typeface="Cascadia Mono SemiBold" panose="020B0609020000020004" pitchFamily="49" charset="0"/>
+                <a:ea typeface="Cascadia Mono SemiBold" panose="020B0609020000020004" pitchFamily="49" charset="0"/>
+                <a:cs typeface="Cascadia Mono SemiBold" panose="020B0609020000020004" pitchFamily="49" charset="0"/>
+              </a:rPr>
+              <a:t>instruct inform inculcate indoctrinate improve</a:t>
+            </a:r>
+          </a:p>
+          <a:p>
+            <a:r>
+              <a:rPr lang="en-US" sz="1200" dirty="0">
+                <a:solidFill>
+                  <a:schemeClr val="bg1"/>
+                </a:solidFill>
+                <a:latin typeface="Cascadia Mono SemiBold" panose="020B0609020000020004" pitchFamily="49" charset="0"/>
+                <a:ea typeface="Cascadia Mono SemiBold" panose="020B0609020000020004" pitchFamily="49" charset="0"/>
+                <a:cs typeface="Cascadia Mono SemiBold" panose="020B0609020000020004" pitchFamily="49" charset="0"/>
+              </a:rPr>
+              <a:t>prepare prime</a:t>
+            </a:r>
+          </a:p>
+          <a:p>
+            <a:r>
+              <a:rPr lang="en-US" sz="1200" dirty="0">
+                <a:solidFill>
+                  <a:schemeClr val="bg1"/>
+                </a:solidFill>
+                <a:latin typeface="Cascadia Mono SemiBold" panose="020B0609020000020004" pitchFamily="49" charset="0"/>
+                <a:ea typeface="Cascadia Mono SemiBold" panose="020B0609020000020004" pitchFamily="49" charset="0"/>
+                <a:cs typeface="Cascadia Mono SemiBold" panose="020B0609020000020004" pitchFamily="49" charset="0"/>
+              </a:rPr>
+              <a:t>school </a:t>
+            </a:r>
+          </a:p>
+          <a:p>
+            <a:r>
+              <a:rPr lang="en-US" sz="1200" dirty="0">
+                <a:solidFill>
+                  <a:schemeClr val="bg1"/>
+                </a:solidFill>
+                <a:latin typeface="Cascadia Mono SemiBold" panose="020B0609020000020004" pitchFamily="49" charset="0"/>
+                <a:ea typeface="Cascadia Mono SemiBold" panose="020B0609020000020004" pitchFamily="49" charset="0"/>
+                <a:cs typeface="Cascadia Mono SemiBold" panose="020B0609020000020004" pitchFamily="49" charset="0"/>
+              </a:rPr>
+              <a:t>teach tutor train </a:t>
+            </a:r>
+          </a:p>
+          <a:p>
+            <a:r>
+              <a:rPr lang="en-US" sz="1200" dirty="0">
+                <a:solidFill>
+                  <a:schemeClr val="bg1"/>
+                </a:solidFill>
+                <a:latin typeface="Cascadia Mono SemiBold" panose="020B0609020000020004" pitchFamily="49" charset="0"/>
+                <a:ea typeface="Cascadia Mono SemiBold" panose="020B0609020000020004" pitchFamily="49" charset="0"/>
+                <a:cs typeface="Cascadia Mono SemiBold" panose="020B0609020000020004" pitchFamily="49" charset="0"/>
+              </a:rPr>
+              <a:t>upskill uplift</a:t>
+            </a:r>
+          </a:p>
+        </p:txBody>
+      </p:sp>
+      <p:sp>
+        <p:nvSpPr>
+          <p:cNvPr id="5" name="TextBox 4">
+            <a:extLst>
+              <a:ext uri="{FF2B5EF4-FFF2-40B4-BE49-F238E27FC236}">
+                <a16:creationId xmlns:a16="http://schemas.microsoft.com/office/drawing/2014/main" id="{5AD5EF5E-350F-4D34-9856-640E3A01D18B}"/>
+              </a:ext>
+            </a:extLst>
+          </p:cNvPr>
+          <p:cNvSpPr txBox="1"/>
+          <p:nvPr/>
+        </p:nvSpPr>
+        <p:spPr>
+          <a:xfrm>
+            <a:off x="2274711" y="5055039"/>
+            <a:ext cx="1902842" cy="461665"/>
+          </a:xfrm>
+          <a:prstGeom prst="rect">
+            <a:avLst/>
+          </a:prstGeom>
+          <a:solidFill>
+            <a:schemeClr val="tx1">
+              <a:lumMod val="85000"/>
+            </a:schemeClr>
+          </a:solidFill>
+        </p:spPr>
+        <p:txBody>
+          <a:bodyPr wrap="square" rtlCol="0">
+            <a:spAutoFit/>
+          </a:bodyPr>
+          <a:lstStyle/>
+          <a:p>
+            <a:r>
+              <a:rPr lang="en-US" sz="1200" dirty="0">
+                <a:solidFill>
+                  <a:schemeClr val="bg1"/>
+                </a:solidFill>
+                <a:latin typeface="Cascadia Mono SemiBold" panose="020B0609020000020004" pitchFamily="49" charset="0"/>
+                <a:ea typeface="Cascadia Mono SemiBold" panose="020B0609020000020004" pitchFamily="49" charset="0"/>
+                <a:cs typeface="Cascadia Mono SemiBold" panose="020B0609020000020004" pitchFamily="49" charset="0"/>
+              </a:rPr>
+              <a:t>educate </a:t>
+            </a:r>
+          </a:p>
+          <a:p>
+            <a:r>
+              <a:rPr lang="en-US" sz="1200" dirty="0">
+                <a:solidFill>
+                  <a:schemeClr val="bg1"/>
+                </a:solidFill>
+                <a:latin typeface="Cascadia Mono SemiBold" panose="020B0609020000020004" pitchFamily="49" charset="0"/>
+                <a:ea typeface="Cascadia Mono SemiBold" panose="020B0609020000020004" pitchFamily="49" charset="0"/>
+                <a:cs typeface="Cascadia Mono SemiBold" panose="020B0609020000020004" pitchFamily="49" charset="0"/>
+              </a:rPr>
+              <a:t>c</a:t>
+            </a:r>
+          </a:p>
+        </p:txBody>
+      </p:sp>
+      <p:sp>
+        <p:nvSpPr>
+          <p:cNvPr id="6" name="TextBox 5">
+            <a:extLst>
+              <a:ext uri="{FF2B5EF4-FFF2-40B4-BE49-F238E27FC236}">
+                <a16:creationId xmlns:a16="http://schemas.microsoft.com/office/drawing/2014/main" id="{3596E7FF-EDF5-4508-A5D4-02A9AD81A616}"/>
+              </a:ext>
+            </a:extLst>
+          </p:cNvPr>
+          <p:cNvSpPr txBox="1"/>
+          <p:nvPr/>
+        </p:nvSpPr>
+        <p:spPr>
+          <a:xfrm>
+            <a:off x="2274711" y="6022292"/>
+            <a:ext cx="1902842" cy="276999"/>
+          </a:xfrm>
+          <a:prstGeom prst="rect">
+            <a:avLst/>
+          </a:prstGeom>
+          <a:solidFill>
+            <a:schemeClr val="tx1">
+              <a:lumMod val="85000"/>
+            </a:schemeClr>
+          </a:solidFill>
+        </p:spPr>
+        <p:txBody>
+          <a:bodyPr wrap="square" rtlCol="0">
+            <a:spAutoFit/>
+          </a:bodyPr>
+          <a:lstStyle/>
+          <a:p>
+            <a:r>
+              <a:rPr lang="en-US" sz="1200" dirty="0">
+                <a:solidFill>
+                  <a:schemeClr val="bg1"/>
+                </a:solidFill>
+                <a:latin typeface="Cascadia Mono SemiBold" panose="020B0609020000020004" pitchFamily="49" charset="0"/>
+                <a:ea typeface="Cascadia Mono SemiBold" panose="020B0609020000020004" pitchFamily="49" charset="0"/>
+                <a:cs typeface="Cascadia Mono SemiBold" panose="020B0609020000020004" pitchFamily="49" charset="0"/>
+              </a:rPr>
+              <a:t>coach cultivate</a:t>
+            </a:r>
+          </a:p>
+        </p:txBody>
+      </p:sp>
+      <p:sp>
+        <p:nvSpPr>
+          <p:cNvPr id="7" name="TextBox 6">
+            <a:extLst>
+              <a:ext uri="{FF2B5EF4-FFF2-40B4-BE49-F238E27FC236}">
+                <a16:creationId xmlns:a16="http://schemas.microsoft.com/office/drawing/2014/main" id="{6C147896-6B93-495E-8659-AE6A58AF2229}"/>
+              </a:ext>
+            </a:extLst>
+          </p:cNvPr>
+          <p:cNvSpPr txBox="1"/>
+          <p:nvPr/>
+        </p:nvSpPr>
+        <p:spPr>
+          <a:xfrm>
+            <a:off x="5959205" y="5055039"/>
+            <a:ext cx="1902842" cy="461665"/>
+          </a:xfrm>
+          <a:prstGeom prst="rect">
+            <a:avLst/>
+          </a:prstGeom>
+          <a:solidFill>
+            <a:schemeClr val="tx1">
+              <a:lumMod val="85000"/>
+            </a:schemeClr>
+          </a:solidFill>
+        </p:spPr>
+        <p:txBody>
+          <a:bodyPr wrap="square" rtlCol="0">
+            <a:spAutoFit/>
+          </a:bodyPr>
+          <a:lstStyle/>
+          <a:p>
+            <a:r>
+              <a:rPr lang="en-US" sz="1200" dirty="0">
+                <a:solidFill>
+                  <a:schemeClr val="bg1"/>
+                </a:solidFill>
+                <a:latin typeface="Cascadia Mono SemiBold" panose="020B0609020000020004" pitchFamily="49" charset="0"/>
+                <a:ea typeface="Cascadia Mono SemiBold" panose="020B0609020000020004" pitchFamily="49" charset="0"/>
+                <a:cs typeface="Cascadia Mono SemiBold" panose="020B0609020000020004" pitchFamily="49" charset="0"/>
+              </a:rPr>
+              <a:t>educate </a:t>
+            </a:r>
+          </a:p>
+          <a:p>
+            <a:r>
+              <a:rPr lang="en-US" sz="1200" dirty="0">
+                <a:solidFill>
+                  <a:schemeClr val="bg1"/>
+                </a:solidFill>
+                <a:latin typeface="Cascadia Mono SemiBold" panose="020B0609020000020004" pitchFamily="49" charset="0"/>
+                <a:ea typeface="Cascadia Mono SemiBold" panose="020B0609020000020004" pitchFamily="49" charset="0"/>
+                <a:cs typeface="Cascadia Mono SemiBold" panose="020B0609020000020004" pitchFamily="49" charset="0"/>
+              </a:rPr>
+              <a:t>h</a:t>
+            </a:r>
+          </a:p>
+        </p:txBody>
+      </p:sp>
+      <p:sp>
+        <p:nvSpPr>
+          <p:cNvPr id="8" name="TextBox 7">
+            <a:extLst>
+              <a:ext uri="{FF2B5EF4-FFF2-40B4-BE49-F238E27FC236}">
+                <a16:creationId xmlns:a16="http://schemas.microsoft.com/office/drawing/2014/main" id="{8A0E7843-D5D0-441B-8343-3A5F70A68186}"/>
+              </a:ext>
+            </a:extLst>
+          </p:cNvPr>
+          <p:cNvSpPr txBox="1"/>
+          <p:nvPr/>
+        </p:nvSpPr>
+        <p:spPr>
+          <a:xfrm>
+            <a:off x="5959205" y="6022292"/>
+            <a:ext cx="3095148" cy="276999"/>
+          </a:xfrm>
+          <a:prstGeom prst="rect">
+            <a:avLst/>
+          </a:prstGeom>
+          <a:solidFill>
+            <a:schemeClr val="tx1">
+              <a:lumMod val="85000"/>
+            </a:schemeClr>
+          </a:solidFill>
+        </p:spPr>
+        <p:txBody>
+          <a:bodyPr wrap="square" rtlCol="0">
+            <a:spAutoFit/>
+          </a:bodyPr>
+          <a:lstStyle/>
+          <a:p>
+            <a:r>
+              <a:rPr lang="en-US" sz="1200" dirty="0">
+                <a:solidFill>
+                  <a:schemeClr val="bg1"/>
+                </a:solidFill>
+                <a:latin typeface="Cascadia Mono SemiBold" panose="020B0609020000020004" pitchFamily="49" charset="0"/>
+                <a:ea typeface="Cascadia Mono SemiBold" panose="020B0609020000020004" pitchFamily="49" charset="0"/>
+                <a:cs typeface="Cascadia Mono SemiBold" panose="020B0609020000020004" pitchFamily="49" charset="0"/>
+              </a:rPr>
+              <a:t>No synonym begin with “h”</a:t>
+            </a:r>
+          </a:p>
+        </p:txBody>
+      </p:sp>
+    </p:spTree>
+    <p:extLst>
+      <p:ext uri="{BB962C8B-B14F-4D97-AF65-F5344CB8AC3E}">
+        <p14:creationId xmlns:p14="http://schemas.microsoft.com/office/powerpoint/2010/main" val="1990203815"/>
+      </p:ext>
+    </p:extLst>
+  </p:cSld>
+  <p:clrMapOvr>
+    <a:masterClrMapping/>
+  </p:clrMapOvr>
+</p:sld>
+</file>
+
+<file path=ppt/slides/slide27.xml><?xml version="1.0" encoding="utf-8"?>
+<p:sld xmlns:a="http://schemas.openxmlformats.org/drawingml/2006/main" xmlns:r="http://schemas.openxmlformats.org/officeDocument/2006/relationships" xmlns:p="http://schemas.openxmlformats.org/presentationml/2006/main">
+  <p:cSld>
+    <p:spTree>
+      <p:nvGrpSpPr>
+        <p:cNvPr id="1" name=""/>
+        <p:cNvGrpSpPr/>
+        <p:nvPr/>
+      </p:nvGrpSpPr>
+      <p:grpSpPr>
+        <a:xfrm>
+          <a:off x="0" y="0"/>
+          <a:ext cx="0" cy="0"/>
+          <a:chOff x="0" y="0"/>
+          <a:chExt cx="0" cy="0"/>
+        </a:xfrm>
+      </p:grpSpPr>
+      <p:sp>
+        <p:nvSpPr>
+          <p:cNvPr id="2" name="Title 1">
+            <a:extLst>
+              <a:ext uri="{FF2B5EF4-FFF2-40B4-BE49-F238E27FC236}">
+                <a16:creationId xmlns:a16="http://schemas.microsoft.com/office/drawing/2014/main" id="{1D96A6DA-85CC-438D-8FE1-8BDC8C1BE0D2}"/>
+              </a:ext>
+            </a:extLst>
+          </p:cNvPr>
+          <p:cNvSpPr>
+            <a:spLocks noGrp="1"/>
+          </p:cNvSpPr>
+          <p:nvPr>
+            <p:ph type="title"/>
+          </p:nvPr>
+        </p:nvSpPr>
+        <p:spPr/>
+        <p:txBody>
+          <a:bodyPr/>
+          <a:lstStyle/>
+          <a:p>
+            <a:r>
+              <a:rPr lang="en-US" dirty="0"/>
+              <a:t>combination</a:t>
+            </a:r>
+            <a:endParaRPr lang="en-MY" dirty="0"/>
+          </a:p>
+        </p:txBody>
+      </p:sp>
+      <p:sp>
+        <p:nvSpPr>
+          <p:cNvPr id="3" name="Content Placeholder 2">
+            <a:extLst>
+              <a:ext uri="{FF2B5EF4-FFF2-40B4-BE49-F238E27FC236}">
+                <a16:creationId xmlns:a16="http://schemas.microsoft.com/office/drawing/2014/main" id="{74CF7FC6-65F6-4325-8DB2-4EB46244F474}"/>
+              </a:ext>
+            </a:extLst>
+          </p:cNvPr>
+          <p:cNvSpPr>
+            <a:spLocks noGrp="1"/>
+          </p:cNvSpPr>
+          <p:nvPr>
+            <p:ph idx="1"/>
+          </p:nvPr>
+        </p:nvSpPr>
+        <p:spPr/>
+        <p:txBody>
+          <a:bodyPr anchor="t"/>
+          <a:lstStyle/>
+          <a:p>
+            <a:r>
+              <a:rPr lang="en-US" dirty="0"/>
+              <a:t>Combination: how many ways to take out things from a set of items.</a:t>
+            </a:r>
+          </a:p>
+          <a:p>
+            <a:r>
+              <a:rPr lang="en-US" dirty="0"/>
+              <a:t>You have {a, b, c, d, e}, 5 things.</a:t>
+            </a:r>
+          </a:p>
+          <a:p>
+            <a:r>
+              <a:rPr lang="en-US" dirty="0"/>
+              <a:t>Now you want take out 1 from the 5. how many ways you can do?    Answer: you have 5 ways.</a:t>
+            </a:r>
+          </a:p>
+          <a:p>
+            <a:r>
+              <a:rPr lang="en-US" dirty="0"/>
+              <a:t>Now you want take out 2 from the 5. how many ways?     Answer: Then total ways is 10. they are {</a:t>
+            </a:r>
+            <a:r>
+              <a:rPr lang="en-US" dirty="0" err="1"/>
+              <a:t>a,b</a:t>
+            </a:r>
+            <a:r>
+              <a:rPr lang="en-US" dirty="0"/>
+              <a:t>}, {</a:t>
+            </a:r>
+            <a:r>
+              <a:rPr lang="en-US" dirty="0" err="1"/>
+              <a:t>a,c</a:t>
+            </a:r>
+            <a:r>
+              <a:rPr lang="en-US" dirty="0"/>
+              <a:t>}, {</a:t>
+            </a:r>
+            <a:r>
+              <a:rPr lang="en-US" dirty="0" err="1"/>
+              <a:t>a,d</a:t>
+            </a:r>
+            <a:r>
+              <a:rPr lang="en-US" dirty="0"/>
+              <a:t>}, {</a:t>
+            </a:r>
+            <a:r>
+              <a:rPr lang="en-US" dirty="0" err="1"/>
+              <a:t>a,e</a:t>
+            </a:r>
+            <a:r>
+              <a:rPr lang="en-US" dirty="0"/>
+              <a:t>}, {</a:t>
+            </a:r>
+            <a:r>
+              <a:rPr lang="en-US" dirty="0" err="1"/>
+              <a:t>b,c</a:t>
+            </a:r>
+            <a:r>
+              <a:rPr lang="en-US" dirty="0"/>
+              <a:t>}, {</a:t>
+            </a:r>
+            <a:r>
+              <a:rPr lang="en-US" dirty="0" err="1"/>
+              <a:t>b,d</a:t>
+            </a:r>
+            <a:r>
+              <a:rPr lang="en-US" dirty="0"/>
+              <a:t>}, {</a:t>
+            </a:r>
+            <a:r>
+              <a:rPr lang="en-US" dirty="0" err="1"/>
+              <a:t>b,e</a:t>
+            </a:r>
+            <a:r>
+              <a:rPr lang="en-US" dirty="0"/>
+              <a:t>}, {</a:t>
+            </a:r>
+            <a:r>
+              <a:rPr lang="en-US" dirty="0" err="1"/>
+              <a:t>c,d</a:t>
+            </a:r>
+            <a:r>
+              <a:rPr lang="en-US" dirty="0"/>
+              <a:t>}, {</a:t>
+            </a:r>
+            <a:r>
+              <a:rPr lang="en-US" dirty="0" err="1"/>
+              <a:t>c,e</a:t>
+            </a:r>
+            <a:r>
+              <a:rPr lang="en-US" dirty="0"/>
+              <a:t>}, {</a:t>
+            </a:r>
+            <a:r>
+              <a:rPr lang="en-US" dirty="0" err="1"/>
+              <a:t>d,e</a:t>
+            </a:r>
+            <a:r>
+              <a:rPr lang="en-US" dirty="0"/>
+              <a:t>}</a:t>
+            </a:r>
+          </a:p>
+          <a:p>
+            <a:endParaRPr lang="en-US" dirty="0"/>
+          </a:p>
+          <a:p>
+            <a:r>
+              <a:rPr lang="en-US" dirty="0"/>
+              <a:t>Make a program to list all the ways? (from n items to take m items, m&lt;=n)</a:t>
+            </a:r>
+            <a:endParaRPr lang="en-MY" dirty="0"/>
+          </a:p>
+        </p:txBody>
+      </p:sp>
+    </p:spTree>
+    <p:extLst>
+      <p:ext uri="{BB962C8B-B14F-4D97-AF65-F5344CB8AC3E}">
+        <p14:creationId xmlns:p14="http://schemas.microsoft.com/office/powerpoint/2010/main" val="4225843026"/>
+      </p:ext>
+    </p:extLst>
+  </p:cSld>
+  <p:clrMapOvr>
+    <a:masterClrMapping/>
+  </p:clrMapOvr>
+</p:sld>
+</file>
+
+<file path=ppt/slides/slide28.xml><?xml version="1.0" encoding="utf-8"?>
+<p:sld xmlns:a="http://schemas.openxmlformats.org/drawingml/2006/main" xmlns:r="http://schemas.openxmlformats.org/officeDocument/2006/relationships" xmlns:p="http://schemas.openxmlformats.org/presentationml/2006/main">
+  <p:cSld>
+    <p:spTree>
+      <p:nvGrpSpPr>
+        <p:cNvPr id="1" name=""/>
+        <p:cNvGrpSpPr/>
+        <p:nvPr/>
+      </p:nvGrpSpPr>
+      <p:grpSpPr>
+        <a:xfrm>
+          <a:off x="0" y="0"/>
+          <a:ext cx="0" cy="0"/>
+          <a:chOff x="0" y="0"/>
+          <a:chExt cx="0" cy="0"/>
+        </a:xfrm>
+      </p:grpSpPr>
+      <p:sp>
+        <p:nvSpPr>
+          <p:cNvPr id="2" name="Title 1">
+            <a:extLst>
+              <a:ext uri="{FF2B5EF4-FFF2-40B4-BE49-F238E27FC236}">
+                <a16:creationId xmlns:a16="http://schemas.microsoft.com/office/drawing/2014/main" id="{1D96A6DA-85CC-438D-8FE1-8BDC8C1BE0D2}"/>
+              </a:ext>
+            </a:extLst>
+          </p:cNvPr>
+          <p:cNvSpPr>
+            <a:spLocks noGrp="1"/>
+          </p:cNvSpPr>
+          <p:nvPr>
+            <p:ph type="title"/>
+          </p:nvPr>
+        </p:nvSpPr>
+        <p:spPr/>
+        <p:txBody>
+          <a:bodyPr/>
+          <a:lstStyle/>
+          <a:p>
+            <a:r>
+              <a:rPr lang="en-US" dirty="0"/>
+              <a:t>permutation</a:t>
+            </a:r>
+            <a:endParaRPr lang="en-MY" dirty="0"/>
+          </a:p>
+        </p:txBody>
+      </p:sp>
+      <p:sp>
+        <p:nvSpPr>
+          <p:cNvPr id="3" name="Content Placeholder 2">
+            <a:extLst>
+              <a:ext uri="{FF2B5EF4-FFF2-40B4-BE49-F238E27FC236}">
+                <a16:creationId xmlns:a16="http://schemas.microsoft.com/office/drawing/2014/main" id="{74CF7FC6-65F6-4325-8DB2-4EB46244F474}"/>
+              </a:ext>
+            </a:extLst>
+          </p:cNvPr>
+          <p:cNvSpPr>
+            <a:spLocks noGrp="1"/>
+          </p:cNvSpPr>
+          <p:nvPr>
+            <p:ph idx="1"/>
+          </p:nvPr>
+        </p:nvSpPr>
+        <p:spPr/>
+        <p:txBody>
+          <a:bodyPr anchor="t"/>
+          <a:lstStyle/>
+          <a:p>
+            <a:r>
+              <a:rPr lang="en-US" dirty="0"/>
+              <a:t>In the combination problem, if the item you take out the order is important, then it becomes permutation problem.</a:t>
+            </a:r>
+          </a:p>
+          <a:p>
+            <a:r>
+              <a:rPr lang="en-US" dirty="0"/>
+              <a:t>Example: for taking 2 items, {a, c} and {c, a} are considered different.</a:t>
+            </a:r>
+          </a:p>
+          <a:p>
+            <a:r>
+              <a:rPr lang="en-US" dirty="0"/>
+              <a:t>Can make a program to list all ways?</a:t>
+            </a:r>
+            <a:endParaRPr lang="en-MY" dirty="0"/>
+          </a:p>
+        </p:txBody>
+      </p:sp>
+    </p:spTree>
+    <p:extLst>
+      <p:ext uri="{BB962C8B-B14F-4D97-AF65-F5344CB8AC3E}">
+        <p14:creationId xmlns:p14="http://schemas.microsoft.com/office/powerpoint/2010/main" val="1741278169"/>
+      </p:ext>
+    </p:extLst>
+  </p:cSld>
+  <p:clrMapOvr>
+    <a:masterClrMapping/>
+  </p:clrMapOvr>
+</p:sld>
+</file>
+
+<file path=ppt/slides/slide29.xml><?xml version="1.0" encoding="utf-8"?>
+<p:sld xmlns:a="http://schemas.openxmlformats.org/drawingml/2006/main" xmlns:r="http://schemas.openxmlformats.org/officeDocument/2006/relationships" xmlns:p="http://schemas.openxmlformats.org/presentationml/2006/main">
+  <p:cSld>
+    <p:spTree>
+      <p:nvGrpSpPr>
+        <p:cNvPr id="1" name=""/>
+        <p:cNvGrpSpPr/>
+        <p:nvPr/>
+      </p:nvGrpSpPr>
+      <p:grpSpPr>
+        <a:xfrm>
+          <a:off x="0" y="0"/>
+          <a:ext cx="0" cy="0"/>
+          <a:chOff x="0" y="0"/>
+          <a:chExt cx="0" cy="0"/>
+        </a:xfrm>
+      </p:grpSpPr>
+      <p:sp>
+        <p:nvSpPr>
+          <p:cNvPr id="2" name="标题 1">
+            <a:extLst>
+              <a:ext uri="{FF2B5EF4-FFF2-40B4-BE49-F238E27FC236}">
+                <a16:creationId xmlns:a16="http://schemas.microsoft.com/office/drawing/2014/main" id="{5EC01E2D-9CFE-4D5D-8863-3BA90731F07B}"/>
+              </a:ext>
+            </a:extLst>
+          </p:cNvPr>
+          <p:cNvSpPr>
+            <a:spLocks noGrp="1"/>
+          </p:cNvSpPr>
+          <p:nvPr>
+            <p:ph type="title"/>
+          </p:nvPr>
+        </p:nvSpPr>
+        <p:spPr>
+          <a:xfrm>
+            <a:off x="685801" y="609600"/>
+            <a:ext cx="7636077" cy="1456267"/>
+          </a:xfrm>
+        </p:spPr>
+        <p:txBody>
+          <a:bodyPr/>
+          <a:lstStyle/>
+          <a:p>
+            <a:r>
+              <a:rPr lang="en-US" dirty="0"/>
+              <a:t>8 Queen puzzle</a:t>
+            </a:r>
+          </a:p>
+        </p:txBody>
+      </p:sp>
+      <p:pic>
+        <p:nvPicPr>
+          <p:cNvPr id="1026" name="Picture 2" descr="Two queens attack pattern on a chessboard">
+            <a:extLst>
+              <a:ext uri="{FF2B5EF4-FFF2-40B4-BE49-F238E27FC236}">
+                <a16:creationId xmlns:a16="http://schemas.microsoft.com/office/drawing/2014/main" id="{1AD56B48-210B-4CBE-BCE1-C1304006B489}"/>
+              </a:ext>
+            </a:extLst>
+          </p:cNvPr>
+          <p:cNvPicPr>
+            <a:picLocks noChangeAspect="1" noChangeArrowheads="1"/>
+          </p:cNvPicPr>
+          <p:nvPr/>
+        </p:nvPicPr>
+        <p:blipFill>
+          <a:blip r:embed="rId2">
+            <a:extLst>
+              <a:ext uri="{28A0092B-C50C-407E-A947-70E740481C1C}">
+                <a14:useLocalDpi xmlns:a14="http://schemas.microsoft.com/office/drawing/2010/main" val="0"/>
+              </a:ext>
+            </a:extLst>
+          </a:blip>
+          <a:srcRect/>
+          <a:stretch>
+            <a:fillRect/>
+          </a:stretch>
+        </p:blipFill>
+        <p:spPr bwMode="auto">
+          <a:xfrm>
+            <a:off x="1758193" y="2337732"/>
+            <a:ext cx="3810000" cy="3810000"/>
+          </a:xfrm>
+          <a:prstGeom prst="rect">
+            <a:avLst/>
+          </a:prstGeom>
+          <a:noFill/>
+          <a:extLst>
+            <a:ext uri="{909E8E84-426E-40DD-AFC4-6F175D3DCCD1}">
+              <a14:hiddenFill xmlns:a14="http://schemas.microsoft.com/office/drawing/2010/main">
+                <a:solidFill>
+                  <a:srgbClr val="FFFFFF"/>
+                </a:solidFill>
+              </a14:hiddenFill>
+            </a:ext>
+          </a:extLst>
+        </p:spPr>
+      </p:pic>
+      <p:pic>
+        <p:nvPicPr>
+          <p:cNvPr id="1028" name="Picture 4" descr="A solution to the eight queens puzzle">
+            <a:extLst>
+              <a:ext uri="{FF2B5EF4-FFF2-40B4-BE49-F238E27FC236}">
+                <a16:creationId xmlns:a16="http://schemas.microsoft.com/office/drawing/2014/main" id="{A8D95ECA-758B-493B-9CDC-6D86EDFB1720}"/>
+              </a:ext>
+            </a:extLst>
+          </p:cNvPr>
+          <p:cNvPicPr>
+            <a:picLocks noChangeAspect="1" noChangeArrowheads="1"/>
+          </p:cNvPicPr>
+          <p:nvPr/>
+        </p:nvPicPr>
+        <p:blipFill>
+          <a:blip r:embed="rId3">
+            <a:extLst>
+              <a:ext uri="{28A0092B-C50C-407E-A947-70E740481C1C}">
+                <a14:useLocalDpi xmlns:a14="http://schemas.microsoft.com/office/drawing/2010/main" val="0"/>
+              </a:ext>
+            </a:extLst>
+          </a:blip>
+          <a:srcRect/>
+          <a:stretch>
+            <a:fillRect/>
+          </a:stretch>
+        </p:blipFill>
+        <p:spPr bwMode="auto">
+          <a:xfrm>
+            <a:off x="6832600" y="2337732"/>
+            <a:ext cx="3810000" cy="3810000"/>
+          </a:xfrm>
+          <a:prstGeom prst="rect">
+            <a:avLst/>
+          </a:prstGeom>
+          <a:noFill/>
+          <a:extLst>
+            <a:ext uri="{909E8E84-426E-40DD-AFC4-6F175D3DCCD1}">
+              <a14:hiddenFill xmlns:a14="http://schemas.microsoft.com/office/drawing/2010/main">
+                <a:solidFill>
+                  <a:srgbClr val="FFFFFF"/>
+                </a:solidFill>
+              </a14:hiddenFill>
+            </a:ext>
+          </a:extLst>
+        </p:spPr>
+      </p:pic>
+    </p:spTree>
+    <p:extLst>
+      <p:ext uri="{BB962C8B-B14F-4D97-AF65-F5344CB8AC3E}">
+        <p14:creationId xmlns:p14="http://schemas.microsoft.com/office/powerpoint/2010/main" val="3369638101"/>
+      </p:ext>
+    </p:extLst>
+  </p:cSld>
+  <p:clrMapOvr>
+    <a:masterClrMapping/>
+  </p:clrMapOvr>
+</p:sld>
+</file>
+
+<file path=ppt/slides/slide3.xml><?xml version="1.0" encoding="utf-8"?>
+<p:sld xmlns:a="http://schemas.openxmlformats.org/drawingml/2006/main" xmlns:r="http://schemas.openxmlformats.org/officeDocument/2006/relationships" xmlns:p="http://schemas.openxmlformats.org/presentationml/2006/main">
+  <p:cSld>
+    <p:spTree>
+      <p:nvGrpSpPr>
+        <p:cNvPr id="1" name=""/>
+        <p:cNvGrpSpPr/>
+        <p:nvPr/>
+      </p:nvGrpSpPr>
+      <p:grpSpPr>
+        <a:xfrm>
+          <a:off x="0" y="0"/>
+          <a:ext cx="0" cy="0"/>
+          <a:chOff x="0" y="0"/>
+          <a:chExt cx="0" cy="0"/>
+        </a:xfrm>
+      </p:grpSpPr>
+      <p:sp>
+        <p:nvSpPr>
+          <p:cNvPr id="3" name="Content Placeholder 2">
+            <a:extLst>
+              <a:ext uri="{FF2B5EF4-FFF2-40B4-BE49-F238E27FC236}">
+                <a16:creationId xmlns:a16="http://schemas.microsoft.com/office/drawing/2014/main" id="{9ACB66CF-AD72-47FB-9DEE-6949334A6EA7}"/>
+              </a:ext>
+            </a:extLst>
+          </p:cNvPr>
+          <p:cNvSpPr>
+            <a:spLocks noGrp="1"/>
+          </p:cNvSpPr>
+          <p:nvPr>
+            <p:ph idx="1"/>
+          </p:nvPr>
+        </p:nvSpPr>
+        <p:spPr>
+          <a:xfrm>
+            <a:off x="703731" y="940796"/>
+            <a:ext cx="9865657" cy="2205815"/>
+          </a:xfrm>
+        </p:spPr>
+        <p:txBody>
+          <a:bodyPr anchor="t">
+            <a:normAutofit/>
+          </a:bodyPr>
+          <a:lstStyle/>
+          <a:p>
+            <a:r>
+              <a:rPr lang="en-US" dirty="0"/>
+              <a:t>Write a program, which takes many letters from user. Use ‘0’ as indication of end.</a:t>
+            </a:r>
+          </a:p>
+          <a:p>
+            <a:r>
+              <a:rPr lang="en-MY" dirty="0"/>
+              <a:t>The program output all possible string using those letters. (use at least one letter, up to all letters been used.)</a:t>
+            </a:r>
+          </a:p>
+        </p:txBody>
+      </p:sp>
+    </p:spTree>
+    <p:extLst>
+      <p:ext uri="{BB962C8B-B14F-4D97-AF65-F5344CB8AC3E}">
+        <p14:creationId xmlns:p14="http://schemas.microsoft.com/office/powerpoint/2010/main" val="3756693306"/>
+      </p:ext>
+    </p:extLst>
+  </p:cSld>
+  <p:clrMapOvr>
+    <a:masterClrMapping/>
+  </p:clrMapOvr>
+</p:sld>
+</file>
+
+<file path=ppt/slides/slide30.xml><?xml version="1.0" encoding="utf-8"?>
+<p:sld xmlns:a="http://schemas.openxmlformats.org/drawingml/2006/main" xmlns:r="http://schemas.openxmlformats.org/officeDocument/2006/relationships" xmlns:p="http://schemas.openxmlformats.org/presentationml/2006/main">
+  <p:cSld>
+    <p:spTree>
+      <p:nvGrpSpPr>
+        <p:cNvPr id="1" name=""/>
+        <p:cNvGrpSpPr/>
+        <p:nvPr/>
+      </p:nvGrpSpPr>
+      <p:grpSpPr>
+        <a:xfrm>
+          <a:off x="0" y="0"/>
+          <a:ext cx="0" cy="0"/>
+          <a:chOff x="0" y="0"/>
+          <a:chExt cx="0" cy="0"/>
+        </a:xfrm>
+      </p:grpSpPr>
+      <p:sp>
+        <p:nvSpPr>
+          <p:cNvPr id="2" name="标题 1">
+            <a:extLst>
+              <a:ext uri="{FF2B5EF4-FFF2-40B4-BE49-F238E27FC236}">
+                <a16:creationId xmlns:a16="http://schemas.microsoft.com/office/drawing/2014/main" id="{5EC01E2D-9CFE-4D5D-8863-3BA90731F07B}"/>
+              </a:ext>
+            </a:extLst>
+          </p:cNvPr>
+          <p:cNvSpPr>
+            <a:spLocks noGrp="1"/>
+          </p:cNvSpPr>
+          <p:nvPr>
+            <p:ph type="title"/>
+          </p:nvPr>
+        </p:nvSpPr>
+        <p:spPr/>
+        <p:txBody>
+          <a:bodyPr/>
+          <a:lstStyle/>
+          <a:p>
+            <a:r>
+              <a:rPr lang="en-US" dirty="0"/>
+              <a:t>Queue simulation program</a:t>
+            </a:r>
+            <a:endParaRPr lang="en-MY" dirty="0"/>
+          </a:p>
+        </p:txBody>
+      </p:sp>
+      <p:sp>
+        <p:nvSpPr>
+          <p:cNvPr id="3" name="内容占位符 2">
+            <a:extLst>
+              <a:ext uri="{FF2B5EF4-FFF2-40B4-BE49-F238E27FC236}">
+                <a16:creationId xmlns:a16="http://schemas.microsoft.com/office/drawing/2014/main" id="{7060439F-2729-478E-B95F-230482B50AA1}"/>
+              </a:ext>
+            </a:extLst>
+          </p:cNvPr>
+          <p:cNvSpPr>
+            <a:spLocks noGrp="1"/>
+          </p:cNvSpPr>
+          <p:nvPr>
+            <p:ph idx="1"/>
+          </p:nvPr>
+        </p:nvSpPr>
+        <p:spPr>
+          <a:xfrm>
+            <a:off x="685801" y="2142067"/>
+            <a:ext cx="6271590" cy="3788216"/>
+          </a:xfrm>
+        </p:spPr>
+        <p:txBody>
+          <a:bodyPr anchor="t">
+            <a:normAutofit/>
+          </a:bodyPr>
+          <a:lstStyle/>
+          <a:p>
+            <a:pPr marL="0" indent="0">
+              <a:buNone/>
+            </a:pPr>
+            <a:r>
+              <a:rPr lang="en-MY" dirty="0"/>
+              <a:t>Create a program of simulation.</a:t>
+            </a:r>
+          </a:p>
+          <a:p>
+            <a:r>
+              <a:rPr lang="en-MY" dirty="0"/>
+              <a:t>Every minute comes a random number person of (0~5), to queue and buy coffee.</a:t>
+            </a:r>
+          </a:p>
+          <a:p>
+            <a:r>
+              <a:rPr lang="en-MY" dirty="0"/>
+              <a:t>Every guest takes around 15 ~ 20 seconds to finish service.</a:t>
+            </a:r>
+          </a:p>
+          <a:p>
+            <a:r>
+              <a:rPr lang="en-MY" dirty="0"/>
+              <a:t>Observe how the queue depth changes with time.</a:t>
+            </a:r>
+          </a:p>
+          <a:p>
+            <a:r>
+              <a:rPr lang="en-MY"/>
+              <a:t>Record </a:t>
+            </a:r>
+            <a:r>
+              <a:rPr lang="en-MY" dirty="0"/>
+              <a:t>and study each person’s waiting time.</a:t>
+            </a:r>
+          </a:p>
+          <a:p>
+            <a:pPr lvl="1"/>
+            <a:endParaRPr lang="en-MY" dirty="0"/>
+          </a:p>
+          <a:p>
+            <a:pPr lvl="1"/>
+            <a:endParaRPr lang="en-MY" dirty="0"/>
+          </a:p>
+        </p:txBody>
+      </p:sp>
+    </p:spTree>
+    <p:extLst>
+      <p:ext uri="{BB962C8B-B14F-4D97-AF65-F5344CB8AC3E}">
+        <p14:creationId xmlns:p14="http://schemas.microsoft.com/office/powerpoint/2010/main" val="1235300252"/>
+      </p:ext>
+    </p:extLst>
+  </p:cSld>
+  <p:clrMapOvr>
+    <a:masterClrMapping/>
+  </p:clrMapOvr>
+</p:sld>
+</file>
+
+<file path=ppt/slides/slide31.xml><?xml version="1.0" encoding="utf-8"?>
+<p:sld xmlns:a="http://schemas.openxmlformats.org/drawingml/2006/main" xmlns:r="http://schemas.openxmlformats.org/officeDocument/2006/relationships" xmlns:p="http://schemas.openxmlformats.org/presentationml/2006/main">
+  <p:cSld>
+    <p:spTree>
+      <p:nvGrpSpPr>
+        <p:cNvPr id="1" name=""/>
+        <p:cNvGrpSpPr/>
+        <p:nvPr/>
+      </p:nvGrpSpPr>
+      <p:grpSpPr>
+        <a:xfrm>
+          <a:off x="0" y="0"/>
+          <a:ext cx="0" cy="0"/>
+          <a:chOff x="0" y="0"/>
+          <a:chExt cx="0" cy="0"/>
+        </a:xfrm>
+      </p:grpSpPr>
+      <p:sp>
+        <p:nvSpPr>
+          <p:cNvPr id="2" name="标题 1">
+            <a:extLst>
+              <a:ext uri="{FF2B5EF4-FFF2-40B4-BE49-F238E27FC236}">
+                <a16:creationId xmlns:a16="http://schemas.microsoft.com/office/drawing/2014/main" id="{5EC01E2D-9CFE-4D5D-8863-3BA90731F07B}"/>
+              </a:ext>
+            </a:extLst>
+          </p:cNvPr>
+          <p:cNvSpPr>
+            <a:spLocks noGrp="1"/>
+          </p:cNvSpPr>
+          <p:nvPr>
+            <p:ph type="title"/>
+          </p:nvPr>
+        </p:nvSpPr>
+        <p:spPr/>
+        <p:txBody>
+          <a:bodyPr/>
+          <a:lstStyle/>
+          <a:p>
+            <a:r>
+              <a:rPr lang="en-US" dirty="0"/>
+              <a:t>stack simulation program</a:t>
+            </a:r>
+            <a:endParaRPr lang="en-MY" dirty="0"/>
+          </a:p>
+        </p:txBody>
+      </p:sp>
+      <p:sp>
+        <p:nvSpPr>
+          <p:cNvPr id="3" name="内容占位符 2">
+            <a:extLst>
+              <a:ext uri="{FF2B5EF4-FFF2-40B4-BE49-F238E27FC236}">
+                <a16:creationId xmlns:a16="http://schemas.microsoft.com/office/drawing/2014/main" id="{7060439F-2729-478E-B95F-230482B50AA1}"/>
+              </a:ext>
+            </a:extLst>
+          </p:cNvPr>
+          <p:cNvSpPr>
+            <a:spLocks noGrp="1"/>
+          </p:cNvSpPr>
+          <p:nvPr>
+            <p:ph idx="1"/>
+          </p:nvPr>
+        </p:nvSpPr>
+        <p:spPr>
+          <a:xfrm>
+            <a:off x="685801" y="2142066"/>
+            <a:ext cx="6664910" cy="3557397"/>
+          </a:xfrm>
+        </p:spPr>
+        <p:txBody>
+          <a:bodyPr anchor="t">
+            <a:normAutofit/>
+          </a:bodyPr>
+          <a:lstStyle/>
+          <a:p>
+            <a:pPr marL="0" indent="0">
+              <a:buNone/>
+            </a:pPr>
+            <a:r>
+              <a:rPr lang="en-MY" dirty="0"/>
+              <a:t>Create a program of simulation.</a:t>
+            </a:r>
+          </a:p>
+          <a:p>
+            <a:r>
+              <a:rPr lang="en-MY" dirty="0"/>
+              <a:t>Every day comes a random number of files waiting to be signed (0~10), which was put on a table.</a:t>
+            </a:r>
+          </a:p>
+          <a:p>
+            <a:r>
+              <a:rPr lang="en-MY" dirty="0"/>
+              <a:t>Every day take 6 files from table, process and sign it.</a:t>
+            </a:r>
+          </a:p>
+          <a:p>
+            <a:r>
+              <a:rPr lang="en-MY" dirty="0"/>
+              <a:t>Observe how the stack depth changes with time.</a:t>
+            </a:r>
+          </a:p>
+          <a:p>
+            <a:r>
+              <a:rPr lang="en-MY" dirty="0"/>
+              <a:t>What if you feel not work and work efficiency reduce to only process 4 files one day?</a:t>
+            </a:r>
+          </a:p>
+          <a:p>
+            <a:r>
+              <a:rPr lang="en-MY" dirty="0"/>
+              <a:t>Record and study each file waiting time.</a:t>
+            </a:r>
+          </a:p>
+          <a:p>
+            <a:pPr lvl="1"/>
+            <a:endParaRPr lang="en-MY" dirty="0"/>
+          </a:p>
+          <a:p>
+            <a:pPr lvl="1"/>
+            <a:endParaRPr lang="en-MY" dirty="0"/>
+          </a:p>
+        </p:txBody>
+      </p:sp>
+    </p:spTree>
+    <p:extLst>
+      <p:ext uri="{BB962C8B-B14F-4D97-AF65-F5344CB8AC3E}">
+        <p14:creationId xmlns:p14="http://schemas.microsoft.com/office/powerpoint/2010/main" val="223724709"/>
+      </p:ext>
+    </p:extLst>
+  </p:cSld>
+  <p:clrMapOvr>
+    <a:masterClrMapping/>
+  </p:clrMapOvr>
+</p:sld>
+</file>
+
+<file path=ppt/slides/slide32.xml><?xml version="1.0" encoding="utf-8"?>
+<p:sld xmlns:a="http://schemas.openxmlformats.org/drawingml/2006/main" xmlns:r="http://schemas.openxmlformats.org/officeDocument/2006/relationships" xmlns:p="http://schemas.openxmlformats.org/presentationml/2006/main">
+  <p:cSld>
+    <p:spTree>
+      <p:nvGrpSpPr>
+        <p:cNvPr id="1" name=""/>
+        <p:cNvGrpSpPr/>
+        <p:nvPr/>
+      </p:nvGrpSpPr>
+      <p:grpSpPr>
+        <a:xfrm>
+          <a:off x="0" y="0"/>
+          <a:ext cx="0" cy="0"/>
+          <a:chOff x="0" y="0"/>
+          <a:chExt cx="0" cy="0"/>
+        </a:xfrm>
+      </p:grpSpPr>
+      <p:sp>
+        <p:nvSpPr>
+          <p:cNvPr id="2" name="标题 1">
+            <a:extLst>
+              <a:ext uri="{FF2B5EF4-FFF2-40B4-BE49-F238E27FC236}">
+                <a16:creationId xmlns:a16="http://schemas.microsoft.com/office/drawing/2014/main" id="{5EC01E2D-9CFE-4D5D-8863-3BA90731F07B}"/>
+              </a:ext>
+            </a:extLst>
+          </p:cNvPr>
+          <p:cNvSpPr>
+            <a:spLocks noGrp="1"/>
+          </p:cNvSpPr>
+          <p:nvPr>
+            <p:ph type="title"/>
+          </p:nvPr>
+        </p:nvSpPr>
+        <p:spPr/>
+        <p:txBody>
+          <a:bodyPr/>
+          <a:lstStyle/>
+          <a:p>
+            <a:r>
+              <a:rPr lang="en-US" dirty="0"/>
               <a:t>What is in the backpack</a:t>
             </a:r>
             <a:endParaRPr lang="en-MY" dirty="0"/>
@@ -10164,7 +16704,7 @@
 </p:sld>
 </file>
 
-<file path=ppt/slides/slide4.xml><?xml version="1.0" encoding="utf-8"?>
+<file path=ppt/slides/slide33.xml><?xml version="1.0" encoding="utf-8"?>
 <p:sld xmlns:a="http://schemas.openxmlformats.org/drawingml/2006/main" xmlns:r="http://schemas.openxmlformats.org/officeDocument/2006/relationships" xmlns:p="http://schemas.openxmlformats.org/presentationml/2006/main">
   <p:cSld>
     <p:spTree>
@@ -11779,6 +18319,96 @@
 </p:sld>
 </file>
 
+<file path=ppt/slides/slide4.xml><?xml version="1.0" encoding="utf-8"?>
+<p:sld xmlns:a="http://schemas.openxmlformats.org/drawingml/2006/main" xmlns:r="http://schemas.openxmlformats.org/officeDocument/2006/relationships" xmlns:p="http://schemas.openxmlformats.org/presentationml/2006/main">
+  <p:cSld>
+    <p:spTree>
+      <p:nvGrpSpPr>
+        <p:cNvPr id="1" name=""/>
+        <p:cNvGrpSpPr/>
+        <p:nvPr/>
+      </p:nvGrpSpPr>
+      <p:grpSpPr>
+        <a:xfrm>
+          <a:off x="0" y="0"/>
+          <a:ext cx="0" cy="0"/>
+          <a:chOff x="0" y="0"/>
+          <a:chExt cx="0" cy="0"/>
+        </a:xfrm>
+      </p:grpSpPr>
+      <p:sp>
+        <p:nvSpPr>
+          <p:cNvPr id="3" name="内容占位符 2">
+            <a:extLst>
+              <a:ext uri="{FF2B5EF4-FFF2-40B4-BE49-F238E27FC236}">
+                <a16:creationId xmlns:a16="http://schemas.microsoft.com/office/drawing/2014/main" id="{7060439F-2729-478E-B95F-230482B50AA1}"/>
+              </a:ext>
+            </a:extLst>
+          </p:cNvPr>
+          <p:cNvSpPr>
+            <a:spLocks noGrp="1"/>
+          </p:cNvSpPr>
+          <p:nvPr>
+            <p:ph idx="1"/>
+          </p:nvPr>
+        </p:nvSpPr>
+        <p:spPr>
+          <a:xfrm>
+            <a:off x="649777" y="1445632"/>
+            <a:ext cx="9561023" cy="3484956"/>
+          </a:xfrm>
+        </p:spPr>
+        <p:txBody>
+          <a:bodyPr anchor="t">
+            <a:normAutofit/>
+          </a:bodyPr>
+          <a:lstStyle/>
+          <a:p>
+            <a:r>
+              <a:rPr lang="en-MY" dirty="0"/>
+              <a:t>Make a program, which takes several value as input (value 0 to indicate the end. The program find the median value. (if total numbers is even, take the centre position 2 numbers and use average as final result. If total numbers is odd take the centre position number.)</a:t>
+            </a:r>
+          </a:p>
+          <a:p>
+            <a:pPr lvl="1"/>
+            <a:endParaRPr lang="en-MY" sz="1800" dirty="0"/>
+          </a:p>
+          <a:p>
+            <a:pPr lvl="1"/>
+            <a:endParaRPr lang="en-MY" sz="1800" dirty="0"/>
+          </a:p>
+          <a:p>
+            <a:pPr lvl="1"/>
+            <a:endParaRPr lang="en-MY" sz="1800" dirty="0"/>
+          </a:p>
+          <a:p>
+            <a:pPr lvl="1"/>
+            <a:endParaRPr lang="en-MY" sz="1800" dirty="0"/>
+          </a:p>
+          <a:p>
+            <a:r>
+              <a:rPr lang="en-MY" dirty="0"/>
+              <a:t>Make a program, which takes several values from user and calculate the sum and average. (when give value 0 means the end)</a:t>
+            </a:r>
+          </a:p>
+          <a:p>
+            <a:endParaRPr lang="en-MY" dirty="0"/>
+          </a:p>
+        </p:txBody>
+      </p:sp>
+    </p:spTree>
+    <p:extLst>
+      <p:ext uri="{BB962C8B-B14F-4D97-AF65-F5344CB8AC3E}">
+        <p14:creationId xmlns:p14="http://schemas.microsoft.com/office/powerpoint/2010/main" val="1821804651"/>
+      </p:ext>
+    </p:extLst>
+  </p:cSld>
+  <p:clrMapOvr>
+    <a:masterClrMapping/>
+  </p:clrMapOvr>
+</p:sld>
+</file>
+
 <file path=ppt/slides/slide5.xml><?xml version="1.0" encoding="utf-8"?>
 <p:sld xmlns:a="http://schemas.openxmlformats.org/drawingml/2006/main" xmlns:r="http://schemas.openxmlformats.org/officeDocument/2006/relationships" xmlns:p="http://schemas.openxmlformats.org/presentationml/2006/main">
   <p:cSld>
@@ -11812,18 +18442,21 @@
             <p:ph type="title"/>
           </p:nvPr>
         </p:nvSpPr>
-        <p:spPr/>
+        <p:spPr>
+          <a:xfrm>
+            <a:off x="923365" y="643463"/>
+            <a:ext cx="10649203" cy="1608124"/>
+          </a:xfrm>
+        </p:spPr>
         <p:txBody>
-          <a:bodyPr/>
+          <a:bodyPr>
+            <a:normAutofit/>
+          </a:bodyPr>
           <a:lstStyle/>
           <a:p>
             <a:r>
-              <a:rPr lang="en-US"/>
-              <a:t>Word counting </a:t>
-            </a:r>
-            <a:r>
               <a:rPr lang="en-US" dirty="0"/>
-              <a:t>program</a:t>
+              <a:t>List Programming practice</a:t>
             </a:r>
             <a:endParaRPr lang="en-MY" dirty="0"/>
           </a:p>
@@ -11847,8 +18480,8 @@
         </p:nvSpPr>
         <p:spPr>
           <a:xfrm>
-            <a:off x="685801" y="2142067"/>
-            <a:ext cx="6271590" cy="2840750"/>
+            <a:off x="923366" y="2251587"/>
+            <a:ext cx="10264588" cy="1782531"/>
           </a:xfrm>
         </p:spPr>
         <p:txBody>
@@ -11859,80 +18492,353 @@
           <a:p>
             <a:r>
               <a:rPr lang="en-MY" dirty="0"/>
-              <a:t>Read one article (one file) from stdin or as file.</a:t>
-            </a:r>
-          </a:p>
-          <a:p>
-            <a:r>
-              <a:rPr lang="en-MY" dirty="0"/>
-              <a:t>Analyse the words in the article: count how many times appeared for each word</a:t>
-            </a:r>
+              <a:t>Make a program, which takes 2 list of strings, then item-wise concatenate (2 first items of the lists concatenate together, 2 second items, then 2 third items, etc.)</a:t>
+            </a:r>
+          </a:p>
+          <a:p>
+            <a:pPr lvl="1"/>
+            <a:r>
+              <a:rPr lang="en-US" altLang="en-US" sz="1400" dirty="0">
+                <a:latin typeface="Arial Unicode MS"/>
+              </a:rPr>
+              <a:t>Example: first list: [ ‘M’, ‘</a:t>
+            </a:r>
+            <a:r>
+              <a:rPr lang="en-US" altLang="en-US" sz="1400" dirty="0" err="1">
+                <a:latin typeface="Arial Unicode MS"/>
+              </a:rPr>
+              <a:t>na</a:t>
+            </a:r>
+            <a:r>
+              <a:rPr lang="en-US" altLang="en-US" sz="1400" dirty="0">
+                <a:latin typeface="Arial Unicode MS"/>
+              </a:rPr>
+              <a:t>’, ‘</a:t>
+            </a:r>
+            <a:r>
+              <a:rPr lang="en-US" altLang="en-US" sz="1400" dirty="0" err="1">
+                <a:latin typeface="Arial Unicode MS"/>
+              </a:rPr>
+              <a:t>i</a:t>
+            </a:r>
+            <a:r>
+              <a:rPr lang="en-US" altLang="en-US" sz="1400" dirty="0">
+                <a:latin typeface="Arial Unicode MS"/>
+              </a:rPr>
+              <a:t>’, ‘Je’]; second list:[‘y’, ‘me’, ‘s’, ‘</a:t>
+            </a:r>
+            <a:r>
+              <a:rPr lang="en-US" altLang="en-US" sz="1400" dirty="0" err="1">
+                <a:latin typeface="Arial Unicode MS"/>
+              </a:rPr>
+              <a:t>rry</a:t>
+            </a:r>
+            <a:r>
+              <a:rPr lang="en-US" altLang="en-US" sz="1400" dirty="0">
+                <a:latin typeface="Arial Unicode MS"/>
+              </a:rPr>
+              <a:t>’]</a:t>
+            </a:r>
+            <a:endParaRPr kumimoji="0" lang="en-US" altLang="en-US" sz="1400" i="0" u="none" strike="noStrike" cap="none" normalizeH="0" baseline="0" dirty="0">
+              <a:ln>
+                <a:noFill/>
+              </a:ln>
+              <a:effectLst/>
+              <a:latin typeface="Arial Unicode MS"/>
+            </a:endParaRPr>
+          </a:p>
+          <a:p>
+            <a:pPr lvl="1"/>
+            <a:r>
+              <a:rPr lang="en-US" altLang="en-US" sz="1400" dirty="0">
+                <a:latin typeface="Arial Unicode MS"/>
+              </a:rPr>
+              <a:t>Then the result is [‘My’, ‘name’, ‘is’, ‘Jerry’]</a:t>
+            </a:r>
+            <a:endParaRPr kumimoji="0" lang="en-US" altLang="en-US" sz="1400" i="0" u="none" strike="noStrike" cap="none" normalizeH="0" baseline="0" dirty="0">
+              <a:ln>
+                <a:noFill/>
+              </a:ln>
+              <a:effectLst/>
+              <a:latin typeface="Arial Unicode MS"/>
+            </a:endParaRPr>
           </a:p>
           <a:p>
             <a:pPr lvl="1"/>
             <a:endParaRPr lang="en-MY" dirty="0"/>
           </a:p>
+        </p:txBody>
+      </p:sp>
+      <p:sp>
+        <p:nvSpPr>
+          <p:cNvPr id="4" name="内容占位符 2">
+            <a:extLst>
+              <a:ext uri="{FF2B5EF4-FFF2-40B4-BE49-F238E27FC236}">
+                <a16:creationId xmlns:a16="http://schemas.microsoft.com/office/drawing/2014/main" id="{EC31A9B6-34C0-4D1A-832B-DE43F35D868D}"/>
+              </a:ext>
+            </a:extLst>
+          </p:cNvPr>
+          <p:cNvSpPr txBox="1">
+            <a:spLocks/>
+          </p:cNvSpPr>
+          <p:nvPr/>
+        </p:nvSpPr>
+        <p:spPr>
+          <a:xfrm>
+            <a:off x="923365" y="4313469"/>
+            <a:ext cx="10264588" cy="1782531"/>
+          </a:xfrm>
+          <a:prstGeom prst="rect">
+            <a:avLst/>
+          </a:prstGeom>
+        </p:spPr>
+        <p:txBody>
+          <a:bodyPr vert="horz" lIns="91440" tIns="45720" rIns="91440" bIns="45720" rtlCol="0" anchor="t">
+            <a:normAutofit/>
+          </a:bodyPr>
+          <a:lstStyle>
+            <a:lvl1pPr marL="285750" indent="-285750" algn="l" defTabSz="457200" rtl="0" eaLnBrk="1" latinLnBrk="0" hangingPunct="1">
+              <a:spcBef>
+                <a:spcPts val="0"/>
+              </a:spcBef>
+              <a:spcAft>
+                <a:spcPts val="1000"/>
+              </a:spcAft>
+              <a:buClr>
+                <a:schemeClr val="tx1"/>
+              </a:buClr>
+              <a:buSzPct val="100000"/>
+              <a:buFont typeface="Arial"/>
+              <a:buChar char="•"/>
+              <a:defRPr sz="1800" kern="1200" cap="none">
+                <a:solidFill>
+                  <a:schemeClr val="tx1"/>
+                </a:solidFill>
+                <a:effectLst/>
+                <a:latin typeface="+mn-lt"/>
+                <a:ea typeface="+mn-ea"/>
+                <a:cs typeface="+mn-cs"/>
+              </a:defRPr>
+            </a:lvl1pPr>
+            <a:lvl2pPr marL="742950" indent="-285750" algn="l" defTabSz="457200" rtl="0" eaLnBrk="1" latinLnBrk="0" hangingPunct="1">
+              <a:spcBef>
+                <a:spcPts val="0"/>
+              </a:spcBef>
+              <a:spcAft>
+                <a:spcPts val="1000"/>
+              </a:spcAft>
+              <a:buClr>
+                <a:schemeClr val="tx1"/>
+              </a:buClr>
+              <a:buSzPct val="100000"/>
+              <a:buFont typeface="Arial"/>
+              <a:buChar char="•"/>
+              <a:defRPr sz="1600" kern="1200" cap="none">
+                <a:solidFill>
+                  <a:schemeClr val="tx1"/>
+                </a:solidFill>
+                <a:effectLst/>
+                <a:latin typeface="+mn-lt"/>
+                <a:ea typeface="+mn-ea"/>
+                <a:cs typeface="+mn-cs"/>
+              </a:defRPr>
+            </a:lvl2pPr>
+            <a:lvl3pPr marL="1200150" indent="-285750" algn="l" defTabSz="457200" rtl="0" eaLnBrk="1" latinLnBrk="0" hangingPunct="1">
+              <a:spcBef>
+                <a:spcPts val="0"/>
+              </a:spcBef>
+              <a:spcAft>
+                <a:spcPts val="1000"/>
+              </a:spcAft>
+              <a:buClr>
+                <a:schemeClr val="tx1"/>
+              </a:buClr>
+              <a:buSzPct val="100000"/>
+              <a:buFont typeface="Arial"/>
+              <a:buChar char="•"/>
+              <a:defRPr sz="1400" kern="1200" cap="none">
+                <a:solidFill>
+                  <a:schemeClr val="tx1"/>
+                </a:solidFill>
+                <a:effectLst/>
+                <a:latin typeface="+mn-lt"/>
+                <a:ea typeface="+mn-ea"/>
+                <a:cs typeface="+mn-cs"/>
+              </a:defRPr>
+            </a:lvl3pPr>
+            <a:lvl4pPr marL="1543050" indent="-171450" algn="l" defTabSz="457200" rtl="0" eaLnBrk="1" latinLnBrk="0" hangingPunct="1">
+              <a:spcBef>
+                <a:spcPts val="0"/>
+              </a:spcBef>
+              <a:spcAft>
+                <a:spcPts val="1000"/>
+              </a:spcAft>
+              <a:buClr>
+                <a:schemeClr val="tx1"/>
+              </a:buClr>
+              <a:buSzPct val="100000"/>
+              <a:buFont typeface="Arial"/>
+              <a:buChar char="•"/>
+              <a:defRPr sz="1200" kern="1200" cap="none">
+                <a:solidFill>
+                  <a:schemeClr val="tx1"/>
+                </a:solidFill>
+                <a:effectLst/>
+                <a:latin typeface="+mn-lt"/>
+                <a:ea typeface="+mn-ea"/>
+                <a:cs typeface="+mn-cs"/>
+              </a:defRPr>
+            </a:lvl4pPr>
+            <a:lvl5pPr marL="2000250" indent="-171450" algn="l" defTabSz="457200" rtl="0" eaLnBrk="1" latinLnBrk="0" hangingPunct="1">
+              <a:spcBef>
+                <a:spcPts val="0"/>
+              </a:spcBef>
+              <a:spcAft>
+                <a:spcPts val="1000"/>
+              </a:spcAft>
+              <a:buClr>
+                <a:schemeClr val="tx1"/>
+              </a:buClr>
+              <a:buSzPct val="100000"/>
+              <a:buFont typeface="Arial"/>
+              <a:buChar char="•"/>
+              <a:defRPr sz="1200" kern="1200" cap="none">
+                <a:solidFill>
+                  <a:schemeClr val="tx1"/>
+                </a:solidFill>
+                <a:effectLst/>
+                <a:latin typeface="+mn-lt"/>
+                <a:ea typeface="+mn-ea"/>
+                <a:cs typeface="+mn-cs"/>
+              </a:defRPr>
+            </a:lvl5pPr>
+            <a:lvl6pPr marL="2514600" indent="-228600" algn="l" defTabSz="457200" rtl="0" eaLnBrk="1" latinLnBrk="0" hangingPunct="1">
+              <a:spcBef>
+                <a:spcPts val="0"/>
+              </a:spcBef>
+              <a:spcAft>
+                <a:spcPts val="1000"/>
+              </a:spcAft>
+              <a:buClr>
+                <a:schemeClr val="tx1"/>
+              </a:buClr>
+              <a:buSzPct val="100000"/>
+              <a:buFont typeface="Arial"/>
+              <a:buChar char="•"/>
+              <a:defRPr sz="1200" kern="1200" cap="none">
+                <a:solidFill>
+                  <a:schemeClr val="tx1"/>
+                </a:solidFill>
+                <a:effectLst/>
+                <a:latin typeface="+mn-lt"/>
+                <a:ea typeface="+mn-ea"/>
+                <a:cs typeface="+mn-cs"/>
+              </a:defRPr>
+            </a:lvl6pPr>
+            <a:lvl7pPr marL="2971800" indent="-228600" algn="l" defTabSz="457200" rtl="0" eaLnBrk="1" latinLnBrk="0" hangingPunct="1">
+              <a:spcBef>
+                <a:spcPts val="0"/>
+              </a:spcBef>
+              <a:spcAft>
+                <a:spcPts val="1000"/>
+              </a:spcAft>
+              <a:buClr>
+                <a:schemeClr val="tx1"/>
+              </a:buClr>
+              <a:buSzPct val="100000"/>
+              <a:buFont typeface="Arial"/>
+              <a:buChar char="•"/>
+              <a:defRPr sz="1200" kern="1200" cap="none">
+                <a:solidFill>
+                  <a:schemeClr val="tx1"/>
+                </a:solidFill>
+                <a:effectLst/>
+                <a:latin typeface="+mn-lt"/>
+                <a:ea typeface="+mn-ea"/>
+                <a:cs typeface="+mn-cs"/>
+              </a:defRPr>
+            </a:lvl7pPr>
+            <a:lvl8pPr marL="3429000" indent="-228600" algn="l" defTabSz="457200" rtl="0" eaLnBrk="1" latinLnBrk="0" hangingPunct="1">
+              <a:spcBef>
+                <a:spcPts val="0"/>
+              </a:spcBef>
+              <a:spcAft>
+                <a:spcPts val="1000"/>
+              </a:spcAft>
+              <a:buClr>
+                <a:schemeClr val="tx1"/>
+              </a:buClr>
+              <a:buSzPct val="100000"/>
+              <a:buFont typeface="Arial"/>
+              <a:buChar char="•"/>
+              <a:defRPr sz="1200" kern="1200" cap="none">
+                <a:solidFill>
+                  <a:schemeClr val="tx1"/>
+                </a:solidFill>
+                <a:effectLst/>
+                <a:latin typeface="+mn-lt"/>
+                <a:ea typeface="+mn-ea"/>
+                <a:cs typeface="+mn-cs"/>
+              </a:defRPr>
+            </a:lvl8pPr>
+            <a:lvl9pPr marL="3886200" indent="-228600" algn="l" defTabSz="457200" rtl="0" eaLnBrk="1" latinLnBrk="0" hangingPunct="1">
+              <a:spcBef>
+                <a:spcPts val="0"/>
+              </a:spcBef>
+              <a:spcAft>
+                <a:spcPts val="1000"/>
+              </a:spcAft>
+              <a:buClr>
+                <a:schemeClr val="tx1"/>
+              </a:buClr>
+              <a:buSzPct val="100000"/>
+              <a:buFont typeface="Arial"/>
+              <a:buChar char="•"/>
+              <a:defRPr sz="1200" kern="1200" cap="none">
+                <a:solidFill>
+                  <a:schemeClr val="tx1"/>
+                </a:solidFill>
+                <a:effectLst/>
+                <a:latin typeface="+mn-lt"/>
+                <a:ea typeface="+mn-ea"/>
+                <a:cs typeface="+mn-cs"/>
+              </a:defRPr>
+            </a:lvl9pPr>
+          </a:lstStyle>
+          <a:p>
+            <a:r>
+              <a:rPr lang="en-MY" dirty="0"/>
+              <a:t>Make a program, which takes 1 list of numbers as items, then produce a new list with all item number are the square of original string.</a:t>
+            </a:r>
+          </a:p>
+          <a:p>
+            <a:pPr lvl="1"/>
+            <a:r>
+              <a:rPr lang="en-US" altLang="en-US" sz="1400" dirty="0">
+                <a:latin typeface="Arial Unicode MS"/>
+              </a:rPr>
+              <a:t>Example: list: [2, 3, 4, 5]</a:t>
+            </a:r>
+          </a:p>
+          <a:p>
+            <a:pPr lvl="1"/>
+            <a:r>
+              <a:rPr lang="en-US" altLang="en-US" sz="1400" dirty="0">
+                <a:latin typeface="Arial Unicode MS"/>
+              </a:rPr>
+              <a:t>Then the result is [4, 9, 16, 25]</a:t>
+            </a:r>
+          </a:p>
           <a:p>
             <a:pPr lvl="1"/>
             <a:endParaRPr lang="en-MY" dirty="0"/>
           </a:p>
         </p:txBody>
       </p:sp>
-      <mc:AlternateContent xmlns:mc="http://schemas.openxmlformats.org/markup-compatibility/2006" xmlns:p14="http://schemas.microsoft.com/office/powerpoint/2010/main">
-        <mc:Choice Requires="p14">
-          <p:contentPart p14:bwMode="auto" r:id="rId2">
-            <p14:nvContentPartPr>
-              <p14:cNvPr id="4" name="Ink 3">
-                <a:extLst>
-                  <a:ext uri="{FF2B5EF4-FFF2-40B4-BE49-F238E27FC236}">
-                    <a16:creationId xmlns:a16="http://schemas.microsoft.com/office/drawing/2014/main" id="{CCA4BA79-7207-46F9-81D1-051637F90D5A}"/>
-                  </a:ext>
-                </a:extLst>
-              </p14:cNvPr>
-              <p14:cNvContentPartPr/>
-              <p14:nvPr/>
-            </p14:nvContentPartPr>
-            <p14:xfrm>
-              <a:off x="1715245" y="1921987"/>
-              <a:ext cx="13680" cy="2520"/>
-            </p14:xfrm>
-          </p:contentPart>
-        </mc:Choice>
-        <mc:Fallback xmlns="">
-          <p:pic>
-            <p:nvPicPr>
-              <p:cNvPr id="4" name="Ink 3">
-                <a:extLst>
-                  <a:ext uri="{FF2B5EF4-FFF2-40B4-BE49-F238E27FC236}">
-                    <a16:creationId xmlns:a16="http://schemas.microsoft.com/office/drawing/2014/main" id="{CCA4BA79-7207-46F9-81D1-051637F90D5A}"/>
-                  </a:ext>
-                </a:extLst>
-              </p:cNvPr>
-              <p:cNvPicPr/>
-              <p:nvPr/>
-            </p:nvPicPr>
-            <p:blipFill>
-              <a:blip r:embed="rId3"/>
-              <a:stretch>
-                <a:fillRect/>
-              </a:stretch>
-            </p:blipFill>
-            <p:spPr>
-              <a:xfrm>
-                <a:off x="1706605" y="1913347"/>
-                <a:ext cx="31320" cy="20160"/>
-              </a:xfrm>
-              <a:prstGeom prst="rect">
-                <a:avLst/>
-              </a:prstGeom>
-            </p:spPr>
-          </p:pic>
-        </mc:Fallback>
-      </mc:AlternateContent>
     </p:spTree>
     <p:extLst>
       <p:ext uri="{BB962C8B-B14F-4D97-AF65-F5344CB8AC3E}">
-        <p14:creationId xmlns:p14="http://schemas.microsoft.com/office/powerpoint/2010/main" val="3409578767"/>
+        <p14:creationId xmlns:p14="http://schemas.microsoft.com/office/powerpoint/2010/main" val="908925994"/>
       </p:ext>
     </p:extLst>
   </p:cSld>
@@ -11975,14 +18881,21 @@
             <p:ph type="title"/>
           </p:nvPr>
         </p:nvSpPr>
-        <p:spPr/>
+        <p:spPr>
+          <a:xfrm>
+            <a:off x="923365" y="643463"/>
+            <a:ext cx="10649203" cy="1608124"/>
+          </a:xfrm>
+        </p:spPr>
         <p:txBody>
-          <a:bodyPr/>
+          <a:bodyPr>
+            <a:normAutofit/>
+          </a:bodyPr>
           <a:lstStyle/>
           <a:p>
             <a:r>
               <a:rPr lang="en-US" dirty="0"/>
-              <a:t>Reverse of list</a:t>
+              <a:t>List Programming practice</a:t>
             </a:r>
             <a:endParaRPr lang="en-MY" dirty="0"/>
           </a:p>
@@ -12006,8 +18919,8 @@
         </p:nvSpPr>
         <p:spPr>
           <a:xfrm>
-            <a:off x="685800" y="2142067"/>
-            <a:ext cx="8911205" cy="2840750"/>
+            <a:off x="923366" y="2251587"/>
+            <a:ext cx="10264588" cy="1782531"/>
           </a:xfrm>
         </p:spPr>
         <p:txBody>
@@ -12018,120 +18931,317 @@
           <a:p>
             <a:r>
               <a:rPr lang="en-MY" dirty="0"/>
-              <a:t>Make a function, call it </a:t>
-            </a:r>
-            <a:r>
-              <a:rPr lang="en-MY" dirty="0" err="1"/>
-              <a:t>reverseList</a:t>
-            </a:r>
-            <a:r>
-              <a:rPr lang="en-MY" dirty="0"/>
-              <a:t>(). Take an argument of list type, and return a new list with all item in reversed order. </a:t>
-            </a:r>
-            <a:r>
-              <a:rPr lang="en-MY" i="1" dirty="0"/>
-              <a:t>--- (don’t call the </a:t>
-            </a:r>
-            <a:r>
-              <a:rPr lang="en-MY" i="1" dirty="0" err="1"/>
-              <a:t>list.reverse</a:t>
-            </a:r>
-            <a:r>
-              <a:rPr lang="en-MY" i="1" dirty="0"/>
-              <a:t>() method. Build your own version)</a:t>
-            </a:r>
-          </a:p>
-          <a:p>
-            <a:r>
-              <a:rPr lang="en-MY" dirty="0"/>
-              <a:t>Make a function, call it </a:t>
-            </a:r>
-            <a:r>
-              <a:rPr lang="en-MY" dirty="0" err="1"/>
-              <a:t>reverseListInPlace</a:t>
-            </a:r>
-            <a:r>
-              <a:rPr lang="en-MY" dirty="0"/>
-              <a:t>(). Take an argument of list type, change the list items order in reverse and then return. (no need return value) </a:t>
-            </a:r>
-            <a:r>
-              <a:rPr lang="en-MY" i="1" dirty="0"/>
-              <a:t>--- (don’t call the </a:t>
-            </a:r>
-            <a:r>
-              <a:rPr lang="en-MY" i="1" dirty="0" err="1"/>
-              <a:t>list.reverse</a:t>
-            </a:r>
-            <a:r>
-              <a:rPr lang="en-MY" i="1" dirty="0"/>
-              <a:t>() method. Build your own version)</a:t>
-            </a:r>
+              <a:t>Make a program, which check a list of string, and if have empty string as item, remove it</a:t>
+            </a:r>
+          </a:p>
+          <a:p>
+            <a:pPr lvl="1"/>
+            <a:r>
+              <a:rPr lang="en-US" altLang="en-US" sz="1400" dirty="0">
+                <a:latin typeface="Arial Unicode MS"/>
+              </a:rPr>
+              <a:t>Example: list: [ ‘Python’, ‘’, ‘’, ‘program’]</a:t>
+            </a:r>
+            <a:endParaRPr kumimoji="0" lang="en-US" altLang="en-US" sz="1400" i="0" u="none" strike="noStrike" cap="none" normalizeH="0" baseline="0" dirty="0">
+              <a:ln>
+                <a:noFill/>
+              </a:ln>
+              <a:effectLst/>
+              <a:latin typeface="Arial Unicode MS"/>
+            </a:endParaRPr>
+          </a:p>
+          <a:p>
+            <a:pPr lvl="1"/>
+            <a:r>
+              <a:rPr lang="en-US" altLang="en-US" sz="1400" dirty="0">
+                <a:latin typeface="Arial Unicode MS"/>
+              </a:rPr>
+              <a:t>Then the result is [‘Python’, ‘program’]</a:t>
+            </a:r>
+            <a:endParaRPr kumimoji="0" lang="en-US" altLang="en-US" sz="1400" i="0" u="none" strike="noStrike" cap="none" normalizeH="0" baseline="0" dirty="0">
+              <a:ln>
+                <a:noFill/>
+              </a:ln>
+              <a:effectLst/>
+              <a:latin typeface="Arial Unicode MS"/>
+            </a:endParaRPr>
           </a:p>
           <a:p>
             <a:pPr lvl="1"/>
             <a:endParaRPr lang="en-MY" dirty="0"/>
           </a:p>
+        </p:txBody>
+      </p:sp>
+      <p:sp>
+        <p:nvSpPr>
+          <p:cNvPr id="4" name="内容占位符 2">
+            <a:extLst>
+              <a:ext uri="{FF2B5EF4-FFF2-40B4-BE49-F238E27FC236}">
+                <a16:creationId xmlns:a16="http://schemas.microsoft.com/office/drawing/2014/main" id="{EC31A9B6-34C0-4D1A-832B-DE43F35D868D}"/>
+              </a:ext>
+            </a:extLst>
+          </p:cNvPr>
+          <p:cNvSpPr txBox="1">
+            <a:spLocks/>
+          </p:cNvSpPr>
+          <p:nvPr/>
+        </p:nvSpPr>
+        <p:spPr>
+          <a:xfrm>
+            <a:off x="923365" y="4313469"/>
+            <a:ext cx="10264588" cy="1782531"/>
+          </a:xfrm>
+          <a:prstGeom prst="rect">
+            <a:avLst/>
+          </a:prstGeom>
+        </p:spPr>
+        <p:txBody>
+          <a:bodyPr vert="horz" lIns="91440" tIns="45720" rIns="91440" bIns="45720" rtlCol="0" anchor="t">
+            <a:normAutofit/>
+          </a:bodyPr>
+          <a:lstStyle>
+            <a:lvl1pPr marL="285750" indent="-285750" algn="l" defTabSz="457200" rtl="0" eaLnBrk="1" latinLnBrk="0" hangingPunct="1">
+              <a:spcBef>
+                <a:spcPts val="0"/>
+              </a:spcBef>
+              <a:spcAft>
+                <a:spcPts val="1000"/>
+              </a:spcAft>
+              <a:buClr>
+                <a:schemeClr val="tx1"/>
+              </a:buClr>
+              <a:buSzPct val="100000"/>
+              <a:buFont typeface="Arial"/>
+              <a:buChar char="•"/>
+              <a:defRPr sz="1800" kern="1200" cap="none">
+                <a:solidFill>
+                  <a:schemeClr val="tx1"/>
+                </a:solidFill>
+                <a:effectLst/>
+                <a:latin typeface="+mn-lt"/>
+                <a:ea typeface="+mn-ea"/>
+                <a:cs typeface="+mn-cs"/>
+              </a:defRPr>
+            </a:lvl1pPr>
+            <a:lvl2pPr marL="742950" indent="-285750" algn="l" defTabSz="457200" rtl="0" eaLnBrk="1" latinLnBrk="0" hangingPunct="1">
+              <a:spcBef>
+                <a:spcPts val="0"/>
+              </a:spcBef>
+              <a:spcAft>
+                <a:spcPts val="1000"/>
+              </a:spcAft>
+              <a:buClr>
+                <a:schemeClr val="tx1"/>
+              </a:buClr>
+              <a:buSzPct val="100000"/>
+              <a:buFont typeface="Arial"/>
+              <a:buChar char="•"/>
+              <a:defRPr sz="1600" kern="1200" cap="none">
+                <a:solidFill>
+                  <a:schemeClr val="tx1"/>
+                </a:solidFill>
+                <a:effectLst/>
+                <a:latin typeface="+mn-lt"/>
+                <a:ea typeface="+mn-ea"/>
+                <a:cs typeface="+mn-cs"/>
+              </a:defRPr>
+            </a:lvl2pPr>
+            <a:lvl3pPr marL="1200150" indent="-285750" algn="l" defTabSz="457200" rtl="0" eaLnBrk="1" latinLnBrk="0" hangingPunct="1">
+              <a:spcBef>
+                <a:spcPts val="0"/>
+              </a:spcBef>
+              <a:spcAft>
+                <a:spcPts val="1000"/>
+              </a:spcAft>
+              <a:buClr>
+                <a:schemeClr val="tx1"/>
+              </a:buClr>
+              <a:buSzPct val="100000"/>
+              <a:buFont typeface="Arial"/>
+              <a:buChar char="•"/>
+              <a:defRPr sz="1400" kern="1200" cap="none">
+                <a:solidFill>
+                  <a:schemeClr val="tx1"/>
+                </a:solidFill>
+                <a:effectLst/>
+                <a:latin typeface="+mn-lt"/>
+                <a:ea typeface="+mn-ea"/>
+                <a:cs typeface="+mn-cs"/>
+              </a:defRPr>
+            </a:lvl3pPr>
+            <a:lvl4pPr marL="1543050" indent="-171450" algn="l" defTabSz="457200" rtl="0" eaLnBrk="1" latinLnBrk="0" hangingPunct="1">
+              <a:spcBef>
+                <a:spcPts val="0"/>
+              </a:spcBef>
+              <a:spcAft>
+                <a:spcPts val="1000"/>
+              </a:spcAft>
+              <a:buClr>
+                <a:schemeClr val="tx1"/>
+              </a:buClr>
+              <a:buSzPct val="100000"/>
+              <a:buFont typeface="Arial"/>
+              <a:buChar char="•"/>
+              <a:defRPr sz="1200" kern="1200" cap="none">
+                <a:solidFill>
+                  <a:schemeClr val="tx1"/>
+                </a:solidFill>
+                <a:effectLst/>
+                <a:latin typeface="+mn-lt"/>
+                <a:ea typeface="+mn-ea"/>
+                <a:cs typeface="+mn-cs"/>
+              </a:defRPr>
+            </a:lvl4pPr>
+            <a:lvl5pPr marL="2000250" indent="-171450" algn="l" defTabSz="457200" rtl="0" eaLnBrk="1" latinLnBrk="0" hangingPunct="1">
+              <a:spcBef>
+                <a:spcPts val="0"/>
+              </a:spcBef>
+              <a:spcAft>
+                <a:spcPts val="1000"/>
+              </a:spcAft>
+              <a:buClr>
+                <a:schemeClr val="tx1"/>
+              </a:buClr>
+              <a:buSzPct val="100000"/>
+              <a:buFont typeface="Arial"/>
+              <a:buChar char="•"/>
+              <a:defRPr sz="1200" kern="1200" cap="none">
+                <a:solidFill>
+                  <a:schemeClr val="tx1"/>
+                </a:solidFill>
+                <a:effectLst/>
+                <a:latin typeface="+mn-lt"/>
+                <a:ea typeface="+mn-ea"/>
+                <a:cs typeface="+mn-cs"/>
+              </a:defRPr>
+            </a:lvl5pPr>
+            <a:lvl6pPr marL="2514600" indent="-228600" algn="l" defTabSz="457200" rtl="0" eaLnBrk="1" latinLnBrk="0" hangingPunct="1">
+              <a:spcBef>
+                <a:spcPts val="0"/>
+              </a:spcBef>
+              <a:spcAft>
+                <a:spcPts val="1000"/>
+              </a:spcAft>
+              <a:buClr>
+                <a:schemeClr val="tx1"/>
+              </a:buClr>
+              <a:buSzPct val="100000"/>
+              <a:buFont typeface="Arial"/>
+              <a:buChar char="•"/>
+              <a:defRPr sz="1200" kern="1200" cap="none">
+                <a:solidFill>
+                  <a:schemeClr val="tx1"/>
+                </a:solidFill>
+                <a:effectLst/>
+                <a:latin typeface="+mn-lt"/>
+                <a:ea typeface="+mn-ea"/>
+                <a:cs typeface="+mn-cs"/>
+              </a:defRPr>
+            </a:lvl6pPr>
+            <a:lvl7pPr marL="2971800" indent="-228600" algn="l" defTabSz="457200" rtl="0" eaLnBrk="1" latinLnBrk="0" hangingPunct="1">
+              <a:spcBef>
+                <a:spcPts val="0"/>
+              </a:spcBef>
+              <a:spcAft>
+                <a:spcPts val="1000"/>
+              </a:spcAft>
+              <a:buClr>
+                <a:schemeClr val="tx1"/>
+              </a:buClr>
+              <a:buSzPct val="100000"/>
+              <a:buFont typeface="Arial"/>
+              <a:buChar char="•"/>
+              <a:defRPr sz="1200" kern="1200" cap="none">
+                <a:solidFill>
+                  <a:schemeClr val="tx1"/>
+                </a:solidFill>
+                <a:effectLst/>
+                <a:latin typeface="+mn-lt"/>
+                <a:ea typeface="+mn-ea"/>
+                <a:cs typeface="+mn-cs"/>
+              </a:defRPr>
+            </a:lvl7pPr>
+            <a:lvl8pPr marL="3429000" indent="-228600" algn="l" defTabSz="457200" rtl="0" eaLnBrk="1" latinLnBrk="0" hangingPunct="1">
+              <a:spcBef>
+                <a:spcPts val="0"/>
+              </a:spcBef>
+              <a:spcAft>
+                <a:spcPts val="1000"/>
+              </a:spcAft>
+              <a:buClr>
+                <a:schemeClr val="tx1"/>
+              </a:buClr>
+              <a:buSzPct val="100000"/>
+              <a:buFont typeface="Arial"/>
+              <a:buChar char="•"/>
+              <a:defRPr sz="1200" kern="1200" cap="none">
+                <a:solidFill>
+                  <a:schemeClr val="tx1"/>
+                </a:solidFill>
+                <a:effectLst/>
+                <a:latin typeface="+mn-lt"/>
+                <a:ea typeface="+mn-ea"/>
+                <a:cs typeface="+mn-cs"/>
+              </a:defRPr>
+            </a:lvl8pPr>
+            <a:lvl9pPr marL="3886200" indent="-228600" algn="l" defTabSz="457200" rtl="0" eaLnBrk="1" latinLnBrk="0" hangingPunct="1">
+              <a:spcBef>
+                <a:spcPts val="0"/>
+              </a:spcBef>
+              <a:spcAft>
+                <a:spcPts val="1000"/>
+              </a:spcAft>
+              <a:buClr>
+                <a:schemeClr val="tx1"/>
+              </a:buClr>
+              <a:buSzPct val="100000"/>
+              <a:buFont typeface="Arial"/>
+              <a:buChar char="•"/>
+              <a:defRPr sz="1200" kern="1200" cap="none">
+                <a:solidFill>
+                  <a:schemeClr val="tx1"/>
+                </a:solidFill>
+                <a:effectLst/>
+                <a:latin typeface="+mn-lt"/>
+                <a:ea typeface="+mn-ea"/>
+                <a:cs typeface="+mn-cs"/>
+              </a:defRPr>
+            </a:lvl9pPr>
+          </a:lstStyle>
+          <a:p>
+            <a:r>
+              <a:rPr lang="en-MY" dirty="0"/>
+              <a:t>Make a program, which takes 2 list of string, then concatenate the first item of first string with last item of second string, then second item of first string, and last second of second string, etc. the 2 items when concatenate add space in between.</a:t>
+            </a:r>
+          </a:p>
+          <a:p>
+            <a:pPr lvl="1"/>
+            <a:r>
+              <a:rPr lang="en-US" altLang="en-US" sz="1400" dirty="0">
+                <a:latin typeface="Arial Unicode MS"/>
+              </a:rPr>
+              <a:t>Example: first list: [‘apple’, ‘banana’, ‘orange’, ‘mango’], second list: [‘cat’, ‘dog’, ‘mouse’, ‘monkey’]</a:t>
+            </a:r>
+          </a:p>
+          <a:p>
+            <a:pPr lvl="1"/>
+            <a:r>
+              <a:rPr lang="en-US" altLang="en-US" sz="1400" dirty="0">
+                <a:latin typeface="Arial Unicode MS"/>
+              </a:rPr>
+              <a:t>Then the result is [‘apple monkey’, ‘ banana mouse’, ‘orange dog’, ‘mango cat’]</a:t>
+            </a:r>
+          </a:p>
           <a:p>
             <a:pPr lvl="1"/>
             <a:endParaRPr lang="en-MY" dirty="0"/>
           </a:p>
         </p:txBody>
       </p:sp>
-      <mc:AlternateContent xmlns:mc="http://schemas.openxmlformats.org/markup-compatibility/2006" xmlns:p14="http://schemas.microsoft.com/office/powerpoint/2010/main">
-        <mc:Choice Requires="p14">
-          <p:contentPart p14:bwMode="auto" r:id="rId2">
-            <p14:nvContentPartPr>
-              <p14:cNvPr id="4" name="Ink 3">
-                <a:extLst>
-                  <a:ext uri="{FF2B5EF4-FFF2-40B4-BE49-F238E27FC236}">
-                    <a16:creationId xmlns:a16="http://schemas.microsoft.com/office/drawing/2014/main" id="{CCA4BA79-7207-46F9-81D1-051637F90D5A}"/>
-                  </a:ext>
-                </a:extLst>
-              </p14:cNvPr>
-              <p14:cNvContentPartPr/>
-              <p14:nvPr/>
-            </p14:nvContentPartPr>
-            <p14:xfrm>
-              <a:off x="1715245" y="1921987"/>
-              <a:ext cx="13680" cy="2520"/>
-            </p14:xfrm>
-          </p:contentPart>
-        </mc:Choice>
-        <mc:Fallback xmlns="">
-          <p:pic>
-            <p:nvPicPr>
-              <p:cNvPr id="4" name="Ink 3">
-                <a:extLst>
-                  <a:ext uri="{FF2B5EF4-FFF2-40B4-BE49-F238E27FC236}">
-                    <a16:creationId xmlns:a16="http://schemas.microsoft.com/office/drawing/2014/main" id="{CCA4BA79-7207-46F9-81D1-051637F90D5A}"/>
-                  </a:ext>
-                </a:extLst>
-              </p:cNvPr>
-              <p:cNvPicPr/>
-              <p:nvPr/>
-            </p:nvPicPr>
-            <p:blipFill>
-              <a:blip r:embed="rId3"/>
-              <a:stretch>
-                <a:fillRect/>
-              </a:stretch>
-            </p:blipFill>
-            <p:spPr>
-              <a:xfrm>
-                <a:off x="1706605" y="1913347"/>
-                <a:ext cx="31320" cy="20160"/>
-              </a:xfrm>
-              <a:prstGeom prst="rect">
-                <a:avLst/>
-              </a:prstGeom>
-            </p:spPr>
-          </p:pic>
-        </mc:Fallback>
-      </mc:AlternateContent>
     </p:spTree>
     <p:extLst>
       <p:ext uri="{BB962C8B-B14F-4D97-AF65-F5344CB8AC3E}">
-        <p14:creationId xmlns:p14="http://schemas.microsoft.com/office/powerpoint/2010/main" val="646767933"/>
+        <p14:creationId xmlns:p14="http://schemas.microsoft.com/office/powerpoint/2010/main" val="4089429991"/>
       </p:ext>
     </p:extLst>
   </p:cSld>
@@ -12174,14 +19284,21 @@
             <p:ph type="title"/>
           </p:nvPr>
         </p:nvSpPr>
-        <p:spPr/>
+        <p:spPr>
+          <a:xfrm>
+            <a:off x="923365" y="643463"/>
+            <a:ext cx="10649203" cy="1608124"/>
+          </a:xfrm>
+        </p:spPr>
         <p:txBody>
-          <a:bodyPr/>
+          <a:bodyPr>
+            <a:normAutofit/>
+          </a:bodyPr>
           <a:lstStyle/>
           <a:p>
             <a:r>
               <a:rPr lang="en-US" dirty="0"/>
-              <a:t>Judge number is even or odd – use recursion</a:t>
+              <a:t>List Programming practice</a:t>
             </a:r>
             <a:endParaRPr lang="en-MY" dirty="0"/>
           </a:p>
@@ -12205,8 +19322,8 @@
         </p:nvSpPr>
         <p:spPr>
           <a:xfrm>
-            <a:off x="685801" y="2142067"/>
-            <a:ext cx="6271590" cy="2840750"/>
+            <a:off x="923366" y="2251587"/>
+            <a:ext cx="10264588" cy="1782531"/>
           </a:xfrm>
         </p:spPr>
         <p:txBody>
@@ -12217,88 +19334,95 @@
           <a:p>
             <a:r>
               <a:rPr lang="en-MY" dirty="0"/>
-              <a:t>Number is 1, it is odd</a:t>
-            </a:r>
-          </a:p>
-          <a:p>
-            <a:r>
-              <a:rPr lang="en-MY" dirty="0"/>
-              <a:t>Number is 0, it is even</a:t>
-            </a:r>
-          </a:p>
-          <a:p>
-            <a:r>
-              <a:rPr lang="en-MY" dirty="0"/>
-              <a:t>For any number n, it is same even or odd as n-2</a:t>
-            </a:r>
+              <a:t>Make program which can do extend nested list like following:</a:t>
+            </a:r>
+          </a:p>
+          <a:p>
+            <a:pPr lvl="1"/>
+            <a:r>
+              <a:rPr lang="en-US" altLang="en-US" sz="1400" dirty="0">
+                <a:latin typeface="Arial Unicode MS"/>
+              </a:rPr>
+              <a:t>Have a list: [ ‘a’, [‘b’, ‘c’, [‘d’, ‘e’, ‘f’], ‘j’, ‘k’], ‘l’]</a:t>
+            </a:r>
+            <a:endParaRPr kumimoji="0" lang="en-US" altLang="en-US" sz="1400" i="0" u="none" strike="noStrike" cap="none" normalizeH="0" baseline="0" dirty="0">
+              <a:ln>
+                <a:noFill/>
+              </a:ln>
+              <a:effectLst/>
+              <a:latin typeface="Arial Unicode MS"/>
+            </a:endParaRPr>
+          </a:p>
+          <a:p>
+            <a:pPr lvl="1"/>
+            <a:r>
+              <a:rPr kumimoji="0" lang="en-US" altLang="en-US" sz="1400" i="0" u="none" strike="noStrike" cap="none" normalizeH="0" baseline="0" dirty="0">
+                <a:ln>
+                  <a:noFill/>
+                </a:ln>
+                <a:effectLst/>
+                <a:latin typeface="Arial Unicode MS"/>
+              </a:rPr>
+              <a:t>Insert a second list [‘g’, ‘h’, ‘</a:t>
+            </a:r>
+            <a:r>
+              <a:rPr kumimoji="0" lang="en-US" altLang="en-US" sz="1400" i="0" u="none" strike="noStrike" cap="none" normalizeH="0" baseline="0" dirty="0" err="1">
+                <a:ln>
+                  <a:noFill/>
+                </a:ln>
+                <a:effectLst/>
+                <a:latin typeface="Arial Unicode MS"/>
+              </a:rPr>
+              <a:t>i</a:t>
+            </a:r>
+            <a:r>
+              <a:rPr kumimoji="0" lang="en-US" altLang="en-US" sz="1400" i="0" u="none" strike="noStrike" cap="none" normalizeH="0" baseline="0" dirty="0">
+                <a:ln>
+                  <a:noFill/>
+                </a:ln>
+                <a:effectLst/>
+                <a:latin typeface="Arial Unicode MS"/>
+              </a:rPr>
+              <a:t>’] and make it becomes: [‘a’, [</a:t>
+            </a:r>
+            <a:r>
+              <a:rPr lang="en-US" altLang="en-US" sz="1400" dirty="0">
+                <a:latin typeface="Arial Unicode MS"/>
+              </a:rPr>
+              <a:t>‘b’, ‘c’, [‘d’, ‘e’, ‘f’, ‘g’, ‘h’, ‘</a:t>
+            </a:r>
+            <a:r>
+              <a:rPr lang="en-US" altLang="en-US" sz="1400" dirty="0" err="1">
+                <a:latin typeface="Arial Unicode MS"/>
+              </a:rPr>
+              <a:t>i</a:t>
+            </a:r>
+            <a:r>
+              <a:rPr lang="en-US" altLang="en-US" sz="1400" dirty="0">
+                <a:latin typeface="Arial Unicode MS"/>
+              </a:rPr>
+              <a:t>’], ‘j’, ‘k’, ‘l’] </a:t>
+            </a:r>
+            <a:endParaRPr kumimoji="0" lang="en-US" altLang="en-US" sz="1400" i="0" u="none" strike="noStrike" cap="none" normalizeH="0" baseline="0" dirty="0">
+              <a:ln>
+                <a:noFill/>
+              </a:ln>
+              <a:effectLst/>
+              <a:latin typeface="Arial Unicode MS"/>
+            </a:endParaRPr>
           </a:p>
           <a:p>
             <a:pPr lvl="1"/>
             <a:endParaRPr lang="en-MY" dirty="0"/>
           </a:p>
-          <a:p>
-            <a:pPr lvl="1"/>
-            <a:endParaRPr lang="en-MY" dirty="0"/>
-          </a:p>
         </p:txBody>
       </p:sp>
-      <mc:AlternateContent xmlns:mc="http://schemas.openxmlformats.org/markup-compatibility/2006" xmlns:p14="http://schemas.microsoft.com/office/powerpoint/2010/main">
-        <mc:Choice Requires="p14">
-          <p:contentPart p14:bwMode="auto" r:id="rId2">
-            <p14:nvContentPartPr>
-              <p14:cNvPr id="4" name="Ink 3">
-                <a:extLst>
-                  <a:ext uri="{FF2B5EF4-FFF2-40B4-BE49-F238E27FC236}">
-                    <a16:creationId xmlns:a16="http://schemas.microsoft.com/office/drawing/2014/main" id="{CCA4BA79-7207-46F9-81D1-051637F90D5A}"/>
-                  </a:ext>
-                </a:extLst>
-              </p14:cNvPr>
-              <p14:cNvContentPartPr/>
-              <p14:nvPr/>
-            </p14:nvContentPartPr>
-            <p14:xfrm>
-              <a:off x="1715245" y="1921987"/>
-              <a:ext cx="13680" cy="2520"/>
-            </p14:xfrm>
-          </p:contentPart>
-        </mc:Choice>
-        <mc:Fallback xmlns="">
-          <p:pic>
-            <p:nvPicPr>
-              <p:cNvPr id="4" name="Ink 3">
-                <a:extLst>
-                  <a:ext uri="{FF2B5EF4-FFF2-40B4-BE49-F238E27FC236}">
-                    <a16:creationId xmlns:a16="http://schemas.microsoft.com/office/drawing/2014/main" id="{CCA4BA79-7207-46F9-81D1-051637F90D5A}"/>
-                  </a:ext>
-                </a:extLst>
-              </p:cNvPr>
-              <p:cNvPicPr/>
-              <p:nvPr/>
-            </p:nvPicPr>
-            <p:blipFill>
-              <a:blip r:embed="rId3"/>
-              <a:stretch>
-                <a:fillRect/>
-              </a:stretch>
-            </p:blipFill>
-            <p:spPr>
-              <a:xfrm>
-                <a:off x="1706605" y="1913347"/>
-                <a:ext cx="31320" cy="20160"/>
-              </a:xfrm>
-              <a:prstGeom prst="rect">
-                <a:avLst/>
-              </a:prstGeom>
-            </p:spPr>
-          </p:pic>
-        </mc:Fallback>
-      </mc:AlternateContent>
       <p:sp>
         <p:nvSpPr>
-          <p:cNvPr id="5" name="内容占位符 2">
+          <p:cNvPr id="4" name="内容占位符 2">
             <a:extLst>
               <a:ext uri="{FF2B5EF4-FFF2-40B4-BE49-F238E27FC236}">
-                <a16:creationId xmlns:a16="http://schemas.microsoft.com/office/drawing/2014/main" id="{614AC9D6-6BB4-4F70-B628-3A5C7883FE27}"/>
+                <a16:creationId xmlns:a16="http://schemas.microsoft.com/office/drawing/2014/main" id="{EC31A9B6-34C0-4D1A-832B-DE43F35D868D}"/>
               </a:ext>
             </a:extLst>
           </p:cNvPr>
@@ -12309,8 +19433,8 @@
         </p:nvSpPr>
         <p:spPr>
           <a:xfrm>
-            <a:off x="685801" y="3720596"/>
-            <a:ext cx="6271590" cy="1262221"/>
+            <a:off x="923365" y="4313470"/>
+            <a:ext cx="10264588" cy="1235684"/>
           </a:xfrm>
           <a:prstGeom prst="rect">
             <a:avLst/>
@@ -12530,29 +19654,52 @@
             </a:lvl9pPr>
           </a:lstStyle>
           <a:p>
-            <a:pPr marL="0" indent="0">
-              <a:buNone/>
-            </a:pPr>
             <a:r>
               <a:rPr lang="en-MY" dirty="0"/>
-              <a:t>Use the above rule to define a function, which can recursive call and give a judgement one number is even or odd.</a:t>
-            </a:r>
-          </a:p>
-          <a:p>
-            <a:pPr marL="0" indent="0">
-              <a:buNone/>
-            </a:pPr>
-            <a:r>
-              <a:rPr lang="en-MY" dirty="0"/>
-              <a:t>Test your function.</a:t>
-            </a:r>
+              <a:t>For the last program, make a new one after the second list inserted the result becomes:</a:t>
+            </a:r>
+          </a:p>
+          <a:p>
+            <a:pPr lvl="1"/>
+            <a:r>
+              <a:rPr kumimoji="0" lang="en-US" altLang="en-US" sz="1400" i="0" u="none" strike="noStrike" cap="none" normalizeH="0" baseline="0" dirty="0">
+                <a:ln>
+                  <a:noFill/>
+                </a:ln>
+                <a:effectLst/>
+                <a:latin typeface="Arial Unicode MS"/>
+              </a:rPr>
+              <a:t>[‘a’, [</a:t>
+            </a:r>
+            <a:r>
+              <a:rPr lang="en-US" altLang="en-US" sz="1400" dirty="0">
+                <a:latin typeface="Arial Unicode MS"/>
+              </a:rPr>
+              <a:t>‘b’, ‘c’, [‘d’, ‘e’, ‘f’, [‘g’, ‘h’, ‘</a:t>
+            </a:r>
+            <a:r>
+              <a:rPr lang="en-US" altLang="en-US" sz="1400" dirty="0" err="1">
+                <a:latin typeface="Arial Unicode MS"/>
+              </a:rPr>
+              <a:t>i</a:t>
+            </a:r>
+            <a:r>
+              <a:rPr lang="en-US" altLang="en-US" sz="1400" dirty="0">
+                <a:latin typeface="Arial Unicode MS"/>
+              </a:rPr>
+              <a:t>’]], ‘j’, ‘k’, ‘l’]</a:t>
+            </a:r>
+          </a:p>
+          <a:p>
+            <a:pPr lvl="1"/>
+            <a:endParaRPr lang="en-MY" dirty="0"/>
           </a:p>
         </p:txBody>
       </p:sp>
     </p:spTree>
     <p:extLst>
       <p:ext uri="{BB962C8B-B14F-4D97-AF65-F5344CB8AC3E}">
-        <p14:creationId xmlns:p14="http://schemas.microsoft.com/office/powerpoint/2010/main" val="3393176799"/>
+        <p14:creationId xmlns:p14="http://schemas.microsoft.com/office/powerpoint/2010/main" val="3837898654"/>
       </p:ext>
     </p:extLst>
   </p:cSld>
@@ -12595,14 +19742,21 @@
             <p:ph type="title"/>
           </p:nvPr>
         </p:nvSpPr>
-        <p:spPr/>
+        <p:spPr>
+          <a:xfrm>
+            <a:off x="923365" y="643463"/>
+            <a:ext cx="10649203" cy="1608124"/>
+          </a:xfrm>
+        </p:spPr>
         <p:txBody>
-          <a:bodyPr/>
+          <a:bodyPr>
+            <a:normAutofit/>
+          </a:bodyPr>
           <a:lstStyle/>
           <a:p>
             <a:r>
               <a:rPr lang="en-US" dirty="0"/>
-              <a:t>Number puzzle</a:t>
+              <a:t>List Programming practice</a:t>
             </a:r>
             <a:endParaRPr lang="en-MY" dirty="0"/>
           </a:p>
@@ -12626,8 +19780,8 @@
         </p:nvSpPr>
         <p:spPr>
           <a:xfrm>
-            <a:off x="685800" y="2142067"/>
-            <a:ext cx="8986705" cy="2840750"/>
+            <a:off x="923366" y="2251587"/>
+            <a:ext cx="10264588" cy="1782531"/>
           </a:xfrm>
         </p:spPr>
         <p:txBody>
@@ -12636,93 +19790,55 @@
           </a:bodyPr>
           <a:lstStyle/>
           <a:p>
-            <a:pPr marL="0" indent="0">
-              <a:buNone/>
-            </a:pPr>
             <a:r>
               <a:rPr lang="en-MY" dirty="0"/>
-              <a:t>Number sequence.</a:t>
-            </a:r>
-          </a:p>
-          <a:p>
-            <a:r>
-              <a:rPr lang="en-MY" dirty="0"/>
-              <a:t>The first number is 1.</a:t>
-            </a:r>
-          </a:p>
-          <a:p>
-            <a:r>
-              <a:rPr lang="en-MY" dirty="0"/>
-              <a:t>The next number is calculated based on the previous number. You can either choose to multiply by 3, or choose to add by 5.</a:t>
-            </a:r>
+              <a:t>Remove specific value from list. example</a:t>
+            </a:r>
+          </a:p>
+          <a:p>
+            <a:pPr lvl="1"/>
+            <a:r>
+              <a:rPr lang="en-US" altLang="en-US" sz="1400" dirty="0">
+                <a:latin typeface="Arial Unicode MS"/>
+              </a:rPr>
+              <a:t>Have a list: [ 5, 10, 20, 22, 20, 42, 50]</a:t>
+            </a:r>
+            <a:endParaRPr kumimoji="0" lang="en-US" altLang="en-US" sz="1400" i="0" u="none" strike="noStrike" cap="none" normalizeH="0" baseline="0" dirty="0">
+              <a:ln>
+                <a:noFill/>
+              </a:ln>
+              <a:effectLst/>
+              <a:latin typeface="Arial Unicode MS"/>
+            </a:endParaRPr>
+          </a:p>
+          <a:p>
+            <a:pPr lvl="1"/>
+            <a:r>
+              <a:rPr lang="en-US" altLang="en-US" sz="1400" dirty="0">
+                <a:latin typeface="Arial Unicode MS"/>
+              </a:rPr>
+              <a:t>Then remove(list, 20) will give: [5, 10, 22, 42, 50] </a:t>
+            </a:r>
+            <a:endParaRPr kumimoji="0" lang="en-US" altLang="en-US" sz="1400" i="0" u="none" strike="noStrike" cap="none" normalizeH="0" baseline="0" dirty="0">
+              <a:ln>
+                <a:noFill/>
+              </a:ln>
+              <a:effectLst/>
+              <a:latin typeface="Arial Unicode MS"/>
+            </a:endParaRPr>
           </a:p>
           <a:p>
             <a:pPr lvl="1"/>
             <a:endParaRPr lang="en-MY" dirty="0"/>
           </a:p>
-          <a:p>
-            <a:pPr lvl="1"/>
-            <a:endParaRPr lang="en-MY" dirty="0"/>
-          </a:p>
         </p:txBody>
       </p:sp>
-      <mc:AlternateContent xmlns:mc="http://schemas.openxmlformats.org/markup-compatibility/2006" xmlns:p14="http://schemas.microsoft.com/office/powerpoint/2010/main">
-        <mc:Choice Requires="p14">
-          <p:contentPart p14:bwMode="auto" r:id="rId2">
-            <p14:nvContentPartPr>
-              <p14:cNvPr id="4" name="Ink 3">
-                <a:extLst>
-                  <a:ext uri="{FF2B5EF4-FFF2-40B4-BE49-F238E27FC236}">
-                    <a16:creationId xmlns:a16="http://schemas.microsoft.com/office/drawing/2014/main" id="{CCA4BA79-7207-46F9-81D1-051637F90D5A}"/>
-                  </a:ext>
-                </a:extLst>
-              </p14:cNvPr>
-              <p14:cNvContentPartPr/>
-              <p14:nvPr/>
-            </p14:nvContentPartPr>
-            <p14:xfrm>
-              <a:off x="1715245" y="1921987"/>
-              <a:ext cx="13680" cy="2520"/>
-            </p14:xfrm>
-          </p:contentPart>
-        </mc:Choice>
-        <mc:Fallback xmlns="">
-          <p:pic>
-            <p:nvPicPr>
-              <p:cNvPr id="4" name="Ink 3">
-                <a:extLst>
-                  <a:ext uri="{FF2B5EF4-FFF2-40B4-BE49-F238E27FC236}">
-                    <a16:creationId xmlns:a16="http://schemas.microsoft.com/office/drawing/2014/main" id="{CCA4BA79-7207-46F9-81D1-051637F90D5A}"/>
-                  </a:ext>
-                </a:extLst>
-              </p:cNvPr>
-              <p:cNvPicPr/>
-              <p:nvPr/>
-            </p:nvPicPr>
-            <p:blipFill>
-              <a:blip r:embed="rId3"/>
-              <a:stretch>
-                <a:fillRect/>
-              </a:stretch>
-            </p:blipFill>
-            <p:spPr>
-              <a:xfrm>
-                <a:off x="1706605" y="1913347"/>
-                <a:ext cx="31320" cy="20160"/>
-              </a:xfrm>
-              <a:prstGeom prst="rect">
-                <a:avLst/>
-              </a:prstGeom>
-            </p:spPr>
-          </p:pic>
-        </mc:Fallback>
-      </mc:AlternateContent>
       <p:sp>
         <p:nvSpPr>
-          <p:cNvPr id="5" name="内容占位符 2">
+          <p:cNvPr id="4" name="内容占位符 2">
             <a:extLst>
               <a:ext uri="{FF2B5EF4-FFF2-40B4-BE49-F238E27FC236}">
-                <a16:creationId xmlns:a16="http://schemas.microsoft.com/office/drawing/2014/main" id="{614AC9D6-6BB4-4F70-B628-3A5C7883FE27}"/>
+                <a16:creationId xmlns:a16="http://schemas.microsoft.com/office/drawing/2014/main" id="{EC31A9B6-34C0-4D1A-832B-DE43F35D868D}"/>
               </a:ext>
             </a:extLst>
           </p:cNvPr>
@@ -12733,8 +19849,8 @@
         </p:nvSpPr>
         <p:spPr>
           <a:xfrm>
-            <a:off x="685799" y="4056156"/>
-            <a:ext cx="7568967" cy="1262221"/>
+            <a:off x="923365" y="4313470"/>
+            <a:ext cx="10264588" cy="1235684"/>
           </a:xfrm>
           <a:prstGeom prst="rect">
             <a:avLst/>
@@ -12954,12 +20070,42 @@
             </a:lvl9pPr>
           </a:lstStyle>
           <a:p>
-            <a:pPr marL="0" indent="0">
-              <a:buNone/>
-            </a:pPr>
             <a:r>
               <a:rPr lang="en-MY" dirty="0"/>
-              <a:t>Now give a number, can you make a program to judge if this number is inside one of the above sequence? If it is can you find a sequence which can product this number?</a:t>
+              <a:t>Replace specific value in list with a new value. example:</a:t>
+            </a:r>
+          </a:p>
+          <a:p>
+            <a:pPr lvl="1"/>
+            <a:r>
+              <a:rPr kumimoji="0" lang="en-US" altLang="en-US" sz="1400" i="0" u="none" strike="noStrike" cap="none" normalizeH="0" baseline="0" dirty="0">
+                <a:ln>
+                  <a:noFill/>
+                </a:ln>
+                <a:effectLst/>
+                <a:latin typeface="Arial Unicode MS"/>
+              </a:rPr>
+              <a:t>Have a list: </a:t>
+            </a:r>
+            <a:r>
+              <a:rPr lang="en-US" altLang="en-US" sz="1400" dirty="0">
+                <a:latin typeface="Arial Unicode MS"/>
+              </a:rPr>
+              <a:t>[ 5, 10, 20, 22, 20, 42, 50]</a:t>
+            </a:r>
+            <a:endParaRPr kumimoji="0" lang="en-US" altLang="en-US" sz="1400" i="0" u="none" strike="noStrike" cap="none" normalizeH="0" baseline="0" dirty="0">
+              <a:ln>
+                <a:noFill/>
+              </a:ln>
+              <a:effectLst/>
+              <a:latin typeface="Arial Unicode MS"/>
+            </a:endParaRPr>
+          </a:p>
+          <a:p>
+            <a:pPr lvl="1"/>
+            <a:r>
+              <a:rPr lang="en-MY" dirty="0"/>
+              <a:t>Then replace(list, 20, 200) will give: [5, 10, 200, 22, 200, 42, 50]</a:t>
             </a:r>
           </a:p>
         </p:txBody>
@@ -12967,7 +20113,7 @@
     </p:spTree>
     <p:extLst>
       <p:ext uri="{BB962C8B-B14F-4D97-AF65-F5344CB8AC3E}">
-        <p14:creationId xmlns:p14="http://schemas.microsoft.com/office/powerpoint/2010/main" val="2622198170"/>
+        <p14:creationId xmlns:p14="http://schemas.microsoft.com/office/powerpoint/2010/main" val="863993670"/>
       </p:ext>
     </p:extLst>
   </p:cSld>
@@ -13012,119 +20158,331 @@
         </p:nvSpPr>
         <p:spPr>
           <a:xfrm>
-            <a:off x="685801" y="609600"/>
-            <a:ext cx="7636077" cy="1456267"/>
+            <a:off x="923365" y="643463"/>
+            <a:ext cx="10649203" cy="1608124"/>
           </a:xfrm>
         </p:spPr>
         <p:txBody>
-          <a:bodyPr/>
+          <a:bodyPr>
+            <a:normAutofit/>
+          </a:bodyPr>
           <a:lstStyle/>
           <a:p>
             <a:r>
               <a:rPr lang="en-US" dirty="0"/>
-              <a:t>8 Queen puzzle</a:t>
-            </a:r>
+              <a:t>List Programming practice</a:t>
+            </a:r>
+            <a:endParaRPr lang="en-MY" dirty="0"/>
           </a:p>
         </p:txBody>
       </p:sp>
-      <p:pic>
-        <p:nvPicPr>
-          <p:cNvPr id="1026" name="Picture 2" descr="Two queens attack pattern on a chessboard">
+      <p:sp>
+        <p:nvSpPr>
+          <p:cNvPr id="3" name="内容占位符 2">
             <a:extLst>
               <a:ext uri="{FF2B5EF4-FFF2-40B4-BE49-F238E27FC236}">
-                <a16:creationId xmlns:a16="http://schemas.microsoft.com/office/drawing/2014/main" id="{1AD56B48-210B-4CBE-BCE1-C1304006B489}"/>
+                <a16:creationId xmlns:a16="http://schemas.microsoft.com/office/drawing/2014/main" id="{7060439F-2729-478E-B95F-230482B50AA1}"/>
               </a:ext>
             </a:extLst>
           </p:cNvPr>
-          <p:cNvPicPr>
-            <a:picLocks noChangeAspect="1" noChangeArrowheads="1"/>
-          </p:cNvPicPr>
-          <p:nvPr/>
-        </p:nvPicPr>
-        <p:blipFill>
-          <a:blip r:embed="rId2">
+          <p:cNvSpPr>
+            <a:spLocks noGrp="1"/>
+          </p:cNvSpPr>
+          <p:nvPr>
+            <p:ph idx="1"/>
+          </p:nvPr>
+        </p:nvSpPr>
+        <p:spPr>
+          <a:xfrm>
+            <a:off x="923366" y="2251587"/>
+            <a:ext cx="10264588" cy="1504625"/>
+          </a:xfrm>
+        </p:spPr>
+        <p:txBody>
+          <a:bodyPr anchor="t">
+            <a:normAutofit/>
+          </a:bodyPr>
+          <a:lstStyle/>
+          <a:p>
+            <a:r>
+              <a:rPr lang="en-MY" dirty="0"/>
+              <a:t>Give a number, and a list of numbers.</a:t>
+            </a:r>
+          </a:p>
+          <a:p>
+            <a:r>
+              <a:rPr lang="en-MY" dirty="0"/>
+              <a:t>Find from the list, 2 numbers which can add up together equal to the number given.</a:t>
+            </a:r>
+          </a:p>
+          <a:p>
+            <a:pPr lvl="1"/>
+            <a:endParaRPr lang="en-MY" dirty="0"/>
+          </a:p>
+        </p:txBody>
+      </p:sp>
+      <p:sp>
+        <p:nvSpPr>
+          <p:cNvPr id="5" name="内容占位符 2">
             <a:extLst>
-              <a:ext uri="{28A0092B-C50C-407E-A947-70E740481C1C}">
-                <a14:useLocalDpi xmlns:a14="http://schemas.microsoft.com/office/drawing/2010/main" val="0"/>
+              <a:ext uri="{FF2B5EF4-FFF2-40B4-BE49-F238E27FC236}">
+                <a16:creationId xmlns:a16="http://schemas.microsoft.com/office/drawing/2014/main" id="{3698BD40-FB3E-4BC6-B2A3-804E5B9E6F53}"/>
               </a:ext>
             </a:extLst>
-          </a:blip>
-          <a:srcRect/>
-          <a:stretch>
-            <a:fillRect/>
-          </a:stretch>
-        </p:blipFill>
-        <p:spPr bwMode="auto">
+          </p:cNvPr>
+          <p:cNvSpPr txBox="1">
+            <a:spLocks/>
+          </p:cNvSpPr>
+          <p:nvPr/>
+        </p:nvSpPr>
+        <p:spPr>
           <a:xfrm>
-            <a:off x="1758193" y="2337732"/>
-            <a:ext cx="3810000" cy="3810000"/>
+            <a:off x="963706" y="4306498"/>
+            <a:ext cx="10264588" cy="1504625"/>
           </a:xfrm>
           <a:prstGeom prst="rect">
             <a:avLst/>
           </a:prstGeom>
-          <a:noFill/>
-          <a:extLst>
-            <a:ext uri="{909E8E84-426E-40DD-AFC4-6F175D3DCCD1}">
-              <a14:hiddenFill xmlns:a14="http://schemas.microsoft.com/office/drawing/2010/main">
-                <a:solidFill>
-                  <a:srgbClr val="FFFFFF"/>
-                </a:solidFill>
-              </a14:hiddenFill>
-            </a:ext>
-          </a:extLst>
         </p:spPr>
-      </p:pic>
-      <p:pic>
-        <p:nvPicPr>
-          <p:cNvPr id="1028" name="Picture 4" descr="A solution to the eight queens puzzle">
-            <a:extLst>
-              <a:ext uri="{FF2B5EF4-FFF2-40B4-BE49-F238E27FC236}">
-                <a16:creationId xmlns:a16="http://schemas.microsoft.com/office/drawing/2014/main" id="{A8D95ECA-758B-493B-9CDC-6D86EDFB1720}"/>
-              </a:ext>
-            </a:extLst>
-          </p:cNvPr>
-          <p:cNvPicPr>
-            <a:picLocks noChangeAspect="1" noChangeArrowheads="1"/>
-          </p:cNvPicPr>
-          <p:nvPr/>
-        </p:nvPicPr>
-        <p:blipFill>
-          <a:blip r:embed="rId3">
-            <a:extLst>
-              <a:ext uri="{28A0092B-C50C-407E-A947-70E740481C1C}">
-                <a14:useLocalDpi xmlns:a14="http://schemas.microsoft.com/office/drawing/2010/main" val="0"/>
-              </a:ext>
-            </a:extLst>
-          </a:blip>
-          <a:srcRect/>
-          <a:stretch>
-            <a:fillRect/>
-          </a:stretch>
-        </p:blipFill>
-        <p:spPr bwMode="auto">
-          <a:xfrm>
-            <a:off x="6832600" y="2337732"/>
-            <a:ext cx="3810000" cy="3810000"/>
-          </a:xfrm>
-          <a:prstGeom prst="rect">
-            <a:avLst/>
-          </a:prstGeom>
-          <a:noFill/>
-          <a:extLst>
-            <a:ext uri="{909E8E84-426E-40DD-AFC4-6F175D3DCCD1}">
-              <a14:hiddenFill xmlns:a14="http://schemas.microsoft.com/office/drawing/2010/main">
-                <a:solidFill>
-                  <a:srgbClr val="FFFFFF"/>
-                </a:solidFill>
-              </a14:hiddenFill>
-            </a:ext>
-          </a:extLst>
-        </p:spPr>
-      </p:pic>
+        <p:txBody>
+          <a:bodyPr vert="horz" lIns="91440" tIns="45720" rIns="91440" bIns="45720" rtlCol="0" anchor="t">
+            <a:normAutofit/>
+          </a:bodyPr>
+          <a:lstStyle>
+            <a:lvl1pPr marL="285750" indent="-285750" algn="l" defTabSz="457200" rtl="0" eaLnBrk="1" latinLnBrk="0" hangingPunct="1">
+              <a:spcBef>
+                <a:spcPts val="0"/>
+              </a:spcBef>
+              <a:spcAft>
+                <a:spcPts val="1000"/>
+              </a:spcAft>
+              <a:buClr>
+                <a:schemeClr val="tx1"/>
+              </a:buClr>
+              <a:buSzPct val="100000"/>
+              <a:buFont typeface="Arial"/>
+              <a:buChar char="•"/>
+              <a:defRPr sz="1800" kern="1200" cap="none">
+                <a:solidFill>
+                  <a:schemeClr val="tx1"/>
+                </a:solidFill>
+                <a:effectLst/>
+                <a:latin typeface="+mn-lt"/>
+                <a:ea typeface="+mn-ea"/>
+                <a:cs typeface="+mn-cs"/>
+              </a:defRPr>
+            </a:lvl1pPr>
+            <a:lvl2pPr marL="742950" indent="-285750" algn="l" defTabSz="457200" rtl="0" eaLnBrk="1" latinLnBrk="0" hangingPunct="1">
+              <a:spcBef>
+                <a:spcPts val="0"/>
+              </a:spcBef>
+              <a:spcAft>
+                <a:spcPts val="1000"/>
+              </a:spcAft>
+              <a:buClr>
+                <a:schemeClr val="tx1"/>
+              </a:buClr>
+              <a:buSzPct val="100000"/>
+              <a:buFont typeface="Arial"/>
+              <a:buChar char="•"/>
+              <a:defRPr sz="1600" kern="1200" cap="none">
+                <a:solidFill>
+                  <a:schemeClr val="tx1"/>
+                </a:solidFill>
+                <a:effectLst/>
+                <a:latin typeface="+mn-lt"/>
+                <a:ea typeface="+mn-ea"/>
+                <a:cs typeface="+mn-cs"/>
+              </a:defRPr>
+            </a:lvl2pPr>
+            <a:lvl3pPr marL="1200150" indent="-285750" algn="l" defTabSz="457200" rtl="0" eaLnBrk="1" latinLnBrk="0" hangingPunct="1">
+              <a:spcBef>
+                <a:spcPts val="0"/>
+              </a:spcBef>
+              <a:spcAft>
+                <a:spcPts val="1000"/>
+              </a:spcAft>
+              <a:buClr>
+                <a:schemeClr val="tx1"/>
+              </a:buClr>
+              <a:buSzPct val="100000"/>
+              <a:buFont typeface="Arial"/>
+              <a:buChar char="•"/>
+              <a:defRPr sz="1400" kern="1200" cap="none">
+                <a:solidFill>
+                  <a:schemeClr val="tx1"/>
+                </a:solidFill>
+                <a:effectLst/>
+                <a:latin typeface="+mn-lt"/>
+                <a:ea typeface="+mn-ea"/>
+                <a:cs typeface="+mn-cs"/>
+              </a:defRPr>
+            </a:lvl3pPr>
+            <a:lvl4pPr marL="1543050" indent="-171450" algn="l" defTabSz="457200" rtl="0" eaLnBrk="1" latinLnBrk="0" hangingPunct="1">
+              <a:spcBef>
+                <a:spcPts val="0"/>
+              </a:spcBef>
+              <a:spcAft>
+                <a:spcPts val="1000"/>
+              </a:spcAft>
+              <a:buClr>
+                <a:schemeClr val="tx1"/>
+              </a:buClr>
+              <a:buSzPct val="100000"/>
+              <a:buFont typeface="Arial"/>
+              <a:buChar char="•"/>
+              <a:defRPr sz="1200" kern="1200" cap="none">
+                <a:solidFill>
+                  <a:schemeClr val="tx1"/>
+                </a:solidFill>
+                <a:effectLst/>
+                <a:latin typeface="+mn-lt"/>
+                <a:ea typeface="+mn-ea"/>
+                <a:cs typeface="+mn-cs"/>
+              </a:defRPr>
+            </a:lvl4pPr>
+            <a:lvl5pPr marL="2000250" indent="-171450" algn="l" defTabSz="457200" rtl="0" eaLnBrk="1" latinLnBrk="0" hangingPunct="1">
+              <a:spcBef>
+                <a:spcPts val="0"/>
+              </a:spcBef>
+              <a:spcAft>
+                <a:spcPts val="1000"/>
+              </a:spcAft>
+              <a:buClr>
+                <a:schemeClr val="tx1"/>
+              </a:buClr>
+              <a:buSzPct val="100000"/>
+              <a:buFont typeface="Arial"/>
+              <a:buChar char="•"/>
+              <a:defRPr sz="1200" kern="1200" cap="none">
+                <a:solidFill>
+                  <a:schemeClr val="tx1"/>
+                </a:solidFill>
+                <a:effectLst/>
+                <a:latin typeface="+mn-lt"/>
+                <a:ea typeface="+mn-ea"/>
+                <a:cs typeface="+mn-cs"/>
+              </a:defRPr>
+            </a:lvl5pPr>
+            <a:lvl6pPr marL="2514600" indent="-228600" algn="l" defTabSz="457200" rtl="0" eaLnBrk="1" latinLnBrk="0" hangingPunct="1">
+              <a:spcBef>
+                <a:spcPts val="0"/>
+              </a:spcBef>
+              <a:spcAft>
+                <a:spcPts val="1000"/>
+              </a:spcAft>
+              <a:buClr>
+                <a:schemeClr val="tx1"/>
+              </a:buClr>
+              <a:buSzPct val="100000"/>
+              <a:buFont typeface="Arial"/>
+              <a:buChar char="•"/>
+              <a:defRPr sz="1200" kern="1200" cap="none">
+                <a:solidFill>
+                  <a:schemeClr val="tx1"/>
+                </a:solidFill>
+                <a:effectLst/>
+                <a:latin typeface="+mn-lt"/>
+                <a:ea typeface="+mn-ea"/>
+                <a:cs typeface="+mn-cs"/>
+              </a:defRPr>
+            </a:lvl6pPr>
+            <a:lvl7pPr marL="2971800" indent="-228600" algn="l" defTabSz="457200" rtl="0" eaLnBrk="1" latinLnBrk="0" hangingPunct="1">
+              <a:spcBef>
+                <a:spcPts val="0"/>
+              </a:spcBef>
+              <a:spcAft>
+                <a:spcPts val="1000"/>
+              </a:spcAft>
+              <a:buClr>
+                <a:schemeClr val="tx1"/>
+              </a:buClr>
+              <a:buSzPct val="100000"/>
+              <a:buFont typeface="Arial"/>
+              <a:buChar char="•"/>
+              <a:defRPr sz="1200" kern="1200" cap="none">
+                <a:solidFill>
+                  <a:schemeClr val="tx1"/>
+                </a:solidFill>
+                <a:effectLst/>
+                <a:latin typeface="+mn-lt"/>
+                <a:ea typeface="+mn-ea"/>
+                <a:cs typeface="+mn-cs"/>
+              </a:defRPr>
+            </a:lvl7pPr>
+            <a:lvl8pPr marL="3429000" indent="-228600" algn="l" defTabSz="457200" rtl="0" eaLnBrk="1" latinLnBrk="0" hangingPunct="1">
+              <a:spcBef>
+                <a:spcPts val="0"/>
+              </a:spcBef>
+              <a:spcAft>
+                <a:spcPts val="1000"/>
+              </a:spcAft>
+              <a:buClr>
+                <a:schemeClr val="tx1"/>
+              </a:buClr>
+              <a:buSzPct val="100000"/>
+              <a:buFont typeface="Arial"/>
+              <a:buChar char="•"/>
+              <a:defRPr sz="1200" kern="1200" cap="none">
+                <a:solidFill>
+                  <a:schemeClr val="tx1"/>
+                </a:solidFill>
+                <a:effectLst/>
+                <a:latin typeface="+mn-lt"/>
+                <a:ea typeface="+mn-ea"/>
+                <a:cs typeface="+mn-cs"/>
+              </a:defRPr>
+            </a:lvl8pPr>
+            <a:lvl9pPr marL="3886200" indent="-228600" algn="l" defTabSz="457200" rtl="0" eaLnBrk="1" latinLnBrk="0" hangingPunct="1">
+              <a:spcBef>
+                <a:spcPts val="0"/>
+              </a:spcBef>
+              <a:spcAft>
+                <a:spcPts val="1000"/>
+              </a:spcAft>
+              <a:buClr>
+                <a:schemeClr val="tx1"/>
+              </a:buClr>
+              <a:buSzPct val="100000"/>
+              <a:buFont typeface="Arial"/>
+              <a:buChar char="•"/>
+              <a:defRPr sz="1200" kern="1200" cap="none">
+                <a:solidFill>
+                  <a:schemeClr val="tx1"/>
+                </a:solidFill>
+                <a:effectLst/>
+                <a:latin typeface="+mn-lt"/>
+                <a:ea typeface="+mn-ea"/>
+                <a:cs typeface="+mn-cs"/>
+              </a:defRPr>
+            </a:lvl9pPr>
+          </a:lstStyle>
+          <a:p>
+            <a:r>
+              <a:rPr lang="en-MY" dirty="0"/>
+              <a:t>Given 2 list, [1, 3, 5, 7, None, None] and [2, 4, 6, 8].</a:t>
+            </a:r>
+          </a:p>
+          <a:p>
+            <a:r>
+              <a:rPr lang="en-MY" dirty="0"/>
+              <a:t>Make a program to produce a new list from the 2 list given, the new list is : [1, 2, 3, 4, 5, 6, 7, 8]. </a:t>
+            </a:r>
+            <a:r>
+              <a:rPr lang="en-MY" i="1" dirty="0"/>
+              <a:t>(Note: you need use the two list to produce the new one, not directly generate a new one)</a:t>
+            </a:r>
+          </a:p>
+          <a:p>
+            <a:pPr lvl="1"/>
+            <a:endParaRPr lang="en-MY" dirty="0"/>
+          </a:p>
+        </p:txBody>
+      </p:sp>
     </p:spTree>
     <p:extLst>
       <p:ext uri="{BB962C8B-B14F-4D97-AF65-F5344CB8AC3E}">
-        <p14:creationId xmlns:p14="http://schemas.microsoft.com/office/powerpoint/2010/main" val="3369638101"/>
+        <p14:creationId xmlns:p14="http://schemas.microsoft.com/office/powerpoint/2010/main" val="2705027"/>
       </p:ext>
     </p:extLst>
   </p:cSld>

--- a/Py B - unit 3p.pptx
+++ b/Py B - unit 3p.pptx
@@ -147,7 +147,7 @@
 <file path=ppt/revisionInfo.xml><?xml version="1.0" encoding="utf-8"?>
 <p1510:revInfo xmlns:a="http://schemas.openxmlformats.org/drawingml/2006/main" xmlns:r="http://schemas.openxmlformats.org/officeDocument/2006/relationships" xmlns:p1510="http://schemas.microsoft.com/office/powerpoint/2015/10/main">
   <p1510:revLst>
-    <p1510:client id="{5DDD6A57-FD4C-4DE0-8DF6-43BC1A908F0C}" v="37" dt="2021-12-26T07:07:38.089"/>
+    <p1510:client id="{5DDD6A57-FD4C-4DE0-8DF6-43BC1A908F0C}" v="39" dt="2022-01-08T06:53:27.051"/>
   </p1510:revLst>
 </p1510:revInfo>
 </file>
@@ -157,7 +157,7 @@
   <pc:docChgLst>
     <pc:chgData name="Li Lixiang" userId="6104bbfcb56aea79" providerId="LiveId" clId="{5DDD6A57-FD4C-4DE0-8DF6-43BC1A908F0C}"/>
     <pc:docChg chg="undo redo custSel addSld modSld sldOrd">
-      <pc:chgData name="Li Lixiang" userId="6104bbfcb56aea79" providerId="LiveId" clId="{5DDD6A57-FD4C-4DE0-8DF6-43BC1A908F0C}" dt="2021-12-26T07:08:32.559" v="9562" actId="1035"/>
+      <pc:chgData name="Li Lixiang" userId="6104bbfcb56aea79" providerId="LiveId" clId="{5DDD6A57-FD4C-4DE0-8DF6-43BC1A908F0C}" dt="2022-01-08T10:46:20.868" v="9672" actId="20577"/>
       <pc:docMkLst>
         <pc:docMk/>
       </pc:docMkLst>
@@ -213,7 +213,7 @@
         </pc:spChg>
       </pc:sldChg>
       <pc:sldChg chg="addSp delSp modSp add mod">
-        <pc:chgData name="Li Lixiang" userId="6104bbfcb56aea79" providerId="LiveId" clId="{5DDD6A57-FD4C-4DE0-8DF6-43BC1A908F0C}" dt="2021-12-26T03:58:57.257" v="8286" actId="1076"/>
+        <pc:chgData name="Li Lixiang" userId="6104bbfcb56aea79" providerId="LiveId" clId="{5DDD6A57-FD4C-4DE0-8DF6-43BC1A908F0C}" dt="2022-01-08T10:46:20.868" v="9672" actId="20577"/>
         <pc:sldMkLst>
           <pc:docMk/>
           <pc:sldMk cId="3756693306" sldId="280"/>
@@ -227,11 +227,19 @@
           </ac:spMkLst>
         </pc:spChg>
         <pc:spChg chg="mod">
-          <ac:chgData name="Li Lixiang" userId="6104bbfcb56aea79" providerId="LiveId" clId="{5DDD6A57-FD4C-4DE0-8DF6-43BC1A908F0C}" dt="2021-12-26T03:58:57.257" v="8286" actId="1076"/>
+          <ac:chgData name="Li Lixiang" userId="6104bbfcb56aea79" providerId="LiveId" clId="{5DDD6A57-FD4C-4DE0-8DF6-43BC1A908F0C}" dt="2022-01-08T10:46:20.868" v="9672" actId="20577"/>
           <ac:spMkLst>
             <pc:docMk/>
             <pc:sldMk cId="3756693306" sldId="280"/>
             <ac:spMk id="3" creationId="{9ACB66CF-AD72-47FB-9DEE-6949334A6EA7}"/>
+          </ac:spMkLst>
+        </pc:spChg>
+        <pc:spChg chg="add mod">
+          <ac:chgData name="Li Lixiang" userId="6104bbfcb56aea79" providerId="LiveId" clId="{5DDD6A57-FD4C-4DE0-8DF6-43BC1A908F0C}" dt="2022-01-08T06:52:21.464" v="9590" actId="20577"/>
+          <ac:spMkLst>
+            <pc:docMk/>
+            <pc:sldMk cId="3756693306" sldId="280"/>
+            <ac:spMk id="4" creationId="{BD5E8151-0E77-409E-BF85-FD92350D8956}"/>
           </ac:spMkLst>
         </pc:spChg>
         <pc:spChg chg="add del mod">
@@ -676,7 +684,7 @@
         </pc:spChg>
       </pc:sldChg>
       <pc:sldChg chg="addSp delSp modSp add mod ord">
-        <pc:chgData name="Li Lixiang" userId="6104bbfcb56aea79" providerId="LiveId" clId="{5DDD6A57-FD4C-4DE0-8DF6-43BC1A908F0C}" dt="2021-12-26T03:59:43.433" v="8295" actId="27636"/>
+        <pc:chgData name="Li Lixiang" userId="6104bbfcb56aea79" providerId="LiveId" clId="{5DDD6A57-FD4C-4DE0-8DF6-43BC1A908F0C}" dt="2022-01-08T06:55:04.471" v="9662"/>
         <pc:sldMkLst>
           <pc:docMk/>
           <pc:sldMk cId="1821804651" sldId="300"/>
@@ -690,11 +698,19 @@
           </ac:spMkLst>
         </pc:spChg>
         <pc:spChg chg="mod">
-          <ac:chgData name="Li Lixiang" userId="6104bbfcb56aea79" providerId="LiveId" clId="{5DDD6A57-FD4C-4DE0-8DF6-43BC1A908F0C}" dt="2021-12-26T03:59:43.433" v="8295" actId="27636"/>
+          <ac:chgData name="Li Lixiang" userId="6104bbfcb56aea79" providerId="LiveId" clId="{5DDD6A57-FD4C-4DE0-8DF6-43BC1A908F0C}" dt="2022-01-08T06:53:31.782" v="9624" actId="1036"/>
           <ac:spMkLst>
             <pc:docMk/>
             <pc:sldMk cId="1821804651" sldId="300"/>
             <ac:spMk id="3" creationId="{7060439F-2729-478E-B95F-230482B50AA1}"/>
+          </ac:spMkLst>
+        </pc:spChg>
+        <pc:spChg chg="add mod">
+          <ac:chgData name="Li Lixiang" userId="6104bbfcb56aea79" providerId="LiveId" clId="{5DDD6A57-FD4C-4DE0-8DF6-43BC1A908F0C}" dt="2022-01-08T06:55:04.471" v="9662"/>
+          <ac:spMkLst>
+            <pc:docMk/>
+            <pc:sldMk cId="1821804651" sldId="300"/>
+            <ac:spMk id="4" creationId="{1F35BDC6-9C1C-4806-B7C9-C458D54B1940}"/>
           </ac:spMkLst>
         </pc:spChg>
         <pc:spChg chg="add del mod">
@@ -4856,7 +4872,7 @@
             <a:fld id="{B61BEF0D-F0BB-DE4B-95CE-6DB70DBA9567}" type="datetimeFigureOut">
               <a:rPr lang="en-US" dirty="0"/>
               <a:pPr/>
-              <a:t>12/26/2021</a:t>
+              <a:t>1/8/2022</a:t>
             </a:fld>
             <a:endParaRPr lang="en-US" dirty="0"/>
           </a:p>
@@ -5187,7 +5203,7 @@
             <a:fld id="{B61BEF0D-F0BB-DE4B-95CE-6DB70DBA9567}" type="datetimeFigureOut">
               <a:rPr lang="en-US" dirty="0"/>
               <a:pPr/>
-              <a:t>12/26/2021</a:t>
+              <a:t>1/8/2022</a:t>
             </a:fld>
             <a:endParaRPr lang="en-US" dirty="0"/>
           </a:p>
@@ -5462,7 +5478,7 @@
             <a:fld id="{B61BEF0D-F0BB-DE4B-95CE-6DB70DBA9567}" type="datetimeFigureOut">
               <a:rPr lang="en-US" dirty="0"/>
               <a:pPr/>
-              <a:t>12/26/2021</a:t>
+              <a:t>1/8/2022</a:t>
             </a:fld>
             <a:endParaRPr lang="en-US" dirty="0"/>
           </a:p>
@@ -6027,7 +6043,7 @@
             <a:fld id="{B61BEF0D-F0BB-DE4B-95CE-6DB70DBA9567}" type="datetimeFigureOut">
               <a:rPr lang="en-US" dirty="0"/>
               <a:pPr/>
-              <a:t>12/26/2021</a:t>
+              <a:t>1/8/2022</a:t>
             </a:fld>
             <a:endParaRPr lang="en-US" dirty="0"/>
           </a:p>
@@ -6302,7 +6318,7 @@
             <a:fld id="{B61BEF0D-F0BB-DE4B-95CE-6DB70DBA9567}" type="datetimeFigureOut">
               <a:rPr lang="en-US" dirty="0"/>
               <a:pPr/>
-              <a:t>12/26/2021</a:t>
+              <a:t>1/8/2022</a:t>
             </a:fld>
             <a:endParaRPr lang="en-US" dirty="0"/>
           </a:p>
@@ -6861,7 +6877,7 @@
             <a:fld id="{B61BEF0D-F0BB-DE4B-95CE-6DB70DBA9567}" type="datetimeFigureOut">
               <a:rPr lang="en-US" dirty="0"/>
               <a:pPr/>
-              <a:t>12/26/2021</a:t>
+              <a:t>1/8/2022</a:t>
             </a:fld>
             <a:endParaRPr lang="en-US" dirty="0"/>
           </a:p>
@@ -7185,7 +7201,7 @@
             <a:fld id="{B61BEF0D-F0BB-DE4B-95CE-6DB70DBA9567}" type="datetimeFigureOut">
               <a:rPr lang="en-US" dirty="0"/>
               <a:pPr/>
-              <a:t>12/26/2021</a:t>
+              <a:t>1/8/2022</a:t>
             </a:fld>
             <a:endParaRPr lang="en-US" dirty="0"/>
           </a:p>
@@ -7359,7 +7375,7 @@
             <a:fld id="{B61BEF0D-F0BB-DE4B-95CE-6DB70DBA9567}" type="datetimeFigureOut">
               <a:rPr lang="en-US" dirty="0"/>
               <a:pPr/>
-              <a:t>12/26/2021</a:t>
+              <a:t>1/8/2022</a:t>
             </a:fld>
             <a:endParaRPr lang="en-US" dirty="0"/>
           </a:p>
@@ -7594,7 +7610,7 @@
             <a:fld id="{B61BEF0D-F0BB-DE4B-95CE-6DB70DBA9567}" type="datetimeFigureOut">
               <a:rPr lang="en-US" dirty="0"/>
               <a:pPr/>
-              <a:t>12/26/2021</a:t>
+              <a:t>1/8/2022</a:t>
             </a:fld>
             <a:endParaRPr lang="en-US" dirty="0"/>
           </a:p>
@@ -7791,7 +7807,7 @@
             <a:fld id="{B61BEF0D-F0BB-DE4B-95CE-6DB70DBA9567}" type="datetimeFigureOut">
               <a:rPr lang="en-US" dirty="0"/>
               <a:pPr/>
-              <a:t>12/26/2021</a:t>
+              <a:t>1/8/2022</a:t>
             </a:fld>
             <a:endParaRPr lang="en-US" dirty="0"/>
           </a:p>
@@ -8064,7 +8080,7 @@
             <a:fld id="{B61BEF0D-F0BB-DE4B-95CE-6DB70DBA9567}" type="datetimeFigureOut">
               <a:rPr lang="en-US" dirty="0"/>
               <a:pPr/>
-              <a:t>12/26/2021</a:t>
+              <a:t>1/8/2022</a:t>
             </a:fld>
             <a:endParaRPr lang="en-US" dirty="0"/>
           </a:p>
@@ -8327,7 +8343,7 @@
             <a:fld id="{B61BEF0D-F0BB-DE4B-95CE-6DB70DBA9567}" type="datetimeFigureOut">
               <a:rPr lang="en-US" dirty="0"/>
               <a:pPr/>
-              <a:t>12/26/2021</a:t>
+              <a:t>1/8/2022</a:t>
             </a:fld>
             <a:endParaRPr lang="en-US" dirty="0"/>
           </a:p>
@@ -8698,7 +8714,7 @@
             <a:fld id="{B61BEF0D-F0BB-DE4B-95CE-6DB70DBA9567}" type="datetimeFigureOut">
               <a:rPr lang="en-US" dirty="0"/>
               <a:pPr/>
-              <a:t>12/26/2021</a:t>
+              <a:t>1/8/2022</a:t>
             </a:fld>
             <a:endParaRPr lang="en-US" dirty="0"/>
           </a:p>
@@ -8843,7 +8859,7 @@
             <a:fld id="{B61BEF0D-F0BB-DE4B-95CE-6DB70DBA9567}" type="datetimeFigureOut">
               <a:rPr lang="en-US" dirty="0"/>
               <a:pPr/>
-              <a:t>12/26/2021</a:t>
+              <a:t>1/8/2022</a:t>
             </a:fld>
             <a:endParaRPr lang="en-US" dirty="0"/>
           </a:p>
@@ -8965,7 +8981,7 @@
             <a:fld id="{B61BEF0D-F0BB-DE4B-95CE-6DB70DBA9567}" type="datetimeFigureOut">
               <a:rPr lang="en-US" dirty="0"/>
               <a:pPr/>
-              <a:t>12/26/2021</a:t>
+              <a:t>1/8/2022</a:t>
             </a:fld>
             <a:endParaRPr lang="en-US" dirty="0"/>
           </a:p>
@@ -9247,7 +9263,7 @@
             <a:fld id="{B61BEF0D-F0BB-DE4B-95CE-6DB70DBA9567}" type="datetimeFigureOut">
               <a:rPr lang="en-US" dirty="0"/>
               <a:pPr/>
-              <a:t>12/26/2021</a:t>
+              <a:t>1/8/2022</a:t>
             </a:fld>
             <a:endParaRPr lang="en-US" dirty="0"/>
           </a:p>
@@ -9568,7 +9584,7 @@
             <a:fld id="{B61BEF0D-F0BB-DE4B-95CE-6DB70DBA9567}" type="datetimeFigureOut">
               <a:rPr lang="en-US" dirty="0"/>
               <a:pPr/>
-              <a:t>12/26/2021</a:t>
+              <a:t>1/8/2022</a:t>
             </a:fld>
             <a:endParaRPr lang="en-US" dirty="0"/>
           </a:p>
@@ -9779,7 +9795,7 @@
             <a:fld id="{B61BEF0D-F0BB-DE4B-95CE-6DB70DBA9567}" type="datetimeFigureOut">
               <a:rPr lang="en-US" dirty="0"/>
               <a:pPr/>
-              <a:t>12/26/2021</a:t>
+              <a:t>1/8/2022</a:t>
             </a:fld>
             <a:endParaRPr lang="en-US" dirty="0"/>
           </a:p>
@@ -16286,7 +16302,7 @@
         </p:nvSpPr>
         <p:spPr>
           <a:xfrm>
-            <a:off x="703731" y="940796"/>
+            <a:off x="685801" y="2065867"/>
             <a:ext cx="9865657" cy="2205815"/>
           </a:xfrm>
         </p:spPr>
@@ -16298,7 +16314,15 @@
           <a:p>
             <a:r>
               <a:rPr lang="en-US" dirty="0"/>
-              <a:t>Write a program, which takes many letters from user. Use ‘0’ as indication of end.</a:t>
+              <a:t>Write a program, which takes </a:t>
+            </a:r>
+            <a:r>
+              <a:rPr lang="en-US"/>
+              <a:t>many different letters </a:t>
+            </a:r>
+            <a:r>
+              <a:rPr lang="en-US" dirty="0"/>
+              <a:t>from user. Use ‘0’ as indication of end.</a:t>
             </a:r>
           </a:p>
           <a:p>
@@ -16306,6 +16330,40 @@
               <a:rPr lang="en-MY" dirty="0"/>
               <a:t>The program output all possible string using those letters. (use at least one letter, up to all letters been used.)</a:t>
             </a:r>
+          </a:p>
+        </p:txBody>
+      </p:sp>
+      <p:sp>
+        <p:nvSpPr>
+          <p:cNvPr id="4" name="标题 1">
+            <a:extLst>
+              <a:ext uri="{FF2B5EF4-FFF2-40B4-BE49-F238E27FC236}">
+                <a16:creationId xmlns:a16="http://schemas.microsoft.com/office/drawing/2014/main" id="{BD5E8151-0E77-409E-BF85-FD92350D8956}"/>
+              </a:ext>
+            </a:extLst>
+          </p:cNvPr>
+          <p:cNvSpPr>
+            <a:spLocks noGrp="1"/>
+          </p:cNvSpPr>
+          <p:nvPr>
+            <p:ph type="title"/>
+          </p:nvPr>
+        </p:nvSpPr>
+        <p:spPr>
+          <a:xfrm>
+            <a:off x="685801" y="609600"/>
+            <a:ext cx="10131425" cy="1456267"/>
+          </a:xfrm>
+        </p:spPr>
+        <p:txBody>
+          <a:bodyPr/>
+          <a:lstStyle/>
+          <a:p>
+            <a:r>
+              <a:rPr lang="en-US" dirty="0"/>
+              <a:t>Permutation of letters</a:t>
+            </a:r>
+            <a:endParaRPr lang="en-MY" dirty="0"/>
           </a:p>
         </p:txBody>
       </p:sp>
@@ -18354,7 +18412,7 @@
         </p:nvSpPr>
         <p:spPr>
           <a:xfrm>
-            <a:off x="649777" y="1445632"/>
+            <a:off x="649777" y="2162809"/>
             <a:ext cx="9561023" cy="3484956"/>
           </a:xfrm>
         </p:spPr>
@@ -18366,7 +18424,13 @@
           <a:p>
             <a:r>
               <a:rPr lang="en-MY" dirty="0"/>
-              <a:t>Make a program, which takes several value as input (value 0 to indicate the end. The program find the median value. (if total numbers is even, take the centre position 2 numbers and use average as final result. If total numbers is odd take the centre position number.)</a:t>
+              <a:t>Make a program, which takes several value as input (value 0 to indicate the end).</a:t>
+            </a:r>
+          </a:p>
+          <a:p>
+            <a:r>
+              <a:rPr lang="en-MY" dirty="0"/>
+              <a:t>The program find the median value. (if total numbers is even, take the centre position 2 numbers and use average as final result. If total numbers is odd take the centre position number.)</a:t>
             </a:r>
           </a:p>
           <a:p>
@@ -18382,16 +18446,46 @@
             <a:endParaRPr lang="en-MY" sz="1800" dirty="0"/>
           </a:p>
           <a:p>
-            <a:pPr lvl="1"/>
-            <a:endParaRPr lang="en-MY" sz="1800" dirty="0"/>
-          </a:p>
-          <a:p>
             <a:r>
               <a:rPr lang="en-MY" dirty="0"/>
               <a:t>Make a program, which takes several values from user and calculate the sum and average. (when give value 0 means the end)</a:t>
             </a:r>
           </a:p>
           <a:p>
+            <a:endParaRPr lang="en-MY" dirty="0"/>
+          </a:p>
+        </p:txBody>
+      </p:sp>
+      <p:sp>
+        <p:nvSpPr>
+          <p:cNvPr id="4" name="标题 1">
+            <a:extLst>
+              <a:ext uri="{FF2B5EF4-FFF2-40B4-BE49-F238E27FC236}">
+                <a16:creationId xmlns:a16="http://schemas.microsoft.com/office/drawing/2014/main" id="{1F35BDC6-9C1C-4806-B7C9-C458D54B1940}"/>
+              </a:ext>
+            </a:extLst>
+          </p:cNvPr>
+          <p:cNvSpPr>
+            <a:spLocks noGrp="1"/>
+          </p:cNvSpPr>
+          <p:nvPr>
+            <p:ph type="title"/>
+          </p:nvPr>
+        </p:nvSpPr>
+        <p:spPr>
+          <a:xfrm>
+            <a:off x="685801" y="609600"/>
+            <a:ext cx="10131425" cy="1456267"/>
+          </a:xfrm>
+        </p:spPr>
+        <p:txBody>
+          <a:bodyPr/>
+          <a:lstStyle/>
+          <a:p>
+            <a:r>
+              <a:rPr lang="en-US" dirty="0"/>
+              <a:t>List Programming practice</a:t>
+            </a:r>
             <a:endParaRPr lang="en-MY" dirty="0"/>
           </a:p>
         </p:txBody>

--- a/Py B - unit 3p.pptx
+++ b/Py B - unit 3p.pptx
@@ -157,7 +157,7 @@
   <pc:docChgLst>
     <pc:chgData name="Li Lixiang" userId="6104bbfcb56aea79" providerId="LiveId" clId="{5DDD6A57-FD4C-4DE0-8DF6-43BC1A908F0C}"/>
     <pc:docChg chg="undo redo custSel addSld modSld sldOrd">
-      <pc:chgData name="Li Lixiang" userId="6104bbfcb56aea79" providerId="LiveId" clId="{5DDD6A57-FD4C-4DE0-8DF6-43BC1A908F0C}" dt="2022-01-08T10:46:20.868" v="9672" actId="20577"/>
+      <pc:chgData name="Li Lixiang" userId="6104bbfcb56aea79" providerId="LiveId" clId="{5DDD6A57-FD4C-4DE0-8DF6-43BC1A908F0C}" dt="2022-02-26T12:04:51.237" v="9690" actId="20577"/>
       <pc:docMkLst>
         <pc:docMk/>
       </pc:docMkLst>
@@ -314,7 +314,7 @@
         </pc:picChg>
       </pc:sldChg>
       <pc:sldChg chg="addSp modSp add mod ord">
-        <pc:chgData name="Li Lixiang" userId="6104bbfcb56aea79" providerId="LiveId" clId="{5DDD6A57-FD4C-4DE0-8DF6-43BC1A908F0C}" dt="2021-11-21T09:05:30.387" v="3928" actId="20577"/>
+        <pc:chgData name="Li Lixiang" userId="6104bbfcb56aea79" providerId="LiveId" clId="{5DDD6A57-FD4C-4DE0-8DF6-43BC1A908F0C}" dt="2022-01-29T11:25:05.160" v="9688" actId="20577"/>
         <pc:sldMkLst>
           <pc:docMk/>
           <pc:sldMk cId="908925994" sldId="286"/>
@@ -336,7 +336,7 @@
           </ac:spMkLst>
         </pc:spChg>
         <pc:spChg chg="add mod">
-          <ac:chgData name="Li Lixiang" userId="6104bbfcb56aea79" providerId="LiveId" clId="{5DDD6A57-FD4C-4DE0-8DF6-43BC1A908F0C}" dt="2021-11-21T08:31:57.438" v="1313" actId="6549"/>
+          <ac:chgData name="Li Lixiang" userId="6104bbfcb56aea79" providerId="LiveId" clId="{5DDD6A57-FD4C-4DE0-8DF6-43BC1A908F0C}" dt="2022-01-29T11:25:05.160" v="9688" actId="20577"/>
           <ac:spMkLst>
             <pc:docMk/>
             <pc:sldMk cId="908925994" sldId="286"/>
@@ -376,7 +376,7 @@
         </pc:spChg>
       </pc:sldChg>
       <pc:sldChg chg="modSp add mod">
-        <pc:chgData name="Li Lixiang" userId="6104bbfcb56aea79" providerId="LiveId" clId="{5DDD6A57-FD4C-4DE0-8DF6-43BC1A908F0C}" dt="2021-11-23T06:59:18.912" v="6710" actId="20577"/>
+        <pc:chgData name="Li Lixiang" userId="6104bbfcb56aea79" providerId="LiveId" clId="{5DDD6A57-FD4C-4DE0-8DF6-43BC1A908F0C}" dt="2022-02-26T12:04:51.237" v="9690" actId="20577"/>
         <pc:sldMkLst>
           <pc:docMk/>
           <pc:sldMk cId="3837898654" sldId="288"/>
@@ -390,7 +390,7 @@
           </ac:spMkLst>
         </pc:spChg>
         <pc:spChg chg="mod">
-          <ac:chgData name="Li Lixiang" userId="6104bbfcb56aea79" providerId="LiveId" clId="{5DDD6A57-FD4C-4DE0-8DF6-43BC1A908F0C}" dt="2021-11-23T06:59:10.664" v="6700" actId="20577"/>
+          <ac:chgData name="Li Lixiang" userId="6104bbfcb56aea79" providerId="LiveId" clId="{5DDD6A57-FD4C-4DE0-8DF6-43BC1A908F0C}" dt="2022-02-26T12:04:35.711" v="9689" actId="20577"/>
           <ac:spMkLst>
             <pc:docMk/>
             <pc:sldMk cId="3837898654" sldId="288"/>
@@ -398,7 +398,7 @@
           </ac:spMkLst>
         </pc:spChg>
         <pc:spChg chg="mod">
-          <ac:chgData name="Li Lixiang" userId="6104bbfcb56aea79" providerId="LiveId" clId="{5DDD6A57-FD4C-4DE0-8DF6-43BC1A908F0C}" dt="2021-11-23T06:59:18.912" v="6710" actId="20577"/>
+          <ac:chgData name="Li Lixiang" userId="6104bbfcb56aea79" providerId="LiveId" clId="{5DDD6A57-FD4C-4DE0-8DF6-43BC1A908F0C}" dt="2022-02-26T12:04:51.237" v="9690" actId="20577"/>
           <ac:spMkLst>
             <pc:docMk/>
             <pc:sldMk cId="3837898654" sldId="288"/>
@@ -4872,7 +4872,7 @@
             <a:fld id="{B61BEF0D-F0BB-DE4B-95CE-6DB70DBA9567}" type="datetimeFigureOut">
               <a:rPr lang="en-US" dirty="0"/>
               <a:pPr/>
-              <a:t>1/8/2022</a:t>
+              <a:t>2/26/2022</a:t>
             </a:fld>
             <a:endParaRPr lang="en-US" dirty="0"/>
           </a:p>
@@ -5203,7 +5203,7 @@
             <a:fld id="{B61BEF0D-F0BB-DE4B-95CE-6DB70DBA9567}" type="datetimeFigureOut">
               <a:rPr lang="en-US" dirty="0"/>
               <a:pPr/>
-              <a:t>1/8/2022</a:t>
+              <a:t>2/26/2022</a:t>
             </a:fld>
             <a:endParaRPr lang="en-US" dirty="0"/>
           </a:p>
@@ -5478,7 +5478,7 @@
             <a:fld id="{B61BEF0D-F0BB-DE4B-95CE-6DB70DBA9567}" type="datetimeFigureOut">
               <a:rPr lang="en-US" dirty="0"/>
               <a:pPr/>
-              <a:t>1/8/2022</a:t>
+              <a:t>2/26/2022</a:t>
             </a:fld>
             <a:endParaRPr lang="en-US" dirty="0"/>
           </a:p>
@@ -6043,7 +6043,7 @@
             <a:fld id="{B61BEF0D-F0BB-DE4B-95CE-6DB70DBA9567}" type="datetimeFigureOut">
               <a:rPr lang="en-US" dirty="0"/>
               <a:pPr/>
-              <a:t>1/8/2022</a:t>
+              <a:t>2/26/2022</a:t>
             </a:fld>
             <a:endParaRPr lang="en-US" dirty="0"/>
           </a:p>
@@ -6318,7 +6318,7 @@
             <a:fld id="{B61BEF0D-F0BB-DE4B-95CE-6DB70DBA9567}" type="datetimeFigureOut">
               <a:rPr lang="en-US" dirty="0"/>
               <a:pPr/>
-              <a:t>1/8/2022</a:t>
+              <a:t>2/26/2022</a:t>
             </a:fld>
             <a:endParaRPr lang="en-US" dirty="0"/>
           </a:p>
@@ -6877,7 +6877,7 @@
             <a:fld id="{B61BEF0D-F0BB-DE4B-95CE-6DB70DBA9567}" type="datetimeFigureOut">
               <a:rPr lang="en-US" dirty="0"/>
               <a:pPr/>
-              <a:t>1/8/2022</a:t>
+              <a:t>2/26/2022</a:t>
             </a:fld>
             <a:endParaRPr lang="en-US" dirty="0"/>
           </a:p>
@@ -7201,7 +7201,7 @@
             <a:fld id="{B61BEF0D-F0BB-DE4B-95CE-6DB70DBA9567}" type="datetimeFigureOut">
               <a:rPr lang="en-US" dirty="0"/>
               <a:pPr/>
-              <a:t>1/8/2022</a:t>
+              <a:t>2/26/2022</a:t>
             </a:fld>
             <a:endParaRPr lang="en-US" dirty="0"/>
           </a:p>
@@ -7375,7 +7375,7 @@
             <a:fld id="{B61BEF0D-F0BB-DE4B-95CE-6DB70DBA9567}" type="datetimeFigureOut">
               <a:rPr lang="en-US" dirty="0"/>
               <a:pPr/>
-              <a:t>1/8/2022</a:t>
+              <a:t>2/26/2022</a:t>
             </a:fld>
             <a:endParaRPr lang="en-US" dirty="0"/>
           </a:p>
@@ -7610,7 +7610,7 @@
             <a:fld id="{B61BEF0D-F0BB-DE4B-95CE-6DB70DBA9567}" type="datetimeFigureOut">
               <a:rPr lang="en-US" dirty="0"/>
               <a:pPr/>
-              <a:t>1/8/2022</a:t>
+              <a:t>2/26/2022</a:t>
             </a:fld>
             <a:endParaRPr lang="en-US" dirty="0"/>
           </a:p>
@@ -7807,7 +7807,7 @@
             <a:fld id="{B61BEF0D-F0BB-DE4B-95CE-6DB70DBA9567}" type="datetimeFigureOut">
               <a:rPr lang="en-US" dirty="0"/>
               <a:pPr/>
-              <a:t>1/8/2022</a:t>
+              <a:t>2/26/2022</a:t>
             </a:fld>
             <a:endParaRPr lang="en-US" dirty="0"/>
           </a:p>
@@ -8080,7 +8080,7 @@
             <a:fld id="{B61BEF0D-F0BB-DE4B-95CE-6DB70DBA9567}" type="datetimeFigureOut">
               <a:rPr lang="en-US" dirty="0"/>
               <a:pPr/>
-              <a:t>1/8/2022</a:t>
+              <a:t>2/26/2022</a:t>
             </a:fld>
             <a:endParaRPr lang="en-US" dirty="0"/>
           </a:p>
@@ -8343,7 +8343,7 @@
             <a:fld id="{B61BEF0D-F0BB-DE4B-95CE-6DB70DBA9567}" type="datetimeFigureOut">
               <a:rPr lang="en-US" dirty="0"/>
               <a:pPr/>
-              <a:t>1/8/2022</a:t>
+              <a:t>2/26/2022</a:t>
             </a:fld>
             <a:endParaRPr lang="en-US" dirty="0"/>
           </a:p>
@@ -8714,7 +8714,7 @@
             <a:fld id="{B61BEF0D-F0BB-DE4B-95CE-6DB70DBA9567}" type="datetimeFigureOut">
               <a:rPr lang="en-US" dirty="0"/>
               <a:pPr/>
-              <a:t>1/8/2022</a:t>
+              <a:t>2/26/2022</a:t>
             </a:fld>
             <a:endParaRPr lang="en-US" dirty="0"/>
           </a:p>
@@ -8859,7 +8859,7 @@
             <a:fld id="{B61BEF0D-F0BB-DE4B-95CE-6DB70DBA9567}" type="datetimeFigureOut">
               <a:rPr lang="en-US" dirty="0"/>
               <a:pPr/>
-              <a:t>1/8/2022</a:t>
+              <a:t>2/26/2022</a:t>
             </a:fld>
             <a:endParaRPr lang="en-US" dirty="0"/>
           </a:p>
@@ -8981,7 +8981,7 @@
             <a:fld id="{B61BEF0D-F0BB-DE4B-95CE-6DB70DBA9567}" type="datetimeFigureOut">
               <a:rPr lang="en-US" dirty="0"/>
               <a:pPr/>
-              <a:t>1/8/2022</a:t>
+              <a:t>2/26/2022</a:t>
             </a:fld>
             <a:endParaRPr lang="en-US" dirty="0"/>
           </a:p>
@@ -9263,7 +9263,7 @@
             <a:fld id="{B61BEF0D-F0BB-DE4B-95CE-6DB70DBA9567}" type="datetimeFigureOut">
               <a:rPr lang="en-US" dirty="0"/>
               <a:pPr/>
-              <a:t>1/8/2022</a:t>
+              <a:t>2/26/2022</a:t>
             </a:fld>
             <a:endParaRPr lang="en-US" dirty="0"/>
           </a:p>
@@ -9584,7 +9584,7 @@
             <a:fld id="{B61BEF0D-F0BB-DE4B-95CE-6DB70DBA9567}" type="datetimeFigureOut">
               <a:rPr lang="en-US" dirty="0"/>
               <a:pPr/>
-              <a:t>1/8/2022</a:t>
+              <a:t>2/26/2022</a:t>
             </a:fld>
             <a:endParaRPr lang="en-US" dirty="0"/>
           </a:p>
@@ -9795,7 +9795,7 @@
             <a:fld id="{B61BEF0D-F0BB-DE4B-95CE-6DB70DBA9567}" type="datetimeFigureOut">
               <a:rPr lang="en-US" dirty="0"/>
               <a:pPr/>
-              <a:t>1/8/2022</a:t>
+              <a:t>2/26/2022</a:t>
             </a:fld>
             <a:endParaRPr lang="en-US" dirty="0"/>
           </a:p>
@@ -18902,7 +18902,7 @@
           <a:p>
             <a:r>
               <a:rPr lang="en-MY" dirty="0"/>
-              <a:t>Make a program, which takes 1 list of numbers as items, then produce a new list with all item number are the square of original string.</a:t>
+              <a:t>Make a program, which takes 1 list of numbers as items, then produce a new list with all item number are the square of original number.</a:t>
             </a:r>
           </a:p>
           <a:p>
@@ -19495,7 +19495,7 @@
               <a:rPr lang="en-US" altLang="en-US" sz="1400" dirty="0">
                 <a:latin typeface="Arial Unicode MS"/>
               </a:rPr>
-              <a:t>’], ‘j’, ‘k’, ‘l’] </a:t>
+              <a:t>’], ‘j’, ‘k’], ‘l’] </a:t>
             </a:r>
             <a:endParaRPr kumimoji="0" lang="en-US" altLang="en-US" sz="1400" i="0" u="none" strike="noStrike" cap="none" normalizeH="0" baseline="0" dirty="0">
               <a:ln>
@@ -19781,7 +19781,7 @@
               <a:rPr lang="en-US" altLang="en-US" sz="1400" dirty="0">
                 <a:latin typeface="Arial Unicode MS"/>
               </a:rPr>
-              <a:t>’]], ‘j’, ‘k’, ‘l’]</a:t>
+              <a:t>’]], ‘j’, ‘k’], ‘l’]</a:t>
             </a:r>
           </a:p>
           <a:p>

--- a/Py B - unit 3p.pptx
+++ b/Py B - unit 3p.pptx
@@ -6,38 +6,21 @@
   </p:sldMasterIdLst>
   <p:sldIdLst>
     <p:sldId id="256" r:id="rId2"/>
-    <p:sldId id="276" r:id="rId3"/>
-    <p:sldId id="280" r:id="rId4"/>
-    <p:sldId id="300" r:id="rId5"/>
-    <p:sldId id="286" r:id="rId6"/>
-    <p:sldId id="287" r:id="rId7"/>
-    <p:sldId id="288" r:id="rId8"/>
-    <p:sldId id="289" r:id="rId9"/>
-    <p:sldId id="299" r:id="rId10"/>
-    <p:sldId id="290" r:id="rId11"/>
-    <p:sldId id="291" r:id="rId12"/>
-    <p:sldId id="293" r:id="rId13"/>
-    <p:sldId id="292" r:id="rId14"/>
-    <p:sldId id="294" r:id="rId15"/>
-    <p:sldId id="295" r:id="rId16"/>
-    <p:sldId id="296" r:id="rId17"/>
-    <p:sldId id="297" r:id="rId18"/>
-    <p:sldId id="303" r:id="rId19"/>
-    <p:sldId id="266" r:id="rId20"/>
-    <p:sldId id="261" r:id="rId21"/>
-    <p:sldId id="298" r:id="rId22"/>
-    <p:sldId id="285" r:id="rId23"/>
-    <p:sldId id="274" r:id="rId24"/>
-    <p:sldId id="275" r:id="rId25"/>
-    <p:sldId id="284" r:id="rId26"/>
-    <p:sldId id="304" r:id="rId27"/>
-    <p:sldId id="301" r:id="rId28"/>
-    <p:sldId id="302" r:id="rId29"/>
-    <p:sldId id="283" r:id="rId30"/>
-    <p:sldId id="272" r:id="rId31"/>
-    <p:sldId id="273" r:id="rId32"/>
-    <p:sldId id="258" r:id="rId33"/>
-    <p:sldId id="262" r:id="rId34"/>
+    <p:sldId id="305" r:id="rId3"/>
+    <p:sldId id="306" r:id="rId4"/>
+    <p:sldId id="277" r:id="rId5"/>
+    <p:sldId id="274" r:id="rId6"/>
+    <p:sldId id="275" r:id="rId7"/>
+    <p:sldId id="301" r:id="rId8"/>
+    <p:sldId id="280" r:id="rId9"/>
+    <p:sldId id="302" r:id="rId10"/>
+    <p:sldId id="284" r:id="rId11"/>
+    <p:sldId id="304" r:id="rId12"/>
+    <p:sldId id="283" r:id="rId13"/>
+    <p:sldId id="272" r:id="rId14"/>
+    <p:sldId id="273" r:id="rId15"/>
+    <p:sldId id="258" r:id="rId16"/>
+    <p:sldId id="262" r:id="rId17"/>
   </p:sldIdLst>
   <p:sldSz cx="12192000" cy="6858000"/>
   <p:notesSz cx="6858000" cy="9144000"/>
@@ -147,7 +130,7 @@
 <file path=ppt/revisionInfo.xml><?xml version="1.0" encoding="utf-8"?>
 <p1510:revInfo xmlns:a="http://schemas.openxmlformats.org/drawingml/2006/main" xmlns:r="http://schemas.openxmlformats.org/officeDocument/2006/relationships" xmlns:p1510="http://schemas.microsoft.com/office/powerpoint/2015/10/main">
   <p1510:revLst>
-    <p1510:client id="{5DDD6A57-FD4C-4DE0-8DF6-43BC1A908F0C}" v="39" dt="2022-01-08T06:53:27.051"/>
+    <p1510:client id="{5DDD6A57-FD4C-4DE0-8DF6-43BC1A908F0C}" v="40" dt="2023-04-25T11:52:17.324"/>
   </p1510:revLst>
 </p1510:revInfo>
 </file>
@@ -156,8 +139,8 @@
 <pc:chgInfo xmlns:a="http://schemas.openxmlformats.org/drawingml/2006/main" xmlns:r="http://schemas.openxmlformats.org/officeDocument/2006/relationships" xmlns:ac="http://schemas.microsoft.com/office/drawing/2013/main/command" xmlns:pc="http://schemas.microsoft.com/office/powerpoint/2013/main/command">
   <pc:docChgLst>
     <pc:chgData name="Li Lixiang" userId="6104bbfcb56aea79" providerId="LiveId" clId="{5DDD6A57-FD4C-4DE0-8DF6-43BC1A908F0C}"/>
-    <pc:docChg chg="undo redo custSel addSld modSld sldOrd">
-      <pc:chgData name="Li Lixiang" userId="6104bbfcb56aea79" providerId="LiveId" clId="{5DDD6A57-FD4C-4DE0-8DF6-43BC1A908F0C}" dt="2022-02-26T12:04:51.237" v="9690" actId="20577"/>
+    <pc:docChg chg="undo redo custSel addSld delSld modSld sldOrd">
+      <pc:chgData name="Li Lixiang" userId="6104bbfcb56aea79" providerId="LiveId" clId="{5DDD6A57-FD4C-4DE0-8DF6-43BC1A908F0C}" dt="2023-04-25T11:59:35.122" v="9712"/>
       <pc:docMkLst>
         <pc:docMk/>
       </pc:docMkLst>
@@ -168,8 +151,8 @@
           <pc:sldMk cId="3903523967" sldId="258"/>
         </pc:sldMkLst>
       </pc:sldChg>
-      <pc:sldChg chg="ord">
-        <pc:chgData name="Li Lixiang" userId="6104bbfcb56aea79" providerId="LiveId" clId="{5DDD6A57-FD4C-4DE0-8DF6-43BC1A908F0C}" dt="2021-11-21T08:07:52.455" v="354"/>
+      <pc:sldChg chg="del ord">
+        <pc:chgData name="Li Lixiang" userId="6104bbfcb56aea79" providerId="LiveId" clId="{5DDD6A57-FD4C-4DE0-8DF6-43BC1A908F0C}" dt="2023-04-25T11:58:48.337" v="9708" actId="47"/>
         <pc:sldMkLst>
           <pc:docMk/>
           <pc:sldMk cId="3409578767" sldId="261"/>
@@ -182,6 +165,13 @@
           <pc:sldMk cId="43257341" sldId="262"/>
         </pc:sldMkLst>
       </pc:sldChg>
+      <pc:sldChg chg="del">
+        <pc:chgData name="Li Lixiang" userId="6104bbfcb56aea79" providerId="LiveId" clId="{5DDD6A57-FD4C-4DE0-8DF6-43BC1A908F0C}" dt="2023-04-25T11:58:47.212" v="9707" actId="47"/>
+        <pc:sldMkLst>
+          <pc:docMk/>
+          <pc:sldMk cId="2423402082" sldId="266"/>
+        </pc:sldMkLst>
+      </pc:sldChg>
       <pc:sldChg chg="modSp mod">
         <pc:chgData name="Li Lixiang" userId="6104bbfcb56aea79" providerId="LiveId" clId="{5DDD6A57-FD4C-4DE0-8DF6-43BC1A908F0C}" dt="2021-11-18T11:52:04.765" v="187" actId="20577"/>
         <pc:sldMkLst>
@@ -197,8 +187,8 @@
           </ac:spMkLst>
         </pc:spChg>
       </pc:sldChg>
-      <pc:sldChg chg="modSp mod ord">
-        <pc:chgData name="Li Lixiang" userId="6104bbfcb56aea79" providerId="LiveId" clId="{5DDD6A57-FD4C-4DE0-8DF6-43BC1A908F0C}" dt="2021-12-18T10:40:34.572" v="8281" actId="403"/>
+      <pc:sldChg chg="modSp del mod ord">
+        <pc:chgData name="Li Lixiang" userId="6104bbfcb56aea79" providerId="LiveId" clId="{5DDD6A57-FD4C-4DE0-8DF6-43BC1A908F0C}" dt="2023-04-25T11:58:38.770" v="9704" actId="47"/>
         <pc:sldMkLst>
           <pc:docMk/>
           <pc:sldMk cId="646767933" sldId="276"/>
@@ -212,8 +202,15 @@
           </ac:spMkLst>
         </pc:spChg>
       </pc:sldChg>
-      <pc:sldChg chg="addSp delSp modSp add mod">
-        <pc:chgData name="Li Lixiang" userId="6104bbfcb56aea79" providerId="LiveId" clId="{5DDD6A57-FD4C-4DE0-8DF6-43BC1A908F0C}" dt="2022-01-08T10:46:20.868" v="9672" actId="20577"/>
+      <pc:sldChg chg="add ord">
+        <pc:chgData name="Li Lixiang" userId="6104bbfcb56aea79" providerId="LiveId" clId="{5DDD6A57-FD4C-4DE0-8DF6-43BC1A908F0C}" dt="2023-04-25T11:59:35.122" v="9712"/>
+        <pc:sldMkLst>
+          <pc:docMk/>
+          <pc:sldMk cId="2103825147" sldId="277"/>
+        </pc:sldMkLst>
+      </pc:sldChg>
+      <pc:sldChg chg="addSp delSp modSp add mod ord">
+        <pc:chgData name="Li Lixiang" userId="6104bbfcb56aea79" providerId="LiveId" clId="{5DDD6A57-FD4C-4DE0-8DF6-43BC1A908F0C}" dt="2023-04-25T11:55:57.241" v="9703"/>
         <pc:sldMkLst>
           <pc:docMk/>
           <pc:sldMk cId="3756693306" sldId="280"/>
@@ -274,8 +271,8 @@
           </ac:spMkLst>
         </pc:spChg>
       </pc:sldChg>
-      <pc:sldChg chg="addSp delSp modSp add mod ord">
-        <pc:chgData name="Li Lixiang" userId="6104bbfcb56aea79" providerId="LiveId" clId="{5DDD6A57-FD4C-4DE0-8DF6-43BC1A908F0C}" dt="2021-11-23T06:40:16.847" v="6135"/>
+      <pc:sldChg chg="addSp delSp modSp add del mod ord">
+        <pc:chgData name="Li Lixiang" userId="6104bbfcb56aea79" providerId="LiveId" clId="{5DDD6A57-FD4C-4DE0-8DF6-43BC1A908F0C}" dt="2023-04-25T11:58:51.261" v="9710" actId="47"/>
         <pc:sldMkLst>
           <pc:docMk/>
           <pc:sldMk cId="2917449728" sldId="285"/>
@@ -313,8 +310,8 @@
           </ac:picMkLst>
         </pc:picChg>
       </pc:sldChg>
-      <pc:sldChg chg="addSp modSp add mod ord">
-        <pc:chgData name="Li Lixiang" userId="6104bbfcb56aea79" providerId="LiveId" clId="{5DDD6A57-FD4C-4DE0-8DF6-43BC1A908F0C}" dt="2022-01-29T11:25:05.160" v="9688" actId="20577"/>
+      <pc:sldChg chg="addSp modSp add del mod ord">
+        <pc:chgData name="Li Lixiang" userId="6104bbfcb56aea79" providerId="LiveId" clId="{5DDD6A57-FD4C-4DE0-8DF6-43BC1A908F0C}" dt="2023-04-25T11:58:38.770" v="9704" actId="47"/>
         <pc:sldMkLst>
           <pc:docMk/>
           <pc:sldMk cId="908925994" sldId="286"/>
@@ -344,8 +341,8 @@
           </ac:spMkLst>
         </pc:spChg>
       </pc:sldChg>
-      <pc:sldChg chg="modSp add mod">
-        <pc:chgData name="Li Lixiang" userId="6104bbfcb56aea79" providerId="LiveId" clId="{5DDD6A57-FD4C-4DE0-8DF6-43BC1A908F0C}" dt="2021-11-21T09:05:34.508" v="3934" actId="5793"/>
+      <pc:sldChg chg="modSp add del mod">
+        <pc:chgData name="Li Lixiang" userId="6104bbfcb56aea79" providerId="LiveId" clId="{5DDD6A57-FD4C-4DE0-8DF6-43BC1A908F0C}" dt="2023-04-25T11:58:38.770" v="9704" actId="47"/>
         <pc:sldMkLst>
           <pc:docMk/>
           <pc:sldMk cId="4089429991" sldId="287"/>
@@ -375,8 +372,8 @@
           </ac:spMkLst>
         </pc:spChg>
       </pc:sldChg>
-      <pc:sldChg chg="modSp add mod">
-        <pc:chgData name="Li Lixiang" userId="6104bbfcb56aea79" providerId="LiveId" clId="{5DDD6A57-FD4C-4DE0-8DF6-43BC1A908F0C}" dt="2022-02-26T12:04:51.237" v="9690" actId="20577"/>
+      <pc:sldChg chg="modSp add del mod">
+        <pc:chgData name="Li Lixiang" userId="6104bbfcb56aea79" providerId="LiveId" clId="{5DDD6A57-FD4C-4DE0-8DF6-43BC1A908F0C}" dt="2023-04-25T11:58:38.770" v="9704" actId="47"/>
         <pc:sldMkLst>
           <pc:docMk/>
           <pc:sldMk cId="3837898654" sldId="288"/>
@@ -406,8 +403,8 @@
           </ac:spMkLst>
         </pc:spChg>
       </pc:sldChg>
-      <pc:sldChg chg="modSp add mod">
-        <pc:chgData name="Li Lixiang" userId="6104bbfcb56aea79" providerId="LiveId" clId="{5DDD6A57-FD4C-4DE0-8DF6-43BC1A908F0C}" dt="2021-11-21T09:05:43.518" v="3946" actId="5793"/>
+      <pc:sldChg chg="modSp add del mod">
+        <pc:chgData name="Li Lixiang" userId="6104bbfcb56aea79" providerId="LiveId" clId="{5DDD6A57-FD4C-4DE0-8DF6-43BC1A908F0C}" dt="2023-04-25T11:58:38.770" v="9704" actId="47"/>
         <pc:sldMkLst>
           <pc:docMk/>
           <pc:sldMk cId="863993670" sldId="289"/>
@@ -437,8 +434,8 @@
           </ac:spMkLst>
         </pc:spChg>
       </pc:sldChg>
-      <pc:sldChg chg="modSp add mod ord">
-        <pc:chgData name="Li Lixiang" userId="6104bbfcb56aea79" providerId="LiveId" clId="{5DDD6A57-FD4C-4DE0-8DF6-43BC1A908F0C}" dt="2021-11-21T08:55:37.389" v="3320" actId="20577"/>
+      <pc:sldChg chg="modSp add del mod ord">
+        <pc:chgData name="Li Lixiang" userId="6104bbfcb56aea79" providerId="LiveId" clId="{5DDD6A57-FD4C-4DE0-8DF6-43BC1A908F0C}" dt="2023-04-25T11:58:38.770" v="9704" actId="47"/>
         <pc:sldMkLst>
           <pc:docMk/>
           <pc:sldMk cId="3250499413" sldId="290"/>
@@ -468,8 +465,8 @@
           </ac:spMkLst>
         </pc:spChg>
       </pc:sldChg>
-      <pc:sldChg chg="modSp add mod">
-        <pc:chgData name="Li Lixiang" userId="6104bbfcb56aea79" providerId="LiveId" clId="{5DDD6A57-FD4C-4DE0-8DF6-43BC1A908F0C}" dt="2021-11-21T08:58:41.087" v="3690" actId="20577"/>
+      <pc:sldChg chg="modSp add del mod">
+        <pc:chgData name="Li Lixiang" userId="6104bbfcb56aea79" providerId="LiveId" clId="{5DDD6A57-FD4C-4DE0-8DF6-43BC1A908F0C}" dt="2023-04-25T11:58:38.770" v="9704" actId="47"/>
         <pc:sldMkLst>
           <pc:docMk/>
           <pc:sldMk cId="3038236592" sldId="291"/>
@@ -491,8 +488,8 @@
           </ac:spMkLst>
         </pc:spChg>
       </pc:sldChg>
-      <pc:sldChg chg="addSp delSp modSp add mod">
-        <pc:chgData name="Li Lixiang" userId="6104bbfcb56aea79" providerId="LiveId" clId="{5DDD6A57-FD4C-4DE0-8DF6-43BC1A908F0C}" dt="2021-11-21T09:33:56.551" v="5528" actId="20577"/>
+      <pc:sldChg chg="addSp delSp modSp add del mod">
+        <pc:chgData name="Li Lixiang" userId="6104bbfcb56aea79" providerId="LiveId" clId="{5DDD6A57-FD4C-4DE0-8DF6-43BC1A908F0C}" dt="2023-04-25T11:58:44.317" v="9705" actId="47"/>
         <pc:sldMkLst>
           <pc:docMk/>
           <pc:sldMk cId="1918009001" sldId="292"/>
@@ -530,15 +527,15 @@
           </ac:spMkLst>
         </pc:spChg>
       </pc:sldChg>
-      <pc:sldChg chg="add ord">
-        <pc:chgData name="Li Lixiang" userId="6104bbfcb56aea79" providerId="LiveId" clId="{5DDD6A57-FD4C-4DE0-8DF6-43BC1A908F0C}" dt="2021-11-23T06:39:31.630" v="6133"/>
+      <pc:sldChg chg="add del ord">
+        <pc:chgData name="Li Lixiang" userId="6104bbfcb56aea79" providerId="LiveId" clId="{5DDD6A57-FD4C-4DE0-8DF6-43BC1A908F0C}" dt="2023-04-25T11:58:38.770" v="9704" actId="47"/>
         <pc:sldMkLst>
           <pc:docMk/>
           <pc:sldMk cId="3216123521" sldId="293"/>
         </pc:sldMkLst>
       </pc:sldChg>
-      <pc:sldChg chg="modSp add mod">
-        <pc:chgData name="Li Lixiang" userId="6104bbfcb56aea79" providerId="LiveId" clId="{5DDD6A57-FD4C-4DE0-8DF6-43BC1A908F0C}" dt="2021-11-21T09:16:13.108" v="4737" actId="6549"/>
+      <pc:sldChg chg="modSp add del mod">
+        <pc:chgData name="Li Lixiang" userId="6104bbfcb56aea79" providerId="LiveId" clId="{5DDD6A57-FD4C-4DE0-8DF6-43BC1A908F0C}" dt="2023-04-25T11:58:44.317" v="9705" actId="47"/>
         <pc:sldMkLst>
           <pc:docMk/>
           <pc:sldMk cId="1385666615" sldId="294"/>
@@ -560,8 +557,8 @@
           </ac:spMkLst>
         </pc:spChg>
       </pc:sldChg>
-      <pc:sldChg chg="modSp add mod">
-        <pc:chgData name="Li Lixiang" userId="6104bbfcb56aea79" providerId="LiveId" clId="{5DDD6A57-FD4C-4DE0-8DF6-43BC1A908F0C}" dt="2021-11-21T09:33:47.735" v="5524" actId="20577"/>
+      <pc:sldChg chg="modSp add del mod">
+        <pc:chgData name="Li Lixiang" userId="6104bbfcb56aea79" providerId="LiveId" clId="{5DDD6A57-FD4C-4DE0-8DF6-43BC1A908F0C}" dt="2023-04-25T11:58:44.317" v="9705" actId="47"/>
         <pc:sldMkLst>
           <pc:docMk/>
           <pc:sldMk cId="2349023928" sldId="295"/>
@@ -583,8 +580,8 @@
           </ac:spMkLst>
         </pc:spChg>
       </pc:sldChg>
-      <pc:sldChg chg="modSp add mod">
-        <pc:chgData name="Li Lixiang" userId="6104bbfcb56aea79" providerId="LiveId" clId="{5DDD6A57-FD4C-4DE0-8DF6-43BC1A908F0C}" dt="2021-11-21T09:34:18.601" v="5558" actId="20577"/>
+      <pc:sldChg chg="modSp add del mod">
+        <pc:chgData name="Li Lixiang" userId="6104bbfcb56aea79" providerId="LiveId" clId="{5DDD6A57-FD4C-4DE0-8DF6-43BC1A908F0C}" dt="2023-04-25T11:58:44.317" v="9705" actId="47"/>
         <pc:sldMkLst>
           <pc:docMk/>
           <pc:sldMk cId="2918360428" sldId="296"/>
@@ -606,8 +603,8 @@
           </ac:spMkLst>
         </pc:spChg>
       </pc:sldChg>
-      <pc:sldChg chg="modSp add mod">
-        <pc:chgData name="Li Lixiang" userId="6104bbfcb56aea79" providerId="LiveId" clId="{5DDD6A57-FD4C-4DE0-8DF6-43BC1A908F0C}" dt="2021-11-21T09:37:33.155" v="6131" actId="27636"/>
+      <pc:sldChg chg="modSp add del mod">
+        <pc:chgData name="Li Lixiang" userId="6104bbfcb56aea79" providerId="LiveId" clId="{5DDD6A57-FD4C-4DE0-8DF6-43BC1A908F0C}" dt="2023-04-25T11:58:44.317" v="9705" actId="47"/>
         <pc:sldMkLst>
           <pc:docMk/>
           <pc:sldMk cId="2873050645" sldId="297"/>
@@ -629,8 +626,8 @@
           </ac:spMkLst>
         </pc:spChg>
       </pc:sldChg>
-      <pc:sldChg chg="modSp add mod">
-        <pc:chgData name="Li Lixiang" userId="6104bbfcb56aea79" providerId="LiveId" clId="{5DDD6A57-FD4C-4DE0-8DF6-43BC1A908F0C}" dt="2021-11-23T06:43:01.552" v="6653" actId="20577"/>
+      <pc:sldChg chg="modSp add del mod">
+        <pc:chgData name="Li Lixiang" userId="6104bbfcb56aea79" providerId="LiveId" clId="{5DDD6A57-FD4C-4DE0-8DF6-43BC1A908F0C}" dt="2023-04-25T11:58:49.681" v="9709" actId="47"/>
         <pc:sldMkLst>
           <pc:docMk/>
           <pc:sldMk cId="3887230651" sldId="298"/>
@@ -652,8 +649,8 @@
           </ac:spMkLst>
         </pc:spChg>
       </pc:sldChg>
-      <pc:sldChg chg="addSp delSp modSp add mod">
-        <pc:chgData name="Li Lixiang" userId="6104bbfcb56aea79" providerId="LiveId" clId="{5DDD6A57-FD4C-4DE0-8DF6-43BC1A908F0C}" dt="2021-11-23T07:05:05.668" v="7225" actId="1035"/>
+      <pc:sldChg chg="addSp delSp modSp add del mod">
+        <pc:chgData name="Li Lixiang" userId="6104bbfcb56aea79" providerId="LiveId" clId="{5DDD6A57-FD4C-4DE0-8DF6-43BC1A908F0C}" dt="2023-04-25T11:58:38.770" v="9704" actId="47"/>
         <pc:sldMkLst>
           <pc:docMk/>
           <pc:sldMk cId="2705027" sldId="299"/>
@@ -683,8 +680,8 @@
           </ac:spMkLst>
         </pc:spChg>
       </pc:sldChg>
-      <pc:sldChg chg="addSp delSp modSp add mod ord">
-        <pc:chgData name="Li Lixiang" userId="6104bbfcb56aea79" providerId="LiveId" clId="{5DDD6A57-FD4C-4DE0-8DF6-43BC1A908F0C}" dt="2022-01-08T06:55:04.471" v="9662"/>
+      <pc:sldChg chg="addSp delSp modSp add del mod ord">
+        <pc:chgData name="Li Lixiang" userId="6104bbfcb56aea79" providerId="LiveId" clId="{5DDD6A57-FD4C-4DE0-8DF6-43BC1A908F0C}" dt="2023-04-25T11:58:38.770" v="9704" actId="47"/>
         <pc:sldMkLst>
           <pc:docMk/>
           <pc:sldMk cId="1821804651" sldId="300"/>
@@ -722,8 +719,8 @@
           </ac:spMkLst>
         </pc:spChg>
       </pc:sldChg>
-      <pc:sldChg chg="modSp add mod">
-        <pc:chgData name="Li Lixiang" userId="6104bbfcb56aea79" providerId="LiveId" clId="{5DDD6A57-FD4C-4DE0-8DF6-43BC1A908F0C}" dt="2021-12-12T03:00:22.823" v="8263" actId="20577"/>
+      <pc:sldChg chg="modSp add mod ord">
+        <pc:chgData name="Li Lixiang" userId="6104bbfcb56aea79" providerId="LiveId" clId="{5DDD6A57-FD4C-4DE0-8DF6-43BC1A908F0C}" dt="2023-04-25T11:52:06.411" v="9692"/>
         <pc:sldMkLst>
           <pc:docMk/>
           <pc:sldMk cId="4225843026" sldId="301"/>
@@ -745,8 +742,8 @@
           </ac:spMkLst>
         </pc:spChg>
       </pc:sldChg>
-      <pc:sldChg chg="modSp add mod">
-        <pc:chgData name="Li Lixiang" userId="6104bbfcb56aea79" providerId="LiveId" clId="{5DDD6A57-FD4C-4DE0-8DF6-43BC1A908F0C}" dt="2021-12-26T06:59:29.514" v="8854" actId="20577"/>
+      <pc:sldChg chg="modSp add mod ord">
+        <pc:chgData name="Li Lixiang" userId="6104bbfcb56aea79" providerId="LiveId" clId="{5DDD6A57-FD4C-4DE0-8DF6-43BC1A908F0C}" dt="2023-04-25T11:52:08.096" v="9694"/>
         <pc:sldMkLst>
           <pc:docMk/>
           <pc:sldMk cId="1741278169" sldId="302"/>
@@ -768,8 +765,8 @@
           </ac:spMkLst>
         </pc:spChg>
       </pc:sldChg>
-      <pc:sldChg chg="delSp modSp new mod">
-        <pc:chgData name="Li Lixiang" userId="6104bbfcb56aea79" providerId="LiveId" clId="{5DDD6A57-FD4C-4DE0-8DF6-43BC1A908F0C}" dt="2021-12-26T04:02:13.531" v="8608" actId="1035"/>
+      <pc:sldChg chg="delSp modSp new del mod">
+        <pc:chgData name="Li Lixiang" userId="6104bbfcb56aea79" providerId="LiveId" clId="{5DDD6A57-FD4C-4DE0-8DF6-43BC1A908F0C}" dt="2023-04-25T11:58:46.120" v="9706" actId="47"/>
         <pc:sldMkLst>
           <pc:docMk/>
           <pc:sldMk cId="2598763665" sldId="303"/>
@@ -853,6 +850,20 @@
             <ac:spMk id="8" creationId="{8A0E7843-D5D0-441B-8343-3A5F70A68186}"/>
           </ac:spMkLst>
         </pc:spChg>
+      </pc:sldChg>
+      <pc:sldChg chg="add ord">
+        <pc:chgData name="Li Lixiang" userId="6104bbfcb56aea79" providerId="LiveId" clId="{5DDD6A57-FD4C-4DE0-8DF6-43BC1A908F0C}" dt="2023-04-25T11:59:35.122" v="9712"/>
+        <pc:sldMkLst>
+          <pc:docMk/>
+          <pc:sldMk cId="1137392759" sldId="305"/>
+        </pc:sldMkLst>
+      </pc:sldChg>
+      <pc:sldChg chg="add ord">
+        <pc:chgData name="Li Lixiang" userId="6104bbfcb56aea79" providerId="LiveId" clId="{5DDD6A57-FD4C-4DE0-8DF6-43BC1A908F0C}" dt="2023-04-25T11:59:35.122" v="9712"/>
+        <pc:sldMkLst>
+          <pc:docMk/>
+          <pc:sldMk cId="2094285108" sldId="306"/>
+        </pc:sldMkLst>
       </pc:sldChg>
     </pc:docChg>
   </pc:docChgLst>
@@ -4519,99 +4530,6 @@
 </file>
 
 <file path=ppt/ink/ink2.xml><?xml version="1.0" encoding="utf-8"?>
-<inkml:ink xmlns:inkml="http://www.w3.org/2003/InkML">
-  <inkml:definitions>
-    <inkml:context xml:id="ctx0">
-      <inkml:inkSource xml:id="inkSrc0">
-        <inkml:traceFormat>
-          <inkml:channel name="X" type="integer" min="-2.14748E9" max="2.14748E9" units="cm"/>
-          <inkml:channel name="Y" type="integer" min="-2.14748E9" max="2.14748E9" units="cm"/>
-          <inkml:channel name="F" type="integer" max="32767" units="dev"/>
-          <inkml:channel name="OA" type="integer" max="360" units="deg"/>
-          <inkml:channel name="OE" type="integer" max="90" units="deg"/>
-        </inkml:traceFormat>
-        <inkml:channelProperties>
-          <inkml:channelProperty channel="X" name="resolution" value="1000" units="1/cm"/>
-          <inkml:channelProperty channel="Y" name="resolution" value="1000" units="1/cm"/>
-          <inkml:channelProperty channel="F" name="resolution" value="0" units="1/dev"/>
-          <inkml:channelProperty channel="OA" name="resolution" value="1000" units="1/deg"/>
-          <inkml:channelProperty channel="OE" name="resolution" value="1000" units="1/deg"/>
-        </inkml:channelProperties>
-      </inkml:inkSource>
-      <inkml:timestamp xml:id="ts0" timeString="2021-04-20T10:04:07.625"/>
-    </inkml:context>
-    <inkml:brush xml:id="br0">
-      <inkml:brushProperty name="width" value="0.05" units="cm"/>
-      <inkml:brushProperty name="height" value="0.05" units="cm"/>
-    </inkml:brush>
-  </inkml:definitions>
-  <inkml:trace contextRef="#ctx0" brushRef="#br0">38 1 132 0 0,'-20'4'64'0'0,"3"-2"-148"0"0</inkml:trace>
-</inkml:ink>
-</file>
-
-<file path=ppt/ink/ink3.xml><?xml version="1.0" encoding="utf-8"?>
-<inkml:ink xmlns:inkml="http://www.w3.org/2003/InkML">
-  <inkml:definitions>
-    <inkml:context xml:id="ctx0">
-      <inkml:inkSource xml:id="inkSrc0">
-        <inkml:traceFormat>
-          <inkml:channel name="X" type="integer" min="-2.14748E9" max="2.14748E9" units="cm"/>
-          <inkml:channel name="Y" type="integer" min="-2.14748E9" max="2.14748E9" units="cm"/>
-          <inkml:channel name="F" type="integer" max="32767" units="dev"/>
-          <inkml:channel name="OA" type="integer" max="360" units="deg"/>
-          <inkml:channel name="OE" type="integer" max="90" units="deg"/>
-        </inkml:traceFormat>
-        <inkml:channelProperties>
-          <inkml:channelProperty channel="X" name="resolution" value="1000" units="1/cm"/>
-          <inkml:channelProperty channel="Y" name="resolution" value="1000" units="1/cm"/>
-          <inkml:channelProperty channel="F" name="resolution" value="0" units="1/dev"/>
-          <inkml:channelProperty channel="OA" name="resolution" value="1000" units="1/deg"/>
-          <inkml:channelProperty channel="OE" name="resolution" value="1000" units="1/deg"/>
-        </inkml:channelProperties>
-      </inkml:inkSource>
-      <inkml:timestamp xml:id="ts0" timeString="2021-04-20T10:04:07.625"/>
-    </inkml:context>
-    <inkml:brush xml:id="br0">
-      <inkml:brushProperty name="width" value="0.05" units="cm"/>
-      <inkml:brushProperty name="height" value="0.05" units="cm"/>
-    </inkml:brush>
-  </inkml:definitions>
-  <inkml:trace contextRef="#ctx0" brushRef="#br0">38 1 132 0 0,'-20'4'64'0'0,"3"-2"-148"0"0</inkml:trace>
-</inkml:ink>
-</file>
-
-<file path=ppt/ink/ink4.xml><?xml version="1.0" encoding="utf-8"?>
-<inkml:ink xmlns:inkml="http://www.w3.org/2003/InkML">
-  <inkml:definitions>
-    <inkml:context xml:id="ctx0">
-      <inkml:inkSource xml:id="inkSrc0">
-        <inkml:traceFormat>
-          <inkml:channel name="X" type="integer" min="-2.14748E9" max="2.14748E9" units="cm"/>
-          <inkml:channel name="Y" type="integer" min="-2.14748E9" max="2.14748E9" units="cm"/>
-          <inkml:channel name="F" type="integer" max="32767" units="dev"/>
-          <inkml:channel name="OA" type="integer" max="360" units="deg"/>
-          <inkml:channel name="OE" type="integer" max="90" units="deg"/>
-        </inkml:traceFormat>
-        <inkml:channelProperties>
-          <inkml:channelProperty channel="X" name="resolution" value="1000" units="1/cm"/>
-          <inkml:channelProperty channel="Y" name="resolution" value="1000" units="1/cm"/>
-          <inkml:channelProperty channel="F" name="resolution" value="0" units="1/dev"/>
-          <inkml:channelProperty channel="OA" name="resolution" value="1000" units="1/deg"/>
-          <inkml:channelProperty channel="OE" name="resolution" value="1000" units="1/deg"/>
-        </inkml:channelProperties>
-      </inkml:inkSource>
-      <inkml:timestamp xml:id="ts0" timeString="2021-04-20T10:04:07.625"/>
-    </inkml:context>
-    <inkml:brush xml:id="br0">
-      <inkml:brushProperty name="width" value="0.05" units="cm"/>
-      <inkml:brushProperty name="height" value="0.05" units="cm"/>
-    </inkml:brush>
-  </inkml:definitions>
-  <inkml:trace contextRef="#ctx0" brushRef="#br0">38 1 132 0 0,'-20'4'64'0'0,"3"-2"-148"0"0</inkml:trace>
-</inkml:ink>
-</file>
-
-<file path=ppt/ink/ink5.xml><?xml version="1.0" encoding="utf-8"?>
 <inkml:ink xmlns:inkml="http://www.w3.org/2003/InkML">
   <inkml:definitions>
     <inkml:context xml:id="ctx0">
@@ -4872,7 +4790,7 @@
             <a:fld id="{B61BEF0D-F0BB-DE4B-95CE-6DB70DBA9567}" type="datetimeFigureOut">
               <a:rPr lang="en-US" dirty="0"/>
               <a:pPr/>
-              <a:t>2/26/2022</a:t>
+              <a:t>4/25/2023</a:t>
             </a:fld>
             <a:endParaRPr lang="en-US" dirty="0"/>
           </a:p>
@@ -5203,7 +5121,7 @@
             <a:fld id="{B61BEF0D-F0BB-DE4B-95CE-6DB70DBA9567}" type="datetimeFigureOut">
               <a:rPr lang="en-US" dirty="0"/>
               <a:pPr/>
-              <a:t>2/26/2022</a:t>
+              <a:t>4/25/2023</a:t>
             </a:fld>
             <a:endParaRPr lang="en-US" dirty="0"/>
           </a:p>
@@ -5478,7 +5396,7 @@
             <a:fld id="{B61BEF0D-F0BB-DE4B-95CE-6DB70DBA9567}" type="datetimeFigureOut">
               <a:rPr lang="en-US" dirty="0"/>
               <a:pPr/>
-              <a:t>2/26/2022</a:t>
+              <a:t>4/25/2023</a:t>
             </a:fld>
             <a:endParaRPr lang="en-US" dirty="0"/>
           </a:p>
@@ -6043,7 +5961,7 @@
             <a:fld id="{B61BEF0D-F0BB-DE4B-95CE-6DB70DBA9567}" type="datetimeFigureOut">
               <a:rPr lang="en-US" dirty="0"/>
               <a:pPr/>
-              <a:t>2/26/2022</a:t>
+              <a:t>4/25/2023</a:t>
             </a:fld>
             <a:endParaRPr lang="en-US" dirty="0"/>
           </a:p>
@@ -6318,7 +6236,7 @@
             <a:fld id="{B61BEF0D-F0BB-DE4B-95CE-6DB70DBA9567}" type="datetimeFigureOut">
               <a:rPr lang="en-US" dirty="0"/>
               <a:pPr/>
-              <a:t>2/26/2022</a:t>
+              <a:t>4/25/2023</a:t>
             </a:fld>
             <a:endParaRPr lang="en-US" dirty="0"/>
           </a:p>
@@ -6877,7 +6795,7 @@
             <a:fld id="{B61BEF0D-F0BB-DE4B-95CE-6DB70DBA9567}" type="datetimeFigureOut">
               <a:rPr lang="en-US" dirty="0"/>
               <a:pPr/>
-              <a:t>2/26/2022</a:t>
+              <a:t>4/25/2023</a:t>
             </a:fld>
             <a:endParaRPr lang="en-US" dirty="0"/>
           </a:p>
@@ -7201,7 +7119,7 @@
             <a:fld id="{B61BEF0D-F0BB-DE4B-95CE-6DB70DBA9567}" type="datetimeFigureOut">
               <a:rPr lang="en-US" dirty="0"/>
               <a:pPr/>
-              <a:t>2/26/2022</a:t>
+              <a:t>4/25/2023</a:t>
             </a:fld>
             <a:endParaRPr lang="en-US" dirty="0"/>
           </a:p>
@@ -7375,7 +7293,7 @@
             <a:fld id="{B61BEF0D-F0BB-DE4B-95CE-6DB70DBA9567}" type="datetimeFigureOut">
               <a:rPr lang="en-US" dirty="0"/>
               <a:pPr/>
-              <a:t>2/26/2022</a:t>
+              <a:t>4/25/2023</a:t>
             </a:fld>
             <a:endParaRPr lang="en-US" dirty="0"/>
           </a:p>
@@ -7610,7 +7528,7 @@
             <a:fld id="{B61BEF0D-F0BB-DE4B-95CE-6DB70DBA9567}" type="datetimeFigureOut">
               <a:rPr lang="en-US" dirty="0"/>
               <a:pPr/>
-              <a:t>2/26/2022</a:t>
+              <a:t>4/25/2023</a:t>
             </a:fld>
             <a:endParaRPr lang="en-US" dirty="0"/>
           </a:p>
@@ -7807,7 +7725,7 @@
             <a:fld id="{B61BEF0D-F0BB-DE4B-95CE-6DB70DBA9567}" type="datetimeFigureOut">
               <a:rPr lang="en-US" dirty="0"/>
               <a:pPr/>
-              <a:t>2/26/2022</a:t>
+              <a:t>4/25/2023</a:t>
             </a:fld>
             <a:endParaRPr lang="en-US" dirty="0"/>
           </a:p>
@@ -8080,7 +7998,7 @@
             <a:fld id="{B61BEF0D-F0BB-DE4B-95CE-6DB70DBA9567}" type="datetimeFigureOut">
               <a:rPr lang="en-US" dirty="0"/>
               <a:pPr/>
-              <a:t>2/26/2022</a:t>
+              <a:t>4/25/2023</a:t>
             </a:fld>
             <a:endParaRPr lang="en-US" dirty="0"/>
           </a:p>
@@ -8343,7 +8261,7 @@
             <a:fld id="{B61BEF0D-F0BB-DE4B-95CE-6DB70DBA9567}" type="datetimeFigureOut">
               <a:rPr lang="en-US" dirty="0"/>
               <a:pPr/>
-              <a:t>2/26/2022</a:t>
+              <a:t>4/25/2023</a:t>
             </a:fld>
             <a:endParaRPr lang="en-US" dirty="0"/>
           </a:p>
@@ -8714,7 +8632,7 @@
             <a:fld id="{B61BEF0D-F0BB-DE4B-95CE-6DB70DBA9567}" type="datetimeFigureOut">
               <a:rPr lang="en-US" dirty="0"/>
               <a:pPr/>
-              <a:t>2/26/2022</a:t>
+              <a:t>4/25/2023</a:t>
             </a:fld>
             <a:endParaRPr lang="en-US" dirty="0"/>
           </a:p>
@@ -8859,7 +8777,7 @@
             <a:fld id="{B61BEF0D-F0BB-DE4B-95CE-6DB70DBA9567}" type="datetimeFigureOut">
               <a:rPr lang="en-US" dirty="0"/>
               <a:pPr/>
-              <a:t>2/26/2022</a:t>
+              <a:t>4/25/2023</a:t>
             </a:fld>
             <a:endParaRPr lang="en-US" dirty="0"/>
           </a:p>
@@ -8981,7 +8899,7 @@
             <a:fld id="{B61BEF0D-F0BB-DE4B-95CE-6DB70DBA9567}" type="datetimeFigureOut">
               <a:rPr lang="en-US" dirty="0"/>
               <a:pPr/>
-              <a:t>2/26/2022</a:t>
+              <a:t>4/25/2023</a:t>
             </a:fld>
             <a:endParaRPr lang="en-US" dirty="0"/>
           </a:p>
@@ -9263,7 +9181,7 @@
             <a:fld id="{B61BEF0D-F0BB-DE4B-95CE-6DB70DBA9567}" type="datetimeFigureOut">
               <a:rPr lang="en-US" dirty="0"/>
               <a:pPr/>
-              <a:t>2/26/2022</a:t>
+              <a:t>4/25/2023</a:t>
             </a:fld>
             <a:endParaRPr lang="en-US" dirty="0"/>
           </a:p>
@@ -9584,7 +9502,7 @@
             <a:fld id="{B61BEF0D-F0BB-DE4B-95CE-6DB70DBA9567}" type="datetimeFigureOut">
               <a:rPr lang="en-US" dirty="0"/>
               <a:pPr/>
-              <a:t>2/26/2022</a:t>
+              <a:t>4/25/2023</a:t>
             </a:fld>
             <a:endParaRPr lang="en-US" dirty="0"/>
           </a:p>
@@ -9795,7 +9713,7 @@
             <a:fld id="{B61BEF0D-F0BB-DE4B-95CE-6DB70DBA9567}" type="datetimeFigureOut">
               <a:rPr lang="en-US" dirty="0"/>
               <a:pPr/>
-              <a:t>2/26/2022</a:t>
+              <a:t>4/25/2023</a:t>
             </a:fld>
             <a:endParaRPr lang="en-US" dirty="0"/>
           </a:p>
@@ -10393,10 +10311,10 @@
       </p:grpSpPr>
       <p:sp>
         <p:nvSpPr>
-          <p:cNvPr id="2" name="标题 1">
+          <p:cNvPr id="2" name="Title 1">
             <a:extLst>
               <a:ext uri="{FF2B5EF4-FFF2-40B4-BE49-F238E27FC236}">
-                <a16:creationId xmlns:a16="http://schemas.microsoft.com/office/drawing/2014/main" id="{5EC01E2D-9CFE-4D5D-8863-3BA90731F07B}"/>
+                <a16:creationId xmlns:a16="http://schemas.microsoft.com/office/drawing/2014/main" id="{1D96A6DA-85CC-438D-8FE1-8BDC8C1BE0D2}"/>
               </a:ext>
             </a:extLst>
           </p:cNvPr>
@@ -10407,21 +10325,14 @@
             <p:ph type="title"/>
           </p:nvPr>
         </p:nvSpPr>
-        <p:spPr>
-          <a:xfrm>
-            <a:off x="923365" y="643463"/>
-            <a:ext cx="10649203" cy="1608124"/>
-          </a:xfrm>
-        </p:spPr>
-        <p:txBody>
-          <a:bodyPr>
-            <a:normAutofit/>
-          </a:bodyPr>
+        <p:spPr/>
+        <p:txBody>
+          <a:bodyPr/>
           <a:lstStyle/>
           <a:p>
             <a:r>
-              <a:rPr lang="en-US" dirty="0"/>
-              <a:t>Tuple Programming practice</a:t>
+              <a:rPr lang="en-US" dirty="0" err="1"/>
+              <a:t>nestsum</a:t>
             </a:r>
             <a:endParaRPr lang="en-MY" dirty="0"/>
           </a:p>
@@ -10429,10 +10340,10 @@
       </p:sp>
       <p:sp>
         <p:nvSpPr>
-          <p:cNvPr id="3" name="内容占位符 2">
+          <p:cNvPr id="3" name="Content Placeholder 2">
             <a:extLst>
               <a:ext uri="{FF2B5EF4-FFF2-40B4-BE49-F238E27FC236}">
-                <a16:creationId xmlns:a16="http://schemas.microsoft.com/office/drawing/2014/main" id="{7060439F-2729-478E-B95F-230482B50AA1}"/>
+                <a16:creationId xmlns:a16="http://schemas.microsoft.com/office/drawing/2014/main" id="{74CF7FC6-65F6-4325-8DB2-4EB46244F474}"/>
               </a:ext>
             </a:extLst>
           </p:cNvPr>
@@ -10443,340 +10354,29 @@
             <p:ph idx="1"/>
           </p:nvPr>
         </p:nvSpPr>
-        <p:spPr>
-          <a:xfrm>
-            <a:off x="923366" y="2251587"/>
-            <a:ext cx="10264588" cy="1352225"/>
-          </a:xfrm>
-        </p:spPr>
-        <p:txBody>
-          <a:bodyPr anchor="t">
-            <a:normAutofit/>
-          </a:bodyPr>
+        <p:spPr/>
+        <p:txBody>
+          <a:bodyPr anchor="t"/>
           <a:lstStyle/>
           <a:p>
             <a:r>
-              <a:rPr lang="en-MY" dirty="0"/>
-              <a:t>Take a tuple, and make a new tuple, which all items are reversed from the previous one.</a:t>
-            </a:r>
-          </a:p>
-          <a:p>
-            <a:pPr lvl="1"/>
-            <a:r>
-              <a:rPr lang="en-US" altLang="en-US" sz="1400" dirty="0">
-                <a:latin typeface="Arial Unicode MS"/>
-              </a:rPr>
-              <a:t>Example: (10, 30, 50, 70)</a:t>
-            </a:r>
-            <a:endParaRPr kumimoji="0" lang="en-US" altLang="en-US" sz="1400" i="0" u="none" strike="noStrike" cap="none" normalizeH="0" baseline="0" dirty="0">
-              <a:ln>
-                <a:noFill/>
-              </a:ln>
-              <a:effectLst/>
-              <a:latin typeface="Arial Unicode MS"/>
-            </a:endParaRPr>
-          </a:p>
-          <a:p>
-            <a:pPr lvl="1"/>
-            <a:r>
-              <a:rPr lang="en-US" altLang="en-US" sz="1400" dirty="0">
-                <a:latin typeface="Arial Unicode MS"/>
-              </a:rPr>
-              <a:t>Give: (70, 50, 30, 10)</a:t>
-            </a:r>
-            <a:endParaRPr kumimoji="0" lang="en-US" altLang="en-US" sz="1400" i="0" u="none" strike="noStrike" cap="none" normalizeH="0" baseline="0" dirty="0">
-              <a:ln>
-                <a:noFill/>
-              </a:ln>
-              <a:effectLst/>
-              <a:latin typeface="Arial Unicode MS"/>
-            </a:endParaRPr>
-          </a:p>
-          <a:p>
-            <a:pPr lvl="1"/>
-            <a:endParaRPr lang="en-MY" dirty="0"/>
-          </a:p>
-        </p:txBody>
-      </p:sp>
-      <p:sp>
-        <p:nvSpPr>
-          <p:cNvPr id="4" name="内容占位符 2">
-            <a:extLst>
-              <a:ext uri="{FF2B5EF4-FFF2-40B4-BE49-F238E27FC236}">
-                <a16:creationId xmlns:a16="http://schemas.microsoft.com/office/drawing/2014/main" id="{EC31A9B6-34C0-4D1A-832B-DE43F35D868D}"/>
-              </a:ext>
-            </a:extLst>
-          </p:cNvPr>
-          <p:cNvSpPr txBox="1">
-            <a:spLocks/>
-          </p:cNvSpPr>
-          <p:nvPr/>
-        </p:nvSpPr>
-        <p:spPr>
-          <a:xfrm>
-            <a:off x="923365" y="4313469"/>
-            <a:ext cx="10264588" cy="1782531"/>
-          </a:xfrm>
-          <a:prstGeom prst="rect">
-            <a:avLst/>
-          </a:prstGeom>
-        </p:spPr>
-        <p:txBody>
-          <a:bodyPr vert="horz" lIns="91440" tIns="45720" rIns="91440" bIns="45720" rtlCol="0" anchor="t">
-            <a:normAutofit/>
-          </a:bodyPr>
-          <a:lstStyle>
-            <a:lvl1pPr marL="285750" indent="-285750" algn="l" defTabSz="457200" rtl="0" eaLnBrk="1" latinLnBrk="0" hangingPunct="1">
-              <a:spcBef>
-                <a:spcPts val="0"/>
-              </a:spcBef>
-              <a:spcAft>
-                <a:spcPts val="1000"/>
-              </a:spcAft>
-              <a:buClr>
-                <a:schemeClr val="tx1"/>
-              </a:buClr>
-              <a:buSzPct val="100000"/>
-              <a:buFont typeface="Arial"/>
-              <a:buChar char="•"/>
-              <a:defRPr sz="1800" kern="1200" cap="none">
-                <a:solidFill>
-                  <a:schemeClr val="tx1"/>
-                </a:solidFill>
-                <a:effectLst/>
-                <a:latin typeface="+mn-lt"/>
-                <a:ea typeface="+mn-ea"/>
-                <a:cs typeface="+mn-cs"/>
-              </a:defRPr>
-            </a:lvl1pPr>
-            <a:lvl2pPr marL="742950" indent="-285750" algn="l" defTabSz="457200" rtl="0" eaLnBrk="1" latinLnBrk="0" hangingPunct="1">
-              <a:spcBef>
-                <a:spcPts val="0"/>
-              </a:spcBef>
-              <a:spcAft>
-                <a:spcPts val="1000"/>
-              </a:spcAft>
-              <a:buClr>
-                <a:schemeClr val="tx1"/>
-              </a:buClr>
-              <a:buSzPct val="100000"/>
-              <a:buFont typeface="Arial"/>
-              <a:buChar char="•"/>
-              <a:defRPr sz="1600" kern="1200" cap="none">
-                <a:solidFill>
-                  <a:schemeClr val="tx1"/>
-                </a:solidFill>
-                <a:effectLst/>
-                <a:latin typeface="+mn-lt"/>
-                <a:ea typeface="+mn-ea"/>
-                <a:cs typeface="+mn-cs"/>
-              </a:defRPr>
-            </a:lvl2pPr>
-            <a:lvl3pPr marL="1200150" indent="-285750" algn="l" defTabSz="457200" rtl="0" eaLnBrk="1" latinLnBrk="0" hangingPunct="1">
-              <a:spcBef>
-                <a:spcPts val="0"/>
-              </a:spcBef>
-              <a:spcAft>
-                <a:spcPts val="1000"/>
-              </a:spcAft>
-              <a:buClr>
-                <a:schemeClr val="tx1"/>
-              </a:buClr>
-              <a:buSzPct val="100000"/>
-              <a:buFont typeface="Arial"/>
-              <a:buChar char="•"/>
-              <a:defRPr sz="1400" kern="1200" cap="none">
-                <a:solidFill>
-                  <a:schemeClr val="tx1"/>
-                </a:solidFill>
-                <a:effectLst/>
-                <a:latin typeface="+mn-lt"/>
-                <a:ea typeface="+mn-ea"/>
-                <a:cs typeface="+mn-cs"/>
-              </a:defRPr>
-            </a:lvl3pPr>
-            <a:lvl4pPr marL="1543050" indent="-171450" algn="l" defTabSz="457200" rtl="0" eaLnBrk="1" latinLnBrk="0" hangingPunct="1">
-              <a:spcBef>
-                <a:spcPts val="0"/>
-              </a:spcBef>
-              <a:spcAft>
-                <a:spcPts val="1000"/>
-              </a:spcAft>
-              <a:buClr>
-                <a:schemeClr val="tx1"/>
-              </a:buClr>
-              <a:buSzPct val="100000"/>
-              <a:buFont typeface="Arial"/>
-              <a:buChar char="•"/>
-              <a:defRPr sz="1200" kern="1200" cap="none">
-                <a:solidFill>
-                  <a:schemeClr val="tx1"/>
-                </a:solidFill>
-                <a:effectLst/>
-                <a:latin typeface="+mn-lt"/>
-                <a:ea typeface="+mn-ea"/>
-                <a:cs typeface="+mn-cs"/>
-              </a:defRPr>
-            </a:lvl4pPr>
-            <a:lvl5pPr marL="2000250" indent="-171450" algn="l" defTabSz="457200" rtl="0" eaLnBrk="1" latinLnBrk="0" hangingPunct="1">
-              <a:spcBef>
-                <a:spcPts val="0"/>
-              </a:spcBef>
-              <a:spcAft>
-                <a:spcPts val="1000"/>
-              </a:spcAft>
-              <a:buClr>
-                <a:schemeClr val="tx1"/>
-              </a:buClr>
-              <a:buSzPct val="100000"/>
-              <a:buFont typeface="Arial"/>
-              <a:buChar char="•"/>
-              <a:defRPr sz="1200" kern="1200" cap="none">
-                <a:solidFill>
-                  <a:schemeClr val="tx1"/>
-                </a:solidFill>
-                <a:effectLst/>
-                <a:latin typeface="+mn-lt"/>
-                <a:ea typeface="+mn-ea"/>
-                <a:cs typeface="+mn-cs"/>
-              </a:defRPr>
-            </a:lvl5pPr>
-            <a:lvl6pPr marL="2514600" indent="-228600" algn="l" defTabSz="457200" rtl="0" eaLnBrk="1" latinLnBrk="0" hangingPunct="1">
-              <a:spcBef>
-                <a:spcPts val="0"/>
-              </a:spcBef>
-              <a:spcAft>
-                <a:spcPts val="1000"/>
-              </a:spcAft>
-              <a:buClr>
-                <a:schemeClr val="tx1"/>
-              </a:buClr>
-              <a:buSzPct val="100000"/>
-              <a:buFont typeface="Arial"/>
-              <a:buChar char="•"/>
-              <a:defRPr sz="1200" kern="1200" cap="none">
-                <a:solidFill>
-                  <a:schemeClr val="tx1"/>
-                </a:solidFill>
-                <a:effectLst/>
-                <a:latin typeface="+mn-lt"/>
-                <a:ea typeface="+mn-ea"/>
-                <a:cs typeface="+mn-cs"/>
-              </a:defRPr>
-            </a:lvl6pPr>
-            <a:lvl7pPr marL="2971800" indent="-228600" algn="l" defTabSz="457200" rtl="0" eaLnBrk="1" latinLnBrk="0" hangingPunct="1">
-              <a:spcBef>
-                <a:spcPts val="0"/>
-              </a:spcBef>
-              <a:spcAft>
-                <a:spcPts val="1000"/>
-              </a:spcAft>
-              <a:buClr>
-                <a:schemeClr val="tx1"/>
-              </a:buClr>
-              <a:buSzPct val="100000"/>
-              <a:buFont typeface="Arial"/>
-              <a:buChar char="•"/>
-              <a:defRPr sz="1200" kern="1200" cap="none">
-                <a:solidFill>
-                  <a:schemeClr val="tx1"/>
-                </a:solidFill>
-                <a:effectLst/>
-                <a:latin typeface="+mn-lt"/>
-                <a:ea typeface="+mn-ea"/>
-                <a:cs typeface="+mn-cs"/>
-              </a:defRPr>
-            </a:lvl7pPr>
-            <a:lvl8pPr marL="3429000" indent="-228600" algn="l" defTabSz="457200" rtl="0" eaLnBrk="1" latinLnBrk="0" hangingPunct="1">
-              <a:spcBef>
-                <a:spcPts val="0"/>
-              </a:spcBef>
-              <a:spcAft>
-                <a:spcPts val="1000"/>
-              </a:spcAft>
-              <a:buClr>
-                <a:schemeClr val="tx1"/>
-              </a:buClr>
-              <a:buSzPct val="100000"/>
-              <a:buFont typeface="Arial"/>
-              <a:buChar char="•"/>
-              <a:defRPr sz="1200" kern="1200" cap="none">
-                <a:solidFill>
-                  <a:schemeClr val="tx1"/>
-                </a:solidFill>
-                <a:effectLst/>
-                <a:latin typeface="+mn-lt"/>
-                <a:ea typeface="+mn-ea"/>
-                <a:cs typeface="+mn-cs"/>
-              </a:defRPr>
-            </a:lvl8pPr>
-            <a:lvl9pPr marL="3886200" indent="-228600" algn="l" defTabSz="457200" rtl="0" eaLnBrk="1" latinLnBrk="0" hangingPunct="1">
-              <a:spcBef>
-                <a:spcPts val="0"/>
-              </a:spcBef>
-              <a:spcAft>
-                <a:spcPts val="1000"/>
-              </a:spcAft>
-              <a:buClr>
-                <a:schemeClr val="tx1"/>
-              </a:buClr>
-              <a:buSzPct val="100000"/>
-              <a:buFont typeface="Arial"/>
-              <a:buChar char="•"/>
-              <a:defRPr sz="1200" kern="1200" cap="none">
-                <a:solidFill>
-                  <a:schemeClr val="tx1"/>
-                </a:solidFill>
-                <a:effectLst/>
-                <a:latin typeface="+mn-lt"/>
-                <a:ea typeface="+mn-ea"/>
-                <a:cs typeface="+mn-cs"/>
-              </a:defRPr>
-            </a:lvl9pPr>
-          </a:lstStyle>
-          <a:p>
-            <a:r>
-              <a:rPr lang="en-MY" dirty="0"/>
-              <a:t>Try to access the value 20 from the following tuple:</a:t>
-            </a:r>
-          </a:p>
-          <a:p>
-            <a:pPr lvl="1"/>
-            <a:r>
-              <a:rPr lang="en-US" altLang="en-US" sz="1400" dirty="0">
-                <a:latin typeface="Arial Unicode MS"/>
-              </a:rPr>
-              <a:t>(‘</a:t>
-            </a:r>
-            <a:r>
-              <a:rPr lang="en-US" altLang="en-US" sz="1400" dirty="0" err="1">
-                <a:latin typeface="Arial Unicode MS"/>
-              </a:rPr>
-              <a:t>abc</a:t>
-            </a:r>
-            <a:r>
-              <a:rPr lang="en-US" altLang="en-US" sz="1400" dirty="0">
-                <a:latin typeface="Arial Unicode MS"/>
-              </a:rPr>
-              <a:t>’, [10, 20, 30], (5, 55), 30) </a:t>
-            </a:r>
-          </a:p>
-          <a:p>
-            <a:pPr lvl="1"/>
-            <a:endParaRPr lang="en-US" altLang="en-US" sz="1400" dirty="0">
-              <a:latin typeface="Arial Unicode MS"/>
-            </a:endParaRPr>
-          </a:p>
-          <a:p>
-            <a:r>
-              <a:rPr lang="en-US" altLang="en-US" sz="1600" dirty="0">
-                <a:latin typeface="Arial Unicode MS"/>
-              </a:rPr>
-              <a:t>How to access value 55? How about value 30?</a:t>
-            </a:r>
-          </a:p>
-          <a:p>
-            <a:pPr lvl="1"/>
+              <a:rPr lang="en-US" dirty="0"/>
+              <a:t>Create a function called </a:t>
+            </a:r>
+            <a:r>
+              <a:rPr lang="en-US" i="1" dirty="0" err="1"/>
+              <a:t>nestsum</a:t>
+            </a:r>
+            <a:r>
+              <a:rPr lang="en-US" i="1" dirty="0"/>
+              <a:t>.</a:t>
+            </a:r>
+          </a:p>
+          <a:p>
+            <a:r>
+              <a:rPr lang="en-US" dirty="0"/>
+              <a:t>The function takes a list and if the list has nested lists, will sum over all of them (nested lists) and calculate the sum of all items.</a:t>
+            </a:r>
             <a:endParaRPr lang="en-MY" dirty="0"/>
           </a:p>
         </p:txBody>
@@ -10784,7 +10384,7 @@
     </p:spTree>
     <p:extLst>
       <p:ext uri="{BB962C8B-B14F-4D97-AF65-F5344CB8AC3E}">
-        <p14:creationId xmlns:p14="http://schemas.microsoft.com/office/powerpoint/2010/main" val="3250499413"/>
+        <p14:creationId xmlns:p14="http://schemas.microsoft.com/office/powerpoint/2010/main" val="901693000"/>
       </p:ext>
     </p:extLst>
   </p:cSld>
@@ -10813,4514 +10413,6 @@
       </p:grpSpPr>
       <p:sp>
         <p:nvSpPr>
-          <p:cNvPr id="2" name="标题 1">
-            <a:extLst>
-              <a:ext uri="{FF2B5EF4-FFF2-40B4-BE49-F238E27FC236}">
-                <a16:creationId xmlns:a16="http://schemas.microsoft.com/office/drawing/2014/main" id="{5EC01E2D-9CFE-4D5D-8863-3BA90731F07B}"/>
-              </a:ext>
-            </a:extLst>
-          </p:cNvPr>
-          <p:cNvSpPr>
-            <a:spLocks noGrp="1"/>
-          </p:cNvSpPr>
-          <p:nvPr>
-            <p:ph type="title"/>
-          </p:nvPr>
-        </p:nvSpPr>
-        <p:spPr>
-          <a:xfrm>
-            <a:off x="923365" y="643463"/>
-            <a:ext cx="10649203" cy="1608124"/>
-          </a:xfrm>
-        </p:spPr>
-        <p:txBody>
-          <a:bodyPr>
-            <a:normAutofit/>
-          </a:bodyPr>
-          <a:lstStyle/>
-          <a:p>
-            <a:r>
-              <a:rPr lang="en-US" dirty="0"/>
-              <a:t>Tuple Programming practice</a:t>
-            </a:r>
-            <a:endParaRPr lang="en-MY" dirty="0"/>
-          </a:p>
-        </p:txBody>
-      </p:sp>
-      <p:sp>
-        <p:nvSpPr>
-          <p:cNvPr id="3" name="内容占位符 2">
-            <a:extLst>
-              <a:ext uri="{FF2B5EF4-FFF2-40B4-BE49-F238E27FC236}">
-                <a16:creationId xmlns:a16="http://schemas.microsoft.com/office/drawing/2014/main" id="{7060439F-2729-478E-B95F-230482B50AA1}"/>
-              </a:ext>
-            </a:extLst>
-          </p:cNvPr>
-          <p:cNvSpPr>
-            <a:spLocks noGrp="1"/>
-          </p:cNvSpPr>
-          <p:nvPr>
-            <p:ph idx="1"/>
-          </p:nvPr>
-        </p:nvSpPr>
-        <p:spPr>
-          <a:xfrm>
-            <a:off x="923366" y="2251587"/>
-            <a:ext cx="10264588" cy="1352225"/>
-          </a:xfrm>
-        </p:spPr>
-        <p:txBody>
-          <a:bodyPr anchor="t">
-            <a:normAutofit/>
-          </a:bodyPr>
-          <a:lstStyle/>
-          <a:p>
-            <a:r>
-              <a:rPr lang="en-MY" dirty="0"/>
-              <a:t>Create a tuple with one value 33</a:t>
-            </a:r>
-          </a:p>
-          <a:p>
-            <a:pPr lvl="1"/>
-            <a:endParaRPr kumimoji="0" lang="en-US" altLang="en-US" sz="1400" i="0" u="none" strike="noStrike" cap="none" normalizeH="0" baseline="0" dirty="0">
-              <a:ln>
-                <a:noFill/>
-              </a:ln>
-              <a:effectLst/>
-              <a:latin typeface="Arial Unicode MS"/>
-            </a:endParaRPr>
-          </a:p>
-          <a:p>
-            <a:pPr lvl="1"/>
-            <a:endParaRPr lang="en-MY" dirty="0"/>
-          </a:p>
-        </p:txBody>
-      </p:sp>
-      <p:sp>
-        <p:nvSpPr>
-          <p:cNvPr id="4" name="内容占位符 2">
-            <a:extLst>
-              <a:ext uri="{FF2B5EF4-FFF2-40B4-BE49-F238E27FC236}">
-                <a16:creationId xmlns:a16="http://schemas.microsoft.com/office/drawing/2014/main" id="{EC31A9B6-34C0-4D1A-832B-DE43F35D868D}"/>
-              </a:ext>
-            </a:extLst>
-          </p:cNvPr>
-          <p:cNvSpPr txBox="1">
-            <a:spLocks/>
-          </p:cNvSpPr>
-          <p:nvPr/>
-        </p:nvSpPr>
-        <p:spPr>
-          <a:xfrm>
-            <a:off x="923365" y="3751008"/>
-            <a:ext cx="10264588" cy="1782531"/>
-          </a:xfrm>
-          <a:prstGeom prst="rect">
-            <a:avLst/>
-          </a:prstGeom>
-        </p:spPr>
-        <p:txBody>
-          <a:bodyPr vert="horz" lIns="91440" tIns="45720" rIns="91440" bIns="45720" rtlCol="0" anchor="t">
-            <a:normAutofit/>
-          </a:bodyPr>
-          <a:lstStyle>
-            <a:lvl1pPr marL="285750" indent="-285750" algn="l" defTabSz="457200" rtl="0" eaLnBrk="1" latinLnBrk="0" hangingPunct="1">
-              <a:spcBef>
-                <a:spcPts val="0"/>
-              </a:spcBef>
-              <a:spcAft>
-                <a:spcPts val="1000"/>
-              </a:spcAft>
-              <a:buClr>
-                <a:schemeClr val="tx1"/>
-              </a:buClr>
-              <a:buSzPct val="100000"/>
-              <a:buFont typeface="Arial"/>
-              <a:buChar char="•"/>
-              <a:defRPr sz="1800" kern="1200" cap="none">
-                <a:solidFill>
-                  <a:schemeClr val="tx1"/>
-                </a:solidFill>
-                <a:effectLst/>
-                <a:latin typeface="+mn-lt"/>
-                <a:ea typeface="+mn-ea"/>
-                <a:cs typeface="+mn-cs"/>
-              </a:defRPr>
-            </a:lvl1pPr>
-            <a:lvl2pPr marL="742950" indent="-285750" algn="l" defTabSz="457200" rtl="0" eaLnBrk="1" latinLnBrk="0" hangingPunct="1">
-              <a:spcBef>
-                <a:spcPts val="0"/>
-              </a:spcBef>
-              <a:spcAft>
-                <a:spcPts val="1000"/>
-              </a:spcAft>
-              <a:buClr>
-                <a:schemeClr val="tx1"/>
-              </a:buClr>
-              <a:buSzPct val="100000"/>
-              <a:buFont typeface="Arial"/>
-              <a:buChar char="•"/>
-              <a:defRPr sz="1600" kern="1200" cap="none">
-                <a:solidFill>
-                  <a:schemeClr val="tx1"/>
-                </a:solidFill>
-                <a:effectLst/>
-                <a:latin typeface="+mn-lt"/>
-                <a:ea typeface="+mn-ea"/>
-                <a:cs typeface="+mn-cs"/>
-              </a:defRPr>
-            </a:lvl2pPr>
-            <a:lvl3pPr marL="1200150" indent="-285750" algn="l" defTabSz="457200" rtl="0" eaLnBrk="1" latinLnBrk="0" hangingPunct="1">
-              <a:spcBef>
-                <a:spcPts val="0"/>
-              </a:spcBef>
-              <a:spcAft>
-                <a:spcPts val="1000"/>
-              </a:spcAft>
-              <a:buClr>
-                <a:schemeClr val="tx1"/>
-              </a:buClr>
-              <a:buSzPct val="100000"/>
-              <a:buFont typeface="Arial"/>
-              <a:buChar char="•"/>
-              <a:defRPr sz="1400" kern="1200" cap="none">
-                <a:solidFill>
-                  <a:schemeClr val="tx1"/>
-                </a:solidFill>
-                <a:effectLst/>
-                <a:latin typeface="+mn-lt"/>
-                <a:ea typeface="+mn-ea"/>
-                <a:cs typeface="+mn-cs"/>
-              </a:defRPr>
-            </a:lvl3pPr>
-            <a:lvl4pPr marL="1543050" indent="-171450" algn="l" defTabSz="457200" rtl="0" eaLnBrk="1" latinLnBrk="0" hangingPunct="1">
-              <a:spcBef>
-                <a:spcPts val="0"/>
-              </a:spcBef>
-              <a:spcAft>
-                <a:spcPts val="1000"/>
-              </a:spcAft>
-              <a:buClr>
-                <a:schemeClr val="tx1"/>
-              </a:buClr>
-              <a:buSzPct val="100000"/>
-              <a:buFont typeface="Arial"/>
-              <a:buChar char="•"/>
-              <a:defRPr sz="1200" kern="1200" cap="none">
-                <a:solidFill>
-                  <a:schemeClr val="tx1"/>
-                </a:solidFill>
-                <a:effectLst/>
-                <a:latin typeface="+mn-lt"/>
-                <a:ea typeface="+mn-ea"/>
-                <a:cs typeface="+mn-cs"/>
-              </a:defRPr>
-            </a:lvl4pPr>
-            <a:lvl5pPr marL="2000250" indent="-171450" algn="l" defTabSz="457200" rtl="0" eaLnBrk="1" latinLnBrk="0" hangingPunct="1">
-              <a:spcBef>
-                <a:spcPts val="0"/>
-              </a:spcBef>
-              <a:spcAft>
-                <a:spcPts val="1000"/>
-              </a:spcAft>
-              <a:buClr>
-                <a:schemeClr val="tx1"/>
-              </a:buClr>
-              <a:buSzPct val="100000"/>
-              <a:buFont typeface="Arial"/>
-              <a:buChar char="•"/>
-              <a:defRPr sz="1200" kern="1200" cap="none">
-                <a:solidFill>
-                  <a:schemeClr val="tx1"/>
-                </a:solidFill>
-                <a:effectLst/>
-                <a:latin typeface="+mn-lt"/>
-                <a:ea typeface="+mn-ea"/>
-                <a:cs typeface="+mn-cs"/>
-              </a:defRPr>
-            </a:lvl5pPr>
-            <a:lvl6pPr marL="2514600" indent="-228600" algn="l" defTabSz="457200" rtl="0" eaLnBrk="1" latinLnBrk="0" hangingPunct="1">
-              <a:spcBef>
-                <a:spcPts val="0"/>
-              </a:spcBef>
-              <a:spcAft>
-                <a:spcPts val="1000"/>
-              </a:spcAft>
-              <a:buClr>
-                <a:schemeClr val="tx1"/>
-              </a:buClr>
-              <a:buSzPct val="100000"/>
-              <a:buFont typeface="Arial"/>
-              <a:buChar char="•"/>
-              <a:defRPr sz="1200" kern="1200" cap="none">
-                <a:solidFill>
-                  <a:schemeClr val="tx1"/>
-                </a:solidFill>
-                <a:effectLst/>
-                <a:latin typeface="+mn-lt"/>
-                <a:ea typeface="+mn-ea"/>
-                <a:cs typeface="+mn-cs"/>
-              </a:defRPr>
-            </a:lvl6pPr>
-            <a:lvl7pPr marL="2971800" indent="-228600" algn="l" defTabSz="457200" rtl="0" eaLnBrk="1" latinLnBrk="0" hangingPunct="1">
-              <a:spcBef>
-                <a:spcPts val="0"/>
-              </a:spcBef>
-              <a:spcAft>
-                <a:spcPts val="1000"/>
-              </a:spcAft>
-              <a:buClr>
-                <a:schemeClr val="tx1"/>
-              </a:buClr>
-              <a:buSzPct val="100000"/>
-              <a:buFont typeface="Arial"/>
-              <a:buChar char="•"/>
-              <a:defRPr sz="1200" kern="1200" cap="none">
-                <a:solidFill>
-                  <a:schemeClr val="tx1"/>
-                </a:solidFill>
-                <a:effectLst/>
-                <a:latin typeface="+mn-lt"/>
-                <a:ea typeface="+mn-ea"/>
-                <a:cs typeface="+mn-cs"/>
-              </a:defRPr>
-            </a:lvl7pPr>
-            <a:lvl8pPr marL="3429000" indent="-228600" algn="l" defTabSz="457200" rtl="0" eaLnBrk="1" latinLnBrk="0" hangingPunct="1">
-              <a:spcBef>
-                <a:spcPts val="0"/>
-              </a:spcBef>
-              <a:spcAft>
-                <a:spcPts val="1000"/>
-              </a:spcAft>
-              <a:buClr>
-                <a:schemeClr val="tx1"/>
-              </a:buClr>
-              <a:buSzPct val="100000"/>
-              <a:buFont typeface="Arial"/>
-              <a:buChar char="•"/>
-              <a:defRPr sz="1200" kern="1200" cap="none">
-                <a:solidFill>
-                  <a:schemeClr val="tx1"/>
-                </a:solidFill>
-                <a:effectLst/>
-                <a:latin typeface="+mn-lt"/>
-                <a:ea typeface="+mn-ea"/>
-                <a:cs typeface="+mn-cs"/>
-              </a:defRPr>
-            </a:lvl8pPr>
-            <a:lvl9pPr marL="3886200" indent="-228600" algn="l" defTabSz="457200" rtl="0" eaLnBrk="1" latinLnBrk="0" hangingPunct="1">
-              <a:spcBef>
-                <a:spcPts val="0"/>
-              </a:spcBef>
-              <a:spcAft>
-                <a:spcPts val="1000"/>
-              </a:spcAft>
-              <a:buClr>
-                <a:schemeClr val="tx1"/>
-              </a:buClr>
-              <a:buSzPct val="100000"/>
-              <a:buFont typeface="Arial"/>
-              <a:buChar char="•"/>
-              <a:defRPr sz="1200" kern="1200" cap="none">
-                <a:solidFill>
-                  <a:schemeClr val="tx1"/>
-                </a:solidFill>
-                <a:effectLst/>
-                <a:latin typeface="+mn-lt"/>
-                <a:ea typeface="+mn-ea"/>
-                <a:cs typeface="+mn-cs"/>
-              </a:defRPr>
-            </a:lvl9pPr>
-          </a:lstStyle>
-          <a:p>
-            <a:r>
-              <a:rPr lang="en-MY" dirty="0"/>
-              <a:t>Unpack a tuple with 4 items, and give those value to 4 variables</a:t>
-            </a:r>
-          </a:p>
-          <a:p>
-            <a:pPr lvl="1"/>
-            <a:r>
-              <a:rPr lang="en-US" altLang="en-US" sz="1400" dirty="0">
-                <a:latin typeface="Arial Unicode MS"/>
-              </a:rPr>
-              <a:t>Example: (‘a’, ‘b’, ‘c’, 40)</a:t>
-            </a:r>
-          </a:p>
-          <a:p>
-            <a:pPr lvl="1"/>
-            <a:r>
-              <a:rPr lang="en-US" altLang="en-US" sz="1400" dirty="0">
-                <a:latin typeface="Arial Unicode MS"/>
-              </a:rPr>
-              <a:t>User var_1, var_2, var_3, var_4 as name for 4 variables.</a:t>
-            </a:r>
-          </a:p>
-          <a:p>
-            <a:pPr lvl="1"/>
-            <a:endParaRPr lang="en-US" altLang="en-US" sz="1400" dirty="0">
-              <a:latin typeface="Arial Unicode MS"/>
-            </a:endParaRPr>
-          </a:p>
-          <a:p>
-            <a:endParaRPr lang="en-US" altLang="en-US" sz="1600" dirty="0">
-              <a:latin typeface="Arial Unicode MS"/>
-            </a:endParaRPr>
-          </a:p>
-          <a:p>
-            <a:pPr lvl="1"/>
-            <a:endParaRPr lang="en-MY" dirty="0"/>
-          </a:p>
-        </p:txBody>
-      </p:sp>
-    </p:spTree>
-    <p:extLst>
-      <p:ext uri="{BB962C8B-B14F-4D97-AF65-F5344CB8AC3E}">
-        <p14:creationId xmlns:p14="http://schemas.microsoft.com/office/powerpoint/2010/main" val="3038236592"/>
-      </p:ext>
-    </p:extLst>
-  </p:cSld>
-  <p:clrMapOvr>
-    <a:masterClrMapping/>
-  </p:clrMapOvr>
-</p:sld>
-</file>
-
-<file path=ppt/slides/slide12.xml><?xml version="1.0" encoding="utf-8"?>
-<p:sld xmlns:a="http://schemas.openxmlformats.org/drawingml/2006/main" xmlns:r="http://schemas.openxmlformats.org/officeDocument/2006/relationships" xmlns:p="http://schemas.openxmlformats.org/presentationml/2006/main">
-  <p:cSld>
-    <p:spTree>
-      <p:nvGrpSpPr>
-        <p:cNvPr id="1" name=""/>
-        <p:cNvGrpSpPr/>
-        <p:nvPr/>
-      </p:nvGrpSpPr>
-      <p:grpSpPr>
-        <a:xfrm>
-          <a:off x="0" y="0"/>
-          <a:ext cx="0" cy="0"/>
-          <a:chOff x="0" y="0"/>
-          <a:chExt cx="0" cy="0"/>
-        </a:xfrm>
-      </p:grpSpPr>
-      <p:sp>
-        <p:nvSpPr>
-          <p:cNvPr id="2" name="标题 1">
-            <a:extLst>
-              <a:ext uri="{FF2B5EF4-FFF2-40B4-BE49-F238E27FC236}">
-                <a16:creationId xmlns:a16="http://schemas.microsoft.com/office/drawing/2014/main" id="{5EC01E2D-9CFE-4D5D-8863-3BA90731F07B}"/>
-              </a:ext>
-            </a:extLst>
-          </p:cNvPr>
-          <p:cNvSpPr>
-            <a:spLocks noGrp="1"/>
-          </p:cNvSpPr>
-          <p:nvPr>
-            <p:ph type="title"/>
-          </p:nvPr>
-        </p:nvSpPr>
-        <p:spPr>
-          <a:xfrm>
-            <a:off x="923365" y="643463"/>
-            <a:ext cx="10649203" cy="1608124"/>
-          </a:xfrm>
-        </p:spPr>
-        <p:txBody>
-          <a:bodyPr>
-            <a:normAutofit/>
-          </a:bodyPr>
-          <a:lstStyle/>
-          <a:p>
-            <a:r>
-              <a:rPr lang="en-US" dirty="0"/>
-              <a:t>Tuple Programming practice</a:t>
-            </a:r>
-            <a:endParaRPr lang="en-MY" dirty="0"/>
-          </a:p>
-        </p:txBody>
-      </p:sp>
-      <p:sp>
-        <p:nvSpPr>
-          <p:cNvPr id="3" name="内容占位符 2">
-            <a:extLst>
-              <a:ext uri="{FF2B5EF4-FFF2-40B4-BE49-F238E27FC236}">
-                <a16:creationId xmlns:a16="http://schemas.microsoft.com/office/drawing/2014/main" id="{7060439F-2729-478E-B95F-230482B50AA1}"/>
-              </a:ext>
-            </a:extLst>
-          </p:cNvPr>
-          <p:cNvSpPr>
-            <a:spLocks noGrp="1"/>
-          </p:cNvSpPr>
-          <p:nvPr>
-            <p:ph idx="1"/>
-          </p:nvPr>
-        </p:nvSpPr>
-        <p:spPr>
-          <a:xfrm>
-            <a:off x="923366" y="2251587"/>
-            <a:ext cx="10264588" cy="1352225"/>
-          </a:xfrm>
-        </p:spPr>
-        <p:txBody>
-          <a:bodyPr anchor="t">
-            <a:normAutofit/>
-          </a:bodyPr>
-          <a:lstStyle/>
-          <a:p>
-            <a:r>
-              <a:rPr lang="en-MY" dirty="0"/>
-              <a:t>Sort tuples according to the value of second item:</a:t>
-            </a:r>
-          </a:p>
-          <a:p>
-            <a:pPr lvl="1"/>
-            <a:r>
-              <a:rPr kumimoji="0" lang="en-US" altLang="en-US" sz="1400" i="0" u="none" strike="noStrike" cap="none" normalizeH="0" baseline="0" dirty="0">
-                <a:ln>
-                  <a:noFill/>
-                </a:ln>
-                <a:effectLst/>
-                <a:latin typeface="Arial Unicode MS"/>
-              </a:rPr>
-              <a:t>Example : ((‘dog’, 20), (‘cat’, 10), (‘monkey’, 40), (‘mouse’, 5))</a:t>
-            </a:r>
-          </a:p>
-          <a:p>
-            <a:pPr lvl="1"/>
-            <a:r>
-              <a:rPr lang="en-MY" dirty="0"/>
-              <a:t>After sorted: ((‘mouse’, 5), (‘cat’, 10), (‘dog’, 20), (‘monkey’ 40))</a:t>
-            </a:r>
-          </a:p>
-        </p:txBody>
-      </p:sp>
-    </p:spTree>
-    <p:extLst>
-      <p:ext uri="{BB962C8B-B14F-4D97-AF65-F5344CB8AC3E}">
-        <p14:creationId xmlns:p14="http://schemas.microsoft.com/office/powerpoint/2010/main" val="3216123521"/>
-      </p:ext>
-    </p:extLst>
-  </p:cSld>
-  <p:clrMapOvr>
-    <a:masterClrMapping/>
-  </p:clrMapOvr>
-</p:sld>
-</file>
-
-<file path=ppt/slides/slide13.xml><?xml version="1.0" encoding="utf-8"?>
-<p:sld xmlns:a="http://schemas.openxmlformats.org/drawingml/2006/main" xmlns:r="http://schemas.openxmlformats.org/officeDocument/2006/relationships" xmlns:p="http://schemas.openxmlformats.org/presentationml/2006/main">
-  <p:cSld>
-    <p:spTree>
-      <p:nvGrpSpPr>
-        <p:cNvPr id="1" name=""/>
-        <p:cNvGrpSpPr/>
-        <p:nvPr/>
-      </p:nvGrpSpPr>
-      <p:grpSpPr>
-        <a:xfrm>
-          <a:off x="0" y="0"/>
-          <a:ext cx="0" cy="0"/>
-          <a:chOff x="0" y="0"/>
-          <a:chExt cx="0" cy="0"/>
-        </a:xfrm>
-      </p:grpSpPr>
-      <p:sp>
-        <p:nvSpPr>
-          <p:cNvPr id="2" name="标题 1">
-            <a:extLst>
-              <a:ext uri="{FF2B5EF4-FFF2-40B4-BE49-F238E27FC236}">
-                <a16:creationId xmlns:a16="http://schemas.microsoft.com/office/drawing/2014/main" id="{5EC01E2D-9CFE-4D5D-8863-3BA90731F07B}"/>
-              </a:ext>
-            </a:extLst>
-          </p:cNvPr>
-          <p:cNvSpPr>
-            <a:spLocks noGrp="1"/>
-          </p:cNvSpPr>
-          <p:nvPr>
-            <p:ph type="title"/>
-          </p:nvPr>
-        </p:nvSpPr>
-        <p:spPr>
-          <a:xfrm>
-            <a:off x="923365" y="643463"/>
-            <a:ext cx="10649203" cy="1608124"/>
-          </a:xfrm>
-        </p:spPr>
-        <p:txBody>
-          <a:bodyPr>
-            <a:normAutofit/>
-          </a:bodyPr>
-          <a:lstStyle/>
-          <a:p>
-            <a:r>
-              <a:rPr lang="en-US" dirty="0" err="1"/>
-              <a:t>dict</a:t>
-            </a:r>
-            <a:r>
-              <a:rPr lang="en-US" dirty="0"/>
-              <a:t> Programming practice</a:t>
-            </a:r>
-            <a:endParaRPr lang="en-MY" dirty="0"/>
-          </a:p>
-        </p:txBody>
-      </p:sp>
-      <p:sp>
-        <p:nvSpPr>
-          <p:cNvPr id="3" name="内容占位符 2">
-            <a:extLst>
-              <a:ext uri="{FF2B5EF4-FFF2-40B4-BE49-F238E27FC236}">
-                <a16:creationId xmlns:a16="http://schemas.microsoft.com/office/drawing/2014/main" id="{7060439F-2729-478E-B95F-230482B50AA1}"/>
-              </a:ext>
-            </a:extLst>
-          </p:cNvPr>
-          <p:cNvSpPr>
-            <a:spLocks noGrp="1"/>
-          </p:cNvSpPr>
-          <p:nvPr>
-            <p:ph idx="1"/>
-          </p:nvPr>
-        </p:nvSpPr>
-        <p:spPr>
-          <a:xfrm>
-            <a:off x="923366" y="2251587"/>
-            <a:ext cx="10264588" cy="1352225"/>
-          </a:xfrm>
-        </p:spPr>
-        <p:txBody>
-          <a:bodyPr anchor="t">
-            <a:normAutofit/>
-          </a:bodyPr>
-          <a:lstStyle/>
-          <a:p>
-            <a:r>
-              <a:rPr lang="en-MY" dirty="0"/>
-              <a:t>Make </a:t>
-            </a:r>
-            <a:r>
-              <a:rPr lang="en-MY" dirty="0" err="1"/>
-              <a:t>dict</a:t>
-            </a:r>
-            <a:r>
-              <a:rPr lang="en-MY" dirty="0"/>
-              <a:t> from a list of keys and a list of values:</a:t>
-            </a:r>
-          </a:p>
-          <a:p>
-            <a:pPr lvl="1"/>
-            <a:r>
-              <a:rPr kumimoji="0" lang="en-US" altLang="en-US" sz="1400" i="0" u="none" strike="noStrike" cap="none" normalizeH="0" baseline="0" dirty="0">
-                <a:ln>
-                  <a:noFill/>
-                </a:ln>
-                <a:effectLst/>
-                <a:latin typeface="Arial Unicode MS"/>
-              </a:rPr>
-              <a:t>Example : keys = [‘one’, ‘two’, ‘three’, ‘four’], values = [100, 200, 300, 400]</a:t>
-            </a:r>
-          </a:p>
-          <a:p>
-            <a:pPr lvl="1"/>
-            <a:r>
-              <a:rPr lang="en-MY" dirty="0"/>
-              <a:t>Produce target </a:t>
-            </a:r>
-            <a:r>
-              <a:rPr lang="en-MY" dirty="0" err="1"/>
-              <a:t>dict</a:t>
-            </a:r>
-            <a:r>
-              <a:rPr lang="en-MY" dirty="0"/>
-              <a:t>: {‘one’: 100, ‘two’: 200, ‘three’: 300, ‘four’: 400}</a:t>
-            </a:r>
-          </a:p>
-        </p:txBody>
-      </p:sp>
-      <p:sp>
-        <p:nvSpPr>
-          <p:cNvPr id="5" name="内容占位符 2">
-            <a:extLst>
-              <a:ext uri="{FF2B5EF4-FFF2-40B4-BE49-F238E27FC236}">
-                <a16:creationId xmlns:a16="http://schemas.microsoft.com/office/drawing/2014/main" id="{4333B513-5382-47C3-B2EA-6D201631ACE2}"/>
-              </a:ext>
-            </a:extLst>
-          </p:cNvPr>
-          <p:cNvSpPr txBox="1">
-            <a:spLocks/>
-          </p:cNvSpPr>
-          <p:nvPr/>
-        </p:nvSpPr>
-        <p:spPr>
-          <a:xfrm>
-            <a:off x="923366" y="4421046"/>
-            <a:ext cx="10264588" cy="1352225"/>
-          </a:xfrm>
-          <a:prstGeom prst="rect">
-            <a:avLst/>
-          </a:prstGeom>
-        </p:spPr>
-        <p:txBody>
-          <a:bodyPr vert="horz" lIns="91440" tIns="45720" rIns="91440" bIns="45720" rtlCol="0" anchor="t">
-            <a:normAutofit/>
-          </a:bodyPr>
-          <a:lstStyle>
-            <a:lvl1pPr marL="285750" indent="-285750" algn="l" defTabSz="457200" rtl="0" eaLnBrk="1" latinLnBrk="0" hangingPunct="1">
-              <a:spcBef>
-                <a:spcPts val="0"/>
-              </a:spcBef>
-              <a:spcAft>
-                <a:spcPts val="1000"/>
-              </a:spcAft>
-              <a:buClr>
-                <a:schemeClr val="tx1"/>
-              </a:buClr>
-              <a:buSzPct val="100000"/>
-              <a:buFont typeface="Arial"/>
-              <a:buChar char="•"/>
-              <a:defRPr sz="1800" kern="1200" cap="none">
-                <a:solidFill>
-                  <a:schemeClr val="tx1"/>
-                </a:solidFill>
-                <a:effectLst/>
-                <a:latin typeface="+mn-lt"/>
-                <a:ea typeface="+mn-ea"/>
-                <a:cs typeface="+mn-cs"/>
-              </a:defRPr>
-            </a:lvl1pPr>
-            <a:lvl2pPr marL="742950" indent="-285750" algn="l" defTabSz="457200" rtl="0" eaLnBrk="1" latinLnBrk="0" hangingPunct="1">
-              <a:spcBef>
-                <a:spcPts val="0"/>
-              </a:spcBef>
-              <a:spcAft>
-                <a:spcPts val="1000"/>
-              </a:spcAft>
-              <a:buClr>
-                <a:schemeClr val="tx1"/>
-              </a:buClr>
-              <a:buSzPct val="100000"/>
-              <a:buFont typeface="Arial"/>
-              <a:buChar char="•"/>
-              <a:defRPr sz="1600" kern="1200" cap="none">
-                <a:solidFill>
-                  <a:schemeClr val="tx1"/>
-                </a:solidFill>
-                <a:effectLst/>
-                <a:latin typeface="+mn-lt"/>
-                <a:ea typeface="+mn-ea"/>
-                <a:cs typeface="+mn-cs"/>
-              </a:defRPr>
-            </a:lvl2pPr>
-            <a:lvl3pPr marL="1200150" indent="-285750" algn="l" defTabSz="457200" rtl="0" eaLnBrk="1" latinLnBrk="0" hangingPunct="1">
-              <a:spcBef>
-                <a:spcPts val="0"/>
-              </a:spcBef>
-              <a:spcAft>
-                <a:spcPts val="1000"/>
-              </a:spcAft>
-              <a:buClr>
-                <a:schemeClr val="tx1"/>
-              </a:buClr>
-              <a:buSzPct val="100000"/>
-              <a:buFont typeface="Arial"/>
-              <a:buChar char="•"/>
-              <a:defRPr sz="1400" kern="1200" cap="none">
-                <a:solidFill>
-                  <a:schemeClr val="tx1"/>
-                </a:solidFill>
-                <a:effectLst/>
-                <a:latin typeface="+mn-lt"/>
-                <a:ea typeface="+mn-ea"/>
-                <a:cs typeface="+mn-cs"/>
-              </a:defRPr>
-            </a:lvl3pPr>
-            <a:lvl4pPr marL="1543050" indent="-171450" algn="l" defTabSz="457200" rtl="0" eaLnBrk="1" latinLnBrk="0" hangingPunct="1">
-              <a:spcBef>
-                <a:spcPts val="0"/>
-              </a:spcBef>
-              <a:spcAft>
-                <a:spcPts val="1000"/>
-              </a:spcAft>
-              <a:buClr>
-                <a:schemeClr val="tx1"/>
-              </a:buClr>
-              <a:buSzPct val="100000"/>
-              <a:buFont typeface="Arial"/>
-              <a:buChar char="•"/>
-              <a:defRPr sz="1200" kern="1200" cap="none">
-                <a:solidFill>
-                  <a:schemeClr val="tx1"/>
-                </a:solidFill>
-                <a:effectLst/>
-                <a:latin typeface="+mn-lt"/>
-                <a:ea typeface="+mn-ea"/>
-                <a:cs typeface="+mn-cs"/>
-              </a:defRPr>
-            </a:lvl4pPr>
-            <a:lvl5pPr marL="2000250" indent="-171450" algn="l" defTabSz="457200" rtl="0" eaLnBrk="1" latinLnBrk="0" hangingPunct="1">
-              <a:spcBef>
-                <a:spcPts val="0"/>
-              </a:spcBef>
-              <a:spcAft>
-                <a:spcPts val="1000"/>
-              </a:spcAft>
-              <a:buClr>
-                <a:schemeClr val="tx1"/>
-              </a:buClr>
-              <a:buSzPct val="100000"/>
-              <a:buFont typeface="Arial"/>
-              <a:buChar char="•"/>
-              <a:defRPr sz="1200" kern="1200" cap="none">
-                <a:solidFill>
-                  <a:schemeClr val="tx1"/>
-                </a:solidFill>
-                <a:effectLst/>
-                <a:latin typeface="+mn-lt"/>
-                <a:ea typeface="+mn-ea"/>
-                <a:cs typeface="+mn-cs"/>
-              </a:defRPr>
-            </a:lvl5pPr>
-            <a:lvl6pPr marL="2514600" indent="-228600" algn="l" defTabSz="457200" rtl="0" eaLnBrk="1" latinLnBrk="0" hangingPunct="1">
-              <a:spcBef>
-                <a:spcPts val="0"/>
-              </a:spcBef>
-              <a:spcAft>
-                <a:spcPts val="1000"/>
-              </a:spcAft>
-              <a:buClr>
-                <a:schemeClr val="tx1"/>
-              </a:buClr>
-              <a:buSzPct val="100000"/>
-              <a:buFont typeface="Arial"/>
-              <a:buChar char="•"/>
-              <a:defRPr sz="1200" kern="1200" cap="none">
-                <a:solidFill>
-                  <a:schemeClr val="tx1"/>
-                </a:solidFill>
-                <a:effectLst/>
-                <a:latin typeface="+mn-lt"/>
-                <a:ea typeface="+mn-ea"/>
-                <a:cs typeface="+mn-cs"/>
-              </a:defRPr>
-            </a:lvl6pPr>
-            <a:lvl7pPr marL="2971800" indent="-228600" algn="l" defTabSz="457200" rtl="0" eaLnBrk="1" latinLnBrk="0" hangingPunct="1">
-              <a:spcBef>
-                <a:spcPts val="0"/>
-              </a:spcBef>
-              <a:spcAft>
-                <a:spcPts val="1000"/>
-              </a:spcAft>
-              <a:buClr>
-                <a:schemeClr val="tx1"/>
-              </a:buClr>
-              <a:buSzPct val="100000"/>
-              <a:buFont typeface="Arial"/>
-              <a:buChar char="•"/>
-              <a:defRPr sz="1200" kern="1200" cap="none">
-                <a:solidFill>
-                  <a:schemeClr val="tx1"/>
-                </a:solidFill>
-                <a:effectLst/>
-                <a:latin typeface="+mn-lt"/>
-                <a:ea typeface="+mn-ea"/>
-                <a:cs typeface="+mn-cs"/>
-              </a:defRPr>
-            </a:lvl7pPr>
-            <a:lvl8pPr marL="3429000" indent="-228600" algn="l" defTabSz="457200" rtl="0" eaLnBrk="1" latinLnBrk="0" hangingPunct="1">
-              <a:spcBef>
-                <a:spcPts val="0"/>
-              </a:spcBef>
-              <a:spcAft>
-                <a:spcPts val="1000"/>
-              </a:spcAft>
-              <a:buClr>
-                <a:schemeClr val="tx1"/>
-              </a:buClr>
-              <a:buSzPct val="100000"/>
-              <a:buFont typeface="Arial"/>
-              <a:buChar char="•"/>
-              <a:defRPr sz="1200" kern="1200" cap="none">
-                <a:solidFill>
-                  <a:schemeClr val="tx1"/>
-                </a:solidFill>
-                <a:effectLst/>
-                <a:latin typeface="+mn-lt"/>
-                <a:ea typeface="+mn-ea"/>
-                <a:cs typeface="+mn-cs"/>
-              </a:defRPr>
-            </a:lvl8pPr>
-            <a:lvl9pPr marL="3886200" indent="-228600" algn="l" defTabSz="457200" rtl="0" eaLnBrk="1" latinLnBrk="0" hangingPunct="1">
-              <a:spcBef>
-                <a:spcPts val="0"/>
-              </a:spcBef>
-              <a:spcAft>
-                <a:spcPts val="1000"/>
-              </a:spcAft>
-              <a:buClr>
-                <a:schemeClr val="tx1"/>
-              </a:buClr>
-              <a:buSzPct val="100000"/>
-              <a:buFont typeface="Arial"/>
-              <a:buChar char="•"/>
-              <a:defRPr sz="1200" kern="1200" cap="none">
-                <a:solidFill>
-                  <a:schemeClr val="tx1"/>
-                </a:solidFill>
-                <a:effectLst/>
-                <a:latin typeface="+mn-lt"/>
-                <a:ea typeface="+mn-ea"/>
-                <a:cs typeface="+mn-cs"/>
-              </a:defRPr>
-            </a:lvl9pPr>
-          </a:lstStyle>
-          <a:p>
-            <a:r>
-              <a:rPr lang="en-MY" dirty="0"/>
-              <a:t>Merge 2 </a:t>
-            </a:r>
-            <a:r>
-              <a:rPr lang="en-MY" dirty="0" err="1"/>
-              <a:t>dict</a:t>
-            </a:r>
-            <a:r>
-              <a:rPr lang="en-MY" dirty="0"/>
-              <a:t>:</a:t>
-            </a:r>
-          </a:p>
-          <a:p>
-            <a:pPr lvl="1"/>
-            <a:r>
-              <a:rPr lang="en-US" altLang="en-US" sz="1400" dirty="0">
-                <a:latin typeface="Arial Unicode MS"/>
-              </a:rPr>
-              <a:t>Example : dict1 = {‘one’: 100, ‘two’: 200}, dict2 = {‘three’:300, ‘four’:400}</a:t>
-            </a:r>
-          </a:p>
-          <a:p>
-            <a:pPr lvl="1"/>
-            <a:r>
-              <a:rPr lang="en-MY" dirty="0"/>
-              <a:t>Produce target </a:t>
-            </a:r>
-            <a:r>
-              <a:rPr lang="en-MY" dirty="0" err="1"/>
-              <a:t>dict</a:t>
-            </a:r>
-            <a:r>
-              <a:rPr lang="en-MY" dirty="0"/>
-              <a:t>: {‘one’: 100, ‘two’: 200, ‘three’: 300, ‘four’: 400}</a:t>
-            </a:r>
-          </a:p>
-        </p:txBody>
-      </p:sp>
-    </p:spTree>
-    <p:extLst>
-      <p:ext uri="{BB962C8B-B14F-4D97-AF65-F5344CB8AC3E}">
-        <p14:creationId xmlns:p14="http://schemas.microsoft.com/office/powerpoint/2010/main" val="1918009001"/>
-      </p:ext>
-    </p:extLst>
-  </p:cSld>
-  <p:clrMapOvr>
-    <a:masterClrMapping/>
-  </p:clrMapOvr>
-</p:sld>
-</file>
-
-<file path=ppt/slides/slide14.xml><?xml version="1.0" encoding="utf-8"?>
-<p:sld xmlns:a="http://schemas.openxmlformats.org/drawingml/2006/main" xmlns:r="http://schemas.openxmlformats.org/officeDocument/2006/relationships" xmlns:p="http://schemas.openxmlformats.org/presentationml/2006/main">
-  <p:cSld>
-    <p:spTree>
-      <p:nvGrpSpPr>
-        <p:cNvPr id="1" name=""/>
-        <p:cNvGrpSpPr/>
-        <p:nvPr/>
-      </p:nvGrpSpPr>
-      <p:grpSpPr>
-        <a:xfrm>
-          <a:off x="0" y="0"/>
-          <a:ext cx="0" cy="0"/>
-          <a:chOff x="0" y="0"/>
-          <a:chExt cx="0" cy="0"/>
-        </a:xfrm>
-      </p:grpSpPr>
-      <p:sp>
-        <p:nvSpPr>
-          <p:cNvPr id="2" name="标题 1">
-            <a:extLst>
-              <a:ext uri="{FF2B5EF4-FFF2-40B4-BE49-F238E27FC236}">
-                <a16:creationId xmlns:a16="http://schemas.microsoft.com/office/drawing/2014/main" id="{5EC01E2D-9CFE-4D5D-8863-3BA90731F07B}"/>
-              </a:ext>
-            </a:extLst>
-          </p:cNvPr>
-          <p:cNvSpPr>
-            <a:spLocks noGrp="1"/>
-          </p:cNvSpPr>
-          <p:nvPr>
-            <p:ph type="title"/>
-          </p:nvPr>
-        </p:nvSpPr>
-        <p:spPr>
-          <a:xfrm>
-            <a:off x="923365" y="643463"/>
-            <a:ext cx="10649203" cy="1608124"/>
-          </a:xfrm>
-        </p:spPr>
-        <p:txBody>
-          <a:bodyPr>
-            <a:normAutofit/>
-          </a:bodyPr>
-          <a:lstStyle/>
-          <a:p>
-            <a:r>
-              <a:rPr lang="en-US" dirty="0" err="1"/>
-              <a:t>dict</a:t>
-            </a:r>
-            <a:r>
-              <a:rPr lang="en-US" dirty="0"/>
-              <a:t> Programming practice</a:t>
-            </a:r>
-            <a:endParaRPr lang="en-MY" dirty="0"/>
-          </a:p>
-        </p:txBody>
-      </p:sp>
-      <p:sp>
-        <p:nvSpPr>
-          <p:cNvPr id="3" name="内容占位符 2">
-            <a:extLst>
-              <a:ext uri="{FF2B5EF4-FFF2-40B4-BE49-F238E27FC236}">
-                <a16:creationId xmlns:a16="http://schemas.microsoft.com/office/drawing/2014/main" id="{7060439F-2729-478E-B95F-230482B50AA1}"/>
-              </a:ext>
-            </a:extLst>
-          </p:cNvPr>
-          <p:cNvSpPr>
-            <a:spLocks noGrp="1"/>
-          </p:cNvSpPr>
-          <p:nvPr>
-            <p:ph idx="1"/>
-          </p:nvPr>
-        </p:nvSpPr>
-        <p:spPr>
-          <a:xfrm>
-            <a:off x="923366" y="2251587"/>
-            <a:ext cx="10264588" cy="1352225"/>
-          </a:xfrm>
-        </p:spPr>
-        <p:txBody>
-          <a:bodyPr anchor="t">
-            <a:normAutofit/>
-          </a:bodyPr>
-          <a:lstStyle/>
-          <a:p>
-            <a:r>
-              <a:rPr lang="en-MY" dirty="0"/>
-              <a:t>Find Tom’s math mark from following </a:t>
-            </a:r>
-            <a:r>
-              <a:rPr lang="en-MY" dirty="0" err="1"/>
-              <a:t>dict</a:t>
-            </a:r>
-            <a:r>
-              <a:rPr lang="en-MY" dirty="0"/>
-              <a:t>:</a:t>
-            </a:r>
-          </a:p>
-          <a:p>
-            <a:r>
-              <a:rPr lang="en-MY" dirty="0" err="1"/>
-              <a:t>sample_dict</a:t>
-            </a:r>
-            <a:r>
-              <a:rPr lang="en-MY" dirty="0"/>
-              <a:t> = {‘class’: {‘students’: [{‘name’: ‘Tom’, ‘marks’: {‘math’:89, ‘English’: 75} }, {‘name’: ‘Jerry’, ‘marks’: {‘math’:60, ‘English’: 90} ] } }</a:t>
-            </a:r>
-          </a:p>
-        </p:txBody>
-      </p:sp>
-      <p:sp>
-        <p:nvSpPr>
-          <p:cNvPr id="5" name="内容占位符 2">
-            <a:extLst>
-              <a:ext uri="{FF2B5EF4-FFF2-40B4-BE49-F238E27FC236}">
-                <a16:creationId xmlns:a16="http://schemas.microsoft.com/office/drawing/2014/main" id="{4333B513-5382-47C3-B2EA-6D201631ACE2}"/>
-              </a:ext>
-            </a:extLst>
-          </p:cNvPr>
-          <p:cNvSpPr txBox="1">
-            <a:spLocks/>
-          </p:cNvSpPr>
-          <p:nvPr/>
-        </p:nvSpPr>
-        <p:spPr>
-          <a:xfrm>
-            <a:off x="923366" y="4421046"/>
-            <a:ext cx="10264588" cy="1352225"/>
-          </a:xfrm>
-          <a:prstGeom prst="rect">
-            <a:avLst/>
-          </a:prstGeom>
-        </p:spPr>
-        <p:txBody>
-          <a:bodyPr vert="horz" lIns="91440" tIns="45720" rIns="91440" bIns="45720" rtlCol="0" anchor="t">
-            <a:normAutofit/>
-          </a:bodyPr>
-          <a:lstStyle>
-            <a:lvl1pPr marL="285750" indent="-285750" algn="l" defTabSz="457200" rtl="0" eaLnBrk="1" latinLnBrk="0" hangingPunct="1">
-              <a:spcBef>
-                <a:spcPts val="0"/>
-              </a:spcBef>
-              <a:spcAft>
-                <a:spcPts val="1000"/>
-              </a:spcAft>
-              <a:buClr>
-                <a:schemeClr val="tx1"/>
-              </a:buClr>
-              <a:buSzPct val="100000"/>
-              <a:buFont typeface="Arial"/>
-              <a:buChar char="•"/>
-              <a:defRPr sz="1800" kern="1200" cap="none">
-                <a:solidFill>
-                  <a:schemeClr val="tx1"/>
-                </a:solidFill>
-                <a:effectLst/>
-                <a:latin typeface="+mn-lt"/>
-                <a:ea typeface="+mn-ea"/>
-                <a:cs typeface="+mn-cs"/>
-              </a:defRPr>
-            </a:lvl1pPr>
-            <a:lvl2pPr marL="742950" indent="-285750" algn="l" defTabSz="457200" rtl="0" eaLnBrk="1" latinLnBrk="0" hangingPunct="1">
-              <a:spcBef>
-                <a:spcPts val="0"/>
-              </a:spcBef>
-              <a:spcAft>
-                <a:spcPts val="1000"/>
-              </a:spcAft>
-              <a:buClr>
-                <a:schemeClr val="tx1"/>
-              </a:buClr>
-              <a:buSzPct val="100000"/>
-              <a:buFont typeface="Arial"/>
-              <a:buChar char="•"/>
-              <a:defRPr sz="1600" kern="1200" cap="none">
-                <a:solidFill>
-                  <a:schemeClr val="tx1"/>
-                </a:solidFill>
-                <a:effectLst/>
-                <a:latin typeface="+mn-lt"/>
-                <a:ea typeface="+mn-ea"/>
-                <a:cs typeface="+mn-cs"/>
-              </a:defRPr>
-            </a:lvl2pPr>
-            <a:lvl3pPr marL="1200150" indent="-285750" algn="l" defTabSz="457200" rtl="0" eaLnBrk="1" latinLnBrk="0" hangingPunct="1">
-              <a:spcBef>
-                <a:spcPts val="0"/>
-              </a:spcBef>
-              <a:spcAft>
-                <a:spcPts val="1000"/>
-              </a:spcAft>
-              <a:buClr>
-                <a:schemeClr val="tx1"/>
-              </a:buClr>
-              <a:buSzPct val="100000"/>
-              <a:buFont typeface="Arial"/>
-              <a:buChar char="•"/>
-              <a:defRPr sz="1400" kern="1200" cap="none">
-                <a:solidFill>
-                  <a:schemeClr val="tx1"/>
-                </a:solidFill>
-                <a:effectLst/>
-                <a:latin typeface="+mn-lt"/>
-                <a:ea typeface="+mn-ea"/>
-                <a:cs typeface="+mn-cs"/>
-              </a:defRPr>
-            </a:lvl3pPr>
-            <a:lvl4pPr marL="1543050" indent="-171450" algn="l" defTabSz="457200" rtl="0" eaLnBrk="1" latinLnBrk="0" hangingPunct="1">
-              <a:spcBef>
-                <a:spcPts val="0"/>
-              </a:spcBef>
-              <a:spcAft>
-                <a:spcPts val="1000"/>
-              </a:spcAft>
-              <a:buClr>
-                <a:schemeClr val="tx1"/>
-              </a:buClr>
-              <a:buSzPct val="100000"/>
-              <a:buFont typeface="Arial"/>
-              <a:buChar char="•"/>
-              <a:defRPr sz="1200" kern="1200" cap="none">
-                <a:solidFill>
-                  <a:schemeClr val="tx1"/>
-                </a:solidFill>
-                <a:effectLst/>
-                <a:latin typeface="+mn-lt"/>
-                <a:ea typeface="+mn-ea"/>
-                <a:cs typeface="+mn-cs"/>
-              </a:defRPr>
-            </a:lvl4pPr>
-            <a:lvl5pPr marL="2000250" indent="-171450" algn="l" defTabSz="457200" rtl="0" eaLnBrk="1" latinLnBrk="0" hangingPunct="1">
-              <a:spcBef>
-                <a:spcPts val="0"/>
-              </a:spcBef>
-              <a:spcAft>
-                <a:spcPts val="1000"/>
-              </a:spcAft>
-              <a:buClr>
-                <a:schemeClr val="tx1"/>
-              </a:buClr>
-              <a:buSzPct val="100000"/>
-              <a:buFont typeface="Arial"/>
-              <a:buChar char="•"/>
-              <a:defRPr sz="1200" kern="1200" cap="none">
-                <a:solidFill>
-                  <a:schemeClr val="tx1"/>
-                </a:solidFill>
-                <a:effectLst/>
-                <a:latin typeface="+mn-lt"/>
-                <a:ea typeface="+mn-ea"/>
-                <a:cs typeface="+mn-cs"/>
-              </a:defRPr>
-            </a:lvl5pPr>
-            <a:lvl6pPr marL="2514600" indent="-228600" algn="l" defTabSz="457200" rtl="0" eaLnBrk="1" latinLnBrk="0" hangingPunct="1">
-              <a:spcBef>
-                <a:spcPts val="0"/>
-              </a:spcBef>
-              <a:spcAft>
-                <a:spcPts val="1000"/>
-              </a:spcAft>
-              <a:buClr>
-                <a:schemeClr val="tx1"/>
-              </a:buClr>
-              <a:buSzPct val="100000"/>
-              <a:buFont typeface="Arial"/>
-              <a:buChar char="•"/>
-              <a:defRPr sz="1200" kern="1200" cap="none">
-                <a:solidFill>
-                  <a:schemeClr val="tx1"/>
-                </a:solidFill>
-                <a:effectLst/>
-                <a:latin typeface="+mn-lt"/>
-                <a:ea typeface="+mn-ea"/>
-                <a:cs typeface="+mn-cs"/>
-              </a:defRPr>
-            </a:lvl6pPr>
-            <a:lvl7pPr marL="2971800" indent="-228600" algn="l" defTabSz="457200" rtl="0" eaLnBrk="1" latinLnBrk="0" hangingPunct="1">
-              <a:spcBef>
-                <a:spcPts val="0"/>
-              </a:spcBef>
-              <a:spcAft>
-                <a:spcPts val="1000"/>
-              </a:spcAft>
-              <a:buClr>
-                <a:schemeClr val="tx1"/>
-              </a:buClr>
-              <a:buSzPct val="100000"/>
-              <a:buFont typeface="Arial"/>
-              <a:buChar char="•"/>
-              <a:defRPr sz="1200" kern="1200" cap="none">
-                <a:solidFill>
-                  <a:schemeClr val="tx1"/>
-                </a:solidFill>
-                <a:effectLst/>
-                <a:latin typeface="+mn-lt"/>
-                <a:ea typeface="+mn-ea"/>
-                <a:cs typeface="+mn-cs"/>
-              </a:defRPr>
-            </a:lvl7pPr>
-            <a:lvl8pPr marL="3429000" indent="-228600" algn="l" defTabSz="457200" rtl="0" eaLnBrk="1" latinLnBrk="0" hangingPunct="1">
-              <a:spcBef>
-                <a:spcPts val="0"/>
-              </a:spcBef>
-              <a:spcAft>
-                <a:spcPts val="1000"/>
-              </a:spcAft>
-              <a:buClr>
-                <a:schemeClr val="tx1"/>
-              </a:buClr>
-              <a:buSzPct val="100000"/>
-              <a:buFont typeface="Arial"/>
-              <a:buChar char="•"/>
-              <a:defRPr sz="1200" kern="1200" cap="none">
-                <a:solidFill>
-                  <a:schemeClr val="tx1"/>
-                </a:solidFill>
-                <a:effectLst/>
-                <a:latin typeface="+mn-lt"/>
-                <a:ea typeface="+mn-ea"/>
-                <a:cs typeface="+mn-cs"/>
-              </a:defRPr>
-            </a:lvl8pPr>
-            <a:lvl9pPr marL="3886200" indent="-228600" algn="l" defTabSz="457200" rtl="0" eaLnBrk="1" latinLnBrk="0" hangingPunct="1">
-              <a:spcBef>
-                <a:spcPts val="0"/>
-              </a:spcBef>
-              <a:spcAft>
-                <a:spcPts val="1000"/>
-              </a:spcAft>
-              <a:buClr>
-                <a:schemeClr val="tx1"/>
-              </a:buClr>
-              <a:buSzPct val="100000"/>
-              <a:buFont typeface="Arial"/>
-              <a:buChar char="•"/>
-              <a:defRPr sz="1200" kern="1200" cap="none">
-                <a:solidFill>
-                  <a:schemeClr val="tx1"/>
-                </a:solidFill>
-                <a:effectLst/>
-                <a:latin typeface="+mn-lt"/>
-                <a:ea typeface="+mn-ea"/>
-                <a:cs typeface="+mn-cs"/>
-              </a:defRPr>
-            </a:lvl9pPr>
-          </a:lstStyle>
-          <a:p>
-            <a:r>
-              <a:rPr lang="en-MY" dirty="0"/>
-              <a:t>How about find Jerry’s English mark?</a:t>
-            </a:r>
-          </a:p>
-          <a:p>
-            <a:pPr lvl="1"/>
-            <a:endParaRPr lang="en-MY" dirty="0"/>
-          </a:p>
-        </p:txBody>
-      </p:sp>
-    </p:spTree>
-    <p:extLst>
-      <p:ext uri="{BB962C8B-B14F-4D97-AF65-F5344CB8AC3E}">
-        <p14:creationId xmlns:p14="http://schemas.microsoft.com/office/powerpoint/2010/main" val="1385666615"/>
-      </p:ext>
-    </p:extLst>
-  </p:cSld>
-  <p:clrMapOvr>
-    <a:masterClrMapping/>
-  </p:clrMapOvr>
-</p:sld>
-</file>
-
-<file path=ppt/slides/slide15.xml><?xml version="1.0" encoding="utf-8"?>
-<p:sld xmlns:a="http://schemas.openxmlformats.org/drawingml/2006/main" xmlns:r="http://schemas.openxmlformats.org/officeDocument/2006/relationships" xmlns:p="http://schemas.openxmlformats.org/presentationml/2006/main">
-  <p:cSld>
-    <p:spTree>
-      <p:nvGrpSpPr>
-        <p:cNvPr id="1" name=""/>
-        <p:cNvGrpSpPr/>
-        <p:nvPr/>
-      </p:nvGrpSpPr>
-      <p:grpSpPr>
-        <a:xfrm>
-          <a:off x="0" y="0"/>
-          <a:ext cx="0" cy="0"/>
-          <a:chOff x="0" y="0"/>
-          <a:chExt cx="0" cy="0"/>
-        </a:xfrm>
-      </p:grpSpPr>
-      <p:sp>
-        <p:nvSpPr>
-          <p:cNvPr id="2" name="标题 1">
-            <a:extLst>
-              <a:ext uri="{FF2B5EF4-FFF2-40B4-BE49-F238E27FC236}">
-                <a16:creationId xmlns:a16="http://schemas.microsoft.com/office/drawing/2014/main" id="{5EC01E2D-9CFE-4D5D-8863-3BA90731F07B}"/>
-              </a:ext>
-            </a:extLst>
-          </p:cNvPr>
-          <p:cNvSpPr>
-            <a:spLocks noGrp="1"/>
-          </p:cNvSpPr>
-          <p:nvPr>
-            <p:ph type="title"/>
-          </p:nvPr>
-        </p:nvSpPr>
-        <p:spPr>
-          <a:xfrm>
-            <a:off x="923365" y="643463"/>
-            <a:ext cx="10649203" cy="1608124"/>
-          </a:xfrm>
-        </p:spPr>
-        <p:txBody>
-          <a:bodyPr>
-            <a:normAutofit/>
-          </a:bodyPr>
-          <a:lstStyle/>
-          <a:p>
-            <a:r>
-              <a:rPr lang="en-US" dirty="0" err="1"/>
-              <a:t>dict</a:t>
-            </a:r>
-            <a:r>
-              <a:rPr lang="en-US" dirty="0"/>
-              <a:t> Programming practice</a:t>
-            </a:r>
-            <a:endParaRPr lang="en-MY" dirty="0"/>
-          </a:p>
-        </p:txBody>
-      </p:sp>
-      <p:sp>
-        <p:nvSpPr>
-          <p:cNvPr id="3" name="内容占位符 2">
-            <a:extLst>
-              <a:ext uri="{FF2B5EF4-FFF2-40B4-BE49-F238E27FC236}">
-                <a16:creationId xmlns:a16="http://schemas.microsoft.com/office/drawing/2014/main" id="{7060439F-2729-478E-B95F-230482B50AA1}"/>
-              </a:ext>
-            </a:extLst>
-          </p:cNvPr>
-          <p:cNvSpPr>
-            <a:spLocks noGrp="1"/>
-          </p:cNvSpPr>
-          <p:nvPr>
-            <p:ph idx="1"/>
-          </p:nvPr>
-        </p:nvSpPr>
-        <p:spPr>
-          <a:xfrm>
-            <a:off x="923366" y="2251587"/>
-            <a:ext cx="10264588" cy="1352225"/>
-          </a:xfrm>
-        </p:spPr>
-        <p:txBody>
-          <a:bodyPr anchor="t">
-            <a:normAutofit/>
-          </a:bodyPr>
-          <a:lstStyle/>
-          <a:p>
-            <a:r>
-              <a:rPr lang="en-MY" dirty="0"/>
-              <a:t>Create a </a:t>
-            </a:r>
-            <a:r>
-              <a:rPr lang="en-MY" dirty="0" err="1"/>
-              <a:t>dict</a:t>
-            </a:r>
-            <a:r>
-              <a:rPr lang="en-MY" dirty="0"/>
-              <a:t>, using a list of keys, and one default value for all keys</a:t>
-            </a:r>
-          </a:p>
-          <a:p>
-            <a:pPr lvl="1"/>
-            <a:r>
-              <a:rPr lang="en-MY" dirty="0"/>
-              <a:t>Example: keys = [‘Alice’, ‘Emma’], </a:t>
-            </a:r>
-            <a:r>
-              <a:rPr lang="en-MY" dirty="0" err="1"/>
-              <a:t>default_value</a:t>
-            </a:r>
-            <a:r>
-              <a:rPr lang="en-MY" dirty="0"/>
-              <a:t> = {‘age’: None, ‘address’: None}</a:t>
-            </a:r>
-          </a:p>
-          <a:p>
-            <a:pPr lvl="1"/>
-            <a:r>
-              <a:rPr lang="en-MY" dirty="0"/>
-              <a:t>Produce a </a:t>
-            </a:r>
-            <a:r>
-              <a:rPr lang="en-MY" dirty="0" err="1"/>
-              <a:t>dict</a:t>
-            </a:r>
-            <a:r>
-              <a:rPr lang="en-MY" dirty="0"/>
-              <a:t>: {‘Alice’: {‘age’: None, ‘address’: None}, ‘Emma’: {‘age’: None, ‘address’: None} }</a:t>
-            </a:r>
-          </a:p>
-        </p:txBody>
-      </p:sp>
-      <p:sp>
-        <p:nvSpPr>
-          <p:cNvPr id="5" name="内容占位符 2">
-            <a:extLst>
-              <a:ext uri="{FF2B5EF4-FFF2-40B4-BE49-F238E27FC236}">
-                <a16:creationId xmlns:a16="http://schemas.microsoft.com/office/drawing/2014/main" id="{4333B513-5382-47C3-B2EA-6D201631ACE2}"/>
-              </a:ext>
-            </a:extLst>
-          </p:cNvPr>
-          <p:cNvSpPr txBox="1">
-            <a:spLocks/>
-          </p:cNvSpPr>
-          <p:nvPr/>
-        </p:nvSpPr>
-        <p:spPr>
-          <a:xfrm>
-            <a:off x="923366" y="4421046"/>
-            <a:ext cx="10264588" cy="1352225"/>
-          </a:xfrm>
-          <a:prstGeom prst="rect">
-            <a:avLst/>
-          </a:prstGeom>
-        </p:spPr>
-        <p:txBody>
-          <a:bodyPr vert="horz" lIns="91440" tIns="45720" rIns="91440" bIns="45720" rtlCol="0" anchor="t">
-            <a:normAutofit/>
-          </a:bodyPr>
-          <a:lstStyle>
-            <a:lvl1pPr marL="285750" indent="-285750" algn="l" defTabSz="457200" rtl="0" eaLnBrk="1" latinLnBrk="0" hangingPunct="1">
-              <a:spcBef>
-                <a:spcPts val="0"/>
-              </a:spcBef>
-              <a:spcAft>
-                <a:spcPts val="1000"/>
-              </a:spcAft>
-              <a:buClr>
-                <a:schemeClr val="tx1"/>
-              </a:buClr>
-              <a:buSzPct val="100000"/>
-              <a:buFont typeface="Arial"/>
-              <a:buChar char="•"/>
-              <a:defRPr sz="1800" kern="1200" cap="none">
-                <a:solidFill>
-                  <a:schemeClr val="tx1"/>
-                </a:solidFill>
-                <a:effectLst/>
-                <a:latin typeface="+mn-lt"/>
-                <a:ea typeface="+mn-ea"/>
-                <a:cs typeface="+mn-cs"/>
-              </a:defRPr>
-            </a:lvl1pPr>
-            <a:lvl2pPr marL="742950" indent="-285750" algn="l" defTabSz="457200" rtl="0" eaLnBrk="1" latinLnBrk="0" hangingPunct="1">
-              <a:spcBef>
-                <a:spcPts val="0"/>
-              </a:spcBef>
-              <a:spcAft>
-                <a:spcPts val="1000"/>
-              </a:spcAft>
-              <a:buClr>
-                <a:schemeClr val="tx1"/>
-              </a:buClr>
-              <a:buSzPct val="100000"/>
-              <a:buFont typeface="Arial"/>
-              <a:buChar char="•"/>
-              <a:defRPr sz="1600" kern="1200" cap="none">
-                <a:solidFill>
-                  <a:schemeClr val="tx1"/>
-                </a:solidFill>
-                <a:effectLst/>
-                <a:latin typeface="+mn-lt"/>
-                <a:ea typeface="+mn-ea"/>
-                <a:cs typeface="+mn-cs"/>
-              </a:defRPr>
-            </a:lvl2pPr>
-            <a:lvl3pPr marL="1200150" indent="-285750" algn="l" defTabSz="457200" rtl="0" eaLnBrk="1" latinLnBrk="0" hangingPunct="1">
-              <a:spcBef>
-                <a:spcPts val="0"/>
-              </a:spcBef>
-              <a:spcAft>
-                <a:spcPts val="1000"/>
-              </a:spcAft>
-              <a:buClr>
-                <a:schemeClr val="tx1"/>
-              </a:buClr>
-              <a:buSzPct val="100000"/>
-              <a:buFont typeface="Arial"/>
-              <a:buChar char="•"/>
-              <a:defRPr sz="1400" kern="1200" cap="none">
-                <a:solidFill>
-                  <a:schemeClr val="tx1"/>
-                </a:solidFill>
-                <a:effectLst/>
-                <a:latin typeface="+mn-lt"/>
-                <a:ea typeface="+mn-ea"/>
-                <a:cs typeface="+mn-cs"/>
-              </a:defRPr>
-            </a:lvl3pPr>
-            <a:lvl4pPr marL="1543050" indent="-171450" algn="l" defTabSz="457200" rtl="0" eaLnBrk="1" latinLnBrk="0" hangingPunct="1">
-              <a:spcBef>
-                <a:spcPts val="0"/>
-              </a:spcBef>
-              <a:spcAft>
-                <a:spcPts val="1000"/>
-              </a:spcAft>
-              <a:buClr>
-                <a:schemeClr val="tx1"/>
-              </a:buClr>
-              <a:buSzPct val="100000"/>
-              <a:buFont typeface="Arial"/>
-              <a:buChar char="•"/>
-              <a:defRPr sz="1200" kern="1200" cap="none">
-                <a:solidFill>
-                  <a:schemeClr val="tx1"/>
-                </a:solidFill>
-                <a:effectLst/>
-                <a:latin typeface="+mn-lt"/>
-                <a:ea typeface="+mn-ea"/>
-                <a:cs typeface="+mn-cs"/>
-              </a:defRPr>
-            </a:lvl4pPr>
-            <a:lvl5pPr marL="2000250" indent="-171450" algn="l" defTabSz="457200" rtl="0" eaLnBrk="1" latinLnBrk="0" hangingPunct="1">
-              <a:spcBef>
-                <a:spcPts val="0"/>
-              </a:spcBef>
-              <a:spcAft>
-                <a:spcPts val="1000"/>
-              </a:spcAft>
-              <a:buClr>
-                <a:schemeClr val="tx1"/>
-              </a:buClr>
-              <a:buSzPct val="100000"/>
-              <a:buFont typeface="Arial"/>
-              <a:buChar char="•"/>
-              <a:defRPr sz="1200" kern="1200" cap="none">
-                <a:solidFill>
-                  <a:schemeClr val="tx1"/>
-                </a:solidFill>
-                <a:effectLst/>
-                <a:latin typeface="+mn-lt"/>
-                <a:ea typeface="+mn-ea"/>
-                <a:cs typeface="+mn-cs"/>
-              </a:defRPr>
-            </a:lvl5pPr>
-            <a:lvl6pPr marL="2514600" indent="-228600" algn="l" defTabSz="457200" rtl="0" eaLnBrk="1" latinLnBrk="0" hangingPunct="1">
-              <a:spcBef>
-                <a:spcPts val="0"/>
-              </a:spcBef>
-              <a:spcAft>
-                <a:spcPts val="1000"/>
-              </a:spcAft>
-              <a:buClr>
-                <a:schemeClr val="tx1"/>
-              </a:buClr>
-              <a:buSzPct val="100000"/>
-              <a:buFont typeface="Arial"/>
-              <a:buChar char="•"/>
-              <a:defRPr sz="1200" kern="1200" cap="none">
-                <a:solidFill>
-                  <a:schemeClr val="tx1"/>
-                </a:solidFill>
-                <a:effectLst/>
-                <a:latin typeface="+mn-lt"/>
-                <a:ea typeface="+mn-ea"/>
-                <a:cs typeface="+mn-cs"/>
-              </a:defRPr>
-            </a:lvl6pPr>
-            <a:lvl7pPr marL="2971800" indent="-228600" algn="l" defTabSz="457200" rtl="0" eaLnBrk="1" latinLnBrk="0" hangingPunct="1">
-              <a:spcBef>
-                <a:spcPts val="0"/>
-              </a:spcBef>
-              <a:spcAft>
-                <a:spcPts val="1000"/>
-              </a:spcAft>
-              <a:buClr>
-                <a:schemeClr val="tx1"/>
-              </a:buClr>
-              <a:buSzPct val="100000"/>
-              <a:buFont typeface="Arial"/>
-              <a:buChar char="•"/>
-              <a:defRPr sz="1200" kern="1200" cap="none">
-                <a:solidFill>
-                  <a:schemeClr val="tx1"/>
-                </a:solidFill>
-                <a:effectLst/>
-                <a:latin typeface="+mn-lt"/>
-                <a:ea typeface="+mn-ea"/>
-                <a:cs typeface="+mn-cs"/>
-              </a:defRPr>
-            </a:lvl7pPr>
-            <a:lvl8pPr marL="3429000" indent="-228600" algn="l" defTabSz="457200" rtl="0" eaLnBrk="1" latinLnBrk="0" hangingPunct="1">
-              <a:spcBef>
-                <a:spcPts val="0"/>
-              </a:spcBef>
-              <a:spcAft>
-                <a:spcPts val="1000"/>
-              </a:spcAft>
-              <a:buClr>
-                <a:schemeClr val="tx1"/>
-              </a:buClr>
-              <a:buSzPct val="100000"/>
-              <a:buFont typeface="Arial"/>
-              <a:buChar char="•"/>
-              <a:defRPr sz="1200" kern="1200" cap="none">
-                <a:solidFill>
-                  <a:schemeClr val="tx1"/>
-                </a:solidFill>
-                <a:effectLst/>
-                <a:latin typeface="+mn-lt"/>
-                <a:ea typeface="+mn-ea"/>
-                <a:cs typeface="+mn-cs"/>
-              </a:defRPr>
-            </a:lvl8pPr>
-            <a:lvl9pPr marL="3886200" indent="-228600" algn="l" defTabSz="457200" rtl="0" eaLnBrk="1" latinLnBrk="0" hangingPunct="1">
-              <a:spcBef>
-                <a:spcPts val="0"/>
-              </a:spcBef>
-              <a:spcAft>
-                <a:spcPts val="1000"/>
-              </a:spcAft>
-              <a:buClr>
-                <a:schemeClr val="tx1"/>
-              </a:buClr>
-              <a:buSzPct val="100000"/>
-              <a:buFont typeface="Arial"/>
-              <a:buChar char="•"/>
-              <a:defRPr sz="1200" kern="1200" cap="none">
-                <a:solidFill>
-                  <a:schemeClr val="tx1"/>
-                </a:solidFill>
-                <a:effectLst/>
-                <a:latin typeface="+mn-lt"/>
-                <a:ea typeface="+mn-ea"/>
-                <a:cs typeface="+mn-cs"/>
-              </a:defRPr>
-            </a:lvl9pPr>
-          </a:lstStyle>
-          <a:p>
-            <a:r>
-              <a:rPr lang="en-MY" dirty="0"/>
-              <a:t>Check if one specified value is in </a:t>
-            </a:r>
-            <a:r>
-              <a:rPr lang="en-MY" dirty="0" err="1"/>
-              <a:t>dict</a:t>
-            </a:r>
-            <a:endParaRPr lang="en-MY" dirty="0"/>
-          </a:p>
-          <a:p>
-            <a:pPr lvl="1"/>
-            <a:r>
-              <a:rPr lang="en-MY" dirty="0"/>
-              <a:t>Example: {‘a’: 100, ‘b’: 200, ‘c’: 300}</a:t>
-            </a:r>
-          </a:p>
-          <a:p>
-            <a:pPr lvl="1"/>
-            <a:r>
-              <a:rPr lang="en-MY" dirty="0"/>
-              <a:t>Check value 200, it should give “True, 200 is in </a:t>
-            </a:r>
-            <a:r>
-              <a:rPr lang="en-MY" dirty="0" err="1"/>
-              <a:t>dict</a:t>
-            </a:r>
-            <a:r>
-              <a:rPr lang="en-MY" dirty="0"/>
-              <a:t>”</a:t>
-            </a:r>
-          </a:p>
-        </p:txBody>
-      </p:sp>
-    </p:spTree>
-    <p:extLst>
-      <p:ext uri="{BB962C8B-B14F-4D97-AF65-F5344CB8AC3E}">
-        <p14:creationId xmlns:p14="http://schemas.microsoft.com/office/powerpoint/2010/main" val="2349023928"/>
-      </p:ext>
-    </p:extLst>
-  </p:cSld>
-  <p:clrMapOvr>
-    <a:masterClrMapping/>
-  </p:clrMapOvr>
-</p:sld>
-</file>
-
-<file path=ppt/slides/slide16.xml><?xml version="1.0" encoding="utf-8"?>
-<p:sld xmlns:a="http://schemas.openxmlformats.org/drawingml/2006/main" xmlns:r="http://schemas.openxmlformats.org/officeDocument/2006/relationships" xmlns:p="http://schemas.openxmlformats.org/presentationml/2006/main">
-  <p:cSld>
-    <p:spTree>
-      <p:nvGrpSpPr>
-        <p:cNvPr id="1" name=""/>
-        <p:cNvGrpSpPr/>
-        <p:nvPr/>
-      </p:nvGrpSpPr>
-      <p:grpSpPr>
-        <a:xfrm>
-          <a:off x="0" y="0"/>
-          <a:ext cx="0" cy="0"/>
-          <a:chOff x="0" y="0"/>
-          <a:chExt cx="0" cy="0"/>
-        </a:xfrm>
-      </p:grpSpPr>
-      <p:sp>
-        <p:nvSpPr>
-          <p:cNvPr id="2" name="标题 1">
-            <a:extLst>
-              <a:ext uri="{FF2B5EF4-FFF2-40B4-BE49-F238E27FC236}">
-                <a16:creationId xmlns:a16="http://schemas.microsoft.com/office/drawing/2014/main" id="{5EC01E2D-9CFE-4D5D-8863-3BA90731F07B}"/>
-              </a:ext>
-            </a:extLst>
-          </p:cNvPr>
-          <p:cNvSpPr>
-            <a:spLocks noGrp="1"/>
-          </p:cNvSpPr>
-          <p:nvPr>
-            <p:ph type="title"/>
-          </p:nvPr>
-        </p:nvSpPr>
-        <p:spPr>
-          <a:xfrm>
-            <a:off x="923365" y="643463"/>
-            <a:ext cx="10649203" cy="1608124"/>
-          </a:xfrm>
-        </p:spPr>
-        <p:txBody>
-          <a:bodyPr>
-            <a:normAutofit/>
-          </a:bodyPr>
-          <a:lstStyle/>
-          <a:p>
-            <a:r>
-              <a:rPr lang="en-US" dirty="0" err="1"/>
-              <a:t>dict</a:t>
-            </a:r>
-            <a:r>
-              <a:rPr lang="en-US" dirty="0"/>
-              <a:t> Programming practice</a:t>
-            </a:r>
-            <a:endParaRPr lang="en-MY" dirty="0"/>
-          </a:p>
-        </p:txBody>
-      </p:sp>
-      <p:sp>
-        <p:nvSpPr>
-          <p:cNvPr id="3" name="内容占位符 2">
-            <a:extLst>
-              <a:ext uri="{FF2B5EF4-FFF2-40B4-BE49-F238E27FC236}">
-                <a16:creationId xmlns:a16="http://schemas.microsoft.com/office/drawing/2014/main" id="{7060439F-2729-478E-B95F-230482B50AA1}"/>
-              </a:ext>
-            </a:extLst>
-          </p:cNvPr>
-          <p:cNvSpPr>
-            <a:spLocks noGrp="1"/>
-          </p:cNvSpPr>
-          <p:nvPr>
-            <p:ph idx="1"/>
-          </p:nvPr>
-        </p:nvSpPr>
-        <p:spPr>
-          <a:xfrm>
-            <a:off x="923366" y="2251587"/>
-            <a:ext cx="10264588" cy="1352225"/>
-          </a:xfrm>
-        </p:spPr>
-        <p:txBody>
-          <a:bodyPr anchor="t">
-            <a:normAutofit/>
-          </a:bodyPr>
-          <a:lstStyle/>
-          <a:p>
-            <a:r>
-              <a:rPr lang="en-MY" dirty="0"/>
-              <a:t>Create a new </a:t>
-            </a:r>
-            <a:r>
-              <a:rPr lang="en-MY" dirty="0" err="1"/>
-              <a:t>dict</a:t>
-            </a:r>
-            <a:r>
-              <a:rPr lang="en-MY" dirty="0"/>
-              <a:t> from existing </a:t>
-            </a:r>
-            <a:r>
-              <a:rPr lang="en-MY" dirty="0" err="1"/>
-              <a:t>dict</a:t>
-            </a:r>
-            <a:r>
-              <a:rPr lang="en-MY" dirty="0"/>
-              <a:t>, which take part of keys</a:t>
-            </a:r>
-          </a:p>
-          <a:p>
-            <a:pPr lvl="1"/>
-            <a:r>
-              <a:rPr lang="en-MY" dirty="0"/>
-              <a:t>Example: keys = [‘Alice’, ‘Emma’], dict1 = {‘Alice’:14, ‘Tom’: 12, ‘Jerry’: 10, ‘Emma’: 16}</a:t>
-            </a:r>
-          </a:p>
-          <a:p>
-            <a:pPr lvl="1"/>
-            <a:r>
-              <a:rPr lang="en-MY" dirty="0"/>
-              <a:t>Produce a </a:t>
-            </a:r>
-            <a:r>
-              <a:rPr lang="en-MY" dirty="0" err="1"/>
-              <a:t>dict</a:t>
-            </a:r>
-            <a:r>
-              <a:rPr lang="en-MY" dirty="0"/>
-              <a:t>: {‘Alice’: 14, ‘Emma’: 16 }</a:t>
-            </a:r>
-          </a:p>
-        </p:txBody>
-      </p:sp>
-      <p:sp>
-        <p:nvSpPr>
-          <p:cNvPr id="5" name="内容占位符 2">
-            <a:extLst>
-              <a:ext uri="{FF2B5EF4-FFF2-40B4-BE49-F238E27FC236}">
-                <a16:creationId xmlns:a16="http://schemas.microsoft.com/office/drawing/2014/main" id="{4333B513-5382-47C3-B2EA-6D201631ACE2}"/>
-              </a:ext>
-            </a:extLst>
-          </p:cNvPr>
-          <p:cNvSpPr txBox="1">
-            <a:spLocks/>
-          </p:cNvSpPr>
-          <p:nvPr/>
-        </p:nvSpPr>
-        <p:spPr>
-          <a:xfrm>
-            <a:off x="923366" y="4421046"/>
-            <a:ext cx="10264588" cy="1352225"/>
-          </a:xfrm>
-          <a:prstGeom prst="rect">
-            <a:avLst/>
-          </a:prstGeom>
-        </p:spPr>
-        <p:txBody>
-          <a:bodyPr vert="horz" lIns="91440" tIns="45720" rIns="91440" bIns="45720" rtlCol="0" anchor="t">
-            <a:normAutofit/>
-          </a:bodyPr>
-          <a:lstStyle>
-            <a:lvl1pPr marL="285750" indent="-285750" algn="l" defTabSz="457200" rtl="0" eaLnBrk="1" latinLnBrk="0" hangingPunct="1">
-              <a:spcBef>
-                <a:spcPts val="0"/>
-              </a:spcBef>
-              <a:spcAft>
-                <a:spcPts val="1000"/>
-              </a:spcAft>
-              <a:buClr>
-                <a:schemeClr val="tx1"/>
-              </a:buClr>
-              <a:buSzPct val="100000"/>
-              <a:buFont typeface="Arial"/>
-              <a:buChar char="•"/>
-              <a:defRPr sz="1800" kern="1200" cap="none">
-                <a:solidFill>
-                  <a:schemeClr val="tx1"/>
-                </a:solidFill>
-                <a:effectLst/>
-                <a:latin typeface="+mn-lt"/>
-                <a:ea typeface="+mn-ea"/>
-                <a:cs typeface="+mn-cs"/>
-              </a:defRPr>
-            </a:lvl1pPr>
-            <a:lvl2pPr marL="742950" indent="-285750" algn="l" defTabSz="457200" rtl="0" eaLnBrk="1" latinLnBrk="0" hangingPunct="1">
-              <a:spcBef>
-                <a:spcPts val="0"/>
-              </a:spcBef>
-              <a:spcAft>
-                <a:spcPts val="1000"/>
-              </a:spcAft>
-              <a:buClr>
-                <a:schemeClr val="tx1"/>
-              </a:buClr>
-              <a:buSzPct val="100000"/>
-              <a:buFont typeface="Arial"/>
-              <a:buChar char="•"/>
-              <a:defRPr sz="1600" kern="1200" cap="none">
-                <a:solidFill>
-                  <a:schemeClr val="tx1"/>
-                </a:solidFill>
-                <a:effectLst/>
-                <a:latin typeface="+mn-lt"/>
-                <a:ea typeface="+mn-ea"/>
-                <a:cs typeface="+mn-cs"/>
-              </a:defRPr>
-            </a:lvl2pPr>
-            <a:lvl3pPr marL="1200150" indent="-285750" algn="l" defTabSz="457200" rtl="0" eaLnBrk="1" latinLnBrk="0" hangingPunct="1">
-              <a:spcBef>
-                <a:spcPts val="0"/>
-              </a:spcBef>
-              <a:spcAft>
-                <a:spcPts val="1000"/>
-              </a:spcAft>
-              <a:buClr>
-                <a:schemeClr val="tx1"/>
-              </a:buClr>
-              <a:buSzPct val="100000"/>
-              <a:buFont typeface="Arial"/>
-              <a:buChar char="•"/>
-              <a:defRPr sz="1400" kern="1200" cap="none">
-                <a:solidFill>
-                  <a:schemeClr val="tx1"/>
-                </a:solidFill>
-                <a:effectLst/>
-                <a:latin typeface="+mn-lt"/>
-                <a:ea typeface="+mn-ea"/>
-                <a:cs typeface="+mn-cs"/>
-              </a:defRPr>
-            </a:lvl3pPr>
-            <a:lvl4pPr marL="1543050" indent="-171450" algn="l" defTabSz="457200" rtl="0" eaLnBrk="1" latinLnBrk="0" hangingPunct="1">
-              <a:spcBef>
-                <a:spcPts val="0"/>
-              </a:spcBef>
-              <a:spcAft>
-                <a:spcPts val="1000"/>
-              </a:spcAft>
-              <a:buClr>
-                <a:schemeClr val="tx1"/>
-              </a:buClr>
-              <a:buSzPct val="100000"/>
-              <a:buFont typeface="Arial"/>
-              <a:buChar char="•"/>
-              <a:defRPr sz="1200" kern="1200" cap="none">
-                <a:solidFill>
-                  <a:schemeClr val="tx1"/>
-                </a:solidFill>
-                <a:effectLst/>
-                <a:latin typeface="+mn-lt"/>
-                <a:ea typeface="+mn-ea"/>
-                <a:cs typeface="+mn-cs"/>
-              </a:defRPr>
-            </a:lvl4pPr>
-            <a:lvl5pPr marL="2000250" indent="-171450" algn="l" defTabSz="457200" rtl="0" eaLnBrk="1" latinLnBrk="0" hangingPunct="1">
-              <a:spcBef>
-                <a:spcPts val="0"/>
-              </a:spcBef>
-              <a:spcAft>
-                <a:spcPts val="1000"/>
-              </a:spcAft>
-              <a:buClr>
-                <a:schemeClr val="tx1"/>
-              </a:buClr>
-              <a:buSzPct val="100000"/>
-              <a:buFont typeface="Arial"/>
-              <a:buChar char="•"/>
-              <a:defRPr sz="1200" kern="1200" cap="none">
-                <a:solidFill>
-                  <a:schemeClr val="tx1"/>
-                </a:solidFill>
-                <a:effectLst/>
-                <a:latin typeface="+mn-lt"/>
-                <a:ea typeface="+mn-ea"/>
-                <a:cs typeface="+mn-cs"/>
-              </a:defRPr>
-            </a:lvl5pPr>
-            <a:lvl6pPr marL="2514600" indent="-228600" algn="l" defTabSz="457200" rtl="0" eaLnBrk="1" latinLnBrk="0" hangingPunct="1">
-              <a:spcBef>
-                <a:spcPts val="0"/>
-              </a:spcBef>
-              <a:spcAft>
-                <a:spcPts val="1000"/>
-              </a:spcAft>
-              <a:buClr>
-                <a:schemeClr val="tx1"/>
-              </a:buClr>
-              <a:buSzPct val="100000"/>
-              <a:buFont typeface="Arial"/>
-              <a:buChar char="•"/>
-              <a:defRPr sz="1200" kern="1200" cap="none">
-                <a:solidFill>
-                  <a:schemeClr val="tx1"/>
-                </a:solidFill>
-                <a:effectLst/>
-                <a:latin typeface="+mn-lt"/>
-                <a:ea typeface="+mn-ea"/>
-                <a:cs typeface="+mn-cs"/>
-              </a:defRPr>
-            </a:lvl6pPr>
-            <a:lvl7pPr marL="2971800" indent="-228600" algn="l" defTabSz="457200" rtl="0" eaLnBrk="1" latinLnBrk="0" hangingPunct="1">
-              <a:spcBef>
-                <a:spcPts val="0"/>
-              </a:spcBef>
-              <a:spcAft>
-                <a:spcPts val="1000"/>
-              </a:spcAft>
-              <a:buClr>
-                <a:schemeClr val="tx1"/>
-              </a:buClr>
-              <a:buSzPct val="100000"/>
-              <a:buFont typeface="Arial"/>
-              <a:buChar char="•"/>
-              <a:defRPr sz="1200" kern="1200" cap="none">
-                <a:solidFill>
-                  <a:schemeClr val="tx1"/>
-                </a:solidFill>
-                <a:effectLst/>
-                <a:latin typeface="+mn-lt"/>
-                <a:ea typeface="+mn-ea"/>
-                <a:cs typeface="+mn-cs"/>
-              </a:defRPr>
-            </a:lvl7pPr>
-            <a:lvl8pPr marL="3429000" indent="-228600" algn="l" defTabSz="457200" rtl="0" eaLnBrk="1" latinLnBrk="0" hangingPunct="1">
-              <a:spcBef>
-                <a:spcPts val="0"/>
-              </a:spcBef>
-              <a:spcAft>
-                <a:spcPts val="1000"/>
-              </a:spcAft>
-              <a:buClr>
-                <a:schemeClr val="tx1"/>
-              </a:buClr>
-              <a:buSzPct val="100000"/>
-              <a:buFont typeface="Arial"/>
-              <a:buChar char="•"/>
-              <a:defRPr sz="1200" kern="1200" cap="none">
-                <a:solidFill>
-                  <a:schemeClr val="tx1"/>
-                </a:solidFill>
-                <a:effectLst/>
-                <a:latin typeface="+mn-lt"/>
-                <a:ea typeface="+mn-ea"/>
-                <a:cs typeface="+mn-cs"/>
-              </a:defRPr>
-            </a:lvl8pPr>
-            <a:lvl9pPr marL="3886200" indent="-228600" algn="l" defTabSz="457200" rtl="0" eaLnBrk="1" latinLnBrk="0" hangingPunct="1">
-              <a:spcBef>
-                <a:spcPts val="0"/>
-              </a:spcBef>
-              <a:spcAft>
-                <a:spcPts val="1000"/>
-              </a:spcAft>
-              <a:buClr>
-                <a:schemeClr val="tx1"/>
-              </a:buClr>
-              <a:buSzPct val="100000"/>
-              <a:buFont typeface="Arial"/>
-              <a:buChar char="•"/>
-              <a:defRPr sz="1200" kern="1200" cap="none">
-                <a:solidFill>
-                  <a:schemeClr val="tx1"/>
-                </a:solidFill>
-                <a:effectLst/>
-                <a:latin typeface="+mn-lt"/>
-                <a:ea typeface="+mn-ea"/>
-                <a:cs typeface="+mn-cs"/>
-              </a:defRPr>
-            </a:lvl9pPr>
-          </a:lstStyle>
-          <a:p>
-            <a:r>
-              <a:rPr lang="en-MY" dirty="0"/>
-              <a:t>Update a </a:t>
-            </a:r>
-            <a:r>
-              <a:rPr lang="en-MY" dirty="0" err="1"/>
-              <a:t>dict</a:t>
-            </a:r>
-            <a:r>
-              <a:rPr lang="en-MY" dirty="0"/>
-              <a:t>, remove some of the keys:</a:t>
-            </a:r>
-          </a:p>
-          <a:p>
-            <a:pPr lvl="1"/>
-            <a:r>
-              <a:rPr lang="en-MY" dirty="0"/>
-              <a:t>Example: keys = [‘Alice’, ‘Emma’], dict1 = {‘Alice’:14, ‘Tom’: 12, ‘Jerry’: 10, ‘Emma’: 16}</a:t>
-            </a:r>
-          </a:p>
-          <a:p>
-            <a:pPr lvl="1"/>
-            <a:r>
-              <a:rPr lang="en-MY" dirty="0"/>
-              <a:t>Produce a </a:t>
-            </a:r>
-            <a:r>
-              <a:rPr lang="en-MY" dirty="0" err="1"/>
-              <a:t>dict</a:t>
-            </a:r>
-            <a:r>
-              <a:rPr lang="en-MY" dirty="0"/>
-              <a:t>: {‘Tom’: 12, ‘Jerry’: 10}</a:t>
-            </a:r>
-          </a:p>
-        </p:txBody>
-      </p:sp>
-    </p:spTree>
-    <p:extLst>
-      <p:ext uri="{BB962C8B-B14F-4D97-AF65-F5344CB8AC3E}">
-        <p14:creationId xmlns:p14="http://schemas.microsoft.com/office/powerpoint/2010/main" val="2918360428"/>
-      </p:ext>
-    </p:extLst>
-  </p:cSld>
-  <p:clrMapOvr>
-    <a:masterClrMapping/>
-  </p:clrMapOvr>
-</p:sld>
-</file>
-
-<file path=ppt/slides/slide17.xml><?xml version="1.0" encoding="utf-8"?>
-<p:sld xmlns:a="http://schemas.openxmlformats.org/drawingml/2006/main" xmlns:r="http://schemas.openxmlformats.org/officeDocument/2006/relationships" xmlns:p="http://schemas.openxmlformats.org/presentationml/2006/main">
-  <p:cSld>
-    <p:spTree>
-      <p:nvGrpSpPr>
-        <p:cNvPr id="1" name=""/>
-        <p:cNvGrpSpPr/>
-        <p:nvPr/>
-      </p:nvGrpSpPr>
-      <p:grpSpPr>
-        <a:xfrm>
-          <a:off x="0" y="0"/>
-          <a:ext cx="0" cy="0"/>
-          <a:chOff x="0" y="0"/>
-          <a:chExt cx="0" cy="0"/>
-        </a:xfrm>
-      </p:grpSpPr>
-      <p:sp>
-        <p:nvSpPr>
-          <p:cNvPr id="2" name="标题 1">
-            <a:extLst>
-              <a:ext uri="{FF2B5EF4-FFF2-40B4-BE49-F238E27FC236}">
-                <a16:creationId xmlns:a16="http://schemas.microsoft.com/office/drawing/2014/main" id="{5EC01E2D-9CFE-4D5D-8863-3BA90731F07B}"/>
-              </a:ext>
-            </a:extLst>
-          </p:cNvPr>
-          <p:cNvSpPr>
-            <a:spLocks noGrp="1"/>
-          </p:cNvSpPr>
-          <p:nvPr>
-            <p:ph type="title"/>
-          </p:nvPr>
-        </p:nvSpPr>
-        <p:spPr>
-          <a:xfrm>
-            <a:off x="923365" y="643463"/>
-            <a:ext cx="10649203" cy="1608124"/>
-          </a:xfrm>
-        </p:spPr>
-        <p:txBody>
-          <a:bodyPr>
-            <a:normAutofit/>
-          </a:bodyPr>
-          <a:lstStyle/>
-          <a:p>
-            <a:r>
-              <a:rPr lang="en-US" dirty="0" err="1"/>
-              <a:t>dict</a:t>
-            </a:r>
-            <a:r>
-              <a:rPr lang="en-US" dirty="0"/>
-              <a:t> Programming practice</a:t>
-            </a:r>
-            <a:endParaRPr lang="en-MY" dirty="0"/>
-          </a:p>
-        </p:txBody>
-      </p:sp>
-      <p:sp>
-        <p:nvSpPr>
-          <p:cNvPr id="3" name="内容占位符 2">
-            <a:extLst>
-              <a:ext uri="{FF2B5EF4-FFF2-40B4-BE49-F238E27FC236}">
-                <a16:creationId xmlns:a16="http://schemas.microsoft.com/office/drawing/2014/main" id="{7060439F-2729-478E-B95F-230482B50AA1}"/>
-              </a:ext>
-            </a:extLst>
-          </p:cNvPr>
-          <p:cNvSpPr>
-            <a:spLocks noGrp="1"/>
-          </p:cNvSpPr>
-          <p:nvPr>
-            <p:ph idx="1"/>
-          </p:nvPr>
-        </p:nvSpPr>
-        <p:spPr>
-          <a:xfrm>
-            <a:off x="923366" y="2251587"/>
-            <a:ext cx="10264588" cy="1352225"/>
-          </a:xfrm>
-        </p:spPr>
-        <p:txBody>
-          <a:bodyPr anchor="t">
-            <a:normAutofit fontScale="92500" lnSpcReduction="10000"/>
-          </a:bodyPr>
-          <a:lstStyle/>
-          <a:p>
-            <a:r>
-              <a:rPr lang="en-MY" dirty="0"/>
-              <a:t>Compare a </a:t>
-            </a:r>
-            <a:r>
-              <a:rPr lang="en-MY" dirty="0" err="1"/>
-              <a:t>dict</a:t>
-            </a:r>
-            <a:r>
-              <a:rPr lang="en-MY" dirty="0"/>
-              <a:t> items and find smallest one</a:t>
-            </a:r>
-          </a:p>
-          <a:p>
-            <a:pPr lvl="1"/>
-            <a:r>
-              <a:rPr lang="en-MY" dirty="0"/>
-              <a:t>By default </a:t>
-            </a:r>
-            <a:r>
-              <a:rPr lang="en-MY" dirty="0" err="1"/>
-              <a:t>dict</a:t>
-            </a:r>
-            <a:r>
-              <a:rPr lang="en-MY" dirty="0"/>
-              <a:t> will compare items using key</a:t>
-            </a:r>
-          </a:p>
-          <a:p>
-            <a:pPr lvl="1"/>
-            <a:r>
-              <a:rPr lang="en-MY" dirty="0"/>
-              <a:t>a </a:t>
-            </a:r>
-            <a:r>
-              <a:rPr lang="en-MY" dirty="0" err="1"/>
-              <a:t>dict</a:t>
-            </a:r>
-            <a:r>
-              <a:rPr lang="en-MY" dirty="0"/>
-              <a:t>: {‘Alice’:14, ‘Tom’: 12, ‘Jerry’: 10, ‘Emma’: 16}</a:t>
-            </a:r>
-          </a:p>
-          <a:p>
-            <a:pPr lvl="1"/>
-            <a:r>
-              <a:rPr lang="en-MY" dirty="0"/>
-              <a:t>Find the smallest (min()) will give: ‘Alice’</a:t>
-            </a:r>
-          </a:p>
-        </p:txBody>
-      </p:sp>
-      <p:sp>
-        <p:nvSpPr>
-          <p:cNvPr id="5" name="内容占位符 2">
-            <a:extLst>
-              <a:ext uri="{FF2B5EF4-FFF2-40B4-BE49-F238E27FC236}">
-                <a16:creationId xmlns:a16="http://schemas.microsoft.com/office/drawing/2014/main" id="{4333B513-5382-47C3-B2EA-6D201631ACE2}"/>
-              </a:ext>
-            </a:extLst>
-          </p:cNvPr>
-          <p:cNvSpPr txBox="1">
-            <a:spLocks/>
-          </p:cNvSpPr>
-          <p:nvPr/>
-        </p:nvSpPr>
-        <p:spPr>
-          <a:xfrm>
-            <a:off x="923366" y="4421046"/>
-            <a:ext cx="10264588" cy="975707"/>
-          </a:xfrm>
-          <a:prstGeom prst="rect">
-            <a:avLst/>
-          </a:prstGeom>
-        </p:spPr>
-        <p:txBody>
-          <a:bodyPr vert="horz" lIns="91440" tIns="45720" rIns="91440" bIns="45720" rtlCol="0" anchor="t">
-            <a:normAutofit fontScale="92500" lnSpcReduction="20000"/>
-          </a:bodyPr>
-          <a:lstStyle>
-            <a:lvl1pPr marL="285750" indent="-285750" algn="l" defTabSz="457200" rtl="0" eaLnBrk="1" latinLnBrk="0" hangingPunct="1">
-              <a:spcBef>
-                <a:spcPts val="0"/>
-              </a:spcBef>
-              <a:spcAft>
-                <a:spcPts val="1000"/>
-              </a:spcAft>
-              <a:buClr>
-                <a:schemeClr val="tx1"/>
-              </a:buClr>
-              <a:buSzPct val="100000"/>
-              <a:buFont typeface="Arial"/>
-              <a:buChar char="•"/>
-              <a:defRPr sz="1800" kern="1200" cap="none">
-                <a:solidFill>
-                  <a:schemeClr val="tx1"/>
-                </a:solidFill>
-                <a:effectLst/>
-                <a:latin typeface="+mn-lt"/>
-                <a:ea typeface="+mn-ea"/>
-                <a:cs typeface="+mn-cs"/>
-              </a:defRPr>
-            </a:lvl1pPr>
-            <a:lvl2pPr marL="742950" indent="-285750" algn="l" defTabSz="457200" rtl="0" eaLnBrk="1" latinLnBrk="0" hangingPunct="1">
-              <a:spcBef>
-                <a:spcPts val="0"/>
-              </a:spcBef>
-              <a:spcAft>
-                <a:spcPts val="1000"/>
-              </a:spcAft>
-              <a:buClr>
-                <a:schemeClr val="tx1"/>
-              </a:buClr>
-              <a:buSzPct val="100000"/>
-              <a:buFont typeface="Arial"/>
-              <a:buChar char="•"/>
-              <a:defRPr sz="1600" kern="1200" cap="none">
-                <a:solidFill>
-                  <a:schemeClr val="tx1"/>
-                </a:solidFill>
-                <a:effectLst/>
-                <a:latin typeface="+mn-lt"/>
-                <a:ea typeface="+mn-ea"/>
-                <a:cs typeface="+mn-cs"/>
-              </a:defRPr>
-            </a:lvl2pPr>
-            <a:lvl3pPr marL="1200150" indent="-285750" algn="l" defTabSz="457200" rtl="0" eaLnBrk="1" latinLnBrk="0" hangingPunct="1">
-              <a:spcBef>
-                <a:spcPts val="0"/>
-              </a:spcBef>
-              <a:spcAft>
-                <a:spcPts val="1000"/>
-              </a:spcAft>
-              <a:buClr>
-                <a:schemeClr val="tx1"/>
-              </a:buClr>
-              <a:buSzPct val="100000"/>
-              <a:buFont typeface="Arial"/>
-              <a:buChar char="•"/>
-              <a:defRPr sz="1400" kern="1200" cap="none">
-                <a:solidFill>
-                  <a:schemeClr val="tx1"/>
-                </a:solidFill>
-                <a:effectLst/>
-                <a:latin typeface="+mn-lt"/>
-                <a:ea typeface="+mn-ea"/>
-                <a:cs typeface="+mn-cs"/>
-              </a:defRPr>
-            </a:lvl3pPr>
-            <a:lvl4pPr marL="1543050" indent="-171450" algn="l" defTabSz="457200" rtl="0" eaLnBrk="1" latinLnBrk="0" hangingPunct="1">
-              <a:spcBef>
-                <a:spcPts val="0"/>
-              </a:spcBef>
-              <a:spcAft>
-                <a:spcPts val="1000"/>
-              </a:spcAft>
-              <a:buClr>
-                <a:schemeClr val="tx1"/>
-              </a:buClr>
-              <a:buSzPct val="100000"/>
-              <a:buFont typeface="Arial"/>
-              <a:buChar char="•"/>
-              <a:defRPr sz="1200" kern="1200" cap="none">
-                <a:solidFill>
-                  <a:schemeClr val="tx1"/>
-                </a:solidFill>
-                <a:effectLst/>
-                <a:latin typeface="+mn-lt"/>
-                <a:ea typeface="+mn-ea"/>
-                <a:cs typeface="+mn-cs"/>
-              </a:defRPr>
-            </a:lvl4pPr>
-            <a:lvl5pPr marL="2000250" indent="-171450" algn="l" defTabSz="457200" rtl="0" eaLnBrk="1" latinLnBrk="0" hangingPunct="1">
-              <a:spcBef>
-                <a:spcPts val="0"/>
-              </a:spcBef>
-              <a:spcAft>
-                <a:spcPts val="1000"/>
-              </a:spcAft>
-              <a:buClr>
-                <a:schemeClr val="tx1"/>
-              </a:buClr>
-              <a:buSzPct val="100000"/>
-              <a:buFont typeface="Arial"/>
-              <a:buChar char="•"/>
-              <a:defRPr sz="1200" kern="1200" cap="none">
-                <a:solidFill>
-                  <a:schemeClr val="tx1"/>
-                </a:solidFill>
-                <a:effectLst/>
-                <a:latin typeface="+mn-lt"/>
-                <a:ea typeface="+mn-ea"/>
-                <a:cs typeface="+mn-cs"/>
-              </a:defRPr>
-            </a:lvl5pPr>
-            <a:lvl6pPr marL="2514600" indent="-228600" algn="l" defTabSz="457200" rtl="0" eaLnBrk="1" latinLnBrk="0" hangingPunct="1">
-              <a:spcBef>
-                <a:spcPts val="0"/>
-              </a:spcBef>
-              <a:spcAft>
-                <a:spcPts val="1000"/>
-              </a:spcAft>
-              <a:buClr>
-                <a:schemeClr val="tx1"/>
-              </a:buClr>
-              <a:buSzPct val="100000"/>
-              <a:buFont typeface="Arial"/>
-              <a:buChar char="•"/>
-              <a:defRPr sz="1200" kern="1200" cap="none">
-                <a:solidFill>
-                  <a:schemeClr val="tx1"/>
-                </a:solidFill>
-                <a:effectLst/>
-                <a:latin typeface="+mn-lt"/>
-                <a:ea typeface="+mn-ea"/>
-                <a:cs typeface="+mn-cs"/>
-              </a:defRPr>
-            </a:lvl6pPr>
-            <a:lvl7pPr marL="2971800" indent="-228600" algn="l" defTabSz="457200" rtl="0" eaLnBrk="1" latinLnBrk="0" hangingPunct="1">
-              <a:spcBef>
-                <a:spcPts val="0"/>
-              </a:spcBef>
-              <a:spcAft>
-                <a:spcPts val="1000"/>
-              </a:spcAft>
-              <a:buClr>
-                <a:schemeClr val="tx1"/>
-              </a:buClr>
-              <a:buSzPct val="100000"/>
-              <a:buFont typeface="Arial"/>
-              <a:buChar char="•"/>
-              <a:defRPr sz="1200" kern="1200" cap="none">
-                <a:solidFill>
-                  <a:schemeClr val="tx1"/>
-                </a:solidFill>
-                <a:effectLst/>
-                <a:latin typeface="+mn-lt"/>
-                <a:ea typeface="+mn-ea"/>
-                <a:cs typeface="+mn-cs"/>
-              </a:defRPr>
-            </a:lvl7pPr>
-            <a:lvl8pPr marL="3429000" indent="-228600" algn="l" defTabSz="457200" rtl="0" eaLnBrk="1" latinLnBrk="0" hangingPunct="1">
-              <a:spcBef>
-                <a:spcPts val="0"/>
-              </a:spcBef>
-              <a:spcAft>
-                <a:spcPts val="1000"/>
-              </a:spcAft>
-              <a:buClr>
-                <a:schemeClr val="tx1"/>
-              </a:buClr>
-              <a:buSzPct val="100000"/>
-              <a:buFont typeface="Arial"/>
-              <a:buChar char="•"/>
-              <a:defRPr sz="1200" kern="1200" cap="none">
-                <a:solidFill>
-                  <a:schemeClr val="tx1"/>
-                </a:solidFill>
-                <a:effectLst/>
-                <a:latin typeface="+mn-lt"/>
-                <a:ea typeface="+mn-ea"/>
-                <a:cs typeface="+mn-cs"/>
-              </a:defRPr>
-            </a:lvl8pPr>
-            <a:lvl9pPr marL="3886200" indent="-228600" algn="l" defTabSz="457200" rtl="0" eaLnBrk="1" latinLnBrk="0" hangingPunct="1">
-              <a:spcBef>
-                <a:spcPts val="0"/>
-              </a:spcBef>
-              <a:spcAft>
-                <a:spcPts val="1000"/>
-              </a:spcAft>
-              <a:buClr>
-                <a:schemeClr val="tx1"/>
-              </a:buClr>
-              <a:buSzPct val="100000"/>
-              <a:buFont typeface="Arial"/>
-              <a:buChar char="•"/>
-              <a:defRPr sz="1200" kern="1200" cap="none">
-                <a:solidFill>
-                  <a:schemeClr val="tx1"/>
-                </a:solidFill>
-                <a:effectLst/>
-                <a:latin typeface="+mn-lt"/>
-                <a:ea typeface="+mn-ea"/>
-                <a:cs typeface="+mn-cs"/>
-              </a:defRPr>
-            </a:lvl9pPr>
-          </a:lstStyle>
-          <a:p>
-            <a:r>
-              <a:rPr lang="en-MY" dirty="0"/>
-              <a:t>Change </a:t>
-            </a:r>
-            <a:r>
-              <a:rPr lang="en-MY" dirty="0" err="1"/>
-              <a:t>dict</a:t>
-            </a:r>
-            <a:r>
-              <a:rPr lang="en-MY" dirty="0"/>
-              <a:t> compare using value:</a:t>
-            </a:r>
-          </a:p>
-          <a:p>
-            <a:pPr lvl="1"/>
-            <a:r>
-              <a:rPr lang="en-MY" dirty="0"/>
-              <a:t>Give min() function one additional parameter: key=</a:t>
-            </a:r>
-            <a:r>
-              <a:rPr lang="en-MY" dirty="0" err="1"/>
-              <a:t>compare_func</a:t>
-            </a:r>
-            <a:endParaRPr lang="en-MY" dirty="0"/>
-          </a:p>
-          <a:p>
-            <a:pPr lvl="1"/>
-            <a:r>
-              <a:rPr lang="en-MY" dirty="0"/>
-              <a:t>Find the </a:t>
-            </a:r>
-            <a:r>
-              <a:rPr lang="en-MY" dirty="0" err="1"/>
-              <a:t>smalles</a:t>
-            </a:r>
-            <a:r>
-              <a:rPr lang="en-MY" dirty="0"/>
-              <a:t> will give: ‘Jerry’</a:t>
-            </a:r>
-          </a:p>
-        </p:txBody>
-      </p:sp>
-    </p:spTree>
-    <p:extLst>
-      <p:ext uri="{BB962C8B-B14F-4D97-AF65-F5344CB8AC3E}">
-        <p14:creationId xmlns:p14="http://schemas.microsoft.com/office/powerpoint/2010/main" val="2873050645"/>
-      </p:ext>
-    </p:extLst>
-  </p:cSld>
-  <p:clrMapOvr>
-    <a:masterClrMapping/>
-  </p:clrMapOvr>
-</p:sld>
-</file>
-
-<file path=ppt/slides/slide18.xml><?xml version="1.0" encoding="utf-8"?>
-<p:sld xmlns:a="http://schemas.openxmlformats.org/drawingml/2006/main" xmlns:r="http://schemas.openxmlformats.org/officeDocument/2006/relationships" xmlns:p="http://schemas.openxmlformats.org/presentationml/2006/main">
-  <p:cSld>
-    <p:spTree>
-      <p:nvGrpSpPr>
-        <p:cNvPr id="1" name=""/>
-        <p:cNvGrpSpPr/>
-        <p:nvPr/>
-      </p:nvGrpSpPr>
-      <p:grpSpPr>
-        <a:xfrm>
-          <a:off x="0" y="0"/>
-          <a:ext cx="0" cy="0"/>
-          <a:chOff x="0" y="0"/>
-          <a:chExt cx="0" cy="0"/>
-        </a:xfrm>
-      </p:grpSpPr>
-      <p:sp>
-        <p:nvSpPr>
-          <p:cNvPr id="3" name="Content Placeholder 2">
-            <a:extLst>
-              <a:ext uri="{FF2B5EF4-FFF2-40B4-BE49-F238E27FC236}">
-                <a16:creationId xmlns:a16="http://schemas.microsoft.com/office/drawing/2014/main" id="{D1C4B389-9A63-4E84-BD3C-1CF933053056}"/>
-              </a:ext>
-            </a:extLst>
-          </p:cNvPr>
-          <p:cNvSpPr>
-            <a:spLocks noGrp="1"/>
-          </p:cNvSpPr>
-          <p:nvPr>
-            <p:ph idx="1"/>
-          </p:nvPr>
-        </p:nvSpPr>
-        <p:spPr>
-          <a:xfrm>
-            <a:off x="685801" y="1308348"/>
-            <a:ext cx="10131425" cy="3649133"/>
-          </a:xfrm>
-        </p:spPr>
-        <p:txBody>
-          <a:bodyPr anchor="t"/>
-          <a:lstStyle/>
-          <a:p>
-            <a:r>
-              <a:rPr lang="en-US" dirty="0"/>
-              <a:t>Make a program, which accept a long sentence from user.</a:t>
-            </a:r>
-          </a:p>
-          <a:p>
-            <a:r>
-              <a:rPr lang="en-US" dirty="0"/>
-              <a:t>Then program output the same information got from use.</a:t>
-            </a:r>
-          </a:p>
-          <a:p>
-            <a:endParaRPr lang="en-US" dirty="0"/>
-          </a:p>
-          <a:p>
-            <a:r>
-              <a:rPr lang="en-US" dirty="0"/>
-              <a:t>Then program output how many different characters inside this sentence.</a:t>
-            </a:r>
-          </a:p>
-          <a:p>
-            <a:endParaRPr lang="en-US" dirty="0"/>
-          </a:p>
-          <a:p>
-            <a:r>
-              <a:rPr lang="en-US" dirty="0"/>
-              <a:t>Then the program output the sentence but remove all whitespace (space ‘ ’, tabs ‘\t’)</a:t>
-            </a:r>
-            <a:endParaRPr lang="en-MY" dirty="0"/>
-          </a:p>
-        </p:txBody>
-      </p:sp>
-    </p:spTree>
-    <p:extLst>
-      <p:ext uri="{BB962C8B-B14F-4D97-AF65-F5344CB8AC3E}">
-        <p14:creationId xmlns:p14="http://schemas.microsoft.com/office/powerpoint/2010/main" val="2598763665"/>
-      </p:ext>
-    </p:extLst>
-  </p:cSld>
-  <p:clrMapOvr>
-    <a:masterClrMapping/>
-  </p:clrMapOvr>
-</p:sld>
-</file>
-
-<file path=ppt/slides/slide19.xml><?xml version="1.0" encoding="utf-8"?>
-<p:sld xmlns:a="http://schemas.openxmlformats.org/drawingml/2006/main" xmlns:r="http://schemas.openxmlformats.org/officeDocument/2006/relationships" xmlns:p="http://schemas.openxmlformats.org/presentationml/2006/main">
-  <p:cSld>
-    <p:spTree>
-      <p:nvGrpSpPr>
-        <p:cNvPr id="1" name=""/>
-        <p:cNvGrpSpPr/>
-        <p:nvPr/>
-      </p:nvGrpSpPr>
-      <p:grpSpPr>
-        <a:xfrm>
-          <a:off x="0" y="0"/>
-          <a:ext cx="0" cy="0"/>
-          <a:chOff x="0" y="0"/>
-          <a:chExt cx="0" cy="0"/>
-        </a:xfrm>
-      </p:grpSpPr>
-      <p:sp>
-        <p:nvSpPr>
-          <p:cNvPr id="2" name="标题 1">
-            <a:extLst>
-              <a:ext uri="{FF2B5EF4-FFF2-40B4-BE49-F238E27FC236}">
-                <a16:creationId xmlns:a16="http://schemas.microsoft.com/office/drawing/2014/main" id="{5EC01E2D-9CFE-4D5D-8863-3BA90731F07B}"/>
-              </a:ext>
-            </a:extLst>
-          </p:cNvPr>
-          <p:cNvSpPr>
-            <a:spLocks noGrp="1"/>
-          </p:cNvSpPr>
-          <p:nvPr>
-            <p:ph type="title"/>
-          </p:nvPr>
-        </p:nvSpPr>
-        <p:spPr>
-          <a:xfrm>
-            <a:off x="7865806" y="643463"/>
-            <a:ext cx="3706762" cy="1608124"/>
-          </a:xfrm>
-        </p:spPr>
-        <p:txBody>
-          <a:bodyPr>
-            <a:normAutofit/>
-          </a:bodyPr>
-          <a:lstStyle/>
-          <a:p>
-            <a:r>
-              <a:rPr lang="en-US" dirty="0"/>
-              <a:t>Country-capital game</a:t>
-            </a:r>
-            <a:endParaRPr lang="en-MY" dirty="0"/>
-          </a:p>
-        </p:txBody>
-      </p:sp>
-      <p:pic>
-        <p:nvPicPr>
-          <p:cNvPr id="5" name="Picture 4">
-            <a:extLst>
-              <a:ext uri="{FF2B5EF4-FFF2-40B4-BE49-F238E27FC236}">
-                <a16:creationId xmlns:a16="http://schemas.microsoft.com/office/drawing/2014/main" id="{7809F2A7-E7CE-4FD2-87F1-08FD4EC418C2}"/>
-              </a:ext>
-            </a:extLst>
-          </p:cNvPr>
-          <p:cNvPicPr>
-            <a:picLocks noChangeAspect="1"/>
-          </p:cNvPicPr>
-          <p:nvPr/>
-        </p:nvPicPr>
-        <p:blipFill>
-          <a:blip r:embed="rId2"/>
-          <a:stretch>
-            <a:fillRect/>
-          </a:stretch>
-        </p:blipFill>
-        <p:spPr>
-          <a:xfrm>
-            <a:off x="643464" y="1898863"/>
-            <a:ext cx="6897878" cy="3069556"/>
-          </a:xfrm>
-          <a:prstGeom prst="roundRect">
-            <a:avLst>
-              <a:gd name="adj" fmla="val 4380"/>
-            </a:avLst>
-          </a:prstGeom>
-          <a:ln w="50800" cap="sq" cmpd="dbl">
-            <a:gradFill flip="none" rotWithShape="1">
-              <a:gsLst>
-                <a:gs pos="0">
-                  <a:srgbClr val="FFFFFF"/>
-                </a:gs>
-                <a:gs pos="100000">
-                  <a:schemeClr val="tx1">
-                    <a:alpha val="0"/>
-                  </a:schemeClr>
-                </a:gs>
-              </a:gsLst>
-              <a:path path="circle">
-                <a:fillToRect l="50000" t="50000" r="50000" b="50000"/>
-              </a:path>
-              <a:tileRect/>
-            </a:gradFill>
-            <a:miter lim="800000"/>
-          </a:ln>
-          <a:effectLst>
-            <a:outerShdw blurRad="254000" algn="tl" rotWithShape="0">
-              <a:srgbClr val="000000">
-                <a:alpha val="43000"/>
-              </a:srgbClr>
-            </a:outerShdw>
-          </a:effectLst>
-        </p:spPr>
-      </p:pic>
-      <p:sp>
-        <p:nvSpPr>
-          <p:cNvPr id="3" name="内容占位符 2">
-            <a:extLst>
-              <a:ext uri="{FF2B5EF4-FFF2-40B4-BE49-F238E27FC236}">
-                <a16:creationId xmlns:a16="http://schemas.microsoft.com/office/drawing/2014/main" id="{7060439F-2729-478E-B95F-230482B50AA1}"/>
-              </a:ext>
-            </a:extLst>
-          </p:cNvPr>
-          <p:cNvSpPr>
-            <a:spLocks noGrp="1"/>
-          </p:cNvSpPr>
-          <p:nvPr>
-            <p:ph idx="1"/>
-          </p:nvPr>
-        </p:nvSpPr>
-        <p:spPr>
-          <a:xfrm>
-            <a:off x="7865806" y="2251587"/>
-            <a:ext cx="3706762" cy="3972232"/>
-          </a:xfrm>
-        </p:spPr>
-        <p:txBody>
-          <a:bodyPr>
-            <a:normAutofit/>
-          </a:bodyPr>
-          <a:lstStyle/>
-          <a:p>
-            <a:r>
-              <a:rPr lang="en-MY" dirty="0"/>
-              <a:t>Computer has a list of many countries and their capital cities.</a:t>
-            </a:r>
-          </a:p>
-          <a:p>
-            <a:r>
-              <a:rPr lang="en-MY" dirty="0"/>
-              <a:t>The game challenge to the player is can remember what is the capital city of specified county. Computer will give the country name and ask player to answer.</a:t>
-            </a:r>
-          </a:p>
-          <a:p>
-            <a:r>
-              <a:rPr lang="en-MY" dirty="0"/>
-              <a:t>After many rounds, when player quit play, computer gives the result of how many correct, how many wrong.</a:t>
-            </a:r>
-          </a:p>
-        </p:txBody>
-      </p:sp>
-    </p:spTree>
-    <p:extLst>
-      <p:ext uri="{BB962C8B-B14F-4D97-AF65-F5344CB8AC3E}">
-        <p14:creationId xmlns:p14="http://schemas.microsoft.com/office/powerpoint/2010/main" val="2423402082"/>
-      </p:ext>
-    </p:extLst>
-  </p:cSld>
-  <p:clrMapOvr>
-    <a:masterClrMapping/>
-  </p:clrMapOvr>
-</p:sld>
-</file>
-
-<file path=ppt/slides/slide2.xml><?xml version="1.0" encoding="utf-8"?>
-<p:sld xmlns:a="http://schemas.openxmlformats.org/drawingml/2006/main" xmlns:r="http://schemas.openxmlformats.org/officeDocument/2006/relationships" xmlns:p="http://schemas.openxmlformats.org/presentationml/2006/main">
-  <p:cSld>
-    <p:spTree>
-      <p:nvGrpSpPr>
-        <p:cNvPr id="1" name=""/>
-        <p:cNvGrpSpPr/>
-        <p:nvPr/>
-      </p:nvGrpSpPr>
-      <p:grpSpPr>
-        <a:xfrm>
-          <a:off x="0" y="0"/>
-          <a:ext cx="0" cy="0"/>
-          <a:chOff x="0" y="0"/>
-          <a:chExt cx="0" cy="0"/>
-        </a:xfrm>
-      </p:grpSpPr>
-      <p:sp>
-        <p:nvSpPr>
-          <p:cNvPr id="2" name="标题 1">
-            <a:extLst>
-              <a:ext uri="{FF2B5EF4-FFF2-40B4-BE49-F238E27FC236}">
-                <a16:creationId xmlns:a16="http://schemas.microsoft.com/office/drawing/2014/main" id="{5EC01E2D-9CFE-4D5D-8863-3BA90731F07B}"/>
-              </a:ext>
-            </a:extLst>
-          </p:cNvPr>
-          <p:cNvSpPr>
-            <a:spLocks noGrp="1"/>
-          </p:cNvSpPr>
-          <p:nvPr>
-            <p:ph type="title"/>
-          </p:nvPr>
-        </p:nvSpPr>
-        <p:spPr/>
-        <p:txBody>
-          <a:bodyPr/>
-          <a:lstStyle/>
-          <a:p>
-            <a:r>
-              <a:rPr lang="en-US" dirty="0"/>
-              <a:t>Reverse of list</a:t>
-            </a:r>
-            <a:endParaRPr lang="en-MY" dirty="0"/>
-          </a:p>
-        </p:txBody>
-      </p:sp>
-      <p:sp>
-        <p:nvSpPr>
-          <p:cNvPr id="3" name="内容占位符 2">
-            <a:extLst>
-              <a:ext uri="{FF2B5EF4-FFF2-40B4-BE49-F238E27FC236}">
-                <a16:creationId xmlns:a16="http://schemas.microsoft.com/office/drawing/2014/main" id="{7060439F-2729-478E-B95F-230482B50AA1}"/>
-              </a:ext>
-            </a:extLst>
-          </p:cNvPr>
-          <p:cNvSpPr>
-            <a:spLocks noGrp="1"/>
-          </p:cNvSpPr>
-          <p:nvPr>
-            <p:ph idx="1"/>
-          </p:nvPr>
-        </p:nvSpPr>
-        <p:spPr>
-          <a:xfrm>
-            <a:off x="685800" y="2142066"/>
-            <a:ext cx="10251141" cy="3855321"/>
-          </a:xfrm>
-        </p:spPr>
-        <p:txBody>
-          <a:bodyPr anchor="t">
-            <a:normAutofit/>
-          </a:bodyPr>
-          <a:lstStyle/>
-          <a:p>
-            <a:r>
-              <a:rPr lang="en-MY" sz="2000" dirty="0"/>
-              <a:t>Make a function, call it </a:t>
-            </a:r>
-            <a:r>
-              <a:rPr lang="en-MY" sz="2000" dirty="0" err="1"/>
-              <a:t>reverseList</a:t>
-            </a:r>
-            <a:r>
-              <a:rPr lang="en-MY" sz="2000" dirty="0"/>
-              <a:t>(). Take an argument of list type, and return a new list with all item in reversed order. </a:t>
-            </a:r>
-            <a:r>
-              <a:rPr lang="en-MY" sz="2000" i="1" dirty="0"/>
-              <a:t>--- (don’t call the </a:t>
-            </a:r>
-            <a:r>
-              <a:rPr lang="en-MY" sz="2000" i="1" dirty="0" err="1"/>
-              <a:t>list.reverse</a:t>
-            </a:r>
-            <a:r>
-              <a:rPr lang="en-MY" sz="2000" i="1" dirty="0"/>
-              <a:t>() method. Build your own version)</a:t>
-            </a:r>
-          </a:p>
-          <a:p>
-            <a:endParaRPr lang="en-MY" sz="2000" i="1" dirty="0"/>
-          </a:p>
-          <a:p>
-            <a:endParaRPr lang="en-MY" sz="2000" i="1" dirty="0"/>
-          </a:p>
-          <a:p>
-            <a:r>
-              <a:rPr lang="en-MY" sz="2000" dirty="0"/>
-              <a:t>Make a function, call it </a:t>
-            </a:r>
-            <a:r>
-              <a:rPr lang="en-MY" sz="2000" dirty="0" err="1"/>
-              <a:t>reverseListInPlace</a:t>
-            </a:r>
-            <a:r>
-              <a:rPr lang="en-MY" sz="2000" dirty="0"/>
-              <a:t>(). Take an argument of list type, change the list items order in reverse and then return. (no need return value) </a:t>
-            </a:r>
-            <a:r>
-              <a:rPr lang="en-MY" sz="2000" i="1" dirty="0"/>
-              <a:t>--- (don’t call the </a:t>
-            </a:r>
-            <a:r>
-              <a:rPr lang="en-MY" sz="2000" i="1" dirty="0" err="1"/>
-              <a:t>list.reverse</a:t>
-            </a:r>
-            <a:r>
-              <a:rPr lang="en-MY" sz="2000" i="1" dirty="0"/>
-              <a:t>() method. Build your own version)</a:t>
-            </a:r>
-          </a:p>
-          <a:p>
-            <a:pPr lvl="1"/>
-            <a:endParaRPr lang="en-MY" sz="1800" dirty="0"/>
-          </a:p>
-          <a:p>
-            <a:pPr lvl="1"/>
-            <a:endParaRPr lang="en-MY" sz="1800" dirty="0"/>
-          </a:p>
-        </p:txBody>
-      </p:sp>
-      <mc:AlternateContent xmlns:mc="http://schemas.openxmlformats.org/markup-compatibility/2006" xmlns:p14="http://schemas.microsoft.com/office/powerpoint/2010/main">
-        <mc:Choice Requires="p14">
-          <p:contentPart p14:bwMode="auto" r:id="rId2">
-            <p14:nvContentPartPr>
-              <p14:cNvPr id="4" name="Ink 3">
-                <a:extLst>
-                  <a:ext uri="{FF2B5EF4-FFF2-40B4-BE49-F238E27FC236}">
-                    <a16:creationId xmlns:a16="http://schemas.microsoft.com/office/drawing/2014/main" id="{CCA4BA79-7207-46F9-81D1-051637F90D5A}"/>
-                  </a:ext>
-                </a:extLst>
-              </p14:cNvPr>
-              <p14:cNvContentPartPr/>
-              <p14:nvPr/>
-            </p14:nvContentPartPr>
-            <p14:xfrm>
-              <a:off x="1715245" y="1921987"/>
-              <a:ext cx="13680" cy="2520"/>
-            </p14:xfrm>
-          </p:contentPart>
-        </mc:Choice>
-        <mc:Fallback xmlns="">
-          <p:pic>
-            <p:nvPicPr>
-              <p:cNvPr id="4" name="Ink 3">
-                <a:extLst>
-                  <a:ext uri="{FF2B5EF4-FFF2-40B4-BE49-F238E27FC236}">
-                    <a16:creationId xmlns:a16="http://schemas.microsoft.com/office/drawing/2014/main" id="{CCA4BA79-7207-46F9-81D1-051637F90D5A}"/>
-                  </a:ext>
-                </a:extLst>
-              </p:cNvPr>
-              <p:cNvPicPr/>
-              <p:nvPr/>
-            </p:nvPicPr>
-            <p:blipFill>
-              <a:blip r:embed="rId3"/>
-              <a:stretch>
-                <a:fillRect/>
-              </a:stretch>
-            </p:blipFill>
-            <p:spPr>
-              <a:xfrm>
-                <a:off x="1706605" y="1913347"/>
-                <a:ext cx="31320" cy="20160"/>
-              </a:xfrm>
-              <a:prstGeom prst="rect">
-                <a:avLst/>
-              </a:prstGeom>
-            </p:spPr>
-          </p:pic>
-        </mc:Fallback>
-      </mc:AlternateContent>
-    </p:spTree>
-    <p:extLst>
-      <p:ext uri="{BB962C8B-B14F-4D97-AF65-F5344CB8AC3E}">
-        <p14:creationId xmlns:p14="http://schemas.microsoft.com/office/powerpoint/2010/main" val="646767933"/>
-      </p:ext>
-    </p:extLst>
-  </p:cSld>
-  <p:clrMapOvr>
-    <a:masterClrMapping/>
-  </p:clrMapOvr>
-</p:sld>
-</file>
-
-<file path=ppt/slides/slide20.xml><?xml version="1.0" encoding="utf-8"?>
-<p:sld xmlns:a="http://schemas.openxmlformats.org/drawingml/2006/main" xmlns:r="http://schemas.openxmlformats.org/officeDocument/2006/relationships" xmlns:p="http://schemas.openxmlformats.org/presentationml/2006/main">
-  <p:cSld>
-    <p:spTree>
-      <p:nvGrpSpPr>
-        <p:cNvPr id="1" name=""/>
-        <p:cNvGrpSpPr/>
-        <p:nvPr/>
-      </p:nvGrpSpPr>
-      <p:grpSpPr>
-        <a:xfrm>
-          <a:off x="0" y="0"/>
-          <a:ext cx="0" cy="0"/>
-          <a:chOff x="0" y="0"/>
-          <a:chExt cx="0" cy="0"/>
-        </a:xfrm>
-      </p:grpSpPr>
-      <p:sp>
-        <p:nvSpPr>
-          <p:cNvPr id="2" name="标题 1">
-            <a:extLst>
-              <a:ext uri="{FF2B5EF4-FFF2-40B4-BE49-F238E27FC236}">
-                <a16:creationId xmlns:a16="http://schemas.microsoft.com/office/drawing/2014/main" id="{5EC01E2D-9CFE-4D5D-8863-3BA90731F07B}"/>
-              </a:ext>
-            </a:extLst>
-          </p:cNvPr>
-          <p:cNvSpPr>
-            <a:spLocks noGrp="1"/>
-          </p:cNvSpPr>
-          <p:nvPr>
-            <p:ph type="title"/>
-          </p:nvPr>
-        </p:nvSpPr>
-        <p:spPr/>
-        <p:txBody>
-          <a:bodyPr/>
-          <a:lstStyle/>
-          <a:p>
-            <a:r>
-              <a:rPr lang="en-US"/>
-              <a:t>Word counting </a:t>
-            </a:r>
-            <a:r>
-              <a:rPr lang="en-US" dirty="0"/>
-              <a:t>program</a:t>
-            </a:r>
-            <a:endParaRPr lang="en-MY" dirty="0"/>
-          </a:p>
-        </p:txBody>
-      </p:sp>
-      <p:sp>
-        <p:nvSpPr>
-          <p:cNvPr id="3" name="内容占位符 2">
-            <a:extLst>
-              <a:ext uri="{FF2B5EF4-FFF2-40B4-BE49-F238E27FC236}">
-                <a16:creationId xmlns:a16="http://schemas.microsoft.com/office/drawing/2014/main" id="{7060439F-2729-478E-B95F-230482B50AA1}"/>
-              </a:ext>
-            </a:extLst>
-          </p:cNvPr>
-          <p:cNvSpPr>
-            <a:spLocks noGrp="1"/>
-          </p:cNvSpPr>
-          <p:nvPr>
-            <p:ph idx="1"/>
-          </p:nvPr>
-        </p:nvSpPr>
-        <p:spPr>
-          <a:xfrm>
-            <a:off x="685801" y="2142067"/>
-            <a:ext cx="6271590" cy="2840750"/>
-          </a:xfrm>
-        </p:spPr>
-        <p:txBody>
-          <a:bodyPr anchor="t">
-            <a:normAutofit/>
-          </a:bodyPr>
-          <a:lstStyle/>
-          <a:p>
-            <a:r>
-              <a:rPr lang="en-MY" dirty="0"/>
-              <a:t>Read one article (one file) from stdin or as file.</a:t>
-            </a:r>
-          </a:p>
-          <a:p>
-            <a:r>
-              <a:rPr lang="en-MY" dirty="0"/>
-              <a:t>Analyse the words in the article: count how many times appeared for each word</a:t>
-            </a:r>
-          </a:p>
-          <a:p>
-            <a:pPr lvl="1"/>
-            <a:endParaRPr lang="en-MY" dirty="0"/>
-          </a:p>
-          <a:p>
-            <a:pPr lvl="1"/>
-            <a:endParaRPr lang="en-MY" dirty="0"/>
-          </a:p>
-        </p:txBody>
-      </p:sp>
-      <mc:AlternateContent xmlns:mc="http://schemas.openxmlformats.org/markup-compatibility/2006" xmlns:p14="http://schemas.microsoft.com/office/powerpoint/2010/main">
-        <mc:Choice Requires="p14">
-          <p:contentPart p14:bwMode="auto" r:id="rId2">
-            <p14:nvContentPartPr>
-              <p14:cNvPr id="4" name="Ink 3">
-                <a:extLst>
-                  <a:ext uri="{FF2B5EF4-FFF2-40B4-BE49-F238E27FC236}">
-                    <a16:creationId xmlns:a16="http://schemas.microsoft.com/office/drawing/2014/main" id="{CCA4BA79-7207-46F9-81D1-051637F90D5A}"/>
-                  </a:ext>
-                </a:extLst>
-              </p14:cNvPr>
-              <p14:cNvContentPartPr/>
-              <p14:nvPr/>
-            </p14:nvContentPartPr>
-            <p14:xfrm>
-              <a:off x="1715245" y="1921987"/>
-              <a:ext cx="13680" cy="2520"/>
-            </p14:xfrm>
-          </p:contentPart>
-        </mc:Choice>
-        <mc:Fallback xmlns="">
-          <p:pic>
-            <p:nvPicPr>
-              <p:cNvPr id="4" name="Ink 3">
-                <a:extLst>
-                  <a:ext uri="{FF2B5EF4-FFF2-40B4-BE49-F238E27FC236}">
-                    <a16:creationId xmlns:a16="http://schemas.microsoft.com/office/drawing/2014/main" id="{CCA4BA79-7207-46F9-81D1-051637F90D5A}"/>
-                  </a:ext>
-                </a:extLst>
-              </p:cNvPr>
-              <p:cNvPicPr/>
-              <p:nvPr/>
-            </p:nvPicPr>
-            <p:blipFill>
-              <a:blip r:embed="rId3"/>
-              <a:stretch>
-                <a:fillRect/>
-              </a:stretch>
-            </p:blipFill>
-            <p:spPr>
-              <a:xfrm>
-                <a:off x="1706605" y="1913347"/>
-                <a:ext cx="31320" cy="20160"/>
-              </a:xfrm>
-              <a:prstGeom prst="rect">
-                <a:avLst/>
-              </a:prstGeom>
-            </p:spPr>
-          </p:pic>
-        </mc:Fallback>
-      </mc:AlternateContent>
-    </p:spTree>
-    <p:extLst>
-      <p:ext uri="{BB962C8B-B14F-4D97-AF65-F5344CB8AC3E}">
-        <p14:creationId xmlns:p14="http://schemas.microsoft.com/office/powerpoint/2010/main" val="3409578767"/>
-      </p:ext>
-    </p:extLst>
-  </p:cSld>
-  <p:clrMapOvr>
-    <a:masterClrMapping/>
-  </p:clrMapOvr>
-</p:sld>
-</file>
-
-<file path=ppt/slides/slide21.xml><?xml version="1.0" encoding="utf-8"?>
-<p:sld xmlns:a="http://schemas.openxmlformats.org/drawingml/2006/main" xmlns:r="http://schemas.openxmlformats.org/officeDocument/2006/relationships" xmlns:p="http://schemas.openxmlformats.org/presentationml/2006/main">
-  <p:cSld>
-    <p:spTree>
-      <p:nvGrpSpPr>
-        <p:cNvPr id="1" name=""/>
-        <p:cNvGrpSpPr/>
-        <p:nvPr/>
-      </p:nvGrpSpPr>
-      <p:grpSpPr>
-        <a:xfrm>
-          <a:off x="0" y="0"/>
-          <a:ext cx="0" cy="0"/>
-          <a:chOff x="0" y="0"/>
-          <a:chExt cx="0" cy="0"/>
-        </a:xfrm>
-      </p:grpSpPr>
-      <p:sp>
-        <p:nvSpPr>
-          <p:cNvPr id="2" name="标题 1">
-            <a:extLst>
-              <a:ext uri="{FF2B5EF4-FFF2-40B4-BE49-F238E27FC236}">
-                <a16:creationId xmlns:a16="http://schemas.microsoft.com/office/drawing/2014/main" id="{5EC01E2D-9CFE-4D5D-8863-3BA90731F07B}"/>
-              </a:ext>
-            </a:extLst>
-          </p:cNvPr>
-          <p:cNvSpPr>
-            <a:spLocks noGrp="1"/>
-          </p:cNvSpPr>
-          <p:nvPr>
-            <p:ph type="title"/>
-          </p:nvPr>
-        </p:nvSpPr>
-        <p:spPr/>
-        <p:txBody>
-          <a:bodyPr/>
-          <a:lstStyle/>
-          <a:p>
-            <a:r>
-              <a:rPr lang="en-US" dirty="0"/>
-              <a:t>String pattern</a:t>
-            </a:r>
-            <a:endParaRPr lang="en-MY" dirty="0"/>
-          </a:p>
-        </p:txBody>
-      </p:sp>
-      <p:sp>
-        <p:nvSpPr>
-          <p:cNvPr id="3" name="内容占位符 2">
-            <a:extLst>
-              <a:ext uri="{FF2B5EF4-FFF2-40B4-BE49-F238E27FC236}">
-                <a16:creationId xmlns:a16="http://schemas.microsoft.com/office/drawing/2014/main" id="{7060439F-2729-478E-B95F-230482B50AA1}"/>
-              </a:ext>
-            </a:extLst>
-          </p:cNvPr>
-          <p:cNvSpPr>
-            <a:spLocks noGrp="1"/>
-          </p:cNvSpPr>
-          <p:nvPr>
-            <p:ph idx="1"/>
-          </p:nvPr>
-        </p:nvSpPr>
-        <p:spPr>
-          <a:xfrm>
-            <a:off x="685800" y="2142067"/>
-            <a:ext cx="9524999" cy="2840750"/>
-          </a:xfrm>
-        </p:spPr>
-        <p:txBody>
-          <a:bodyPr anchor="t">
-            <a:normAutofit/>
-          </a:bodyPr>
-          <a:lstStyle/>
-          <a:p>
-            <a:r>
-              <a:rPr lang="en-MY" dirty="0"/>
-              <a:t>Make a program which can format string with specified pattern. Example:</a:t>
-            </a:r>
-          </a:p>
-          <a:p>
-            <a:pPr lvl="1"/>
-            <a:r>
-              <a:rPr lang="en-MY" dirty="0"/>
-              <a:t>You have 2 string data, call them ‘a’ and ‘b’. For example a = ‘Welcome’, b=‘</a:t>
-            </a:r>
-            <a:r>
-              <a:rPr lang="en-MY" dirty="0" err="1"/>
-              <a:t>toMalaysia</a:t>
-            </a:r>
-            <a:r>
-              <a:rPr lang="en-MY" dirty="0"/>
-              <a:t>’</a:t>
-            </a:r>
-          </a:p>
-          <a:p>
-            <a:pPr lvl="1"/>
-            <a:r>
-              <a:rPr lang="en-MY" dirty="0"/>
-              <a:t>Give a pattern, for example ‘abba’.</a:t>
-            </a:r>
-          </a:p>
-          <a:p>
-            <a:pPr lvl="1"/>
-            <a:r>
-              <a:rPr lang="en-MY" dirty="0"/>
-              <a:t>The program will use the 2 string data and make new string according to the pattern, finally produce result: ‘</a:t>
-            </a:r>
-            <a:r>
-              <a:rPr lang="en-MY" dirty="0" err="1"/>
-              <a:t>WelcometoMalaysiatoMalaysiaWelcome</a:t>
-            </a:r>
-            <a:r>
-              <a:rPr lang="en-MY" dirty="0"/>
-              <a:t>’</a:t>
-            </a:r>
-          </a:p>
-          <a:p>
-            <a:pPr lvl="1"/>
-            <a:endParaRPr lang="en-MY" dirty="0"/>
-          </a:p>
-          <a:p>
-            <a:pPr lvl="1"/>
-            <a:endParaRPr lang="en-MY" dirty="0"/>
-          </a:p>
-        </p:txBody>
-      </p:sp>
-      <mc:AlternateContent xmlns:mc="http://schemas.openxmlformats.org/markup-compatibility/2006" xmlns:p14="http://schemas.microsoft.com/office/powerpoint/2010/main">
-        <mc:Choice Requires="p14">
-          <p:contentPart p14:bwMode="auto" r:id="rId2">
-            <p14:nvContentPartPr>
-              <p14:cNvPr id="4" name="Ink 3">
-                <a:extLst>
-                  <a:ext uri="{FF2B5EF4-FFF2-40B4-BE49-F238E27FC236}">
-                    <a16:creationId xmlns:a16="http://schemas.microsoft.com/office/drawing/2014/main" id="{CCA4BA79-7207-46F9-81D1-051637F90D5A}"/>
-                  </a:ext>
-                </a:extLst>
-              </p14:cNvPr>
-              <p14:cNvContentPartPr/>
-              <p14:nvPr/>
-            </p14:nvContentPartPr>
-            <p14:xfrm>
-              <a:off x="1715245" y="1921987"/>
-              <a:ext cx="13680" cy="2520"/>
-            </p14:xfrm>
-          </p:contentPart>
-        </mc:Choice>
-        <mc:Fallback xmlns="">
-          <p:pic>
-            <p:nvPicPr>
-              <p:cNvPr id="4" name="Ink 3">
-                <a:extLst>
-                  <a:ext uri="{FF2B5EF4-FFF2-40B4-BE49-F238E27FC236}">
-                    <a16:creationId xmlns:a16="http://schemas.microsoft.com/office/drawing/2014/main" id="{CCA4BA79-7207-46F9-81D1-051637F90D5A}"/>
-                  </a:ext>
-                </a:extLst>
-              </p:cNvPr>
-              <p:cNvPicPr/>
-              <p:nvPr/>
-            </p:nvPicPr>
-            <p:blipFill>
-              <a:blip r:embed="rId3"/>
-              <a:stretch>
-                <a:fillRect/>
-              </a:stretch>
-            </p:blipFill>
-            <p:spPr>
-              <a:xfrm>
-                <a:off x="1706605" y="1913347"/>
-                <a:ext cx="31320" cy="20160"/>
-              </a:xfrm>
-              <a:prstGeom prst="rect">
-                <a:avLst/>
-              </a:prstGeom>
-            </p:spPr>
-          </p:pic>
-        </mc:Fallback>
-      </mc:AlternateContent>
-    </p:spTree>
-    <p:extLst>
-      <p:ext uri="{BB962C8B-B14F-4D97-AF65-F5344CB8AC3E}">
-        <p14:creationId xmlns:p14="http://schemas.microsoft.com/office/powerpoint/2010/main" val="3887230651"/>
-      </p:ext>
-    </p:extLst>
-  </p:cSld>
-  <p:clrMapOvr>
-    <a:masterClrMapping/>
-  </p:clrMapOvr>
-</p:sld>
-</file>
-
-<file path=ppt/slides/slide22.xml><?xml version="1.0" encoding="utf-8"?>
-<p:sld xmlns:a="http://schemas.openxmlformats.org/drawingml/2006/main" xmlns:r="http://schemas.openxmlformats.org/officeDocument/2006/relationships" xmlns:p="http://schemas.openxmlformats.org/presentationml/2006/main">
-  <p:cSld>
-    <p:spTree>
-      <p:nvGrpSpPr>
-        <p:cNvPr id="1" name=""/>
-        <p:cNvGrpSpPr/>
-        <p:nvPr/>
-      </p:nvGrpSpPr>
-      <p:grpSpPr>
-        <a:xfrm>
-          <a:off x="0" y="0"/>
-          <a:ext cx="0" cy="0"/>
-          <a:chOff x="0" y="0"/>
-          <a:chExt cx="0" cy="0"/>
-        </a:xfrm>
-      </p:grpSpPr>
-      <p:sp>
-        <p:nvSpPr>
-          <p:cNvPr id="2" name="标题 1">
-            <a:extLst>
-              <a:ext uri="{FF2B5EF4-FFF2-40B4-BE49-F238E27FC236}">
-                <a16:creationId xmlns:a16="http://schemas.microsoft.com/office/drawing/2014/main" id="{5EC01E2D-9CFE-4D5D-8863-3BA90731F07B}"/>
-              </a:ext>
-            </a:extLst>
-          </p:cNvPr>
-          <p:cNvSpPr>
-            <a:spLocks noGrp="1"/>
-          </p:cNvSpPr>
-          <p:nvPr>
-            <p:ph type="title"/>
-          </p:nvPr>
-        </p:nvSpPr>
-        <p:spPr>
-          <a:xfrm>
-            <a:off x="923365" y="643463"/>
-            <a:ext cx="10649203" cy="1608124"/>
-          </a:xfrm>
-        </p:spPr>
-        <p:txBody>
-          <a:bodyPr>
-            <a:normAutofit/>
-          </a:bodyPr>
-          <a:lstStyle/>
-          <a:p>
-            <a:r>
-              <a:rPr lang="en-US" dirty="0"/>
-              <a:t>Programming practice</a:t>
-            </a:r>
-            <a:endParaRPr lang="en-MY" dirty="0"/>
-          </a:p>
-        </p:txBody>
-      </p:sp>
-      <p:sp>
-        <p:nvSpPr>
-          <p:cNvPr id="3" name="内容占位符 2">
-            <a:extLst>
-              <a:ext uri="{FF2B5EF4-FFF2-40B4-BE49-F238E27FC236}">
-                <a16:creationId xmlns:a16="http://schemas.microsoft.com/office/drawing/2014/main" id="{7060439F-2729-478E-B95F-230482B50AA1}"/>
-              </a:ext>
-            </a:extLst>
-          </p:cNvPr>
-          <p:cNvSpPr>
-            <a:spLocks noGrp="1"/>
-          </p:cNvSpPr>
-          <p:nvPr>
-            <p:ph idx="1"/>
-          </p:nvPr>
-        </p:nvSpPr>
-        <p:spPr>
-          <a:xfrm>
-            <a:off x="923366" y="2251587"/>
-            <a:ext cx="10264588" cy="3163095"/>
-          </a:xfrm>
-        </p:spPr>
-        <p:txBody>
-          <a:bodyPr anchor="t">
-            <a:normAutofit/>
-          </a:bodyPr>
-          <a:lstStyle/>
-          <a:p>
-            <a:r>
-              <a:rPr lang="en-MY" dirty="0"/>
-              <a:t>Make a program, which takes input from user about a day (year-month-day), then give the </a:t>
-            </a:r>
-            <a:r>
-              <a:rPr lang="en-MY"/>
-              <a:t>next date</a:t>
-            </a:r>
-            <a:r>
-              <a:rPr lang="en-MY" dirty="0"/>
-              <a:t>. Example:</a:t>
-            </a:r>
-          </a:p>
-          <a:p>
-            <a:pPr lvl="1"/>
-            <a:r>
-              <a:rPr kumimoji="0" lang="en-US" altLang="en-US" sz="1400" i="0" u="none" strike="noStrike" cap="none" normalizeH="0" baseline="0" dirty="0">
-                <a:ln>
-                  <a:noFill/>
-                </a:ln>
-                <a:effectLst/>
-                <a:latin typeface="Arial Unicode MS"/>
-              </a:rPr>
-              <a:t>Input a year: 2016 </a:t>
-            </a:r>
-          </a:p>
-          <a:p>
-            <a:pPr lvl="1"/>
-            <a:r>
-              <a:rPr kumimoji="0" lang="en-US" altLang="en-US" sz="1400" i="0" u="none" strike="noStrike" cap="none" normalizeH="0" baseline="0" dirty="0">
-                <a:ln>
-                  <a:noFill/>
-                </a:ln>
-                <a:effectLst/>
-                <a:latin typeface="Arial Unicode MS"/>
-              </a:rPr>
-              <a:t>Input a month [1-12]: 08 </a:t>
-            </a:r>
-          </a:p>
-          <a:p>
-            <a:pPr lvl="1"/>
-            <a:r>
-              <a:rPr kumimoji="0" lang="en-US" altLang="en-US" sz="1400" i="0" u="none" strike="noStrike" cap="none" normalizeH="0" baseline="0" dirty="0">
-                <a:ln>
-                  <a:noFill/>
-                </a:ln>
-                <a:effectLst/>
-                <a:latin typeface="Arial Unicode MS"/>
-              </a:rPr>
-              <a:t>Input a day [1-31]: 23 </a:t>
-            </a:r>
-          </a:p>
-          <a:p>
-            <a:pPr lvl="1"/>
-            <a:r>
-              <a:rPr kumimoji="0" lang="en-US" altLang="en-US" sz="1400" i="0" u="none" strike="noStrike" cap="none" normalizeH="0" baseline="0" dirty="0">
-                <a:ln>
-                  <a:noFill/>
-                </a:ln>
-                <a:effectLst/>
-                <a:latin typeface="Arial Unicode MS"/>
-              </a:rPr>
-              <a:t>The next date is [</a:t>
-            </a:r>
-            <a:r>
-              <a:rPr kumimoji="0" lang="en-US" altLang="en-US" sz="1400" i="0" u="none" strike="noStrike" cap="none" normalizeH="0" baseline="0" dirty="0" err="1">
-                <a:ln>
-                  <a:noFill/>
-                </a:ln>
-                <a:effectLst/>
-                <a:latin typeface="Arial Unicode MS"/>
-              </a:rPr>
-              <a:t>yyyy</a:t>
-            </a:r>
-            <a:r>
-              <a:rPr kumimoji="0" lang="en-US" altLang="en-US" sz="1400" i="0" u="none" strike="noStrike" cap="none" normalizeH="0" baseline="0" dirty="0">
-                <a:ln>
-                  <a:noFill/>
-                </a:ln>
-                <a:effectLst/>
-                <a:latin typeface="Arial Unicode MS"/>
-              </a:rPr>
-              <a:t>-mm-dd] 2016-8-24 </a:t>
-            </a:r>
-            <a:endParaRPr kumimoji="0" lang="en-US" altLang="en-US" sz="1400" i="0" u="none" strike="noStrike" cap="none" normalizeH="0" baseline="0" dirty="0">
-              <a:ln>
-                <a:noFill/>
-              </a:ln>
-              <a:effectLst/>
-              <a:latin typeface="Arial" panose="020B0604020202020204" pitchFamily="34" charset="0"/>
-            </a:endParaRPr>
-          </a:p>
-          <a:p>
-            <a:pPr lvl="1"/>
-            <a:endParaRPr lang="en-MY" dirty="0"/>
-          </a:p>
-        </p:txBody>
-      </p:sp>
-    </p:spTree>
-    <p:extLst>
-      <p:ext uri="{BB962C8B-B14F-4D97-AF65-F5344CB8AC3E}">
-        <p14:creationId xmlns:p14="http://schemas.microsoft.com/office/powerpoint/2010/main" val="2917449728"/>
-      </p:ext>
-    </p:extLst>
-  </p:cSld>
-  <p:clrMapOvr>
-    <a:masterClrMapping/>
-  </p:clrMapOvr>
-</p:sld>
-</file>
-
-<file path=ppt/slides/slide23.xml><?xml version="1.0" encoding="utf-8"?>
-<p:sld xmlns:a="http://schemas.openxmlformats.org/drawingml/2006/main" xmlns:r="http://schemas.openxmlformats.org/officeDocument/2006/relationships" xmlns:p="http://schemas.openxmlformats.org/presentationml/2006/main">
-  <p:cSld>
-    <p:spTree>
-      <p:nvGrpSpPr>
-        <p:cNvPr id="1" name=""/>
-        <p:cNvGrpSpPr/>
-        <p:nvPr/>
-      </p:nvGrpSpPr>
-      <p:grpSpPr>
-        <a:xfrm>
-          <a:off x="0" y="0"/>
-          <a:ext cx="0" cy="0"/>
-          <a:chOff x="0" y="0"/>
-          <a:chExt cx="0" cy="0"/>
-        </a:xfrm>
-      </p:grpSpPr>
-      <p:sp>
-        <p:nvSpPr>
-          <p:cNvPr id="2" name="标题 1">
-            <a:extLst>
-              <a:ext uri="{FF2B5EF4-FFF2-40B4-BE49-F238E27FC236}">
-                <a16:creationId xmlns:a16="http://schemas.microsoft.com/office/drawing/2014/main" id="{5EC01E2D-9CFE-4D5D-8863-3BA90731F07B}"/>
-              </a:ext>
-            </a:extLst>
-          </p:cNvPr>
-          <p:cNvSpPr>
-            <a:spLocks noGrp="1"/>
-          </p:cNvSpPr>
-          <p:nvPr>
-            <p:ph type="title"/>
-          </p:nvPr>
-        </p:nvSpPr>
-        <p:spPr/>
-        <p:txBody>
-          <a:bodyPr/>
-          <a:lstStyle/>
-          <a:p>
-            <a:r>
-              <a:rPr lang="en-US" dirty="0"/>
-              <a:t>Judge number is even or odd – use recursion</a:t>
-            </a:r>
-            <a:endParaRPr lang="en-MY" dirty="0"/>
-          </a:p>
-        </p:txBody>
-      </p:sp>
-      <p:sp>
-        <p:nvSpPr>
-          <p:cNvPr id="3" name="内容占位符 2">
-            <a:extLst>
-              <a:ext uri="{FF2B5EF4-FFF2-40B4-BE49-F238E27FC236}">
-                <a16:creationId xmlns:a16="http://schemas.microsoft.com/office/drawing/2014/main" id="{7060439F-2729-478E-B95F-230482B50AA1}"/>
-              </a:ext>
-            </a:extLst>
-          </p:cNvPr>
-          <p:cNvSpPr>
-            <a:spLocks noGrp="1"/>
-          </p:cNvSpPr>
-          <p:nvPr>
-            <p:ph idx="1"/>
-          </p:nvPr>
-        </p:nvSpPr>
-        <p:spPr>
-          <a:xfrm>
-            <a:off x="685801" y="2142067"/>
-            <a:ext cx="6271590" cy="2840750"/>
-          </a:xfrm>
-        </p:spPr>
-        <p:txBody>
-          <a:bodyPr anchor="t">
-            <a:normAutofit/>
-          </a:bodyPr>
-          <a:lstStyle/>
-          <a:p>
-            <a:r>
-              <a:rPr lang="en-MY" dirty="0"/>
-              <a:t>Number is 1, it is odd</a:t>
-            </a:r>
-          </a:p>
-          <a:p>
-            <a:r>
-              <a:rPr lang="en-MY" dirty="0"/>
-              <a:t>Number is 0, it is even</a:t>
-            </a:r>
-          </a:p>
-          <a:p>
-            <a:r>
-              <a:rPr lang="en-MY" dirty="0"/>
-              <a:t>For any number n, it is same even or odd as n-2</a:t>
-            </a:r>
-          </a:p>
-          <a:p>
-            <a:pPr lvl="1"/>
-            <a:endParaRPr lang="en-MY" dirty="0"/>
-          </a:p>
-          <a:p>
-            <a:pPr lvl="1"/>
-            <a:endParaRPr lang="en-MY" dirty="0"/>
-          </a:p>
-        </p:txBody>
-      </p:sp>
-      <mc:AlternateContent xmlns:mc="http://schemas.openxmlformats.org/markup-compatibility/2006" xmlns:p14="http://schemas.microsoft.com/office/powerpoint/2010/main">
-        <mc:Choice Requires="p14">
-          <p:contentPart p14:bwMode="auto" r:id="rId2">
-            <p14:nvContentPartPr>
-              <p14:cNvPr id="4" name="Ink 3">
-                <a:extLst>
-                  <a:ext uri="{FF2B5EF4-FFF2-40B4-BE49-F238E27FC236}">
-                    <a16:creationId xmlns:a16="http://schemas.microsoft.com/office/drawing/2014/main" id="{CCA4BA79-7207-46F9-81D1-051637F90D5A}"/>
-                  </a:ext>
-                </a:extLst>
-              </p14:cNvPr>
-              <p14:cNvContentPartPr/>
-              <p14:nvPr/>
-            </p14:nvContentPartPr>
-            <p14:xfrm>
-              <a:off x="1715245" y="1921987"/>
-              <a:ext cx="13680" cy="2520"/>
-            </p14:xfrm>
-          </p:contentPart>
-        </mc:Choice>
-        <mc:Fallback xmlns="">
-          <p:pic>
-            <p:nvPicPr>
-              <p:cNvPr id="4" name="Ink 3">
-                <a:extLst>
-                  <a:ext uri="{FF2B5EF4-FFF2-40B4-BE49-F238E27FC236}">
-                    <a16:creationId xmlns:a16="http://schemas.microsoft.com/office/drawing/2014/main" id="{CCA4BA79-7207-46F9-81D1-051637F90D5A}"/>
-                  </a:ext>
-                </a:extLst>
-              </p:cNvPr>
-              <p:cNvPicPr/>
-              <p:nvPr/>
-            </p:nvPicPr>
-            <p:blipFill>
-              <a:blip r:embed="rId3"/>
-              <a:stretch>
-                <a:fillRect/>
-              </a:stretch>
-            </p:blipFill>
-            <p:spPr>
-              <a:xfrm>
-                <a:off x="1706605" y="1913347"/>
-                <a:ext cx="31320" cy="20160"/>
-              </a:xfrm>
-              <a:prstGeom prst="rect">
-                <a:avLst/>
-              </a:prstGeom>
-            </p:spPr>
-          </p:pic>
-        </mc:Fallback>
-      </mc:AlternateContent>
-      <p:sp>
-        <p:nvSpPr>
-          <p:cNvPr id="5" name="内容占位符 2">
-            <a:extLst>
-              <a:ext uri="{FF2B5EF4-FFF2-40B4-BE49-F238E27FC236}">
-                <a16:creationId xmlns:a16="http://schemas.microsoft.com/office/drawing/2014/main" id="{614AC9D6-6BB4-4F70-B628-3A5C7883FE27}"/>
-              </a:ext>
-            </a:extLst>
-          </p:cNvPr>
-          <p:cNvSpPr txBox="1">
-            <a:spLocks/>
-          </p:cNvSpPr>
-          <p:nvPr/>
-        </p:nvSpPr>
-        <p:spPr>
-          <a:xfrm>
-            <a:off x="685801" y="3720596"/>
-            <a:ext cx="6271590" cy="1262221"/>
-          </a:xfrm>
-          <a:prstGeom prst="rect">
-            <a:avLst/>
-          </a:prstGeom>
-        </p:spPr>
-        <p:txBody>
-          <a:bodyPr vert="horz" lIns="91440" tIns="45720" rIns="91440" bIns="45720" rtlCol="0" anchor="t">
-            <a:normAutofit/>
-          </a:bodyPr>
-          <a:lstStyle>
-            <a:lvl1pPr marL="285750" indent="-285750" algn="l" defTabSz="457200" rtl="0" eaLnBrk="1" latinLnBrk="0" hangingPunct="1">
-              <a:spcBef>
-                <a:spcPts val="0"/>
-              </a:spcBef>
-              <a:spcAft>
-                <a:spcPts val="1000"/>
-              </a:spcAft>
-              <a:buClr>
-                <a:schemeClr val="tx1"/>
-              </a:buClr>
-              <a:buSzPct val="100000"/>
-              <a:buFont typeface="Arial"/>
-              <a:buChar char="•"/>
-              <a:defRPr sz="1800" kern="1200" cap="none">
-                <a:solidFill>
-                  <a:schemeClr val="tx1"/>
-                </a:solidFill>
-                <a:effectLst/>
-                <a:latin typeface="+mn-lt"/>
-                <a:ea typeface="+mn-ea"/>
-                <a:cs typeface="+mn-cs"/>
-              </a:defRPr>
-            </a:lvl1pPr>
-            <a:lvl2pPr marL="742950" indent="-285750" algn="l" defTabSz="457200" rtl="0" eaLnBrk="1" latinLnBrk="0" hangingPunct="1">
-              <a:spcBef>
-                <a:spcPts val="0"/>
-              </a:spcBef>
-              <a:spcAft>
-                <a:spcPts val="1000"/>
-              </a:spcAft>
-              <a:buClr>
-                <a:schemeClr val="tx1"/>
-              </a:buClr>
-              <a:buSzPct val="100000"/>
-              <a:buFont typeface="Arial"/>
-              <a:buChar char="•"/>
-              <a:defRPr sz="1600" kern="1200" cap="none">
-                <a:solidFill>
-                  <a:schemeClr val="tx1"/>
-                </a:solidFill>
-                <a:effectLst/>
-                <a:latin typeface="+mn-lt"/>
-                <a:ea typeface="+mn-ea"/>
-                <a:cs typeface="+mn-cs"/>
-              </a:defRPr>
-            </a:lvl2pPr>
-            <a:lvl3pPr marL="1200150" indent="-285750" algn="l" defTabSz="457200" rtl="0" eaLnBrk="1" latinLnBrk="0" hangingPunct="1">
-              <a:spcBef>
-                <a:spcPts val="0"/>
-              </a:spcBef>
-              <a:spcAft>
-                <a:spcPts val="1000"/>
-              </a:spcAft>
-              <a:buClr>
-                <a:schemeClr val="tx1"/>
-              </a:buClr>
-              <a:buSzPct val="100000"/>
-              <a:buFont typeface="Arial"/>
-              <a:buChar char="•"/>
-              <a:defRPr sz="1400" kern="1200" cap="none">
-                <a:solidFill>
-                  <a:schemeClr val="tx1"/>
-                </a:solidFill>
-                <a:effectLst/>
-                <a:latin typeface="+mn-lt"/>
-                <a:ea typeface="+mn-ea"/>
-                <a:cs typeface="+mn-cs"/>
-              </a:defRPr>
-            </a:lvl3pPr>
-            <a:lvl4pPr marL="1543050" indent="-171450" algn="l" defTabSz="457200" rtl="0" eaLnBrk="1" latinLnBrk="0" hangingPunct="1">
-              <a:spcBef>
-                <a:spcPts val="0"/>
-              </a:spcBef>
-              <a:spcAft>
-                <a:spcPts val="1000"/>
-              </a:spcAft>
-              <a:buClr>
-                <a:schemeClr val="tx1"/>
-              </a:buClr>
-              <a:buSzPct val="100000"/>
-              <a:buFont typeface="Arial"/>
-              <a:buChar char="•"/>
-              <a:defRPr sz="1200" kern="1200" cap="none">
-                <a:solidFill>
-                  <a:schemeClr val="tx1"/>
-                </a:solidFill>
-                <a:effectLst/>
-                <a:latin typeface="+mn-lt"/>
-                <a:ea typeface="+mn-ea"/>
-                <a:cs typeface="+mn-cs"/>
-              </a:defRPr>
-            </a:lvl4pPr>
-            <a:lvl5pPr marL="2000250" indent="-171450" algn="l" defTabSz="457200" rtl="0" eaLnBrk="1" latinLnBrk="0" hangingPunct="1">
-              <a:spcBef>
-                <a:spcPts val="0"/>
-              </a:spcBef>
-              <a:spcAft>
-                <a:spcPts val="1000"/>
-              </a:spcAft>
-              <a:buClr>
-                <a:schemeClr val="tx1"/>
-              </a:buClr>
-              <a:buSzPct val="100000"/>
-              <a:buFont typeface="Arial"/>
-              <a:buChar char="•"/>
-              <a:defRPr sz="1200" kern="1200" cap="none">
-                <a:solidFill>
-                  <a:schemeClr val="tx1"/>
-                </a:solidFill>
-                <a:effectLst/>
-                <a:latin typeface="+mn-lt"/>
-                <a:ea typeface="+mn-ea"/>
-                <a:cs typeface="+mn-cs"/>
-              </a:defRPr>
-            </a:lvl5pPr>
-            <a:lvl6pPr marL="2514600" indent="-228600" algn="l" defTabSz="457200" rtl="0" eaLnBrk="1" latinLnBrk="0" hangingPunct="1">
-              <a:spcBef>
-                <a:spcPts val="0"/>
-              </a:spcBef>
-              <a:spcAft>
-                <a:spcPts val="1000"/>
-              </a:spcAft>
-              <a:buClr>
-                <a:schemeClr val="tx1"/>
-              </a:buClr>
-              <a:buSzPct val="100000"/>
-              <a:buFont typeface="Arial"/>
-              <a:buChar char="•"/>
-              <a:defRPr sz="1200" kern="1200" cap="none">
-                <a:solidFill>
-                  <a:schemeClr val="tx1"/>
-                </a:solidFill>
-                <a:effectLst/>
-                <a:latin typeface="+mn-lt"/>
-                <a:ea typeface="+mn-ea"/>
-                <a:cs typeface="+mn-cs"/>
-              </a:defRPr>
-            </a:lvl6pPr>
-            <a:lvl7pPr marL="2971800" indent="-228600" algn="l" defTabSz="457200" rtl="0" eaLnBrk="1" latinLnBrk="0" hangingPunct="1">
-              <a:spcBef>
-                <a:spcPts val="0"/>
-              </a:spcBef>
-              <a:spcAft>
-                <a:spcPts val="1000"/>
-              </a:spcAft>
-              <a:buClr>
-                <a:schemeClr val="tx1"/>
-              </a:buClr>
-              <a:buSzPct val="100000"/>
-              <a:buFont typeface="Arial"/>
-              <a:buChar char="•"/>
-              <a:defRPr sz="1200" kern="1200" cap="none">
-                <a:solidFill>
-                  <a:schemeClr val="tx1"/>
-                </a:solidFill>
-                <a:effectLst/>
-                <a:latin typeface="+mn-lt"/>
-                <a:ea typeface="+mn-ea"/>
-                <a:cs typeface="+mn-cs"/>
-              </a:defRPr>
-            </a:lvl7pPr>
-            <a:lvl8pPr marL="3429000" indent="-228600" algn="l" defTabSz="457200" rtl="0" eaLnBrk="1" latinLnBrk="0" hangingPunct="1">
-              <a:spcBef>
-                <a:spcPts val="0"/>
-              </a:spcBef>
-              <a:spcAft>
-                <a:spcPts val="1000"/>
-              </a:spcAft>
-              <a:buClr>
-                <a:schemeClr val="tx1"/>
-              </a:buClr>
-              <a:buSzPct val="100000"/>
-              <a:buFont typeface="Arial"/>
-              <a:buChar char="•"/>
-              <a:defRPr sz="1200" kern="1200" cap="none">
-                <a:solidFill>
-                  <a:schemeClr val="tx1"/>
-                </a:solidFill>
-                <a:effectLst/>
-                <a:latin typeface="+mn-lt"/>
-                <a:ea typeface="+mn-ea"/>
-                <a:cs typeface="+mn-cs"/>
-              </a:defRPr>
-            </a:lvl8pPr>
-            <a:lvl9pPr marL="3886200" indent="-228600" algn="l" defTabSz="457200" rtl="0" eaLnBrk="1" latinLnBrk="0" hangingPunct="1">
-              <a:spcBef>
-                <a:spcPts val="0"/>
-              </a:spcBef>
-              <a:spcAft>
-                <a:spcPts val="1000"/>
-              </a:spcAft>
-              <a:buClr>
-                <a:schemeClr val="tx1"/>
-              </a:buClr>
-              <a:buSzPct val="100000"/>
-              <a:buFont typeface="Arial"/>
-              <a:buChar char="•"/>
-              <a:defRPr sz="1200" kern="1200" cap="none">
-                <a:solidFill>
-                  <a:schemeClr val="tx1"/>
-                </a:solidFill>
-                <a:effectLst/>
-                <a:latin typeface="+mn-lt"/>
-                <a:ea typeface="+mn-ea"/>
-                <a:cs typeface="+mn-cs"/>
-              </a:defRPr>
-            </a:lvl9pPr>
-          </a:lstStyle>
-          <a:p>
-            <a:pPr marL="0" indent="0">
-              <a:buNone/>
-            </a:pPr>
-            <a:r>
-              <a:rPr lang="en-MY" dirty="0"/>
-              <a:t>Use the above rule to define a function, which can recursive call and give a judgement one number is even or odd.</a:t>
-            </a:r>
-          </a:p>
-          <a:p>
-            <a:pPr marL="0" indent="0">
-              <a:buNone/>
-            </a:pPr>
-            <a:r>
-              <a:rPr lang="en-MY" dirty="0"/>
-              <a:t>Test your function.</a:t>
-            </a:r>
-          </a:p>
-        </p:txBody>
-      </p:sp>
-    </p:spTree>
-    <p:extLst>
-      <p:ext uri="{BB962C8B-B14F-4D97-AF65-F5344CB8AC3E}">
-        <p14:creationId xmlns:p14="http://schemas.microsoft.com/office/powerpoint/2010/main" val="3393176799"/>
-      </p:ext>
-    </p:extLst>
-  </p:cSld>
-  <p:clrMapOvr>
-    <a:masterClrMapping/>
-  </p:clrMapOvr>
-</p:sld>
-</file>
-
-<file path=ppt/slides/slide24.xml><?xml version="1.0" encoding="utf-8"?>
-<p:sld xmlns:a="http://schemas.openxmlformats.org/drawingml/2006/main" xmlns:r="http://schemas.openxmlformats.org/officeDocument/2006/relationships" xmlns:p="http://schemas.openxmlformats.org/presentationml/2006/main">
-  <p:cSld>
-    <p:spTree>
-      <p:nvGrpSpPr>
-        <p:cNvPr id="1" name=""/>
-        <p:cNvGrpSpPr/>
-        <p:nvPr/>
-      </p:nvGrpSpPr>
-      <p:grpSpPr>
-        <a:xfrm>
-          <a:off x="0" y="0"/>
-          <a:ext cx="0" cy="0"/>
-          <a:chOff x="0" y="0"/>
-          <a:chExt cx="0" cy="0"/>
-        </a:xfrm>
-      </p:grpSpPr>
-      <p:sp>
-        <p:nvSpPr>
-          <p:cNvPr id="2" name="标题 1">
-            <a:extLst>
-              <a:ext uri="{FF2B5EF4-FFF2-40B4-BE49-F238E27FC236}">
-                <a16:creationId xmlns:a16="http://schemas.microsoft.com/office/drawing/2014/main" id="{5EC01E2D-9CFE-4D5D-8863-3BA90731F07B}"/>
-              </a:ext>
-            </a:extLst>
-          </p:cNvPr>
-          <p:cNvSpPr>
-            <a:spLocks noGrp="1"/>
-          </p:cNvSpPr>
-          <p:nvPr>
-            <p:ph type="title"/>
-          </p:nvPr>
-        </p:nvSpPr>
-        <p:spPr/>
-        <p:txBody>
-          <a:bodyPr/>
-          <a:lstStyle/>
-          <a:p>
-            <a:r>
-              <a:rPr lang="en-US" dirty="0"/>
-              <a:t>Number puzzle</a:t>
-            </a:r>
-            <a:endParaRPr lang="en-MY" dirty="0"/>
-          </a:p>
-        </p:txBody>
-      </p:sp>
-      <p:sp>
-        <p:nvSpPr>
-          <p:cNvPr id="3" name="内容占位符 2">
-            <a:extLst>
-              <a:ext uri="{FF2B5EF4-FFF2-40B4-BE49-F238E27FC236}">
-                <a16:creationId xmlns:a16="http://schemas.microsoft.com/office/drawing/2014/main" id="{7060439F-2729-478E-B95F-230482B50AA1}"/>
-              </a:ext>
-            </a:extLst>
-          </p:cNvPr>
-          <p:cNvSpPr>
-            <a:spLocks noGrp="1"/>
-          </p:cNvSpPr>
-          <p:nvPr>
-            <p:ph idx="1"/>
-          </p:nvPr>
-        </p:nvSpPr>
-        <p:spPr>
-          <a:xfrm>
-            <a:off x="685800" y="2142067"/>
-            <a:ext cx="8986705" cy="2840750"/>
-          </a:xfrm>
-        </p:spPr>
-        <p:txBody>
-          <a:bodyPr anchor="t">
-            <a:normAutofit/>
-          </a:bodyPr>
-          <a:lstStyle/>
-          <a:p>
-            <a:pPr marL="0" indent="0">
-              <a:buNone/>
-            </a:pPr>
-            <a:r>
-              <a:rPr lang="en-MY" dirty="0"/>
-              <a:t>Number sequence.</a:t>
-            </a:r>
-          </a:p>
-          <a:p>
-            <a:r>
-              <a:rPr lang="en-MY" dirty="0"/>
-              <a:t>The first number is 1.</a:t>
-            </a:r>
-          </a:p>
-          <a:p>
-            <a:r>
-              <a:rPr lang="en-MY" dirty="0"/>
-              <a:t>The next number is calculated based on the previous number. You can either choose to multiply by 3, or choose to add by 5.</a:t>
-            </a:r>
-          </a:p>
-          <a:p>
-            <a:pPr lvl="1"/>
-            <a:endParaRPr lang="en-MY" dirty="0"/>
-          </a:p>
-          <a:p>
-            <a:pPr lvl="1"/>
-            <a:endParaRPr lang="en-MY" dirty="0"/>
-          </a:p>
-        </p:txBody>
-      </p:sp>
-      <mc:AlternateContent xmlns:mc="http://schemas.openxmlformats.org/markup-compatibility/2006" xmlns:p14="http://schemas.microsoft.com/office/powerpoint/2010/main">
-        <mc:Choice Requires="p14">
-          <p:contentPart p14:bwMode="auto" r:id="rId2">
-            <p14:nvContentPartPr>
-              <p14:cNvPr id="4" name="Ink 3">
-                <a:extLst>
-                  <a:ext uri="{FF2B5EF4-FFF2-40B4-BE49-F238E27FC236}">
-                    <a16:creationId xmlns:a16="http://schemas.microsoft.com/office/drawing/2014/main" id="{CCA4BA79-7207-46F9-81D1-051637F90D5A}"/>
-                  </a:ext>
-                </a:extLst>
-              </p14:cNvPr>
-              <p14:cNvContentPartPr/>
-              <p14:nvPr/>
-            </p14:nvContentPartPr>
-            <p14:xfrm>
-              <a:off x="1715245" y="1921987"/>
-              <a:ext cx="13680" cy="2520"/>
-            </p14:xfrm>
-          </p:contentPart>
-        </mc:Choice>
-        <mc:Fallback xmlns="">
-          <p:pic>
-            <p:nvPicPr>
-              <p:cNvPr id="4" name="Ink 3">
-                <a:extLst>
-                  <a:ext uri="{FF2B5EF4-FFF2-40B4-BE49-F238E27FC236}">
-                    <a16:creationId xmlns:a16="http://schemas.microsoft.com/office/drawing/2014/main" id="{CCA4BA79-7207-46F9-81D1-051637F90D5A}"/>
-                  </a:ext>
-                </a:extLst>
-              </p:cNvPr>
-              <p:cNvPicPr/>
-              <p:nvPr/>
-            </p:nvPicPr>
-            <p:blipFill>
-              <a:blip r:embed="rId3"/>
-              <a:stretch>
-                <a:fillRect/>
-              </a:stretch>
-            </p:blipFill>
-            <p:spPr>
-              <a:xfrm>
-                <a:off x="1706605" y="1913347"/>
-                <a:ext cx="31320" cy="20160"/>
-              </a:xfrm>
-              <a:prstGeom prst="rect">
-                <a:avLst/>
-              </a:prstGeom>
-            </p:spPr>
-          </p:pic>
-        </mc:Fallback>
-      </mc:AlternateContent>
-      <p:sp>
-        <p:nvSpPr>
-          <p:cNvPr id="5" name="内容占位符 2">
-            <a:extLst>
-              <a:ext uri="{FF2B5EF4-FFF2-40B4-BE49-F238E27FC236}">
-                <a16:creationId xmlns:a16="http://schemas.microsoft.com/office/drawing/2014/main" id="{614AC9D6-6BB4-4F70-B628-3A5C7883FE27}"/>
-              </a:ext>
-            </a:extLst>
-          </p:cNvPr>
-          <p:cNvSpPr txBox="1">
-            <a:spLocks/>
-          </p:cNvSpPr>
-          <p:nvPr/>
-        </p:nvSpPr>
-        <p:spPr>
-          <a:xfrm>
-            <a:off x="685799" y="4056156"/>
-            <a:ext cx="7568967" cy="1262221"/>
-          </a:xfrm>
-          <a:prstGeom prst="rect">
-            <a:avLst/>
-          </a:prstGeom>
-        </p:spPr>
-        <p:txBody>
-          <a:bodyPr vert="horz" lIns="91440" tIns="45720" rIns="91440" bIns="45720" rtlCol="0" anchor="t">
-            <a:normAutofit/>
-          </a:bodyPr>
-          <a:lstStyle>
-            <a:lvl1pPr marL="285750" indent="-285750" algn="l" defTabSz="457200" rtl="0" eaLnBrk="1" latinLnBrk="0" hangingPunct="1">
-              <a:spcBef>
-                <a:spcPts val="0"/>
-              </a:spcBef>
-              <a:spcAft>
-                <a:spcPts val="1000"/>
-              </a:spcAft>
-              <a:buClr>
-                <a:schemeClr val="tx1"/>
-              </a:buClr>
-              <a:buSzPct val="100000"/>
-              <a:buFont typeface="Arial"/>
-              <a:buChar char="•"/>
-              <a:defRPr sz="1800" kern="1200" cap="none">
-                <a:solidFill>
-                  <a:schemeClr val="tx1"/>
-                </a:solidFill>
-                <a:effectLst/>
-                <a:latin typeface="+mn-lt"/>
-                <a:ea typeface="+mn-ea"/>
-                <a:cs typeface="+mn-cs"/>
-              </a:defRPr>
-            </a:lvl1pPr>
-            <a:lvl2pPr marL="742950" indent="-285750" algn="l" defTabSz="457200" rtl="0" eaLnBrk="1" latinLnBrk="0" hangingPunct="1">
-              <a:spcBef>
-                <a:spcPts val="0"/>
-              </a:spcBef>
-              <a:spcAft>
-                <a:spcPts val="1000"/>
-              </a:spcAft>
-              <a:buClr>
-                <a:schemeClr val="tx1"/>
-              </a:buClr>
-              <a:buSzPct val="100000"/>
-              <a:buFont typeface="Arial"/>
-              <a:buChar char="•"/>
-              <a:defRPr sz="1600" kern="1200" cap="none">
-                <a:solidFill>
-                  <a:schemeClr val="tx1"/>
-                </a:solidFill>
-                <a:effectLst/>
-                <a:latin typeface="+mn-lt"/>
-                <a:ea typeface="+mn-ea"/>
-                <a:cs typeface="+mn-cs"/>
-              </a:defRPr>
-            </a:lvl2pPr>
-            <a:lvl3pPr marL="1200150" indent="-285750" algn="l" defTabSz="457200" rtl="0" eaLnBrk="1" latinLnBrk="0" hangingPunct="1">
-              <a:spcBef>
-                <a:spcPts val="0"/>
-              </a:spcBef>
-              <a:spcAft>
-                <a:spcPts val="1000"/>
-              </a:spcAft>
-              <a:buClr>
-                <a:schemeClr val="tx1"/>
-              </a:buClr>
-              <a:buSzPct val="100000"/>
-              <a:buFont typeface="Arial"/>
-              <a:buChar char="•"/>
-              <a:defRPr sz="1400" kern="1200" cap="none">
-                <a:solidFill>
-                  <a:schemeClr val="tx1"/>
-                </a:solidFill>
-                <a:effectLst/>
-                <a:latin typeface="+mn-lt"/>
-                <a:ea typeface="+mn-ea"/>
-                <a:cs typeface="+mn-cs"/>
-              </a:defRPr>
-            </a:lvl3pPr>
-            <a:lvl4pPr marL="1543050" indent="-171450" algn="l" defTabSz="457200" rtl="0" eaLnBrk="1" latinLnBrk="0" hangingPunct="1">
-              <a:spcBef>
-                <a:spcPts val="0"/>
-              </a:spcBef>
-              <a:spcAft>
-                <a:spcPts val="1000"/>
-              </a:spcAft>
-              <a:buClr>
-                <a:schemeClr val="tx1"/>
-              </a:buClr>
-              <a:buSzPct val="100000"/>
-              <a:buFont typeface="Arial"/>
-              <a:buChar char="•"/>
-              <a:defRPr sz="1200" kern="1200" cap="none">
-                <a:solidFill>
-                  <a:schemeClr val="tx1"/>
-                </a:solidFill>
-                <a:effectLst/>
-                <a:latin typeface="+mn-lt"/>
-                <a:ea typeface="+mn-ea"/>
-                <a:cs typeface="+mn-cs"/>
-              </a:defRPr>
-            </a:lvl4pPr>
-            <a:lvl5pPr marL="2000250" indent="-171450" algn="l" defTabSz="457200" rtl="0" eaLnBrk="1" latinLnBrk="0" hangingPunct="1">
-              <a:spcBef>
-                <a:spcPts val="0"/>
-              </a:spcBef>
-              <a:spcAft>
-                <a:spcPts val="1000"/>
-              </a:spcAft>
-              <a:buClr>
-                <a:schemeClr val="tx1"/>
-              </a:buClr>
-              <a:buSzPct val="100000"/>
-              <a:buFont typeface="Arial"/>
-              <a:buChar char="•"/>
-              <a:defRPr sz="1200" kern="1200" cap="none">
-                <a:solidFill>
-                  <a:schemeClr val="tx1"/>
-                </a:solidFill>
-                <a:effectLst/>
-                <a:latin typeface="+mn-lt"/>
-                <a:ea typeface="+mn-ea"/>
-                <a:cs typeface="+mn-cs"/>
-              </a:defRPr>
-            </a:lvl5pPr>
-            <a:lvl6pPr marL="2514600" indent="-228600" algn="l" defTabSz="457200" rtl="0" eaLnBrk="1" latinLnBrk="0" hangingPunct="1">
-              <a:spcBef>
-                <a:spcPts val="0"/>
-              </a:spcBef>
-              <a:spcAft>
-                <a:spcPts val="1000"/>
-              </a:spcAft>
-              <a:buClr>
-                <a:schemeClr val="tx1"/>
-              </a:buClr>
-              <a:buSzPct val="100000"/>
-              <a:buFont typeface="Arial"/>
-              <a:buChar char="•"/>
-              <a:defRPr sz="1200" kern="1200" cap="none">
-                <a:solidFill>
-                  <a:schemeClr val="tx1"/>
-                </a:solidFill>
-                <a:effectLst/>
-                <a:latin typeface="+mn-lt"/>
-                <a:ea typeface="+mn-ea"/>
-                <a:cs typeface="+mn-cs"/>
-              </a:defRPr>
-            </a:lvl6pPr>
-            <a:lvl7pPr marL="2971800" indent="-228600" algn="l" defTabSz="457200" rtl="0" eaLnBrk="1" latinLnBrk="0" hangingPunct="1">
-              <a:spcBef>
-                <a:spcPts val="0"/>
-              </a:spcBef>
-              <a:spcAft>
-                <a:spcPts val="1000"/>
-              </a:spcAft>
-              <a:buClr>
-                <a:schemeClr val="tx1"/>
-              </a:buClr>
-              <a:buSzPct val="100000"/>
-              <a:buFont typeface="Arial"/>
-              <a:buChar char="•"/>
-              <a:defRPr sz="1200" kern="1200" cap="none">
-                <a:solidFill>
-                  <a:schemeClr val="tx1"/>
-                </a:solidFill>
-                <a:effectLst/>
-                <a:latin typeface="+mn-lt"/>
-                <a:ea typeface="+mn-ea"/>
-                <a:cs typeface="+mn-cs"/>
-              </a:defRPr>
-            </a:lvl7pPr>
-            <a:lvl8pPr marL="3429000" indent="-228600" algn="l" defTabSz="457200" rtl="0" eaLnBrk="1" latinLnBrk="0" hangingPunct="1">
-              <a:spcBef>
-                <a:spcPts val="0"/>
-              </a:spcBef>
-              <a:spcAft>
-                <a:spcPts val="1000"/>
-              </a:spcAft>
-              <a:buClr>
-                <a:schemeClr val="tx1"/>
-              </a:buClr>
-              <a:buSzPct val="100000"/>
-              <a:buFont typeface="Arial"/>
-              <a:buChar char="•"/>
-              <a:defRPr sz="1200" kern="1200" cap="none">
-                <a:solidFill>
-                  <a:schemeClr val="tx1"/>
-                </a:solidFill>
-                <a:effectLst/>
-                <a:latin typeface="+mn-lt"/>
-                <a:ea typeface="+mn-ea"/>
-                <a:cs typeface="+mn-cs"/>
-              </a:defRPr>
-            </a:lvl8pPr>
-            <a:lvl9pPr marL="3886200" indent="-228600" algn="l" defTabSz="457200" rtl="0" eaLnBrk="1" latinLnBrk="0" hangingPunct="1">
-              <a:spcBef>
-                <a:spcPts val="0"/>
-              </a:spcBef>
-              <a:spcAft>
-                <a:spcPts val="1000"/>
-              </a:spcAft>
-              <a:buClr>
-                <a:schemeClr val="tx1"/>
-              </a:buClr>
-              <a:buSzPct val="100000"/>
-              <a:buFont typeface="Arial"/>
-              <a:buChar char="•"/>
-              <a:defRPr sz="1200" kern="1200" cap="none">
-                <a:solidFill>
-                  <a:schemeClr val="tx1"/>
-                </a:solidFill>
-                <a:effectLst/>
-                <a:latin typeface="+mn-lt"/>
-                <a:ea typeface="+mn-ea"/>
-                <a:cs typeface="+mn-cs"/>
-              </a:defRPr>
-            </a:lvl9pPr>
-          </a:lstStyle>
-          <a:p>
-            <a:pPr marL="0" indent="0">
-              <a:buNone/>
-            </a:pPr>
-            <a:r>
-              <a:rPr lang="en-MY" dirty="0"/>
-              <a:t>Now give a number, can you make a program to judge if this number is inside one of the above sequence? If it is can you find a sequence which can produce this number?</a:t>
-            </a:r>
-          </a:p>
-        </p:txBody>
-      </p:sp>
-    </p:spTree>
-    <p:extLst>
-      <p:ext uri="{BB962C8B-B14F-4D97-AF65-F5344CB8AC3E}">
-        <p14:creationId xmlns:p14="http://schemas.microsoft.com/office/powerpoint/2010/main" val="2622198170"/>
-      </p:ext>
-    </p:extLst>
-  </p:cSld>
-  <p:clrMapOvr>
-    <a:masterClrMapping/>
-  </p:clrMapOvr>
-</p:sld>
-</file>
-
-<file path=ppt/slides/slide25.xml><?xml version="1.0" encoding="utf-8"?>
-<p:sld xmlns:a="http://schemas.openxmlformats.org/drawingml/2006/main" xmlns:r="http://schemas.openxmlformats.org/officeDocument/2006/relationships" xmlns:p="http://schemas.openxmlformats.org/presentationml/2006/main">
-  <p:cSld>
-    <p:spTree>
-      <p:nvGrpSpPr>
-        <p:cNvPr id="1" name=""/>
-        <p:cNvGrpSpPr/>
-        <p:nvPr/>
-      </p:nvGrpSpPr>
-      <p:grpSpPr>
-        <a:xfrm>
-          <a:off x="0" y="0"/>
-          <a:ext cx="0" cy="0"/>
-          <a:chOff x="0" y="0"/>
-          <a:chExt cx="0" cy="0"/>
-        </a:xfrm>
-      </p:grpSpPr>
-      <p:sp>
-        <p:nvSpPr>
-          <p:cNvPr id="2" name="Title 1">
-            <a:extLst>
-              <a:ext uri="{FF2B5EF4-FFF2-40B4-BE49-F238E27FC236}">
-                <a16:creationId xmlns:a16="http://schemas.microsoft.com/office/drawing/2014/main" id="{1D96A6DA-85CC-438D-8FE1-8BDC8C1BE0D2}"/>
-              </a:ext>
-            </a:extLst>
-          </p:cNvPr>
-          <p:cNvSpPr>
-            <a:spLocks noGrp="1"/>
-          </p:cNvSpPr>
-          <p:nvPr>
-            <p:ph type="title"/>
-          </p:nvPr>
-        </p:nvSpPr>
-        <p:spPr/>
-        <p:txBody>
-          <a:bodyPr/>
-          <a:lstStyle/>
-          <a:p>
-            <a:r>
-              <a:rPr lang="en-US" dirty="0" err="1"/>
-              <a:t>nestsum</a:t>
-            </a:r>
-            <a:endParaRPr lang="en-MY" dirty="0"/>
-          </a:p>
-        </p:txBody>
-      </p:sp>
-      <p:sp>
-        <p:nvSpPr>
-          <p:cNvPr id="3" name="Content Placeholder 2">
-            <a:extLst>
-              <a:ext uri="{FF2B5EF4-FFF2-40B4-BE49-F238E27FC236}">
-                <a16:creationId xmlns:a16="http://schemas.microsoft.com/office/drawing/2014/main" id="{74CF7FC6-65F6-4325-8DB2-4EB46244F474}"/>
-              </a:ext>
-            </a:extLst>
-          </p:cNvPr>
-          <p:cNvSpPr>
-            <a:spLocks noGrp="1"/>
-          </p:cNvSpPr>
-          <p:nvPr>
-            <p:ph idx="1"/>
-          </p:nvPr>
-        </p:nvSpPr>
-        <p:spPr/>
-        <p:txBody>
-          <a:bodyPr anchor="t"/>
-          <a:lstStyle/>
-          <a:p>
-            <a:r>
-              <a:rPr lang="en-US" dirty="0"/>
-              <a:t>Create a function called </a:t>
-            </a:r>
-            <a:r>
-              <a:rPr lang="en-US" i="1" dirty="0" err="1"/>
-              <a:t>nestsum</a:t>
-            </a:r>
-            <a:r>
-              <a:rPr lang="en-US" i="1" dirty="0"/>
-              <a:t>.</a:t>
-            </a:r>
-          </a:p>
-          <a:p>
-            <a:r>
-              <a:rPr lang="en-US" dirty="0"/>
-              <a:t>The function takes a list and if the list has nested lists, will sum over all of them (nested lists) and calculate the sum of all items.</a:t>
-            </a:r>
-            <a:endParaRPr lang="en-MY" dirty="0"/>
-          </a:p>
-        </p:txBody>
-      </p:sp>
-    </p:spTree>
-    <p:extLst>
-      <p:ext uri="{BB962C8B-B14F-4D97-AF65-F5344CB8AC3E}">
-        <p14:creationId xmlns:p14="http://schemas.microsoft.com/office/powerpoint/2010/main" val="901693000"/>
-      </p:ext>
-    </p:extLst>
-  </p:cSld>
-  <p:clrMapOvr>
-    <a:masterClrMapping/>
-  </p:clrMapOvr>
-</p:sld>
-</file>
-
-<file path=ppt/slides/slide26.xml><?xml version="1.0" encoding="utf-8"?>
-<p:sld xmlns:a="http://schemas.openxmlformats.org/drawingml/2006/main" xmlns:r="http://schemas.openxmlformats.org/officeDocument/2006/relationships" xmlns:p="http://schemas.openxmlformats.org/presentationml/2006/main">
-  <p:cSld>
-    <p:spTree>
-      <p:nvGrpSpPr>
-        <p:cNvPr id="1" name=""/>
-        <p:cNvGrpSpPr/>
-        <p:nvPr/>
-      </p:nvGrpSpPr>
-      <p:grpSpPr>
-        <a:xfrm>
-          <a:off x="0" y="0"/>
-          <a:ext cx="0" cy="0"/>
-          <a:chOff x="0" y="0"/>
-          <a:chExt cx="0" cy="0"/>
-        </a:xfrm>
-      </p:grpSpPr>
-      <p:sp>
-        <p:nvSpPr>
           <p:cNvPr id="2" name="Title 1">
             <a:extLst>
               <a:ext uri="{FF2B5EF4-FFF2-40B4-BE49-F238E27FC236}">
@@ -15815,302 +10907,7 @@
 </p:sld>
 </file>
 
-<file path=ppt/slides/slide27.xml><?xml version="1.0" encoding="utf-8"?>
-<p:sld xmlns:a="http://schemas.openxmlformats.org/drawingml/2006/main" xmlns:r="http://schemas.openxmlformats.org/officeDocument/2006/relationships" xmlns:p="http://schemas.openxmlformats.org/presentationml/2006/main">
-  <p:cSld>
-    <p:spTree>
-      <p:nvGrpSpPr>
-        <p:cNvPr id="1" name=""/>
-        <p:cNvGrpSpPr/>
-        <p:nvPr/>
-      </p:nvGrpSpPr>
-      <p:grpSpPr>
-        <a:xfrm>
-          <a:off x="0" y="0"/>
-          <a:ext cx="0" cy="0"/>
-          <a:chOff x="0" y="0"/>
-          <a:chExt cx="0" cy="0"/>
-        </a:xfrm>
-      </p:grpSpPr>
-      <p:sp>
-        <p:nvSpPr>
-          <p:cNvPr id="2" name="Title 1">
-            <a:extLst>
-              <a:ext uri="{FF2B5EF4-FFF2-40B4-BE49-F238E27FC236}">
-                <a16:creationId xmlns:a16="http://schemas.microsoft.com/office/drawing/2014/main" id="{1D96A6DA-85CC-438D-8FE1-8BDC8C1BE0D2}"/>
-              </a:ext>
-            </a:extLst>
-          </p:cNvPr>
-          <p:cNvSpPr>
-            <a:spLocks noGrp="1"/>
-          </p:cNvSpPr>
-          <p:nvPr>
-            <p:ph type="title"/>
-          </p:nvPr>
-        </p:nvSpPr>
-        <p:spPr/>
-        <p:txBody>
-          <a:bodyPr/>
-          <a:lstStyle/>
-          <a:p>
-            <a:r>
-              <a:rPr lang="en-US" dirty="0"/>
-              <a:t>combination</a:t>
-            </a:r>
-            <a:endParaRPr lang="en-MY" dirty="0"/>
-          </a:p>
-        </p:txBody>
-      </p:sp>
-      <p:sp>
-        <p:nvSpPr>
-          <p:cNvPr id="3" name="Content Placeholder 2">
-            <a:extLst>
-              <a:ext uri="{FF2B5EF4-FFF2-40B4-BE49-F238E27FC236}">
-                <a16:creationId xmlns:a16="http://schemas.microsoft.com/office/drawing/2014/main" id="{74CF7FC6-65F6-4325-8DB2-4EB46244F474}"/>
-              </a:ext>
-            </a:extLst>
-          </p:cNvPr>
-          <p:cNvSpPr>
-            <a:spLocks noGrp="1"/>
-          </p:cNvSpPr>
-          <p:nvPr>
-            <p:ph idx="1"/>
-          </p:nvPr>
-        </p:nvSpPr>
-        <p:spPr/>
-        <p:txBody>
-          <a:bodyPr anchor="t"/>
-          <a:lstStyle/>
-          <a:p>
-            <a:r>
-              <a:rPr lang="en-US" dirty="0"/>
-              <a:t>Combination: how many ways to take out things from a set of items.</a:t>
-            </a:r>
-          </a:p>
-          <a:p>
-            <a:r>
-              <a:rPr lang="en-US" dirty="0"/>
-              <a:t>You have {a, b, c, d, e}, 5 things.</a:t>
-            </a:r>
-          </a:p>
-          <a:p>
-            <a:r>
-              <a:rPr lang="en-US" dirty="0"/>
-              <a:t>Now you want take out 1 from the 5. how many ways you can do?    Answer: you have 5 ways.</a:t>
-            </a:r>
-          </a:p>
-          <a:p>
-            <a:r>
-              <a:rPr lang="en-US" dirty="0"/>
-              <a:t>Now you want take out 2 from the 5. how many ways?     Answer: Then total ways is 10. they are {</a:t>
-            </a:r>
-            <a:r>
-              <a:rPr lang="en-US" dirty="0" err="1"/>
-              <a:t>a,b</a:t>
-            </a:r>
-            <a:r>
-              <a:rPr lang="en-US" dirty="0"/>
-              <a:t>}, {</a:t>
-            </a:r>
-            <a:r>
-              <a:rPr lang="en-US" dirty="0" err="1"/>
-              <a:t>a,c</a:t>
-            </a:r>
-            <a:r>
-              <a:rPr lang="en-US" dirty="0"/>
-              <a:t>}, {</a:t>
-            </a:r>
-            <a:r>
-              <a:rPr lang="en-US" dirty="0" err="1"/>
-              <a:t>a,d</a:t>
-            </a:r>
-            <a:r>
-              <a:rPr lang="en-US" dirty="0"/>
-              <a:t>}, {</a:t>
-            </a:r>
-            <a:r>
-              <a:rPr lang="en-US" dirty="0" err="1"/>
-              <a:t>a,e</a:t>
-            </a:r>
-            <a:r>
-              <a:rPr lang="en-US" dirty="0"/>
-              <a:t>}, {</a:t>
-            </a:r>
-            <a:r>
-              <a:rPr lang="en-US" dirty="0" err="1"/>
-              <a:t>b,c</a:t>
-            </a:r>
-            <a:r>
-              <a:rPr lang="en-US" dirty="0"/>
-              <a:t>}, {</a:t>
-            </a:r>
-            <a:r>
-              <a:rPr lang="en-US" dirty="0" err="1"/>
-              <a:t>b,d</a:t>
-            </a:r>
-            <a:r>
-              <a:rPr lang="en-US" dirty="0"/>
-              <a:t>}, {</a:t>
-            </a:r>
-            <a:r>
-              <a:rPr lang="en-US" dirty="0" err="1"/>
-              <a:t>b,e</a:t>
-            </a:r>
-            <a:r>
-              <a:rPr lang="en-US" dirty="0"/>
-              <a:t>}, {</a:t>
-            </a:r>
-            <a:r>
-              <a:rPr lang="en-US" dirty="0" err="1"/>
-              <a:t>c,d</a:t>
-            </a:r>
-            <a:r>
-              <a:rPr lang="en-US" dirty="0"/>
-              <a:t>}, {</a:t>
-            </a:r>
-            <a:r>
-              <a:rPr lang="en-US" dirty="0" err="1"/>
-              <a:t>c,e</a:t>
-            </a:r>
-            <a:r>
-              <a:rPr lang="en-US" dirty="0"/>
-              <a:t>}, {</a:t>
-            </a:r>
-            <a:r>
-              <a:rPr lang="en-US" dirty="0" err="1"/>
-              <a:t>d,e</a:t>
-            </a:r>
-            <a:r>
-              <a:rPr lang="en-US" dirty="0"/>
-              <a:t>}</a:t>
-            </a:r>
-          </a:p>
-          <a:p>
-            <a:endParaRPr lang="en-US" dirty="0"/>
-          </a:p>
-          <a:p>
-            <a:r>
-              <a:rPr lang="en-US" dirty="0"/>
-              <a:t>Make a program to list all the ways? (from n items to take m items, m&lt;=n)</a:t>
-            </a:r>
-            <a:endParaRPr lang="en-MY" dirty="0"/>
-          </a:p>
-        </p:txBody>
-      </p:sp>
-    </p:spTree>
-    <p:extLst>
-      <p:ext uri="{BB962C8B-B14F-4D97-AF65-F5344CB8AC3E}">
-        <p14:creationId xmlns:p14="http://schemas.microsoft.com/office/powerpoint/2010/main" val="4225843026"/>
-      </p:ext>
-    </p:extLst>
-  </p:cSld>
-  <p:clrMapOvr>
-    <a:masterClrMapping/>
-  </p:clrMapOvr>
-</p:sld>
-</file>
-
-<file path=ppt/slides/slide28.xml><?xml version="1.0" encoding="utf-8"?>
-<p:sld xmlns:a="http://schemas.openxmlformats.org/drawingml/2006/main" xmlns:r="http://schemas.openxmlformats.org/officeDocument/2006/relationships" xmlns:p="http://schemas.openxmlformats.org/presentationml/2006/main">
-  <p:cSld>
-    <p:spTree>
-      <p:nvGrpSpPr>
-        <p:cNvPr id="1" name=""/>
-        <p:cNvGrpSpPr/>
-        <p:nvPr/>
-      </p:nvGrpSpPr>
-      <p:grpSpPr>
-        <a:xfrm>
-          <a:off x="0" y="0"/>
-          <a:ext cx="0" cy="0"/>
-          <a:chOff x="0" y="0"/>
-          <a:chExt cx="0" cy="0"/>
-        </a:xfrm>
-      </p:grpSpPr>
-      <p:sp>
-        <p:nvSpPr>
-          <p:cNvPr id="2" name="Title 1">
-            <a:extLst>
-              <a:ext uri="{FF2B5EF4-FFF2-40B4-BE49-F238E27FC236}">
-                <a16:creationId xmlns:a16="http://schemas.microsoft.com/office/drawing/2014/main" id="{1D96A6DA-85CC-438D-8FE1-8BDC8C1BE0D2}"/>
-              </a:ext>
-            </a:extLst>
-          </p:cNvPr>
-          <p:cNvSpPr>
-            <a:spLocks noGrp="1"/>
-          </p:cNvSpPr>
-          <p:nvPr>
-            <p:ph type="title"/>
-          </p:nvPr>
-        </p:nvSpPr>
-        <p:spPr/>
-        <p:txBody>
-          <a:bodyPr/>
-          <a:lstStyle/>
-          <a:p>
-            <a:r>
-              <a:rPr lang="en-US" dirty="0"/>
-              <a:t>permutation</a:t>
-            </a:r>
-            <a:endParaRPr lang="en-MY" dirty="0"/>
-          </a:p>
-        </p:txBody>
-      </p:sp>
-      <p:sp>
-        <p:nvSpPr>
-          <p:cNvPr id="3" name="Content Placeholder 2">
-            <a:extLst>
-              <a:ext uri="{FF2B5EF4-FFF2-40B4-BE49-F238E27FC236}">
-                <a16:creationId xmlns:a16="http://schemas.microsoft.com/office/drawing/2014/main" id="{74CF7FC6-65F6-4325-8DB2-4EB46244F474}"/>
-              </a:ext>
-            </a:extLst>
-          </p:cNvPr>
-          <p:cNvSpPr>
-            <a:spLocks noGrp="1"/>
-          </p:cNvSpPr>
-          <p:nvPr>
-            <p:ph idx="1"/>
-          </p:nvPr>
-        </p:nvSpPr>
-        <p:spPr/>
-        <p:txBody>
-          <a:bodyPr anchor="t"/>
-          <a:lstStyle/>
-          <a:p>
-            <a:r>
-              <a:rPr lang="en-US" dirty="0"/>
-              <a:t>In the combination problem, if the item you take out the order is important, then it becomes permutation problem.</a:t>
-            </a:r>
-          </a:p>
-          <a:p>
-            <a:r>
-              <a:rPr lang="en-US" dirty="0"/>
-              <a:t>Example: for taking 2 items, {a, c} and {c, a} are considered different.</a:t>
-            </a:r>
-          </a:p>
-          <a:p>
-            <a:r>
-              <a:rPr lang="en-US" dirty="0"/>
-              <a:t>Can make a program to list all ways?</a:t>
-            </a:r>
-            <a:endParaRPr lang="en-MY" dirty="0"/>
-          </a:p>
-        </p:txBody>
-      </p:sp>
-    </p:spTree>
-    <p:extLst>
-      <p:ext uri="{BB962C8B-B14F-4D97-AF65-F5344CB8AC3E}">
-        <p14:creationId xmlns:p14="http://schemas.microsoft.com/office/powerpoint/2010/main" val="1741278169"/>
-      </p:ext>
-    </p:extLst>
-  </p:cSld>
-  <p:clrMapOvr>
-    <a:masterClrMapping/>
-  </p:clrMapOvr>
-</p:sld>
-</file>
-
-<file path=ppt/slides/slide29.xml><?xml version="1.0" encoding="utf-8"?>
+<file path=ppt/slides/slide12.xml><?xml version="1.0" encoding="utf-8"?>
 <p:sld xmlns:a="http://schemas.openxmlformats.org/drawingml/2006/main" xmlns:r="http://schemas.openxmlformats.org/officeDocument/2006/relationships" xmlns:p="http://schemas.openxmlformats.org/presentationml/2006/main">
   <p:cSld>
     <p:spTree>
@@ -16267,7 +11064,7 @@
 </p:sld>
 </file>
 
-<file path=ppt/slides/slide3.xml><?xml version="1.0" encoding="utf-8"?>
+<file path=ppt/slides/slide13.xml><?xml version="1.0" encoding="utf-8"?>
 <p:sld xmlns:a="http://schemas.openxmlformats.org/drawingml/2006/main" xmlns:r="http://schemas.openxmlformats.org/officeDocument/2006/relationships" xmlns:p="http://schemas.openxmlformats.org/presentationml/2006/main">
   <p:cSld>
     <p:spTree>
@@ -16286,10 +11083,39 @@
       </p:grpSpPr>
       <p:sp>
         <p:nvSpPr>
-          <p:cNvPr id="3" name="Content Placeholder 2">
+          <p:cNvPr id="2" name="标题 1">
             <a:extLst>
               <a:ext uri="{FF2B5EF4-FFF2-40B4-BE49-F238E27FC236}">
-                <a16:creationId xmlns:a16="http://schemas.microsoft.com/office/drawing/2014/main" id="{9ACB66CF-AD72-47FB-9DEE-6949334A6EA7}"/>
+                <a16:creationId xmlns:a16="http://schemas.microsoft.com/office/drawing/2014/main" id="{5EC01E2D-9CFE-4D5D-8863-3BA90731F07B}"/>
+              </a:ext>
+            </a:extLst>
+          </p:cNvPr>
+          <p:cNvSpPr>
+            <a:spLocks noGrp="1"/>
+          </p:cNvSpPr>
+          <p:nvPr>
+            <p:ph type="title"/>
+          </p:nvPr>
+        </p:nvSpPr>
+        <p:spPr/>
+        <p:txBody>
+          <a:bodyPr/>
+          <a:lstStyle/>
+          <a:p>
+            <a:r>
+              <a:rPr lang="en-US" dirty="0"/>
+              <a:t>Queue simulation program</a:t>
+            </a:r>
+            <a:endParaRPr lang="en-MY" dirty="0"/>
+          </a:p>
+        </p:txBody>
+      </p:sp>
+      <p:sp>
+        <p:nvSpPr>
+          <p:cNvPr id="3" name="内容占位符 2">
+            <a:extLst>
+              <a:ext uri="{FF2B5EF4-FFF2-40B4-BE49-F238E27FC236}">
+                <a16:creationId xmlns:a16="http://schemas.microsoft.com/office/drawing/2014/main" id="{7060439F-2729-478E-B95F-230482B50AA1}"/>
               </a:ext>
             </a:extLst>
           </p:cNvPr>
@@ -16302,8 +11128,8 @@
         </p:nvSpPr>
         <p:spPr>
           <a:xfrm>
-            <a:off x="685801" y="2065867"/>
-            <a:ext cx="9865657" cy="2205815"/>
+            <a:off x="685801" y="2142067"/>
+            <a:ext cx="6271590" cy="3788216"/>
           </a:xfrm>
         </p:spPr>
         <p:txBody>
@@ -16312,57 +11138,48 @@
           </a:bodyPr>
           <a:lstStyle/>
           <a:p>
-            <a:r>
-              <a:rPr lang="en-US" dirty="0"/>
-              <a:t>Write a program, which takes </a:t>
-            </a:r>
-            <a:r>
-              <a:rPr lang="en-US"/>
-              <a:t>many different letters </a:t>
-            </a:r>
-            <a:r>
-              <a:rPr lang="en-US" dirty="0"/>
-              <a:t>from user. Use ‘0’ as indication of end.</a:t>
-            </a:r>
-          </a:p>
-          <a:p>
+            <a:pPr marL="0" indent="0">
+              <a:buNone/>
+            </a:pPr>
             <a:r>
               <a:rPr lang="en-MY" dirty="0"/>
-              <a:t>The program output all possible string using those letters. (use at least one letter, up to all letters been used.)</a:t>
-            </a:r>
-          </a:p>
-        </p:txBody>
-      </p:sp>
-      <p:sp>
-        <p:nvSpPr>
-          <p:cNvPr id="4" name="标题 1">
-            <a:extLst>
-              <a:ext uri="{FF2B5EF4-FFF2-40B4-BE49-F238E27FC236}">
-                <a16:creationId xmlns:a16="http://schemas.microsoft.com/office/drawing/2014/main" id="{BD5E8151-0E77-409E-BF85-FD92350D8956}"/>
-              </a:ext>
-            </a:extLst>
-          </p:cNvPr>
-          <p:cNvSpPr>
-            <a:spLocks noGrp="1"/>
-          </p:cNvSpPr>
-          <p:nvPr>
-            <p:ph type="title"/>
-          </p:nvPr>
-        </p:nvSpPr>
-        <p:spPr>
-          <a:xfrm>
-            <a:off x="685801" y="609600"/>
-            <a:ext cx="10131425" cy="1456267"/>
-          </a:xfrm>
-        </p:spPr>
-        <p:txBody>
-          <a:bodyPr/>
-          <a:lstStyle/>
-          <a:p>
-            <a:r>
-              <a:rPr lang="en-US" dirty="0"/>
-              <a:t>Permutation of letters</a:t>
-            </a:r>
+              <a:t>Create a program of simulation.</a:t>
+            </a:r>
+          </a:p>
+          <a:p>
+            <a:r>
+              <a:rPr lang="en-MY" dirty="0"/>
+              <a:t>Every minute comes a random number person of (0~5), to queue and buy coffee.</a:t>
+            </a:r>
+          </a:p>
+          <a:p>
+            <a:r>
+              <a:rPr lang="en-MY" dirty="0"/>
+              <a:t>Every guest takes around 15 ~ 20 seconds to finish service.</a:t>
+            </a:r>
+          </a:p>
+          <a:p>
+            <a:r>
+              <a:rPr lang="en-MY" dirty="0"/>
+              <a:t>Observe how the queue depth changes with time.</a:t>
+            </a:r>
+          </a:p>
+          <a:p>
+            <a:r>
+              <a:rPr lang="en-MY"/>
+              <a:t>Record </a:t>
+            </a:r>
+            <a:r>
+              <a:rPr lang="en-MY" dirty="0"/>
+              <a:t>and study each person’s waiting time.</a:t>
+            </a:r>
+          </a:p>
+          <a:p>
+            <a:pPr lvl="1"/>
+            <a:endParaRPr lang="en-MY" dirty="0"/>
+          </a:p>
+          <a:p>
+            <a:pPr lvl="1"/>
             <a:endParaRPr lang="en-MY" dirty="0"/>
           </a:p>
         </p:txBody>
@@ -16370,7 +11187,7 @@
     </p:spTree>
     <p:extLst>
       <p:ext uri="{BB962C8B-B14F-4D97-AF65-F5344CB8AC3E}">
-        <p14:creationId xmlns:p14="http://schemas.microsoft.com/office/powerpoint/2010/main" val="3756693306"/>
+        <p14:creationId xmlns:p14="http://schemas.microsoft.com/office/powerpoint/2010/main" val="1235300252"/>
       </p:ext>
     </p:extLst>
   </p:cSld>
@@ -16380,7 +11197,7 @@
 </p:sld>
 </file>
 
-<file path=ppt/slides/slide30.xml><?xml version="1.0" encoding="utf-8"?>
+<file path=ppt/slides/slide14.xml><?xml version="1.0" encoding="utf-8"?>
 <p:sld xmlns:a="http://schemas.openxmlformats.org/drawingml/2006/main" xmlns:r="http://schemas.openxmlformats.org/officeDocument/2006/relationships" xmlns:p="http://schemas.openxmlformats.org/presentationml/2006/main">
   <p:cSld>
     <p:spTree>
@@ -16420,7 +11237,7 @@
           <a:p>
             <a:r>
               <a:rPr lang="en-US" dirty="0"/>
-              <a:t>Queue simulation program</a:t>
+              <a:t>stack simulation program</a:t>
             </a:r>
             <a:endParaRPr lang="en-MY" dirty="0"/>
           </a:p>
@@ -16444,8 +11261,8 @@
         </p:nvSpPr>
         <p:spPr>
           <a:xfrm>
-            <a:off x="685801" y="2142067"/>
-            <a:ext cx="6271590" cy="3788216"/>
+            <a:off x="685801" y="2142066"/>
+            <a:ext cx="6664910" cy="3557397"/>
           </a:xfrm>
         </p:spPr>
         <p:txBody>
@@ -16465,29 +11282,31 @@
           <a:p>
             <a:r>
               <a:rPr lang="en-MY" dirty="0"/>
-              <a:t>Every minute comes a random number person of (0~5), to queue and buy coffee.</a:t>
+              <a:t>Every day comes a random number of files waiting to be signed (0~10), which was put on a table.</a:t>
             </a:r>
           </a:p>
           <a:p>
             <a:r>
               <a:rPr lang="en-MY" dirty="0"/>
-              <a:t>Every guest takes around 15 ~ 20 seconds to finish service.</a:t>
+              <a:t>Every day take 6 files from table, process and sign it.</a:t>
             </a:r>
           </a:p>
           <a:p>
             <a:r>
               <a:rPr lang="en-MY" dirty="0"/>
-              <a:t>Observe how the queue depth changes with time.</a:t>
-            </a:r>
-          </a:p>
-          <a:p>
-            <a:r>
-              <a:rPr lang="en-MY"/>
-              <a:t>Record </a:t>
-            </a:r>
+              <a:t>Observe how the stack depth changes with time.</a:t>
+            </a:r>
+          </a:p>
+          <a:p>
             <a:r>
               <a:rPr lang="en-MY" dirty="0"/>
-              <a:t>and study each person’s waiting time.</a:t>
+              <a:t>What if you feel not work and work efficiency reduce to only process 4 files one day?</a:t>
+            </a:r>
+          </a:p>
+          <a:p>
+            <a:r>
+              <a:rPr lang="en-MY" dirty="0"/>
+              <a:t>Record and study each file waiting time.</a:t>
             </a:r>
           </a:p>
           <a:p>
@@ -16503,7 +11322,7 @@
     </p:spTree>
     <p:extLst>
       <p:ext uri="{BB962C8B-B14F-4D97-AF65-F5344CB8AC3E}">
-        <p14:creationId xmlns:p14="http://schemas.microsoft.com/office/powerpoint/2010/main" val="1235300252"/>
+        <p14:creationId xmlns:p14="http://schemas.microsoft.com/office/powerpoint/2010/main" val="223724709"/>
       </p:ext>
     </p:extLst>
   </p:cSld>
@@ -16513,7 +11332,7 @@
 </p:sld>
 </file>
 
-<file path=ppt/slides/slide31.xml><?xml version="1.0" encoding="utf-8"?>
+<file path=ppt/slides/slide15.xml><?xml version="1.0" encoding="utf-8"?>
 <p:sld xmlns:a="http://schemas.openxmlformats.org/drawingml/2006/main" xmlns:r="http://schemas.openxmlformats.org/officeDocument/2006/relationships" xmlns:p="http://schemas.openxmlformats.org/presentationml/2006/main">
   <p:cSld>
     <p:spTree>
@@ -16553,7 +11372,7 @@
           <a:p>
             <a:r>
               <a:rPr lang="en-US" dirty="0"/>
-              <a:t>stack simulation program</a:t>
+              <a:t>What is in the backpack</a:t>
             </a:r>
             <a:endParaRPr lang="en-MY" dirty="0"/>
           </a:p>
@@ -16577,141 +11396,6 @@
         </p:nvSpPr>
         <p:spPr>
           <a:xfrm>
-            <a:off x="685801" y="2142066"/>
-            <a:ext cx="6664910" cy="3557397"/>
-          </a:xfrm>
-        </p:spPr>
-        <p:txBody>
-          <a:bodyPr anchor="t">
-            <a:normAutofit/>
-          </a:bodyPr>
-          <a:lstStyle/>
-          <a:p>
-            <a:pPr marL="0" indent="0">
-              <a:buNone/>
-            </a:pPr>
-            <a:r>
-              <a:rPr lang="en-MY" dirty="0"/>
-              <a:t>Create a program of simulation.</a:t>
-            </a:r>
-          </a:p>
-          <a:p>
-            <a:r>
-              <a:rPr lang="en-MY" dirty="0"/>
-              <a:t>Every day comes a random number of files waiting to be signed (0~10), which was put on a table.</a:t>
-            </a:r>
-          </a:p>
-          <a:p>
-            <a:r>
-              <a:rPr lang="en-MY" dirty="0"/>
-              <a:t>Every day take 6 files from table, process and sign it.</a:t>
-            </a:r>
-          </a:p>
-          <a:p>
-            <a:r>
-              <a:rPr lang="en-MY" dirty="0"/>
-              <a:t>Observe how the stack depth changes with time.</a:t>
-            </a:r>
-          </a:p>
-          <a:p>
-            <a:r>
-              <a:rPr lang="en-MY" dirty="0"/>
-              <a:t>What if you feel not work and work efficiency reduce to only process 4 files one day?</a:t>
-            </a:r>
-          </a:p>
-          <a:p>
-            <a:r>
-              <a:rPr lang="en-MY" dirty="0"/>
-              <a:t>Record and study each file waiting time.</a:t>
-            </a:r>
-          </a:p>
-          <a:p>
-            <a:pPr lvl="1"/>
-            <a:endParaRPr lang="en-MY" dirty="0"/>
-          </a:p>
-          <a:p>
-            <a:pPr lvl="1"/>
-            <a:endParaRPr lang="en-MY" dirty="0"/>
-          </a:p>
-        </p:txBody>
-      </p:sp>
-    </p:spTree>
-    <p:extLst>
-      <p:ext uri="{BB962C8B-B14F-4D97-AF65-F5344CB8AC3E}">
-        <p14:creationId xmlns:p14="http://schemas.microsoft.com/office/powerpoint/2010/main" val="223724709"/>
-      </p:ext>
-    </p:extLst>
-  </p:cSld>
-  <p:clrMapOvr>
-    <a:masterClrMapping/>
-  </p:clrMapOvr>
-</p:sld>
-</file>
-
-<file path=ppt/slides/slide32.xml><?xml version="1.0" encoding="utf-8"?>
-<p:sld xmlns:a="http://schemas.openxmlformats.org/drawingml/2006/main" xmlns:r="http://schemas.openxmlformats.org/officeDocument/2006/relationships" xmlns:p="http://schemas.openxmlformats.org/presentationml/2006/main">
-  <p:cSld>
-    <p:spTree>
-      <p:nvGrpSpPr>
-        <p:cNvPr id="1" name=""/>
-        <p:cNvGrpSpPr/>
-        <p:nvPr/>
-      </p:nvGrpSpPr>
-      <p:grpSpPr>
-        <a:xfrm>
-          <a:off x="0" y="0"/>
-          <a:ext cx="0" cy="0"/>
-          <a:chOff x="0" y="0"/>
-          <a:chExt cx="0" cy="0"/>
-        </a:xfrm>
-      </p:grpSpPr>
-      <p:sp>
-        <p:nvSpPr>
-          <p:cNvPr id="2" name="标题 1">
-            <a:extLst>
-              <a:ext uri="{FF2B5EF4-FFF2-40B4-BE49-F238E27FC236}">
-                <a16:creationId xmlns:a16="http://schemas.microsoft.com/office/drawing/2014/main" id="{5EC01E2D-9CFE-4D5D-8863-3BA90731F07B}"/>
-              </a:ext>
-            </a:extLst>
-          </p:cNvPr>
-          <p:cNvSpPr>
-            <a:spLocks noGrp="1"/>
-          </p:cNvSpPr>
-          <p:nvPr>
-            <p:ph type="title"/>
-          </p:nvPr>
-        </p:nvSpPr>
-        <p:spPr/>
-        <p:txBody>
-          <a:bodyPr/>
-          <a:lstStyle/>
-          <a:p>
-            <a:r>
-              <a:rPr lang="en-US" dirty="0"/>
-              <a:t>What is in the backpack</a:t>
-            </a:r>
-            <a:endParaRPr lang="en-MY" dirty="0"/>
-          </a:p>
-        </p:txBody>
-      </p:sp>
-      <p:sp>
-        <p:nvSpPr>
-          <p:cNvPr id="3" name="内容占位符 2">
-            <a:extLst>
-              <a:ext uri="{FF2B5EF4-FFF2-40B4-BE49-F238E27FC236}">
-                <a16:creationId xmlns:a16="http://schemas.microsoft.com/office/drawing/2014/main" id="{7060439F-2729-478E-B95F-230482B50AA1}"/>
-              </a:ext>
-            </a:extLst>
-          </p:cNvPr>
-          <p:cNvSpPr>
-            <a:spLocks noGrp="1"/>
-          </p:cNvSpPr>
-          <p:nvPr>
-            <p:ph idx="1"/>
-          </p:nvPr>
-        </p:nvSpPr>
-        <p:spPr>
-          <a:xfrm>
             <a:off x="685802" y="2142067"/>
             <a:ext cx="6235504" cy="3062979"/>
           </a:xfrm>
@@ -16762,7 +11446,7 @@
 </p:sld>
 </file>
 
-<file path=ppt/slides/slide33.xml><?xml version="1.0" encoding="utf-8"?>
+<file path=ppt/slides/slide16.xml><?xml version="1.0" encoding="utf-8"?>
 <p:sld xmlns:a="http://schemas.openxmlformats.org/drawingml/2006/main" xmlns:r="http://schemas.openxmlformats.org/officeDocument/2006/relationships" xmlns:p="http://schemas.openxmlformats.org/presentationml/2006/main">
   <p:cSld>
     <p:spTree>
@@ -18377,6 +13061,308 @@
 </p:sld>
 </file>
 
+<file path=ppt/slides/slide2.xml><?xml version="1.0" encoding="utf-8"?>
+<p:sld xmlns:a="http://schemas.openxmlformats.org/drawingml/2006/main" xmlns:r="http://schemas.openxmlformats.org/officeDocument/2006/relationships" xmlns:p="http://schemas.openxmlformats.org/presentationml/2006/main">
+  <p:cSld>
+    <p:spTree>
+      <p:nvGrpSpPr>
+        <p:cNvPr id="1" name=""/>
+        <p:cNvGrpSpPr/>
+        <p:nvPr/>
+      </p:nvGrpSpPr>
+      <p:grpSpPr>
+        <a:xfrm>
+          <a:off x="0" y="0"/>
+          <a:ext cx="0" cy="0"/>
+          <a:chOff x="0" y="0"/>
+          <a:chExt cx="0" cy="0"/>
+        </a:xfrm>
+      </p:grpSpPr>
+      <p:sp>
+        <p:nvSpPr>
+          <p:cNvPr id="2" name="标题 1">
+            <a:extLst>
+              <a:ext uri="{FF2B5EF4-FFF2-40B4-BE49-F238E27FC236}">
+                <a16:creationId xmlns:a16="http://schemas.microsoft.com/office/drawing/2014/main" id="{5EC01E2D-9CFE-4D5D-8863-3BA90731F07B}"/>
+              </a:ext>
+            </a:extLst>
+          </p:cNvPr>
+          <p:cNvSpPr>
+            <a:spLocks noGrp="1"/>
+          </p:cNvSpPr>
+          <p:nvPr>
+            <p:ph type="title"/>
+          </p:nvPr>
+        </p:nvSpPr>
+        <p:spPr/>
+        <p:txBody>
+          <a:bodyPr/>
+          <a:lstStyle/>
+          <a:p>
+            <a:r>
+              <a:rPr lang="en-US" altLang="zh-CN" dirty="0"/>
+              <a:t>Define your own function</a:t>
+            </a:r>
+            <a:endParaRPr lang="en-MY" dirty="0"/>
+          </a:p>
+        </p:txBody>
+      </p:sp>
+      <p:sp>
+        <p:nvSpPr>
+          <p:cNvPr id="3" name="内容占位符 2">
+            <a:extLst>
+              <a:ext uri="{FF2B5EF4-FFF2-40B4-BE49-F238E27FC236}">
+                <a16:creationId xmlns:a16="http://schemas.microsoft.com/office/drawing/2014/main" id="{7060439F-2729-478E-B95F-230482B50AA1}"/>
+              </a:ext>
+            </a:extLst>
+          </p:cNvPr>
+          <p:cNvSpPr>
+            <a:spLocks noGrp="1"/>
+          </p:cNvSpPr>
+          <p:nvPr>
+            <p:ph idx="1"/>
+          </p:nvPr>
+        </p:nvSpPr>
+        <p:spPr>
+          <a:xfrm>
+            <a:off x="685802" y="2142066"/>
+            <a:ext cx="8919592" cy="3572934"/>
+          </a:xfrm>
+        </p:spPr>
+        <p:txBody>
+          <a:bodyPr anchor="t">
+            <a:normAutofit/>
+          </a:bodyPr>
+          <a:lstStyle/>
+          <a:p>
+            <a:r>
+              <a:rPr lang="en-MY" dirty="0"/>
+              <a:t>Define a function </a:t>
+            </a:r>
+            <a:r>
+              <a:rPr lang="en-MY" dirty="0" err="1"/>
+              <a:t>countBs</a:t>
+            </a:r>
+            <a:r>
+              <a:rPr lang="en-MY" dirty="0"/>
+              <a:t>(), which accepts a string as argument, and return how many ‘B’ in this string.</a:t>
+            </a:r>
+          </a:p>
+          <a:p>
+            <a:endParaRPr lang="en-MY" dirty="0"/>
+          </a:p>
+          <a:p>
+            <a:r>
+              <a:rPr lang="en-MY" dirty="0"/>
+              <a:t>Define a new function </a:t>
+            </a:r>
+            <a:r>
+              <a:rPr lang="en-MY" dirty="0" err="1"/>
+              <a:t>countChars</a:t>
+            </a:r>
+            <a:r>
+              <a:rPr lang="en-MY" dirty="0"/>
+              <a:t>(), which accepts one more argument, this second argument is a one letter string, specify which character want to count. And the function will return how many this character in the string.</a:t>
+            </a:r>
+          </a:p>
+          <a:p>
+            <a:endParaRPr lang="en-MY" dirty="0"/>
+          </a:p>
+          <a:p>
+            <a:r>
+              <a:rPr lang="en-MY" dirty="0"/>
+              <a:t>Try to use the second function, to make a new </a:t>
+            </a:r>
+            <a:r>
+              <a:rPr lang="en-MY" dirty="0" err="1"/>
+              <a:t>countBs</a:t>
+            </a:r>
+            <a:r>
+              <a:rPr lang="en-MY" dirty="0"/>
+              <a:t> function.</a:t>
+            </a:r>
+          </a:p>
+        </p:txBody>
+      </p:sp>
+    </p:spTree>
+    <p:extLst>
+      <p:ext uri="{BB962C8B-B14F-4D97-AF65-F5344CB8AC3E}">
+        <p14:creationId xmlns:p14="http://schemas.microsoft.com/office/powerpoint/2010/main" val="1137392759"/>
+      </p:ext>
+    </p:extLst>
+  </p:cSld>
+  <p:clrMapOvr>
+    <a:masterClrMapping/>
+  </p:clrMapOvr>
+</p:sld>
+</file>
+
+<file path=ppt/slides/slide3.xml><?xml version="1.0" encoding="utf-8"?>
+<p:sld xmlns:a="http://schemas.openxmlformats.org/drawingml/2006/main" xmlns:r="http://schemas.openxmlformats.org/officeDocument/2006/relationships" xmlns:p="http://schemas.openxmlformats.org/presentationml/2006/main">
+  <p:cSld>
+    <p:spTree>
+      <p:nvGrpSpPr>
+        <p:cNvPr id="1" name=""/>
+        <p:cNvGrpSpPr/>
+        <p:nvPr/>
+      </p:nvGrpSpPr>
+      <p:grpSpPr>
+        <a:xfrm>
+          <a:off x="0" y="0"/>
+          <a:ext cx="0" cy="0"/>
+          <a:chOff x="0" y="0"/>
+          <a:chExt cx="0" cy="0"/>
+        </a:xfrm>
+      </p:grpSpPr>
+      <p:sp>
+        <p:nvSpPr>
+          <p:cNvPr id="2" name="标题 1">
+            <a:extLst>
+              <a:ext uri="{FF2B5EF4-FFF2-40B4-BE49-F238E27FC236}">
+                <a16:creationId xmlns:a16="http://schemas.microsoft.com/office/drawing/2014/main" id="{5EC01E2D-9CFE-4D5D-8863-3BA90731F07B}"/>
+              </a:ext>
+            </a:extLst>
+          </p:cNvPr>
+          <p:cNvSpPr>
+            <a:spLocks noGrp="1"/>
+          </p:cNvSpPr>
+          <p:nvPr>
+            <p:ph type="title"/>
+          </p:nvPr>
+        </p:nvSpPr>
+        <p:spPr/>
+        <p:txBody>
+          <a:bodyPr/>
+          <a:lstStyle/>
+          <a:p>
+            <a:r>
+              <a:rPr lang="en-US" altLang="zh-CN" dirty="0"/>
+              <a:t>Define your own function</a:t>
+            </a:r>
+            <a:endParaRPr lang="en-MY" dirty="0"/>
+          </a:p>
+        </p:txBody>
+      </p:sp>
+      <p:sp>
+        <p:nvSpPr>
+          <p:cNvPr id="3" name="内容占位符 2">
+            <a:extLst>
+              <a:ext uri="{FF2B5EF4-FFF2-40B4-BE49-F238E27FC236}">
+                <a16:creationId xmlns:a16="http://schemas.microsoft.com/office/drawing/2014/main" id="{7060439F-2729-478E-B95F-230482B50AA1}"/>
+              </a:ext>
+            </a:extLst>
+          </p:cNvPr>
+          <p:cNvSpPr>
+            <a:spLocks noGrp="1"/>
+          </p:cNvSpPr>
+          <p:nvPr>
+            <p:ph idx="1"/>
+          </p:nvPr>
+        </p:nvSpPr>
+        <p:spPr>
+          <a:xfrm>
+            <a:off x="685802" y="2142066"/>
+            <a:ext cx="8919592" cy="3572934"/>
+          </a:xfrm>
+        </p:spPr>
+        <p:txBody>
+          <a:bodyPr anchor="t">
+            <a:normAutofit/>
+          </a:bodyPr>
+          <a:lstStyle/>
+          <a:p>
+            <a:r>
+              <a:rPr lang="en-MY" dirty="0"/>
+              <a:t>Define a function, </a:t>
+            </a:r>
+            <a:r>
+              <a:rPr lang="en-MY" i="1" dirty="0" err="1"/>
+              <a:t>useonly</a:t>
+            </a:r>
+            <a:r>
+              <a:rPr lang="en-MY" dirty="0"/>
+              <a:t>, which takes 2 arguments: the 1</a:t>
+            </a:r>
+            <a:r>
+              <a:rPr lang="en-MY" baseline="30000" dirty="0"/>
+              <a:t>st</a:t>
+            </a:r>
+            <a:r>
+              <a:rPr lang="en-MY" dirty="0"/>
+              <a:t> will be the word to check, the 2</a:t>
+            </a:r>
+            <a:r>
+              <a:rPr lang="en-MY" baseline="30000" dirty="0"/>
+              <a:t>nd</a:t>
+            </a:r>
+            <a:r>
+              <a:rPr lang="en-MY" dirty="0"/>
+              <a:t> will be a sequence of letters.</a:t>
+            </a:r>
+          </a:p>
+          <a:p>
+            <a:r>
+              <a:rPr lang="en-MY" dirty="0"/>
+              <a:t>The function will check if the word only contain letters from the sequence, no other letters. If True then return True, otherwise return False.</a:t>
+            </a:r>
+          </a:p>
+          <a:p>
+            <a:endParaRPr lang="en-MY" dirty="0"/>
+          </a:p>
+          <a:p>
+            <a:r>
+              <a:rPr lang="en-MY" dirty="0"/>
+              <a:t>Define a function, </a:t>
+            </a:r>
+            <a:r>
+              <a:rPr lang="en-MY" i="1" dirty="0" err="1"/>
+              <a:t>useall</a:t>
+            </a:r>
+            <a:r>
+              <a:rPr lang="en-MY" dirty="0"/>
+              <a:t>, which takes 2 arguments: the 1</a:t>
+            </a:r>
+            <a:r>
+              <a:rPr lang="en-MY" baseline="30000" dirty="0"/>
+              <a:t>st</a:t>
+            </a:r>
+            <a:r>
+              <a:rPr lang="en-MY" dirty="0"/>
+              <a:t> will be the word to check, the 2</a:t>
+            </a:r>
+            <a:r>
+              <a:rPr lang="en-MY" baseline="30000" dirty="0"/>
+              <a:t>nd</a:t>
+            </a:r>
+            <a:r>
+              <a:rPr lang="en-MY" dirty="0"/>
+              <a:t> will be a sequence of letters.</a:t>
+            </a:r>
+          </a:p>
+          <a:p>
+            <a:r>
+              <a:rPr lang="en-MY" dirty="0"/>
+              <a:t>The function will check, if the word used all the letters in the sequence. (if also used some other letters outside of the sequence is ok). If True then return True, otherwise return False.</a:t>
+            </a:r>
+          </a:p>
+          <a:p>
+            <a:endParaRPr lang="en-MY" dirty="0"/>
+          </a:p>
+        </p:txBody>
+      </p:sp>
+    </p:spTree>
+    <p:extLst>
+      <p:ext uri="{BB962C8B-B14F-4D97-AF65-F5344CB8AC3E}">
+        <p14:creationId xmlns:p14="http://schemas.microsoft.com/office/powerpoint/2010/main" val="2094285108"/>
+      </p:ext>
+    </p:extLst>
+  </p:cSld>
+  <p:clrMapOvr>
+    <a:masterClrMapping/>
+  </p:clrMapOvr>
+</p:sld>
+</file>
+
 <file path=ppt/slides/slide4.xml><?xml version="1.0" encoding="utf-8"?>
 <p:sld xmlns:a="http://schemas.openxmlformats.org/drawingml/2006/main" xmlns:r="http://schemas.openxmlformats.org/officeDocument/2006/relationships" xmlns:p="http://schemas.openxmlformats.org/presentationml/2006/main">
   <p:cSld>
@@ -18396,6 +13382,35 @@
       </p:grpSpPr>
       <p:sp>
         <p:nvSpPr>
+          <p:cNvPr id="2" name="标题 1">
+            <a:extLst>
+              <a:ext uri="{FF2B5EF4-FFF2-40B4-BE49-F238E27FC236}">
+                <a16:creationId xmlns:a16="http://schemas.microsoft.com/office/drawing/2014/main" id="{5EC01E2D-9CFE-4D5D-8863-3BA90731F07B}"/>
+              </a:ext>
+            </a:extLst>
+          </p:cNvPr>
+          <p:cNvSpPr>
+            <a:spLocks noGrp="1"/>
+          </p:cNvSpPr>
+          <p:nvPr>
+            <p:ph type="title"/>
+          </p:nvPr>
+        </p:nvSpPr>
+        <p:spPr/>
+        <p:txBody>
+          <a:bodyPr/>
+          <a:lstStyle/>
+          <a:p>
+            <a:r>
+              <a:rPr lang="en-US" altLang="zh-CN" dirty="0"/>
+              <a:t>Define your own function</a:t>
+            </a:r>
+            <a:endParaRPr lang="en-MY" dirty="0"/>
+          </a:p>
+        </p:txBody>
+      </p:sp>
+      <p:sp>
+        <p:nvSpPr>
           <p:cNvPr id="3" name="内容占位符 2">
             <a:extLst>
               <a:ext uri="{FF2B5EF4-FFF2-40B4-BE49-F238E27FC236}">
@@ -18412,8 +13427,8 @@
         </p:nvSpPr>
         <p:spPr>
           <a:xfrm>
-            <a:off x="649777" y="2162809"/>
-            <a:ext cx="9561023" cy="3484956"/>
+            <a:off x="685802" y="2142066"/>
+            <a:ext cx="8919592" cy="3572934"/>
           </a:xfrm>
         </p:spPr>
         <p:txBody>
@@ -18424,68 +13439,77 @@
           <a:p>
             <a:r>
               <a:rPr lang="en-MY" dirty="0"/>
-              <a:t>Make a program, which takes several value as input (value 0 to indicate the end).</a:t>
-            </a:r>
-          </a:p>
-          <a:p>
+              <a:t>Define a function, </a:t>
+            </a:r>
+            <a:r>
+              <a:rPr lang="en-MY" i="1" dirty="0" err="1"/>
+              <a:t>isabecedarian</a:t>
+            </a:r>
             <a:r>
               <a:rPr lang="en-MY" dirty="0"/>
-              <a:t>The program find the median value. (if total numbers is even, take the centre position 2 numbers and use average as final result. If total numbers is odd take the centre position number.)</a:t>
-            </a:r>
-          </a:p>
-          <a:p>
-            <a:pPr lvl="1"/>
-            <a:endParaRPr lang="en-MY" sz="1800" dirty="0"/>
-          </a:p>
-          <a:p>
-            <a:pPr lvl="1"/>
-            <a:endParaRPr lang="en-MY" sz="1800" dirty="0"/>
-          </a:p>
-          <a:p>
-            <a:pPr lvl="1"/>
-            <a:endParaRPr lang="en-MY" sz="1800" dirty="0"/>
+              <a:t>, which takes  argument: the word to check.</a:t>
+            </a:r>
           </a:p>
           <a:p>
             <a:r>
               <a:rPr lang="en-MY" dirty="0"/>
-              <a:t>Make a program, which takes several values from user and calculate the sum and average. (when give value 0 means the end)</a:t>
+              <a:t>The function will check if the letters of the word appeared according to alphabetic order (double or triple letters are ok). If True returns True, otherwise returns False.</a:t>
             </a:r>
           </a:p>
           <a:p>
             <a:endParaRPr lang="en-MY" dirty="0"/>
           </a:p>
-        </p:txBody>
-      </p:sp>
-      <p:sp>
-        <p:nvSpPr>
-          <p:cNvPr id="4" name="标题 1">
-            <a:extLst>
-              <a:ext uri="{FF2B5EF4-FFF2-40B4-BE49-F238E27FC236}">
-                <a16:creationId xmlns:a16="http://schemas.microsoft.com/office/drawing/2014/main" id="{1F35BDC6-9C1C-4806-B7C9-C458D54B1940}"/>
-              </a:ext>
-            </a:extLst>
-          </p:cNvPr>
-          <p:cNvSpPr>
-            <a:spLocks noGrp="1"/>
-          </p:cNvSpPr>
-          <p:nvPr>
-            <p:ph type="title"/>
-          </p:nvPr>
-        </p:nvSpPr>
-        <p:spPr>
-          <a:xfrm>
-            <a:off x="685801" y="609600"/>
-            <a:ext cx="10131425" cy="1456267"/>
-          </a:xfrm>
-        </p:spPr>
-        <p:txBody>
-          <a:bodyPr/>
-          <a:lstStyle/>
-          <a:p>
-            <a:r>
-              <a:rPr lang="en-US" dirty="0"/>
-              <a:t>List Programming practice</a:t>
-            </a:r>
+          <a:p>
+            <a:endParaRPr lang="en-MY" dirty="0"/>
+          </a:p>
+          <a:p>
+            <a:r>
+              <a:rPr lang="en-MY" dirty="0"/>
+              <a:t>Define a function, </a:t>
+            </a:r>
+            <a:r>
+              <a:rPr lang="en-MY" i="1" dirty="0"/>
+              <a:t>avoids</a:t>
+            </a:r>
+            <a:r>
+              <a:rPr lang="en-MY" dirty="0"/>
+              <a:t>, which takes 2  arguments: the 1</a:t>
+            </a:r>
+            <a:r>
+              <a:rPr lang="en-MY" baseline="30000" dirty="0"/>
+              <a:t>st</a:t>
+            </a:r>
+            <a:r>
+              <a:rPr lang="en-MY" dirty="0"/>
+              <a:t> is the word to check, the 2</a:t>
+            </a:r>
+            <a:r>
+              <a:rPr lang="en-MY" baseline="30000" dirty="0"/>
+              <a:t>nd</a:t>
+            </a:r>
+            <a:r>
+              <a:rPr lang="en-MY" dirty="0"/>
+              <a:t> is a sequence of letters.</a:t>
+            </a:r>
+          </a:p>
+          <a:p>
+            <a:r>
+              <a:rPr lang="en-MY" dirty="0"/>
+              <a:t>The function will check if the letters of the word contain any of the letters from 2</a:t>
+            </a:r>
+            <a:r>
+              <a:rPr lang="en-MY" baseline="30000" dirty="0"/>
+              <a:t>nd</a:t>
+            </a:r>
+            <a:r>
+              <a:rPr lang="en-MY" dirty="0"/>
+              <a:t> sequence. If does not have any, it returns True. If has, then return False.</a:t>
+            </a:r>
+          </a:p>
+          <a:p>
+            <a:endParaRPr lang="en-MY" dirty="0"/>
+          </a:p>
+          <a:p>
             <a:endParaRPr lang="en-MY" dirty="0"/>
           </a:p>
         </p:txBody>
@@ -18493,7 +13517,7 @@
     </p:spTree>
     <p:extLst>
       <p:ext uri="{BB962C8B-B14F-4D97-AF65-F5344CB8AC3E}">
-        <p14:creationId xmlns:p14="http://schemas.microsoft.com/office/powerpoint/2010/main" val="1821804651"/>
+        <p14:creationId xmlns:p14="http://schemas.microsoft.com/office/powerpoint/2010/main" val="2103825147"/>
       </p:ext>
     </p:extLst>
   </p:cSld>
@@ -18536,21 +13560,14 @@
             <p:ph type="title"/>
           </p:nvPr>
         </p:nvSpPr>
-        <p:spPr>
-          <a:xfrm>
-            <a:off x="923365" y="643463"/>
-            <a:ext cx="10649203" cy="1608124"/>
-          </a:xfrm>
-        </p:spPr>
-        <p:txBody>
-          <a:bodyPr>
-            <a:normAutofit/>
-          </a:bodyPr>
+        <p:spPr/>
+        <p:txBody>
+          <a:bodyPr/>
           <a:lstStyle/>
           <a:p>
             <a:r>
               <a:rPr lang="en-US" dirty="0"/>
-              <a:t>List Programming practice</a:t>
+              <a:t>Judge number is even or odd – use recursion</a:t>
             </a:r>
             <a:endParaRPr lang="en-MY" dirty="0"/>
           </a:p>
@@ -18574,8 +13591,8 @@
         </p:nvSpPr>
         <p:spPr>
           <a:xfrm>
-            <a:off x="923366" y="2251587"/>
-            <a:ext cx="10264588" cy="1782531"/>
+            <a:off x="685801" y="2142067"/>
+            <a:ext cx="6271590" cy="2840750"/>
           </a:xfrm>
         </p:spPr>
         <p:txBody>
@@ -18586,89 +13603,88 @@
           <a:p>
             <a:r>
               <a:rPr lang="en-MY" dirty="0"/>
-              <a:t>Make a program, which takes 2 list of strings, then item-wise concatenate (2 first items of the lists concatenate together, 2 second items, then 2 third items, etc.)</a:t>
-            </a:r>
-          </a:p>
-          <a:p>
-            <a:pPr lvl="1"/>
-            <a:r>
-              <a:rPr lang="en-US" altLang="en-US" sz="1400" dirty="0">
-                <a:latin typeface="Arial Unicode MS"/>
-              </a:rPr>
-              <a:t>Example: first list: [ ‘M’, ‘</a:t>
-            </a:r>
-            <a:r>
-              <a:rPr lang="en-US" altLang="en-US" sz="1400" dirty="0" err="1">
-                <a:latin typeface="Arial Unicode MS"/>
-              </a:rPr>
-              <a:t>na</a:t>
-            </a:r>
-            <a:r>
-              <a:rPr lang="en-US" altLang="en-US" sz="1400" dirty="0">
-                <a:latin typeface="Arial Unicode MS"/>
-              </a:rPr>
-              <a:t>’, ‘</a:t>
-            </a:r>
-            <a:r>
-              <a:rPr lang="en-US" altLang="en-US" sz="1400" dirty="0" err="1">
-                <a:latin typeface="Arial Unicode MS"/>
-              </a:rPr>
-              <a:t>i</a:t>
-            </a:r>
-            <a:r>
-              <a:rPr lang="en-US" altLang="en-US" sz="1400" dirty="0">
-                <a:latin typeface="Arial Unicode MS"/>
-              </a:rPr>
-              <a:t>’, ‘Je’]; second list:[‘y’, ‘me’, ‘s’, ‘</a:t>
-            </a:r>
-            <a:r>
-              <a:rPr lang="en-US" altLang="en-US" sz="1400" dirty="0" err="1">
-                <a:latin typeface="Arial Unicode MS"/>
-              </a:rPr>
-              <a:t>rry</a:t>
-            </a:r>
-            <a:r>
-              <a:rPr lang="en-US" altLang="en-US" sz="1400" dirty="0">
-                <a:latin typeface="Arial Unicode MS"/>
-              </a:rPr>
-              <a:t>’]</a:t>
-            </a:r>
-            <a:endParaRPr kumimoji="0" lang="en-US" altLang="en-US" sz="1400" i="0" u="none" strike="noStrike" cap="none" normalizeH="0" baseline="0" dirty="0">
-              <a:ln>
-                <a:noFill/>
-              </a:ln>
-              <a:effectLst/>
-              <a:latin typeface="Arial Unicode MS"/>
-            </a:endParaRPr>
-          </a:p>
-          <a:p>
-            <a:pPr lvl="1"/>
-            <a:r>
-              <a:rPr lang="en-US" altLang="en-US" sz="1400" dirty="0">
-                <a:latin typeface="Arial Unicode MS"/>
-              </a:rPr>
-              <a:t>Then the result is [‘My’, ‘name’, ‘is’, ‘Jerry’]</a:t>
-            </a:r>
-            <a:endParaRPr kumimoji="0" lang="en-US" altLang="en-US" sz="1400" i="0" u="none" strike="noStrike" cap="none" normalizeH="0" baseline="0" dirty="0">
-              <a:ln>
-                <a:noFill/>
-              </a:ln>
-              <a:effectLst/>
-              <a:latin typeface="Arial Unicode MS"/>
-            </a:endParaRPr>
+              <a:t>Number is 1, it is odd</a:t>
+            </a:r>
+          </a:p>
+          <a:p>
+            <a:r>
+              <a:rPr lang="en-MY" dirty="0"/>
+              <a:t>Number is 0, it is even</a:t>
+            </a:r>
+          </a:p>
+          <a:p>
+            <a:r>
+              <a:rPr lang="en-MY" dirty="0"/>
+              <a:t>For any number n, it is same even or odd as n-2</a:t>
+            </a:r>
           </a:p>
           <a:p>
             <a:pPr lvl="1"/>
             <a:endParaRPr lang="en-MY" dirty="0"/>
           </a:p>
-        </p:txBody>
-      </p:sp>
-      <p:sp>
-        <p:nvSpPr>
-          <p:cNvPr id="4" name="内容占位符 2">
+          <a:p>
+            <a:pPr lvl="1"/>
+            <a:endParaRPr lang="en-MY" dirty="0"/>
+          </a:p>
+        </p:txBody>
+      </p:sp>
+      <mc:AlternateContent xmlns:mc="http://schemas.openxmlformats.org/markup-compatibility/2006" xmlns:p14="http://schemas.microsoft.com/office/powerpoint/2010/main">
+        <mc:Choice Requires="p14">
+          <p:contentPart p14:bwMode="auto" r:id="rId2">
+            <p14:nvContentPartPr>
+              <p14:cNvPr id="4" name="Ink 3">
+                <a:extLst>
+                  <a:ext uri="{FF2B5EF4-FFF2-40B4-BE49-F238E27FC236}">
+                    <a16:creationId xmlns:a16="http://schemas.microsoft.com/office/drawing/2014/main" id="{CCA4BA79-7207-46F9-81D1-051637F90D5A}"/>
+                  </a:ext>
+                </a:extLst>
+              </p14:cNvPr>
+              <p14:cNvContentPartPr/>
+              <p14:nvPr/>
+            </p14:nvContentPartPr>
+            <p14:xfrm>
+              <a:off x="1715245" y="1921987"/>
+              <a:ext cx="13680" cy="2520"/>
+            </p14:xfrm>
+          </p:contentPart>
+        </mc:Choice>
+        <mc:Fallback xmlns="">
+          <p:pic>
+            <p:nvPicPr>
+              <p:cNvPr id="4" name="Ink 3">
+                <a:extLst>
+                  <a:ext uri="{FF2B5EF4-FFF2-40B4-BE49-F238E27FC236}">
+                    <a16:creationId xmlns:a16="http://schemas.microsoft.com/office/drawing/2014/main" id="{CCA4BA79-7207-46F9-81D1-051637F90D5A}"/>
+                  </a:ext>
+                </a:extLst>
+              </p:cNvPr>
+              <p:cNvPicPr/>
+              <p:nvPr/>
+            </p:nvPicPr>
+            <p:blipFill>
+              <a:blip r:embed="rId3"/>
+              <a:stretch>
+                <a:fillRect/>
+              </a:stretch>
+            </p:blipFill>
+            <p:spPr>
+              <a:xfrm>
+                <a:off x="1706605" y="1913347"/>
+                <a:ext cx="31320" cy="20160"/>
+              </a:xfrm>
+              <a:prstGeom prst="rect">
+                <a:avLst/>
+              </a:prstGeom>
+            </p:spPr>
+          </p:pic>
+        </mc:Fallback>
+      </mc:AlternateContent>
+      <p:sp>
+        <p:nvSpPr>
+          <p:cNvPr id="5" name="内容占位符 2">
             <a:extLst>
               <a:ext uri="{FF2B5EF4-FFF2-40B4-BE49-F238E27FC236}">
-                <a16:creationId xmlns:a16="http://schemas.microsoft.com/office/drawing/2014/main" id="{EC31A9B6-34C0-4D1A-832B-DE43F35D868D}"/>
+                <a16:creationId xmlns:a16="http://schemas.microsoft.com/office/drawing/2014/main" id="{614AC9D6-6BB4-4F70-B628-3A5C7883FE27}"/>
               </a:ext>
             </a:extLst>
           </p:cNvPr>
@@ -18679,8 +13695,8 @@
         </p:nvSpPr>
         <p:spPr>
           <a:xfrm>
-            <a:off x="923365" y="4313469"/>
-            <a:ext cx="10264588" cy="1782531"/>
+            <a:off x="685801" y="3720596"/>
+            <a:ext cx="6271590" cy="1262221"/>
           </a:xfrm>
           <a:prstGeom prst="rect">
             <a:avLst/>
@@ -18900,39 +13916,29 @@
             </a:lvl9pPr>
           </a:lstStyle>
           <a:p>
+            <a:pPr marL="0" indent="0">
+              <a:buNone/>
+            </a:pPr>
             <a:r>
               <a:rPr lang="en-MY" dirty="0"/>
-              <a:t>Make a program, which takes 1 list of numbers as items, then produce a new list with all item number are the square of original number.</a:t>
-            </a:r>
-          </a:p>
-          <a:p>
-            <a:pPr lvl="1"/>
-            <a:r>
-              <a:rPr lang="en-US" altLang="en-US" sz="1400" dirty="0">
-                <a:latin typeface="Arial Unicode MS"/>
-              </a:rPr>
-              <a:t>Example: list: [2, 3, 4, 5]</a:t>
-            </a:r>
-          </a:p>
-          <a:p>
-            <a:pPr lvl="1"/>
-            <a:r>
-              <a:rPr lang="en-US" altLang="en-US" sz="1400" dirty="0">
-                <a:latin typeface="Arial Unicode MS"/>
-              </a:rPr>
-              <a:t>Then the result is [4, 9, 16, 25]</a:t>
-            </a:r>
-          </a:p>
-          <a:p>
-            <a:pPr lvl="1"/>
-            <a:endParaRPr lang="en-MY" dirty="0"/>
+              <a:t>Use the above rule to define a function, which can recursive call and give a judgement one number is even or odd.</a:t>
+            </a:r>
+          </a:p>
+          <a:p>
+            <a:pPr marL="0" indent="0">
+              <a:buNone/>
+            </a:pPr>
+            <a:r>
+              <a:rPr lang="en-MY" dirty="0"/>
+              <a:t>Test your function.</a:t>
+            </a:r>
           </a:p>
         </p:txBody>
       </p:sp>
     </p:spTree>
     <p:extLst>
       <p:ext uri="{BB962C8B-B14F-4D97-AF65-F5344CB8AC3E}">
-        <p14:creationId xmlns:p14="http://schemas.microsoft.com/office/powerpoint/2010/main" val="908925994"/>
+        <p14:creationId xmlns:p14="http://schemas.microsoft.com/office/powerpoint/2010/main" val="3393176799"/>
       </p:ext>
     </p:extLst>
   </p:cSld>
@@ -18975,21 +13981,14 @@
             <p:ph type="title"/>
           </p:nvPr>
         </p:nvSpPr>
-        <p:spPr>
-          <a:xfrm>
-            <a:off x="923365" y="643463"/>
-            <a:ext cx="10649203" cy="1608124"/>
-          </a:xfrm>
-        </p:spPr>
-        <p:txBody>
-          <a:bodyPr>
-            <a:normAutofit/>
-          </a:bodyPr>
+        <p:spPr/>
+        <p:txBody>
+          <a:bodyPr/>
           <a:lstStyle/>
           <a:p>
             <a:r>
               <a:rPr lang="en-US" dirty="0"/>
-              <a:t>List Programming practice</a:t>
+              <a:t>Number puzzle</a:t>
             </a:r>
             <a:endParaRPr lang="en-MY" dirty="0"/>
           </a:p>
@@ -19013,8 +14012,8 @@
         </p:nvSpPr>
         <p:spPr>
           <a:xfrm>
-            <a:off x="923366" y="2251587"/>
-            <a:ext cx="10264588" cy="1782531"/>
+            <a:off x="685800" y="2142067"/>
+            <a:ext cx="8986705" cy="2840750"/>
           </a:xfrm>
         </p:spPr>
         <p:txBody>
@@ -19023,55 +14022,93 @@
           </a:bodyPr>
           <a:lstStyle/>
           <a:p>
+            <a:pPr marL="0" indent="0">
+              <a:buNone/>
+            </a:pPr>
             <a:r>
               <a:rPr lang="en-MY" dirty="0"/>
-              <a:t>Make a program, which check a list of string, and if have empty string as item, remove it</a:t>
-            </a:r>
-          </a:p>
-          <a:p>
-            <a:pPr lvl="1"/>
-            <a:r>
-              <a:rPr lang="en-US" altLang="en-US" sz="1400" dirty="0">
-                <a:latin typeface="Arial Unicode MS"/>
-              </a:rPr>
-              <a:t>Example: list: [ ‘Python’, ‘’, ‘’, ‘program’]</a:t>
-            </a:r>
-            <a:endParaRPr kumimoji="0" lang="en-US" altLang="en-US" sz="1400" i="0" u="none" strike="noStrike" cap="none" normalizeH="0" baseline="0" dirty="0">
-              <a:ln>
-                <a:noFill/>
-              </a:ln>
-              <a:effectLst/>
-              <a:latin typeface="Arial Unicode MS"/>
-            </a:endParaRPr>
-          </a:p>
-          <a:p>
-            <a:pPr lvl="1"/>
-            <a:r>
-              <a:rPr lang="en-US" altLang="en-US" sz="1400" dirty="0">
-                <a:latin typeface="Arial Unicode MS"/>
-              </a:rPr>
-              <a:t>Then the result is [‘Python’, ‘program’]</a:t>
-            </a:r>
-            <a:endParaRPr kumimoji="0" lang="en-US" altLang="en-US" sz="1400" i="0" u="none" strike="noStrike" cap="none" normalizeH="0" baseline="0" dirty="0">
-              <a:ln>
-                <a:noFill/>
-              </a:ln>
-              <a:effectLst/>
-              <a:latin typeface="Arial Unicode MS"/>
-            </a:endParaRPr>
+              <a:t>Number sequence.</a:t>
+            </a:r>
+          </a:p>
+          <a:p>
+            <a:r>
+              <a:rPr lang="en-MY" dirty="0"/>
+              <a:t>The first number is 1.</a:t>
+            </a:r>
+          </a:p>
+          <a:p>
+            <a:r>
+              <a:rPr lang="en-MY" dirty="0"/>
+              <a:t>The next number is calculated based on the previous number. You can either choose to multiply by 3, or choose to add by 5.</a:t>
+            </a:r>
           </a:p>
           <a:p>
             <a:pPr lvl="1"/>
             <a:endParaRPr lang="en-MY" dirty="0"/>
           </a:p>
-        </p:txBody>
-      </p:sp>
-      <p:sp>
-        <p:nvSpPr>
-          <p:cNvPr id="4" name="内容占位符 2">
+          <a:p>
+            <a:pPr lvl="1"/>
+            <a:endParaRPr lang="en-MY" dirty="0"/>
+          </a:p>
+        </p:txBody>
+      </p:sp>
+      <mc:AlternateContent xmlns:mc="http://schemas.openxmlformats.org/markup-compatibility/2006" xmlns:p14="http://schemas.microsoft.com/office/powerpoint/2010/main">
+        <mc:Choice Requires="p14">
+          <p:contentPart p14:bwMode="auto" r:id="rId2">
+            <p14:nvContentPartPr>
+              <p14:cNvPr id="4" name="Ink 3">
+                <a:extLst>
+                  <a:ext uri="{FF2B5EF4-FFF2-40B4-BE49-F238E27FC236}">
+                    <a16:creationId xmlns:a16="http://schemas.microsoft.com/office/drawing/2014/main" id="{CCA4BA79-7207-46F9-81D1-051637F90D5A}"/>
+                  </a:ext>
+                </a:extLst>
+              </p14:cNvPr>
+              <p14:cNvContentPartPr/>
+              <p14:nvPr/>
+            </p14:nvContentPartPr>
+            <p14:xfrm>
+              <a:off x="1715245" y="1921987"/>
+              <a:ext cx="13680" cy="2520"/>
+            </p14:xfrm>
+          </p:contentPart>
+        </mc:Choice>
+        <mc:Fallback xmlns="">
+          <p:pic>
+            <p:nvPicPr>
+              <p:cNvPr id="4" name="Ink 3">
+                <a:extLst>
+                  <a:ext uri="{FF2B5EF4-FFF2-40B4-BE49-F238E27FC236}">
+                    <a16:creationId xmlns:a16="http://schemas.microsoft.com/office/drawing/2014/main" id="{CCA4BA79-7207-46F9-81D1-051637F90D5A}"/>
+                  </a:ext>
+                </a:extLst>
+              </p:cNvPr>
+              <p:cNvPicPr/>
+              <p:nvPr/>
+            </p:nvPicPr>
+            <p:blipFill>
+              <a:blip r:embed="rId3"/>
+              <a:stretch>
+                <a:fillRect/>
+              </a:stretch>
+            </p:blipFill>
+            <p:spPr>
+              <a:xfrm>
+                <a:off x="1706605" y="1913347"/>
+                <a:ext cx="31320" cy="20160"/>
+              </a:xfrm>
+              <a:prstGeom prst="rect">
+                <a:avLst/>
+              </a:prstGeom>
+            </p:spPr>
+          </p:pic>
+        </mc:Fallback>
+      </mc:AlternateContent>
+      <p:sp>
+        <p:nvSpPr>
+          <p:cNvPr id="5" name="内容占位符 2">
             <a:extLst>
               <a:ext uri="{FF2B5EF4-FFF2-40B4-BE49-F238E27FC236}">
-                <a16:creationId xmlns:a16="http://schemas.microsoft.com/office/drawing/2014/main" id="{EC31A9B6-34C0-4D1A-832B-DE43F35D868D}"/>
+                <a16:creationId xmlns:a16="http://schemas.microsoft.com/office/drawing/2014/main" id="{614AC9D6-6BB4-4F70-B628-3A5C7883FE27}"/>
               </a:ext>
             </a:extLst>
           </p:cNvPr>
@@ -19082,8 +14119,8 @@
         </p:nvSpPr>
         <p:spPr>
           <a:xfrm>
-            <a:off x="923365" y="4313469"/>
-            <a:ext cx="10264588" cy="1782531"/>
+            <a:off x="685799" y="4056156"/>
+            <a:ext cx="7568967" cy="1262221"/>
           </a:xfrm>
           <a:prstGeom prst="rect">
             <a:avLst/>
@@ -19303,39 +14340,20 @@
             </a:lvl9pPr>
           </a:lstStyle>
           <a:p>
+            <a:pPr marL="0" indent="0">
+              <a:buNone/>
+            </a:pPr>
             <a:r>
               <a:rPr lang="en-MY" dirty="0"/>
-              <a:t>Make a program, which takes 2 list of string, then concatenate the first item of first string with last item of second string, then second item of first string, and last second of second string, etc. the 2 items when concatenate add space in between.</a:t>
-            </a:r>
-          </a:p>
-          <a:p>
-            <a:pPr lvl="1"/>
-            <a:r>
-              <a:rPr lang="en-US" altLang="en-US" sz="1400" dirty="0">
-                <a:latin typeface="Arial Unicode MS"/>
-              </a:rPr>
-              <a:t>Example: first list: [‘apple’, ‘banana’, ‘orange’, ‘mango’], second list: [‘cat’, ‘dog’, ‘mouse’, ‘monkey’]</a:t>
-            </a:r>
-          </a:p>
-          <a:p>
-            <a:pPr lvl="1"/>
-            <a:r>
-              <a:rPr lang="en-US" altLang="en-US" sz="1400" dirty="0">
-                <a:latin typeface="Arial Unicode MS"/>
-              </a:rPr>
-              <a:t>Then the result is [‘apple monkey’, ‘ banana mouse’, ‘orange dog’, ‘mango cat’]</a:t>
-            </a:r>
-          </a:p>
-          <a:p>
-            <a:pPr lvl="1"/>
-            <a:endParaRPr lang="en-MY" dirty="0"/>
+              <a:t>Now give a number, can you make a program to judge if this number is inside one of the above sequence? If it is can you find a sequence which can produce this number?</a:t>
+            </a:r>
           </a:p>
         </p:txBody>
       </p:sp>
     </p:spTree>
     <p:extLst>
       <p:ext uri="{BB962C8B-B14F-4D97-AF65-F5344CB8AC3E}">
-        <p14:creationId xmlns:p14="http://schemas.microsoft.com/office/powerpoint/2010/main" val="4089429991"/>
+        <p14:creationId xmlns:p14="http://schemas.microsoft.com/office/powerpoint/2010/main" val="2622198170"/>
       </p:ext>
     </p:extLst>
   </p:cSld>
@@ -19364,10 +14382,10 @@
       </p:grpSpPr>
       <p:sp>
         <p:nvSpPr>
-          <p:cNvPr id="2" name="标题 1">
+          <p:cNvPr id="2" name="Title 1">
             <a:extLst>
               <a:ext uri="{FF2B5EF4-FFF2-40B4-BE49-F238E27FC236}">
-                <a16:creationId xmlns:a16="http://schemas.microsoft.com/office/drawing/2014/main" id="{5EC01E2D-9CFE-4D5D-8863-3BA90731F07B}"/>
+                <a16:creationId xmlns:a16="http://schemas.microsoft.com/office/drawing/2014/main" id="{1D96A6DA-85CC-438D-8FE1-8BDC8C1BE0D2}"/>
               </a:ext>
             </a:extLst>
           </p:cNvPr>
@@ -19378,21 +14396,14 @@
             <p:ph type="title"/>
           </p:nvPr>
         </p:nvSpPr>
-        <p:spPr>
-          <a:xfrm>
-            <a:off x="923365" y="643463"/>
-            <a:ext cx="10649203" cy="1608124"/>
-          </a:xfrm>
-        </p:spPr>
-        <p:txBody>
-          <a:bodyPr>
-            <a:normAutofit/>
-          </a:bodyPr>
+        <p:spPr/>
+        <p:txBody>
+          <a:bodyPr/>
           <a:lstStyle/>
           <a:p>
             <a:r>
               <a:rPr lang="en-US" dirty="0"/>
-              <a:t>List Programming practice</a:t>
+              <a:t>combination</a:t>
             </a:r>
             <a:endParaRPr lang="en-MY" dirty="0"/>
           </a:p>
@@ -19400,10 +14411,10 @@
       </p:sp>
       <p:sp>
         <p:nvSpPr>
-          <p:cNvPr id="3" name="内容占位符 2">
+          <p:cNvPr id="3" name="Content Placeholder 2">
             <a:extLst>
               <a:ext uri="{FF2B5EF4-FFF2-40B4-BE49-F238E27FC236}">
-                <a16:creationId xmlns:a16="http://schemas.microsoft.com/office/drawing/2014/main" id="{7060439F-2729-478E-B95F-230482B50AA1}"/>
+                <a16:creationId xmlns:a16="http://schemas.microsoft.com/office/drawing/2014/main" id="{74CF7FC6-65F6-4325-8DB2-4EB46244F474}"/>
               </a:ext>
             </a:extLst>
           </p:cNvPr>
@@ -19414,378 +14425,122 @@
             <p:ph idx="1"/>
           </p:nvPr>
         </p:nvSpPr>
-        <p:spPr>
-          <a:xfrm>
-            <a:off x="923366" y="2251587"/>
-            <a:ext cx="10264588" cy="1782531"/>
-          </a:xfrm>
-        </p:spPr>
-        <p:txBody>
-          <a:bodyPr anchor="t">
-            <a:normAutofit/>
-          </a:bodyPr>
+        <p:spPr/>
+        <p:txBody>
+          <a:bodyPr anchor="t"/>
           <a:lstStyle/>
           <a:p>
             <a:r>
-              <a:rPr lang="en-MY" dirty="0"/>
-              <a:t>Make program which can do extend nested list like following:</a:t>
-            </a:r>
-          </a:p>
-          <a:p>
-            <a:pPr lvl="1"/>
-            <a:r>
-              <a:rPr lang="en-US" altLang="en-US" sz="1400" dirty="0">
-                <a:latin typeface="Arial Unicode MS"/>
-              </a:rPr>
-              <a:t>Have a list: [ ‘a’, [‘b’, ‘c’, [‘d’, ‘e’, ‘f’], ‘j’, ‘k’], ‘l’]</a:t>
-            </a:r>
-            <a:endParaRPr kumimoji="0" lang="en-US" altLang="en-US" sz="1400" i="0" u="none" strike="noStrike" cap="none" normalizeH="0" baseline="0" dirty="0">
-              <a:ln>
-                <a:noFill/>
-              </a:ln>
-              <a:effectLst/>
-              <a:latin typeface="Arial Unicode MS"/>
-            </a:endParaRPr>
-          </a:p>
-          <a:p>
-            <a:pPr lvl="1"/>
-            <a:r>
-              <a:rPr kumimoji="0" lang="en-US" altLang="en-US" sz="1400" i="0" u="none" strike="noStrike" cap="none" normalizeH="0" baseline="0" dirty="0">
-                <a:ln>
-                  <a:noFill/>
-                </a:ln>
-                <a:effectLst/>
-                <a:latin typeface="Arial Unicode MS"/>
-              </a:rPr>
-              <a:t>Insert a second list [‘g’, ‘h’, ‘</a:t>
-            </a:r>
-            <a:r>
-              <a:rPr kumimoji="0" lang="en-US" altLang="en-US" sz="1400" i="0" u="none" strike="noStrike" cap="none" normalizeH="0" baseline="0" dirty="0" err="1">
-                <a:ln>
-                  <a:noFill/>
-                </a:ln>
-                <a:effectLst/>
-                <a:latin typeface="Arial Unicode MS"/>
-              </a:rPr>
-              <a:t>i</a:t>
-            </a:r>
-            <a:r>
-              <a:rPr kumimoji="0" lang="en-US" altLang="en-US" sz="1400" i="0" u="none" strike="noStrike" cap="none" normalizeH="0" baseline="0" dirty="0">
-                <a:ln>
-                  <a:noFill/>
-                </a:ln>
-                <a:effectLst/>
-                <a:latin typeface="Arial Unicode MS"/>
-              </a:rPr>
-              <a:t>’] and make it becomes: [‘a’, [</a:t>
-            </a:r>
-            <a:r>
-              <a:rPr lang="en-US" altLang="en-US" sz="1400" dirty="0">
-                <a:latin typeface="Arial Unicode MS"/>
-              </a:rPr>
-              <a:t>‘b’, ‘c’, [‘d’, ‘e’, ‘f’, ‘g’, ‘h’, ‘</a:t>
-            </a:r>
-            <a:r>
-              <a:rPr lang="en-US" altLang="en-US" sz="1400" dirty="0" err="1">
-                <a:latin typeface="Arial Unicode MS"/>
-              </a:rPr>
-              <a:t>i</a:t>
-            </a:r>
-            <a:r>
-              <a:rPr lang="en-US" altLang="en-US" sz="1400" dirty="0">
-                <a:latin typeface="Arial Unicode MS"/>
-              </a:rPr>
-              <a:t>’], ‘j’, ‘k’], ‘l’] </a:t>
-            </a:r>
-            <a:endParaRPr kumimoji="0" lang="en-US" altLang="en-US" sz="1400" i="0" u="none" strike="noStrike" cap="none" normalizeH="0" baseline="0" dirty="0">
-              <a:ln>
-                <a:noFill/>
-              </a:ln>
-              <a:effectLst/>
-              <a:latin typeface="Arial Unicode MS"/>
-            </a:endParaRPr>
-          </a:p>
-          <a:p>
-            <a:pPr lvl="1"/>
-            <a:endParaRPr lang="en-MY" dirty="0"/>
-          </a:p>
-        </p:txBody>
-      </p:sp>
-      <p:sp>
-        <p:nvSpPr>
-          <p:cNvPr id="4" name="内容占位符 2">
-            <a:extLst>
-              <a:ext uri="{FF2B5EF4-FFF2-40B4-BE49-F238E27FC236}">
-                <a16:creationId xmlns:a16="http://schemas.microsoft.com/office/drawing/2014/main" id="{EC31A9B6-34C0-4D1A-832B-DE43F35D868D}"/>
-              </a:ext>
-            </a:extLst>
-          </p:cNvPr>
-          <p:cNvSpPr txBox="1">
-            <a:spLocks/>
-          </p:cNvSpPr>
-          <p:nvPr/>
-        </p:nvSpPr>
-        <p:spPr>
-          <a:xfrm>
-            <a:off x="923365" y="4313470"/>
-            <a:ext cx="10264588" cy="1235684"/>
-          </a:xfrm>
-          <a:prstGeom prst="rect">
-            <a:avLst/>
-          </a:prstGeom>
-        </p:spPr>
-        <p:txBody>
-          <a:bodyPr vert="horz" lIns="91440" tIns="45720" rIns="91440" bIns="45720" rtlCol="0" anchor="t">
-            <a:normAutofit/>
-          </a:bodyPr>
-          <a:lstStyle>
-            <a:lvl1pPr marL="285750" indent="-285750" algn="l" defTabSz="457200" rtl="0" eaLnBrk="1" latinLnBrk="0" hangingPunct="1">
-              <a:spcBef>
-                <a:spcPts val="0"/>
-              </a:spcBef>
-              <a:spcAft>
-                <a:spcPts val="1000"/>
-              </a:spcAft>
-              <a:buClr>
-                <a:schemeClr val="tx1"/>
-              </a:buClr>
-              <a:buSzPct val="100000"/>
-              <a:buFont typeface="Arial"/>
-              <a:buChar char="•"/>
-              <a:defRPr sz="1800" kern="1200" cap="none">
-                <a:solidFill>
-                  <a:schemeClr val="tx1"/>
-                </a:solidFill>
-                <a:effectLst/>
-                <a:latin typeface="+mn-lt"/>
-                <a:ea typeface="+mn-ea"/>
-                <a:cs typeface="+mn-cs"/>
-              </a:defRPr>
-            </a:lvl1pPr>
-            <a:lvl2pPr marL="742950" indent="-285750" algn="l" defTabSz="457200" rtl="0" eaLnBrk="1" latinLnBrk="0" hangingPunct="1">
-              <a:spcBef>
-                <a:spcPts val="0"/>
-              </a:spcBef>
-              <a:spcAft>
-                <a:spcPts val="1000"/>
-              </a:spcAft>
-              <a:buClr>
-                <a:schemeClr val="tx1"/>
-              </a:buClr>
-              <a:buSzPct val="100000"/>
-              <a:buFont typeface="Arial"/>
-              <a:buChar char="•"/>
-              <a:defRPr sz="1600" kern="1200" cap="none">
-                <a:solidFill>
-                  <a:schemeClr val="tx1"/>
-                </a:solidFill>
-                <a:effectLst/>
-                <a:latin typeface="+mn-lt"/>
-                <a:ea typeface="+mn-ea"/>
-                <a:cs typeface="+mn-cs"/>
-              </a:defRPr>
-            </a:lvl2pPr>
-            <a:lvl3pPr marL="1200150" indent="-285750" algn="l" defTabSz="457200" rtl="0" eaLnBrk="1" latinLnBrk="0" hangingPunct="1">
-              <a:spcBef>
-                <a:spcPts val="0"/>
-              </a:spcBef>
-              <a:spcAft>
-                <a:spcPts val="1000"/>
-              </a:spcAft>
-              <a:buClr>
-                <a:schemeClr val="tx1"/>
-              </a:buClr>
-              <a:buSzPct val="100000"/>
-              <a:buFont typeface="Arial"/>
-              <a:buChar char="•"/>
-              <a:defRPr sz="1400" kern="1200" cap="none">
-                <a:solidFill>
-                  <a:schemeClr val="tx1"/>
-                </a:solidFill>
-                <a:effectLst/>
-                <a:latin typeface="+mn-lt"/>
-                <a:ea typeface="+mn-ea"/>
-                <a:cs typeface="+mn-cs"/>
-              </a:defRPr>
-            </a:lvl3pPr>
-            <a:lvl4pPr marL="1543050" indent="-171450" algn="l" defTabSz="457200" rtl="0" eaLnBrk="1" latinLnBrk="0" hangingPunct="1">
-              <a:spcBef>
-                <a:spcPts val="0"/>
-              </a:spcBef>
-              <a:spcAft>
-                <a:spcPts val="1000"/>
-              </a:spcAft>
-              <a:buClr>
-                <a:schemeClr val="tx1"/>
-              </a:buClr>
-              <a:buSzPct val="100000"/>
-              <a:buFont typeface="Arial"/>
-              <a:buChar char="•"/>
-              <a:defRPr sz="1200" kern="1200" cap="none">
-                <a:solidFill>
-                  <a:schemeClr val="tx1"/>
-                </a:solidFill>
-                <a:effectLst/>
-                <a:latin typeface="+mn-lt"/>
-                <a:ea typeface="+mn-ea"/>
-                <a:cs typeface="+mn-cs"/>
-              </a:defRPr>
-            </a:lvl4pPr>
-            <a:lvl5pPr marL="2000250" indent="-171450" algn="l" defTabSz="457200" rtl="0" eaLnBrk="1" latinLnBrk="0" hangingPunct="1">
-              <a:spcBef>
-                <a:spcPts val="0"/>
-              </a:spcBef>
-              <a:spcAft>
-                <a:spcPts val="1000"/>
-              </a:spcAft>
-              <a:buClr>
-                <a:schemeClr val="tx1"/>
-              </a:buClr>
-              <a:buSzPct val="100000"/>
-              <a:buFont typeface="Arial"/>
-              <a:buChar char="•"/>
-              <a:defRPr sz="1200" kern="1200" cap="none">
-                <a:solidFill>
-                  <a:schemeClr val="tx1"/>
-                </a:solidFill>
-                <a:effectLst/>
-                <a:latin typeface="+mn-lt"/>
-                <a:ea typeface="+mn-ea"/>
-                <a:cs typeface="+mn-cs"/>
-              </a:defRPr>
-            </a:lvl5pPr>
-            <a:lvl6pPr marL="2514600" indent="-228600" algn="l" defTabSz="457200" rtl="0" eaLnBrk="1" latinLnBrk="0" hangingPunct="1">
-              <a:spcBef>
-                <a:spcPts val="0"/>
-              </a:spcBef>
-              <a:spcAft>
-                <a:spcPts val="1000"/>
-              </a:spcAft>
-              <a:buClr>
-                <a:schemeClr val="tx1"/>
-              </a:buClr>
-              <a:buSzPct val="100000"/>
-              <a:buFont typeface="Arial"/>
-              <a:buChar char="•"/>
-              <a:defRPr sz="1200" kern="1200" cap="none">
-                <a:solidFill>
-                  <a:schemeClr val="tx1"/>
-                </a:solidFill>
-                <a:effectLst/>
-                <a:latin typeface="+mn-lt"/>
-                <a:ea typeface="+mn-ea"/>
-                <a:cs typeface="+mn-cs"/>
-              </a:defRPr>
-            </a:lvl6pPr>
-            <a:lvl7pPr marL="2971800" indent="-228600" algn="l" defTabSz="457200" rtl="0" eaLnBrk="1" latinLnBrk="0" hangingPunct="1">
-              <a:spcBef>
-                <a:spcPts val="0"/>
-              </a:spcBef>
-              <a:spcAft>
-                <a:spcPts val="1000"/>
-              </a:spcAft>
-              <a:buClr>
-                <a:schemeClr val="tx1"/>
-              </a:buClr>
-              <a:buSzPct val="100000"/>
-              <a:buFont typeface="Arial"/>
-              <a:buChar char="•"/>
-              <a:defRPr sz="1200" kern="1200" cap="none">
-                <a:solidFill>
-                  <a:schemeClr val="tx1"/>
-                </a:solidFill>
-                <a:effectLst/>
-                <a:latin typeface="+mn-lt"/>
-                <a:ea typeface="+mn-ea"/>
-                <a:cs typeface="+mn-cs"/>
-              </a:defRPr>
-            </a:lvl7pPr>
-            <a:lvl8pPr marL="3429000" indent="-228600" algn="l" defTabSz="457200" rtl="0" eaLnBrk="1" latinLnBrk="0" hangingPunct="1">
-              <a:spcBef>
-                <a:spcPts val="0"/>
-              </a:spcBef>
-              <a:spcAft>
-                <a:spcPts val="1000"/>
-              </a:spcAft>
-              <a:buClr>
-                <a:schemeClr val="tx1"/>
-              </a:buClr>
-              <a:buSzPct val="100000"/>
-              <a:buFont typeface="Arial"/>
-              <a:buChar char="•"/>
-              <a:defRPr sz="1200" kern="1200" cap="none">
-                <a:solidFill>
-                  <a:schemeClr val="tx1"/>
-                </a:solidFill>
-                <a:effectLst/>
-                <a:latin typeface="+mn-lt"/>
-                <a:ea typeface="+mn-ea"/>
-                <a:cs typeface="+mn-cs"/>
-              </a:defRPr>
-            </a:lvl8pPr>
-            <a:lvl9pPr marL="3886200" indent="-228600" algn="l" defTabSz="457200" rtl="0" eaLnBrk="1" latinLnBrk="0" hangingPunct="1">
-              <a:spcBef>
-                <a:spcPts val="0"/>
-              </a:spcBef>
-              <a:spcAft>
-                <a:spcPts val="1000"/>
-              </a:spcAft>
-              <a:buClr>
-                <a:schemeClr val="tx1"/>
-              </a:buClr>
-              <a:buSzPct val="100000"/>
-              <a:buFont typeface="Arial"/>
-              <a:buChar char="•"/>
-              <a:defRPr sz="1200" kern="1200" cap="none">
-                <a:solidFill>
-                  <a:schemeClr val="tx1"/>
-                </a:solidFill>
-                <a:effectLst/>
-                <a:latin typeface="+mn-lt"/>
-                <a:ea typeface="+mn-ea"/>
-                <a:cs typeface="+mn-cs"/>
-              </a:defRPr>
-            </a:lvl9pPr>
-          </a:lstStyle>
-          <a:p>
-            <a:r>
-              <a:rPr lang="en-MY" dirty="0"/>
-              <a:t>For the last program, make a new one after the second list inserted the result becomes:</a:t>
-            </a:r>
-          </a:p>
-          <a:p>
-            <a:pPr lvl="1"/>
-            <a:r>
-              <a:rPr kumimoji="0" lang="en-US" altLang="en-US" sz="1400" i="0" u="none" strike="noStrike" cap="none" normalizeH="0" baseline="0" dirty="0">
-                <a:ln>
-                  <a:noFill/>
-                </a:ln>
-                <a:effectLst/>
-                <a:latin typeface="Arial Unicode MS"/>
-              </a:rPr>
-              <a:t>[‘a’, [</a:t>
-            </a:r>
-            <a:r>
-              <a:rPr lang="en-US" altLang="en-US" sz="1400" dirty="0">
-                <a:latin typeface="Arial Unicode MS"/>
-              </a:rPr>
-              <a:t>‘b’, ‘c’, [‘d’, ‘e’, ‘f’, [‘g’, ‘h’, ‘</a:t>
-            </a:r>
-            <a:r>
-              <a:rPr lang="en-US" altLang="en-US" sz="1400" dirty="0" err="1">
-                <a:latin typeface="Arial Unicode MS"/>
-              </a:rPr>
-              <a:t>i</a:t>
-            </a:r>
-            <a:r>
-              <a:rPr lang="en-US" altLang="en-US" sz="1400" dirty="0">
-                <a:latin typeface="Arial Unicode MS"/>
-              </a:rPr>
-              <a:t>’]], ‘j’, ‘k’], ‘l’]</a:t>
-            </a:r>
-          </a:p>
-          <a:p>
-            <a:pPr lvl="1"/>
+              <a:rPr lang="en-US" dirty="0"/>
+              <a:t>Combination: how many ways to take out things from a set of items.</a:t>
+            </a:r>
+          </a:p>
+          <a:p>
+            <a:r>
+              <a:rPr lang="en-US" dirty="0"/>
+              <a:t>You have {a, b, c, d, e}, 5 things.</a:t>
+            </a:r>
+          </a:p>
+          <a:p>
+            <a:r>
+              <a:rPr lang="en-US" dirty="0"/>
+              <a:t>Now you want take out 1 from the 5. how many ways you can do?    Answer: you have 5 ways.</a:t>
+            </a:r>
+          </a:p>
+          <a:p>
+            <a:r>
+              <a:rPr lang="en-US" dirty="0"/>
+              <a:t>Now you want take out 2 from the 5. how many ways?     Answer: Then total ways is 10. they are {</a:t>
+            </a:r>
+            <a:r>
+              <a:rPr lang="en-US" dirty="0" err="1"/>
+              <a:t>a,b</a:t>
+            </a:r>
+            <a:r>
+              <a:rPr lang="en-US" dirty="0"/>
+              <a:t>}, {</a:t>
+            </a:r>
+            <a:r>
+              <a:rPr lang="en-US" dirty="0" err="1"/>
+              <a:t>a,c</a:t>
+            </a:r>
+            <a:r>
+              <a:rPr lang="en-US" dirty="0"/>
+              <a:t>}, {</a:t>
+            </a:r>
+            <a:r>
+              <a:rPr lang="en-US" dirty="0" err="1"/>
+              <a:t>a,d</a:t>
+            </a:r>
+            <a:r>
+              <a:rPr lang="en-US" dirty="0"/>
+              <a:t>}, {</a:t>
+            </a:r>
+            <a:r>
+              <a:rPr lang="en-US" dirty="0" err="1"/>
+              <a:t>a,e</a:t>
+            </a:r>
+            <a:r>
+              <a:rPr lang="en-US" dirty="0"/>
+              <a:t>}, {</a:t>
+            </a:r>
+            <a:r>
+              <a:rPr lang="en-US" dirty="0" err="1"/>
+              <a:t>b,c</a:t>
+            </a:r>
+            <a:r>
+              <a:rPr lang="en-US" dirty="0"/>
+              <a:t>}, {</a:t>
+            </a:r>
+            <a:r>
+              <a:rPr lang="en-US" dirty="0" err="1"/>
+              <a:t>b,d</a:t>
+            </a:r>
+            <a:r>
+              <a:rPr lang="en-US" dirty="0"/>
+              <a:t>}, {</a:t>
+            </a:r>
+            <a:r>
+              <a:rPr lang="en-US" dirty="0" err="1"/>
+              <a:t>b,e</a:t>
+            </a:r>
+            <a:r>
+              <a:rPr lang="en-US" dirty="0"/>
+              <a:t>}, {</a:t>
+            </a:r>
+            <a:r>
+              <a:rPr lang="en-US" dirty="0" err="1"/>
+              <a:t>c,d</a:t>
+            </a:r>
+            <a:r>
+              <a:rPr lang="en-US" dirty="0"/>
+              <a:t>}, {</a:t>
+            </a:r>
+            <a:r>
+              <a:rPr lang="en-US" dirty="0" err="1"/>
+              <a:t>c,e</a:t>
+            </a:r>
+            <a:r>
+              <a:rPr lang="en-US" dirty="0"/>
+              <a:t>}, {</a:t>
+            </a:r>
+            <a:r>
+              <a:rPr lang="en-US" dirty="0" err="1"/>
+              <a:t>d,e</a:t>
+            </a:r>
+            <a:r>
+              <a:rPr lang="en-US" dirty="0"/>
+              <a:t>}</a:t>
+            </a:r>
+          </a:p>
+          <a:p>
+            <a:endParaRPr lang="en-US" dirty="0"/>
+          </a:p>
+          <a:p>
+            <a:r>
+              <a:rPr lang="en-US" dirty="0"/>
+              <a:t>Make a program to list all the ways? (from n items to take m items, m&lt;=n)</a:t>
+            </a:r>
             <a:endParaRPr lang="en-MY" dirty="0"/>
           </a:p>
         </p:txBody>
@@ -19793,7 +14548,7 @@
     </p:spTree>
     <p:extLst>
       <p:ext uri="{BB962C8B-B14F-4D97-AF65-F5344CB8AC3E}">
-        <p14:creationId xmlns:p14="http://schemas.microsoft.com/office/powerpoint/2010/main" val="3837898654"/>
+        <p14:creationId xmlns:p14="http://schemas.microsoft.com/office/powerpoint/2010/main" val="4225843026"/>
       </p:ext>
     </p:extLst>
   </p:cSld>
@@ -19822,10 +14577,59 @@
       </p:grpSpPr>
       <p:sp>
         <p:nvSpPr>
-          <p:cNvPr id="2" name="标题 1">
+          <p:cNvPr id="3" name="Content Placeholder 2">
             <a:extLst>
               <a:ext uri="{FF2B5EF4-FFF2-40B4-BE49-F238E27FC236}">
-                <a16:creationId xmlns:a16="http://schemas.microsoft.com/office/drawing/2014/main" id="{5EC01E2D-9CFE-4D5D-8863-3BA90731F07B}"/>
+                <a16:creationId xmlns:a16="http://schemas.microsoft.com/office/drawing/2014/main" id="{9ACB66CF-AD72-47FB-9DEE-6949334A6EA7}"/>
+              </a:ext>
+            </a:extLst>
+          </p:cNvPr>
+          <p:cNvSpPr>
+            <a:spLocks noGrp="1"/>
+          </p:cNvSpPr>
+          <p:nvPr>
+            <p:ph idx="1"/>
+          </p:nvPr>
+        </p:nvSpPr>
+        <p:spPr>
+          <a:xfrm>
+            <a:off x="685801" y="2065867"/>
+            <a:ext cx="9865657" cy="2205815"/>
+          </a:xfrm>
+        </p:spPr>
+        <p:txBody>
+          <a:bodyPr anchor="t">
+            <a:normAutofit/>
+          </a:bodyPr>
+          <a:lstStyle/>
+          <a:p>
+            <a:r>
+              <a:rPr lang="en-US" dirty="0"/>
+              <a:t>Write a program, which takes </a:t>
+            </a:r>
+            <a:r>
+              <a:rPr lang="en-US"/>
+              <a:t>many different letters </a:t>
+            </a:r>
+            <a:r>
+              <a:rPr lang="en-US" dirty="0"/>
+              <a:t>from user. Use ‘0’ as indication of end.</a:t>
+            </a:r>
+          </a:p>
+          <a:p>
+            <a:r>
+              <a:rPr lang="en-MY" dirty="0"/>
+              <a:t>The program output all possible string using those letters. (use at least one letter, up to all letters been used.)</a:t>
+            </a:r>
+          </a:p>
+        </p:txBody>
+      </p:sp>
+      <p:sp>
+        <p:nvSpPr>
+          <p:cNvPr id="4" name="标题 1">
+            <a:extLst>
+              <a:ext uri="{FF2B5EF4-FFF2-40B4-BE49-F238E27FC236}">
+                <a16:creationId xmlns:a16="http://schemas.microsoft.com/office/drawing/2014/main" id="{BD5E8151-0E77-409E-BF85-FD92350D8956}"/>
               </a:ext>
             </a:extLst>
           </p:cNvPr>
@@ -19838,376 +14642,26 @@
         </p:nvSpPr>
         <p:spPr>
           <a:xfrm>
-            <a:off x="923365" y="643463"/>
-            <a:ext cx="10649203" cy="1608124"/>
+            <a:off x="685801" y="609600"/>
+            <a:ext cx="10131425" cy="1456267"/>
           </a:xfrm>
         </p:spPr>
         <p:txBody>
-          <a:bodyPr>
-            <a:normAutofit/>
-          </a:bodyPr>
+          <a:bodyPr/>
           <a:lstStyle/>
           <a:p>
             <a:r>
               <a:rPr lang="en-US" dirty="0"/>
-              <a:t>List Programming practice</a:t>
+              <a:t>Permutation of letters</a:t>
             </a:r>
             <a:endParaRPr lang="en-MY" dirty="0"/>
-          </a:p>
-        </p:txBody>
-      </p:sp>
-      <p:sp>
-        <p:nvSpPr>
-          <p:cNvPr id="3" name="内容占位符 2">
-            <a:extLst>
-              <a:ext uri="{FF2B5EF4-FFF2-40B4-BE49-F238E27FC236}">
-                <a16:creationId xmlns:a16="http://schemas.microsoft.com/office/drawing/2014/main" id="{7060439F-2729-478E-B95F-230482B50AA1}"/>
-              </a:ext>
-            </a:extLst>
-          </p:cNvPr>
-          <p:cNvSpPr>
-            <a:spLocks noGrp="1"/>
-          </p:cNvSpPr>
-          <p:nvPr>
-            <p:ph idx="1"/>
-          </p:nvPr>
-        </p:nvSpPr>
-        <p:spPr>
-          <a:xfrm>
-            <a:off x="923366" y="2251587"/>
-            <a:ext cx="10264588" cy="1782531"/>
-          </a:xfrm>
-        </p:spPr>
-        <p:txBody>
-          <a:bodyPr anchor="t">
-            <a:normAutofit/>
-          </a:bodyPr>
-          <a:lstStyle/>
-          <a:p>
-            <a:r>
-              <a:rPr lang="en-MY" dirty="0"/>
-              <a:t>Remove specific value from list. example</a:t>
-            </a:r>
-          </a:p>
-          <a:p>
-            <a:pPr lvl="1"/>
-            <a:r>
-              <a:rPr lang="en-US" altLang="en-US" sz="1400" dirty="0">
-                <a:latin typeface="Arial Unicode MS"/>
-              </a:rPr>
-              <a:t>Have a list: [ 5, 10, 20, 22, 20, 42, 50]</a:t>
-            </a:r>
-            <a:endParaRPr kumimoji="0" lang="en-US" altLang="en-US" sz="1400" i="0" u="none" strike="noStrike" cap="none" normalizeH="0" baseline="0" dirty="0">
-              <a:ln>
-                <a:noFill/>
-              </a:ln>
-              <a:effectLst/>
-              <a:latin typeface="Arial Unicode MS"/>
-            </a:endParaRPr>
-          </a:p>
-          <a:p>
-            <a:pPr lvl="1"/>
-            <a:r>
-              <a:rPr lang="en-US" altLang="en-US" sz="1400" dirty="0">
-                <a:latin typeface="Arial Unicode MS"/>
-              </a:rPr>
-              <a:t>Then remove(list, 20) will give: [5, 10, 22, 42, 50] </a:t>
-            </a:r>
-            <a:endParaRPr kumimoji="0" lang="en-US" altLang="en-US" sz="1400" i="0" u="none" strike="noStrike" cap="none" normalizeH="0" baseline="0" dirty="0">
-              <a:ln>
-                <a:noFill/>
-              </a:ln>
-              <a:effectLst/>
-              <a:latin typeface="Arial Unicode MS"/>
-            </a:endParaRPr>
-          </a:p>
-          <a:p>
-            <a:pPr lvl="1"/>
-            <a:endParaRPr lang="en-MY" dirty="0"/>
-          </a:p>
-        </p:txBody>
-      </p:sp>
-      <p:sp>
-        <p:nvSpPr>
-          <p:cNvPr id="4" name="内容占位符 2">
-            <a:extLst>
-              <a:ext uri="{FF2B5EF4-FFF2-40B4-BE49-F238E27FC236}">
-                <a16:creationId xmlns:a16="http://schemas.microsoft.com/office/drawing/2014/main" id="{EC31A9B6-34C0-4D1A-832B-DE43F35D868D}"/>
-              </a:ext>
-            </a:extLst>
-          </p:cNvPr>
-          <p:cNvSpPr txBox="1">
-            <a:spLocks/>
-          </p:cNvSpPr>
-          <p:nvPr/>
-        </p:nvSpPr>
-        <p:spPr>
-          <a:xfrm>
-            <a:off x="923365" y="4313470"/>
-            <a:ext cx="10264588" cy="1235684"/>
-          </a:xfrm>
-          <a:prstGeom prst="rect">
-            <a:avLst/>
-          </a:prstGeom>
-        </p:spPr>
-        <p:txBody>
-          <a:bodyPr vert="horz" lIns="91440" tIns="45720" rIns="91440" bIns="45720" rtlCol="0" anchor="t">
-            <a:normAutofit/>
-          </a:bodyPr>
-          <a:lstStyle>
-            <a:lvl1pPr marL="285750" indent="-285750" algn="l" defTabSz="457200" rtl="0" eaLnBrk="1" latinLnBrk="0" hangingPunct="1">
-              <a:spcBef>
-                <a:spcPts val="0"/>
-              </a:spcBef>
-              <a:spcAft>
-                <a:spcPts val="1000"/>
-              </a:spcAft>
-              <a:buClr>
-                <a:schemeClr val="tx1"/>
-              </a:buClr>
-              <a:buSzPct val="100000"/>
-              <a:buFont typeface="Arial"/>
-              <a:buChar char="•"/>
-              <a:defRPr sz="1800" kern="1200" cap="none">
-                <a:solidFill>
-                  <a:schemeClr val="tx1"/>
-                </a:solidFill>
-                <a:effectLst/>
-                <a:latin typeface="+mn-lt"/>
-                <a:ea typeface="+mn-ea"/>
-                <a:cs typeface="+mn-cs"/>
-              </a:defRPr>
-            </a:lvl1pPr>
-            <a:lvl2pPr marL="742950" indent="-285750" algn="l" defTabSz="457200" rtl="0" eaLnBrk="1" latinLnBrk="0" hangingPunct="1">
-              <a:spcBef>
-                <a:spcPts val="0"/>
-              </a:spcBef>
-              <a:spcAft>
-                <a:spcPts val="1000"/>
-              </a:spcAft>
-              <a:buClr>
-                <a:schemeClr val="tx1"/>
-              </a:buClr>
-              <a:buSzPct val="100000"/>
-              <a:buFont typeface="Arial"/>
-              <a:buChar char="•"/>
-              <a:defRPr sz="1600" kern="1200" cap="none">
-                <a:solidFill>
-                  <a:schemeClr val="tx1"/>
-                </a:solidFill>
-                <a:effectLst/>
-                <a:latin typeface="+mn-lt"/>
-                <a:ea typeface="+mn-ea"/>
-                <a:cs typeface="+mn-cs"/>
-              </a:defRPr>
-            </a:lvl2pPr>
-            <a:lvl3pPr marL="1200150" indent="-285750" algn="l" defTabSz="457200" rtl="0" eaLnBrk="1" latinLnBrk="0" hangingPunct="1">
-              <a:spcBef>
-                <a:spcPts val="0"/>
-              </a:spcBef>
-              <a:spcAft>
-                <a:spcPts val="1000"/>
-              </a:spcAft>
-              <a:buClr>
-                <a:schemeClr val="tx1"/>
-              </a:buClr>
-              <a:buSzPct val="100000"/>
-              <a:buFont typeface="Arial"/>
-              <a:buChar char="•"/>
-              <a:defRPr sz="1400" kern="1200" cap="none">
-                <a:solidFill>
-                  <a:schemeClr val="tx1"/>
-                </a:solidFill>
-                <a:effectLst/>
-                <a:latin typeface="+mn-lt"/>
-                <a:ea typeface="+mn-ea"/>
-                <a:cs typeface="+mn-cs"/>
-              </a:defRPr>
-            </a:lvl3pPr>
-            <a:lvl4pPr marL="1543050" indent="-171450" algn="l" defTabSz="457200" rtl="0" eaLnBrk="1" latinLnBrk="0" hangingPunct="1">
-              <a:spcBef>
-                <a:spcPts val="0"/>
-              </a:spcBef>
-              <a:spcAft>
-                <a:spcPts val="1000"/>
-              </a:spcAft>
-              <a:buClr>
-                <a:schemeClr val="tx1"/>
-              </a:buClr>
-              <a:buSzPct val="100000"/>
-              <a:buFont typeface="Arial"/>
-              <a:buChar char="•"/>
-              <a:defRPr sz="1200" kern="1200" cap="none">
-                <a:solidFill>
-                  <a:schemeClr val="tx1"/>
-                </a:solidFill>
-                <a:effectLst/>
-                <a:latin typeface="+mn-lt"/>
-                <a:ea typeface="+mn-ea"/>
-                <a:cs typeface="+mn-cs"/>
-              </a:defRPr>
-            </a:lvl4pPr>
-            <a:lvl5pPr marL="2000250" indent="-171450" algn="l" defTabSz="457200" rtl="0" eaLnBrk="1" latinLnBrk="0" hangingPunct="1">
-              <a:spcBef>
-                <a:spcPts val="0"/>
-              </a:spcBef>
-              <a:spcAft>
-                <a:spcPts val="1000"/>
-              </a:spcAft>
-              <a:buClr>
-                <a:schemeClr val="tx1"/>
-              </a:buClr>
-              <a:buSzPct val="100000"/>
-              <a:buFont typeface="Arial"/>
-              <a:buChar char="•"/>
-              <a:defRPr sz="1200" kern="1200" cap="none">
-                <a:solidFill>
-                  <a:schemeClr val="tx1"/>
-                </a:solidFill>
-                <a:effectLst/>
-                <a:latin typeface="+mn-lt"/>
-                <a:ea typeface="+mn-ea"/>
-                <a:cs typeface="+mn-cs"/>
-              </a:defRPr>
-            </a:lvl5pPr>
-            <a:lvl6pPr marL="2514600" indent="-228600" algn="l" defTabSz="457200" rtl="0" eaLnBrk="1" latinLnBrk="0" hangingPunct="1">
-              <a:spcBef>
-                <a:spcPts val="0"/>
-              </a:spcBef>
-              <a:spcAft>
-                <a:spcPts val="1000"/>
-              </a:spcAft>
-              <a:buClr>
-                <a:schemeClr val="tx1"/>
-              </a:buClr>
-              <a:buSzPct val="100000"/>
-              <a:buFont typeface="Arial"/>
-              <a:buChar char="•"/>
-              <a:defRPr sz="1200" kern="1200" cap="none">
-                <a:solidFill>
-                  <a:schemeClr val="tx1"/>
-                </a:solidFill>
-                <a:effectLst/>
-                <a:latin typeface="+mn-lt"/>
-                <a:ea typeface="+mn-ea"/>
-                <a:cs typeface="+mn-cs"/>
-              </a:defRPr>
-            </a:lvl6pPr>
-            <a:lvl7pPr marL="2971800" indent="-228600" algn="l" defTabSz="457200" rtl="0" eaLnBrk="1" latinLnBrk="0" hangingPunct="1">
-              <a:spcBef>
-                <a:spcPts val="0"/>
-              </a:spcBef>
-              <a:spcAft>
-                <a:spcPts val="1000"/>
-              </a:spcAft>
-              <a:buClr>
-                <a:schemeClr val="tx1"/>
-              </a:buClr>
-              <a:buSzPct val="100000"/>
-              <a:buFont typeface="Arial"/>
-              <a:buChar char="•"/>
-              <a:defRPr sz="1200" kern="1200" cap="none">
-                <a:solidFill>
-                  <a:schemeClr val="tx1"/>
-                </a:solidFill>
-                <a:effectLst/>
-                <a:latin typeface="+mn-lt"/>
-                <a:ea typeface="+mn-ea"/>
-                <a:cs typeface="+mn-cs"/>
-              </a:defRPr>
-            </a:lvl7pPr>
-            <a:lvl8pPr marL="3429000" indent="-228600" algn="l" defTabSz="457200" rtl="0" eaLnBrk="1" latinLnBrk="0" hangingPunct="1">
-              <a:spcBef>
-                <a:spcPts val="0"/>
-              </a:spcBef>
-              <a:spcAft>
-                <a:spcPts val="1000"/>
-              </a:spcAft>
-              <a:buClr>
-                <a:schemeClr val="tx1"/>
-              </a:buClr>
-              <a:buSzPct val="100000"/>
-              <a:buFont typeface="Arial"/>
-              <a:buChar char="•"/>
-              <a:defRPr sz="1200" kern="1200" cap="none">
-                <a:solidFill>
-                  <a:schemeClr val="tx1"/>
-                </a:solidFill>
-                <a:effectLst/>
-                <a:latin typeface="+mn-lt"/>
-                <a:ea typeface="+mn-ea"/>
-                <a:cs typeface="+mn-cs"/>
-              </a:defRPr>
-            </a:lvl8pPr>
-            <a:lvl9pPr marL="3886200" indent="-228600" algn="l" defTabSz="457200" rtl="0" eaLnBrk="1" latinLnBrk="0" hangingPunct="1">
-              <a:spcBef>
-                <a:spcPts val="0"/>
-              </a:spcBef>
-              <a:spcAft>
-                <a:spcPts val="1000"/>
-              </a:spcAft>
-              <a:buClr>
-                <a:schemeClr val="tx1"/>
-              </a:buClr>
-              <a:buSzPct val="100000"/>
-              <a:buFont typeface="Arial"/>
-              <a:buChar char="•"/>
-              <a:defRPr sz="1200" kern="1200" cap="none">
-                <a:solidFill>
-                  <a:schemeClr val="tx1"/>
-                </a:solidFill>
-                <a:effectLst/>
-                <a:latin typeface="+mn-lt"/>
-                <a:ea typeface="+mn-ea"/>
-                <a:cs typeface="+mn-cs"/>
-              </a:defRPr>
-            </a:lvl9pPr>
-          </a:lstStyle>
-          <a:p>
-            <a:r>
-              <a:rPr lang="en-MY" dirty="0"/>
-              <a:t>Replace specific value in list with a new value. example:</a:t>
-            </a:r>
-          </a:p>
-          <a:p>
-            <a:pPr lvl="1"/>
-            <a:r>
-              <a:rPr kumimoji="0" lang="en-US" altLang="en-US" sz="1400" i="0" u="none" strike="noStrike" cap="none" normalizeH="0" baseline="0" dirty="0">
-                <a:ln>
-                  <a:noFill/>
-                </a:ln>
-                <a:effectLst/>
-                <a:latin typeface="Arial Unicode MS"/>
-              </a:rPr>
-              <a:t>Have a list: </a:t>
-            </a:r>
-            <a:r>
-              <a:rPr lang="en-US" altLang="en-US" sz="1400" dirty="0">
-                <a:latin typeface="Arial Unicode MS"/>
-              </a:rPr>
-              <a:t>[ 5, 10, 20, 22, 20, 42, 50]</a:t>
-            </a:r>
-            <a:endParaRPr kumimoji="0" lang="en-US" altLang="en-US" sz="1400" i="0" u="none" strike="noStrike" cap="none" normalizeH="0" baseline="0" dirty="0">
-              <a:ln>
-                <a:noFill/>
-              </a:ln>
-              <a:effectLst/>
-              <a:latin typeface="Arial Unicode MS"/>
-            </a:endParaRPr>
-          </a:p>
-          <a:p>
-            <a:pPr lvl="1"/>
-            <a:r>
-              <a:rPr lang="en-MY" dirty="0"/>
-              <a:t>Then replace(list, 20, 200) will give: [5, 10, 200, 22, 200, 42, 50]</a:t>
-            </a:r>
           </a:p>
         </p:txBody>
       </p:sp>
     </p:spTree>
     <p:extLst>
       <p:ext uri="{BB962C8B-B14F-4D97-AF65-F5344CB8AC3E}">
-        <p14:creationId xmlns:p14="http://schemas.microsoft.com/office/powerpoint/2010/main" val="863993670"/>
+        <p14:creationId xmlns:p14="http://schemas.microsoft.com/office/powerpoint/2010/main" val="3756693306"/>
       </p:ext>
     </p:extLst>
   </p:cSld>
@@ -20236,10 +14690,10 @@
       </p:grpSpPr>
       <p:sp>
         <p:nvSpPr>
-          <p:cNvPr id="2" name="标题 1">
+          <p:cNvPr id="2" name="Title 1">
             <a:extLst>
               <a:ext uri="{FF2B5EF4-FFF2-40B4-BE49-F238E27FC236}">
-                <a16:creationId xmlns:a16="http://schemas.microsoft.com/office/drawing/2014/main" id="{5EC01E2D-9CFE-4D5D-8863-3BA90731F07B}"/>
+                <a16:creationId xmlns:a16="http://schemas.microsoft.com/office/drawing/2014/main" id="{1D96A6DA-85CC-438D-8FE1-8BDC8C1BE0D2}"/>
               </a:ext>
             </a:extLst>
           </p:cNvPr>
@@ -20250,21 +14704,14 @@
             <p:ph type="title"/>
           </p:nvPr>
         </p:nvSpPr>
-        <p:spPr>
-          <a:xfrm>
-            <a:off x="923365" y="643463"/>
-            <a:ext cx="10649203" cy="1608124"/>
-          </a:xfrm>
-        </p:spPr>
-        <p:txBody>
-          <a:bodyPr>
-            <a:normAutofit/>
-          </a:bodyPr>
+        <p:spPr/>
+        <p:txBody>
+          <a:bodyPr/>
           <a:lstStyle/>
           <a:p>
             <a:r>
               <a:rPr lang="en-US" dirty="0"/>
-              <a:t>List Programming practice</a:t>
+              <a:t>permutation</a:t>
             </a:r>
             <a:endParaRPr lang="en-MY" dirty="0"/>
           </a:p>
@@ -20272,10 +14719,10 @@
       </p:sp>
       <p:sp>
         <p:nvSpPr>
-          <p:cNvPr id="3" name="内容占位符 2">
+          <p:cNvPr id="3" name="Content Placeholder 2">
             <a:extLst>
               <a:ext uri="{FF2B5EF4-FFF2-40B4-BE49-F238E27FC236}">
-                <a16:creationId xmlns:a16="http://schemas.microsoft.com/office/drawing/2014/main" id="{7060439F-2729-478E-B95F-230482B50AA1}"/>
+                <a16:creationId xmlns:a16="http://schemas.microsoft.com/office/drawing/2014/main" id="{74CF7FC6-65F6-4325-8DB2-4EB46244F474}"/>
               </a:ext>
             </a:extLst>
           </p:cNvPr>
@@ -20286,289 +14733,27 @@
             <p:ph idx="1"/>
           </p:nvPr>
         </p:nvSpPr>
-        <p:spPr>
-          <a:xfrm>
-            <a:off x="923366" y="2251587"/>
-            <a:ext cx="10264588" cy="1504625"/>
-          </a:xfrm>
-        </p:spPr>
-        <p:txBody>
-          <a:bodyPr anchor="t">
-            <a:normAutofit/>
-          </a:bodyPr>
+        <p:spPr/>
+        <p:txBody>
+          <a:bodyPr anchor="t"/>
           <a:lstStyle/>
           <a:p>
             <a:r>
-              <a:rPr lang="en-MY" dirty="0"/>
-              <a:t>Give a number, and a list of numbers.</a:t>
-            </a:r>
-          </a:p>
-          <a:p>
-            <a:r>
-              <a:rPr lang="en-MY" dirty="0"/>
-              <a:t>Find from the list, 2 numbers which can add up together equal to the number given.</a:t>
-            </a:r>
-          </a:p>
-          <a:p>
-            <a:pPr lvl="1"/>
-            <a:endParaRPr lang="en-MY" dirty="0"/>
-          </a:p>
-        </p:txBody>
-      </p:sp>
-      <p:sp>
-        <p:nvSpPr>
-          <p:cNvPr id="5" name="内容占位符 2">
-            <a:extLst>
-              <a:ext uri="{FF2B5EF4-FFF2-40B4-BE49-F238E27FC236}">
-                <a16:creationId xmlns:a16="http://schemas.microsoft.com/office/drawing/2014/main" id="{3698BD40-FB3E-4BC6-B2A3-804E5B9E6F53}"/>
-              </a:ext>
-            </a:extLst>
-          </p:cNvPr>
-          <p:cNvSpPr txBox="1">
-            <a:spLocks/>
-          </p:cNvSpPr>
-          <p:nvPr/>
-        </p:nvSpPr>
-        <p:spPr>
-          <a:xfrm>
-            <a:off x="963706" y="4306498"/>
-            <a:ext cx="10264588" cy="1504625"/>
-          </a:xfrm>
-          <a:prstGeom prst="rect">
-            <a:avLst/>
-          </a:prstGeom>
-        </p:spPr>
-        <p:txBody>
-          <a:bodyPr vert="horz" lIns="91440" tIns="45720" rIns="91440" bIns="45720" rtlCol="0" anchor="t">
-            <a:normAutofit/>
-          </a:bodyPr>
-          <a:lstStyle>
-            <a:lvl1pPr marL="285750" indent="-285750" algn="l" defTabSz="457200" rtl="0" eaLnBrk="1" latinLnBrk="0" hangingPunct="1">
-              <a:spcBef>
-                <a:spcPts val="0"/>
-              </a:spcBef>
-              <a:spcAft>
-                <a:spcPts val="1000"/>
-              </a:spcAft>
-              <a:buClr>
-                <a:schemeClr val="tx1"/>
-              </a:buClr>
-              <a:buSzPct val="100000"/>
-              <a:buFont typeface="Arial"/>
-              <a:buChar char="•"/>
-              <a:defRPr sz="1800" kern="1200" cap="none">
-                <a:solidFill>
-                  <a:schemeClr val="tx1"/>
-                </a:solidFill>
-                <a:effectLst/>
-                <a:latin typeface="+mn-lt"/>
-                <a:ea typeface="+mn-ea"/>
-                <a:cs typeface="+mn-cs"/>
-              </a:defRPr>
-            </a:lvl1pPr>
-            <a:lvl2pPr marL="742950" indent="-285750" algn="l" defTabSz="457200" rtl="0" eaLnBrk="1" latinLnBrk="0" hangingPunct="1">
-              <a:spcBef>
-                <a:spcPts val="0"/>
-              </a:spcBef>
-              <a:spcAft>
-                <a:spcPts val="1000"/>
-              </a:spcAft>
-              <a:buClr>
-                <a:schemeClr val="tx1"/>
-              </a:buClr>
-              <a:buSzPct val="100000"/>
-              <a:buFont typeface="Arial"/>
-              <a:buChar char="•"/>
-              <a:defRPr sz="1600" kern="1200" cap="none">
-                <a:solidFill>
-                  <a:schemeClr val="tx1"/>
-                </a:solidFill>
-                <a:effectLst/>
-                <a:latin typeface="+mn-lt"/>
-                <a:ea typeface="+mn-ea"/>
-                <a:cs typeface="+mn-cs"/>
-              </a:defRPr>
-            </a:lvl2pPr>
-            <a:lvl3pPr marL="1200150" indent="-285750" algn="l" defTabSz="457200" rtl="0" eaLnBrk="1" latinLnBrk="0" hangingPunct="1">
-              <a:spcBef>
-                <a:spcPts val="0"/>
-              </a:spcBef>
-              <a:spcAft>
-                <a:spcPts val="1000"/>
-              </a:spcAft>
-              <a:buClr>
-                <a:schemeClr val="tx1"/>
-              </a:buClr>
-              <a:buSzPct val="100000"/>
-              <a:buFont typeface="Arial"/>
-              <a:buChar char="•"/>
-              <a:defRPr sz="1400" kern="1200" cap="none">
-                <a:solidFill>
-                  <a:schemeClr val="tx1"/>
-                </a:solidFill>
-                <a:effectLst/>
-                <a:latin typeface="+mn-lt"/>
-                <a:ea typeface="+mn-ea"/>
-                <a:cs typeface="+mn-cs"/>
-              </a:defRPr>
-            </a:lvl3pPr>
-            <a:lvl4pPr marL="1543050" indent="-171450" algn="l" defTabSz="457200" rtl="0" eaLnBrk="1" latinLnBrk="0" hangingPunct="1">
-              <a:spcBef>
-                <a:spcPts val="0"/>
-              </a:spcBef>
-              <a:spcAft>
-                <a:spcPts val="1000"/>
-              </a:spcAft>
-              <a:buClr>
-                <a:schemeClr val="tx1"/>
-              </a:buClr>
-              <a:buSzPct val="100000"/>
-              <a:buFont typeface="Arial"/>
-              <a:buChar char="•"/>
-              <a:defRPr sz="1200" kern="1200" cap="none">
-                <a:solidFill>
-                  <a:schemeClr val="tx1"/>
-                </a:solidFill>
-                <a:effectLst/>
-                <a:latin typeface="+mn-lt"/>
-                <a:ea typeface="+mn-ea"/>
-                <a:cs typeface="+mn-cs"/>
-              </a:defRPr>
-            </a:lvl4pPr>
-            <a:lvl5pPr marL="2000250" indent="-171450" algn="l" defTabSz="457200" rtl="0" eaLnBrk="1" latinLnBrk="0" hangingPunct="1">
-              <a:spcBef>
-                <a:spcPts val="0"/>
-              </a:spcBef>
-              <a:spcAft>
-                <a:spcPts val="1000"/>
-              </a:spcAft>
-              <a:buClr>
-                <a:schemeClr val="tx1"/>
-              </a:buClr>
-              <a:buSzPct val="100000"/>
-              <a:buFont typeface="Arial"/>
-              <a:buChar char="•"/>
-              <a:defRPr sz="1200" kern="1200" cap="none">
-                <a:solidFill>
-                  <a:schemeClr val="tx1"/>
-                </a:solidFill>
-                <a:effectLst/>
-                <a:latin typeface="+mn-lt"/>
-                <a:ea typeface="+mn-ea"/>
-                <a:cs typeface="+mn-cs"/>
-              </a:defRPr>
-            </a:lvl5pPr>
-            <a:lvl6pPr marL="2514600" indent="-228600" algn="l" defTabSz="457200" rtl="0" eaLnBrk="1" latinLnBrk="0" hangingPunct="1">
-              <a:spcBef>
-                <a:spcPts val="0"/>
-              </a:spcBef>
-              <a:spcAft>
-                <a:spcPts val="1000"/>
-              </a:spcAft>
-              <a:buClr>
-                <a:schemeClr val="tx1"/>
-              </a:buClr>
-              <a:buSzPct val="100000"/>
-              <a:buFont typeface="Arial"/>
-              <a:buChar char="•"/>
-              <a:defRPr sz="1200" kern="1200" cap="none">
-                <a:solidFill>
-                  <a:schemeClr val="tx1"/>
-                </a:solidFill>
-                <a:effectLst/>
-                <a:latin typeface="+mn-lt"/>
-                <a:ea typeface="+mn-ea"/>
-                <a:cs typeface="+mn-cs"/>
-              </a:defRPr>
-            </a:lvl6pPr>
-            <a:lvl7pPr marL="2971800" indent="-228600" algn="l" defTabSz="457200" rtl="0" eaLnBrk="1" latinLnBrk="0" hangingPunct="1">
-              <a:spcBef>
-                <a:spcPts val="0"/>
-              </a:spcBef>
-              <a:spcAft>
-                <a:spcPts val="1000"/>
-              </a:spcAft>
-              <a:buClr>
-                <a:schemeClr val="tx1"/>
-              </a:buClr>
-              <a:buSzPct val="100000"/>
-              <a:buFont typeface="Arial"/>
-              <a:buChar char="•"/>
-              <a:defRPr sz="1200" kern="1200" cap="none">
-                <a:solidFill>
-                  <a:schemeClr val="tx1"/>
-                </a:solidFill>
-                <a:effectLst/>
-                <a:latin typeface="+mn-lt"/>
-                <a:ea typeface="+mn-ea"/>
-                <a:cs typeface="+mn-cs"/>
-              </a:defRPr>
-            </a:lvl7pPr>
-            <a:lvl8pPr marL="3429000" indent="-228600" algn="l" defTabSz="457200" rtl="0" eaLnBrk="1" latinLnBrk="0" hangingPunct="1">
-              <a:spcBef>
-                <a:spcPts val="0"/>
-              </a:spcBef>
-              <a:spcAft>
-                <a:spcPts val="1000"/>
-              </a:spcAft>
-              <a:buClr>
-                <a:schemeClr val="tx1"/>
-              </a:buClr>
-              <a:buSzPct val="100000"/>
-              <a:buFont typeface="Arial"/>
-              <a:buChar char="•"/>
-              <a:defRPr sz="1200" kern="1200" cap="none">
-                <a:solidFill>
-                  <a:schemeClr val="tx1"/>
-                </a:solidFill>
-                <a:effectLst/>
-                <a:latin typeface="+mn-lt"/>
-                <a:ea typeface="+mn-ea"/>
-                <a:cs typeface="+mn-cs"/>
-              </a:defRPr>
-            </a:lvl8pPr>
-            <a:lvl9pPr marL="3886200" indent="-228600" algn="l" defTabSz="457200" rtl="0" eaLnBrk="1" latinLnBrk="0" hangingPunct="1">
-              <a:spcBef>
-                <a:spcPts val="0"/>
-              </a:spcBef>
-              <a:spcAft>
-                <a:spcPts val="1000"/>
-              </a:spcAft>
-              <a:buClr>
-                <a:schemeClr val="tx1"/>
-              </a:buClr>
-              <a:buSzPct val="100000"/>
-              <a:buFont typeface="Arial"/>
-              <a:buChar char="•"/>
-              <a:defRPr sz="1200" kern="1200" cap="none">
-                <a:solidFill>
-                  <a:schemeClr val="tx1"/>
-                </a:solidFill>
-                <a:effectLst/>
-                <a:latin typeface="+mn-lt"/>
-                <a:ea typeface="+mn-ea"/>
-                <a:cs typeface="+mn-cs"/>
-              </a:defRPr>
-            </a:lvl9pPr>
-          </a:lstStyle>
-          <a:p>
-            <a:r>
-              <a:rPr lang="en-MY" dirty="0"/>
-              <a:t>Given 2 list, [1, 3, 5, 7, None, None] and [2, 4, 6, 8].</a:t>
-            </a:r>
-          </a:p>
-          <a:p>
-            <a:r>
-              <a:rPr lang="en-MY" dirty="0"/>
-              <a:t>Make a program to produce a new list from the 2 list given, the new list is : [1, 2, 3, 4, 5, 6, 7, 8]. </a:t>
-            </a:r>
-            <a:r>
-              <a:rPr lang="en-MY" i="1" dirty="0"/>
-              <a:t>(Note: you need use the two list to produce the new one, not directly generate a new one)</a:t>
-            </a:r>
-          </a:p>
-          <a:p>
-            <a:pPr lvl="1"/>
+              <a:rPr lang="en-US" dirty="0"/>
+              <a:t>In the combination problem, if the item you take out the order is important, then it becomes permutation problem.</a:t>
+            </a:r>
+          </a:p>
+          <a:p>
+            <a:r>
+              <a:rPr lang="en-US" dirty="0"/>
+              <a:t>Example: for taking 2 items, {a, c} and {c, a} are considered different.</a:t>
+            </a:r>
+          </a:p>
+          <a:p>
+            <a:r>
+              <a:rPr lang="en-US" dirty="0"/>
+              <a:t>Can make a program to list all ways?</a:t>
+            </a:r>
             <a:endParaRPr lang="en-MY" dirty="0"/>
           </a:p>
         </p:txBody>
@@ -20576,7 +14761,7 @@
     </p:spTree>
     <p:extLst>
       <p:ext uri="{BB962C8B-B14F-4D97-AF65-F5344CB8AC3E}">
-        <p14:creationId xmlns:p14="http://schemas.microsoft.com/office/powerpoint/2010/main" val="2705027"/>
+        <p14:creationId xmlns:p14="http://schemas.microsoft.com/office/powerpoint/2010/main" val="1741278169"/>
       </p:ext>
     </p:extLst>
   </p:cSld>
